--- a/figs/latte24/figs.pptx
+++ b/figs/latte24/figs.pptx
@@ -5,11 +5,13 @@
     <p:sldMasterId id="2147483648" r:id="rId1"/>
   </p:sldMasterIdLst>
   <p:notesMasterIdLst>
-    <p:notesMasterId r:id="rId4"/>
+    <p:notesMasterId r:id="rId6"/>
   </p:notesMasterIdLst>
   <p:sldIdLst>
     <p:sldId id="256" r:id="rId2"/>
     <p:sldId id="257" r:id="rId3"/>
+    <p:sldId id="258" r:id="rId4"/>
+    <p:sldId id="259" r:id="rId5"/>
   </p:sldIdLst>
   <p:sldSz cx="12192000" cy="6858000"/>
   <p:notesSz cx="6858000" cy="9144000"/>
@@ -209,7 +211,7 @@
           <a:p>
             <a:fld id="{0DAB2604-332E-024C-A8A0-E1E76D375D5A}" type="datetimeFigureOut">
               <a:rPr lang="en-US" smtClean="0"/>
-              <a:t>4/18/24</a:t>
+              <a:t>4/20/24</a:t>
             </a:fld>
             <a:endParaRPr lang="en-US"/>
           </a:p>
@@ -707,7 +709,7 @@
           <a:p>
             <a:fld id="{5B31B0AD-E03A-D148-9D22-3494858AE16F}" type="datetimeFigureOut">
               <a:rPr lang="en-US" smtClean="0"/>
-              <a:t>4/17/24</a:t>
+              <a:t>4/20/24</a:t>
             </a:fld>
             <a:endParaRPr lang="en-US"/>
           </a:p>
@@ -905,7 +907,7 @@
           <a:p>
             <a:fld id="{5B31B0AD-E03A-D148-9D22-3494858AE16F}" type="datetimeFigureOut">
               <a:rPr lang="en-US" smtClean="0"/>
-              <a:t>4/17/24</a:t>
+              <a:t>4/20/24</a:t>
             </a:fld>
             <a:endParaRPr lang="en-US"/>
           </a:p>
@@ -1113,7 +1115,7 @@
           <a:p>
             <a:fld id="{5B31B0AD-E03A-D148-9D22-3494858AE16F}" type="datetimeFigureOut">
               <a:rPr lang="en-US" smtClean="0"/>
-              <a:t>4/17/24</a:t>
+              <a:t>4/20/24</a:t>
             </a:fld>
             <a:endParaRPr lang="en-US"/>
           </a:p>
@@ -1311,7 +1313,7 @@
           <a:p>
             <a:fld id="{5B31B0AD-E03A-D148-9D22-3494858AE16F}" type="datetimeFigureOut">
               <a:rPr lang="en-US" smtClean="0"/>
-              <a:t>4/17/24</a:t>
+              <a:t>4/20/24</a:t>
             </a:fld>
             <a:endParaRPr lang="en-US"/>
           </a:p>
@@ -1586,7 +1588,7 @@
           <a:p>
             <a:fld id="{5B31B0AD-E03A-D148-9D22-3494858AE16F}" type="datetimeFigureOut">
               <a:rPr lang="en-US" smtClean="0"/>
-              <a:t>4/17/24</a:t>
+              <a:t>4/20/24</a:t>
             </a:fld>
             <a:endParaRPr lang="en-US"/>
           </a:p>
@@ -1851,7 +1853,7 @@
           <a:p>
             <a:fld id="{5B31B0AD-E03A-D148-9D22-3494858AE16F}" type="datetimeFigureOut">
               <a:rPr lang="en-US" smtClean="0"/>
-              <a:t>4/17/24</a:t>
+              <a:t>4/20/24</a:t>
             </a:fld>
             <a:endParaRPr lang="en-US"/>
           </a:p>
@@ -2263,7 +2265,7 @@
           <a:p>
             <a:fld id="{5B31B0AD-E03A-D148-9D22-3494858AE16F}" type="datetimeFigureOut">
               <a:rPr lang="en-US" smtClean="0"/>
-              <a:t>4/17/24</a:t>
+              <a:t>4/20/24</a:t>
             </a:fld>
             <a:endParaRPr lang="en-US"/>
           </a:p>
@@ -2404,7 +2406,7 @@
           <a:p>
             <a:fld id="{5B31B0AD-E03A-D148-9D22-3494858AE16F}" type="datetimeFigureOut">
               <a:rPr lang="en-US" smtClean="0"/>
-              <a:t>4/17/24</a:t>
+              <a:t>4/20/24</a:t>
             </a:fld>
             <a:endParaRPr lang="en-US"/>
           </a:p>
@@ -2517,7 +2519,7 @@
           <a:p>
             <a:fld id="{5B31B0AD-E03A-D148-9D22-3494858AE16F}" type="datetimeFigureOut">
               <a:rPr lang="en-US" smtClean="0"/>
-              <a:t>4/17/24</a:t>
+              <a:t>4/20/24</a:t>
             </a:fld>
             <a:endParaRPr lang="en-US"/>
           </a:p>
@@ -2828,7 +2830,7 @@
           <a:p>
             <a:fld id="{5B31B0AD-E03A-D148-9D22-3494858AE16F}" type="datetimeFigureOut">
               <a:rPr lang="en-US" smtClean="0"/>
-              <a:t>4/17/24</a:t>
+              <a:t>4/20/24</a:t>
             </a:fld>
             <a:endParaRPr lang="en-US"/>
           </a:p>
@@ -3116,7 +3118,7 @@
           <a:p>
             <a:fld id="{5B31B0AD-E03A-D148-9D22-3494858AE16F}" type="datetimeFigureOut">
               <a:rPr lang="en-US" smtClean="0"/>
-              <a:t>4/17/24</a:t>
+              <a:t>4/20/24</a:t>
             </a:fld>
             <a:endParaRPr lang="en-US"/>
           </a:p>
@@ -3357,7 +3359,7 @@
           <a:p>
             <a:fld id="{5B31B0AD-E03A-D148-9D22-3494858AE16F}" type="datetimeFigureOut">
               <a:rPr lang="en-US" smtClean="0"/>
-              <a:t>4/17/24</a:t>
+              <a:t>4/20/24</a:t>
             </a:fld>
             <a:endParaRPr lang="en-US"/>
           </a:p>
@@ -7051,6 +7053,5817 @@
 </p:sld>
 </file>
 
+<file path=ppt/slides/slide3.xml><?xml version="1.0" encoding="utf-8"?>
+<p:sld xmlns:a="http://schemas.openxmlformats.org/drawingml/2006/main" xmlns:r="http://schemas.openxmlformats.org/officeDocument/2006/relationships" xmlns:p="http://schemas.openxmlformats.org/presentationml/2006/main">
+  <p:cSld>
+    <p:spTree>
+      <p:nvGrpSpPr>
+        <p:cNvPr id="1" name=""/>
+        <p:cNvGrpSpPr/>
+        <p:nvPr/>
+      </p:nvGrpSpPr>
+      <p:grpSpPr>
+        <a:xfrm>
+          <a:off x="0" y="0"/>
+          <a:ext cx="0" cy="0"/>
+          <a:chOff x="0" y="0"/>
+          <a:chExt cx="0" cy="0"/>
+        </a:xfrm>
+      </p:grpSpPr>
+      <p:grpSp>
+        <p:nvGrpSpPr>
+          <p:cNvPr id="72" name="Group 71">
+            <a:extLst>
+              <a:ext uri="{FF2B5EF4-FFF2-40B4-BE49-F238E27FC236}">
+                <a16:creationId xmlns:a16="http://schemas.microsoft.com/office/drawing/2014/main" id="{9784BCB5-B68D-36ED-B43B-671EC2B62D27}"/>
+              </a:ext>
+            </a:extLst>
+          </p:cNvPr>
+          <p:cNvGrpSpPr/>
+          <p:nvPr/>
+        </p:nvGrpSpPr>
+        <p:grpSpPr>
+          <a:xfrm>
+            <a:off x="1171169" y="1323208"/>
+            <a:ext cx="5946945" cy="5185542"/>
+            <a:chOff x="1171169" y="1323208"/>
+            <a:chExt cx="5946945" cy="5185542"/>
+          </a:xfrm>
+        </p:grpSpPr>
+        <p:sp>
+          <p:nvSpPr>
+            <p:cNvPr id="2" name="Google Shape;792;p20">
+              <a:extLst>
+                <a:ext uri="{FF2B5EF4-FFF2-40B4-BE49-F238E27FC236}">
+                  <a16:creationId xmlns:a16="http://schemas.microsoft.com/office/drawing/2014/main" id="{1E01EB9F-8499-15EF-CDC0-DC921CAB31B9}"/>
+                </a:ext>
+              </a:extLst>
+            </p:cNvPr>
+            <p:cNvSpPr/>
+            <p:nvPr/>
+          </p:nvSpPr>
+          <p:spPr>
+            <a:xfrm>
+              <a:off x="1171169" y="1323208"/>
+              <a:ext cx="5946945" cy="5185542"/>
+            </a:xfrm>
+            <a:prstGeom prst="rect">
+              <a:avLst/>
+            </a:prstGeom>
+            <a:noFill/>
+            <a:ln w="38100" cap="flat" cmpd="sng">
+              <a:solidFill>
+                <a:schemeClr val="dk1"/>
+              </a:solidFill>
+              <a:prstDash val="solid"/>
+              <a:miter lim="800000"/>
+              <a:headEnd type="none" w="sm" len="sm"/>
+              <a:tailEnd type="none" w="sm" len="sm"/>
+            </a:ln>
+          </p:spPr>
+          <p:txBody>
+            <a:bodyPr spcFirstLastPara="1" wrap="square" lIns="91425" tIns="45700" rIns="91425" bIns="45700" anchor="t" anchorCtr="0">
+              <a:noAutofit/>
+            </a:bodyPr>
+            <a:lstStyle/>
+            <a:p>
+              <a:pPr marL="0" marR="0" lvl="0" indent="0" algn="ctr" rtl="0">
+                <a:lnSpc>
+                  <a:spcPct val="100000"/>
+                </a:lnSpc>
+                <a:spcBef>
+                  <a:spcPts val="0"/>
+                </a:spcBef>
+                <a:spcAft>
+                  <a:spcPts val="0"/>
+                </a:spcAft>
+                <a:buClr>
+                  <a:srgbClr val="000000"/>
+                </a:buClr>
+                <a:buSzPts val="1200"/>
+                <a:buFont typeface="Arial"/>
+                <a:buNone/>
+              </a:pPr>
+              <a:r>
+                <a:rPr lang="en-US" sz="1200" b="1" i="0" u="none" strike="noStrike" cap="none">
+                  <a:solidFill>
+                    <a:schemeClr val="dk1"/>
+                  </a:solidFill>
+                  <a:latin typeface="Arial"/>
+                  <a:ea typeface="Arial"/>
+                  <a:cs typeface="Arial"/>
+                  <a:sym typeface="Arial"/>
+                </a:rPr>
+                <a:t>Digital SoC Architecture</a:t>
+              </a:r>
+              <a:endParaRPr sz="1400" b="0" i="0" u="none" strike="noStrike" cap="none">
+                <a:solidFill>
+                  <a:srgbClr val="000000"/>
+                </a:solidFill>
+                <a:latin typeface="Arial"/>
+                <a:ea typeface="Arial"/>
+                <a:cs typeface="Arial"/>
+                <a:sym typeface="Arial"/>
+              </a:endParaRPr>
+            </a:p>
+          </p:txBody>
+        </p:sp>
+        <p:grpSp>
+          <p:nvGrpSpPr>
+            <p:cNvPr id="3" name="Google Shape;793;p20">
+              <a:extLst>
+                <a:ext uri="{FF2B5EF4-FFF2-40B4-BE49-F238E27FC236}">
+                  <a16:creationId xmlns:a16="http://schemas.microsoft.com/office/drawing/2014/main" id="{DC1898C1-1B02-A9B7-7858-66455389E10C}"/>
+                </a:ext>
+              </a:extLst>
+            </p:cNvPr>
+            <p:cNvGrpSpPr/>
+            <p:nvPr/>
+          </p:nvGrpSpPr>
+          <p:grpSpPr>
+            <a:xfrm>
+              <a:off x="1423852" y="1595410"/>
+              <a:ext cx="1620500" cy="1766888"/>
+              <a:chOff x="794088" y="1333501"/>
+              <a:chExt cx="1620500" cy="1766888"/>
+            </a:xfrm>
+          </p:grpSpPr>
+          <p:sp>
+            <p:nvSpPr>
+              <p:cNvPr id="4" name="Google Shape;794;p20">
+                <a:extLst>
+                  <a:ext uri="{FF2B5EF4-FFF2-40B4-BE49-F238E27FC236}">
+                    <a16:creationId xmlns:a16="http://schemas.microsoft.com/office/drawing/2014/main" id="{2B32A36C-E720-3590-7429-AA00763D035C}"/>
+                  </a:ext>
+                </a:extLst>
+              </p:cNvPr>
+              <p:cNvSpPr/>
+              <p:nvPr/>
+            </p:nvSpPr>
+            <p:spPr>
+              <a:xfrm>
+                <a:off x="794088" y="1333501"/>
+                <a:ext cx="1620500" cy="1766888"/>
+              </a:xfrm>
+              <a:prstGeom prst="rect">
+                <a:avLst/>
+              </a:prstGeom>
+              <a:solidFill>
+                <a:srgbClr val="D8D8D8"/>
+              </a:solidFill>
+              <a:ln w="28575" cap="flat" cmpd="sng">
+                <a:solidFill>
+                  <a:schemeClr val="dk1"/>
+                </a:solidFill>
+                <a:prstDash val="solid"/>
+                <a:miter lim="800000"/>
+                <a:headEnd type="none" w="sm" len="sm"/>
+                <a:tailEnd type="none" w="sm" len="sm"/>
+              </a:ln>
+            </p:spPr>
+            <p:txBody>
+              <a:bodyPr spcFirstLastPara="1" wrap="square" lIns="91425" tIns="45700" rIns="91425" bIns="45700" anchor="t" anchorCtr="0">
+                <a:noAutofit/>
+              </a:bodyPr>
+              <a:lstStyle/>
+              <a:p>
+                <a:pPr marL="0" marR="0" lvl="0" indent="0" algn="ctr" rtl="0">
+                  <a:lnSpc>
+                    <a:spcPct val="100000"/>
+                  </a:lnSpc>
+                  <a:spcBef>
+                    <a:spcPts val="0"/>
+                  </a:spcBef>
+                  <a:spcAft>
+                    <a:spcPts val="0"/>
+                  </a:spcAft>
+                  <a:buClr>
+                    <a:srgbClr val="000000"/>
+                  </a:buClr>
+                  <a:buSzPts val="1200"/>
+                  <a:buFont typeface="Arial"/>
+                  <a:buNone/>
+                </a:pPr>
+                <a:r>
+                  <a:rPr lang="en-US" sz="1200" b="0" i="0" u="none" strike="noStrike" cap="none">
+                    <a:solidFill>
+                      <a:schemeClr val="dk1"/>
+                    </a:solidFill>
+                    <a:latin typeface="Arial"/>
+                    <a:ea typeface="Arial"/>
+                    <a:cs typeface="Arial"/>
+                    <a:sym typeface="Arial"/>
+                  </a:rPr>
+                  <a:t>RocketTile</a:t>
+                </a:r>
+                <a:endParaRPr sz="1200" b="0" i="0" u="none" strike="noStrike" cap="none">
+                  <a:solidFill>
+                    <a:schemeClr val="dk1"/>
+                  </a:solidFill>
+                  <a:latin typeface="Arial"/>
+                  <a:ea typeface="Arial"/>
+                  <a:cs typeface="Arial"/>
+                  <a:sym typeface="Arial"/>
+                </a:endParaRPr>
+              </a:p>
+            </p:txBody>
+          </p:sp>
+          <p:sp>
+            <p:nvSpPr>
+              <p:cNvPr id="5" name="Google Shape;795;p20">
+                <a:extLst>
+                  <a:ext uri="{FF2B5EF4-FFF2-40B4-BE49-F238E27FC236}">
+                    <a16:creationId xmlns:a16="http://schemas.microsoft.com/office/drawing/2014/main" id="{B1902883-40AC-E0DA-48EE-0F2167D38631}"/>
+                  </a:ext>
+                </a:extLst>
+              </p:cNvPr>
+              <p:cNvSpPr/>
+              <p:nvPr/>
+            </p:nvSpPr>
+            <p:spPr>
+              <a:xfrm>
+                <a:off x="857582" y="1581665"/>
+                <a:ext cx="682380" cy="421887"/>
+              </a:xfrm>
+              <a:prstGeom prst="rect">
+                <a:avLst/>
+              </a:prstGeom>
+              <a:solidFill>
+                <a:srgbClr val="DDEAF6"/>
+              </a:solidFill>
+              <a:ln w="12700" cap="flat" cmpd="sng">
+                <a:solidFill>
+                  <a:schemeClr val="dk1"/>
+                </a:solidFill>
+                <a:prstDash val="solid"/>
+                <a:miter lim="800000"/>
+                <a:headEnd type="none" w="sm" len="sm"/>
+                <a:tailEnd type="none" w="sm" len="sm"/>
+              </a:ln>
+            </p:spPr>
+            <p:txBody>
+              <a:bodyPr spcFirstLastPara="1" wrap="square" lIns="91425" tIns="45700" rIns="91425" bIns="45700" anchor="ctr" anchorCtr="0">
+                <a:noAutofit/>
+              </a:bodyPr>
+              <a:lstStyle/>
+              <a:p>
+                <a:pPr marL="0" marR="0" lvl="0" indent="0" algn="ctr" rtl="0">
+                  <a:lnSpc>
+                    <a:spcPct val="100000"/>
+                  </a:lnSpc>
+                  <a:spcBef>
+                    <a:spcPts val="0"/>
+                  </a:spcBef>
+                  <a:spcAft>
+                    <a:spcPts val="0"/>
+                  </a:spcAft>
+                  <a:buClr>
+                    <a:srgbClr val="000000"/>
+                  </a:buClr>
+                  <a:buSzPts val="1200"/>
+                  <a:buFont typeface="Arial"/>
+                  <a:buNone/>
+                </a:pPr>
+                <a:r>
+                  <a:rPr lang="en-US" sz="1200" b="0" i="0" u="none" strike="noStrike" cap="none">
+                    <a:solidFill>
+                      <a:schemeClr val="dk1"/>
+                    </a:solidFill>
+                    <a:latin typeface="Arial"/>
+                    <a:ea typeface="Arial"/>
+                    <a:cs typeface="Arial"/>
+                    <a:sym typeface="Arial"/>
+                  </a:rPr>
+                  <a:t>Rocket</a:t>
+                </a:r>
+                <a:endParaRPr sz="1400" b="0" i="0" u="none" strike="noStrike" cap="none">
+                  <a:solidFill>
+                    <a:srgbClr val="000000"/>
+                  </a:solidFill>
+                  <a:latin typeface="Arial"/>
+                  <a:ea typeface="Arial"/>
+                  <a:cs typeface="Arial"/>
+                  <a:sym typeface="Arial"/>
+                </a:endParaRPr>
+              </a:p>
+              <a:p>
+                <a:pPr marL="0" marR="0" lvl="0" indent="0" algn="ctr" rtl="0">
+                  <a:lnSpc>
+                    <a:spcPct val="100000"/>
+                  </a:lnSpc>
+                  <a:spcBef>
+                    <a:spcPts val="0"/>
+                  </a:spcBef>
+                  <a:spcAft>
+                    <a:spcPts val="0"/>
+                  </a:spcAft>
+                  <a:buClr>
+                    <a:srgbClr val="000000"/>
+                  </a:buClr>
+                  <a:buSzPts val="1200"/>
+                  <a:buFont typeface="Arial"/>
+                  <a:buNone/>
+                </a:pPr>
+                <a:r>
+                  <a:rPr lang="en-US" sz="1200" b="0" i="0" u="none" strike="noStrike" cap="none">
+                    <a:solidFill>
+                      <a:schemeClr val="dk1"/>
+                    </a:solidFill>
+                    <a:latin typeface="Arial"/>
+                    <a:ea typeface="Arial"/>
+                    <a:cs typeface="Arial"/>
+                    <a:sym typeface="Arial"/>
+                  </a:rPr>
+                  <a:t>Core</a:t>
+                </a:r>
+                <a:endParaRPr sz="1400" b="0" i="0" u="none" strike="noStrike" cap="none">
+                  <a:solidFill>
+                    <a:srgbClr val="000000"/>
+                  </a:solidFill>
+                  <a:latin typeface="Arial"/>
+                  <a:ea typeface="Arial"/>
+                  <a:cs typeface="Arial"/>
+                  <a:sym typeface="Arial"/>
+                </a:endParaRPr>
+              </a:p>
+            </p:txBody>
+          </p:sp>
+          <p:sp>
+            <p:nvSpPr>
+              <p:cNvPr id="6" name="Google Shape;796;p20">
+                <a:extLst>
+                  <a:ext uri="{FF2B5EF4-FFF2-40B4-BE49-F238E27FC236}">
+                    <a16:creationId xmlns:a16="http://schemas.microsoft.com/office/drawing/2014/main" id="{8F5884CA-72D4-3F75-B397-ADCA68097535}"/>
+                  </a:ext>
+                </a:extLst>
+              </p:cNvPr>
+              <p:cNvSpPr/>
+              <p:nvPr/>
+            </p:nvSpPr>
+            <p:spPr>
+              <a:xfrm>
+                <a:off x="1666950" y="1581665"/>
+                <a:ext cx="682380" cy="421887"/>
+              </a:xfrm>
+              <a:prstGeom prst="rect">
+                <a:avLst/>
+              </a:prstGeom>
+              <a:solidFill>
+                <a:srgbClr val="DDEAF6"/>
+              </a:solidFill>
+              <a:ln w="12700" cap="flat" cmpd="sng">
+                <a:solidFill>
+                  <a:schemeClr val="dk1"/>
+                </a:solidFill>
+                <a:prstDash val="solid"/>
+                <a:miter lim="800000"/>
+                <a:headEnd type="none" w="sm" len="sm"/>
+                <a:tailEnd type="none" w="sm" len="sm"/>
+              </a:ln>
+            </p:spPr>
+            <p:txBody>
+              <a:bodyPr spcFirstLastPara="1" wrap="square" lIns="91425" tIns="45700" rIns="91425" bIns="45700" anchor="ctr" anchorCtr="0">
+                <a:noAutofit/>
+              </a:bodyPr>
+              <a:lstStyle/>
+              <a:p>
+                <a:pPr marL="0" marR="0" lvl="0" indent="0" algn="ctr" rtl="0">
+                  <a:lnSpc>
+                    <a:spcPct val="100000"/>
+                  </a:lnSpc>
+                  <a:spcBef>
+                    <a:spcPts val="0"/>
+                  </a:spcBef>
+                  <a:spcAft>
+                    <a:spcPts val="0"/>
+                  </a:spcAft>
+                  <a:buClr>
+                    <a:srgbClr val="000000"/>
+                  </a:buClr>
+                  <a:buSzPts val="1200"/>
+                  <a:buFont typeface="Arial"/>
+                  <a:buNone/>
+                </a:pPr>
+                <a:r>
+                  <a:rPr lang="en-US" sz="1200" b="0" i="0" u="none" strike="noStrike" cap="none">
+                    <a:solidFill>
+                      <a:schemeClr val="dk1"/>
+                    </a:solidFill>
+                    <a:latin typeface="Arial"/>
+                    <a:ea typeface="Arial"/>
+                    <a:cs typeface="Arial"/>
+                    <a:sym typeface="Arial"/>
+                  </a:rPr>
+                  <a:t>PTW</a:t>
+                </a:r>
+                <a:endParaRPr sz="1400" b="0" i="0" u="none" strike="noStrike" cap="none">
+                  <a:solidFill>
+                    <a:srgbClr val="000000"/>
+                  </a:solidFill>
+                  <a:latin typeface="Arial"/>
+                  <a:ea typeface="Arial"/>
+                  <a:cs typeface="Arial"/>
+                  <a:sym typeface="Arial"/>
+                </a:endParaRPr>
+              </a:p>
+            </p:txBody>
+          </p:sp>
+          <p:sp>
+            <p:nvSpPr>
+              <p:cNvPr id="7" name="Google Shape;797;p20">
+                <a:extLst>
+                  <a:ext uri="{FF2B5EF4-FFF2-40B4-BE49-F238E27FC236}">
+                    <a16:creationId xmlns:a16="http://schemas.microsoft.com/office/drawing/2014/main" id="{E9745699-FC07-4859-396E-EB1B91B1F604}"/>
+                  </a:ext>
+                </a:extLst>
+              </p:cNvPr>
+              <p:cNvSpPr/>
+              <p:nvPr/>
+            </p:nvSpPr>
+            <p:spPr>
+              <a:xfrm>
+                <a:off x="857582" y="2194299"/>
+                <a:ext cx="682380" cy="421887"/>
+              </a:xfrm>
+              <a:prstGeom prst="rect">
+                <a:avLst/>
+              </a:prstGeom>
+              <a:solidFill>
+                <a:srgbClr val="DDEAF6"/>
+              </a:solidFill>
+              <a:ln w="12700" cap="flat" cmpd="sng">
+                <a:solidFill>
+                  <a:schemeClr val="dk1"/>
+                </a:solidFill>
+                <a:prstDash val="solid"/>
+                <a:miter lim="800000"/>
+                <a:headEnd type="none" w="sm" len="sm"/>
+                <a:tailEnd type="none" w="sm" len="sm"/>
+              </a:ln>
+            </p:spPr>
+            <p:txBody>
+              <a:bodyPr spcFirstLastPara="1" wrap="square" lIns="91425" tIns="45700" rIns="91425" bIns="45700" anchor="ctr" anchorCtr="0">
+                <a:noAutofit/>
+              </a:bodyPr>
+              <a:lstStyle/>
+              <a:p>
+                <a:pPr marL="0" marR="0" lvl="0" indent="0" algn="ctr" rtl="0">
+                  <a:lnSpc>
+                    <a:spcPct val="100000"/>
+                  </a:lnSpc>
+                  <a:spcBef>
+                    <a:spcPts val="0"/>
+                  </a:spcBef>
+                  <a:spcAft>
+                    <a:spcPts val="0"/>
+                  </a:spcAft>
+                  <a:buClr>
+                    <a:srgbClr val="000000"/>
+                  </a:buClr>
+                  <a:buSzPts val="1200"/>
+                  <a:buFont typeface="Arial"/>
+                  <a:buNone/>
+                </a:pPr>
+                <a:r>
+                  <a:rPr lang="en-US" sz="1200" b="0" i="0" u="none" strike="noStrike" cap="none">
+                    <a:solidFill>
+                      <a:schemeClr val="dk1"/>
+                    </a:solidFill>
+                    <a:latin typeface="Arial"/>
+                    <a:ea typeface="Arial"/>
+                    <a:cs typeface="Arial"/>
+                    <a:sym typeface="Arial"/>
+                  </a:rPr>
+                  <a:t>L1I$</a:t>
+                </a:r>
+                <a:endParaRPr sz="1400" b="0" i="0" u="none" strike="noStrike" cap="none">
+                  <a:solidFill>
+                    <a:srgbClr val="000000"/>
+                  </a:solidFill>
+                  <a:latin typeface="Arial"/>
+                  <a:ea typeface="Arial"/>
+                  <a:cs typeface="Arial"/>
+                  <a:sym typeface="Arial"/>
+                </a:endParaRPr>
+              </a:p>
+            </p:txBody>
+          </p:sp>
+          <p:sp>
+            <p:nvSpPr>
+              <p:cNvPr id="8" name="Google Shape;798;p20">
+                <a:extLst>
+                  <a:ext uri="{FF2B5EF4-FFF2-40B4-BE49-F238E27FC236}">
+                    <a16:creationId xmlns:a16="http://schemas.microsoft.com/office/drawing/2014/main" id="{DDC639CD-261F-BE9B-6223-C3222ACAA939}"/>
+                  </a:ext>
+                </a:extLst>
+              </p:cNvPr>
+              <p:cNvSpPr/>
+              <p:nvPr/>
+            </p:nvSpPr>
+            <p:spPr>
+              <a:xfrm>
+                <a:off x="1666950" y="2194299"/>
+                <a:ext cx="682380" cy="421887"/>
+              </a:xfrm>
+              <a:prstGeom prst="rect">
+                <a:avLst/>
+              </a:prstGeom>
+              <a:solidFill>
+                <a:srgbClr val="DDEAF6"/>
+              </a:solidFill>
+              <a:ln w="12700" cap="flat" cmpd="sng">
+                <a:solidFill>
+                  <a:schemeClr val="dk1"/>
+                </a:solidFill>
+                <a:prstDash val="solid"/>
+                <a:miter lim="800000"/>
+                <a:headEnd type="none" w="sm" len="sm"/>
+                <a:tailEnd type="none" w="sm" len="sm"/>
+              </a:ln>
+            </p:spPr>
+            <p:txBody>
+              <a:bodyPr spcFirstLastPara="1" wrap="square" lIns="91425" tIns="45700" rIns="91425" bIns="45700" anchor="ctr" anchorCtr="0">
+                <a:noAutofit/>
+              </a:bodyPr>
+              <a:lstStyle/>
+              <a:p>
+                <a:pPr marL="0" marR="0" lvl="0" indent="0" algn="ctr" rtl="0">
+                  <a:lnSpc>
+                    <a:spcPct val="100000"/>
+                  </a:lnSpc>
+                  <a:spcBef>
+                    <a:spcPts val="0"/>
+                  </a:spcBef>
+                  <a:spcAft>
+                    <a:spcPts val="0"/>
+                  </a:spcAft>
+                  <a:buClr>
+                    <a:srgbClr val="000000"/>
+                  </a:buClr>
+                  <a:buSzPts val="1200"/>
+                  <a:buFont typeface="Arial"/>
+                  <a:buNone/>
+                </a:pPr>
+                <a:r>
+                  <a:rPr lang="en-US" sz="1200" b="0" i="0" u="none" strike="noStrike" cap="none">
+                    <a:solidFill>
+                      <a:schemeClr val="dk1"/>
+                    </a:solidFill>
+                    <a:latin typeface="Arial"/>
+                    <a:ea typeface="Arial"/>
+                    <a:cs typeface="Arial"/>
+                    <a:sym typeface="Arial"/>
+                  </a:rPr>
+                  <a:t>L1D$</a:t>
+                </a:r>
+                <a:endParaRPr sz="1400" b="0" i="0" u="none" strike="noStrike" cap="none">
+                  <a:solidFill>
+                    <a:srgbClr val="000000"/>
+                  </a:solidFill>
+                  <a:latin typeface="Arial"/>
+                  <a:ea typeface="Arial"/>
+                  <a:cs typeface="Arial"/>
+                  <a:sym typeface="Arial"/>
+                </a:endParaRPr>
+              </a:p>
+            </p:txBody>
+          </p:sp>
+          <p:cxnSp>
+            <p:nvCxnSpPr>
+              <p:cNvPr id="9" name="Google Shape;799;p20">
+                <a:extLst>
+                  <a:ext uri="{FF2B5EF4-FFF2-40B4-BE49-F238E27FC236}">
+                    <a16:creationId xmlns:a16="http://schemas.microsoft.com/office/drawing/2014/main" id="{53D2AEEB-4DB1-89F1-6B08-89A0BDD86485}"/>
+                  </a:ext>
+                </a:extLst>
+              </p:cNvPr>
+              <p:cNvCxnSpPr>
+                <a:stCxn id="5" idx="3"/>
+                <a:endCxn id="6" idx="1"/>
+              </p:cNvCxnSpPr>
+              <p:nvPr/>
+            </p:nvCxnSpPr>
+            <p:spPr>
+              <a:xfrm>
+                <a:off x="1539962" y="1792609"/>
+                <a:ext cx="126900" cy="0"/>
+              </a:xfrm>
+              <a:prstGeom prst="straightConnector1">
+                <a:avLst/>
+              </a:prstGeom>
+              <a:noFill/>
+              <a:ln w="19050" cap="flat" cmpd="sng">
+                <a:solidFill>
+                  <a:schemeClr val="dk1"/>
+                </a:solidFill>
+                <a:prstDash val="solid"/>
+                <a:miter lim="800000"/>
+                <a:headEnd type="none" w="sm" len="sm"/>
+                <a:tailEnd type="triangle" w="med" len="med"/>
+              </a:ln>
+            </p:spPr>
+          </p:cxnSp>
+          <p:cxnSp>
+            <p:nvCxnSpPr>
+              <p:cNvPr id="10" name="Google Shape;800;p20">
+                <a:extLst>
+                  <a:ext uri="{FF2B5EF4-FFF2-40B4-BE49-F238E27FC236}">
+                    <a16:creationId xmlns:a16="http://schemas.microsoft.com/office/drawing/2014/main" id="{8629B53F-6C7B-91D9-FC89-3EC27A559621}"/>
+                  </a:ext>
+                </a:extLst>
+              </p:cNvPr>
+              <p:cNvCxnSpPr>
+                <a:stCxn id="5" idx="2"/>
+                <a:endCxn id="7" idx="0"/>
+              </p:cNvCxnSpPr>
+              <p:nvPr/>
+            </p:nvCxnSpPr>
+            <p:spPr>
+              <a:xfrm>
+                <a:off x="1198772" y="2003552"/>
+                <a:ext cx="0" cy="190800"/>
+              </a:xfrm>
+              <a:prstGeom prst="straightConnector1">
+                <a:avLst/>
+              </a:prstGeom>
+              <a:noFill/>
+              <a:ln w="19050" cap="flat" cmpd="sng">
+                <a:solidFill>
+                  <a:schemeClr val="dk1"/>
+                </a:solidFill>
+                <a:prstDash val="solid"/>
+                <a:miter lim="800000"/>
+                <a:headEnd type="none" w="sm" len="sm"/>
+                <a:tailEnd type="triangle" w="med" len="med"/>
+              </a:ln>
+            </p:spPr>
+          </p:cxnSp>
+          <p:cxnSp>
+            <p:nvCxnSpPr>
+              <p:cNvPr id="11" name="Google Shape;801;p20">
+                <a:extLst>
+                  <a:ext uri="{FF2B5EF4-FFF2-40B4-BE49-F238E27FC236}">
+                    <a16:creationId xmlns:a16="http://schemas.microsoft.com/office/drawing/2014/main" id="{BA8E62C6-C41C-7303-D139-C7C4074B9A39}"/>
+                  </a:ext>
+                </a:extLst>
+              </p:cNvPr>
+              <p:cNvCxnSpPr>
+                <a:stCxn id="6" idx="2"/>
+                <a:endCxn id="8" idx="0"/>
+              </p:cNvCxnSpPr>
+              <p:nvPr/>
+            </p:nvCxnSpPr>
+            <p:spPr>
+              <a:xfrm>
+                <a:off x="2008140" y="2003552"/>
+                <a:ext cx="0" cy="190800"/>
+              </a:xfrm>
+              <a:prstGeom prst="straightConnector1">
+                <a:avLst/>
+              </a:prstGeom>
+              <a:noFill/>
+              <a:ln w="19050" cap="flat" cmpd="sng">
+                <a:solidFill>
+                  <a:schemeClr val="dk1"/>
+                </a:solidFill>
+                <a:prstDash val="solid"/>
+                <a:miter lim="800000"/>
+                <a:headEnd type="none" w="sm" len="sm"/>
+                <a:tailEnd type="triangle" w="med" len="med"/>
+              </a:ln>
+            </p:spPr>
+          </p:cxnSp>
+          <p:cxnSp>
+            <p:nvCxnSpPr>
+              <p:cNvPr id="12" name="Google Shape;802;p20">
+                <a:extLst>
+                  <a:ext uri="{FF2B5EF4-FFF2-40B4-BE49-F238E27FC236}">
+                    <a16:creationId xmlns:a16="http://schemas.microsoft.com/office/drawing/2014/main" id="{419CEA5D-9DB4-4540-A8CD-D747645AB0DF}"/>
+                  </a:ext>
+                </a:extLst>
+              </p:cNvPr>
+              <p:cNvCxnSpPr>
+                <a:stCxn id="5" idx="2"/>
+                <a:endCxn id="8" idx="0"/>
+              </p:cNvCxnSpPr>
+              <p:nvPr/>
+            </p:nvCxnSpPr>
+            <p:spPr>
+              <a:xfrm>
+                <a:off x="1198772" y="2003552"/>
+                <a:ext cx="809400" cy="190800"/>
+              </a:xfrm>
+              <a:prstGeom prst="straightConnector1">
+                <a:avLst/>
+              </a:prstGeom>
+              <a:noFill/>
+              <a:ln w="19050" cap="flat" cmpd="sng">
+                <a:solidFill>
+                  <a:schemeClr val="dk1"/>
+                </a:solidFill>
+                <a:prstDash val="solid"/>
+                <a:miter lim="800000"/>
+                <a:headEnd type="none" w="sm" len="sm"/>
+                <a:tailEnd type="triangle" w="med" len="med"/>
+              </a:ln>
+            </p:spPr>
+          </p:cxnSp>
+          <p:sp>
+            <p:nvSpPr>
+              <p:cNvPr id="13" name="Google Shape;803;p20">
+                <a:extLst>
+                  <a:ext uri="{FF2B5EF4-FFF2-40B4-BE49-F238E27FC236}">
+                    <a16:creationId xmlns:a16="http://schemas.microsoft.com/office/drawing/2014/main" id="{20E90A1E-B296-C1E3-04CF-3EE5061E5A17}"/>
+                  </a:ext>
+                </a:extLst>
+              </p:cNvPr>
+              <p:cNvSpPr/>
+              <p:nvPr/>
+            </p:nvSpPr>
+            <p:spPr>
+              <a:xfrm>
+                <a:off x="857582" y="2806933"/>
+                <a:ext cx="1491748" cy="236306"/>
+              </a:xfrm>
+              <a:prstGeom prst="rect">
+                <a:avLst/>
+              </a:prstGeom>
+              <a:solidFill>
+                <a:srgbClr val="FBE4D4"/>
+              </a:solidFill>
+              <a:ln w="12700" cap="flat" cmpd="sng">
+                <a:solidFill>
+                  <a:schemeClr val="dk1"/>
+                </a:solidFill>
+                <a:prstDash val="solid"/>
+                <a:miter lim="800000"/>
+                <a:headEnd type="none" w="sm" len="sm"/>
+                <a:tailEnd type="none" w="sm" len="sm"/>
+              </a:ln>
+            </p:spPr>
+            <p:txBody>
+              <a:bodyPr spcFirstLastPara="1" wrap="square" lIns="91425" tIns="45700" rIns="91425" bIns="45700" anchor="ctr" anchorCtr="0">
+                <a:noAutofit/>
+              </a:bodyPr>
+              <a:lstStyle/>
+              <a:p>
+                <a:pPr marL="0" marR="0" lvl="0" indent="0" algn="ctr" rtl="0">
+                  <a:lnSpc>
+                    <a:spcPct val="100000"/>
+                  </a:lnSpc>
+                  <a:spcBef>
+                    <a:spcPts val="0"/>
+                  </a:spcBef>
+                  <a:spcAft>
+                    <a:spcPts val="0"/>
+                  </a:spcAft>
+                  <a:buClr>
+                    <a:srgbClr val="000000"/>
+                  </a:buClr>
+                  <a:buSzPts val="1200"/>
+                  <a:buFont typeface="Arial"/>
+                  <a:buNone/>
+                </a:pPr>
+                <a:r>
+                  <a:rPr lang="en-US" sz="1200" b="0" i="0" u="none" strike="noStrike" cap="none">
+                    <a:solidFill>
+                      <a:schemeClr val="dk1"/>
+                    </a:solidFill>
+                    <a:latin typeface="Arial"/>
+                    <a:ea typeface="Arial"/>
+                    <a:cs typeface="Arial"/>
+                    <a:sym typeface="Arial"/>
+                  </a:rPr>
+                  <a:t>Tile Bus</a:t>
+                </a:r>
+                <a:endParaRPr sz="1400" b="0" i="0" u="none" strike="noStrike" cap="none">
+                  <a:solidFill>
+                    <a:srgbClr val="000000"/>
+                  </a:solidFill>
+                  <a:latin typeface="Arial"/>
+                  <a:ea typeface="Arial"/>
+                  <a:cs typeface="Arial"/>
+                  <a:sym typeface="Arial"/>
+                </a:endParaRPr>
+              </a:p>
+            </p:txBody>
+          </p:sp>
+          <p:cxnSp>
+            <p:nvCxnSpPr>
+              <p:cNvPr id="14" name="Google Shape;804;p20">
+                <a:extLst>
+                  <a:ext uri="{FF2B5EF4-FFF2-40B4-BE49-F238E27FC236}">
+                    <a16:creationId xmlns:a16="http://schemas.microsoft.com/office/drawing/2014/main" id="{D4A6DF27-A87A-DB21-62BA-CB71001DA779}"/>
+                  </a:ext>
+                </a:extLst>
+              </p:cNvPr>
+              <p:cNvCxnSpPr/>
+              <p:nvPr/>
+            </p:nvCxnSpPr>
+            <p:spPr>
+              <a:xfrm>
+                <a:off x="1198772" y="2616186"/>
+                <a:ext cx="0" cy="190747"/>
+              </a:xfrm>
+              <a:prstGeom prst="straightConnector1">
+                <a:avLst/>
+              </a:prstGeom>
+              <a:noFill/>
+              <a:ln w="19050" cap="flat" cmpd="sng">
+                <a:solidFill>
+                  <a:schemeClr val="dk1"/>
+                </a:solidFill>
+                <a:prstDash val="solid"/>
+                <a:miter lim="800000"/>
+                <a:headEnd type="none" w="sm" len="sm"/>
+                <a:tailEnd type="triangle" w="med" len="med"/>
+              </a:ln>
+            </p:spPr>
+          </p:cxnSp>
+          <p:cxnSp>
+            <p:nvCxnSpPr>
+              <p:cNvPr id="15" name="Google Shape;805;p20">
+                <a:extLst>
+                  <a:ext uri="{FF2B5EF4-FFF2-40B4-BE49-F238E27FC236}">
+                    <a16:creationId xmlns:a16="http://schemas.microsoft.com/office/drawing/2014/main" id="{1BB36D71-680B-44DA-24A2-4ABAAC76810E}"/>
+                  </a:ext>
+                </a:extLst>
+              </p:cNvPr>
+              <p:cNvCxnSpPr/>
+              <p:nvPr/>
+            </p:nvCxnSpPr>
+            <p:spPr>
+              <a:xfrm>
+                <a:off x="2008140" y="2616186"/>
+                <a:ext cx="0" cy="190747"/>
+              </a:xfrm>
+              <a:prstGeom prst="straightConnector1">
+                <a:avLst/>
+              </a:prstGeom>
+              <a:noFill/>
+              <a:ln w="19050" cap="flat" cmpd="sng">
+                <a:solidFill>
+                  <a:schemeClr val="dk1"/>
+                </a:solidFill>
+                <a:prstDash val="solid"/>
+                <a:miter lim="800000"/>
+                <a:headEnd type="none" w="sm" len="sm"/>
+                <a:tailEnd type="triangle" w="med" len="med"/>
+              </a:ln>
+            </p:spPr>
+          </p:cxnSp>
+        </p:grpSp>
+        <p:sp>
+          <p:nvSpPr>
+            <p:cNvPr id="33" name="Google Shape;823;p20">
+              <a:extLst>
+                <a:ext uri="{FF2B5EF4-FFF2-40B4-BE49-F238E27FC236}">
+                  <a16:creationId xmlns:a16="http://schemas.microsoft.com/office/drawing/2014/main" id="{8C1FC1CA-92F1-ED80-2D19-E812E0DE3E56}"/>
+                </a:ext>
+              </a:extLst>
+            </p:cNvPr>
+            <p:cNvSpPr/>
+            <p:nvPr/>
+          </p:nvSpPr>
+          <p:spPr>
+            <a:xfrm>
+              <a:off x="1379402" y="3573240"/>
+              <a:ext cx="5341199" cy="236306"/>
+            </a:xfrm>
+            <a:prstGeom prst="rect">
+              <a:avLst/>
+            </a:prstGeom>
+            <a:solidFill>
+              <a:srgbClr val="FBE4D4"/>
+            </a:solidFill>
+            <a:ln w="12700" cap="flat" cmpd="sng">
+              <a:solidFill>
+                <a:schemeClr val="dk1"/>
+              </a:solidFill>
+              <a:prstDash val="solid"/>
+              <a:miter lim="800000"/>
+              <a:headEnd type="none" w="sm" len="sm"/>
+              <a:tailEnd type="none" w="sm" len="sm"/>
+            </a:ln>
+          </p:spPr>
+          <p:txBody>
+            <a:bodyPr spcFirstLastPara="1" wrap="square" lIns="91425" tIns="45700" rIns="91425" bIns="45700" anchor="ctr" anchorCtr="0">
+              <a:noAutofit/>
+            </a:bodyPr>
+            <a:lstStyle/>
+            <a:p>
+              <a:pPr marL="0" marR="0" lvl="0" indent="0" algn="ctr" rtl="0">
+                <a:lnSpc>
+                  <a:spcPct val="100000"/>
+                </a:lnSpc>
+                <a:spcBef>
+                  <a:spcPts val="0"/>
+                </a:spcBef>
+                <a:spcAft>
+                  <a:spcPts val="0"/>
+                </a:spcAft>
+                <a:buClr>
+                  <a:srgbClr val="000000"/>
+                </a:buClr>
+                <a:buSzPts val="1200"/>
+                <a:buFont typeface="Arial"/>
+                <a:buNone/>
+              </a:pPr>
+              <a:r>
+                <a:rPr lang="en-US" sz="1200" b="0" i="0" u="none" strike="noStrike" cap="none" dirty="0">
+                  <a:solidFill>
+                    <a:schemeClr val="dk1"/>
+                  </a:solidFill>
+                  <a:latin typeface="Arial"/>
+                  <a:ea typeface="Arial"/>
+                  <a:cs typeface="Arial"/>
+                  <a:sym typeface="Arial"/>
+                </a:rPr>
+                <a:t>System Bus</a:t>
+              </a:r>
+              <a:endParaRPr sz="1400" b="0" i="0" u="none" strike="noStrike" cap="none" dirty="0">
+                <a:solidFill>
+                  <a:srgbClr val="000000"/>
+                </a:solidFill>
+                <a:latin typeface="Arial"/>
+                <a:ea typeface="Arial"/>
+                <a:cs typeface="Arial"/>
+                <a:sym typeface="Arial"/>
+              </a:endParaRPr>
+            </a:p>
+          </p:txBody>
+        </p:sp>
+        <p:sp>
+          <p:nvSpPr>
+            <p:cNvPr id="34" name="Google Shape;824;p20">
+              <a:extLst>
+                <a:ext uri="{FF2B5EF4-FFF2-40B4-BE49-F238E27FC236}">
+                  <a16:creationId xmlns:a16="http://schemas.microsoft.com/office/drawing/2014/main" id="{7E5BE9FD-2670-23B3-03DE-CEB64A2D67BA}"/>
+                </a:ext>
+              </a:extLst>
+            </p:cNvPr>
+            <p:cNvSpPr/>
+            <p:nvPr/>
+          </p:nvSpPr>
+          <p:spPr>
+            <a:xfrm>
+              <a:off x="2979094" y="4005431"/>
+              <a:ext cx="2587786" cy="236306"/>
+            </a:xfrm>
+            <a:prstGeom prst="rect">
+              <a:avLst/>
+            </a:prstGeom>
+            <a:solidFill>
+              <a:srgbClr val="FBE4D4"/>
+            </a:solidFill>
+            <a:ln w="12700" cap="flat" cmpd="sng">
+              <a:solidFill>
+                <a:schemeClr val="dk1"/>
+              </a:solidFill>
+              <a:prstDash val="solid"/>
+              <a:miter lim="800000"/>
+              <a:headEnd type="none" w="sm" len="sm"/>
+              <a:tailEnd type="none" w="sm" len="sm"/>
+            </a:ln>
+          </p:spPr>
+          <p:txBody>
+            <a:bodyPr spcFirstLastPara="1" wrap="square" lIns="91425" tIns="45700" rIns="91425" bIns="45700" anchor="ctr" anchorCtr="0">
+              <a:noAutofit/>
+            </a:bodyPr>
+            <a:lstStyle/>
+            <a:p>
+              <a:pPr marL="0" marR="0" lvl="0" indent="0" algn="ctr" rtl="0">
+                <a:lnSpc>
+                  <a:spcPct val="100000"/>
+                </a:lnSpc>
+                <a:spcBef>
+                  <a:spcPts val="0"/>
+                </a:spcBef>
+                <a:spcAft>
+                  <a:spcPts val="0"/>
+                </a:spcAft>
+                <a:buClr>
+                  <a:srgbClr val="000000"/>
+                </a:buClr>
+                <a:buSzPts val="1200"/>
+                <a:buFont typeface="Arial"/>
+                <a:buNone/>
+              </a:pPr>
+              <a:r>
+                <a:rPr lang="en-US" sz="1200" b="0" i="0" u="none" strike="noStrike" cap="none">
+                  <a:solidFill>
+                    <a:schemeClr val="dk1"/>
+                  </a:solidFill>
+                  <a:latin typeface="Arial"/>
+                  <a:ea typeface="Arial"/>
+                  <a:cs typeface="Arial"/>
+                  <a:sym typeface="Arial"/>
+                </a:rPr>
+                <a:t>Periphery Bus</a:t>
+              </a:r>
+              <a:endParaRPr sz="1400" b="0" i="0" u="none" strike="noStrike" cap="none">
+                <a:solidFill>
+                  <a:srgbClr val="000000"/>
+                </a:solidFill>
+                <a:latin typeface="Arial"/>
+                <a:ea typeface="Arial"/>
+                <a:cs typeface="Arial"/>
+                <a:sym typeface="Arial"/>
+              </a:endParaRPr>
+            </a:p>
+          </p:txBody>
+        </p:sp>
+        <p:sp>
+          <p:nvSpPr>
+            <p:cNvPr id="35" name="Google Shape;825;p20">
+              <a:extLst>
+                <a:ext uri="{FF2B5EF4-FFF2-40B4-BE49-F238E27FC236}">
+                  <a16:creationId xmlns:a16="http://schemas.microsoft.com/office/drawing/2014/main" id="{D022A434-D3B4-50EE-D0A0-1EE928F9E565}"/>
+                </a:ext>
+              </a:extLst>
+            </p:cNvPr>
+            <p:cNvSpPr/>
+            <p:nvPr/>
+          </p:nvSpPr>
+          <p:spPr>
+            <a:xfrm>
+              <a:off x="4546600" y="4424259"/>
+              <a:ext cx="1020279" cy="236306"/>
+            </a:xfrm>
+            <a:prstGeom prst="rect">
+              <a:avLst/>
+            </a:prstGeom>
+            <a:solidFill>
+              <a:srgbClr val="FBE4D4"/>
+            </a:solidFill>
+            <a:ln w="12700" cap="flat" cmpd="sng">
+              <a:solidFill>
+                <a:schemeClr val="dk1"/>
+              </a:solidFill>
+              <a:prstDash val="solid"/>
+              <a:miter lim="800000"/>
+              <a:headEnd type="none" w="sm" len="sm"/>
+              <a:tailEnd type="none" w="sm" len="sm"/>
+            </a:ln>
+          </p:spPr>
+          <p:txBody>
+            <a:bodyPr spcFirstLastPara="1" wrap="square" lIns="91425" tIns="45700" rIns="91425" bIns="45700" anchor="ctr" anchorCtr="0">
+              <a:noAutofit/>
+            </a:bodyPr>
+            <a:lstStyle/>
+            <a:p>
+              <a:pPr marL="0" marR="0" lvl="0" indent="0" algn="ctr" rtl="0">
+                <a:lnSpc>
+                  <a:spcPct val="100000"/>
+                </a:lnSpc>
+                <a:spcBef>
+                  <a:spcPts val="0"/>
+                </a:spcBef>
+                <a:spcAft>
+                  <a:spcPts val="0"/>
+                </a:spcAft>
+                <a:buClr>
+                  <a:srgbClr val="000000"/>
+                </a:buClr>
+                <a:buSzPts val="1200"/>
+                <a:buFont typeface="Arial"/>
+                <a:buNone/>
+              </a:pPr>
+              <a:r>
+                <a:rPr lang="en-US" sz="1200" b="0" i="0" u="none" strike="noStrike" cap="none">
+                  <a:solidFill>
+                    <a:schemeClr val="dk1"/>
+                  </a:solidFill>
+                  <a:latin typeface="Arial"/>
+                  <a:ea typeface="Arial"/>
+                  <a:cs typeface="Arial"/>
+                  <a:sym typeface="Arial"/>
+                </a:rPr>
+                <a:t>Control Bus</a:t>
+              </a:r>
+              <a:endParaRPr sz="1400" b="0" i="0" u="none" strike="noStrike" cap="none">
+                <a:solidFill>
+                  <a:srgbClr val="000000"/>
+                </a:solidFill>
+                <a:latin typeface="Arial"/>
+                <a:ea typeface="Arial"/>
+                <a:cs typeface="Arial"/>
+                <a:sym typeface="Arial"/>
+              </a:endParaRPr>
+            </a:p>
+          </p:txBody>
+        </p:sp>
+        <p:sp>
+          <p:nvSpPr>
+            <p:cNvPr id="36" name="Google Shape;826;p20">
+              <a:extLst>
+                <a:ext uri="{FF2B5EF4-FFF2-40B4-BE49-F238E27FC236}">
+                  <a16:creationId xmlns:a16="http://schemas.microsoft.com/office/drawing/2014/main" id="{05963887-666F-02A5-BA96-88A268A15CFA}"/>
+                </a:ext>
+              </a:extLst>
+            </p:cNvPr>
+            <p:cNvSpPr/>
+            <p:nvPr/>
+          </p:nvSpPr>
+          <p:spPr>
+            <a:xfrm>
+              <a:off x="5681683" y="4008785"/>
+              <a:ext cx="1038918" cy="236306"/>
+            </a:xfrm>
+            <a:prstGeom prst="rect">
+              <a:avLst/>
+            </a:prstGeom>
+            <a:solidFill>
+              <a:srgbClr val="FBE4D4"/>
+            </a:solidFill>
+            <a:ln w="12700" cap="flat" cmpd="sng">
+              <a:solidFill>
+                <a:schemeClr val="dk1"/>
+              </a:solidFill>
+              <a:prstDash val="solid"/>
+              <a:miter lim="800000"/>
+              <a:headEnd type="none" w="sm" len="sm"/>
+              <a:tailEnd type="none" w="sm" len="sm"/>
+            </a:ln>
+          </p:spPr>
+          <p:txBody>
+            <a:bodyPr spcFirstLastPara="1" wrap="square" lIns="91425" tIns="45700" rIns="91425" bIns="45700" anchor="ctr" anchorCtr="0">
+              <a:noAutofit/>
+            </a:bodyPr>
+            <a:lstStyle/>
+            <a:p>
+              <a:pPr marL="0" marR="0" lvl="0" indent="0" algn="ctr" rtl="0">
+                <a:lnSpc>
+                  <a:spcPct val="100000"/>
+                </a:lnSpc>
+                <a:spcBef>
+                  <a:spcPts val="0"/>
+                </a:spcBef>
+                <a:spcAft>
+                  <a:spcPts val="0"/>
+                </a:spcAft>
+                <a:buClr>
+                  <a:srgbClr val="000000"/>
+                </a:buClr>
+                <a:buSzPts val="1200"/>
+                <a:buFont typeface="Arial"/>
+                <a:buNone/>
+              </a:pPr>
+              <a:r>
+                <a:rPr lang="en-US" sz="1200" b="0" i="0" u="none" strike="noStrike" cap="none">
+                  <a:solidFill>
+                    <a:schemeClr val="dk1"/>
+                  </a:solidFill>
+                  <a:latin typeface="Arial"/>
+                  <a:ea typeface="Arial"/>
+                  <a:cs typeface="Arial"/>
+                  <a:sym typeface="Arial"/>
+                </a:rPr>
+                <a:t>Front Bus</a:t>
+              </a:r>
+              <a:endParaRPr sz="1400" b="0" i="0" u="none" strike="noStrike" cap="none">
+                <a:solidFill>
+                  <a:srgbClr val="000000"/>
+                </a:solidFill>
+                <a:latin typeface="Arial"/>
+                <a:ea typeface="Arial"/>
+                <a:cs typeface="Arial"/>
+                <a:sym typeface="Arial"/>
+              </a:endParaRPr>
+            </a:p>
+          </p:txBody>
+        </p:sp>
+        <p:sp>
+          <p:nvSpPr>
+            <p:cNvPr id="37" name="Google Shape;827;p20">
+              <a:extLst>
+                <a:ext uri="{FF2B5EF4-FFF2-40B4-BE49-F238E27FC236}">
+                  <a16:creationId xmlns:a16="http://schemas.microsoft.com/office/drawing/2014/main" id="{2F31CAAB-CCEE-1639-A457-126C351FBDD7}"/>
+                </a:ext>
+              </a:extLst>
+            </p:cNvPr>
+            <p:cNvSpPr/>
+            <p:nvPr/>
+          </p:nvSpPr>
+          <p:spPr>
+            <a:xfrm>
+              <a:off x="2976726" y="4835730"/>
+              <a:ext cx="682380" cy="421887"/>
+            </a:xfrm>
+            <a:prstGeom prst="rect">
+              <a:avLst/>
+            </a:prstGeom>
+            <a:solidFill>
+              <a:srgbClr val="E5D5FF"/>
+            </a:solidFill>
+            <a:ln w="12700" cap="flat" cmpd="sng">
+              <a:solidFill>
+                <a:schemeClr val="dk1"/>
+              </a:solidFill>
+              <a:prstDash val="solid"/>
+              <a:miter lim="800000"/>
+              <a:headEnd type="none" w="sm" len="sm"/>
+              <a:tailEnd type="none" w="sm" len="sm"/>
+            </a:ln>
+          </p:spPr>
+          <p:txBody>
+            <a:bodyPr spcFirstLastPara="1" wrap="square" lIns="91425" tIns="45700" rIns="91425" bIns="45700" anchor="ctr" anchorCtr="0">
+              <a:noAutofit/>
+            </a:bodyPr>
+            <a:lstStyle/>
+            <a:p>
+              <a:pPr marL="0" marR="0" lvl="0" indent="0" algn="ctr" rtl="0">
+                <a:lnSpc>
+                  <a:spcPct val="100000"/>
+                </a:lnSpc>
+                <a:spcBef>
+                  <a:spcPts val="0"/>
+                </a:spcBef>
+                <a:spcAft>
+                  <a:spcPts val="0"/>
+                </a:spcAft>
+                <a:buClr>
+                  <a:srgbClr val="000000"/>
+                </a:buClr>
+                <a:buSzPts val="1200"/>
+                <a:buFont typeface="Arial"/>
+                <a:buNone/>
+              </a:pPr>
+              <a:r>
+                <a:rPr lang="en-US" sz="1200" b="0" i="0" u="none" strike="noStrike" cap="none">
+                  <a:solidFill>
+                    <a:schemeClr val="dk1"/>
+                  </a:solidFill>
+                  <a:latin typeface="Arial"/>
+                  <a:ea typeface="Arial"/>
+                  <a:cs typeface="Arial"/>
+                  <a:sym typeface="Arial"/>
+                </a:rPr>
+                <a:t>UART</a:t>
+              </a:r>
+              <a:endParaRPr sz="1400" b="0" i="0" u="none" strike="noStrike" cap="none">
+                <a:solidFill>
+                  <a:srgbClr val="000000"/>
+                </a:solidFill>
+                <a:latin typeface="Arial"/>
+                <a:ea typeface="Arial"/>
+                <a:cs typeface="Arial"/>
+                <a:sym typeface="Arial"/>
+              </a:endParaRPr>
+            </a:p>
+          </p:txBody>
+        </p:sp>
+        <p:sp>
+          <p:nvSpPr>
+            <p:cNvPr id="38" name="Google Shape;828;p20">
+              <a:extLst>
+                <a:ext uri="{FF2B5EF4-FFF2-40B4-BE49-F238E27FC236}">
+                  <a16:creationId xmlns:a16="http://schemas.microsoft.com/office/drawing/2014/main" id="{4F1A840C-9285-3DFF-13C4-238B5A4562BA}"/>
+                </a:ext>
+              </a:extLst>
+            </p:cNvPr>
+            <p:cNvSpPr/>
+            <p:nvPr/>
+          </p:nvSpPr>
+          <p:spPr>
+            <a:xfrm>
+              <a:off x="3760018" y="4835730"/>
+              <a:ext cx="682380" cy="421887"/>
+            </a:xfrm>
+            <a:prstGeom prst="rect">
+              <a:avLst/>
+            </a:prstGeom>
+            <a:solidFill>
+              <a:srgbClr val="E5D5FF"/>
+            </a:solidFill>
+            <a:ln w="12700" cap="flat" cmpd="sng">
+              <a:solidFill>
+                <a:schemeClr val="dk1"/>
+              </a:solidFill>
+              <a:prstDash val="solid"/>
+              <a:miter lim="800000"/>
+              <a:headEnd type="none" w="sm" len="sm"/>
+              <a:tailEnd type="none" w="sm" len="sm"/>
+            </a:ln>
+          </p:spPr>
+          <p:txBody>
+            <a:bodyPr spcFirstLastPara="1" wrap="square" lIns="91425" tIns="45700" rIns="91425" bIns="45700" anchor="ctr" anchorCtr="0">
+              <a:noAutofit/>
+            </a:bodyPr>
+            <a:lstStyle/>
+            <a:p>
+              <a:pPr marL="0" marR="0" lvl="0" indent="0" algn="ctr" rtl="0">
+                <a:lnSpc>
+                  <a:spcPct val="100000"/>
+                </a:lnSpc>
+                <a:spcBef>
+                  <a:spcPts val="0"/>
+                </a:spcBef>
+                <a:spcAft>
+                  <a:spcPts val="0"/>
+                </a:spcAft>
+                <a:buClr>
+                  <a:srgbClr val="000000"/>
+                </a:buClr>
+                <a:buSzPts val="1200"/>
+                <a:buFont typeface="Arial"/>
+                <a:buNone/>
+              </a:pPr>
+              <a:r>
+                <a:rPr lang="en-US" sz="1200" b="0" i="0" u="none" strike="noStrike" cap="none">
+                  <a:solidFill>
+                    <a:schemeClr val="dk1"/>
+                  </a:solidFill>
+                  <a:latin typeface="Arial"/>
+                  <a:ea typeface="Arial"/>
+                  <a:cs typeface="Arial"/>
+                  <a:sym typeface="Arial"/>
+                </a:rPr>
+                <a:t>GPIOs</a:t>
+              </a:r>
+              <a:endParaRPr sz="1400" b="0" i="0" u="none" strike="noStrike" cap="none">
+                <a:solidFill>
+                  <a:srgbClr val="000000"/>
+                </a:solidFill>
+                <a:latin typeface="Arial"/>
+                <a:ea typeface="Arial"/>
+                <a:cs typeface="Arial"/>
+                <a:sym typeface="Arial"/>
+              </a:endParaRPr>
+            </a:p>
+          </p:txBody>
+        </p:sp>
+        <p:cxnSp>
+          <p:nvCxnSpPr>
+            <p:cNvPr id="39" name="Google Shape;829;p20">
+              <a:extLst>
+                <a:ext uri="{FF2B5EF4-FFF2-40B4-BE49-F238E27FC236}">
+                  <a16:creationId xmlns:a16="http://schemas.microsoft.com/office/drawing/2014/main" id="{D1357A39-08EF-0A2F-BD30-54CAA29D34BF}"/>
+                </a:ext>
+              </a:extLst>
+            </p:cNvPr>
+            <p:cNvCxnSpPr>
+              <a:endCxn id="37" idx="0"/>
+            </p:cNvCxnSpPr>
+            <p:nvPr/>
+          </p:nvCxnSpPr>
+          <p:spPr>
+            <a:xfrm>
+              <a:off x="3317916" y="4240830"/>
+              <a:ext cx="0" cy="594900"/>
+            </a:xfrm>
+            <a:prstGeom prst="straightConnector1">
+              <a:avLst/>
+            </a:prstGeom>
+            <a:noFill/>
+            <a:ln w="19050" cap="flat" cmpd="sng">
+              <a:solidFill>
+                <a:schemeClr val="dk1"/>
+              </a:solidFill>
+              <a:prstDash val="solid"/>
+              <a:miter lim="800000"/>
+              <a:headEnd type="triangle" w="med" len="med"/>
+              <a:tailEnd type="triangle" w="med" len="med"/>
+            </a:ln>
+          </p:spPr>
+        </p:cxnSp>
+        <p:cxnSp>
+          <p:nvCxnSpPr>
+            <p:cNvPr id="40" name="Google Shape;830;p20">
+              <a:extLst>
+                <a:ext uri="{FF2B5EF4-FFF2-40B4-BE49-F238E27FC236}">
+                  <a16:creationId xmlns:a16="http://schemas.microsoft.com/office/drawing/2014/main" id="{ECBF63FA-933A-1ECD-95A5-F0BE9843B6E0}"/>
+                </a:ext>
+              </a:extLst>
+            </p:cNvPr>
+            <p:cNvCxnSpPr>
+              <a:endCxn id="38" idx="0"/>
+            </p:cNvCxnSpPr>
+            <p:nvPr/>
+          </p:nvCxnSpPr>
+          <p:spPr>
+            <a:xfrm>
+              <a:off x="4101208" y="4240830"/>
+              <a:ext cx="0" cy="594900"/>
+            </a:xfrm>
+            <a:prstGeom prst="straightConnector1">
+              <a:avLst/>
+            </a:prstGeom>
+            <a:noFill/>
+            <a:ln w="19050" cap="flat" cmpd="sng">
+              <a:solidFill>
+                <a:schemeClr val="dk1"/>
+              </a:solidFill>
+              <a:prstDash val="solid"/>
+              <a:miter lim="800000"/>
+              <a:headEnd type="triangle" w="med" len="med"/>
+              <a:tailEnd type="triangle" w="med" len="med"/>
+            </a:ln>
+          </p:spPr>
+        </p:cxnSp>
+        <p:sp>
+          <p:nvSpPr>
+            <p:cNvPr id="41" name="Google Shape;831;p20">
+              <a:extLst>
+                <a:ext uri="{FF2B5EF4-FFF2-40B4-BE49-F238E27FC236}">
+                  <a16:creationId xmlns:a16="http://schemas.microsoft.com/office/drawing/2014/main" id="{F7752E29-E4C3-EA06-C87F-F0C36F9C0985}"/>
+                </a:ext>
+              </a:extLst>
+            </p:cNvPr>
+            <p:cNvSpPr/>
+            <p:nvPr/>
+          </p:nvSpPr>
+          <p:spPr>
+            <a:xfrm>
+              <a:off x="1436336" y="4749156"/>
+              <a:ext cx="682380" cy="508461"/>
+            </a:xfrm>
+            <a:prstGeom prst="rect">
+              <a:avLst/>
+            </a:prstGeom>
+            <a:solidFill>
+              <a:srgbClr val="DDEAF6"/>
+            </a:solidFill>
+            <a:ln w="12700" cap="flat" cmpd="sng">
+              <a:solidFill>
+                <a:schemeClr val="dk1"/>
+              </a:solidFill>
+              <a:prstDash val="solid"/>
+              <a:miter lim="800000"/>
+              <a:headEnd type="none" w="sm" len="sm"/>
+              <a:tailEnd type="none" w="sm" len="sm"/>
+            </a:ln>
+          </p:spPr>
+          <p:txBody>
+            <a:bodyPr spcFirstLastPara="1" wrap="square" lIns="91425" tIns="45700" rIns="91425" bIns="45700" anchor="ctr" anchorCtr="0">
+              <a:noAutofit/>
+            </a:bodyPr>
+            <a:lstStyle/>
+            <a:p>
+              <a:pPr marL="0" marR="0" lvl="0" indent="0" algn="ctr" rtl="0">
+                <a:lnSpc>
+                  <a:spcPct val="100000"/>
+                </a:lnSpc>
+                <a:spcBef>
+                  <a:spcPts val="0"/>
+                </a:spcBef>
+                <a:spcAft>
+                  <a:spcPts val="0"/>
+                </a:spcAft>
+                <a:buClr>
+                  <a:srgbClr val="000000"/>
+                </a:buClr>
+                <a:buSzPts val="1200"/>
+                <a:buFont typeface="Arial"/>
+                <a:buNone/>
+              </a:pPr>
+              <a:r>
+                <a:rPr lang="en-US" sz="1200" b="0" i="0" u="none" strike="noStrike" cap="none">
+                  <a:solidFill>
+                    <a:schemeClr val="dk1"/>
+                  </a:solidFill>
+                  <a:latin typeface="Arial"/>
+                  <a:ea typeface="Arial"/>
+                  <a:cs typeface="Arial"/>
+                  <a:sym typeface="Arial"/>
+                </a:rPr>
+                <a:t>L2 Bank</a:t>
+              </a:r>
+              <a:endParaRPr sz="1400" b="0" i="0" u="none" strike="noStrike" cap="none">
+                <a:solidFill>
+                  <a:srgbClr val="000000"/>
+                </a:solidFill>
+                <a:latin typeface="Arial"/>
+                <a:ea typeface="Arial"/>
+                <a:cs typeface="Arial"/>
+                <a:sym typeface="Arial"/>
+              </a:endParaRPr>
+            </a:p>
+          </p:txBody>
+        </p:sp>
+        <p:sp>
+          <p:nvSpPr>
+            <p:cNvPr id="42" name="Google Shape;832;p20">
+              <a:extLst>
+                <a:ext uri="{FF2B5EF4-FFF2-40B4-BE49-F238E27FC236}">
+                  <a16:creationId xmlns:a16="http://schemas.microsoft.com/office/drawing/2014/main" id="{A2ADB719-CEC0-89C5-81CA-2ACA0773A6A6}"/>
+                </a:ext>
+              </a:extLst>
+            </p:cNvPr>
+            <p:cNvSpPr/>
+            <p:nvPr/>
+          </p:nvSpPr>
+          <p:spPr>
+            <a:xfrm>
+              <a:off x="2193435" y="4749156"/>
+              <a:ext cx="682380" cy="508461"/>
+            </a:xfrm>
+            <a:prstGeom prst="rect">
+              <a:avLst/>
+            </a:prstGeom>
+            <a:solidFill>
+              <a:srgbClr val="DDEAF6"/>
+            </a:solidFill>
+            <a:ln w="12700" cap="flat" cmpd="sng">
+              <a:solidFill>
+                <a:schemeClr val="dk1"/>
+              </a:solidFill>
+              <a:prstDash val="solid"/>
+              <a:miter lim="800000"/>
+              <a:headEnd type="none" w="sm" len="sm"/>
+              <a:tailEnd type="none" w="sm" len="sm"/>
+            </a:ln>
+          </p:spPr>
+          <p:txBody>
+            <a:bodyPr spcFirstLastPara="1" wrap="square" lIns="91425" tIns="45700" rIns="91425" bIns="45700" anchor="ctr" anchorCtr="0">
+              <a:noAutofit/>
+            </a:bodyPr>
+            <a:lstStyle/>
+            <a:p>
+              <a:pPr marL="0" marR="0" lvl="0" indent="0" algn="ctr" rtl="0">
+                <a:lnSpc>
+                  <a:spcPct val="100000"/>
+                </a:lnSpc>
+                <a:spcBef>
+                  <a:spcPts val="0"/>
+                </a:spcBef>
+                <a:spcAft>
+                  <a:spcPts val="0"/>
+                </a:spcAft>
+                <a:buClr>
+                  <a:srgbClr val="000000"/>
+                </a:buClr>
+                <a:buSzPts val="1200"/>
+                <a:buFont typeface="Arial"/>
+                <a:buNone/>
+              </a:pPr>
+              <a:r>
+                <a:rPr lang="en-US" sz="1200" b="0" i="0" u="none" strike="noStrike" cap="none">
+                  <a:solidFill>
+                    <a:schemeClr val="dk1"/>
+                  </a:solidFill>
+                  <a:latin typeface="Arial"/>
+                  <a:ea typeface="Arial"/>
+                  <a:cs typeface="Arial"/>
+                  <a:sym typeface="Arial"/>
+                </a:rPr>
+                <a:t>L2 Bank</a:t>
+              </a:r>
+              <a:endParaRPr sz="1400" b="0" i="0" u="none" strike="noStrike" cap="none">
+                <a:solidFill>
+                  <a:srgbClr val="000000"/>
+                </a:solidFill>
+                <a:latin typeface="Arial"/>
+                <a:ea typeface="Arial"/>
+                <a:cs typeface="Arial"/>
+                <a:sym typeface="Arial"/>
+              </a:endParaRPr>
+            </a:p>
+          </p:txBody>
+        </p:sp>
+        <p:cxnSp>
+          <p:nvCxnSpPr>
+            <p:cNvPr id="43" name="Google Shape;833;p20">
+              <a:extLst>
+                <a:ext uri="{FF2B5EF4-FFF2-40B4-BE49-F238E27FC236}">
+                  <a16:creationId xmlns:a16="http://schemas.microsoft.com/office/drawing/2014/main" id="{E62EDB99-90DB-9414-DE52-18F624C3FC53}"/>
+                </a:ext>
+              </a:extLst>
+            </p:cNvPr>
+            <p:cNvCxnSpPr/>
+            <p:nvPr/>
+          </p:nvCxnSpPr>
+          <p:spPr>
+            <a:xfrm>
+              <a:off x="1777526" y="3809546"/>
+              <a:ext cx="0" cy="930039"/>
+            </a:xfrm>
+            <a:prstGeom prst="straightConnector1">
+              <a:avLst/>
+            </a:prstGeom>
+            <a:noFill/>
+            <a:ln w="19050" cap="flat" cmpd="sng">
+              <a:solidFill>
+                <a:schemeClr val="dk1"/>
+              </a:solidFill>
+              <a:prstDash val="solid"/>
+              <a:miter lim="800000"/>
+              <a:headEnd type="triangle" w="med" len="med"/>
+              <a:tailEnd type="triangle" w="med" len="med"/>
+            </a:ln>
+          </p:spPr>
+        </p:cxnSp>
+        <p:cxnSp>
+          <p:nvCxnSpPr>
+            <p:cNvPr id="44" name="Google Shape;834;p20">
+              <a:extLst>
+                <a:ext uri="{FF2B5EF4-FFF2-40B4-BE49-F238E27FC236}">
+                  <a16:creationId xmlns:a16="http://schemas.microsoft.com/office/drawing/2014/main" id="{F0235D4D-1CCD-93A0-3AD6-1E50E7DE345B}"/>
+                </a:ext>
+              </a:extLst>
+            </p:cNvPr>
+            <p:cNvCxnSpPr/>
+            <p:nvPr/>
+          </p:nvCxnSpPr>
+          <p:spPr>
+            <a:xfrm>
+              <a:off x="2534625" y="3820827"/>
+              <a:ext cx="0" cy="930039"/>
+            </a:xfrm>
+            <a:prstGeom prst="straightConnector1">
+              <a:avLst/>
+            </a:prstGeom>
+            <a:noFill/>
+            <a:ln w="19050" cap="flat" cmpd="sng">
+              <a:solidFill>
+                <a:schemeClr val="dk1"/>
+              </a:solidFill>
+              <a:prstDash val="solid"/>
+              <a:miter lim="800000"/>
+              <a:headEnd type="triangle" w="med" len="med"/>
+              <a:tailEnd type="triangle" w="med" len="med"/>
+            </a:ln>
+          </p:spPr>
+        </p:cxnSp>
+        <p:cxnSp>
+          <p:nvCxnSpPr>
+            <p:cNvPr id="45" name="Google Shape;835;p20">
+              <a:extLst>
+                <a:ext uri="{FF2B5EF4-FFF2-40B4-BE49-F238E27FC236}">
+                  <a16:creationId xmlns:a16="http://schemas.microsoft.com/office/drawing/2014/main" id="{7087FC2B-0ACA-F750-6A66-73BF00BEC463}"/>
+                </a:ext>
+              </a:extLst>
+            </p:cNvPr>
+            <p:cNvCxnSpPr/>
+            <p:nvPr/>
+          </p:nvCxnSpPr>
+          <p:spPr>
+            <a:xfrm>
+              <a:off x="2247062" y="3305148"/>
+              <a:ext cx="0" cy="268092"/>
+            </a:xfrm>
+            <a:prstGeom prst="straightConnector1">
+              <a:avLst/>
+            </a:prstGeom>
+            <a:noFill/>
+            <a:ln w="19050" cap="flat" cmpd="sng">
+              <a:solidFill>
+                <a:schemeClr val="dk1"/>
+              </a:solidFill>
+              <a:prstDash val="solid"/>
+              <a:miter lim="800000"/>
+              <a:headEnd type="triangle" w="med" len="med"/>
+              <a:tailEnd type="triangle" w="med" len="med"/>
+            </a:ln>
+          </p:spPr>
+        </p:cxnSp>
+        <p:cxnSp>
+          <p:nvCxnSpPr>
+            <p:cNvPr id="48" name="Google Shape;838;p20">
+              <a:extLst>
+                <a:ext uri="{FF2B5EF4-FFF2-40B4-BE49-F238E27FC236}">
+                  <a16:creationId xmlns:a16="http://schemas.microsoft.com/office/drawing/2014/main" id="{6CD12431-3CC6-60A1-10D4-1160383417EE}"/>
+                </a:ext>
+              </a:extLst>
+            </p:cNvPr>
+            <p:cNvCxnSpPr/>
+            <p:nvPr/>
+          </p:nvCxnSpPr>
+          <p:spPr>
+            <a:xfrm>
+              <a:off x="4370185" y="3820827"/>
+              <a:ext cx="0" cy="184604"/>
+            </a:xfrm>
+            <a:prstGeom prst="straightConnector1">
+              <a:avLst/>
+            </a:prstGeom>
+            <a:noFill/>
+            <a:ln w="19050" cap="flat" cmpd="sng">
+              <a:solidFill>
+                <a:schemeClr val="dk1"/>
+              </a:solidFill>
+              <a:prstDash val="solid"/>
+              <a:miter lim="800000"/>
+              <a:headEnd type="triangle" w="med" len="med"/>
+              <a:tailEnd type="triangle" w="med" len="med"/>
+            </a:ln>
+          </p:spPr>
+        </p:cxnSp>
+        <p:cxnSp>
+          <p:nvCxnSpPr>
+            <p:cNvPr id="49" name="Google Shape;839;p20">
+              <a:extLst>
+                <a:ext uri="{FF2B5EF4-FFF2-40B4-BE49-F238E27FC236}">
+                  <a16:creationId xmlns:a16="http://schemas.microsoft.com/office/drawing/2014/main" id="{58756E7F-3D99-B963-C8D9-39BB19BE4B00}"/>
+                </a:ext>
+              </a:extLst>
+            </p:cNvPr>
+            <p:cNvCxnSpPr/>
+            <p:nvPr/>
+          </p:nvCxnSpPr>
+          <p:spPr>
+            <a:xfrm>
+              <a:off x="6183621" y="3809546"/>
+              <a:ext cx="0" cy="184604"/>
+            </a:xfrm>
+            <a:prstGeom prst="straightConnector1">
+              <a:avLst/>
+            </a:prstGeom>
+            <a:noFill/>
+            <a:ln w="19050" cap="flat" cmpd="sng">
+              <a:solidFill>
+                <a:schemeClr val="dk1"/>
+              </a:solidFill>
+              <a:prstDash val="solid"/>
+              <a:miter lim="800000"/>
+              <a:headEnd type="triangle" w="med" len="med"/>
+              <a:tailEnd type="triangle" w="med" len="med"/>
+            </a:ln>
+          </p:spPr>
+        </p:cxnSp>
+        <p:cxnSp>
+          <p:nvCxnSpPr>
+            <p:cNvPr id="50" name="Google Shape;840;p20">
+              <a:extLst>
+                <a:ext uri="{FF2B5EF4-FFF2-40B4-BE49-F238E27FC236}">
+                  <a16:creationId xmlns:a16="http://schemas.microsoft.com/office/drawing/2014/main" id="{EAC1BB52-A8D3-CD56-F514-F3164B7B64FE}"/>
+                </a:ext>
+              </a:extLst>
+            </p:cNvPr>
+            <p:cNvCxnSpPr/>
+            <p:nvPr/>
+          </p:nvCxnSpPr>
+          <p:spPr>
+            <a:xfrm>
+              <a:off x="5061810" y="4240696"/>
+              <a:ext cx="0" cy="184604"/>
+            </a:xfrm>
+            <a:prstGeom prst="straightConnector1">
+              <a:avLst/>
+            </a:prstGeom>
+            <a:noFill/>
+            <a:ln w="19050" cap="flat" cmpd="sng">
+              <a:solidFill>
+                <a:schemeClr val="dk1"/>
+              </a:solidFill>
+              <a:prstDash val="solid"/>
+              <a:miter lim="800000"/>
+              <a:headEnd type="triangle" w="med" len="med"/>
+              <a:tailEnd type="triangle" w="med" len="med"/>
+            </a:ln>
+          </p:spPr>
+        </p:cxnSp>
+        <p:sp>
+          <p:nvSpPr>
+            <p:cNvPr id="51" name="Google Shape;841;p20">
+              <a:extLst>
+                <a:ext uri="{FF2B5EF4-FFF2-40B4-BE49-F238E27FC236}">
+                  <a16:creationId xmlns:a16="http://schemas.microsoft.com/office/drawing/2014/main" id="{985C97E2-CCC0-6897-4AC8-F5ECC284E550}"/>
+                </a:ext>
+              </a:extLst>
+            </p:cNvPr>
+            <p:cNvSpPr/>
+            <p:nvPr/>
+          </p:nvSpPr>
+          <p:spPr>
+            <a:xfrm>
+              <a:off x="4715172" y="4782281"/>
+              <a:ext cx="851707" cy="242731"/>
+            </a:xfrm>
+            <a:prstGeom prst="rect">
+              <a:avLst/>
+            </a:prstGeom>
+            <a:solidFill>
+              <a:srgbClr val="E5D5FF"/>
+            </a:solidFill>
+            <a:ln w="12700" cap="flat" cmpd="sng">
+              <a:solidFill>
+                <a:schemeClr val="dk1"/>
+              </a:solidFill>
+              <a:prstDash val="solid"/>
+              <a:miter lim="800000"/>
+              <a:headEnd type="none" w="sm" len="sm"/>
+              <a:tailEnd type="none" w="sm" len="sm"/>
+            </a:ln>
+          </p:spPr>
+          <p:txBody>
+            <a:bodyPr spcFirstLastPara="1" wrap="square" lIns="91425" tIns="45700" rIns="91425" bIns="45700" anchor="ctr" anchorCtr="0">
+              <a:noAutofit/>
+            </a:bodyPr>
+            <a:lstStyle/>
+            <a:p>
+              <a:pPr marL="0" marR="0" lvl="0" indent="0" algn="ctr" rtl="0">
+                <a:lnSpc>
+                  <a:spcPct val="100000"/>
+                </a:lnSpc>
+                <a:spcBef>
+                  <a:spcPts val="0"/>
+                </a:spcBef>
+                <a:spcAft>
+                  <a:spcPts val="0"/>
+                </a:spcAft>
+                <a:buClr>
+                  <a:srgbClr val="000000"/>
+                </a:buClr>
+                <a:buSzPts val="1200"/>
+                <a:buFont typeface="Arial"/>
+                <a:buNone/>
+              </a:pPr>
+              <a:r>
+                <a:rPr lang="en-US" sz="1200" b="0" i="0" u="none" strike="noStrike" cap="none">
+                  <a:solidFill>
+                    <a:schemeClr val="dk1"/>
+                  </a:solidFill>
+                  <a:latin typeface="Arial"/>
+                  <a:ea typeface="Arial"/>
+                  <a:cs typeface="Arial"/>
+                  <a:sym typeface="Arial"/>
+                </a:rPr>
+                <a:t>BootROM</a:t>
+              </a:r>
+              <a:endParaRPr sz="1200" b="0" i="0" u="none" strike="noStrike" cap="none">
+                <a:solidFill>
+                  <a:schemeClr val="dk1"/>
+                </a:solidFill>
+                <a:latin typeface="Arial"/>
+                <a:ea typeface="Arial"/>
+                <a:cs typeface="Arial"/>
+                <a:sym typeface="Arial"/>
+              </a:endParaRPr>
+            </a:p>
+          </p:txBody>
+        </p:sp>
+        <p:sp>
+          <p:nvSpPr>
+            <p:cNvPr id="52" name="Google Shape;842;p20">
+              <a:extLst>
+                <a:ext uri="{FF2B5EF4-FFF2-40B4-BE49-F238E27FC236}">
+                  <a16:creationId xmlns:a16="http://schemas.microsoft.com/office/drawing/2014/main" id="{18AB70C3-8658-2F8A-9892-E05A02EEBEAD}"/>
+                </a:ext>
+              </a:extLst>
+            </p:cNvPr>
+            <p:cNvSpPr/>
+            <p:nvPr/>
+          </p:nvSpPr>
+          <p:spPr>
+            <a:xfrm>
+              <a:off x="4715172" y="5082802"/>
+              <a:ext cx="851707" cy="242731"/>
+            </a:xfrm>
+            <a:prstGeom prst="rect">
+              <a:avLst/>
+            </a:prstGeom>
+            <a:solidFill>
+              <a:srgbClr val="E5D5FF"/>
+            </a:solidFill>
+            <a:ln w="12700" cap="flat" cmpd="sng">
+              <a:solidFill>
+                <a:schemeClr val="dk1"/>
+              </a:solidFill>
+              <a:prstDash val="solid"/>
+              <a:miter lim="800000"/>
+              <a:headEnd type="none" w="sm" len="sm"/>
+              <a:tailEnd type="none" w="sm" len="sm"/>
+            </a:ln>
+          </p:spPr>
+          <p:txBody>
+            <a:bodyPr spcFirstLastPara="1" wrap="square" lIns="91425" tIns="45700" rIns="91425" bIns="45700" anchor="ctr" anchorCtr="0">
+              <a:noAutofit/>
+            </a:bodyPr>
+            <a:lstStyle/>
+            <a:p>
+              <a:pPr marL="0" marR="0" lvl="0" indent="0" algn="ctr" rtl="0">
+                <a:lnSpc>
+                  <a:spcPct val="100000"/>
+                </a:lnSpc>
+                <a:spcBef>
+                  <a:spcPts val="0"/>
+                </a:spcBef>
+                <a:spcAft>
+                  <a:spcPts val="0"/>
+                </a:spcAft>
+                <a:buClr>
+                  <a:srgbClr val="000000"/>
+                </a:buClr>
+                <a:buSzPts val="1200"/>
+                <a:buFont typeface="Arial"/>
+                <a:buNone/>
+              </a:pPr>
+              <a:r>
+                <a:rPr lang="en-US" sz="1200" b="0" i="0" u="none" strike="noStrike" cap="none">
+                  <a:solidFill>
+                    <a:schemeClr val="dk1"/>
+                  </a:solidFill>
+                  <a:latin typeface="Arial"/>
+                  <a:ea typeface="Arial"/>
+                  <a:cs typeface="Arial"/>
+                  <a:sym typeface="Arial"/>
+                </a:rPr>
+                <a:t>PLIC</a:t>
+              </a:r>
+              <a:endParaRPr sz="1400" b="0" i="0" u="none" strike="noStrike" cap="none">
+                <a:solidFill>
+                  <a:srgbClr val="000000"/>
+                </a:solidFill>
+                <a:latin typeface="Arial"/>
+                <a:ea typeface="Arial"/>
+                <a:cs typeface="Arial"/>
+                <a:sym typeface="Arial"/>
+              </a:endParaRPr>
+            </a:p>
+          </p:txBody>
+        </p:sp>
+        <p:sp>
+          <p:nvSpPr>
+            <p:cNvPr id="53" name="Google Shape;843;p20">
+              <a:extLst>
+                <a:ext uri="{FF2B5EF4-FFF2-40B4-BE49-F238E27FC236}">
+                  <a16:creationId xmlns:a16="http://schemas.microsoft.com/office/drawing/2014/main" id="{12FC03E0-5DFF-6E52-EAAE-D97ACDFCA669}"/>
+                </a:ext>
+              </a:extLst>
+            </p:cNvPr>
+            <p:cNvSpPr/>
+            <p:nvPr/>
+          </p:nvSpPr>
+          <p:spPr>
+            <a:xfrm>
+              <a:off x="4726078" y="5383323"/>
+              <a:ext cx="841442" cy="242731"/>
+            </a:xfrm>
+            <a:prstGeom prst="rect">
+              <a:avLst/>
+            </a:prstGeom>
+            <a:solidFill>
+              <a:srgbClr val="E5D5FF"/>
+            </a:solidFill>
+            <a:ln w="12700" cap="flat" cmpd="sng">
+              <a:solidFill>
+                <a:schemeClr val="dk1"/>
+              </a:solidFill>
+              <a:prstDash val="solid"/>
+              <a:miter lim="800000"/>
+              <a:headEnd type="none" w="sm" len="sm"/>
+              <a:tailEnd type="none" w="sm" len="sm"/>
+            </a:ln>
+          </p:spPr>
+          <p:txBody>
+            <a:bodyPr spcFirstLastPara="1" wrap="square" lIns="91425" tIns="45700" rIns="91425" bIns="45700" anchor="ctr" anchorCtr="0">
+              <a:noAutofit/>
+            </a:bodyPr>
+            <a:lstStyle/>
+            <a:p>
+              <a:pPr marL="0" marR="0" lvl="0" indent="0" algn="ctr" rtl="0">
+                <a:lnSpc>
+                  <a:spcPct val="100000"/>
+                </a:lnSpc>
+                <a:spcBef>
+                  <a:spcPts val="0"/>
+                </a:spcBef>
+                <a:spcAft>
+                  <a:spcPts val="0"/>
+                </a:spcAft>
+                <a:buClr>
+                  <a:srgbClr val="000000"/>
+                </a:buClr>
+                <a:buSzPts val="1200"/>
+                <a:buFont typeface="Arial"/>
+                <a:buNone/>
+              </a:pPr>
+              <a:r>
+                <a:rPr lang="en-US" sz="1200" b="0" i="0" u="none" strike="noStrike" cap="none">
+                  <a:solidFill>
+                    <a:schemeClr val="dk1"/>
+                  </a:solidFill>
+                  <a:latin typeface="Arial"/>
+                  <a:ea typeface="Arial"/>
+                  <a:cs typeface="Arial"/>
+                  <a:sym typeface="Arial"/>
+                </a:rPr>
+                <a:t>CLINT</a:t>
+              </a:r>
+              <a:endParaRPr sz="1400" b="0" i="0" u="none" strike="noStrike" cap="none">
+                <a:solidFill>
+                  <a:srgbClr val="000000"/>
+                </a:solidFill>
+                <a:latin typeface="Arial"/>
+                <a:ea typeface="Arial"/>
+                <a:cs typeface="Arial"/>
+                <a:sym typeface="Arial"/>
+              </a:endParaRPr>
+            </a:p>
+          </p:txBody>
+        </p:sp>
+        <p:sp>
+          <p:nvSpPr>
+            <p:cNvPr id="54" name="Google Shape;844;p20">
+              <a:extLst>
+                <a:ext uri="{FF2B5EF4-FFF2-40B4-BE49-F238E27FC236}">
+                  <a16:creationId xmlns:a16="http://schemas.microsoft.com/office/drawing/2014/main" id="{BBD4E1D5-2B66-D9B9-F543-48BFE1A34D6C}"/>
+                </a:ext>
+              </a:extLst>
+            </p:cNvPr>
+            <p:cNvSpPr/>
+            <p:nvPr/>
+          </p:nvSpPr>
+          <p:spPr>
+            <a:xfrm>
+              <a:off x="4726078" y="5673368"/>
+              <a:ext cx="841442" cy="242731"/>
+            </a:xfrm>
+            <a:prstGeom prst="rect">
+              <a:avLst/>
+            </a:prstGeom>
+            <a:solidFill>
+              <a:srgbClr val="E5D5FF"/>
+            </a:solidFill>
+            <a:ln w="12700" cap="flat" cmpd="sng">
+              <a:solidFill>
+                <a:schemeClr val="dk1"/>
+              </a:solidFill>
+              <a:prstDash val="solid"/>
+              <a:miter lim="800000"/>
+              <a:headEnd type="none" w="sm" len="sm"/>
+              <a:tailEnd type="none" w="sm" len="sm"/>
+            </a:ln>
+          </p:spPr>
+          <p:txBody>
+            <a:bodyPr spcFirstLastPara="1" wrap="square" lIns="91425" tIns="45700" rIns="91425" bIns="45700" anchor="ctr" anchorCtr="0">
+              <a:noAutofit/>
+            </a:bodyPr>
+            <a:lstStyle/>
+            <a:p>
+              <a:pPr marL="0" marR="0" lvl="0" indent="0" algn="ctr" rtl="0">
+                <a:lnSpc>
+                  <a:spcPct val="100000"/>
+                </a:lnSpc>
+                <a:spcBef>
+                  <a:spcPts val="0"/>
+                </a:spcBef>
+                <a:spcAft>
+                  <a:spcPts val="0"/>
+                </a:spcAft>
+                <a:buClr>
+                  <a:srgbClr val="000000"/>
+                </a:buClr>
+                <a:buSzPts val="1200"/>
+                <a:buFont typeface="Arial"/>
+                <a:buNone/>
+              </a:pPr>
+              <a:r>
+                <a:rPr lang="en-US" sz="1200" b="0" i="0" u="none" strike="noStrike" cap="none">
+                  <a:solidFill>
+                    <a:schemeClr val="dk1"/>
+                  </a:solidFill>
+                  <a:latin typeface="Arial"/>
+                  <a:ea typeface="Arial"/>
+                  <a:cs typeface="Arial"/>
+                  <a:sym typeface="Arial"/>
+                </a:rPr>
+                <a:t>Debug</a:t>
+              </a:r>
+              <a:endParaRPr sz="1400" b="0" i="0" u="none" strike="noStrike" cap="none">
+                <a:solidFill>
+                  <a:srgbClr val="000000"/>
+                </a:solidFill>
+                <a:latin typeface="Arial"/>
+                <a:ea typeface="Arial"/>
+                <a:cs typeface="Arial"/>
+                <a:sym typeface="Arial"/>
+              </a:endParaRPr>
+            </a:p>
+          </p:txBody>
+        </p:sp>
+        <p:cxnSp>
+          <p:nvCxnSpPr>
+            <p:cNvPr id="55" name="Google Shape;845;p20">
+              <a:extLst>
+                <a:ext uri="{FF2B5EF4-FFF2-40B4-BE49-F238E27FC236}">
+                  <a16:creationId xmlns:a16="http://schemas.microsoft.com/office/drawing/2014/main" id="{3F23DBB4-703C-D7E7-57E3-94D3AFA5F51B}"/>
+                </a:ext>
+              </a:extLst>
+            </p:cNvPr>
+            <p:cNvCxnSpPr/>
+            <p:nvPr/>
+          </p:nvCxnSpPr>
+          <p:spPr>
+            <a:xfrm>
+              <a:off x="4609421" y="4908644"/>
+              <a:ext cx="107760" cy="0"/>
+            </a:xfrm>
+            <a:prstGeom prst="straightConnector1">
+              <a:avLst/>
+            </a:prstGeom>
+            <a:noFill/>
+            <a:ln w="19050" cap="flat" cmpd="sng">
+              <a:solidFill>
+                <a:schemeClr val="dk1"/>
+              </a:solidFill>
+              <a:prstDash val="solid"/>
+              <a:miter lim="800000"/>
+              <a:headEnd type="none" w="sm" len="sm"/>
+              <a:tailEnd type="triangle" w="med" len="med"/>
+            </a:ln>
+          </p:spPr>
+        </p:cxnSp>
+        <p:cxnSp>
+          <p:nvCxnSpPr>
+            <p:cNvPr id="56" name="Google Shape;846;p20">
+              <a:extLst>
+                <a:ext uri="{FF2B5EF4-FFF2-40B4-BE49-F238E27FC236}">
+                  <a16:creationId xmlns:a16="http://schemas.microsoft.com/office/drawing/2014/main" id="{E2D28471-955B-F854-D345-8176A2D8BE76}"/>
+                </a:ext>
+              </a:extLst>
+            </p:cNvPr>
+            <p:cNvCxnSpPr/>
+            <p:nvPr/>
+          </p:nvCxnSpPr>
+          <p:spPr>
+            <a:xfrm>
+              <a:off x="4606813" y="4652486"/>
+              <a:ext cx="0" cy="1122902"/>
+            </a:xfrm>
+            <a:prstGeom prst="straightConnector1">
+              <a:avLst/>
+            </a:prstGeom>
+            <a:noFill/>
+            <a:ln w="19050" cap="flat" cmpd="sng">
+              <a:solidFill>
+                <a:schemeClr val="dk1"/>
+              </a:solidFill>
+              <a:prstDash val="solid"/>
+              <a:miter lim="800000"/>
+              <a:headEnd type="triangle" w="med" len="med"/>
+              <a:tailEnd type="none" w="sm" len="sm"/>
+            </a:ln>
+          </p:spPr>
+        </p:cxnSp>
+        <p:cxnSp>
+          <p:nvCxnSpPr>
+            <p:cNvPr id="57" name="Google Shape;847;p20">
+              <a:extLst>
+                <a:ext uri="{FF2B5EF4-FFF2-40B4-BE49-F238E27FC236}">
+                  <a16:creationId xmlns:a16="http://schemas.microsoft.com/office/drawing/2014/main" id="{08B5C200-3D07-E704-C1AB-44108675744E}"/>
+                </a:ext>
+              </a:extLst>
+            </p:cNvPr>
+            <p:cNvCxnSpPr/>
+            <p:nvPr/>
+          </p:nvCxnSpPr>
+          <p:spPr>
+            <a:xfrm>
+              <a:off x="4609421" y="5203919"/>
+              <a:ext cx="107760" cy="0"/>
+            </a:xfrm>
+            <a:prstGeom prst="straightConnector1">
+              <a:avLst/>
+            </a:prstGeom>
+            <a:noFill/>
+            <a:ln w="19050" cap="flat" cmpd="sng">
+              <a:solidFill>
+                <a:schemeClr val="dk1"/>
+              </a:solidFill>
+              <a:prstDash val="solid"/>
+              <a:miter lim="800000"/>
+              <a:headEnd type="none" w="sm" len="sm"/>
+              <a:tailEnd type="triangle" w="med" len="med"/>
+            </a:ln>
+          </p:spPr>
+        </p:cxnSp>
+        <p:cxnSp>
+          <p:nvCxnSpPr>
+            <p:cNvPr id="58" name="Google Shape;848;p20">
+              <a:extLst>
+                <a:ext uri="{FF2B5EF4-FFF2-40B4-BE49-F238E27FC236}">
+                  <a16:creationId xmlns:a16="http://schemas.microsoft.com/office/drawing/2014/main" id="{964CA82A-0AF6-C564-D7D5-41EE238A8344}"/>
+                </a:ext>
+              </a:extLst>
+            </p:cNvPr>
+            <p:cNvCxnSpPr/>
+            <p:nvPr/>
+          </p:nvCxnSpPr>
+          <p:spPr>
+            <a:xfrm>
+              <a:off x="4609421" y="5503956"/>
+              <a:ext cx="107760" cy="0"/>
+            </a:xfrm>
+            <a:prstGeom prst="straightConnector1">
+              <a:avLst/>
+            </a:prstGeom>
+            <a:noFill/>
+            <a:ln w="19050" cap="flat" cmpd="sng">
+              <a:solidFill>
+                <a:schemeClr val="dk1"/>
+              </a:solidFill>
+              <a:prstDash val="solid"/>
+              <a:miter lim="800000"/>
+              <a:headEnd type="none" w="sm" len="sm"/>
+              <a:tailEnd type="triangle" w="med" len="med"/>
+            </a:ln>
+          </p:spPr>
+        </p:cxnSp>
+        <p:cxnSp>
+          <p:nvCxnSpPr>
+            <p:cNvPr id="59" name="Google Shape;849;p20">
+              <a:extLst>
+                <a:ext uri="{FF2B5EF4-FFF2-40B4-BE49-F238E27FC236}">
+                  <a16:creationId xmlns:a16="http://schemas.microsoft.com/office/drawing/2014/main" id="{A40ABD52-A759-0A07-1D70-236A1F509A50}"/>
+                </a:ext>
+              </a:extLst>
+            </p:cNvPr>
+            <p:cNvCxnSpPr/>
+            <p:nvPr/>
+          </p:nvCxnSpPr>
+          <p:spPr>
+            <a:xfrm>
+              <a:off x="4609421" y="5775388"/>
+              <a:ext cx="107760" cy="0"/>
+            </a:xfrm>
+            <a:prstGeom prst="straightConnector1">
+              <a:avLst/>
+            </a:prstGeom>
+            <a:noFill/>
+            <a:ln w="19050" cap="flat" cmpd="sng">
+              <a:solidFill>
+                <a:schemeClr val="dk1"/>
+              </a:solidFill>
+              <a:prstDash val="solid"/>
+              <a:miter lim="800000"/>
+              <a:headEnd type="none" w="sm" len="sm"/>
+              <a:tailEnd type="triangle" w="med" len="med"/>
+            </a:ln>
+          </p:spPr>
+        </p:cxnSp>
+        <p:sp>
+          <p:nvSpPr>
+            <p:cNvPr id="60" name="Google Shape;850;p20">
+              <a:extLst>
+                <a:ext uri="{FF2B5EF4-FFF2-40B4-BE49-F238E27FC236}">
+                  <a16:creationId xmlns:a16="http://schemas.microsoft.com/office/drawing/2014/main" id="{1E5F2E09-DA98-49B5-C17E-440D9692131A}"/>
+                </a:ext>
+              </a:extLst>
+            </p:cNvPr>
+            <p:cNvSpPr/>
+            <p:nvPr/>
+          </p:nvSpPr>
+          <p:spPr>
+            <a:xfrm>
+              <a:off x="6028075" y="4749156"/>
+              <a:ext cx="682380" cy="421887"/>
+            </a:xfrm>
+            <a:prstGeom prst="rect">
+              <a:avLst/>
+            </a:prstGeom>
+            <a:solidFill>
+              <a:srgbClr val="E5D5FF"/>
+            </a:solidFill>
+            <a:ln w="12700" cap="flat" cmpd="sng">
+              <a:solidFill>
+                <a:schemeClr val="dk1"/>
+              </a:solidFill>
+              <a:prstDash val="solid"/>
+              <a:miter lim="800000"/>
+              <a:headEnd type="none" w="sm" len="sm"/>
+              <a:tailEnd type="none" w="sm" len="sm"/>
+            </a:ln>
+          </p:spPr>
+          <p:txBody>
+            <a:bodyPr spcFirstLastPara="1" wrap="square" lIns="91425" tIns="45700" rIns="91425" bIns="45700" anchor="ctr" anchorCtr="0">
+              <a:noAutofit/>
+            </a:bodyPr>
+            <a:lstStyle/>
+            <a:p>
+              <a:pPr marL="0" marR="0" lvl="0" indent="0" algn="ctr" rtl="0">
+                <a:lnSpc>
+                  <a:spcPct val="100000"/>
+                </a:lnSpc>
+                <a:spcBef>
+                  <a:spcPts val="0"/>
+                </a:spcBef>
+                <a:spcAft>
+                  <a:spcPts val="0"/>
+                </a:spcAft>
+                <a:buClr>
+                  <a:srgbClr val="000000"/>
+                </a:buClr>
+                <a:buSzPts val="1200"/>
+                <a:buFont typeface="Arial"/>
+                <a:buNone/>
+              </a:pPr>
+              <a:r>
+                <a:rPr lang="en-US" sz="1200" b="0" i="0" u="none" strike="noStrike" cap="none">
+                  <a:solidFill>
+                    <a:schemeClr val="dk1"/>
+                  </a:solidFill>
+                  <a:latin typeface="Arial"/>
+                  <a:ea typeface="Arial"/>
+                  <a:cs typeface="Arial"/>
+                  <a:sym typeface="Arial"/>
+                </a:rPr>
+                <a:t>Serdes</a:t>
+              </a:r>
+              <a:endParaRPr sz="1400" b="0" i="0" u="none" strike="noStrike" cap="none">
+                <a:solidFill>
+                  <a:srgbClr val="000000"/>
+                </a:solidFill>
+                <a:latin typeface="Arial"/>
+                <a:ea typeface="Arial"/>
+                <a:cs typeface="Arial"/>
+                <a:sym typeface="Arial"/>
+              </a:endParaRPr>
+            </a:p>
+          </p:txBody>
+        </p:sp>
+        <p:cxnSp>
+          <p:nvCxnSpPr>
+            <p:cNvPr id="61" name="Google Shape;851;p20">
+              <a:extLst>
+                <a:ext uri="{FF2B5EF4-FFF2-40B4-BE49-F238E27FC236}">
+                  <a16:creationId xmlns:a16="http://schemas.microsoft.com/office/drawing/2014/main" id="{B2AE6783-4F2E-AB9C-3302-F3266C050B61}"/>
+                </a:ext>
+              </a:extLst>
+            </p:cNvPr>
+            <p:cNvCxnSpPr>
+              <a:stCxn id="54" idx="3"/>
+            </p:cNvCxnSpPr>
+            <p:nvPr/>
+          </p:nvCxnSpPr>
+          <p:spPr>
+            <a:xfrm rot="10800000" flipH="1">
+              <a:off x="5567520" y="4226934"/>
+              <a:ext cx="255300" cy="1567800"/>
+            </a:xfrm>
+            <a:prstGeom prst="bentConnector2">
+              <a:avLst/>
+            </a:prstGeom>
+            <a:noFill/>
+            <a:ln w="19050" cap="flat" cmpd="sng">
+              <a:solidFill>
+                <a:schemeClr val="dk1"/>
+              </a:solidFill>
+              <a:prstDash val="solid"/>
+              <a:miter lim="800000"/>
+              <a:headEnd type="triangle" w="med" len="med"/>
+              <a:tailEnd type="triangle" w="med" len="med"/>
+            </a:ln>
+          </p:spPr>
+        </p:cxnSp>
+        <p:cxnSp>
+          <p:nvCxnSpPr>
+            <p:cNvPr id="62" name="Google Shape;852;p20">
+              <a:extLst>
+                <a:ext uri="{FF2B5EF4-FFF2-40B4-BE49-F238E27FC236}">
+                  <a16:creationId xmlns:a16="http://schemas.microsoft.com/office/drawing/2014/main" id="{F6C67DEF-4BAD-C07C-E94D-90B6FEF9AB13}"/>
+                </a:ext>
+              </a:extLst>
+            </p:cNvPr>
+            <p:cNvCxnSpPr/>
+            <p:nvPr/>
+          </p:nvCxnSpPr>
+          <p:spPr>
+            <a:xfrm>
+              <a:off x="6369265" y="4240696"/>
+              <a:ext cx="0" cy="498889"/>
+            </a:xfrm>
+            <a:prstGeom prst="straightConnector1">
+              <a:avLst/>
+            </a:prstGeom>
+            <a:noFill/>
+            <a:ln w="19050" cap="flat" cmpd="sng">
+              <a:solidFill>
+                <a:schemeClr val="dk1"/>
+              </a:solidFill>
+              <a:prstDash val="solid"/>
+              <a:miter lim="800000"/>
+              <a:headEnd type="triangle" w="med" len="med"/>
+              <a:tailEnd type="triangle" w="med" len="med"/>
+            </a:ln>
+          </p:spPr>
+        </p:cxnSp>
+        <p:sp>
+          <p:nvSpPr>
+            <p:cNvPr id="63" name="Google Shape;853;p20">
+              <a:extLst>
+                <a:ext uri="{FF2B5EF4-FFF2-40B4-BE49-F238E27FC236}">
+                  <a16:creationId xmlns:a16="http://schemas.microsoft.com/office/drawing/2014/main" id="{2C8270D7-425D-D141-0606-C984D1AC6BF3}"/>
+                </a:ext>
+              </a:extLst>
+            </p:cNvPr>
+            <p:cNvSpPr/>
+            <p:nvPr/>
+          </p:nvSpPr>
+          <p:spPr>
+            <a:xfrm>
+              <a:off x="1423852" y="5454170"/>
+              <a:ext cx="1451964" cy="236306"/>
+            </a:xfrm>
+            <a:prstGeom prst="rect">
+              <a:avLst/>
+            </a:prstGeom>
+            <a:solidFill>
+              <a:srgbClr val="FBE4D4"/>
+            </a:solidFill>
+            <a:ln w="12700" cap="flat" cmpd="sng">
+              <a:solidFill>
+                <a:schemeClr val="dk1"/>
+              </a:solidFill>
+              <a:prstDash val="solid"/>
+              <a:miter lim="800000"/>
+              <a:headEnd type="none" w="sm" len="sm"/>
+              <a:tailEnd type="none" w="sm" len="sm"/>
+            </a:ln>
+          </p:spPr>
+          <p:txBody>
+            <a:bodyPr spcFirstLastPara="1" wrap="square" lIns="91425" tIns="45700" rIns="91425" bIns="45700" anchor="ctr" anchorCtr="0">
+              <a:noAutofit/>
+            </a:bodyPr>
+            <a:lstStyle/>
+            <a:p>
+              <a:pPr marL="0" marR="0" lvl="0" indent="0" algn="ctr" rtl="0">
+                <a:lnSpc>
+                  <a:spcPct val="100000"/>
+                </a:lnSpc>
+                <a:spcBef>
+                  <a:spcPts val="0"/>
+                </a:spcBef>
+                <a:spcAft>
+                  <a:spcPts val="0"/>
+                </a:spcAft>
+                <a:buClr>
+                  <a:srgbClr val="000000"/>
+                </a:buClr>
+                <a:buSzPts val="1200"/>
+                <a:buFont typeface="Arial"/>
+                <a:buNone/>
+              </a:pPr>
+              <a:r>
+                <a:rPr lang="en-US" sz="1200" b="0" i="0" u="none" strike="noStrike" cap="none">
+                  <a:solidFill>
+                    <a:schemeClr val="dk1"/>
+                  </a:solidFill>
+                  <a:latin typeface="Arial"/>
+                  <a:ea typeface="Arial"/>
+                  <a:cs typeface="Arial"/>
+                  <a:sym typeface="Arial"/>
+                </a:rPr>
+                <a:t>Memory Bus</a:t>
+              </a:r>
+              <a:endParaRPr sz="1400" b="0" i="0" u="none" strike="noStrike" cap="none">
+                <a:solidFill>
+                  <a:srgbClr val="000000"/>
+                </a:solidFill>
+                <a:latin typeface="Arial"/>
+                <a:ea typeface="Arial"/>
+                <a:cs typeface="Arial"/>
+                <a:sym typeface="Arial"/>
+              </a:endParaRPr>
+            </a:p>
+          </p:txBody>
+        </p:sp>
+        <p:cxnSp>
+          <p:nvCxnSpPr>
+            <p:cNvPr id="64" name="Google Shape;854;p20">
+              <a:extLst>
+                <a:ext uri="{FF2B5EF4-FFF2-40B4-BE49-F238E27FC236}">
+                  <a16:creationId xmlns:a16="http://schemas.microsoft.com/office/drawing/2014/main" id="{50E29929-E7C6-54C0-600E-E828B59F257A}"/>
+                </a:ext>
+              </a:extLst>
+            </p:cNvPr>
+            <p:cNvCxnSpPr/>
+            <p:nvPr/>
+          </p:nvCxnSpPr>
+          <p:spPr>
+            <a:xfrm>
+              <a:off x="1738433" y="5263423"/>
+              <a:ext cx="0" cy="190747"/>
+            </a:xfrm>
+            <a:prstGeom prst="straightConnector1">
+              <a:avLst/>
+            </a:prstGeom>
+            <a:noFill/>
+            <a:ln w="19050" cap="flat" cmpd="sng">
+              <a:solidFill>
+                <a:schemeClr val="dk1"/>
+              </a:solidFill>
+              <a:prstDash val="solid"/>
+              <a:miter lim="800000"/>
+              <a:headEnd type="triangle" w="med" len="med"/>
+              <a:tailEnd type="triangle" w="med" len="med"/>
+            </a:ln>
+          </p:spPr>
+        </p:cxnSp>
+        <p:cxnSp>
+          <p:nvCxnSpPr>
+            <p:cNvPr id="65" name="Google Shape;855;p20">
+              <a:extLst>
+                <a:ext uri="{FF2B5EF4-FFF2-40B4-BE49-F238E27FC236}">
+                  <a16:creationId xmlns:a16="http://schemas.microsoft.com/office/drawing/2014/main" id="{216D628C-DF20-230F-18B0-6482A4AFC1F2}"/>
+                </a:ext>
+              </a:extLst>
+            </p:cNvPr>
+            <p:cNvCxnSpPr/>
+            <p:nvPr/>
+          </p:nvCxnSpPr>
+          <p:spPr>
+            <a:xfrm>
+              <a:off x="2547801" y="5263423"/>
+              <a:ext cx="0" cy="190747"/>
+            </a:xfrm>
+            <a:prstGeom prst="straightConnector1">
+              <a:avLst/>
+            </a:prstGeom>
+            <a:noFill/>
+            <a:ln w="19050" cap="flat" cmpd="sng">
+              <a:solidFill>
+                <a:schemeClr val="dk1"/>
+              </a:solidFill>
+              <a:prstDash val="solid"/>
+              <a:miter lim="800000"/>
+              <a:headEnd type="triangle" w="med" len="med"/>
+              <a:tailEnd type="triangle" w="med" len="med"/>
+            </a:ln>
+          </p:spPr>
+        </p:cxnSp>
+        <p:sp>
+          <p:nvSpPr>
+            <p:cNvPr id="66" name="Google Shape;856;p20">
+              <a:extLst>
+                <a:ext uri="{FF2B5EF4-FFF2-40B4-BE49-F238E27FC236}">
+                  <a16:creationId xmlns:a16="http://schemas.microsoft.com/office/drawing/2014/main" id="{087AAD54-F217-8171-0357-35A27C6ADC35}"/>
+                </a:ext>
+              </a:extLst>
+            </p:cNvPr>
+            <p:cNvSpPr/>
+            <p:nvPr/>
+          </p:nvSpPr>
+          <p:spPr>
+            <a:xfrm>
+              <a:off x="2193435" y="5866422"/>
+              <a:ext cx="682380" cy="415634"/>
+            </a:xfrm>
+            <a:prstGeom prst="rect">
+              <a:avLst/>
+            </a:prstGeom>
+            <a:solidFill>
+              <a:srgbClr val="DDEAF6"/>
+            </a:solidFill>
+            <a:ln w="12700" cap="flat" cmpd="sng">
+              <a:solidFill>
+                <a:schemeClr val="dk1"/>
+              </a:solidFill>
+              <a:prstDash val="solid"/>
+              <a:miter lim="800000"/>
+              <a:headEnd type="none" w="sm" len="sm"/>
+              <a:tailEnd type="none" w="sm" len="sm"/>
+            </a:ln>
+          </p:spPr>
+          <p:txBody>
+            <a:bodyPr spcFirstLastPara="1" wrap="square" lIns="91425" tIns="45700" rIns="91425" bIns="45700" anchor="ctr" anchorCtr="0">
+              <a:noAutofit/>
+            </a:bodyPr>
+            <a:lstStyle/>
+            <a:p>
+              <a:pPr marL="0" marR="0" lvl="0" indent="0" algn="ctr" rtl="0">
+                <a:lnSpc>
+                  <a:spcPct val="100000"/>
+                </a:lnSpc>
+                <a:spcBef>
+                  <a:spcPts val="0"/>
+                </a:spcBef>
+                <a:spcAft>
+                  <a:spcPts val="0"/>
+                </a:spcAft>
+                <a:buClr>
+                  <a:srgbClr val="000000"/>
+                </a:buClr>
+                <a:buSzPts val="1200"/>
+                <a:buFont typeface="Arial"/>
+                <a:buNone/>
+              </a:pPr>
+              <a:r>
+                <a:rPr lang="en-US" sz="1200" b="0" i="0" u="none" strike="noStrike" cap="none">
+                  <a:solidFill>
+                    <a:schemeClr val="dk1"/>
+                  </a:solidFill>
+                  <a:latin typeface="Arial"/>
+                  <a:ea typeface="Arial"/>
+                  <a:cs typeface="Arial"/>
+                  <a:sym typeface="Arial"/>
+                </a:rPr>
+                <a:t>DRAM Chan.</a:t>
+              </a:r>
+              <a:endParaRPr sz="1400" b="0" i="0" u="none" strike="noStrike" cap="none">
+                <a:solidFill>
+                  <a:srgbClr val="000000"/>
+                </a:solidFill>
+                <a:latin typeface="Arial"/>
+                <a:ea typeface="Arial"/>
+                <a:cs typeface="Arial"/>
+                <a:sym typeface="Arial"/>
+              </a:endParaRPr>
+            </a:p>
+          </p:txBody>
+        </p:sp>
+        <p:sp>
+          <p:nvSpPr>
+            <p:cNvPr id="67" name="Google Shape;857;p20">
+              <a:extLst>
+                <a:ext uri="{FF2B5EF4-FFF2-40B4-BE49-F238E27FC236}">
+                  <a16:creationId xmlns:a16="http://schemas.microsoft.com/office/drawing/2014/main" id="{A12BC742-52CE-CE4A-7C6D-7504C4CB86D1}"/>
+                </a:ext>
+              </a:extLst>
+            </p:cNvPr>
+            <p:cNvSpPr/>
+            <p:nvPr/>
+          </p:nvSpPr>
+          <p:spPr>
+            <a:xfrm>
+              <a:off x="1423852" y="5866422"/>
+              <a:ext cx="682380" cy="415634"/>
+            </a:xfrm>
+            <a:prstGeom prst="rect">
+              <a:avLst/>
+            </a:prstGeom>
+            <a:solidFill>
+              <a:srgbClr val="DDEAF6"/>
+            </a:solidFill>
+            <a:ln w="12700" cap="flat" cmpd="sng">
+              <a:solidFill>
+                <a:schemeClr val="dk1"/>
+              </a:solidFill>
+              <a:prstDash val="solid"/>
+              <a:miter lim="800000"/>
+              <a:headEnd type="none" w="sm" len="sm"/>
+              <a:tailEnd type="none" w="sm" len="sm"/>
+            </a:ln>
+          </p:spPr>
+          <p:txBody>
+            <a:bodyPr spcFirstLastPara="1" wrap="square" lIns="91425" tIns="45700" rIns="91425" bIns="45700" anchor="ctr" anchorCtr="0">
+              <a:noAutofit/>
+            </a:bodyPr>
+            <a:lstStyle/>
+            <a:p>
+              <a:pPr marL="0" marR="0" lvl="0" indent="0" algn="ctr" rtl="0">
+                <a:lnSpc>
+                  <a:spcPct val="100000"/>
+                </a:lnSpc>
+                <a:spcBef>
+                  <a:spcPts val="0"/>
+                </a:spcBef>
+                <a:spcAft>
+                  <a:spcPts val="0"/>
+                </a:spcAft>
+                <a:buClr>
+                  <a:srgbClr val="000000"/>
+                </a:buClr>
+                <a:buSzPts val="1200"/>
+                <a:buFont typeface="Arial"/>
+                <a:buNone/>
+              </a:pPr>
+              <a:r>
+                <a:rPr lang="en-US" sz="1200" b="0" i="0" u="none" strike="noStrike" cap="none">
+                  <a:solidFill>
+                    <a:schemeClr val="dk1"/>
+                  </a:solidFill>
+                  <a:latin typeface="Arial"/>
+                  <a:ea typeface="Arial"/>
+                  <a:cs typeface="Arial"/>
+                  <a:sym typeface="Arial"/>
+                </a:rPr>
+                <a:t>DRAM Chan.</a:t>
+              </a:r>
+              <a:endParaRPr sz="1400" b="0" i="0" u="none" strike="noStrike" cap="none">
+                <a:solidFill>
+                  <a:srgbClr val="000000"/>
+                </a:solidFill>
+                <a:latin typeface="Arial"/>
+                <a:ea typeface="Arial"/>
+                <a:cs typeface="Arial"/>
+                <a:sym typeface="Arial"/>
+              </a:endParaRPr>
+            </a:p>
+          </p:txBody>
+        </p:sp>
+        <p:cxnSp>
+          <p:nvCxnSpPr>
+            <p:cNvPr id="68" name="Google Shape;858;p20">
+              <a:extLst>
+                <a:ext uri="{FF2B5EF4-FFF2-40B4-BE49-F238E27FC236}">
+                  <a16:creationId xmlns:a16="http://schemas.microsoft.com/office/drawing/2014/main" id="{D404FA7C-F1E3-995D-E464-0417DC57AF6D}"/>
+                </a:ext>
+              </a:extLst>
+            </p:cNvPr>
+            <p:cNvCxnSpPr/>
+            <p:nvPr/>
+          </p:nvCxnSpPr>
+          <p:spPr>
+            <a:xfrm>
+              <a:off x="1738433" y="5673368"/>
+              <a:ext cx="0" cy="190747"/>
+            </a:xfrm>
+            <a:prstGeom prst="straightConnector1">
+              <a:avLst/>
+            </a:prstGeom>
+            <a:noFill/>
+            <a:ln w="19050" cap="flat" cmpd="sng">
+              <a:solidFill>
+                <a:schemeClr val="dk1"/>
+              </a:solidFill>
+              <a:prstDash val="solid"/>
+              <a:miter lim="800000"/>
+              <a:headEnd type="triangle" w="med" len="med"/>
+              <a:tailEnd type="triangle" w="med" len="med"/>
+            </a:ln>
+          </p:spPr>
+        </p:cxnSp>
+        <p:cxnSp>
+          <p:nvCxnSpPr>
+            <p:cNvPr id="69" name="Google Shape;859;p20">
+              <a:extLst>
+                <a:ext uri="{FF2B5EF4-FFF2-40B4-BE49-F238E27FC236}">
+                  <a16:creationId xmlns:a16="http://schemas.microsoft.com/office/drawing/2014/main" id="{1DC7D3E8-1BA2-ABBD-9400-0997301D513F}"/>
+                </a:ext>
+              </a:extLst>
+            </p:cNvPr>
+            <p:cNvCxnSpPr/>
+            <p:nvPr/>
+          </p:nvCxnSpPr>
+          <p:spPr>
+            <a:xfrm>
+              <a:off x="2547801" y="5673368"/>
+              <a:ext cx="0" cy="190747"/>
+            </a:xfrm>
+            <a:prstGeom prst="straightConnector1">
+              <a:avLst/>
+            </a:prstGeom>
+            <a:noFill/>
+            <a:ln w="19050" cap="flat" cmpd="sng">
+              <a:solidFill>
+                <a:schemeClr val="dk1"/>
+              </a:solidFill>
+              <a:prstDash val="solid"/>
+              <a:miter lim="800000"/>
+              <a:headEnd type="triangle" w="med" len="med"/>
+              <a:tailEnd type="triangle" w="med" len="med"/>
+            </a:ln>
+          </p:spPr>
+        </p:cxnSp>
+        <p:sp>
+          <p:nvSpPr>
+            <p:cNvPr id="71" name="Line Callout 1 70">
+              <a:extLst>
+                <a:ext uri="{FF2B5EF4-FFF2-40B4-BE49-F238E27FC236}">
+                  <a16:creationId xmlns:a16="http://schemas.microsoft.com/office/drawing/2014/main" id="{9D3AEABC-2DBA-B1C8-B056-F3A1083E21A6}"/>
+                </a:ext>
+              </a:extLst>
+            </p:cNvPr>
+            <p:cNvSpPr/>
+            <p:nvPr/>
+          </p:nvSpPr>
+          <p:spPr>
+            <a:xfrm>
+              <a:off x="4442398" y="1843574"/>
+              <a:ext cx="2278203" cy="1225268"/>
+            </a:xfrm>
+            <a:prstGeom prst="borderCallout1">
+              <a:avLst>
+                <a:gd name="adj1" fmla="val 18750"/>
+                <a:gd name="adj2" fmla="val -8333"/>
+                <a:gd name="adj3" fmla="val 140033"/>
+                <a:gd name="adj4" fmla="val -32098"/>
+              </a:avLst>
+            </a:prstGeom>
+            <a:noFill/>
+          </p:spPr>
+          <p:style>
+            <a:lnRef idx="2">
+              <a:schemeClr val="accent1">
+                <a:shade val="15000"/>
+              </a:schemeClr>
+            </a:lnRef>
+            <a:fillRef idx="1">
+              <a:schemeClr val="accent1"/>
+            </a:fillRef>
+            <a:effectRef idx="0">
+              <a:schemeClr val="accent1"/>
+            </a:effectRef>
+            <a:fontRef idx="minor">
+              <a:schemeClr val="lt1"/>
+            </a:fontRef>
+          </p:style>
+          <p:txBody>
+            <a:bodyPr rtlCol="0" anchor="ctr"/>
+            <a:lstStyle/>
+            <a:p>
+              <a:pPr algn="ctr"/>
+              <a:r>
+                <a:rPr lang="en-US" sz="2800" dirty="0">
+                  <a:solidFill>
+                    <a:sysClr val="windowText" lastClr="000000"/>
+                  </a:solidFill>
+                </a:rPr>
+                <a:t>We just created a port here!</a:t>
+              </a:r>
+            </a:p>
+          </p:txBody>
+        </p:sp>
+      </p:grpSp>
+    </p:spTree>
+    <p:extLst>
+      <p:ext uri="{BB962C8B-B14F-4D97-AF65-F5344CB8AC3E}">
+        <p14:creationId xmlns:p14="http://schemas.microsoft.com/office/powerpoint/2010/main" val="1843895149"/>
+      </p:ext>
+    </p:extLst>
+  </p:cSld>
+  <p:clrMapOvr>
+    <a:masterClrMapping/>
+  </p:clrMapOvr>
+</p:sld>
+</file>
+
+<file path=ppt/slides/slide4.xml><?xml version="1.0" encoding="utf-8"?>
+<p:sld xmlns:a="http://schemas.openxmlformats.org/drawingml/2006/main" xmlns:r="http://schemas.openxmlformats.org/officeDocument/2006/relationships" xmlns:p="http://schemas.openxmlformats.org/presentationml/2006/main">
+  <p:cSld>
+    <p:spTree>
+      <p:nvGrpSpPr>
+        <p:cNvPr id="1" name=""/>
+        <p:cNvGrpSpPr/>
+        <p:nvPr/>
+      </p:nvGrpSpPr>
+      <p:grpSpPr>
+        <a:xfrm>
+          <a:off x="0" y="0"/>
+          <a:ext cx="0" cy="0"/>
+          <a:chOff x="0" y="0"/>
+          <a:chExt cx="0" cy="0"/>
+        </a:xfrm>
+      </p:grpSpPr>
+      <p:grpSp>
+        <p:nvGrpSpPr>
+          <p:cNvPr id="19" name="Group 18">
+            <a:extLst>
+              <a:ext uri="{FF2B5EF4-FFF2-40B4-BE49-F238E27FC236}">
+                <a16:creationId xmlns:a16="http://schemas.microsoft.com/office/drawing/2014/main" id="{B44BF421-D9C8-667B-2299-6498C4B6E41C}"/>
+              </a:ext>
+            </a:extLst>
+          </p:cNvPr>
+          <p:cNvGrpSpPr/>
+          <p:nvPr/>
+        </p:nvGrpSpPr>
+        <p:grpSpPr>
+          <a:xfrm>
+            <a:off x="1171169" y="1323208"/>
+            <a:ext cx="5946945" cy="5185542"/>
+            <a:chOff x="1171169" y="1323208"/>
+            <a:chExt cx="5946945" cy="5185542"/>
+          </a:xfrm>
+        </p:grpSpPr>
+        <p:sp>
+          <p:nvSpPr>
+            <p:cNvPr id="2" name="Google Shape;792;p20">
+              <a:extLst>
+                <a:ext uri="{FF2B5EF4-FFF2-40B4-BE49-F238E27FC236}">
+                  <a16:creationId xmlns:a16="http://schemas.microsoft.com/office/drawing/2014/main" id="{1E01EB9F-8499-15EF-CDC0-DC921CAB31B9}"/>
+                </a:ext>
+              </a:extLst>
+            </p:cNvPr>
+            <p:cNvSpPr/>
+            <p:nvPr/>
+          </p:nvSpPr>
+          <p:spPr>
+            <a:xfrm>
+              <a:off x="1171169" y="1323208"/>
+              <a:ext cx="5946945" cy="5185542"/>
+            </a:xfrm>
+            <a:prstGeom prst="rect">
+              <a:avLst/>
+            </a:prstGeom>
+            <a:noFill/>
+            <a:ln w="38100" cap="flat" cmpd="sng">
+              <a:solidFill>
+                <a:schemeClr val="dk1"/>
+              </a:solidFill>
+              <a:prstDash val="solid"/>
+              <a:miter lim="800000"/>
+              <a:headEnd type="none" w="sm" len="sm"/>
+              <a:tailEnd type="none" w="sm" len="sm"/>
+            </a:ln>
+          </p:spPr>
+          <p:txBody>
+            <a:bodyPr spcFirstLastPara="1" wrap="square" lIns="91425" tIns="45700" rIns="91425" bIns="45700" anchor="t" anchorCtr="0">
+              <a:noAutofit/>
+            </a:bodyPr>
+            <a:lstStyle/>
+            <a:p>
+              <a:pPr marL="0" marR="0" lvl="0" indent="0" algn="ctr" rtl="0">
+                <a:lnSpc>
+                  <a:spcPct val="100000"/>
+                </a:lnSpc>
+                <a:spcBef>
+                  <a:spcPts val="0"/>
+                </a:spcBef>
+                <a:spcAft>
+                  <a:spcPts val="0"/>
+                </a:spcAft>
+                <a:buClr>
+                  <a:srgbClr val="000000"/>
+                </a:buClr>
+                <a:buSzPts val="1200"/>
+                <a:buFont typeface="Arial"/>
+                <a:buNone/>
+              </a:pPr>
+              <a:r>
+                <a:rPr lang="en-US" sz="1200" b="1" i="0" u="none" strike="noStrike" cap="none">
+                  <a:solidFill>
+                    <a:schemeClr val="dk1"/>
+                  </a:solidFill>
+                  <a:latin typeface="Arial"/>
+                  <a:ea typeface="Arial"/>
+                  <a:cs typeface="Arial"/>
+                  <a:sym typeface="Arial"/>
+                </a:rPr>
+                <a:t>Digital SoC Architecture</a:t>
+              </a:r>
+              <a:endParaRPr sz="1400" b="0" i="0" u="none" strike="noStrike" cap="none">
+                <a:solidFill>
+                  <a:srgbClr val="000000"/>
+                </a:solidFill>
+                <a:latin typeface="Arial"/>
+                <a:ea typeface="Arial"/>
+                <a:cs typeface="Arial"/>
+                <a:sym typeface="Arial"/>
+              </a:endParaRPr>
+            </a:p>
+          </p:txBody>
+        </p:sp>
+        <p:grpSp>
+          <p:nvGrpSpPr>
+            <p:cNvPr id="3" name="Google Shape;793;p20">
+              <a:extLst>
+                <a:ext uri="{FF2B5EF4-FFF2-40B4-BE49-F238E27FC236}">
+                  <a16:creationId xmlns:a16="http://schemas.microsoft.com/office/drawing/2014/main" id="{DC1898C1-1B02-A9B7-7858-66455389E10C}"/>
+                </a:ext>
+              </a:extLst>
+            </p:cNvPr>
+            <p:cNvGrpSpPr/>
+            <p:nvPr/>
+          </p:nvGrpSpPr>
+          <p:grpSpPr>
+            <a:xfrm>
+              <a:off x="1423852" y="1595410"/>
+              <a:ext cx="1620500" cy="1766888"/>
+              <a:chOff x="794088" y="1333501"/>
+              <a:chExt cx="1620500" cy="1766888"/>
+            </a:xfrm>
+          </p:grpSpPr>
+          <p:sp>
+            <p:nvSpPr>
+              <p:cNvPr id="4" name="Google Shape;794;p20">
+                <a:extLst>
+                  <a:ext uri="{FF2B5EF4-FFF2-40B4-BE49-F238E27FC236}">
+                    <a16:creationId xmlns:a16="http://schemas.microsoft.com/office/drawing/2014/main" id="{2B32A36C-E720-3590-7429-AA00763D035C}"/>
+                  </a:ext>
+                </a:extLst>
+              </p:cNvPr>
+              <p:cNvSpPr/>
+              <p:nvPr/>
+            </p:nvSpPr>
+            <p:spPr>
+              <a:xfrm>
+                <a:off x="794088" y="1333501"/>
+                <a:ext cx="1620500" cy="1766888"/>
+              </a:xfrm>
+              <a:prstGeom prst="rect">
+                <a:avLst/>
+              </a:prstGeom>
+              <a:solidFill>
+                <a:srgbClr val="D8D8D8"/>
+              </a:solidFill>
+              <a:ln w="28575" cap="flat" cmpd="sng">
+                <a:solidFill>
+                  <a:schemeClr val="dk1"/>
+                </a:solidFill>
+                <a:prstDash val="solid"/>
+                <a:miter lim="800000"/>
+                <a:headEnd type="none" w="sm" len="sm"/>
+                <a:tailEnd type="none" w="sm" len="sm"/>
+              </a:ln>
+            </p:spPr>
+            <p:txBody>
+              <a:bodyPr spcFirstLastPara="1" wrap="square" lIns="91425" tIns="45700" rIns="91425" bIns="45700" anchor="t" anchorCtr="0">
+                <a:noAutofit/>
+              </a:bodyPr>
+              <a:lstStyle/>
+              <a:p>
+                <a:pPr marL="0" marR="0" lvl="0" indent="0" algn="ctr" rtl="0">
+                  <a:lnSpc>
+                    <a:spcPct val="100000"/>
+                  </a:lnSpc>
+                  <a:spcBef>
+                    <a:spcPts val="0"/>
+                  </a:spcBef>
+                  <a:spcAft>
+                    <a:spcPts val="0"/>
+                  </a:spcAft>
+                  <a:buClr>
+                    <a:srgbClr val="000000"/>
+                  </a:buClr>
+                  <a:buSzPts val="1200"/>
+                  <a:buFont typeface="Arial"/>
+                  <a:buNone/>
+                </a:pPr>
+                <a:r>
+                  <a:rPr lang="en-US" sz="1200" b="0" i="0" u="none" strike="noStrike" cap="none" dirty="0" err="1">
+                    <a:solidFill>
+                      <a:schemeClr val="dk1"/>
+                    </a:solidFill>
+                    <a:latin typeface="Arial"/>
+                    <a:ea typeface="Arial"/>
+                    <a:cs typeface="Arial"/>
+                    <a:sym typeface="Arial"/>
+                  </a:rPr>
+                  <a:t>RocketTile</a:t>
+                </a:r>
+                <a:endParaRPr sz="1200" b="0" i="0" u="none" strike="noStrike" cap="none" dirty="0">
+                  <a:solidFill>
+                    <a:schemeClr val="dk1"/>
+                  </a:solidFill>
+                  <a:latin typeface="Arial"/>
+                  <a:ea typeface="Arial"/>
+                  <a:cs typeface="Arial"/>
+                  <a:sym typeface="Arial"/>
+                </a:endParaRPr>
+              </a:p>
+            </p:txBody>
+          </p:sp>
+          <p:sp>
+            <p:nvSpPr>
+              <p:cNvPr id="5" name="Google Shape;795;p20">
+                <a:extLst>
+                  <a:ext uri="{FF2B5EF4-FFF2-40B4-BE49-F238E27FC236}">
+                    <a16:creationId xmlns:a16="http://schemas.microsoft.com/office/drawing/2014/main" id="{B1902883-40AC-E0DA-48EE-0F2167D38631}"/>
+                  </a:ext>
+                </a:extLst>
+              </p:cNvPr>
+              <p:cNvSpPr/>
+              <p:nvPr/>
+            </p:nvSpPr>
+            <p:spPr>
+              <a:xfrm>
+                <a:off x="857582" y="1581665"/>
+                <a:ext cx="682380" cy="421887"/>
+              </a:xfrm>
+              <a:prstGeom prst="rect">
+                <a:avLst/>
+              </a:prstGeom>
+              <a:solidFill>
+                <a:srgbClr val="DDEAF6"/>
+              </a:solidFill>
+              <a:ln w="12700" cap="flat" cmpd="sng">
+                <a:solidFill>
+                  <a:schemeClr val="dk1"/>
+                </a:solidFill>
+                <a:prstDash val="solid"/>
+                <a:miter lim="800000"/>
+                <a:headEnd type="none" w="sm" len="sm"/>
+                <a:tailEnd type="none" w="sm" len="sm"/>
+              </a:ln>
+            </p:spPr>
+            <p:txBody>
+              <a:bodyPr spcFirstLastPara="1" wrap="square" lIns="91425" tIns="45700" rIns="91425" bIns="45700" anchor="ctr" anchorCtr="0">
+                <a:noAutofit/>
+              </a:bodyPr>
+              <a:lstStyle/>
+              <a:p>
+                <a:pPr marL="0" marR="0" lvl="0" indent="0" algn="ctr" rtl="0">
+                  <a:lnSpc>
+                    <a:spcPct val="100000"/>
+                  </a:lnSpc>
+                  <a:spcBef>
+                    <a:spcPts val="0"/>
+                  </a:spcBef>
+                  <a:spcAft>
+                    <a:spcPts val="0"/>
+                  </a:spcAft>
+                  <a:buClr>
+                    <a:srgbClr val="000000"/>
+                  </a:buClr>
+                  <a:buSzPts val="1200"/>
+                  <a:buFont typeface="Arial"/>
+                  <a:buNone/>
+                </a:pPr>
+                <a:r>
+                  <a:rPr lang="en-US" sz="1200" b="0" i="0" u="none" strike="noStrike" cap="none">
+                    <a:solidFill>
+                      <a:schemeClr val="dk1"/>
+                    </a:solidFill>
+                    <a:latin typeface="Arial"/>
+                    <a:ea typeface="Arial"/>
+                    <a:cs typeface="Arial"/>
+                    <a:sym typeface="Arial"/>
+                  </a:rPr>
+                  <a:t>Rocket</a:t>
+                </a:r>
+                <a:endParaRPr sz="1400" b="0" i="0" u="none" strike="noStrike" cap="none">
+                  <a:solidFill>
+                    <a:srgbClr val="000000"/>
+                  </a:solidFill>
+                  <a:latin typeface="Arial"/>
+                  <a:ea typeface="Arial"/>
+                  <a:cs typeface="Arial"/>
+                  <a:sym typeface="Arial"/>
+                </a:endParaRPr>
+              </a:p>
+              <a:p>
+                <a:pPr marL="0" marR="0" lvl="0" indent="0" algn="ctr" rtl="0">
+                  <a:lnSpc>
+                    <a:spcPct val="100000"/>
+                  </a:lnSpc>
+                  <a:spcBef>
+                    <a:spcPts val="0"/>
+                  </a:spcBef>
+                  <a:spcAft>
+                    <a:spcPts val="0"/>
+                  </a:spcAft>
+                  <a:buClr>
+                    <a:srgbClr val="000000"/>
+                  </a:buClr>
+                  <a:buSzPts val="1200"/>
+                  <a:buFont typeface="Arial"/>
+                  <a:buNone/>
+                </a:pPr>
+                <a:r>
+                  <a:rPr lang="en-US" sz="1200" b="0" i="0" u="none" strike="noStrike" cap="none">
+                    <a:solidFill>
+                      <a:schemeClr val="dk1"/>
+                    </a:solidFill>
+                    <a:latin typeface="Arial"/>
+                    <a:ea typeface="Arial"/>
+                    <a:cs typeface="Arial"/>
+                    <a:sym typeface="Arial"/>
+                  </a:rPr>
+                  <a:t>Core</a:t>
+                </a:r>
+                <a:endParaRPr sz="1400" b="0" i="0" u="none" strike="noStrike" cap="none">
+                  <a:solidFill>
+                    <a:srgbClr val="000000"/>
+                  </a:solidFill>
+                  <a:latin typeface="Arial"/>
+                  <a:ea typeface="Arial"/>
+                  <a:cs typeface="Arial"/>
+                  <a:sym typeface="Arial"/>
+                </a:endParaRPr>
+              </a:p>
+            </p:txBody>
+          </p:sp>
+          <p:sp>
+            <p:nvSpPr>
+              <p:cNvPr id="6" name="Google Shape;796;p20">
+                <a:extLst>
+                  <a:ext uri="{FF2B5EF4-FFF2-40B4-BE49-F238E27FC236}">
+                    <a16:creationId xmlns:a16="http://schemas.microsoft.com/office/drawing/2014/main" id="{8F5884CA-72D4-3F75-B397-ADCA68097535}"/>
+                  </a:ext>
+                </a:extLst>
+              </p:cNvPr>
+              <p:cNvSpPr/>
+              <p:nvPr/>
+            </p:nvSpPr>
+            <p:spPr>
+              <a:xfrm>
+                <a:off x="1666950" y="1581665"/>
+                <a:ext cx="682380" cy="421887"/>
+              </a:xfrm>
+              <a:prstGeom prst="rect">
+                <a:avLst/>
+              </a:prstGeom>
+              <a:solidFill>
+                <a:srgbClr val="DDEAF6"/>
+              </a:solidFill>
+              <a:ln w="12700" cap="flat" cmpd="sng">
+                <a:solidFill>
+                  <a:schemeClr val="dk1"/>
+                </a:solidFill>
+                <a:prstDash val="solid"/>
+                <a:miter lim="800000"/>
+                <a:headEnd type="none" w="sm" len="sm"/>
+                <a:tailEnd type="none" w="sm" len="sm"/>
+              </a:ln>
+            </p:spPr>
+            <p:txBody>
+              <a:bodyPr spcFirstLastPara="1" wrap="square" lIns="91425" tIns="45700" rIns="91425" bIns="45700" anchor="ctr" anchorCtr="0">
+                <a:noAutofit/>
+              </a:bodyPr>
+              <a:lstStyle/>
+              <a:p>
+                <a:pPr marL="0" marR="0" lvl="0" indent="0" algn="ctr" rtl="0">
+                  <a:lnSpc>
+                    <a:spcPct val="100000"/>
+                  </a:lnSpc>
+                  <a:spcBef>
+                    <a:spcPts val="0"/>
+                  </a:spcBef>
+                  <a:spcAft>
+                    <a:spcPts val="0"/>
+                  </a:spcAft>
+                  <a:buClr>
+                    <a:srgbClr val="000000"/>
+                  </a:buClr>
+                  <a:buSzPts val="1200"/>
+                  <a:buFont typeface="Arial"/>
+                  <a:buNone/>
+                </a:pPr>
+                <a:r>
+                  <a:rPr lang="en-US" sz="1200" b="0" i="0" u="none" strike="noStrike" cap="none">
+                    <a:solidFill>
+                      <a:schemeClr val="dk1"/>
+                    </a:solidFill>
+                    <a:latin typeface="Arial"/>
+                    <a:ea typeface="Arial"/>
+                    <a:cs typeface="Arial"/>
+                    <a:sym typeface="Arial"/>
+                  </a:rPr>
+                  <a:t>PTW</a:t>
+                </a:r>
+                <a:endParaRPr sz="1400" b="0" i="0" u="none" strike="noStrike" cap="none">
+                  <a:solidFill>
+                    <a:srgbClr val="000000"/>
+                  </a:solidFill>
+                  <a:latin typeface="Arial"/>
+                  <a:ea typeface="Arial"/>
+                  <a:cs typeface="Arial"/>
+                  <a:sym typeface="Arial"/>
+                </a:endParaRPr>
+              </a:p>
+            </p:txBody>
+          </p:sp>
+          <p:sp>
+            <p:nvSpPr>
+              <p:cNvPr id="7" name="Google Shape;797;p20">
+                <a:extLst>
+                  <a:ext uri="{FF2B5EF4-FFF2-40B4-BE49-F238E27FC236}">
+                    <a16:creationId xmlns:a16="http://schemas.microsoft.com/office/drawing/2014/main" id="{E9745699-FC07-4859-396E-EB1B91B1F604}"/>
+                  </a:ext>
+                </a:extLst>
+              </p:cNvPr>
+              <p:cNvSpPr/>
+              <p:nvPr/>
+            </p:nvSpPr>
+            <p:spPr>
+              <a:xfrm>
+                <a:off x="857582" y="2194299"/>
+                <a:ext cx="682380" cy="421887"/>
+              </a:xfrm>
+              <a:prstGeom prst="rect">
+                <a:avLst/>
+              </a:prstGeom>
+              <a:solidFill>
+                <a:srgbClr val="DDEAF6"/>
+              </a:solidFill>
+              <a:ln w="12700" cap="flat" cmpd="sng">
+                <a:solidFill>
+                  <a:schemeClr val="dk1"/>
+                </a:solidFill>
+                <a:prstDash val="solid"/>
+                <a:miter lim="800000"/>
+                <a:headEnd type="none" w="sm" len="sm"/>
+                <a:tailEnd type="none" w="sm" len="sm"/>
+              </a:ln>
+            </p:spPr>
+            <p:txBody>
+              <a:bodyPr spcFirstLastPara="1" wrap="square" lIns="91425" tIns="45700" rIns="91425" bIns="45700" anchor="ctr" anchorCtr="0">
+                <a:noAutofit/>
+              </a:bodyPr>
+              <a:lstStyle/>
+              <a:p>
+                <a:pPr marL="0" marR="0" lvl="0" indent="0" algn="ctr" rtl="0">
+                  <a:lnSpc>
+                    <a:spcPct val="100000"/>
+                  </a:lnSpc>
+                  <a:spcBef>
+                    <a:spcPts val="0"/>
+                  </a:spcBef>
+                  <a:spcAft>
+                    <a:spcPts val="0"/>
+                  </a:spcAft>
+                  <a:buClr>
+                    <a:srgbClr val="000000"/>
+                  </a:buClr>
+                  <a:buSzPts val="1200"/>
+                  <a:buFont typeface="Arial"/>
+                  <a:buNone/>
+                </a:pPr>
+                <a:r>
+                  <a:rPr lang="en-US" sz="1200" b="0" i="0" u="none" strike="noStrike" cap="none">
+                    <a:solidFill>
+                      <a:schemeClr val="dk1"/>
+                    </a:solidFill>
+                    <a:latin typeface="Arial"/>
+                    <a:ea typeface="Arial"/>
+                    <a:cs typeface="Arial"/>
+                    <a:sym typeface="Arial"/>
+                  </a:rPr>
+                  <a:t>L1I$</a:t>
+                </a:r>
+                <a:endParaRPr sz="1400" b="0" i="0" u="none" strike="noStrike" cap="none">
+                  <a:solidFill>
+                    <a:srgbClr val="000000"/>
+                  </a:solidFill>
+                  <a:latin typeface="Arial"/>
+                  <a:ea typeface="Arial"/>
+                  <a:cs typeface="Arial"/>
+                  <a:sym typeface="Arial"/>
+                </a:endParaRPr>
+              </a:p>
+            </p:txBody>
+          </p:sp>
+          <p:sp>
+            <p:nvSpPr>
+              <p:cNvPr id="8" name="Google Shape;798;p20">
+                <a:extLst>
+                  <a:ext uri="{FF2B5EF4-FFF2-40B4-BE49-F238E27FC236}">
+                    <a16:creationId xmlns:a16="http://schemas.microsoft.com/office/drawing/2014/main" id="{DDC639CD-261F-BE9B-6223-C3222ACAA939}"/>
+                  </a:ext>
+                </a:extLst>
+              </p:cNvPr>
+              <p:cNvSpPr/>
+              <p:nvPr/>
+            </p:nvSpPr>
+            <p:spPr>
+              <a:xfrm>
+                <a:off x="1666950" y="2194299"/>
+                <a:ext cx="682380" cy="421887"/>
+              </a:xfrm>
+              <a:prstGeom prst="rect">
+                <a:avLst/>
+              </a:prstGeom>
+              <a:solidFill>
+                <a:srgbClr val="DDEAF6"/>
+              </a:solidFill>
+              <a:ln w="12700" cap="flat" cmpd="sng">
+                <a:solidFill>
+                  <a:schemeClr val="dk1"/>
+                </a:solidFill>
+                <a:prstDash val="solid"/>
+                <a:miter lim="800000"/>
+                <a:headEnd type="none" w="sm" len="sm"/>
+                <a:tailEnd type="none" w="sm" len="sm"/>
+              </a:ln>
+            </p:spPr>
+            <p:txBody>
+              <a:bodyPr spcFirstLastPara="1" wrap="square" lIns="91425" tIns="45700" rIns="91425" bIns="45700" anchor="ctr" anchorCtr="0">
+                <a:noAutofit/>
+              </a:bodyPr>
+              <a:lstStyle/>
+              <a:p>
+                <a:pPr marL="0" marR="0" lvl="0" indent="0" algn="ctr" rtl="0">
+                  <a:lnSpc>
+                    <a:spcPct val="100000"/>
+                  </a:lnSpc>
+                  <a:spcBef>
+                    <a:spcPts val="0"/>
+                  </a:spcBef>
+                  <a:spcAft>
+                    <a:spcPts val="0"/>
+                  </a:spcAft>
+                  <a:buClr>
+                    <a:srgbClr val="000000"/>
+                  </a:buClr>
+                  <a:buSzPts val="1200"/>
+                  <a:buFont typeface="Arial"/>
+                  <a:buNone/>
+                </a:pPr>
+                <a:r>
+                  <a:rPr lang="en-US" sz="1200" b="0" i="0" u="none" strike="noStrike" cap="none">
+                    <a:solidFill>
+                      <a:schemeClr val="dk1"/>
+                    </a:solidFill>
+                    <a:latin typeface="Arial"/>
+                    <a:ea typeface="Arial"/>
+                    <a:cs typeface="Arial"/>
+                    <a:sym typeface="Arial"/>
+                  </a:rPr>
+                  <a:t>L1D$</a:t>
+                </a:r>
+                <a:endParaRPr sz="1400" b="0" i="0" u="none" strike="noStrike" cap="none">
+                  <a:solidFill>
+                    <a:srgbClr val="000000"/>
+                  </a:solidFill>
+                  <a:latin typeface="Arial"/>
+                  <a:ea typeface="Arial"/>
+                  <a:cs typeface="Arial"/>
+                  <a:sym typeface="Arial"/>
+                </a:endParaRPr>
+              </a:p>
+            </p:txBody>
+          </p:sp>
+          <p:cxnSp>
+            <p:nvCxnSpPr>
+              <p:cNvPr id="9" name="Google Shape;799;p20">
+                <a:extLst>
+                  <a:ext uri="{FF2B5EF4-FFF2-40B4-BE49-F238E27FC236}">
+                    <a16:creationId xmlns:a16="http://schemas.microsoft.com/office/drawing/2014/main" id="{53D2AEEB-4DB1-89F1-6B08-89A0BDD86485}"/>
+                  </a:ext>
+                </a:extLst>
+              </p:cNvPr>
+              <p:cNvCxnSpPr>
+                <a:stCxn id="5" idx="3"/>
+                <a:endCxn id="6" idx="1"/>
+              </p:cNvCxnSpPr>
+              <p:nvPr/>
+            </p:nvCxnSpPr>
+            <p:spPr>
+              <a:xfrm>
+                <a:off x="1539962" y="1792609"/>
+                <a:ext cx="126900" cy="0"/>
+              </a:xfrm>
+              <a:prstGeom prst="straightConnector1">
+                <a:avLst/>
+              </a:prstGeom>
+              <a:noFill/>
+              <a:ln w="19050" cap="flat" cmpd="sng">
+                <a:solidFill>
+                  <a:schemeClr val="dk1"/>
+                </a:solidFill>
+                <a:prstDash val="solid"/>
+                <a:miter lim="800000"/>
+                <a:headEnd type="none" w="sm" len="sm"/>
+                <a:tailEnd type="triangle" w="med" len="med"/>
+              </a:ln>
+            </p:spPr>
+          </p:cxnSp>
+          <p:cxnSp>
+            <p:nvCxnSpPr>
+              <p:cNvPr id="10" name="Google Shape;800;p20">
+                <a:extLst>
+                  <a:ext uri="{FF2B5EF4-FFF2-40B4-BE49-F238E27FC236}">
+                    <a16:creationId xmlns:a16="http://schemas.microsoft.com/office/drawing/2014/main" id="{8629B53F-6C7B-91D9-FC89-3EC27A559621}"/>
+                  </a:ext>
+                </a:extLst>
+              </p:cNvPr>
+              <p:cNvCxnSpPr>
+                <a:stCxn id="5" idx="2"/>
+                <a:endCxn id="7" idx="0"/>
+              </p:cNvCxnSpPr>
+              <p:nvPr/>
+            </p:nvCxnSpPr>
+            <p:spPr>
+              <a:xfrm>
+                <a:off x="1198772" y="2003552"/>
+                <a:ext cx="0" cy="190800"/>
+              </a:xfrm>
+              <a:prstGeom prst="straightConnector1">
+                <a:avLst/>
+              </a:prstGeom>
+              <a:noFill/>
+              <a:ln w="19050" cap="flat" cmpd="sng">
+                <a:solidFill>
+                  <a:schemeClr val="dk1"/>
+                </a:solidFill>
+                <a:prstDash val="solid"/>
+                <a:miter lim="800000"/>
+                <a:headEnd type="none" w="sm" len="sm"/>
+                <a:tailEnd type="triangle" w="med" len="med"/>
+              </a:ln>
+            </p:spPr>
+          </p:cxnSp>
+          <p:cxnSp>
+            <p:nvCxnSpPr>
+              <p:cNvPr id="11" name="Google Shape;801;p20">
+                <a:extLst>
+                  <a:ext uri="{FF2B5EF4-FFF2-40B4-BE49-F238E27FC236}">
+                    <a16:creationId xmlns:a16="http://schemas.microsoft.com/office/drawing/2014/main" id="{BA8E62C6-C41C-7303-D139-C7C4074B9A39}"/>
+                  </a:ext>
+                </a:extLst>
+              </p:cNvPr>
+              <p:cNvCxnSpPr>
+                <a:stCxn id="6" idx="2"/>
+                <a:endCxn id="8" idx="0"/>
+              </p:cNvCxnSpPr>
+              <p:nvPr/>
+            </p:nvCxnSpPr>
+            <p:spPr>
+              <a:xfrm>
+                <a:off x="2008140" y="2003552"/>
+                <a:ext cx="0" cy="190800"/>
+              </a:xfrm>
+              <a:prstGeom prst="straightConnector1">
+                <a:avLst/>
+              </a:prstGeom>
+              <a:noFill/>
+              <a:ln w="19050" cap="flat" cmpd="sng">
+                <a:solidFill>
+                  <a:schemeClr val="dk1"/>
+                </a:solidFill>
+                <a:prstDash val="solid"/>
+                <a:miter lim="800000"/>
+                <a:headEnd type="none" w="sm" len="sm"/>
+                <a:tailEnd type="triangle" w="med" len="med"/>
+              </a:ln>
+            </p:spPr>
+          </p:cxnSp>
+          <p:cxnSp>
+            <p:nvCxnSpPr>
+              <p:cNvPr id="12" name="Google Shape;802;p20">
+                <a:extLst>
+                  <a:ext uri="{FF2B5EF4-FFF2-40B4-BE49-F238E27FC236}">
+                    <a16:creationId xmlns:a16="http://schemas.microsoft.com/office/drawing/2014/main" id="{419CEA5D-9DB4-4540-A8CD-D747645AB0DF}"/>
+                  </a:ext>
+                </a:extLst>
+              </p:cNvPr>
+              <p:cNvCxnSpPr>
+                <a:stCxn id="5" idx="2"/>
+                <a:endCxn id="8" idx="0"/>
+              </p:cNvCxnSpPr>
+              <p:nvPr/>
+            </p:nvCxnSpPr>
+            <p:spPr>
+              <a:xfrm>
+                <a:off x="1198772" y="2003552"/>
+                <a:ext cx="809400" cy="190800"/>
+              </a:xfrm>
+              <a:prstGeom prst="straightConnector1">
+                <a:avLst/>
+              </a:prstGeom>
+              <a:noFill/>
+              <a:ln w="19050" cap="flat" cmpd="sng">
+                <a:solidFill>
+                  <a:schemeClr val="dk1"/>
+                </a:solidFill>
+                <a:prstDash val="solid"/>
+                <a:miter lim="800000"/>
+                <a:headEnd type="none" w="sm" len="sm"/>
+                <a:tailEnd type="triangle" w="med" len="med"/>
+              </a:ln>
+            </p:spPr>
+          </p:cxnSp>
+          <p:sp>
+            <p:nvSpPr>
+              <p:cNvPr id="13" name="Google Shape;803;p20">
+                <a:extLst>
+                  <a:ext uri="{FF2B5EF4-FFF2-40B4-BE49-F238E27FC236}">
+                    <a16:creationId xmlns:a16="http://schemas.microsoft.com/office/drawing/2014/main" id="{20E90A1E-B296-C1E3-04CF-3EE5061E5A17}"/>
+                  </a:ext>
+                </a:extLst>
+              </p:cNvPr>
+              <p:cNvSpPr/>
+              <p:nvPr/>
+            </p:nvSpPr>
+            <p:spPr>
+              <a:xfrm>
+                <a:off x="857582" y="2806933"/>
+                <a:ext cx="1491748" cy="236306"/>
+              </a:xfrm>
+              <a:prstGeom prst="rect">
+                <a:avLst/>
+              </a:prstGeom>
+              <a:solidFill>
+                <a:srgbClr val="FBE4D4"/>
+              </a:solidFill>
+              <a:ln w="12700" cap="flat" cmpd="sng">
+                <a:solidFill>
+                  <a:schemeClr val="dk1"/>
+                </a:solidFill>
+                <a:prstDash val="solid"/>
+                <a:miter lim="800000"/>
+                <a:headEnd type="none" w="sm" len="sm"/>
+                <a:tailEnd type="none" w="sm" len="sm"/>
+              </a:ln>
+            </p:spPr>
+            <p:txBody>
+              <a:bodyPr spcFirstLastPara="1" wrap="square" lIns="91425" tIns="45700" rIns="91425" bIns="45700" anchor="ctr" anchorCtr="0">
+                <a:noAutofit/>
+              </a:bodyPr>
+              <a:lstStyle/>
+              <a:p>
+                <a:pPr marL="0" marR="0" lvl="0" indent="0" algn="ctr" rtl="0">
+                  <a:lnSpc>
+                    <a:spcPct val="100000"/>
+                  </a:lnSpc>
+                  <a:spcBef>
+                    <a:spcPts val="0"/>
+                  </a:spcBef>
+                  <a:spcAft>
+                    <a:spcPts val="0"/>
+                  </a:spcAft>
+                  <a:buClr>
+                    <a:srgbClr val="000000"/>
+                  </a:buClr>
+                  <a:buSzPts val="1200"/>
+                  <a:buFont typeface="Arial"/>
+                  <a:buNone/>
+                </a:pPr>
+                <a:r>
+                  <a:rPr lang="en-US" sz="1200" b="0" i="0" u="none" strike="noStrike" cap="none">
+                    <a:solidFill>
+                      <a:schemeClr val="dk1"/>
+                    </a:solidFill>
+                    <a:latin typeface="Arial"/>
+                    <a:ea typeface="Arial"/>
+                    <a:cs typeface="Arial"/>
+                    <a:sym typeface="Arial"/>
+                  </a:rPr>
+                  <a:t>Tile Bus</a:t>
+                </a:r>
+                <a:endParaRPr sz="1400" b="0" i="0" u="none" strike="noStrike" cap="none">
+                  <a:solidFill>
+                    <a:srgbClr val="000000"/>
+                  </a:solidFill>
+                  <a:latin typeface="Arial"/>
+                  <a:ea typeface="Arial"/>
+                  <a:cs typeface="Arial"/>
+                  <a:sym typeface="Arial"/>
+                </a:endParaRPr>
+              </a:p>
+            </p:txBody>
+          </p:sp>
+          <p:cxnSp>
+            <p:nvCxnSpPr>
+              <p:cNvPr id="14" name="Google Shape;804;p20">
+                <a:extLst>
+                  <a:ext uri="{FF2B5EF4-FFF2-40B4-BE49-F238E27FC236}">
+                    <a16:creationId xmlns:a16="http://schemas.microsoft.com/office/drawing/2014/main" id="{D4A6DF27-A87A-DB21-62BA-CB71001DA779}"/>
+                  </a:ext>
+                </a:extLst>
+              </p:cNvPr>
+              <p:cNvCxnSpPr/>
+              <p:nvPr/>
+            </p:nvCxnSpPr>
+            <p:spPr>
+              <a:xfrm>
+                <a:off x="1198772" y="2616186"/>
+                <a:ext cx="0" cy="190747"/>
+              </a:xfrm>
+              <a:prstGeom prst="straightConnector1">
+                <a:avLst/>
+              </a:prstGeom>
+              <a:noFill/>
+              <a:ln w="19050" cap="flat" cmpd="sng">
+                <a:solidFill>
+                  <a:schemeClr val="dk1"/>
+                </a:solidFill>
+                <a:prstDash val="solid"/>
+                <a:miter lim="800000"/>
+                <a:headEnd type="none" w="sm" len="sm"/>
+                <a:tailEnd type="triangle" w="med" len="med"/>
+              </a:ln>
+            </p:spPr>
+          </p:cxnSp>
+          <p:cxnSp>
+            <p:nvCxnSpPr>
+              <p:cNvPr id="15" name="Google Shape;805;p20">
+                <a:extLst>
+                  <a:ext uri="{FF2B5EF4-FFF2-40B4-BE49-F238E27FC236}">
+                    <a16:creationId xmlns:a16="http://schemas.microsoft.com/office/drawing/2014/main" id="{1BB36D71-680B-44DA-24A2-4ABAAC76810E}"/>
+                  </a:ext>
+                </a:extLst>
+              </p:cNvPr>
+              <p:cNvCxnSpPr/>
+              <p:nvPr/>
+            </p:nvCxnSpPr>
+            <p:spPr>
+              <a:xfrm>
+                <a:off x="2008140" y="2616186"/>
+                <a:ext cx="0" cy="190747"/>
+              </a:xfrm>
+              <a:prstGeom prst="straightConnector1">
+                <a:avLst/>
+              </a:prstGeom>
+              <a:noFill/>
+              <a:ln w="19050" cap="flat" cmpd="sng">
+                <a:solidFill>
+                  <a:schemeClr val="dk1"/>
+                </a:solidFill>
+                <a:prstDash val="solid"/>
+                <a:miter lim="800000"/>
+                <a:headEnd type="none" w="sm" len="sm"/>
+                <a:tailEnd type="triangle" w="med" len="med"/>
+              </a:ln>
+            </p:spPr>
+          </p:cxnSp>
+        </p:grpSp>
+        <p:sp>
+          <p:nvSpPr>
+            <p:cNvPr id="33" name="Google Shape;823;p20">
+              <a:extLst>
+                <a:ext uri="{FF2B5EF4-FFF2-40B4-BE49-F238E27FC236}">
+                  <a16:creationId xmlns:a16="http://schemas.microsoft.com/office/drawing/2014/main" id="{8C1FC1CA-92F1-ED80-2D19-E812E0DE3E56}"/>
+                </a:ext>
+              </a:extLst>
+            </p:cNvPr>
+            <p:cNvSpPr/>
+            <p:nvPr/>
+          </p:nvSpPr>
+          <p:spPr>
+            <a:xfrm>
+              <a:off x="1379402" y="3573240"/>
+              <a:ext cx="5341199" cy="236306"/>
+            </a:xfrm>
+            <a:prstGeom prst="rect">
+              <a:avLst/>
+            </a:prstGeom>
+            <a:solidFill>
+              <a:srgbClr val="FBE4D4"/>
+            </a:solidFill>
+            <a:ln w="12700" cap="flat" cmpd="sng">
+              <a:solidFill>
+                <a:schemeClr val="dk1"/>
+              </a:solidFill>
+              <a:prstDash val="solid"/>
+              <a:miter lim="800000"/>
+              <a:headEnd type="none" w="sm" len="sm"/>
+              <a:tailEnd type="none" w="sm" len="sm"/>
+            </a:ln>
+          </p:spPr>
+          <p:txBody>
+            <a:bodyPr spcFirstLastPara="1" wrap="square" lIns="91425" tIns="45700" rIns="91425" bIns="45700" anchor="ctr" anchorCtr="0">
+              <a:noAutofit/>
+            </a:bodyPr>
+            <a:lstStyle/>
+            <a:p>
+              <a:pPr marL="0" marR="0" lvl="0" indent="0" algn="ctr" rtl="0">
+                <a:lnSpc>
+                  <a:spcPct val="100000"/>
+                </a:lnSpc>
+                <a:spcBef>
+                  <a:spcPts val="0"/>
+                </a:spcBef>
+                <a:spcAft>
+                  <a:spcPts val="0"/>
+                </a:spcAft>
+                <a:buClr>
+                  <a:srgbClr val="000000"/>
+                </a:buClr>
+                <a:buSzPts val="1200"/>
+                <a:buFont typeface="Arial"/>
+                <a:buNone/>
+              </a:pPr>
+              <a:r>
+                <a:rPr lang="en-US" sz="1200" b="0" i="0" u="none" strike="noStrike" cap="none" dirty="0">
+                  <a:solidFill>
+                    <a:schemeClr val="dk1"/>
+                  </a:solidFill>
+                  <a:latin typeface="Arial"/>
+                  <a:ea typeface="Arial"/>
+                  <a:cs typeface="Arial"/>
+                  <a:sym typeface="Arial"/>
+                </a:rPr>
+                <a:t>System Bus</a:t>
+              </a:r>
+              <a:endParaRPr sz="1400" b="0" i="0" u="none" strike="noStrike" cap="none" dirty="0">
+                <a:solidFill>
+                  <a:srgbClr val="000000"/>
+                </a:solidFill>
+                <a:latin typeface="Arial"/>
+                <a:ea typeface="Arial"/>
+                <a:cs typeface="Arial"/>
+                <a:sym typeface="Arial"/>
+              </a:endParaRPr>
+            </a:p>
+          </p:txBody>
+        </p:sp>
+        <p:sp>
+          <p:nvSpPr>
+            <p:cNvPr id="34" name="Google Shape;824;p20">
+              <a:extLst>
+                <a:ext uri="{FF2B5EF4-FFF2-40B4-BE49-F238E27FC236}">
+                  <a16:creationId xmlns:a16="http://schemas.microsoft.com/office/drawing/2014/main" id="{7E5BE9FD-2670-23B3-03DE-CEB64A2D67BA}"/>
+                </a:ext>
+              </a:extLst>
+            </p:cNvPr>
+            <p:cNvSpPr/>
+            <p:nvPr/>
+          </p:nvSpPr>
+          <p:spPr>
+            <a:xfrm>
+              <a:off x="2979094" y="4005431"/>
+              <a:ext cx="2587786" cy="236306"/>
+            </a:xfrm>
+            <a:prstGeom prst="rect">
+              <a:avLst/>
+            </a:prstGeom>
+            <a:solidFill>
+              <a:srgbClr val="FBE4D4"/>
+            </a:solidFill>
+            <a:ln w="12700" cap="flat" cmpd="sng">
+              <a:solidFill>
+                <a:schemeClr val="dk1"/>
+              </a:solidFill>
+              <a:prstDash val="solid"/>
+              <a:miter lim="800000"/>
+              <a:headEnd type="none" w="sm" len="sm"/>
+              <a:tailEnd type="none" w="sm" len="sm"/>
+            </a:ln>
+          </p:spPr>
+          <p:txBody>
+            <a:bodyPr spcFirstLastPara="1" wrap="square" lIns="91425" tIns="45700" rIns="91425" bIns="45700" anchor="ctr" anchorCtr="0">
+              <a:noAutofit/>
+            </a:bodyPr>
+            <a:lstStyle/>
+            <a:p>
+              <a:pPr marL="0" marR="0" lvl="0" indent="0" algn="ctr" rtl="0">
+                <a:lnSpc>
+                  <a:spcPct val="100000"/>
+                </a:lnSpc>
+                <a:spcBef>
+                  <a:spcPts val="0"/>
+                </a:spcBef>
+                <a:spcAft>
+                  <a:spcPts val="0"/>
+                </a:spcAft>
+                <a:buClr>
+                  <a:srgbClr val="000000"/>
+                </a:buClr>
+                <a:buSzPts val="1200"/>
+                <a:buFont typeface="Arial"/>
+                <a:buNone/>
+              </a:pPr>
+              <a:r>
+                <a:rPr lang="en-US" sz="1200" b="0" i="0" u="none" strike="noStrike" cap="none">
+                  <a:solidFill>
+                    <a:schemeClr val="dk1"/>
+                  </a:solidFill>
+                  <a:latin typeface="Arial"/>
+                  <a:ea typeface="Arial"/>
+                  <a:cs typeface="Arial"/>
+                  <a:sym typeface="Arial"/>
+                </a:rPr>
+                <a:t>Periphery Bus</a:t>
+              </a:r>
+              <a:endParaRPr sz="1400" b="0" i="0" u="none" strike="noStrike" cap="none">
+                <a:solidFill>
+                  <a:srgbClr val="000000"/>
+                </a:solidFill>
+                <a:latin typeface="Arial"/>
+                <a:ea typeface="Arial"/>
+                <a:cs typeface="Arial"/>
+                <a:sym typeface="Arial"/>
+              </a:endParaRPr>
+            </a:p>
+          </p:txBody>
+        </p:sp>
+        <p:sp>
+          <p:nvSpPr>
+            <p:cNvPr id="35" name="Google Shape;825;p20">
+              <a:extLst>
+                <a:ext uri="{FF2B5EF4-FFF2-40B4-BE49-F238E27FC236}">
+                  <a16:creationId xmlns:a16="http://schemas.microsoft.com/office/drawing/2014/main" id="{D022A434-D3B4-50EE-D0A0-1EE928F9E565}"/>
+                </a:ext>
+              </a:extLst>
+            </p:cNvPr>
+            <p:cNvSpPr/>
+            <p:nvPr/>
+          </p:nvSpPr>
+          <p:spPr>
+            <a:xfrm>
+              <a:off x="4546600" y="4424259"/>
+              <a:ext cx="1020279" cy="236306"/>
+            </a:xfrm>
+            <a:prstGeom prst="rect">
+              <a:avLst/>
+            </a:prstGeom>
+            <a:solidFill>
+              <a:srgbClr val="FBE4D4"/>
+            </a:solidFill>
+            <a:ln w="12700" cap="flat" cmpd="sng">
+              <a:solidFill>
+                <a:schemeClr val="dk1"/>
+              </a:solidFill>
+              <a:prstDash val="solid"/>
+              <a:miter lim="800000"/>
+              <a:headEnd type="none" w="sm" len="sm"/>
+              <a:tailEnd type="none" w="sm" len="sm"/>
+            </a:ln>
+          </p:spPr>
+          <p:txBody>
+            <a:bodyPr spcFirstLastPara="1" wrap="square" lIns="91425" tIns="45700" rIns="91425" bIns="45700" anchor="ctr" anchorCtr="0">
+              <a:noAutofit/>
+            </a:bodyPr>
+            <a:lstStyle/>
+            <a:p>
+              <a:pPr marL="0" marR="0" lvl="0" indent="0" algn="ctr" rtl="0">
+                <a:lnSpc>
+                  <a:spcPct val="100000"/>
+                </a:lnSpc>
+                <a:spcBef>
+                  <a:spcPts val="0"/>
+                </a:spcBef>
+                <a:spcAft>
+                  <a:spcPts val="0"/>
+                </a:spcAft>
+                <a:buClr>
+                  <a:srgbClr val="000000"/>
+                </a:buClr>
+                <a:buSzPts val="1200"/>
+                <a:buFont typeface="Arial"/>
+                <a:buNone/>
+              </a:pPr>
+              <a:r>
+                <a:rPr lang="en-US" sz="1200" b="0" i="0" u="none" strike="noStrike" cap="none">
+                  <a:solidFill>
+                    <a:schemeClr val="dk1"/>
+                  </a:solidFill>
+                  <a:latin typeface="Arial"/>
+                  <a:ea typeface="Arial"/>
+                  <a:cs typeface="Arial"/>
+                  <a:sym typeface="Arial"/>
+                </a:rPr>
+                <a:t>Control Bus</a:t>
+              </a:r>
+              <a:endParaRPr sz="1400" b="0" i="0" u="none" strike="noStrike" cap="none">
+                <a:solidFill>
+                  <a:srgbClr val="000000"/>
+                </a:solidFill>
+                <a:latin typeface="Arial"/>
+                <a:ea typeface="Arial"/>
+                <a:cs typeface="Arial"/>
+                <a:sym typeface="Arial"/>
+              </a:endParaRPr>
+            </a:p>
+          </p:txBody>
+        </p:sp>
+        <p:sp>
+          <p:nvSpPr>
+            <p:cNvPr id="36" name="Google Shape;826;p20">
+              <a:extLst>
+                <a:ext uri="{FF2B5EF4-FFF2-40B4-BE49-F238E27FC236}">
+                  <a16:creationId xmlns:a16="http://schemas.microsoft.com/office/drawing/2014/main" id="{05963887-666F-02A5-BA96-88A268A15CFA}"/>
+                </a:ext>
+              </a:extLst>
+            </p:cNvPr>
+            <p:cNvSpPr/>
+            <p:nvPr/>
+          </p:nvSpPr>
+          <p:spPr>
+            <a:xfrm>
+              <a:off x="5681683" y="4008785"/>
+              <a:ext cx="1038918" cy="236306"/>
+            </a:xfrm>
+            <a:prstGeom prst="rect">
+              <a:avLst/>
+            </a:prstGeom>
+            <a:solidFill>
+              <a:srgbClr val="FBE4D4"/>
+            </a:solidFill>
+            <a:ln w="12700" cap="flat" cmpd="sng">
+              <a:solidFill>
+                <a:schemeClr val="dk1"/>
+              </a:solidFill>
+              <a:prstDash val="solid"/>
+              <a:miter lim="800000"/>
+              <a:headEnd type="none" w="sm" len="sm"/>
+              <a:tailEnd type="none" w="sm" len="sm"/>
+            </a:ln>
+          </p:spPr>
+          <p:txBody>
+            <a:bodyPr spcFirstLastPara="1" wrap="square" lIns="91425" tIns="45700" rIns="91425" bIns="45700" anchor="ctr" anchorCtr="0">
+              <a:noAutofit/>
+            </a:bodyPr>
+            <a:lstStyle/>
+            <a:p>
+              <a:pPr marL="0" marR="0" lvl="0" indent="0" algn="ctr" rtl="0">
+                <a:lnSpc>
+                  <a:spcPct val="100000"/>
+                </a:lnSpc>
+                <a:spcBef>
+                  <a:spcPts val="0"/>
+                </a:spcBef>
+                <a:spcAft>
+                  <a:spcPts val="0"/>
+                </a:spcAft>
+                <a:buClr>
+                  <a:srgbClr val="000000"/>
+                </a:buClr>
+                <a:buSzPts val="1200"/>
+                <a:buFont typeface="Arial"/>
+                <a:buNone/>
+              </a:pPr>
+              <a:r>
+                <a:rPr lang="en-US" sz="1200" b="0" i="0" u="none" strike="noStrike" cap="none">
+                  <a:solidFill>
+                    <a:schemeClr val="dk1"/>
+                  </a:solidFill>
+                  <a:latin typeface="Arial"/>
+                  <a:ea typeface="Arial"/>
+                  <a:cs typeface="Arial"/>
+                  <a:sym typeface="Arial"/>
+                </a:rPr>
+                <a:t>Front Bus</a:t>
+              </a:r>
+              <a:endParaRPr sz="1400" b="0" i="0" u="none" strike="noStrike" cap="none">
+                <a:solidFill>
+                  <a:srgbClr val="000000"/>
+                </a:solidFill>
+                <a:latin typeface="Arial"/>
+                <a:ea typeface="Arial"/>
+                <a:cs typeface="Arial"/>
+                <a:sym typeface="Arial"/>
+              </a:endParaRPr>
+            </a:p>
+          </p:txBody>
+        </p:sp>
+        <p:sp>
+          <p:nvSpPr>
+            <p:cNvPr id="37" name="Google Shape;827;p20">
+              <a:extLst>
+                <a:ext uri="{FF2B5EF4-FFF2-40B4-BE49-F238E27FC236}">
+                  <a16:creationId xmlns:a16="http://schemas.microsoft.com/office/drawing/2014/main" id="{2F31CAAB-CCEE-1639-A457-126C351FBDD7}"/>
+                </a:ext>
+              </a:extLst>
+            </p:cNvPr>
+            <p:cNvSpPr/>
+            <p:nvPr/>
+          </p:nvSpPr>
+          <p:spPr>
+            <a:xfrm>
+              <a:off x="2976726" y="4835730"/>
+              <a:ext cx="682380" cy="421887"/>
+            </a:xfrm>
+            <a:prstGeom prst="rect">
+              <a:avLst/>
+            </a:prstGeom>
+            <a:solidFill>
+              <a:srgbClr val="E5D5FF"/>
+            </a:solidFill>
+            <a:ln w="12700" cap="flat" cmpd="sng">
+              <a:solidFill>
+                <a:schemeClr val="dk1"/>
+              </a:solidFill>
+              <a:prstDash val="solid"/>
+              <a:miter lim="800000"/>
+              <a:headEnd type="none" w="sm" len="sm"/>
+              <a:tailEnd type="none" w="sm" len="sm"/>
+            </a:ln>
+          </p:spPr>
+          <p:txBody>
+            <a:bodyPr spcFirstLastPara="1" wrap="square" lIns="91425" tIns="45700" rIns="91425" bIns="45700" anchor="ctr" anchorCtr="0">
+              <a:noAutofit/>
+            </a:bodyPr>
+            <a:lstStyle/>
+            <a:p>
+              <a:pPr marL="0" marR="0" lvl="0" indent="0" algn="ctr" rtl="0">
+                <a:lnSpc>
+                  <a:spcPct val="100000"/>
+                </a:lnSpc>
+                <a:spcBef>
+                  <a:spcPts val="0"/>
+                </a:spcBef>
+                <a:spcAft>
+                  <a:spcPts val="0"/>
+                </a:spcAft>
+                <a:buClr>
+                  <a:srgbClr val="000000"/>
+                </a:buClr>
+                <a:buSzPts val="1200"/>
+                <a:buFont typeface="Arial"/>
+                <a:buNone/>
+              </a:pPr>
+              <a:r>
+                <a:rPr lang="en-US" sz="1200" b="0" i="0" u="none" strike="noStrike" cap="none">
+                  <a:solidFill>
+                    <a:schemeClr val="dk1"/>
+                  </a:solidFill>
+                  <a:latin typeface="Arial"/>
+                  <a:ea typeface="Arial"/>
+                  <a:cs typeface="Arial"/>
+                  <a:sym typeface="Arial"/>
+                </a:rPr>
+                <a:t>UART</a:t>
+              </a:r>
+              <a:endParaRPr sz="1400" b="0" i="0" u="none" strike="noStrike" cap="none">
+                <a:solidFill>
+                  <a:srgbClr val="000000"/>
+                </a:solidFill>
+                <a:latin typeface="Arial"/>
+                <a:ea typeface="Arial"/>
+                <a:cs typeface="Arial"/>
+                <a:sym typeface="Arial"/>
+              </a:endParaRPr>
+            </a:p>
+          </p:txBody>
+        </p:sp>
+        <p:sp>
+          <p:nvSpPr>
+            <p:cNvPr id="38" name="Google Shape;828;p20">
+              <a:extLst>
+                <a:ext uri="{FF2B5EF4-FFF2-40B4-BE49-F238E27FC236}">
+                  <a16:creationId xmlns:a16="http://schemas.microsoft.com/office/drawing/2014/main" id="{4F1A840C-9285-3DFF-13C4-238B5A4562BA}"/>
+                </a:ext>
+              </a:extLst>
+            </p:cNvPr>
+            <p:cNvSpPr/>
+            <p:nvPr/>
+          </p:nvSpPr>
+          <p:spPr>
+            <a:xfrm>
+              <a:off x="3760018" y="4835730"/>
+              <a:ext cx="682380" cy="421887"/>
+            </a:xfrm>
+            <a:prstGeom prst="rect">
+              <a:avLst/>
+            </a:prstGeom>
+            <a:solidFill>
+              <a:srgbClr val="E5D5FF"/>
+            </a:solidFill>
+            <a:ln w="12700" cap="flat" cmpd="sng">
+              <a:solidFill>
+                <a:schemeClr val="dk1"/>
+              </a:solidFill>
+              <a:prstDash val="solid"/>
+              <a:miter lim="800000"/>
+              <a:headEnd type="none" w="sm" len="sm"/>
+              <a:tailEnd type="none" w="sm" len="sm"/>
+            </a:ln>
+          </p:spPr>
+          <p:txBody>
+            <a:bodyPr spcFirstLastPara="1" wrap="square" lIns="91425" tIns="45700" rIns="91425" bIns="45700" anchor="ctr" anchorCtr="0">
+              <a:noAutofit/>
+            </a:bodyPr>
+            <a:lstStyle/>
+            <a:p>
+              <a:pPr marL="0" marR="0" lvl="0" indent="0" algn="ctr" rtl="0">
+                <a:lnSpc>
+                  <a:spcPct val="100000"/>
+                </a:lnSpc>
+                <a:spcBef>
+                  <a:spcPts val="0"/>
+                </a:spcBef>
+                <a:spcAft>
+                  <a:spcPts val="0"/>
+                </a:spcAft>
+                <a:buClr>
+                  <a:srgbClr val="000000"/>
+                </a:buClr>
+                <a:buSzPts val="1200"/>
+                <a:buFont typeface="Arial"/>
+                <a:buNone/>
+              </a:pPr>
+              <a:r>
+                <a:rPr lang="en-US" sz="1200" b="0" i="0" u="none" strike="noStrike" cap="none">
+                  <a:solidFill>
+                    <a:schemeClr val="dk1"/>
+                  </a:solidFill>
+                  <a:latin typeface="Arial"/>
+                  <a:ea typeface="Arial"/>
+                  <a:cs typeface="Arial"/>
+                  <a:sym typeface="Arial"/>
+                </a:rPr>
+                <a:t>GPIOs</a:t>
+              </a:r>
+              <a:endParaRPr sz="1400" b="0" i="0" u="none" strike="noStrike" cap="none">
+                <a:solidFill>
+                  <a:srgbClr val="000000"/>
+                </a:solidFill>
+                <a:latin typeface="Arial"/>
+                <a:ea typeface="Arial"/>
+                <a:cs typeface="Arial"/>
+                <a:sym typeface="Arial"/>
+              </a:endParaRPr>
+            </a:p>
+          </p:txBody>
+        </p:sp>
+        <p:cxnSp>
+          <p:nvCxnSpPr>
+            <p:cNvPr id="39" name="Google Shape;829;p20">
+              <a:extLst>
+                <a:ext uri="{FF2B5EF4-FFF2-40B4-BE49-F238E27FC236}">
+                  <a16:creationId xmlns:a16="http://schemas.microsoft.com/office/drawing/2014/main" id="{D1357A39-08EF-0A2F-BD30-54CAA29D34BF}"/>
+                </a:ext>
+              </a:extLst>
+            </p:cNvPr>
+            <p:cNvCxnSpPr>
+              <a:endCxn id="37" idx="0"/>
+            </p:cNvCxnSpPr>
+            <p:nvPr/>
+          </p:nvCxnSpPr>
+          <p:spPr>
+            <a:xfrm>
+              <a:off x="3317916" y="4240830"/>
+              <a:ext cx="0" cy="594900"/>
+            </a:xfrm>
+            <a:prstGeom prst="straightConnector1">
+              <a:avLst/>
+            </a:prstGeom>
+            <a:noFill/>
+            <a:ln w="19050" cap="flat" cmpd="sng">
+              <a:solidFill>
+                <a:schemeClr val="dk1"/>
+              </a:solidFill>
+              <a:prstDash val="solid"/>
+              <a:miter lim="800000"/>
+              <a:headEnd type="triangle" w="med" len="med"/>
+              <a:tailEnd type="triangle" w="med" len="med"/>
+            </a:ln>
+          </p:spPr>
+        </p:cxnSp>
+        <p:cxnSp>
+          <p:nvCxnSpPr>
+            <p:cNvPr id="40" name="Google Shape;830;p20">
+              <a:extLst>
+                <a:ext uri="{FF2B5EF4-FFF2-40B4-BE49-F238E27FC236}">
+                  <a16:creationId xmlns:a16="http://schemas.microsoft.com/office/drawing/2014/main" id="{ECBF63FA-933A-1ECD-95A5-F0BE9843B6E0}"/>
+                </a:ext>
+              </a:extLst>
+            </p:cNvPr>
+            <p:cNvCxnSpPr>
+              <a:endCxn id="38" idx="0"/>
+            </p:cNvCxnSpPr>
+            <p:nvPr/>
+          </p:nvCxnSpPr>
+          <p:spPr>
+            <a:xfrm>
+              <a:off x="4101208" y="4240830"/>
+              <a:ext cx="0" cy="594900"/>
+            </a:xfrm>
+            <a:prstGeom prst="straightConnector1">
+              <a:avLst/>
+            </a:prstGeom>
+            <a:noFill/>
+            <a:ln w="19050" cap="flat" cmpd="sng">
+              <a:solidFill>
+                <a:schemeClr val="dk1"/>
+              </a:solidFill>
+              <a:prstDash val="solid"/>
+              <a:miter lim="800000"/>
+              <a:headEnd type="triangle" w="med" len="med"/>
+              <a:tailEnd type="triangle" w="med" len="med"/>
+            </a:ln>
+          </p:spPr>
+        </p:cxnSp>
+        <p:sp>
+          <p:nvSpPr>
+            <p:cNvPr id="41" name="Google Shape;831;p20">
+              <a:extLst>
+                <a:ext uri="{FF2B5EF4-FFF2-40B4-BE49-F238E27FC236}">
+                  <a16:creationId xmlns:a16="http://schemas.microsoft.com/office/drawing/2014/main" id="{F7752E29-E4C3-EA06-C87F-F0C36F9C0985}"/>
+                </a:ext>
+              </a:extLst>
+            </p:cNvPr>
+            <p:cNvSpPr/>
+            <p:nvPr/>
+          </p:nvSpPr>
+          <p:spPr>
+            <a:xfrm>
+              <a:off x="1436336" y="4749156"/>
+              <a:ext cx="682380" cy="508461"/>
+            </a:xfrm>
+            <a:prstGeom prst="rect">
+              <a:avLst/>
+            </a:prstGeom>
+            <a:solidFill>
+              <a:srgbClr val="DDEAF6"/>
+            </a:solidFill>
+            <a:ln w="12700" cap="flat" cmpd="sng">
+              <a:solidFill>
+                <a:schemeClr val="dk1"/>
+              </a:solidFill>
+              <a:prstDash val="solid"/>
+              <a:miter lim="800000"/>
+              <a:headEnd type="none" w="sm" len="sm"/>
+              <a:tailEnd type="none" w="sm" len="sm"/>
+            </a:ln>
+          </p:spPr>
+          <p:txBody>
+            <a:bodyPr spcFirstLastPara="1" wrap="square" lIns="91425" tIns="45700" rIns="91425" bIns="45700" anchor="ctr" anchorCtr="0">
+              <a:noAutofit/>
+            </a:bodyPr>
+            <a:lstStyle/>
+            <a:p>
+              <a:pPr marL="0" marR="0" lvl="0" indent="0" algn="ctr" rtl="0">
+                <a:lnSpc>
+                  <a:spcPct val="100000"/>
+                </a:lnSpc>
+                <a:spcBef>
+                  <a:spcPts val="0"/>
+                </a:spcBef>
+                <a:spcAft>
+                  <a:spcPts val="0"/>
+                </a:spcAft>
+                <a:buClr>
+                  <a:srgbClr val="000000"/>
+                </a:buClr>
+                <a:buSzPts val="1200"/>
+                <a:buFont typeface="Arial"/>
+                <a:buNone/>
+              </a:pPr>
+              <a:r>
+                <a:rPr lang="en-US" sz="1200" b="0" i="0" u="none" strike="noStrike" cap="none">
+                  <a:solidFill>
+                    <a:schemeClr val="dk1"/>
+                  </a:solidFill>
+                  <a:latin typeface="Arial"/>
+                  <a:ea typeface="Arial"/>
+                  <a:cs typeface="Arial"/>
+                  <a:sym typeface="Arial"/>
+                </a:rPr>
+                <a:t>L2 Bank</a:t>
+              </a:r>
+              <a:endParaRPr sz="1400" b="0" i="0" u="none" strike="noStrike" cap="none">
+                <a:solidFill>
+                  <a:srgbClr val="000000"/>
+                </a:solidFill>
+                <a:latin typeface="Arial"/>
+                <a:ea typeface="Arial"/>
+                <a:cs typeface="Arial"/>
+                <a:sym typeface="Arial"/>
+              </a:endParaRPr>
+            </a:p>
+          </p:txBody>
+        </p:sp>
+        <p:sp>
+          <p:nvSpPr>
+            <p:cNvPr id="42" name="Google Shape;832;p20">
+              <a:extLst>
+                <a:ext uri="{FF2B5EF4-FFF2-40B4-BE49-F238E27FC236}">
+                  <a16:creationId xmlns:a16="http://schemas.microsoft.com/office/drawing/2014/main" id="{A2ADB719-CEC0-89C5-81CA-2ACA0773A6A6}"/>
+                </a:ext>
+              </a:extLst>
+            </p:cNvPr>
+            <p:cNvSpPr/>
+            <p:nvPr/>
+          </p:nvSpPr>
+          <p:spPr>
+            <a:xfrm>
+              <a:off x="2193435" y="4749156"/>
+              <a:ext cx="682380" cy="508461"/>
+            </a:xfrm>
+            <a:prstGeom prst="rect">
+              <a:avLst/>
+            </a:prstGeom>
+            <a:solidFill>
+              <a:srgbClr val="DDEAF6"/>
+            </a:solidFill>
+            <a:ln w="12700" cap="flat" cmpd="sng">
+              <a:solidFill>
+                <a:schemeClr val="dk1"/>
+              </a:solidFill>
+              <a:prstDash val="solid"/>
+              <a:miter lim="800000"/>
+              <a:headEnd type="none" w="sm" len="sm"/>
+              <a:tailEnd type="none" w="sm" len="sm"/>
+            </a:ln>
+          </p:spPr>
+          <p:txBody>
+            <a:bodyPr spcFirstLastPara="1" wrap="square" lIns="91425" tIns="45700" rIns="91425" bIns="45700" anchor="ctr" anchorCtr="0">
+              <a:noAutofit/>
+            </a:bodyPr>
+            <a:lstStyle/>
+            <a:p>
+              <a:pPr marL="0" marR="0" lvl="0" indent="0" algn="ctr" rtl="0">
+                <a:lnSpc>
+                  <a:spcPct val="100000"/>
+                </a:lnSpc>
+                <a:spcBef>
+                  <a:spcPts val="0"/>
+                </a:spcBef>
+                <a:spcAft>
+                  <a:spcPts val="0"/>
+                </a:spcAft>
+                <a:buClr>
+                  <a:srgbClr val="000000"/>
+                </a:buClr>
+                <a:buSzPts val="1200"/>
+                <a:buFont typeface="Arial"/>
+                <a:buNone/>
+              </a:pPr>
+              <a:r>
+                <a:rPr lang="en-US" sz="1200" b="0" i="0" u="none" strike="noStrike" cap="none">
+                  <a:solidFill>
+                    <a:schemeClr val="dk1"/>
+                  </a:solidFill>
+                  <a:latin typeface="Arial"/>
+                  <a:ea typeface="Arial"/>
+                  <a:cs typeface="Arial"/>
+                  <a:sym typeface="Arial"/>
+                </a:rPr>
+                <a:t>L2 Bank</a:t>
+              </a:r>
+              <a:endParaRPr sz="1400" b="0" i="0" u="none" strike="noStrike" cap="none">
+                <a:solidFill>
+                  <a:srgbClr val="000000"/>
+                </a:solidFill>
+                <a:latin typeface="Arial"/>
+                <a:ea typeface="Arial"/>
+                <a:cs typeface="Arial"/>
+                <a:sym typeface="Arial"/>
+              </a:endParaRPr>
+            </a:p>
+          </p:txBody>
+        </p:sp>
+        <p:cxnSp>
+          <p:nvCxnSpPr>
+            <p:cNvPr id="43" name="Google Shape;833;p20">
+              <a:extLst>
+                <a:ext uri="{FF2B5EF4-FFF2-40B4-BE49-F238E27FC236}">
+                  <a16:creationId xmlns:a16="http://schemas.microsoft.com/office/drawing/2014/main" id="{E62EDB99-90DB-9414-DE52-18F624C3FC53}"/>
+                </a:ext>
+              </a:extLst>
+            </p:cNvPr>
+            <p:cNvCxnSpPr/>
+            <p:nvPr/>
+          </p:nvCxnSpPr>
+          <p:spPr>
+            <a:xfrm>
+              <a:off x="1777526" y="3809546"/>
+              <a:ext cx="0" cy="930039"/>
+            </a:xfrm>
+            <a:prstGeom prst="straightConnector1">
+              <a:avLst/>
+            </a:prstGeom>
+            <a:noFill/>
+            <a:ln w="19050" cap="flat" cmpd="sng">
+              <a:solidFill>
+                <a:schemeClr val="dk1"/>
+              </a:solidFill>
+              <a:prstDash val="solid"/>
+              <a:miter lim="800000"/>
+              <a:headEnd type="triangle" w="med" len="med"/>
+              <a:tailEnd type="triangle" w="med" len="med"/>
+            </a:ln>
+          </p:spPr>
+        </p:cxnSp>
+        <p:cxnSp>
+          <p:nvCxnSpPr>
+            <p:cNvPr id="44" name="Google Shape;834;p20">
+              <a:extLst>
+                <a:ext uri="{FF2B5EF4-FFF2-40B4-BE49-F238E27FC236}">
+                  <a16:creationId xmlns:a16="http://schemas.microsoft.com/office/drawing/2014/main" id="{F0235D4D-1CCD-93A0-3AD6-1E50E7DE345B}"/>
+                </a:ext>
+              </a:extLst>
+            </p:cNvPr>
+            <p:cNvCxnSpPr/>
+            <p:nvPr/>
+          </p:nvCxnSpPr>
+          <p:spPr>
+            <a:xfrm>
+              <a:off x="2534625" y="3820827"/>
+              <a:ext cx="0" cy="930039"/>
+            </a:xfrm>
+            <a:prstGeom prst="straightConnector1">
+              <a:avLst/>
+            </a:prstGeom>
+            <a:noFill/>
+            <a:ln w="19050" cap="flat" cmpd="sng">
+              <a:solidFill>
+                <a:schemeClr val="dk1"/>
+              </a:solidFill>
+              <a:prstDash val="solid"/>
+              <a:miter lim="800000"/>
+              <a:headEnd type="triangle" w="med" len="med"/>
+              <a:tailEnd type="triangle" w="med" len="med"/>
+            </a:ln>
+          </p:spPr>
+        </p:cxnSp>
+        <p:cxnSp>
+          <p:nvCxnSpPr>
+            <p:cNvPr id="45" name="Google Shape;835;p20">
+              <a:extLst>
+                <a:ext uri="{FF2B5EF4-FFF2-40B4-BE49-F238E27FC236}">
+                  <a16:creationId xmlns:a16="http://schemas.microsoft.com/office/drawing/2014/main" id="{7087FC2B-0ACA-F750-6A66-73BF00BEC463}"/>
+                </a:ext>
+              </a:extLst>
+            </p:cNvPr>
+            <p:cNvCxnSpPr/>
+            <p:nvPr/>
+          </p:nvCxnSpPr>
+          <p:spPr>
+            <a:xfrm>
+              <a:off x="2247062" y="3305148"/>
+              <a:ext cx="0" cy="268092"/>
+            </a:xfrm>
+            <a:prstGeom prst="straightConnector1">
+              <a:avLst/>
+            </a:prstGeom>
+            <a:noFill/>
+            <a:ln w="19050" cap="flat" cmpd="sng">
+              <a:solidFill>
+                <a:schemeClr val="dk1"/>
+              </a:solidFill>
+              <a:prstDash val="solid"/>
+              <a:miter lim="800000"/>
+              <a:headEnd type="triangle" w="med" len="med"/>
+              <a:tailEnd type="triangle" w="med" len="med"/>
+            </a:ln>
+          </p:spPr>
+        </p:cxnSp>
+        <p:grpSp>
+          <p:nvGrpSpPr>
+            <p:cNvPr id="70" name="Group 69">
+              <a:extLst>
+                <a:ext uri="{FF2B5EF4-FFF2-40B4-BE49-F238E27FC236}">
+                  <a16:creationId xmlns:a16="http://schemas.microsoft.com/office/drawing/2014/main" id="{A61CFF11-A6B2-8BC8-4E33-895D8D2EEF5C}"/>
+                </a:ext>
+              </a:extLst>
+            </p:cNvPr>
+            <p:cNvGrpSpPr/>
+            <p:nvPr/>
+          </p:nvGrpSpPr>
+          <p:grpSpPr>
+            <a:xfrm>
+              <a:off x="3245620" y="1595410"/>
+              <a:ext cx="3474982" cy="1977830"/>
+              <a:chOff x="3245620" y="1595410"/>
+              <a:chExt cx="3474982" cy="1977830"/>
+            </a:xfrm>
+          </p:grpSpPr>
+          <p:sp>
+            <p:nvSpPr>
+              <p:cNvPr id="32" name="Google Shape;822;p20">
+                <a:extLst>
+                  <a:ext uri="{FF2B5EF4-FFF2-40B4-BE49-F238E27FC236}">
+                    <a16:creationId xmlns:a16="http://schemas.microsoft.com/office/drawing/2014/main" id="{57A0186F-4987-1239-6747-D571D55DF43D}"/>
+                  </a:ext>
+                </a:extLst>
+              </p:cNvPr>
+              <p:cNvSpPr/>
+              <p:nvPr/>
+            </p:nvSpPr>
+            <p:spPr>
+              <a:xfrm>
+                <a:off x="3245620" y="1595410"/>
+                <a:ext cx="3474982" cy="1766888"/>
+              </a:xfrm>
+              <a:prstGeom prst="rect">
+                <a:avLst/>
+              </a:prstGeom>
+              <a:solidFill>
+                <a:srgbClr val="E1EFD8"/>
+              </a:solidFill>
+              <a:ln w="12700" cap="flat" cmpd="sng">
+                <a:solidFill>
+                  <a:schemeClr val="dk1"/>
+                </a:solidFill>
+                <a:prstDash val="solid"/>
+                <a:miter lim="800000"/>
+                <a:headEnd type="none" w="sm" len="sm"/>
+                <a:tailEnd type="none" w="sm" len="sm"/>
+              </a:ln>
+            </p:spPr>
+            <p:txBody>
+              <a:bodyPr spcFirstLastPara="1" wrap="square" lIns="91425" tIns="45700" rIns="91425" bIns="45700" anchor="t" anchorCtr="0">
+                <a:noAutofit/>
+              </a:bodyPr>
+              <a:lstStyle/>
+              <a:p>
+                <a:pPr marL="0" marR="0" lvl="0" indent="0" algn="ctr" rtl="0">
+                  <a:lnSpc>
+                    <a:spcPct val="100000"/>
+                  </a:lnSpc>
+                  <a:spcBef>
+                    <a:spcPts val="0"/>
+                  </a:spcBef>
+                  <a:spcAft>
+                    <a:spcPts val="0"/>
+                  </a:spcAft>
+                  <a:buClr>
+                    <a:srgbClr val="000000"/>
+                  </a:buClr>
+                  <a:buSzPts val="1200"/>
+                  <a:buFont typeface="Arial"/>
+                  <a:buNone/>
+                </a:pPr>
+                <a:r>
+                  <a:rPr lang="en-US" sz="2000" b="0" i="0" u="none" strike="noStrike" cap="none" dirty="0" err="1">
+                    <a:solidFill>
+                      <a:schemeClr val="dk1"/>
+                    </a:solidFill>
+                    <a:latin typeface="Arial"/>
+                    <a:ea typeface="Arial"/>
+                    <a:cs typeface="Arial"/>
+                    <a:sym typeface="Arial"/>
+                  </a:rPr>
+                  <a:t>CalyxSumMMIOWrapper</a:t>
+                </a:r>
+                <a:endParaRPr sz="2400" b="0" i="0" u="none" strike="noStrike" cap="none" dirty="0">
+                  <a:solidFill>
+                    <a:srgbClr val="000000"/>
+                  </a:solidFill>
+                  <a:latin typeface="Arial"/>
+                  <a:ea typeface="Arial"/>
+                  <a:cs typeface="Arial"/>
+                  <a:sym typeface="Arial"/>
+                </a:endParaRPr>
+              </a:p>
+            </p:txBody>
+          </p:sp>
+          <p:cxnSp>
+            <p:nvCxnSpPr>
+              <p:cNvPr id="47" name="Google Shape;837;p20">
+                <a:extLst>
+                  <a:ext uri="{FF2B5EF4-FFF2-40B4-BE49-F238E27FC236}">
+                    <a16:creationId xmlns:a16="http://schemas.microsoft.com/office/drawing/2014/main" id="{B1C23C29-9AEE-911A-433C-21459A5B530D}"/>
+                  </a:ext>
+                </a:extLst>
+              </p:cNvPr>
+              <p:cNvCxnSpPr/>
+              <p:nvPr/>
+            </p:nvCxnSpPr>
+            <p:spPr>
+              <a:xfrm>
+                <a:off x="4950084" y="3362298"/>
+                <a:ext cx="0" cy="210942"/>
+              </a:xfrm>
+              <a:prstGeom prst="straightConnector1">
+                <a:avLst/>
+              </a:prstGeom>
+              <a:noFill/>
+              <a:ln w="19050" cap="flat" cmpd="sng">
+                <a:solidFill>
+                  <a:schemeClr val="dk1"/>
+                </a:solidFill>
+                <a:prstDash val="solid"/>
+                <a:miter lim="800000"/>
+                <a:headEnd type="triangle" w="med" len="med"/>
+                <a:tailEnd type="triangle" w="med" len="med"/>
+              </a:ln>
+            </p:spPr>
+          </p:cxnSp>
+        </p:grpSp>
+        <p:cxnSp>
+          <p:nvCxnSpPr>
+            <p:cNvPr id="48" name="Google Shape;838;p20">
+              <a:extLst>
+                <a:ext uri="{FF2B5EF4-FFF2-40B4-BE49-F238E27FC236}">
+                  <a16:creationId xmlns:a16="http://schemas.microsoft.com/office/drawing/2014/main" id="{6CD12431-3CC6-60A1-10D4-1160383417EE}"/>
+                </a:ext>
+              </a:extLst>
+            </p:cNvPr>
+            <p:cNvCxnSpPr/>
+            <p:nvPr/>
+          </p:nvCxnSpPr>
+          <p:spPr>
+            <a:xfrm>
+              <a:off x="4370185" y="3820827"/>
+              <a:ext cx="0" cy="184604"/>
+            </a:xfrm>
+            <a:prstGeom prst="straightConnector1">
+              <a:avLst/>
+            </a:prstGeom>
+            <a:noFill/>
+            <a:ln w="19050" cap="flat" cmpd="sng">
+              <a:solidFill>
+                <a:schemeClr val="dk1"/>
+              </a:solidFill>
+              <a:prstDash val="solid"/>
+              <a:miter lim="800000"/>
+              <a:headEnd type="triangle" w="med" len="med"/>
+              <a:tailEnd type="triangle" w="med" len="med"/>
+            </a:ln>
+          </p:spPr>
+        </p:cxnSp>
+        <p:cxnSp>
+          <p:nvCxnSpPr>
+            <p:cNvPr id="49" name="Google Shape;839;p20">
+              <a:extLst>
+                <a:ext uri="{FF2B5EF4-FFF2-40B4-BE49-F238E27FC236}">
+                  <a16:creationId xmlns:a16="http://schemas.microsoft.com/office/drawing/2014/main" id="{58756E7F-3D99-B963-C8D9-39BB19BE4B00}"/>
+                </a:ext>
+              </a:extLst>
+            </p:cNvPr>
+            <p:cNvCxnSpPr/>
+            <p:nvPr/>
+          </p:nvCxnSpPr>
+          <p:spPr>
+            <a:xfrm>
+              <a:off x="6183621" y="3809546"/>
+              <a:ext cx="0" cy="184604"/>
+            </a:xfrm>
+            <a:prstGeom prst="straightConnector1">
+              <a:avLst/>
+            </a:prstGeom>
+            <a:noFill/>
+            <a:ln w="19050" cap="flat" cmpd="sng">
+              <a:solidFill>
+                <a:schemeClr val="dk1"/>
+              </a:solidFill>
+              <a:prstDash val="solid"/>
+              <a:miter lim="800000"/>
+              <a:headEnd type="triangle" w="med" len="med"/>
+              <a:tailEnd type="triangle" w="med" len="med"/>
+            </a:ln>
+          </p:spPr>
+        </p:cxnSp>
+        <p:cxnSp>
+          <p:nvCxnSpPr>
+            <p:cNvPr id="50" name="Google Shape;840;p20">
+              <a:extLst>
+                <a:ext uri="{FF2B5EF4-FFF2-40B4-BE49-F238E27FC236}">
+                  <a16:creationId xmlns:a16="http://schemas.microsoft.com/office/drawing/2014/main" id="{EAC1BB52-A8D3-CD56-F514-F3164B7B64FE}"/>
+                </a:ext>
+              </a:extLst>
+            </p:cNvPr>
+            <p:cNvCxnSpPr/>
+            <p:nvPr/>
+          </p:nvCxnSpPr>
+          <p:spPr>
+            <a:xfrm>
+              <a:off x="5061810" y="4240696"/>
+              <a:ext cx="0" cy="184604"/>
+            </a:xfrm>
+            <a:prstGeom prst="straightConnector1">
+              <a:avLst/>
+            </a:prstGeom>
+            <a:noFill/>
+            <a:ln w="19050" cap="flat" cmpd="sng">
+              <a:solidFill>
+                <a:schemeClr val="dk1"/>
+              </a:solidFill>
+              <a:prstDash val="solid"/>
+              <a:miter lim="800000"/>
+              <a:headEnd type="triangle" w="med" len="med"/>
+              <a:tailEnd type="triangle" w="med" len="med"/>
+            </a:ln>
+          </p:spPr>
+        </p:cxnSp>
+        <p:sp>
+          <p:nvSpPr>
+            <p:cNvPr id="51" name="Google Shape;841;p20">
+              <a:extLst>
+                <a:ext uri="{FF2B5EF4-FFF2-40B4-BE49-F238E27FC236}">
+                  <a16:creationId xmlns:a16="http://schemas.microsoft.com/office/drawing/2014/main" id="{985C97E2-CCC0-6897-4AC8-F5ECC284E550}"/>
+                </a:ext>
+              </a:extLst>
+            </p:cNvPr>
+            <p:cNvSpPr/>
+            <p:nvPr/>
+          </p:nvSpPr>
+          <p:spPr>
+            <a:xfrm>
+              <a:off x="4715172" y="4782281"/>
+              <a:ext cx="851707" cy="242731"/>
+            </a:xfrm>
+            <a:prstGeom prst="rect">
+              <a:avLst/>
+            </a:prstGeom>
+            <a:solidFill>
+              <a:srgbClr val="E5D5FF"/>
+            </a:solidFill>
+            <a:ln w="12700" cap="flat" cmpd="sng">
+              <a:solidFill>
+                <a:schemeClr val="dk1"/>
+              </a:solidFill>
+              <a:prstDash val="solid"/>
+              <a:miter lim="800000"/>
+              <a:headEnd type="none" w="sm" len="sm"/>
+              <a:tailEnd type="none" w="sm" len="sm"/>
+            </a:ln>
+          </p:spPr>
+          <p:txBody>
+            <a:bodyPr spcFirstLastPara="1" wrap="square" lIns="91425" tIns="45700" rIns="91425" bIns="45700" anchor="ctr" anchorCtr="0">
+              <a:noAutofit/>
+            </a:bodyPr>
+            <a:lstStyle/>
+            <a:p>
+              <a:pPr marL="0" marR="0" lvl="0" indent="0" algn="ctr" rtl="0">
+                <a:lnSpc>
+                  <a:spcPct val="100000"/>
+                </a:lnSpc>
+                <a:spcBef>
+                  <a:spcPts val="0"/>
+                </a:spcBef>
+                <a:spcAft>
+                  <a:spcPts val="0"/>
+                </a:spcAft>
+                <a:buClr>
+                  <a:srgbClr val="000000"/>
+                </a:buClr>
+                <a:buSzPts val="1200"/>
+                <a:buFont typeface="Arial"/>
+                <a:buNone/>
+              </a:pPr>
+              <a:r>
+                <a:rPr lang="en-US" sz="1200" b="0" i="0" u="none" strike="noStrike" cap="none">
+                  <a:solidFill>
+                    <a:schemeClr val="dk1"/>
+                  </a:solidFill>
+                  <a:latin typeface="Arial"/>
+                  <a:ea typeface="Arial"/>
+                  <a:cs typeface="Arial"/>
+                  <a:sym typeface="Arial"/>
+                </a:rPr>
+                <a:t>BootROM</a:t>
+              </a:r>
+              <a:endParaRPr sz="1200" b="0" i="0" u="none" strike="noStrike" cap="none">
+                <a:solidFill>
+                  <a:schemeClr val="dk1"/>
+                </a:solidFill>
+                <a:latin typeface="Arial"/>
+                <a:ea typeface="Arial"/>
+                <a:cs typeface="Arial"/>
+                <a:sym typeface="Arial"/>
+              </a:endParaRPr>
+            </a:p>
+          </p:txBody>
+        </p:sp>
+        <p:sp>
+          <p:nvSpPr>
+            <p:cNvPr id="52" name="Google Shape;842;p20">
+              <a:extLst>
+                <a:ext uri="{FF2B5EF4-FFF2-40B4-BE49-F238E27FC236}">
+                  <a16:creationId xmlns:a16="http://schemas.microsoft.com/office/drawing/2014/main" id="{18AB70C3-8658-2F8A-9892-E05A02EEBEAD}"/>
+                </a:ext>
+              </a:extLst>
+            </p:cNvPr>
+            <p:cNvSpPr/>
+            <p:nvPr/>
+          </p:nvSpPr>
+          <p:spPr>
+            <a:xfrm>
+              <a:off x="4715172" y="5082802"/>
+              <a:ext cx="851707" cy="242731"/>
+            </a:xfrm>
+            <a:prstGeom prst="rect">
+              <a:avLst/>
+            </a:prstGeom>
+            <a:solidFill>
+              <a:srgbClr val="E5D5FF"/>
+            </a:solidFill>
+            <a:ln w="12700" cap="flat" cmpd="sng">
+              <a:solidFill>
+                <a:schemeClr val="dk1"/>
+              </a:solidFill>
+              <a:prstDash val="solid"/>
+              <a:miter lim="800000"/>
+              <a:headEnd type="none" w="sm" len="sm"/>
+              <a:tailEnd type="none" w="sm" len="sm"/>
+            </a:ln>
+          </p:spPr>
+          <p:txBody>
+            <a:bodyPr spcFirstLastPara="1" wrap="square" lIns="91425" tIns="45700" rIns="91425" bIns="45700" anchor="ctr" anchorCtr="0">
+              <a:noAutofit/>
+            </a:bodyPr>
+            <a:lstStyle/>
+            <a:p>
+              <a:pPr marL="0" marR="0" lvl="0" indent="0" algn="ctr" rtl="0">
+                <a:lnSpc>
+                  <a:spcPct val="100000"/>
+                </a:lnSpc>
+                <a:spcBef>
+                  <a:spcPts val="0"/>
+                </a:spcBef>
+                <a:spcAft>
+                  <a:spcPts val="0"/>
+                </a:spcAft>
+                <a:buClr>
+                  <a:srgbClr val="000000"/>
+                </a:buClr>
+                <a:buSzPts val="1200"/>
+                <a:buFont typeface="Arial"/>
+                <a:buNone/>
+              </a:pPr>
+              <a:r>
+                <a:rPr lang="en-US" sz="1200" b="0" i="0" u="none" strike="noStrike" cap="none">
+                  <a:solidFill>
+                    <a:schemeClr val="dk1"/>
+                  </a:solidFill>
+                  <a:latin typeface="Arial"/>
+                  <a:ea typeface="Arial"/>
+                  <a:cs typeface="Arial"/>
+                  <a:sym typeface="Arial"/>
+                </a:rPr>
+                <a:t>PLIC</a:t>
+              </a:r>
+              <a:endParaRPr sz="1400" b="0" i="0" u="none" strike="noStrike" cap="none">
+                <a:solidFill>
+                  <a:srgbClr val="000000"/>
+                </a:solidFill>
+                <a:latin typeface="Arial"/>
+                <a:ea typeface="Arial"/>
+                <a:cs typeface="Arial"/>
+                <a:sym typeface="Arial"/>
+              </a:endParaRPr>
+            </a:p>
+          </p:txBody>
+        </p:sp>
+        <p:sp>
+          <p:nvSpPr>
+            <p:cNvPr id="53" name="Google Shape;843;p20">
+              <a:extLst>
+                <a:ext uri="{FF2B5EF4-FFF2-40B4-BE49-F238E27FC236}">
+                  <a16:creationId xmlns:a16="http://schemas.microsoft.com/office/drawing/2014/main" id="{12FC03E0-5DFF-6E52-EAAE-D97ACDFCA669}"/>
+                </a:ext>
+              </a:extLst>
+            </p:cNvPr>
+            <p:cNvSpPr/>
+            <p:nvPr/>
+          </p:nvSpPr>
+          <p:spPr>
+            <a:xfrm>
+              <a:off x="4726078" y="5383323"/>
+              <a:ext cx="841442" cy="242731"/>
+            </a:xfrm>
+            <a:prstGeom prst="rect">
+              <a:avLst/>
+            </a:prstGeom>
+            <a:solidFill>
+              <a:srgbClr val="E5D5FF"/>
+            </a:solidFill>
+            <a:ln w="12700" cap="flat" cmpd="sng">
+              <a:solidFill>
+                <a:schemeClr val="dk1"/>
+              </a:solidFill>
+              <a:prstDash val="solid"/>
+              <a:miter lim="800000"/>
+              <a:headEnd type="none" w="sm" len="sm"/>
+              <a:tailEnd type="none" w="sm" len="sm"/>
+            </a:ln>
+          </p:spPr>
+          <p:txBody>
+            <a:bodyPr spcFirstLastPara="1" wrap="square" lIns="91425" tIns="45700" rIns="91425" bIns="45700" anchor="ctr" anchorCtr="0">
+              <a:noAutofit/>
+            </a:bodyPr>
+            <a:lstStyle/>
+            <a:p>
+              <a:pPr marL="0" marR="0" lvl="0" indent="0" algn="ctr" rtl="0">
+                <a:lnSpc>
+                  <a:spcPct val="100000"/>
+                </a:lnSpc>
+                <a:spcBef>
+                  <a:spcPts val="0"/>
+                </a:spcBef>
+                <a:spcAft>
+                  <a:spcPts val="0"/>
+                </a:spcAft>
+                <a:buClr>
+                  <a:srgbClr val="000000"/>
+                </a:buClr>
+                <a:buSzPts val="1200"/>
+                <a:buFont typeface="Arial"/>
+                <a:buNone/>
+              </a:pPr>
+              <a:r>
+                <a:rPr lang="en-US" sz="1200" b="0" i="0" u="none" strike="noStrike" cap="none">
+                  <a:solidFill>
+                    <a:schemeClr val="dk1"/>
+                  </a:solidFill>
+                  <a:latin typeface="Arial"/>
+                  <a:ea typeface="Arial"/>
+                  <a:cs typeface="Arial"/>
+                  <a:sym typeface="Arial"/>
+                </a:rPr>
+                <a:t>CLINT</a:t>
+              </a:r>
+              <a:endParaRPr sz="1400" b="0" i="0" u="none" strike="noStrike" cap="none">
+                <a:solidFill>
+                  <a:srgbClr val="000000"/>
+                </a:solidFill>
+                <a:latin typeface="Arial"/>
+                <a:ea typeface="Arial"/>
+                <a:cs typeface="Arial"/>
+                <a:sym typeface="Arial"/>
+              </a:endParaRPr>
+            </a:p>
+          </p:txBody>
+        </p:sp>
+        <p:sp>
+          <p:nvSpPr>
+            <p:cNvPr id="54" name="Google Shape;844;p20">
+              <a:extLst>
+                <a:ext uri="{FF2B5EF4-FFF2-40B4-BE49-F238E27FC236}">
+                  <a16:creationId xmlns:a16="http://schemas.microsoft.com/office/drawing/2014/main" id="{BBD4E1D5-2B66-D9B9-F543-48BFE1A34D6C}"/>
+                </a:ext>
+              </a:extLst>
+            </p:cNvPr>
+            <p:cNvSpPr/>
+            <p:nvPr/>
+          </p:nvSpPr>
+          <p:spPr>
+            <a:xfrm>
+              <a:off x="4726078" y="5673368"/>
+              <a:ext cx="841442" cy="242731"/>
+            </a:xfrm>
+            <a:prstGeom prst="rect">
+              <a:avLst/>
+            </a:prstGeom>
+            <a:solidFill>
+              <a:srgbClr val="E5D5FF"/>
+            </a:solidFill>
+            <a:ln w="12700" cap="flat" cmpd="sng">
+              <a:solidFill>
+                <a:schemeClr val="dk1"/>
+              </a:solidFill>
+              <a:prstDash val="solid"/>
+              <a:miter lim="800000"/>
+              <a:headEnd type="none" w="sm" len="sm"/>
+              <a:tailEnd type="none" w="sm" len="sm"/>
+            </a:ln>
+          </p:spPr>
+          <p:txBody>
+            <a:bodyPr spcFirstLastPara="1" wrap="square" lIns="91425" tIns="45700" rIns="91425" bIns="45700" anchor="ctr" anchorCtr="0">
+              <a:noAutofit/>
+            </a:bodyPr>
+            <a:lstStyle/>
+            <a:p>
+              <a:pPr marL="0" marR="0" lvl="0" indent="0" algn="ctr" rtl="0">
+                <a:lnSpc>
+                  <a:spcPct val="100000"/>
+                </a:lnSpc>
+                <a:spcBef>
+                  <a:spcPts val="0"/>
+                </a:spcBef>
+                <a:spcAft>
+                  <a:spcPts val="0"/>
+                </a:spcAft>
+                <a:buClr>
+                  <a:srgbClr val="000000"/>
+                </a:buClr>
+                <a:buSzPts val="1200"/>
+                <a:buFont typeface="Arial"/>
+                <a:buNone/>
+              </a:pPr>
+              <a:r>
+                <a:rPr lang="en-US" sz="1200" b="0" i="0" u="none" strike="noStrike" cap="none">
+                  <a:solidFill>
+                    <a:schemeClr val="dk1"/>
+                  </a:solidFill>
+                  <a:latin typeface="Arial"/>
+                  <a:ea typeface="Arial"/>
+                  <a:cs typeface="Arial"/>
+                  <a:sym typeface="Arial"/>
+                </a:rPr>
+                <a:t>Debug</a:t>
+              </a:r>
+              <a:endParaRPr sz="1400" b="0" i="0" u="none" strike="noStrike" cap="none">
+                <a:solidFill>
+                  <a:srgbClr val="000000"/>
+                </a:solidFill>
+                <a:latin typeface="Arial"/>
+                <a:ea typeface="Arial"/>
+                <a:cs typeface="Arial"/>
+                <a:sym typeface="Arial"/>
+              </a:endParaRPr>
+            </a:p>
+          </p:txBody>
+        </p:sp>
+        <p:cxnSp>
+          <p:nvCxnSpPr>
+            <p:cNvPr id="55" name="Google Shape;845;p20">
+              <a:extLst>
+                <a:ext uri="{FF2B5EF4-FFF2-40B4-BE49-F238E27FC236}">
+                  <a16:creationId xmlns:a16="http://schemas.microsoft.com/office/drawing/2014/main" id="{3F23DBB4-703C-D7E7-57E3-94D3AFA5F51B}"/>
+                </a:ext>
+              </a:extLst>
+            </p:cNvPr>
+            <p:cNvCxnSpPr/>
+            <p:nvPr/>
+          </p:nvCxnSpPr>
+          <p:spPr>
+            <a:xfrm>
+              <a:off x="4609421" y="4908644"/>
+              <a:ext cx="107760" cy="0"/>
+            </a:xfrm>
+            <a:prstGeom prst="straightConnector1">
+              <a:avLst/>
+            </a:prstGeom>
+            <a:noFill/>
+            <a:ln w="19050" cap="flat" cmpd="sng">
+              <a:solidFill>
+                <a:schemeClr val="dk1"/>
+              </a:solidFill>
+              <a:prstDash val="solid"/>
+              <a:miter lim="800000"/>
+              <a:headEnd type="none" w="sm" len="sm"/>
+              <a:tailEnd type="triangle" w="med" len="med"/>
+            </a:ln>
+          </p:spPr>
+        </p:cxnSp>
+        <p:cxnSp>
+          <p:nvCxnSpPr>
+            <p:cNvPr id="56" name="Google Shape;846;p20">
+              <a:extLst>
+                <a:ext uri="{FF2B5EF4-FFF2-40B4-BE49-F238E27FC236}">
+                  <a16:creationId xmlns:a16="http://schemas.microsoft.com/office/drawing/2014/main" id="{E2D28471-955B-F854-D345-8176A2D8BE76}"/>
+                </a:ext>
+              </a:extLst>
+            </p:cNvPr>
+            <p:cNvCxnSpPr/>
+            <p:nvPr/>
+          </p:nvCxnSpPr>
+          <p:spPr>
+            <a:xfrm>
+              <a:off x="4606813" y="4652486"/>
+              <a:ext cx="0" cy="1122902"/>
+            </a:xfrm>
+            <a:prstGeom prst="straightConnector1">
+              <a:avLst/>
+            </a:prstGeom>
+            <a:noFill/>
+            <a:ln w="19050" cap="flat" cmpd="sng">
+              <a:solidFill>
+                <a:schemeClr val="dk1"/>
+              </a:solidFill>
+              <a:prstDash val="solid"/>
+              <a:miter lim="800000"/>
+              <a:headEnd type="triangle" w="med" len="med"/>
+              <a:tailEnd type="none" w="sm" len="sm"/>
+            </a:ln>
+          </p:spPr>
+        </p:cxnSp>
+        <p:cxnSp>
+          <p:nvCxnSpPr>
+            <p:cNvPr id="57" name="Google Shape;847;p20">
+              <a:extLst>
+                <a:ext uri="{FF2B5EF4-FFF2-40B4-BE49-F238E27FC236}">
+                  <a16:creationId xmlns:a16="http://schemas.microsoft.com/office/drawing/2014/main" id="{08B5C200-3D07-E704-C1AB-44108675744E}"/>
+                </a:ext>
+              </a:extLst>
+            </p:cNvPr>
+            <p:cNvCxnSpPr/>
+            <p:nvPr/>
+          </p:nvCxnSpPr>
+          <p:spPr>
+            <a:xfrm>
+              <a:off x="4609421" y="5203919"/>
+              <a:ext cx="107760" cy="0"/>
+            </a:xfrm>
+            <a:prstGeom prst="straightConnector1">
+              <a:avLst/>
+            </a:prstGeom>
+            <a:noFill/>
+            <a:ln w="19050" cap="flat" cmpd="sng">
+              <a:solidFill>
+                <a:schemeClr val="dk1"/>
+              </a:solidFill>
+              <a:prstDash val="solid"/>
+              <a:miter lim="800000"/>
+              <a:headEnd type="none" w="sm" len="sm"/>
+              <a:tailEnd type="triangle" w="med" len="med"/>
+            </a:ln>
+          </p:spPr>
+        </p:cxnSp>
+        <p:cxnSp>
+          <p:nvCxnSpPr>
+            <p:cNvPr id="58" name="Google Shape;848;p20">
+              <a:extLst>
+                <a:ext uri="{FF2B5EF4-FFF2-40B4-BE49-F238E27FC236}">
+                  <a16:creationId xmlns:a16="http://schemas.microsoft.com/office/drawing/2014/main" id="{964CA82A-0AF6-C564-D7D5-41EE238A8344}"/>
+                </a:ext>
+              </a:extLst>
+            </p:cNvPr>
+            <p:cNvCxnSpPr/>
+            <p:nvPr/>
+          </p:nvCxnSpPr>
+          <p:spPr>
+            <a:xfrm>
+              <a:off x="4609421" y="5503956"/>
+              <a:ext cx="107760" cy="0"/>
+            </a:xfrm>
+            <a:prstGeom prst="straightConnector1">
+              <a:avLst/>
+            </a:prstGeom>
+            <a:noFill/>
+            <a:ln w="19050" cap="flat" cmpd="sng">
+              <a:solidFill>
+                <a:schemeClr val="dk1"/>
+              </a:solidFill>
+              <a:prstDash val="solid"/>
+              <a:miter lim="800000"/>
+              <a:headEnd type="none" w="sm" len="sm"/>
+              <a:tailEnd type="triangle" w="med" len="med"/>
+            </a:ln>
+          </p:spPr>
+        </p:cxnSp>
+        <p:cxnSp>
+          <p:nvCxnSpPr>
+            <p:cNvPr id="59" name="Google Shape;849;p20">
+              <a:extLst>
+                <a:ext uri="{FF2B5EF4-FFF2-40B4-BE49-F238E27FC236}">
+                  <a16:creationId xmlns:a16="http://schemas.microsoft.com/office/drawing/2014/main" id="{A40ABD52-A759-0A07-1D70-236A1F509A50}"/>
+                </a:ext>
+              </a:extLst>
+            </p:cNvPr>
+            <p:cNvCxnSpPr/>
+            <p:nvPr/>
+          </p:nvCxnSpPr>
+          <p:spPr>
+            <a:xfrm>
+              <a:off x="4609421" y="5775388"/>
+              <a:ext cx="107760" cy="0"/>
+            </a:xfrm>
+            <a:prstGeom prst="straightConnector1">
+              <a:avLst/>
+            </a:prstGeom>
+            <a:noFill/>
+            <a:ln w="19050" cap="flat" cmpd="sng">
+              <a:solidFill>
+                <a:schemeClr val="dk1"/>
+              </a:solidFill>
+              <a:prstDash val="solid"/>
+              <a:miter lim="800000"/>
+              <a:headEnd type="none" w="sm" len="sm"/>
+              <a:tailEnd type="triangle" w="med" len="med"/>
+            </a:ln>
+          </p:spPr>
+        </p:cxnSp>
+        <p:sp>
+          <p:nvSpPr>
+            <p:cNvPr id="60" name="Google Shape;850;p20">
+              <a:extLst>
+                <a:ext uri="{FF2B5EF4-FFF2-40B4-BE49-F238E27FC236}">
+                  <a16:creationId xmlns:a16="http://schemas.microsoft.com/office/drawing/2014/main" id="{1E5F2E09-DA98-49B5-C17E-440D9692131A}"/>
+                </a:ext>
+              </a:extLst>
+            </p:cNvPr>
+            <p:cNvSpPr/>
+            <p:nvPr/>
+          </p:nvSpPr>
+          <p:spPr>
+            <a:xfrm>
+              <a:off x="6028075" y="4749156"/>
+              <a:ext cx="682380" cy="421887"/>
+            </a:xfrm>
+            <a:prstGeom prst="rect">
+              <a:avLst/>
+            </a:prstGeom>
+            <a:solidFill>
+              <a:srgbClr val="E5D5FF"/>
+            </a:solidFill>
+            <a:ln w="12700" cap="flat" cmpd="sng">
+              <a:solidFill>
+                <a:schemeClr val="dk1"/>
+              </a:solidFill>
+              <a:prstDash val="solid"/>
+              <a:miter lim="800000"/>
+              <a:headEnd type="none" w="sm" len="sm"/>
+              <a:tailEnd type="none" w="sm" len="sm"/>
+            </a:ln>
+          </p:spPr>
+          <p:txBody>
+            <a:bodyPr spcFirstLastPara="1" wrap="square" lIns="91425" tIns="45700" rIns="91425" bIns="45700" anchor="ctr" anchorCtr="0">
+              <a:noAutofit/>
+            </a:bodyPr>
+            <a:lstStyle/>
+            <a:p>
+              <a:pPr marL="0" marR="0" lvl="0" indent="0" algn="ctr" rtl="0">
+                <a:lnSpc>
+                  <a:spcPct val="100000"/>
+                </a:lnSpc>
+                <a:spcBef>
+                  <a:spcPts val="0"/>
+                </a:spcBef>
+                <a:spcAft>
+                  <a:spcPts val="0"/>
+                </a:spcAft>
+                <a:buClr>
+                  <a:srgbClr val="000000"/>
+                </a:buClr>
+                <a:buSzPts val="1200"/>
+                <a:buFont typeface="Arial"/>
+                <a:buNone/>
+              </a:pPr>
+              <a:r>
+                <a:rPr lang="en-US" sz="1200" b="0" i="0" u="none" strike="noStrike" cap="none">
+                  <a:solidFill>
+                    <a:schemeClr val="dk1"/>
+                  </a:solidFill>
+                  <a:latin typeface="Arial"/>
+                  <a:ea typeface="Arial"/>
+                  <a:cs typeface="Arial"/>
+                  <a:sym typeface="Arial"/>
+                </a:rPr>
+                <a:t>Serdes</a:t>
+              </a:r>
+              <a:endParaRPr sz="1400" b="0" i="0" u="none" strike="noStrike" cap="none">
+                <a:solidFill>
+                  <a:srgbClr val="000000"/>
+                </a:solidFill>
+                <a:latin typeface="Arial"/>
+                <a:ea typeface="Arial"/>
+                <a:cs typeface="Arial"/>
+                <a:sym typeface="Arial"/>
+              </a:endParaRPr>
+            </a:p>
+          </p:txBody>
+        </p:sp>
+        <p:cxnSp>
+          <p:nvCxnSpPr>
+            <p:cNvPr id="61" name="Google Shape;851;p20">
+              <a:extLst>
+                <a:ext uri="{FF2B5EF4-FFF2-40B4-BE49-F238E27FC236}">
+                  <a16:creationId xmlns:a16="http://schemas.microsoft.com/office/drawing/2014/main" id="{B2AE6783-4F2E-AB9C-3302-F3266C050B61}"/>
+                </a:ext>
+              </a:extLst>
+            </p:cNvPr>
+            <p:cNvCxnSpPr>
+              <a:stCxn id="54" idx="3"/>
+            </p:cNvCxnSpPr>
+            <p:nvPr/>
+          </p:nvCxnSpPr>
+          <p:spPr>
+            <a:xfrm rot="10800000" flipH="1">
+              <a:off x="5567520" y="4226934"/>
+              <a:ext cx="255300" cy="1567800"/>
+            </a:xfrm>
+            <a:prstGeom prst="bentConnector2">
+              <a:avLst/>
+            </a:prstGeom>
+            <a:noFill/>
+            <a:ln w="19050" cap="flat" cmpd="sng">
+              <a:solidFill>
+                <a:schemeClr val="dk1"/>
+              </a:solidFill>
+              <a:prstDash val="solid"/>
+              <a:miter lim="800000"/>
+              <a:headEnd type="triangle" w="med" len="med"/>
+              <a:tailEnd type="triangle" w="med" len="med"/>
+            </a:ln>
+          </p:spPr>
+        </p:cxnSp>
+        <p:cxnSp>
+          <p:nvCxnSpPr>
+            <p:cNvPr id="62" name="Google Shape;852;p20">
+              <a:extLst>
+                <a:ext uri="{FF2B5EF4-FFF2-40B4-BE49-F238E27FC236}">
+                  <a16:creationId xmlns:a16="http://schemas.microsoft.com/office/drawing/2014/main" id="{F6C67DEF-4BAD-C07C-E94D-90B6FEF9AB13}"/>
+                </a:ext>
+              </a:extLst>
+            </p:cNvPr>
+            <p:cNvCxnSpPr/>
+            <p:nvPr/>
+          </p:nvCxnSpPr>
+          <p:spPr>
+            <a:xfrm>
+              <a:off x="6369265" y="4240696"/>
+              <a:ext cx="0" cy="498889"/>
+            </a:xfrm>
+            <a:prstGeom prst="straightConnector1">
+              <a:avLst/>
+            </a:prstGeom>
+            <a:noFill/>
+            <a:ln w="19050" cap="flat" cmpd="sng">
+              <a:solidFill>
+                <a:schemeClr val="dk1"/>
+              </a:solidFill>
+              <a:prstDash val="solid"/>
+              <a:miter lim="800000"/>
+              <a:headEnd type="triangle" w="med" len="med"/>
+              <a:tailEnd type="triangle" w="med" len="med"/>
+            </a:ln>
+          </p:spPr>
+        </p:cxnSp>
+        <p:sp>
+          <p:nvSpPr>
+            <p:cNvPr id="63" name="Google Shape;853;p20">
+              <a:extLst>
+                <a:ext uri="{FF2B5EF4-FFF2-40B4-BE49-F238E27FC236}">
+                  <a16:creationId xmlns:a16="http://schemas.microsoft.com/office/drawing/2014/main" id="{2C8270D7-425D-D141-0606-C984D1AC6BF3}"/>
+                </a:ext>
+              </a:extLst>
+            </p:cNvPr>
+            <p:cNvSpPr/>
+            <p:nvPr/>
+          </p:nvSpPr>
+          <p:spPr>
+            <a:xfrm>
+              <a:off x="1423852" y="5454170"/>
+              <a:ext cx="1451964" cy="236306"/>
+            </a:xfrm>
+            <a:prstGeom prst="rect">
+              <a:avLst/>
+            </a:prstGeom>
+            <a:solidFill>
+              <a:srgbClr val="FBE4D4"/>
+            </a:solidFill>
+            <a:ln w="12700" cap="flat" cmpd="sng">
+              <a:solidFill>
+                <a:schemeClr val="dk1"/>
+              </a:solidFill>
+              <a:prstDash val="solid"/>
+              <a:miter lim="800000"/>
+              <a:headEnd type="none" w="sm" len="sm"/>
+              <a:tailEnd type="none" w="sm" len="sm"/>
+            </a:ln>
+          </p:spPr>
+          <p:txBody>
+            <a:bodyPr spcFirstLastPara="1" wrap="square" lIns="91425" tIns="45700" rIns="91425" bIns="45700" anchor="ctr" anchorCtr="0">
+              <a:noAutofit/>
+            </a:bodyPr>
+            <a:lstStyle/>
+            <a:p>
+              <a:pPr marL="0" marR="0" lvl="0" indent="0" algn="ctr" rtl="0">
+                <a:lnSpc>
+                  <a:spcPct val="100000"/>
+                </a:lnSpc>
+                <a:spcBef>
+                  <a:spcPts val="0"/>
+                </a:spcBef>
+                <a:spcAft>
+                  <a:spcPts val="0"/>
+                </a:spcAft>
+                <a:buClr>
+                  <a:srgbClr val="000000"/>
+                </a:buClr>
+                <a:buSzPts val="1200"/>
+                <a:buFont typeface="Arial"/>
+                <a:buNone/>
+              </a:pPr>
+              <a:r>
+                <a:rPr lang="en-US" sz="1200" b="0" i="0" u="none" strike="noStrike" cap="none">
+                  <a:solidFill>
+                    <a:schemeClr val="dk1"/>
+                  </a:solidFill>
+                  <a:latin typeface="Arial"/>
+                  <a:ea typeface="Arial"/>
+                  <a:cs typeface="Arial"/>
+                  <a:sym typeface="Arial"/>
+                </a:rPr>
+                <a:t>Memory Bus</a:t>
+              </a:r>
+              <a:endParaRPr sz="1400" b="0" i="0" u="none" strike="noStrike" cap="none">
+                <a:solidFill>
+                  <a:srgbClr val="000000"/>
+                </a:solidFill>
+                <a:latin typeface="Arial"/>
+                <a:ea typeface="Arial"/>
+                <a:cs typeface="Arial"/>
+                <a:sym typeface="Arial"/>
+              </a:endParaRPr>
+            </a:p>
+          </p:txBody>
+        </p:sp>
+        <p:cxnSp>
+          <p:nvCxnSpPr>
+            <p:cNvPr id="64" name="Google Shape;854;p20">
+              <a:extLst>
+                <a:ext uri="{FF2B5EF4-FFF2-40B4-BE49-F238E27FC236}">
+                  <a16:creationId xmlns:a16="http://schemas.microsoft.com/office/drawing/2014/main" id="{50E29929-E7C6-54C0-600E-E828B59F257A}"/>
+                </a:ext>
+              </a:extLst>
+            </p:cNvPr>
+            <p:cNvCxnSpPr/>
+            <p:nvPr/>
+          </p:nvCxnSpPr>
+          <p:spPr>
+            <a:xfrm>
+              <a:off x="1738433" y="5263423"/>
+              <a:ext cx="0" cy="190747"/>
+            </a:xfrm>
+            <a:prstGeom prst="straightConnector1">
+              <a:avLst/>
+            </a:prstGeom>
+            <a:noFill/>
+            <a:ln w="19050" cap="flat" cmpd="sng">
+              <a:solidFill>
+                <a:schemeClr val="dk1"/>
+              </a:solidFill>
+              <a:prstDash val="solid"/>
+              <a:miter lim="800000"/>
+              <a:headEnd type="triangle" w="med" len="med"/>
+              <a:tailEnd type="triangle" w="med" len="med"/>
+            </a:ln>
+          </p:spPr>
+        </p:cxnSp>
+        <p:cxnSp>
+          <p:nvCxnSpPr>
+            <p:cNvPr id="65" name="Google Shape;855;p20">
+              <a:extLst>
+                <a:ext uri="{FF2B5EF4-FFF2-40B4-BE49-F238E27FC236}">
+                  <a16:creationId xmlns:a16="http://schemas.microsoft.com/office/drawing/2014/main" id="{216D628C-DF20-230F-18B0-6482A4AFC1F2}"/>
+                </a:ext>
+              </a:extLst>
+            </p:cNvPr>
+            <p:cNvCxnSpPr/>
+            <p:nvPr/>
+          </p:nvCxnSpPr>
+          <p:spPr>
+            <a:xfrm>
+              <a:off x="2547801" y="5263423"/>
+              <a:ext cx="0" cy="190747"/>
+            </a:xfrm>
+            <a:prstGeom prst="straightConnector1">
+              <a:avLst/>
+            </a:prstGeom>
+            <a:noFill/>
+            <a:ln w="19050" cap="flat" cmpd="sng">
+              <a:solidFill>
+                <a:schemeClr val="dk1"/>
+              </a:solidFill>
+              <a:prstDash val="solid"/>
+              <a:miter lim="800000"/>
+              <a:headEnd type="triangle" w="med" len="med"/>
+              <a:tailEnd type="triangle" w="med" len="med"/>
+            </a:ln>
+          </p:spPr>
+        </p:cxnSp>
+        <p:sp>
+          <p:nvSpPr>
+            <p:cNvPr id="66" name="Google Shape;856;p20">
+              <a:extLst>
+                <a:ext uri="{FF2B5EF4-FFF2-40B4-BE49-F238E27FC236}">
+                  <a16:creationId xmlns:a16="http://schemas.microsoft.com/office/drawing/2014/main" id="{087AAD54-F217-8171-0357-35A27C6ADC35}"/>
+                </a:ext>
+              </a:extLst>
+            </p:cNvPr>
+            <p:cNvSpPr/>
+            <p:nvPr/>
+          </p:nvSpPr>
+          <p:spPr>
+            <a:xfrm>
+              <a:off x="2193435" y="5866422"/>
+              <a:ext cx="682380" cy="415634"/>
+            </a:xfrm>
+            <a:prstGeom prst="rect">
+              <a:avLst/>
+            </a:prstGeom>
+            <a:solidFill>
+              <a:srgbClr val="DDEAF6"/>
+            </a:solidFill>
+            <a:ln w="12700" cap="flat" cmpd="sng">
+              <a:solidFill>
+                <a:schemeClr val="dk1"/>
+              </a:solidFill>
+              <a:prstDash val="solid"/>
+              <a:miter lim="800000"/>
+              <a:headEnd type="none" w="sm" len="sm"/>
+              <a:tailEnd type="none" w="sm" len="sm"/>
+            </a:ln>
+          </p:spPr>
+          <p:txBody>
+            <a:bodyPr spcFirstLastPara="1" wrap="square" lIns="91425" tIns="45700" rIns="91425" bIns="45700" anchor="ctr" anchorCtr="0">
+              <a:noAutofit/>
+            </a:bodyPr>
+            <a:lstStyle/>
+            <a:p>
+              <a:pPr marL="0" marR="0" lvl="0" indent="0" algn="ctr" rtl="0">
+                <a:lnSpc>
+                  <a:spcPct val="100000"/>
+                </a:lnSpc>
+                <a:spcBef>
+                  <a:spcPts val="0"/>
+                </a:spcBef>
+                <a:spcAft>
+                  <a:spcPts val="0"/>
+                </a:spcAft>
+                <a:buClr>
+                  <a:srgbClr val="000000"/>
+                </a:buClr>
+                <a:buSzPts val="1200"/>
+                <a:buFont typeface="Arial"/>
+                <a:buNone/>
+              </a:pPr>
+              <a:r>
+                <a:rPr lang="en-US" sz="1200" b="0" i="0" u="none" strike="noStrike" cap="none">
+                  <a:solidFill>
+                    <a:schemeClr val="dk1"/>
+                  </a:solidFill>
+                  <a:latin typeface="Arial"/>
+                  <a:ea typeface="Arial"/>
+                  <a:cs typeface="Arial"/>
+                  <a:sym typeface="Arial"/>
+                </a:rPr>
+                <a:t>DRAM Chan.</a:t>
+              </a:r>
+              <a:endParaRPr sz="1400" b="0" i="0" u="none" strike="noStrike" cap="none">
+                <a:solidFill>
+                  <a:srgbClr val="000000"/>
+                </a:solidFill>
+                <a:latin typeface="Arial"/>
+                <a:ea typeface="Arial"/>
+                <a:cs typeface="Arial"/>
+                <a:sym typeface="Arial"/>
+              </a:endParaRPr>
+            </a:p>
+          </p:txBody>
+        </p:sp>
+        <p:sp>
+          <p:nvSpPr>
+            <p:cNvPr id="67" name="Google Shape;857;p20">
+              <a:extLst>
+                <a:ext uri="{FF2B5EF4-FFF2-40B4-BE49-F238E27FC236}">
+                  <a16:creationId xmlns:a16="http://schemas.microsoft.com/office/drawing/2014/main" id="{A12BC742-52CE-CE4A-7C6D-7504C4CB86D1}"/>
+                </a:ext>
+              </a:extLst>
+            </p:cNvPr>
+            <p:cNvSpPr/>
+            <p:nvPr/>
+          </p:nvSpPr>
+          <p:spPr>
+            <a:xfrm>
+              <a:off x="1423852" y="5866422"/>
+              <a:ext cx="682380" cy="415634"/>
+            </a:xfrm>
+            <a:prstGeom prst="rect">
+              <a:avLst/>
+            </a:prstGeom>
+            <a:solidFill>
+              <a:srgbClr val="DDEAF6"/>
+            </a:solidFill>
+            <a:ln w="12700" cap="flat" cmpd="sng">
+              <a:solidFill>
+                <a:schemeClr val="dk1"/>
+              </a:solidFill>
+              <a:prstDash val="solid"/>
+              <a:miter lim="800000"/>
+              <a:headEnd type="none" w="sm" len="sm"/>
+              <a:tailEnd type="none" w="sm" len="sm"/>
+            </a:ln>
+          </p:spPr>
+          <p:txBody>
+            <a:bodyPr spcFirstLastPara="1" wrap="square" lIns="91425" tIns="45700" rIns="91425" bIns="45700" anchor="ctr" anchorCtr="0">
+              <a:noAutofit/>
+            </a:bodyPr>
+            <a:lstStyle/>
+            <a:p>
+              <a:pPr marL="0" marR="0" lvl="0" indent="0" algn="ctr" rtl="0">
+                <a:lnSpc>
+                  <a:spcPct val="100000"/>
+                </a:lnSpc>
+                <a:spcBef>
+                  <a:spcPts val="0"/>
+                </a:spcBef>
+                <a:spcAft>
+                  <a:spcPts val="0"/>
+                </a:spcAft>
+                <a:buClr>
+                  <a:srgbClr val="000000"/>
+                </a:buClr>
+                <a:buSzPts val="1200"/>
+                <a:buFont typeface="Arial"/>
+                <a:buNone/>
+              </a:pPr>
+              <a:r>
+                <a:rPr lang="en-US" sz="1200" b="0" i="0" u="none" strike="noStrike" cap="none">
+                  <a:solidFill>
+                    <a:schemeClr val="dk1"/>
+                  </a:solidFill>
+                  <a:latin typeface="Arial"/>
+                  <a:ea typeface="Arial"/>
+                  <a:cs typeface="Arial"/>
+                  <a:sym typeface="Arial"/>
+                </a:rPr>
+                <a:t>DRAM Chan.</a:t>
+              </a:r>
+              <a:endParaRPr sz="1400" b="0" i="0" u="none" strike="noStrike" cap="none">
+                <a:solidFill>
+                  <a:srgbClr val="000000"/>
+                </a:solidFill>
+                <a:latin typeface="Arial"/>
+                <a:ea typeface="Arial"/>
+                <a:cs typeface="Arial"/>
+                <a:sym typeface="Arial"/>
+              </a:endParaRPr>
+            </a:p>
+          </p:txBody>
+        </p:sp>
+        <p:cxnSp>
+          <p:nvCxnSpPr>
+            <p:cNvPr id="68" name="Google Shape;858;p20">
+              <a:extLst>
+                <a:ext uri="{FF2B5EF4-FFF2-40B4-BE49-F238E27FC236}">
+                  <a16:creationId xmlns:a16="http://schemas.microsoft.com/office/drawing/2014/main" id="{D404FA7C-F1E3-995D-E464-0417DC57AF6D}"/>
+                </a:ext>
+              </a:extLst>
+            </p:cNvPr>
+            <p:cNvCxnSpPr/>
+            <p:nvPr/>
+          </p:nvCxnSpPr>
+          <p:spPr>
+            <a:xfrm>
+              <a:off x="1738433" y="5673368"/>
+              <a:ext cx="0" cy="190747"/>
+            </a:xfrm>
+            <a:prstGeom prst="straightConnector1">
+              <a:avLst/>
+            </a:prstGeom>
+            <a:noFill/>
+            <a:ln w="19050" cap="flat" cmpd="sng">
+              <a:solidFill>
+                <a:schemeClr val="dk1"/>
+              </a:solidFill>
+              <a:prstDash val="solid"/>
+              <a:miter lim="800000"/>
+              <a:headEnd type="triangle" w="med" len="med"/>
+              <a:tailEnd type="triangle" w="med" len="med"/>
+            </a:ln>
+          </p:spPr>
+        </p:cxnSp>
+        <p:cxnSp>
+          <p:nvCxnSpPr>
+            <p:cNvPr id="69" name="Google Shape;859;p20">
+              <a:extLst>
+                <a:ext uri="{FF2B5EF4-FFF2-40B4-BE49-F238E27FC236}">
+                  <a16:creationId xmlns:a16="http://schemas.microsoft.com/office/drawing/2014/main" id="{1DC7D3E8-1BA2-ABBD-9400-0997301D513F}"/>
+                </a:ext>
+              </a:extLst>
+            </p:cNvPr>
+            <p:cNvCxnSpPr/>
+            <p:nvPr/>
+          </p:nvCxnSpPr>
+          <p:spPr>
+            <a:xfrm>
+              <a:off x="2547801" y="5673368"/>
+              <a:ext cx="0" cy="190747"/>
+            </a:xfrm>
+            <a:prstGeom prst="straightConnector1">
+              <a:avLst/>
+            </a:prstGeom>
+            <a:noFill/>
+            <a:ln w="19050" cap="flat" cmpd="sng">
+              <a:solidFill>
+                <a:schemeClr val="dk1"/>
+              </a:solidFill>
+              <a:prstDash val="solid"/>
+              <a:miter lim="800000"/>
+              <a:headEnd type="triangle" w="med" len="med"/>
+              <a:tailEnd type="triangle" w="med" len="med"/>
+            </a:ln>
+          </p:spPr>
+        </p:cxnSp>
+        <p:sp>
+          <p:nvSpPr>
+            <p:cNvPr id="17" name="Google Shape;822;p20">
+              <a:extLst>
+                <a:ext uri="{FF2B5EF4-FFF2-40B4-BE49-F238E27FC236}">
+                  <a16:creationId xmlns:a16="http://schemas.microsoft.com/office/drawing/2014/main" id="{5118227F-F4EA-DAED-9790-46C18610ECC2}"/>
+                </a:ext>
+              </a:extLst>
+            </p:cNvPr>
+            <p:cNvSpPr/>
+            <p:nvPr/>
+          </p:nvSpPr>
+          <p:spPr>
+            <a:xfrm>
+              <a:off x="4117946" y="2138557"/>
+              <a:ext cx="1613967" cy="820637"/>
+            </a:xfrm>
+            <a:prstGeom prst="rect">
+              <a:avLst/>
+            </a:prstGeom>
+            <a:solidFill>
+              <a:schemeClr val="accent6">
+                <a:lumMod val="60000"/>
+                <a:lumOff val="40000"/>
+              </a:schemeClr>
+            </a:solidFill>
+            <a:ln w="12700" cap="flat" cmpd="sng">
+              <a:solidFill>
+                <a:schemeClr val="dk1"/>
+              </a:solidFill>
+              <a:prstDash val="solid"/>
+              <a:miter lim="800000"/>
+              <a:headEnd type="none" w="sm" len="sm"/>
+              <a:tailEnd type="none" w="sm" len="sm"/>
+            </a:ln>
+          </p:spPr>
+          <p:txBody>
+            <a:bodyPr spcFirstLastPara="1" wrap="square" lIns="91425" tIns="45700" rIns="91425" bIns="45700" anchor="t" anchorCtr="0">
+              <a:noAutofit/>
+            </a:bodyPr>
+            <a:lstStyle/>
+            <a:p>
+              <a:pPr marL="0" marR="0" lvl="0" indent="0" algn="ctr" rtl="0">
+                <a:lnSpc>
+                  <a:spcPct val="100000"/>
+                </a:lnSpc>
+                <a:spcBef>
+                  <a:spcPts val="0"/>
+                </a:spcBef>
+                <a:spcAft>
+                  <a:spcPts val="0"/>
+                </a:spcAft>
+                <a:buClr>
+                  <a:srgbClr val="000000"/>
+                </a:buClr>
+                <a:buSzPts val="1200"/>
+                <a:buFont typeface="Arial"/>
+                <a:buNone/>
+              </a:pPr>
+              <a:r>
+                <a:rPr lang="en-US" sz="2000" b="0" i="0" u="none" strike="noStrike" cap="none" dirty="0" err="1">
+                  <a:solidFill>
+                    <a:schemeClr val="dk1"/>
+                  </a:solidFill>
+                  <a:latin typeface="Arial"/>
+                  <a:ea typeface="Arial"/>
+                  <a:cs typeface="Arial"/>
+                  <a:sym typeface="Arial"/>
+                </a:rPr>
+                <a:t>CalyxSum</a:t>
+              </a:r>
+              <a:endParaRPr lang="en-US" sz="2000" b="0" i="0" u="none" strike="noStrike" cap="none" dirty="0">
+                <a:solidFill>
+                  <a:schemeClr val="dk1"/>
+                </a:solidFill>
+                <a:latin typeface="Arial"/>
+                <a:ea typeface="Arial"/>
+                <a:cs typeface="Arial"/>
+                <a:sym typeface="Arial"/>
+              </a:endParaRPr>
+            </a:p>
+          </p:txBody>
+        </p:sp>
+      </p:grpSp>
+    </p:spTree>
+    <p:extLst>
+      <p:ext uri="{BB962C8B-B14F-4D97-AF65-F5344CB8AC3E}">
+        <p14:creationId xmlns:p14="http://schemas.microsoft.com/office/powerpoint/2010/main" val="1817408682"/>
+      </p:ext>
+    </p:extLst>
+  </p:cSld>
+  <p:clrMapOvr>
+    <a:masterClrMapping/>
+  </p:clrMapOvr>
+</p:sld>
+</file>
+
 <file path=ppt/theme/theme1.xml><?xml version="1.0" encoding="utf-8"?>
 <a:theme xmlns:a="http://schemas.openxmlformats.org/drawingml/2006/main" name="Office Theme">
   <a:themeElements>

--- a/figs/latte24/figs.pptx
+++ b/figs/latte24/figs.pptx
@@ -9828,8 +9828,8 @@
               <a:avLst>
                 <a:gd name="adj1" fmla="val 18750"/>
                 <a:gd name="adj2" fmla="val -8333"/>
-                <a:gd name="adj3" fmla="val 140033"/>
-                <a:gd name="adj4" fmla="val -32098"/>
+                <a:gd name="adj3" fmla="val 193673"/>
+                <a:gd name="adj4" fmla="val -37742"/>
               </a:avLst>
             </a:prstGeom>
             <a:noFill/>
@@ -11559,9 +11559,9 @@
           <p:grpSpPr>
             <a:xfrm>
               <a:off x="3245620" y="1595410"/>
-              <a:ext cx="3474982" cy="1977830"/>
+              <a:ext cx="3474982" cy="2410021"/>
               <a:chOff x="3245620" y="1595410"/>
-              <a:chExt cx="3474982" cy="1977830"/>
+              <a:chExt cx="3474982" cy="2410021"/>
             </a:xfrm>
           </p:grpSpPr>
           <p:sp>
@@ -11653,13 +11653,15 @@
                   </a:ext>
                 </a:extLst>
               </p:cNvPr>
-              <p:cNvCxnSpPr/>
+              <p:cNvCxnSpPr>
+                <a:cxnSpLocks/>
+              </p:cNvCxnSpPr>
               <p:nvPr/>
             </p:nvCxnSpPr>
             <p:spPr>
               <a:xfrm>
                 <a:off x="4950084" y="3362298"/>
-                <a:ext cx="0" cy="210942"/>
+                <a:ext cx="0" cy="643133"/>
               </a:xfrm>
               <a:prstGeom prst="straightConnector1">
                 <a:avLst/>

--- a/figs/latte24/figs.pptx
+++ b/figs/latte24/figs.pptx
@@ -5,13 +5,20 @@
     <p:sldMasterId id="2147483648" r:id="rId1"/>
   </p:sldMasterIdLst>
   <p:notesMasterIdLst>
-    <p:notesMasterId r:id="rId6"/>
+    <p:notesMasterId r:id="rId13"/>
   </p:notesMasterIdLst>
   <p:sldIdLst>
     <p:sldId id="256" r:id="rId2"/>
     <p:sldId id="257" r:id="rId3"/>
     <p:sldId id="258" r:id="rId4"/>
     <p:sldId id="259" r:id="rId5"/>
+    <p:sldId id="260" r:id="rId6"/>
+    <p:sldId id="261" r:id="rId7"/>
+    <p:sldId id="262" r:id="rId8"/>
+    <p:sldId id="266" r:id="rId9"/>
+    <p:sldId id="263" r:id="rId10"/>
+    <p:sldId id="264" r:id="rId11"/>
+    <p:sldId id="265" r:id="rId12"/>
   </p:sldIdLst>
   <p:sldSz cx="12192000" cy="6858000"/>
   <p:notesSz cx="6858000" cy="9144000"/>
@@ -118,7 +125,7 @@
             <a:srgbClr val="A4A3A4"/>
           </p15:clr>
         </p15:guide>
-        <p15:guide id="2" pos="3840" userDrawn="1">
+        <p15:guide id="2" pos="3864" userDrawn="1">
           <p15:clr>
             <a:srgbClr val="A4A3A4"/>
           </p15:clr>
@@ -211,7 +218,7 @@
           <a:p>
             <a:fld id="{0DAB2604-332E-024C-A8A0-E1E76D375D5A}" type="datetimeFigureOut">
               <a:rPr lang="en-US" smtClean="0"/>
-              <a:t>4/20/24</a:t>
+              <a:t>4/21/24</a:t>
             </a:fld>
             <a:endParaRPr lang="en-US"/>
           </a:p>
@@ -562,6 +569,90 @@
 </p:notes>
 </file>
 
+<file path=ppt/notesSlides/notesSlide2.xml><?xml version="1.0" encoding="utf-8"?>
+<p:notes xmlns:a="http://schemas.openxmlformats.org/drawingml/2006/main" xmlns:r="http://schemas.openxmlformats.org/officeDocument/2006/relationships" xmlns:p="http://schemas.openxmlformats.org/presentationml/2006/main">
+  <p:cSld>
+    <p:spTree>
+      <p:nvGrpSpPr>
+        <p:cNvPr id="1" name=""/>
+        <p:cNvGrpSpPr/>
+        <p:nvPr/>
+      </p:nvGrpSpPr>
+      <p:grpSpPr>
+        <a:xfrm>
+          <a:off x="0" y="0"/>
+          <a:ext cx="0" cy="0"/>
+          <a:chOff x="0" y="0"/>
+          <a:chExt cx="0" cy="0"/>
+        </a:xfrm>
+      </p:grpSpPr>
+      <p:sp>
+        <p:nvSpPr>
+          <p:cNvPr id="2" name="Slide Image Placeholder 1"/>
+          <p:cNvSpPr>
+            <a:spLocks noGrp="1" noRot="1" noChangeAspect="1"/>
+          </p:cNvSpPr>
+          <p:nvPr>
+            <p:ph type="sldImg"/>
+          </p:nvPr>
+        </p:nvSpPr>
+        <p:spPr/>
+      </p:sp>
+      <p:sp>
+        <p:nvSpPr>
+          <p:cNvPr id="3" name="Notes Placeholder 2"/>
+          <p:cNvSpPr>
+            <a:spLocks noGrp="1"/>
+          </p:cNvSpPr>
+          <p:nvPr>
+            <p:ph type="body" idx="1"/>
+          </p:nvPr>
+        </p:nvSpPr>
+        <p:spPr/>
+        <p:txBody>
+          <a:bodyPr/>
+          <a:lstStyle/>
+          <a:p>
+            <a:endParaRPr lang="en-US" dirty="0"/>
+          </a:p>
+        </p:txBody>
+      </p:sp>
+      <p:sp>
+        <p:nvSpPr>
+          <p:cNvPr id="4" name="Slide Number Placeholder 3"/>
+          <p:cNvSpPr>
+            <a:spLocks noGrp="1"/>
+          </p:cNvSpPr>
+          <p:nvPr>
+            <p:ph type="sldNum" sz="quarter" idx="5"/>
+          </p:nvPr>
+        </p:nvSpPr>
+        <p:spPr/>
+        <p:txBody>
+          <a:bodyPr/>
+          <a:lstStyle/>
+          <a:p>
+            <a:fld id="{311CF6ED-770C-9943-AF81-D14B542A96E6}" type="slidenum">
+              <a:rPr lang="en-US" smtClean="0"/>
+              <a:t>8</a:t>
+            </a:fld>
+            <a:endParaRPr lang="en-US"/>
+          </a:p>
+        </p:txBody>
+      </p:sp>
+    </p:spTree>
+    <p:extLst>
+      <p:ext uri="{BB962C8B-B14F-4D97-AF65-F5344CB8AC3E}">
+        <p14:creationId xmlns:p14="http://schemas.microsoft.com/office/powerpoint/2010/main" val="2853395571"/>
+      </p:ext>
+    </p:extLst>
+  </p:cSld>
+  <p:clrMapOvr>
+    <a:masterClrMapping/>
+  </p:clrMapOvr>
+</p:notes>
+</file>
+
 <file path=ppt/slideLayouts/slideLayout1.xml><?xml version="1.0" encoding="utf-8"?>
 <p:sldLayout xmlns:a="http://schemas.openxmlformats.org/drawingml/2006/main" xmlns:r="http://schemas.openxmlformats.org/officeDocument/2006/relationships" xmlns:p="http://schemas.openxmlformats.org/presentationml/2006/main" type="title" preserve="1">
   <p:cSld name="Title Slide">
@@ -709,7 +800,7 @@
           <a:p>
             <a:fld id="{5B31B0AD-E03A-D148-9D22-3494858AE16F}" type="datetimeFigureOut">
               <a:rPr lang="en-US" smtClean="0"/>
-              <a:t>4/20/24</a:t>
+              <a:t>4/21/24</a:t>
             </a:fld>
             <a:endParaRPr lang="en-US"/>
           </a:p>
@@ -907,7 +998,7 @@
           <a:p>
             <a:fld id="{5B31B0AD-E03A-D148-9D22-3494858AE16F}" type="datetimeFigureOut">
               <a:rPr lang="en-US" smtClean="0"/>
-              <a:t>4/20/24</a:t>
+              <a:t>4/21/24</a:t>
             </a:fld>
             <a:endParaRPr lang="en-US"/>
           </a:p>
@@ -1115,7 +1206,7 @@
           <a:p>
             <a:fld id="{5B31B0AD-E03A-D148-9D22-3494858AE16F}" type="datetimeFigureOut">
               <a:rPr lang="en-US" smtClean="0"/>
-              <a:t>4/20/24</a:t>
+              <a:t>4/21/24</a:t>
             </a:fld>
             <a:endParaRPr lang="en-US"/>
           </a:p>
@@ -1313,7 +1404,7 @@
           <a:p>
             <a:fld id="{5B31B0AD-E03A-D148-9D22-3494858AE16F}" type="datetimeFigureOut">
               <a:rPr lang="en-US" smtClean="0"/>
-              <a:t>4/20/24</a:t>
+              <a:t>4/21/24</a:t>
             </a:fld>
             <a:endParaRPr lang="en-US"/>
           </a:p>
@@ -1588,7 +1679,7 @@
           <a:p>
             <a:fld id="{5B31B0AD-E03A-D148-9D22-3494858AE16F}" type="datetimeFigureOut">
               <a:rPr lang="en-US" smtClean="0"/>
-              <a:t>4/20/24</a:t>
+              <a:t>4/21/24</a:t>
             </a:fld>
             <a:endParaRPr lang="en-US"/>
           </a:p>
@@ -1853,7 +1944,7 @@
           <a:p>
             <a:fld id="{5B31B0AD-E03A-D148-9D22-3494858AE16F}" type="datetimeFigureOut">
               <a:rPr lang="en-US" smtClean="0"/>
-              <a:t>4/20/24</a:t>
+              <a:t>4/21/24</a:t>
             </a:fld>
             <a:endParaRPr lang="en-US"/>
           </a:p>
@@ -2265,7 +2356,7 @@
           <a:p>
             <a:fld id="{5B31B0AD-E03A-D148-9D22-3494858AE16F}" type="datetimeFigureOut">
               <a:rPr lang="en-US" smtClean="0"/>
-              <a:t>4/20/24</a:t>
+              <a:t>4/21/24</a:t>
             </a:fld>
             <a:endParaRPr lang="en-US"/>
           </a:p>
@@ -2406,7 +2497,7 @@
           <a:p>
             <a:fld id="{5B31B0AD-E03A-D148-9D22-3494858AE16F}" type="datetimeFigureOut">
               <a:rPr lang="en-US" smtClean="0"/>
-              <a:t>4/20/24</a:t>
+              <a:t>4/21/24</a:t>
             </a:fld>
             <a:endParaRPr lang="en-US"/>
           </a:p>
@@ -2519,7 +2610,7 @@
           <a:p>
             <a:fld id="{5B31B0AD-E03A-D148-9D22-3494858AE16F}" type="datetimeFigureOut">
               <a:rPr lang="en-US" smtClean="0"/>
-              <a:t>4/20/24</a:t>
+              <a:t>4/21/24</a:t>
             </a:fld>
             <a:endParaRPr lang="en-US"/>
           </a:p>
@@ -2830,7 +2921,7 @@
           <a:p>
             <a:fld id="{5B31B0AD-E03A-D148-9D22-3494858AE16F}" type="datetimeFigureOut">
               <a:rPr lang="en-US" smtClean="0"/>
-              <a:t>4/20/24</a:t>
+              <a:t>4/21/24</a:t>
             </a:fld>
             <a:endParaRPr lang="en-US"/>
           </a:p>
@@ -3118,7 +3209,7 @@
           <a:p>
             <a:fld id="{5B31B0AD-E03A-D148-9D22-3494858AE16F}" type="datetimeFigureOut">
               <a:rPr lang="en-US" smtClean="0"/>
-              <a:t>4/20/24</a:t>
+              <a:t>4/21/24</a:t>
             </a:fld>
             <a:endParaRPr lang="en-US"/>
           </a:p>
@@ -3359,7 +3450,7 @@
           <a:p>
             <a:fld id="{5B31B0AD-E03A-D148-9D22-3494858AE16F}" type="datetimeFigureOut">
               <a:rPr lang="en-US" smtClean="0"/>
-              <a:t>4/20/24</a:t>
+              <a:t>4/21/24</a:t>
             </a:fld>
             <a:endParaRPr lang="en-US"/>
           </a:p>
@@ -3814,6 +3905,3172 @@
 </p:sld>
 </file>
 
+<file path=ppt/slides/slide10.xml><?xml version="1.0" encoding="utf-8"?>
+<p:sld xmlns:a="http://schemas.openxmlformats.org/drawingml/2006/main" xmlns:r="http://schemas.openxmlformats.org/officeDocument/2006/relationships" xmlns:p="http://schemas.openxmlformats.org/presentationml/2006/main">
+  <p:cSld>
+    <p:spTree>
+      <p:nvGrpSpPr>
+        <p:cNvPr id="1" name=""/>
+        <p:cNvGrpSpPr/>
+        <p:nvPr/>
+      </p:nvGrpSpPr>
+      <p:grpSpPr>
+        <a:xfrm>
+          <a:off x="0" y="0"/>
+          <a:ext cx="0" cy="0"/>
+          <a:chOff x="0" y="0"/>
+          <a:chExt cx="0" cy="0"/>
+        </a:xfrm>
+      </p:grpSpPr>
+      <p:grpSp>
+        <p:nvGrpSpPr>
+          <p:cNvPr id="35" name="Group 34">
+            <a:extLst>
+              <a:ext uri="{FF2B5EF4-FFF2-40B4-BE49-F238E27FC236}">
+                <a16:creationId xmlns:a16="http://schemas.microsoft.com/office/drawing/2014/main" id="{444043CC-3CA6-3B12-E9B7-A8AFC33F8FFF}"/>
+              </a:ext>
+            </a:extLst>
+          </p:cNvPr>
+          <p:cNvGrpSpPr/>
+          <p:nvPr/>
+        </p:nvGrpSpPr>
+        <p:grpSpPr>
+          <a:xfrm>
+            <a:off x="437612" y="630315"/>
+            <a:ext cx="6066215" cy="6020757"/>
+            <a:chOff x="437612" y="630315"/>
+            <a:chExt cx="6066215" cy="6020757"/>
+          </a:xfrm>
+        </p:grpSpPr>
+        <p:sp>
+          <p:nvSpPr>
+            <p:cNvPr id="4" name="Rectangle 3">
+              <a:extLst>
+                <a:ext uri="{FF2B5EF4-FFF2-40B4-BE49-F238E27FC236}">
+                  <a16:creationId xmlns:a16="http://schemas.microsoft.com/office/drawing/2014/main" id="{D45A32CF-A80A-7D25-AF86-5957EC179048}"/>
+                </a:ext>
+              </a:extLst>
+            </p:cNvPr>
+            <p:cNvSpPr/>
+            <p:nvPr/>
+          </p:nvSpPr>
+          <p:spPr>
+            <a:xfrm>
+              <a:off x="656948" y="630315"/>
+              <a:ext cx="1438182" cy="772357"/>
+            </a:xfrm>
+            <a:prstGeom prst="rect">
+              <a:avLst/>
+            </a:prstGeom>
+            <a:noFill/>
+            <a:ln w="28575">
+              <a:solidFill>
+                <a:schemeClr val="tx1"/>
+              </a:solidFill>
+            </a:ln>
+          </p:spPr>
+          <p:style>
+            <a:lnRef idx="2">
+              <a:schemeClr val="accent1">
+                <a:shade val="15000"/>
+              </a:schemeClr>
+            </a:lnRef>
+            <a:fillRef idx="1">
+              <a:schemeClr val="accent1"/>
+            </a:fillRef>
+            <a:effectRef idx="0">
+              <a:schemeClr val="accent1"/>
+            </a:effectRef>
+            <a:fontRef idx="minor">
+              <a:schemeClr val="lt1"/>
+            </a:fontRef>
+          </p:style>
+          <p:txBody>
+            <a:bodyPr rtlCol="0" anchor="ctr"/>
+            <a:lstStyle/>
+            <a:p>
+              <a:pPr algn="ctr"/>
+              <a:r>
+                <a:rPr lang="en-US" dirty="0">
+                  <a:solidFill>
+                    <a:schemeClr val="tx1"/>
+                  </a:solidFill>
+                </a:rPr>
+                <a:t>HLS</a:t>
+              </a:r>
+            </a:p>
+          </p:txBody>
+        </p:sp>
+        <p:sp>
+          <p:nvSpPr>
+            <p:cNvPr id="5" name="Rectangle 4">
+              <a:extLst>
+                <a:ext uri="{FF2B5EF4-FFF2-40B4-BE49-F238E27FC236}">
+                  <a16:creationId xmlns:a16="http://schemas.microsoft.com/office/drawing/2014/main" id="{9A9B0499-584F-A1FA-AB14-6C4AA189D85F}"/>
+                </a:ext>
+              </a:extLst>
+            </p:cNvPr>
+            <p:cNvSpPr/>
+            <p:nvPr/>
+          </p:nvSpPr>
+          <p:spPr>
+            <a:xfrm>
+              <a:off x="4856086" y="630315"/>
+              <a:ext cx="1438182" cy="772357"/>
+            </a:xfrm>
+            <a:prstGeom prst="rect">
+              <a:avLst/>
+            </a:prstGeom>
+            <a:noFill/>
+            <a:ln w="28575">
+              <a:solidFill>
+                <a:schemeClr val="tx1"/>
+              </a:solidFill>
+            </a:ln>
+          </p:spPr>
+          <p:style>
+            <a:lnRef idx="2">
+              <a:schemeClr val="accent1">
+                <a:shade val="15000"/>
+              </a:schemeClr>
+            </a:lnRef>
+            <a:fillRef idx="1">
+              <a:schemeClr val="accent1"/>
+            </a:fillRef>
+            <a:effectRef idx="0">
+              <a:schemeClr val="accent1"/>
+            </a:effectRef>
+            <a:fontRef idx="minor">
+              <a:schemeClr val="lt1"/>
+            </a:fontRef>
+          </p:style>
+          <p:txBody>
+            <a:bodyPr rtlCol="0" anchor="ctr"/>
+            <a:lstStyle/>
+            <a:p>
+              <a:pPr algn="ctr"/>
+              <a:r>
+                <a:rPr lang="en-US" dirty="0">
+                  <a:solidFill>
+                    <a:schemeClr val="tx1"/>
+                  </a:solidFill>
+                </a:rPr>
+                <a:t>RTL</a:t>
+              </a:r>
+            </a:p>
+          </p:txBody>
+        </p:sp>
+        <p:sp>
+          <p:nvSpPr>
+            <p:cNvPr id="9" name="Rectangle 8">
+              <a:extLst>
+                <a:ext uri="{FF2B5EF4-FFF2-40B4-BE49-F238E27FC236}">
+                  <a16:creationId xmlns:a16="http://schemas.microsoft.com/office/drawing/2014/main" id="{98292ED6-68C0-5611-323C-FD5B2A9B62F6}"/>
+                </a:ext>
+              </a:extLst>
+            </p:cNvPr>
+            <p:cNvSpPr/>
+            <p:nvPr/>
+          </p:nvSpPr>
+          <p:spPr>
+            <a:xfrm>
+              <a:off x="2624981" y="5865957"/>
+              <a:ext cx="1438182" cy="772357"/>
+            </a:xfrm>
+            <a:prstGeom prst="rect">
+              <a:avLst/>
+            </a:prstGeom>
+            <a:noFill/>
+            <a:ln w="28575">
+              <a:solidFill>
+                <a:schemeClr val="tx1"/>
+              </a:solidFill>
+            </a:ln>
+          </p:spPr>
+          <p:style>
+            <a:lnRef idx="2">
+              <a:schemeClr val="accent1">
+                <a:shade val="15000"/>
+              </a:schemeClr>
+            </a:lnRef>
+            <a:fillRef idx="1">
+              <a:schemeClr val="accent1"/>
+            </a:fillRef>
+            <a:effectRef idx="0">
+              <a:schemeClr val="accent1"/>
+            </a:effectRef>
+            <a:fontRef idx="minor">
+              <a:schemeClr val="lt1"/>
+            </a:fontRef>
+          </p:style>
+          <p:txBody>
+            <a:bodyPr rtlCol="0" anchor="ctr"/>
+            <a:lstStyle/>
+            <a:p>
+              <a:pPr algn="ctr"/>
+              <a:r>
+                <a:rPr lang="en-US" dirty="0">
+                  <a:solidFill>
+                    <a:schemeClr val="tx1"/>
+                  </a:solidFill>
+                </a:rPr>
+                <a:t>FPGA</a:t>
+              </a:r>
+            </a:p>
+          </p:txBody>
+        </p:sp>
+        <p:sp>
+          <p:nvSpPr>
+            <p:cNvPr id="10" name="Rectangle 9">
+              <a:extLst>
+                <a:ext uri="{FF2B5EF4-FFF2-40B4-BE49-F238E27FC236}">
+                  <a16:creationId xmlns:a16="http://schemas.microsoft.com/office/drawing/2014/main" id="{7333B499-E0C3-7E83-FFDC-C371FE031757}"/>
+                </a:ext>
+              </a:extLst>
+            </p:cNvPr>
+            <p:cNvSpPr/>
+            <p:nvPr/>
+          </p:nvSpPr>
+          <p:spPr>
+            <a:xfrm>
+              <a:off x="4522270" y="5854717"/>
+              <a:ext cx="1438182" cy="772357"/>
+            </a:xfrm>
+            <a:prstGeom prst="rect">
+              <a:avLst/>
+            </a:prstGeom>
+            <a:noFill/>
+            <a:ln w="28575">
+              <a:solidFill>
+                <a:schemeClr val="tx1"/>
+              </a:solidFill>
+            </a:ln>
+          </p:spPr>
+          <p:style>
+            <a:lnRef idx="2">
+              <a:schemeClr val="accent1">
+                <a:shade val="15000"/>
+              </a:schemeClr>
+            </a:lnRef>
+            <a:fillRef idx="1">
+              <a:schemeClr val="accent1"/>
+            </a:fillRef>
+            <a:effectRef idx="0">
+              <a:schemeClr val="accent1"/>
+            </a:effectRef>
+            <a:fontRef idx="minor">
+              <a:schemeClr val="lt1"/>
+            </a:fontRef>
+          </p:style>
+          <p:txBody>
+            <a:bodyPr rtlCol="0" anchor="ctr"/>
+            <a:lstStyle/>
+            <a:p>
+              <a:pPr algn="ctr"/>
+              <a:r>
+                <a:rPr lang="en-US" dirty="0">
+                  <a:solidFill>
+                    <a:schemeClr val="tx1"/>
+                  </a:solidFill>
+                </a:rPr>
+                <a:t>ASIC</a:t>
+              </a:r>
+            </a:p>
+          </p:txBody>
+        </p:sp>
+        <p:cxnSp>
+          <p:nvCxnSpPr>
+            <p:cNvPr id="21" name="Straight Arrow Connector 20">
+              <a:extLst>
+                <a:ext uri="{FF2B5EF4-FFF2-40B4-BE49-F238E27FC236}">
+                  <a16:creationId xmlns:a16="http://schemas.microsoft.com/office/drawing/2014/main" id="{3C3F37CA-E0A3-4BB4-12CE-638E5A18C019}"/>
+                </a:ext>
+              </a:extLst>
+            </p:cNvPr>
+            <p:cNvCxnSpPr>
+              <a:cxnSpLocks/>
+              <a:stCxn id="42" idx="2"/>
+              <a:endCxn id="57" idx="0"/>
+            </p:cNvCxnSpPr>
+            <p:nvPr/>
+          </p:nvCxnSpPr>
+          <p:spPr>
+            <a:xfrm>
+              <a:off x="3489663" y="3630314"/>
+              <a:ext cx="932897" cy="270685"/>
+            </a:xfrm>
+            <a:prstGeom prst="straightConnector1">
+              <a:avLst/>
+            </a:prstGeom>
+            <a:ln w="28575">
+              <a:solidFill>
+                <a:schemeClr val="accent6"/>
+              </a:solidFill>
+              <a:tailEnd type="triangle"/>
+            </a:ln>
+          </p:spPr>
+          <p:style>
+            <a:lnRef idx="2">
+              <a:schemeClr val="accent1"/>
+            </a:lnRef>
+            <a:fillRef idx="0">
+              <a:schemeClr val="accent1"/>
+            </a:fillRef>
+            <a:effectRef idx="1">
+              <a:schemeClr val="accent1"/>
+            </a:effectRef>
+            <a:fontRef idx="minor">
+              <a:schemeClr val="tx1"/>
+            </a:fontRef>
+          </p:style>
+        </p:cxnSp>
+        <p:sp>
+          <p:nvSpPr>
+            <p:cNvPr id="24" name="Rectangle 23">
+              <a:extLst>
+                <a:ext uri="{FF2B5EF4-FFF2-40B4-BE49-F238E27FC236}">
+                  <a16:creationId xmlns:a16="http://schemas.microsoft.com/office/drawing/2014/main" id="{1FF76C45-02A1-9F0E-9FDF-00E8F47E854C}"/>
+                </a:ext>
+              </a:extLst>
+            </p:cNvPr>
+            <p:cNvSpPr/>
+            <p:nvPr/>
+          </p:nvSpPr>
+          <p:spPr>
+            <a:xfrm>
+              <a:off x="2770572" y="630315"/>
+              <a:ext cx="1438182" cy="772357"/>
+            </a:xfrm>
+            <a:prstGeom prst="rect">
+              <a:avLst/>
+            </a:prstGeom>
+            <a:noFill/>
+            <a:ln w="28575">
+              <a:solidFill>
+                <a:schemeClr val="tx1"/>
+              </a:solidFill>
+            </a:ln>
+          </p:spPr>
+          <p:style>
+            <a:lnRef idx="2">
+              <a:schemeClr val="accent1">
+                <a:shade val="15000"/>
+              </a:schemeClr>
+            </a:lnRef>
+            <a:fillRef idx="1">
+              <a:schemeClr val="accent1"/>
+            </a:fillRef>
+            <a:effectRef idx="0">
+              <a:schemeClr val="accent1"/>
+            </a:effectRef>
+            <a:fontRef idx="minor">
+              <a:schemeClr val="lt1"/>
+            </a:fontRef>
+          </p:style>
+          <p:txBody>
+            <a:bodyPr rtlCol="0" anchor="ctr"/>
+            <a:lstStyle/>
+            <a:p>
+              <a:pPr algn="ctr"/>
+              <a:r>
+                <a:rPr lang="en-US" dirty="0">
+                  <a:solidFill>
+                    <a:schemeClr val="tx1"/>
+                  </a:solidFill>
+                </a:rPr>
+                <a:t>Calyx Frontends</a:t>
+              </a:r>
+            </a:p>
+          </p:txBody>
+        </p:sp>
+        <p:sp>
+          <p:nvSpPr>
+            <p:cNvPr id="40" name="Cloud 39">
+              <a:extLst>
+                <a:ext uri="{FF2B5EF4-FFF2-40B4-BE49-F238E27FC236}">
+                  <a16:creationId xmlns:a16="http://schemas.microsoft.com/office/drawing/2014/main" id="{02B2787B-9F89-5C10-7930-FAD79AE5C04F}"/>
+                </a:ext>
+              </a:extLst>
+            </p:cNvPr>
+            <p:cNvSpPr/>
+            <p:nvPr/>
+          </p:nvSpPr>
+          <p:spPr>
+            <a:xfrm>
+              <a:off x="437612" y="1666838"/>
+              <a:ext cx="1871324" cy="914400"/>
+            </a:xfrm>
+            <a:prstGeom prst="cloud">
+              <a:avLst/>
+            </a:prstGeom>
+            <a:noFill/>
+            <a:ln w="28575">
+              <a:solidFill>
+                <a:schemeClr val="tx1"/>
+              </a:solidFill>
+            </a:ln>
+          </p:spPr>
+          <p:style>
+            <a:lnRef idx="2">
+              <a:schemeClr val="accent1">
+                <a:shade val="15000"/>
+              </a:schemeClr>
+            </a:lnRef>
+            <a:fillRef idx="1">
+              <a:schemeClr val="accent1"/>
+            </a:fillRef>
+            <a:effectRef idx="0">
+              <a:schemeClr val="accent1"/>
+            </a:effectRef>
+            <a:fontRef idx="minor">
+              <a:schemeClr val="lt1"/>
+            </a:fontRef>
+          </p:style>
+          <p:txBody>
+            <a:bodyPr rtlCol="0" anchor="ctr"/>
+            <a:lstStyle/>
+            <a:p>
+              <a:pPr algn="ctr"/>
+              <a:r>
+                <a:rPr lang="en-US" dirty="0">
+                  <a:solidFill>
+                    <a:schemeClr val="tx1"/>
+                  </a:solidFill>
+                </a:rPr>
+                <a:t>HLS Compiler</a:t>
+              </a:r>
+            </a:p>
+          </p:txBody>
+        </p:sp>
+        <p:sp>
+          <p:nvSpPr>
+            <p:cNvPr id="42" name="Rectangle 41">
+              <a:extLst>
+                <a:ext uri="{FF2B5EF4-FFF2-40B4-BE49-F238E27FC236}">
+                  <a16:creationId xmlns:a16="http://schemas.microsoft.com/office/drawing/2014/main" id="{DA8A8EED-489C-C490-13CE-1EFC387D84FD}"/>
+                </a:ext>
+              </a:extLst>
+            </p:cNvPr>
+            <p:cNvSpPr/>
+            <p:nvPr/>
+          </p:nvSpPr>
+          <p:spPr>
+            <a:xfrm>
+              <a:off x="2770572" y="3076532"/>
+              <a:ext cx="1438182" cy="553782"/>
+            </a:xfrm>
+            <a:prstGeom prst="rect">
+              <a:avLst/>
+            </a:prstGeom>
+            <a:noFill/>
+            <a:ln w="28575">
+              <a:solidFill>
+                <a:schemeClr val="tx1"/>
+              </a:solidFill>
+            </a:ln>
+          </p:spPr>
+          <p:style>
+            <a:lnRef idx="2">
+              <a:schemeClr val="accent1">
+                <a:shade val="15000"/>
+              </a:schemeClr>
+            </a:lnRef>
+            <a:fillRef idx="1">
+              <a:schemeClr val="accent1"/>
+            </a:fillRef>
+            <a:effectRef idx="0">
+              <a:schemeClr val="accent1"/>
+            </a:effectRef>
+            <a:fontRef idx="minor">
+              <a:schemeClr val="lt1"/>
+            </a:fontRef>
+          </p:style>
+          <p:txBody>
+            <a:bodyPr rtlCol="0" anchor="ctr"/>
+            <a:lstStyle/>
+            <a:p>
+              <a:pPr algn="ctr"/>
+              <a:r>
+                <a:rPr lang="en-US" dirty="0">
+                  <a:solidFill>
+                    <a:schemeClr val="tx1"/>
+                  </a:solidFill>
+                </a:rPr>
+                <a:t>Calyx</a:t>
+              </a:r>
+            </a:p>
+          </p:txBody>
+        </p:sp>
+        <p:sp>
+          <p:nvSpPr>
+            <p:cNvPr id="43" name="Cloud 42">
+              <a:extLst>
+                <a:ext uri="{FF2B5EF4-FFF2-40B4-BE49-F238E27FC236}">
+                  <a16:creationId xmlns:a16="http://schemas.microsoft.com/office/drawing/2014/main" id="{EC70B22C-F794-65AB-824C-F290C35C8FAD}"/>
+                </a:ext>
+              </a:extLst>
+            </p:cNvPr>
+            <p:cNvSpPr/>
+            <p:nvPr/>
+          </p:nvSpPr>
+          <p:spPr>
+            <a:xfrm>
+              <a:off x="2551236" y="1614556"/>
+              <a:ext cx="1871324" cy="914400"/>
+            </a:xfrm>
+            <a:prstGeom prst="cloud">
+              <a:avLst/>
+            </a:prstGeom>
+            <a:noFill/>
+            <a:ln w="28575">
+              <a:solidFill>
+                <a:schemeClr val="tx1"/>
+              </a:solidFill>
+            </a:ln>
+          </p:spPr>
+          <p:style>
+            <a:lnRef idx="2">
+              <a:schemeClr val="accent1">
+                <a:shade val="15000"/>
+              </a:schemeClr>
+            </a:lnRef>
+            <a:fillRef idx="1">
+              <a:schemeClr val="accent1"/>
+            </a:fillRef>
+            <a:effectRef idx="0">
+              <a:schemeClr val="accent1"/>
+            </a:effectRef>
+            <a:fontRef idx="minor">
+              <a:schemeClr val="lt1"/>
+            </a:fontRef>
+          </p:style>
+          <p:txBody>
+            <a:bodyPr rtlCol="0" anchor="ctr"/>
+            <a:lstStyle/>
+            <a:p>
+              <a:pPr algn="ctr"/>
+              <a:r>
+                <a:rPr lang="en-US" dirty="0">
+                  <a:solidFill>
+                    <a:schemeClr val="tx1"/>
+                  </a:solidFill>
+                </a:rPr>
+                <a:t>Custom Compiler</a:t>
+              </a:r>
+            </a:p>
+          </p:txBody>
+        </p:sp>
+        <p:cxnSp>
+          <p:nvCxnSpPr>
+            <p:cNvPr id="45" name="Straight Arrow Connector 44">
+              <a:extLst>
+                <a:ext uri="{FF2B5EF4-FFF2-40B4-BE49-F238E27FC236}">
+                  <a16:creationId xmlns:a16="http://schemas.microsoft.com/office/drawing/2014/main" id="{9B4B6759-0EE9-026A-D4CB-2A2370592453}"/>
+                </a:ext>
+              </a:extLst>
+            </p:cNvPr>
+            <p:cNvCxnSpPr>
+              <a:cxnSpLocks/>
+              <a:stCxn id="4" idx="2"/>
+              <a:endCxn id="40" idx="3"/>
+            </p:cNvCxnSpPr>
+            <p:nvPr/>
+          </p:nvCxnSpPr>
+          <p:spPr>
+            <a:xfrm flipH="1">
+              <a:off x="1373274" y="1402672"/>
+              <a:ext cx="2765" cy="316448"/>
+            </a:xfrm>
+            <a:prstGeom prst="straightConnector1">
+              <a:avLst/>
+            </a:prstGeom>
+            <a:ln w="28575">
+              <a:solidFill>
+                <a:schemeClr val="tx1"/>
+              </a:solidFill>
+              <a:tailEnd type="triangle"/>
+            </a:ln>
+          </p:spPr>
+          <p:style>
+            <a:lnRef idx="2">
+              <a:schemeClr val="accent1"/>
+            </a:lnRef>
+            <a:fillRef idx="0">
+              <a:schemeClr val="accent1"/>
+            </a:fillRef>
+            <a:effectRef idx="1">
+              <a:schemeClr val="accent1"/>
+            </a:effectRef>
+            <a:fontRef idx="minor">
+              <a:schemeClr val="tx1"/>
+            </a:fontRef>
+          </p:style>
+        </p:cxnSp>
+        <p:cxnSp>
+          <p:nvCxnSpPr>
+            <p:cNvPr id="47" name="Straight Arrow Connector 46">
+              <a:extLst>
+                <a:ext uri="{FF2B5EF4-FFF2-40B4-BE49-F238E27FC236}">
+                  <a16:creationId xmlns:a16="http://schemas.microsoft.com/office/drawing/2014/main" id="{D5802992-DF12-1D3B-6EF9-4D11CD5E9331}"/>
+                </a:ext>
+              </a:extLst>
+            </p:cNvPr>
+            <p:cNvCxnSpPr>
+              <a:stCxn id="24" idx="2"/>
+              <a:endCxn id="43" idx="3"/>
+            </p:cNvCxnSpPr>
+            <p:nvPr/>
+          </p:nvCxnSpPr>
+          <p:spPr>
+            <a:xfrm flipH="1">
+              <a:off x="3486898" y="1402672"/>
+              <a:ext cx="2765" cy="264166"/>
+            </a:xfrm>
+            <a:prstGeom prst="straightConnector1">
+              <a:avLst/>
+            </a:prstGeom>
+            <a:ln w="28575">
+              <a:solidFill>
+                <a:schemeClr val="tx1"/>
+              </a:solidFill>
+              <a:tailEnd type="triangle"/>
+            </a:ln>
+          </p:spPr>
+          <p:style>
+            <a:lnRef idx="2">
+              <a:schemeClr val="accent1"/>
+            </a:lnRef>
+            <a:fillRef idx="0">
+              <a:schemeClr val="accent1"/>
+            </a:fillRef>
+            <a:effectRef idx="1">
+              <a:schemeClr val="accent1"/>
+            </a:effectRef>
+            <a:fontRef idx="minor">
+              <a:schemeClr val="tx1"/>
+            </a:fontRef>
+          </p:style>
+        </p:cxnSp>
+        <p:sp>
+          <p:nvSpPr>
+            <p:cNvPr id="48" name="Cloud 47">
+              <a:extLst>
+                <a:ext uri="{FF2B5EF4-FFF2-40B4-BE49-F238E27FC236}">
+                  <a16:creationId xmlns:a16="http://schemas.microsoft.com/office/drawing/2014/main" id="{15E159B4-2B7A-C9FF-7704-13E2D02BC1BC}"/>
+                </a:ext>
+              </a:extLst>
+            </p:cNvPr>
+            <p:cNvSpPr/>
+            <p:nvPr/>
+          </p:nvSpPr>
+          <p:spPr>
+            <a:xfrm>
+              <a:off x="4632503" y="1614556"/>
+              <a:ext cx="1871324" cy="914400"/>
+            </a:xfrm>
+            <a:prstGeom prst="cloud">
+              <a:avLst/>
+            </a:prstGeom>
+            <a:noFill/>
+            <a:ln w="28575">
+              <a:solidFill>
+                <a:schemeClr val="tx1"/>
+              </a:solidFill>
+            </a:ln>
+          </p:spPr>
+          <p:style>
+            <a:lnRef idx="2">
+              <a:schemeClr val="accent1">
+                <a:shade val="15000"/>
+              </a:schemeClr>
+            </a:lnRef>
+            <a:fillRef idx="1">
+              <a:schemeClr val="accent1"/>
+            </a:fillRef>
+            <a:effectRef idx="0">
+              <a:schemeClr val="accent1"/>
+            </a:effectRef>
+            <a:fontRef idx="minor">
+              <a:schemeClr val="lt1"/>
+            </a:fontRef>
+          </p:style>
+          <p:txBody>
+            <a:bodyPr rtlCol="0" anchor="ctr"/>
+            <a:lstStyle/>
+            <a:p>
+              <a:pPr algn="ctr"/>
+              <a:r>
+                <a:rPr lang="en-US" dirty="0">
+                  <a:solidFill>
+                    <a:schemeClr val="tx1"/>
+                  </a:solidFill>
+                </a:rPr>
+                <a:t>RTL Compiler</a:t>
+              </a:r>
+            </a:p>
+          </p:txBody>
+        </p:sp>
+        <p:cxnSp>
+          <p:nvCxnSpPr>
+            <p:cNvPr id="51" name="Straight Arrow Connector 50">
+              <a:extLst>
+                <a:ext uri="{FF2B5EF4-FFF2-40B4-BE49-F238E27FC236}">
+                  <a16:creationId xmlns:a16="http://schemas.microsoft.com/office/drawing/2014/main" id="{DEFABCC4-474E-FA9A-14DE-EC54550565F9}"/>
+                </a:ext>
+              </a:extLst>
+            </p:cNvPr>
+            <p:cNvCxnSpPr>
+              <a:cxnSpLocks/>
+              <a:stCxn id="43" idx="1"/>
+              <a:endCxn id="42" idx="0"/>
+            </p:cNvCxnSpPr>
+            <p:nvPr/>
+          </p:nvCxnSpPr>
+          <p:spPr>
+            <a:xfrm>
+              <a:off x="3486898" y="2527982"/>
+              <a:ext cx="2765" cy="548550"/>
+            </a:xfrm>
+            <a:prstGeom prst="straightConnector1">
+              <a:avLst/>
+            </a:prstGeom>
+            <a:ln w="28575">
+              <a:solidFill>
+                <a:schemeClr val="accent6"/>
+              </a:solidFill>
+              <a:tailEnd type="triangle"/>
+            </a:ln>
+          </p:spPr>
+          <p:style>
+            <a:lnRef idx="2">
+              <a:schemeClr val="accent1"/>
+            </a:lnRef>
+            <a:fillRef idx="0">
+              <a:schemeClr val="accent1"/>
+            </a:fillRef>
+            <a:effectRef idx="1">
+              <a:schemeClr val="accent1"/>
+            </a:effectRef>
+            <a:fontRef idx="minor">
+              <a:schemeClr val="tx1"/>
+            </a:fontRef>
+          </p:style>
+        </p:cxnSp>
+        <p:sp>
+          <p:nvSpPr>
+            <p:cNvPr id="57" name="Rectangle 56">
+              <a:extLst>
+                <a:ext uri="{FF2B5EF4-FFF2-40B4-BE49-F238E27FC236}">
+                  <a16:creationId xmlns:a16="http://schemas.microsoft.com/office/drawing/2014/main" id="{11AA0166-1234-BC9C-5FFC-8DE4A95EB365}"/>
+                </a:ext>
+              </a:extLst>
+            </p:cNvPr>
+            <p:cNvSpPr/>
+            <p:nvPr/>
+          </p:nvSpPr>
+          <p:spPr>
+            <a:xfrm>
+              <a:off x="3703469" y="3900999"/>
+              <a:ext cx="1438182" cy="553782"/>
+            </a:xfrm>
+            <a:prstGeom prst="rect">
+              <a:avLst/>
+            </a:prstGeom>
+            <a:noFill/>
+            <a:ln w="28575">
+              <a:solidFill>
+                <a:schemeClr val="tx1"/>
+              </a:solidFill>
+            </a:ln>
+          </p:spPr>
+          <p:style>
+            <a:lnRef idx="2">
+              <a:schemeClr val="accent1">
+                <a:shade val="15000"/>
+              </a:schemeClr>
+            </a:lnRef>
+            <a:fillRef idx="1">
+              <a:schemeClr val="accent1"/>
+            </a:fillRef>
+            <a:effectRef idx="0">
+              <a:schemeClr val="accent1"/>
+            </a:effectRef>
+            <a:fontRef idx="minor">
+              <a:schemeClr val="lt1"/>
+            </a:fontRef>
+          </p:style>
+          <p:txBody>
+            <a:bodyPr rtlCol="0" anchor="ctr"/>
+            <a:lstStyle/>
+            <a:p>
+              <a:pPr algn="ctr"/>
+              <a:r>
+                <a:rPr lang="en-US" dirty="0">
+                  <a:solidFill>
+                    <a:schemeClr val="tx1"/>
+                  </a:solidFill>
+                </a:rPr>
+                <a:t>RTL IR</a:t>
+              </a:r>
+            </a:p>
+          </p:txBody>
+        </p:sp>
+        <p:cxnSp>
+          <p:nvCxnSpPr>
+            <p:cNvPr id="80" name="Straight Arrow Connector 79">
+              <a:extLst>
+                <a:ext uri="{FF2B5EF4-FFF2-40B4-BE49-F238E27FC236}">
+                  <a16:creationId xmlns:a16="http://schemas.microsoft.com/office/drawing/2014/main" id="{6A2254EC-34CE-CCF8-DEF8-8D1843C50CF2}"/>
+                </a:ext>
+              </a:extLst>
+            </p:cNvPr>
+            <p:cNvCxnSpPr>
+              <a:cxnSpLocks/>
+              <a:stCxn id="48" idx="1"/>
+              <a:endCxn id="57" idx="0"/>
+            </p:cNvCxnSpPr>
+            <p:nvPr/>
+          </p:nvCxnSpPr>
+          <p:spPr>
+            <a:xfrm flipH="1">
+              <a:off x="4422560" y="2527982"/>
+              <a:ext cx="1145605" cy="1373017"/>
+            </a:xfrm>
+            <a:prstGeom prst="straightConnector1">
+              <a:avLst/>
+            </a:prstGeom>
+            <a:ln w="28575">
+              <a:solidFill>
+                <a:srgbClr val="C00000"/>
+              </a:solidFill>
+              <a:tailEnd type="triangle"/>
+            </a:ln>
+          </p:spPr>
+          <p:style>
+            <a:lnRef idx="2">
+              <a:schemeClr val="accent1"/>
+            </a:lnRef>
+            <a:fillRef idx="0">
+              <a:schemeClr val="accent1"/>
+            </a:fillRef>
+            <a:effectRef idx="1">
+              <a:schemeClr val="accent1"/>
+            </a:effectRef>
+            <a:fontRef idx="minor">
+              <a:schemeClr val="tx1"/>
+            </a:fontRef>
+          </p:style>
+        </p:cxnSp>
+        <p:cxnSp>
+          <p:nvCxnSpPr>
+            <p:cNvPr id="92" name="Straight Arrow Connector 91">
+              <a:extLst>
+                <a:ext uri="{FF2B5EF4-FFF2-40B4-BE49-F238E27FC236}">
+                  <a16:creationId xmlns:a16="http://schemas.microsoft.com/office/drawing/2014/main" id="{BBEC2600-59BA-E0E9-4B61-962D58ADBB72}"/>
+                </a:ext>
+              </a:extLst>
+            </p:cNvPr>
+            <p:cNvCxnSpPr>
+              <a:stCxn id="40" idx="1"/>
+              <a:endCxn id="42" idx="0"/>
+            </p:cNvCxnSpPr>
+            <p:nvPr/>
+          </p:nvCxnSpPr>
+          <p:spPr>
+            <a:xfrm>
+              <a:off x="1373274" y="2580264"/>
+              <a:ext cx="2116389" cy="496268"/>
+            </a:xfrm>
+            <a:prstGeom prst="straightConnector1">
+              <a:avLst/>
+            </a:prstGeom>
+            <a:ln w="28575">
+              <a:solidFill>
+                <a:schemeClr val="tx2">
+                  <a:lumMod val="50000"/>
+                  <a:lumOff val="50000"/>
+                </a:schemeClr>
+              </a:solidFill>
+              <a:tailEnd type="triangle"/>
+            </a:ln>
+          </p:spPr>
+          <p:style>
+            <a:lnRef idx="2">
+              <a:schemeClr val="accent1"/>
+            </a:lnRef>
+            <a:fillRef idx="0">
+              <a:schemeClr val="accent1"/>
+            </a:fillRef>
+            <a:effectRef idx="1">
+              <a:schemeClr val="accent1"/>
+            </a:effectRef>
+            <a:fontRef idx="minor">
+              <a:schemeClr val="tx1"/>
+            </a:fontRef>
+          </p:style>
+        </p:cxnSp>
+        <p:cxnSp>
+          <p:nvCxnSpPr>
+            <p:cNvPr id="94" name="Straight Arrow Connector 93">
+              <a:extLst>
+                <a:ext uri="{FF2B5EF4-FFF2-40B4-BE49-F238E27FC236}">
+                  <a16:creationId xmlns:a16="http://schemas.microsoft.com/office/drawing/2014/main" id="{2454D93E-578F-CA4F-A9B9-E9BBAC2E1F57}"/>
+                </a:ext>
+              </a:extLst>
+            </p:cNvPr>
+            <p:cNvCxnSpPr>
+              <a:cxnSpLocks/>
+              <a:stCxn id="5" idx="2"/>
+              <a:endCxn id="48" idx="3"/>
+            </p:cNvCxnSpPr>
+            <p:nvPr/>
+          </p:nvCxnSpPr>
+          <p:spPr>
+            <a:xfrm flipH="1">
+              <a:off x="5568165" y="1402672"/>
+              <a:ext cx="7012" cy="264166"/>
+            </a:xfrm>
+            <a:prstGeom prst="straightConnector1">
+              <a:avLst/>
+            </a:prstGeom>
+            <a:ln w="28575">
+              <a:solidFill>
+                <a:schemeClr val="tx1"/>
+              </a:solidFill>
+              <a:tailEnd type="triangle"/>
+            </a:ln>
+          </p:spPr>
+          <p:style>
+            <a:lnRef idx="2">
+              <a:schemeClr val="accent1"/>
+            </a:lnRef>
+            <a:fillRef idx="0">
+              <a:schemeClr val="accent1"/>
+            </a:fillRef>
+            <a:effectRef idx="1">
+              <a:schemeClr val="accent1"/>
+            </a:effectRef>
+            <a:fontRef idx="minor">
+              <a:schemeClr val="tx1"/>
+            </a:fontRef>
+          </p:style>
+        </p:cxnSp>
+        <p:sp>
+          <p:nvSpPr>
+            <p:cNvPr id="2" name="Rectangle 1">
+              <a:extLst>
+                <a:ext uri="{FF2B5EF4-FFF2-40B4-BE49-F238E27FC236}">
+                  <a16:creationId xmlns:a16="http://schemas.microsoft.com/office/drawing/2014/main" id="{F64ED7CB-0FB5-AD95-16E0-FF4D0DB48C95}"/>
+                </a:ext>
+              </a:extLst>
+            </p:cNvPr>
+            <p:cNvSpPr/>
+            <p:nvPr/>
+          </p:nvSpPr>
+          <p:spPr>
+            <a:xfrm>
+              <a:off x="654183" y="5878715"/>
+              <a:ext cx="1438182" cy="772357"/>
+            </a:xfrm>
+            <a:prstGeom prst="rect">
+              <a:avLst/>
+            </a:prstGeom>
+            <a:noFill/>
+            <a:ln w="28575">
+              <a:solidFill>
+                <a:schemeClr val="tx1"/>
+              </a:solidFill>
+            </a:ln>
+          </p:spPr>
+          <p:style>
+            <a:lnRef idx="2">
+              <a:schemeClr val="accent1">
+                <a:shade val="15000"/>
+              </a:schemeClr>
+            </a:lnRef>
+            <a:fillRef idx="1">
+              <a:schemeClr val="accent1"/>
+            </a:fillRef>
+            <a:effectRef idx="0">
+              <a:schemeClr val="accent1"/>
+            </a:effectRef>
+            <a:fontRef idx="minor">
+              <a:schemeClr val="lt1"/>
+            </a:fontRef>
+          </p:style>
+          <p:txBody>
+            <a:bodyPr rtlCol="0" anchor="ctr"/>
+            <a:lstStyle/>
+            <a:p>
+              <a:pPr algn="ctr"/>
+              <a:r>
+                <a:rPr lang="en-US" dirty="0" err="1">
+                  <a:solidFill>
+                    <a:schemeClr val="tx1"/>
+                  </a:solidFill>
+                </a:rPr>
+                <a:t>Verilator</a:t>
+              </a:r>
+              <a:endParaRPr lang="en-US" dirty="0">
+                <a:solidFill>
+                  <a:schemeClr val="tx1"/>
+                </a:solidFill>
+              </a:endParaRPr>
+            </a:p>
+          </p:txBody>
+        </p:sp>
+        <p:sp>
+          <p:nvSpPr>
+            <p:cNvPr id="3" name="Rectangle 2">
+              <a:extLst>
+                <a:ext uri="{FF2B5EF4-FFF2-40B4-BE49-F238E27FC236}">
+                  <a16:creationId xmlns:a16="http://schemas.microsoft.com/office/drawing/2014/main" id="{2C5C1297-C967-0C59-0B66-3C1B437904EB}"/>
+                </a:ext>
+              </a:extLst>
+            </p:cNvPr>
+            <p:cNvSpPr/>
+            <p:nvPr/>
+          </p:nvSpPr>
+          <p:spPr>
+            <a:xfrm>
+              <a:off x="654183" y="4914271"/>
+              <a:ext cx="1438182" cy="553782"/>
+            </a:xfrm>
+            <a:prstGeom prst="rect">
+              <a:avLst/>
+            </a:prstGeom>
+            <a:noFill/>
+            <a:ln w="28575">
+              <a:solidFill>
+                <a:schemeClr val="tx1"/>
+              </a:solidFill>
+            </a:ln>
+          </p:spPr>
+          <p:style>
+            <a:lnRef idx="2">
+              <a:schemeClr val="accent1">
+                <a:shade val="15000"/>
+              </a:schemeClr>
+            </a:lnRef>
+            <a:fillRef idx="1">
+              <a:schemeClr val="accent1"/>
+            </a:fillRef>
+            <a:effectRef idx="0">
+              <a:schemeClr val="accent1"/>
+            </a:effectRef>
+            <a:fontRef idx="minor">
+              <a:schemeClr val="lt1"/>
+            </a:fontRef>
+          </p:style>
+          <p:txBody>
+            <a:bodyPr rtlCol="0" anchor="ctr"/>
+            <a:lstStyle/>
+            <a:p>
+              <a:pPr algn="ctr"/>
+              <a:r>
+                <a:rPr lang="en-US" sz="1600" dirty="0">
+                  <a:solidFill>
+                    <a:schemeClr val="tx1"/>
+                  </a:solidFill>
+                </a:rPr>
+                <a:t>Discrete</a:t>
+              </a:r>
+            </a:p>
+            <a:p>
+              <a:pPr algn="ctr"/>
+              <a:r>
+                <a:rPr lang="en-US" sz="1600" dirty="0">
+                  <a:solidFill>
+                    <a:schemeClr val="tx1"/>
+                  </a:solidFill>
+                </a:rPr>
+                <a:t>Event Model</a:t>
+              </a:r>
+            </a:p>
+          </p:txBody>
+        </p:sp>
+        <p:cxnSp>
+          <p:nvCxnSpPr>
+            <p:cNvPr id="6" name="Straight Arrow Connector 5">
+              <a:extLst>
+                <a:ext uri="{FF2B5EF4-FFF2-40B4-BE49-F238E27FC236}">
+                  <a16:creationId xmlns:a16="http://schemas.microsoft.com/office/drawing/2014/main" id="{FD9CD302-8194-65B8-8FF3-03F6CEAC2A42}"/>
+                </a:ext>
+              </a:extLst>
+            </p:cNvPr>
+            <p:cNvCxnSpPr>
+              <a:cxnSpLocks/>
+              <a:endCxn id="3" idx="0"/>
+            </p:cNvCxnSpPr>
+            <p:nvPr/>
+          </p:nvCxnSpPr>
+          <p:spPr>
+            <a:xfrm flipH="1">
+              <a:off x="1373274" y="4454781"/>
+              <a:ext cx="3049286" cy="459490"/>
+            </a:xfrm>
+            <a:prstGeom prst="straightConnector1">
+              <a:avLst/>
+            </a:prstGeom>
+            <a:ln w="28575">
+              <a:solidFill>
+                <a:srgbClr val="C00000"/>
+              </a:solidFill>
+              <a:tailEnd type="triangle"/>
+            </a:ln>
+          </p:spPr>
+          <p:style>
+            <a:lnRef idx="2">
+              <a:schemeClr val="accent1"/>
+            </a:lnRef>
+            <a:fillRef idx="0">
+              <a:schemeClr val="accent1"/>
+            </a:fillRef>
+            <a:effectRef idx="1">
+              <a:schemeClr val="accent1"/>
+            </a:effectRef>
+            <a:fontRef idx="minor">
+              <a:schemeClr val="tx1"/>
+            </a:fontRef>
+          </p:style>
+        </p:cxnSp>
+        <p:cxnSp>
+          <p:nvCxnSpPr>
+            <p:cNvPr id="7" name="Straight Arrow Connector 6">
+              <a:extLst>
+                <a:ext uri="{FF2B5EF4-FFF2-40B4-BE49-F238E27FC236}">
+                  <a16:creationId xmlns:a16="http://schemas.microsoft.com/office/drawing/2014/main" id="{32653E6D-2739-E97E-D032-A940CD877F07}"/>
+                </a:ext>
+              </a:extLst>
+            </p:cNvPr>
+            <p:cNvCxnSpPr>
+              <a:cxnSpLocks/>
+              <a:endCxn id="3" idx="0"/>
+            </p:cNvCxnSpPr>
+            <p:nvPr/>
+          </p:nvCxnSpPr>
+          <p:spPr>
+            <a:xfrm>
+              <a:off x="1373274" y="2580264"/>
+              <a:ext cx="0" cy="2334007"/>
+            </a:xfrm>
+            <a:prstGeom prst="straightConnector1">
+              <a:avLst/>
+            </a:prstGeom>
+            <a:ln w="28575">
+              <a:solidFill>
+                <a:schemeClr val="tx2">
+                  <a:lumMod val="50000"/>
+                  <a:lumOff val="50000"/>
+                </a:schemeClr>
+              </a:solidFill>
+              <a:tailEnd type="triangle"/>
+            </a:ln>
+          </p:spPr>
+          <p:style>
+            <a:lnRef idx="2">
+              <a:schemeClr val="accent1"/>
+            </a:lnRef>
+            <a:fillRef idx="0">
+              <a:schemeClr val="accent1"/>
+            </a:fillRef>
+            <a:effectRef idx="1">
+              <a:schemeClr val="accent1"/>
+            </a:effectRef>
+            <a:fontRef idx="minor">
+              <a:schemeClr val="tx1"/>
+            </a:fontRef>
+          </p:style>
+        </p:cxnSp>
+        <p:cxnSp>
+          <p:nvCxnSpPr>
+            <p:cNvPr id="8" name="Straight Arrow Connector 7">
+              <a:extLst>
+                <a:ext uri="{FF2B5EF4-FFF2-40B4-BE49-F238E27FC236}">
+                  <a16:creationId xmlns:a16="http://schemas.microsoft.com/office/drawing/2014/main" id="{EDE079CD-B401-ED2F-0111-CD2429585207}"/>
+                </a:ext>
+              </a:extLst>
+            </p:cNvPr>
+            <p:cNvCxnSpPr>
+              <a:cxnSpLocks/>
+              <a:stCxn id="3" idx="2"/>
+              <a:endCxn id="2" idx="0"/>
+            </p:cNvCxnSpPr>
+            <p:nvPr/>
+          </p:nvCxnSpPr>
+          <p:spPr>
+            <a:xfrm>
+              <a:off x="1373274" y="5468053"/>
+              <a:ext cx="0" cy="410662"/>
+            </a:xfrm>
+            <a:prstGeom prst="straightConnector1">
+              <a:avLst/>
+            </a:prstGeom>
+            <a:ln w="28575">
+              <a:solidFill>
+                <a:schemeClr val="tx1"/>
+              </a:solidFill>
+              <a:tailEnd type="triangle"/>
+            </a:ln>
+          </p:spPr>
+          <p:style>
+            <a:lnRef idx="2">
+              <a:schemeClr val="accent1"/>
+            </a:lnRef>
+            <a:fillRef idx="0">
+              <a:schemeClr val="accent1"/>
+            </a:fillRef>
+            <a:effectRef idx="1">
+              <a:schemeClr val="accent1"/>
+            </a:effectRef>
+            <a:fontRef idx="minor">
+              <a:schemeClr val="tx1"/>
+            </a:fontRef>
+          </p:style>
+        </p:cxnSp>
+        <p:cxnSp>
+          <p:nvCxnSpPr>
+            <p:cNvPr id="11" name="Straight Arrow Connector 10">
+              <a:extLst>
+                <a:ext uri="{FF2B5EF4-FFF2-40B4-BE49-F238E27FC236}">
+                  <a16:creationId xmlns:a16="http://schemas.microsoft.com/office/drawing/2014/main" id="{B399340A-230B-9FD2-BDC1-00A4EC430460}"/>
+                </a:ext>
+              </a:extLst>
+            </p:cNvPr>
+            <p:cNvCxnSpPr>
+              <a:cxnSpLocks/>
+              <a:endCxn id="3" idx="0"/>
+            </p:cNvCxnSpPr>
+            <p:nvPr/>
+          </p:nvCxnSpPr>
+          <p:spPr>
+            <a:xfrm flipH="1">
+              <a:off x="1373274" y="3630314"/>
+              <a:ext cx="2116389" cy="1283957"/>
+            </a:xfrm>
+            <a:prstGeom prst="straightConnector1">
+              <a:avLst/>
+            </a:prstGeom>
+            <a:ln w="28575">
+              <a:solidFill>
+                <a:schemeClr val="accent6"/>
+              </a:solidFill>
+              <a:tailEnd type="triangle"/>
+            </a:ln>
+          </p:spPr>
+          <p:style>
+            <a:lnRef idx="2">
+              <a:schemeClr val="accent1"/>
+            </a:lnRef>
+            <a:fillRef idx="0">
+              <a:schemeClr val="accent1"/>
+            </a:fillRef>
+            <a:effectRef idx="1">
+              <a:schemeClr val="accent1"/>
+            </a:effectRef>
+            <a:fontRef idx="minor">
+              <a:schemeClr val="tx1"/>
+            </a:fontRef>
+          </p:style>
+        </p:cxnSp>
+        <p:sp>
+          <p:nvSpPr>
+            <p:cNvPr id="17" name="Rectangle 16">
+              <a:extLst>
+                <a:ext uri="{FF2B5EF4-FFF2-40B4-BE49-F238E27FC236}">
+                  <a16:creationId xmlns:a16="http://schemas.microsoft.com/office/drawing/2014/main" id="{CC92E424-2B6B-C0A8-0365-C712653180ED}"/>
+                </a:ext>
+              </a:extLst>
+            </p:cNvPr>
+            <p:cNvSpPr/>
+            <p:nvPr/>
+          </p:nvSpPr>
+          <p:spPr>
+            <a:xfrm>
+              <a:off x="2624981" y="4914271"/>
+              <a:ext cx="1438182" cy="553782"/>
+            </a:xfrm>
+            <a:prstGeom prst="rect">
+              <a:avLst/>
+            </a:prstGeom>
+            <a:noFill/>
+            <a:ln w="28575">
+              <a:solidFill>
+                <a:schemeClr val="tx1"/>
+              </a:solidFill>
+            </a:ln>
+          </p:spPr>
+          <p:style>
+            <a:lnRef idx="2">
+              <a:schemeClr val="accent1">
+                <a:shade val="15000"/>
+              </a:schemeClr>
+            </a:lnRef>
+            <a:fillRef idx="1">
+              <a:schemeClr val="accent1"/>
+            </a:fillRef>
+            <a:effectRef idx="0">
+              <a:schemeClr val="accent1"/>
+            </a:effectRef>
+            <a:fontRef idx="minor">
+              <a:schemeClr val="lt1"/>
+            </a:fontRef>
+          </p:style>
+          <p:txBody>
+            <a:bodyPr rtlCol="0" anchor="ctr"/>
+            <a:lstStyle/>
+            <a:p>
+              <a:pPr algn="ctr"/>
+              <a:r>
+                <a:rPr lang="en-US" sz="1600" dirty="0">
+                  <a:solidFill>
+                    <a:schemeClr val="tx1"/>
+                  </a:solidFill>
+                </a:rPr>
+                <a:t>FPGA flow</a:t>
+              </a:r>
+            </a:p>
+          </p:txBody>
+        </p:sp>
+        <p:sp>
+          <p:nvSpPr>
+            <p:cNvPr id="19" name="Rectangle 18">
+              <a:extLst>
+                <a:ext uri="{FF2B5EF4-FFF2-40B4-BE49-F238E27FC236}">
+                  <a16:creationId xmlns:a16="http://schemas.microsoft.com/office/drawing/2014/main" id="{6E74D300-0D15-5451-27F8-5A4333435CB1}"/>
+                </a:ext>
+              </a:extLst>
+            </p:cNvPr>
+            <p:cNvSpPr/>
+            <p:nvPr/>
+          </p:nvSpPr>
+          <p:spPr>
+            <a:xfrm>
+              <a:off x="4522270" y="4910541"/>
+              <a:ext cx="1438182" cy="553782"/>
+            </a:xfrm>
+            <a:prstGeom prst="rect">
+              <a:avLst/>
+            </a:prstGeom>
+            <a:noFill/>
+            <a:ln w="28575">
+              <a:solidFill>
+                <a:schemeClr val="tx1"/>
+              </a:solidFill>
+            </a:ln>
+          </p:spPr>
+          <p:style>
+            <a:lnRef idx="2">
+              <a:schemeClr val="accent1">
+                <a:shade val="15000"/>
+              </a:schemeClr>
+            </a:lnRef>
+            <a:fillRef idx="1">
+              <a:schemeClr val="accent1"/>
+            </a:fillRef>
+            <a:effectRef idx="0">
+              <a:schemeClr val="accent1"/>
+            </a:effectRef>
+            <a:fontRef idx="minor">
+              <a:schemeClr val="lt1"/>
+            </a:fontRef>
+          </p:style>
+          <p:txBody>
+            <a:bodyPr rtlCol="0" anchor="ctr"/>
+            <a:lstStyle/>
+            <a:p>
+              <a:pPr algn="ctr"/>
+              <a:r>
+                <a:rPr lang="en-US" sz="1600" dirty="0">
+                  <a:solidFill>
+                    <a:schemeClr val="tx1"/>
+                  </a:solidFill>
+                </a:rPr>
+                <a:t>VLSI flow</a:t>
+              </a:r>
+            </a:p>
+          </p:txBody>
+        </p:sp>
+        <p:cxnSp>
+          <p:nvCxnSpPr>
+            <p:cNvPr id="20" name="Straight Arrow Connector 19">
+              <a:extLst>
+                <a:ext uri="{FF2B5EF4-FFF2-40B4-BE49-F238E27FC236}">
+                  <a16:creationId xmlns:a16="http://schemas.microsoft.com/office/drawing/2014/main" id="{0CFFB26D-9E54-D558-87FD-A66B2910B303}"/>
+                </a:ext>
+              </a:extLst>
+            </p:cNvPr>
+            <p:cNvCxnSpPr>
+              <a:cxnSpLocks/>
+              <a:stCxn id="57" idx="2"/>
+              <a:endCxn id="17" idx="0"/>
+            </p:cNvCxnSpPr>
+            <p:nvPr/>
+          </p:nvCxnSpPr>
+          <p:spPr>
+            <a:xfrm flipH="1">
+              <a:off x="3344072" y="4454781"/>
+              <a:ext cx="1078488" cy="459490"/>
+            </a:xfrm>
+            <a:prstGeom prst="straightConnector1">
+              <a:avLst/>
+            </a:prstGeom>
+            <a:ln w="28575">
+              <a:solidFill>
+                <a:srgbClr val="C00000"/>
+              </a:solidFill>
+              <a:tailEnd type="triangle"/>
+            </a:ln>
+          </p:spPr>
+          <p:style>
+            <a:lnRef idx="2">
+              <a:schemeClr val="accent1"/>
+            </a:lnRef>
+            <a:fillRef idx="0">
+              <a:schemeClr val="accent1"/>
+            </a:fillRef>
+            <a:effectRef idx="1">
+              <a:schemeClr val="accent1"/>
+            </a:effectRef>
+            <a:fontRef idx="minor">
+              <a:schemeClr val="tx1"/>
+            </a:fontRef>
+          </p:style>
+        </p:cxnSp>
+        <p:cxnSp>
+          <p:nvCxnSpPr>
+            <p:cNvPr id="25" name="Straight Arrow Connector 24">
+              <a:extLst>
+                <a:ext uri="{FF2B5EF4-FFF2-40B4-BE49-F238E27FC236}">
+                  <a16:creationId xmlns:a16="http://schemas.microsoft.com/office/drawing/2014/main" id="{0DDB472A-67F1-C8E6-B705-4E2D707A49AD}"/>
+                </a:ext>
+              </a:extLst>
+            </p:cNvPr>
+            <p:cNvCxnSpPr>
+              <a:cxnSpLocks/>
+              <a:stCxn id="57" idx="2"/>
+              <a:endCxn id="19" idx="0"/>
+            </p:cNvCxnSpPr>
+            <p:nvPr/>
+          </p:nvCxnSpPr>
+          <p:spPr>
+            <a:xfrm>
+              <a:off x="4422560" y="4454781"/>
+              <a:ext cx="818801" cy="455760"/>
+            </a:xfrm>
+            <a:prstGeom prst="straightConnector1">
+              <a:avLst/>
+            </a:prstGeom>
+            <a:ln w="28575">
+              <a:solidFill>
+                <a:srgbClr val="C00000"/>
+              </a:solidFill>
+              <a:tailEnd type="triangle"/>
+            </a:ln>
+          </p:spPr>
+          <p:style>
+            <a:lnRef idx="2">
+              <a:schemeClr val="accent1"/>
+            </a:lnRef>
+            <a:fillRef idx="0">
+              <a:schemeClr val="accent1"/>
+            </a:fillRef>
+            <a:effectRef idx="1">
+              <a:schemeClr val="accent1"/>
+            </a:effectRef>
+            <a:fontRef idx="minor">
+              <a:schemeClr val="tx1"/>
+            </a:fontRef>
+          </p:style>
+        </p:cxnSp>
+        <p:cxnSp>
+          <p:nvCxnSpPr>
+            <p:cNvPr id="28" name="Straight Arrow Connector 27">
+              <a:extLst>
+                <a:ext uri="{FF2B5EF4-FFF2-40B4-BE49-F238E27FC236}">
+                  <a16:creationId xmlns:a16="http://schemas.microsoft.com/office/drawing/2014/main" id="{1143BDE5-6008-B624-335E-A1B0492C1753}"/>
+                </a:ext>
+              </a:extLst>
+            </p:cNvPr>
+            <p:cNvCxnSpPr>
+              <a:cxnSpLocks/>
+              <a:stCxn id="17" idx="2"/>
+              <a:endCxn id="9" idx="0"/>
+            </p:cNvCxnSpPr>
+            <p:nvPr/>
+          </p:nvCxnSpPr>
+          <p:spPr>
+            <a:xfrm>
+              <a:off x="3344072" y="5468053"/>
+              <a:ext cx="0" cy="397904"/>
+            </a:xfrm>
+            <a:prstGeom prst="straightConnector1">
+              <a:avLst/>
+            </a:prstGeom>
+            <a:ln w="28575">
+              <a:solidFill>
+                <a:schemeClr val="tx1"/>
+              </a:solidFill>
+              <a:tailEnd type="triangle"/>
+            </a:ln>
+          </p:spPr>
+          <p:style>
+            <a:lnRef idx="2">
+              <a:schemeClr val="accent1"/>
+            </a:lnRef>
+            <a:fillRef idx="0">
+              <a:schemeClr val="accent1"/>
+            </a:fillRef>
+            <a:effectRef idx="1">
+              <a:schemeClr val="accent1"/>
+            </a:effectRef>
+            <a:fontRef idx="minor">
+              <a:schemeClr val="tx1"/>
+            </a:fontRef>
+          </p:style>
+        </p:cxnSp>
+        <p:cxnSp>
+          <p:nvCxnSpPr>
+            <p:cNvPr id="32" name="Straight Arrow Connector 31">
+              <a:extLst>
+                <a:ext uri="{FF2B5EF4-FFF2-40B4-BE49-F238E27FC236}">
+                  <a16:creationId xmlns:a16="http://schemas.microsoft.com/office/drawing/2014/main" id="{DCC1F7DC-BDD6-22E6-297D-D1B31AD7112E}"/>
+                </a:ext>
+              </a:extLst>
+            </p:cNvPr>
+            <p:cNvCxnSpPr>
+              <a:cxnSpLocks/>
+              <a:stCxn id="19" idx="2"/>
+              <a:endCxn id="10" idx="0"/>
+            </p:cNvCxnSpPr>
+            <p:nvPr/>
+          </p:nvCxnSpPr>
+          <p:spPr>
+            <a:xfrm>
+              <a:off x="5241361" y="5464323"/>
+              <a:ext cx="0" cy="390394"/>
+            </a:xfrm>
+            <a:prstGeom prst="straightConnector1">
+              <a:avLst/>
+            </a:prstGeom>
+            <a:ln w="28575">
+              <a:solidFill>
+                <a:schemeClr val="tx1"/>
+              </a:solidFill>
+              <a:tailEnd type="triangle"/>
+            </a:ln>
+          </p:spPr>
+          <p:style>
+            <a:lnRef idx="2">
+              <a:schemeClr val="accent1"/>
+            </a:lnRef>
+            <a:fillRef idx="0">
+              <a:schemeClr val="accent1"/>
+            </a:fillRef>
+            <a:effectRef idx="1">
+              <a:schemeClr val="accent1"/>
+            </a:effectRef>
+            <a:fontRef idx="minor">
+              <a:schemeClr val="tx1"/>
+            </a:fontRef>
+          </p:style>
+        </p:cxnSp>
+      </p:grpSp>
+    </p:spTree>
+    <p:extLst>
+      <p:ext uri="{BB962C8B-B14F-4D97-AF65-F5344CB8AC3E}">
+        <p14:creationId xmlns:p14="http://schemas.microsoft.com/office/powerpoint/2010/main" val="2040106939"/>
+      </p:ext>
+    </p:extLst>
+  </p:cSld>
+  <p:clrMapOvr>
+    <a:masterClrMapping/>
+  </p:clrMapOvr>
+</p:sld>
+</file>
+
+<file path=ppt/slides/slide11.xml><?xml version="1.0" encoding="utf-8"?>
+<p:sld xmlns:a="http://schemas.openxmlformats.org/drawingml/2006/main" xmlns:r="http://schemas.openxmlformats.org/officeDocument/2006/relationships" xmlns:p="http://schemas.openxmlformats.org/presentationml/2006/main">
+  <p:cSld>
+    <p:spTree>
+      <p:nvGrpSpPr>
+        <p:cNvPr id="1" name=""/>
+        <p:cNvGrpSpPr/>
+        <p:nvPr/>
+      </p:nvGrpSpPr>
+      <p:grpSpPr>
+        <a:xfrm>
+          <a:off x="0" y="0"/>
+          <a:ext cx="0" cy="0"/>
+          <a:chOff x="0" y="0"/>
+          <a:chExt cx="0" cy="0"/>
+        </a:xfrm>
+      </p:grpSpPr>
+      <p:grpSp>
+        <p:nvGrpSpPr>
+          <p:cNvPr id="35" name="Group 34">
+            <a:extLst>
+              <a:ext uri="{FF2B5EF4-FFF2-40B4-BE49-F238E27FC236}">
+                <a16:creationId xmlns:a16="http://schemas.microsoft.com/office/drawing/2014/main" id="{444043CC-3CA6-3B12-E9B7-A8AFC33F8FFF}"/>
+              </a:ext>
+            </a:extLst>
+          </p:cNvPr>
+          <p:cNvGrpSpPr/>
+          <p:nvPr/>
+        </p:nvGrpSpPr>
+        <p:grpSpPr>
+          <a:xfrm>
+            <a:off x="437612" y="630315"/>
+            <a:ext cx="6066215" cy="6020757"/>
+            <a:chOff x="437612" y="630315"/>
+            <a:chExt cx="6066215" cy="6020757"/>
+          </a:xfrm>
+        </p:grpSpPr>
+        <p:sp>
+          <p:nvSpPr>
+            <p:cNvPr id="4" name="Rectangle 3">
+              <a:extLst>
+                <a:ext uri="{FF2B5EF4-FFF2-40B4-BE49-F238E27FC236}">
+                  <a16:creationId xmlns:a16="http://schemas.microsoft.com/office/drawing/2014/main" id="{D45A32CF-A80A-7D25-AF86-5957EC179048}"/>
+                </a:ext>
+              </a:extLst>
+            </p:cNvPr>
+            <p:cNvSpPr/>
+            <p:nvPr/>
+          </p:nvSpPr>
+          <p:spPr>
+            <a:xfrm>
+              <a:off x="656948" y="630315"/>
+              <a:ext cx="1438182" cy="772357"/>
+            </a:xfrm>
+            <a:prstGeom prst="rect">
+              <a:avLst/>
+            </a:prstGeom>
+            <a:noFill/>
+            <a:ln w="28575">
+              <a:solidFill>
+                <a:schemeClr val="tx1"/>
+              </a:solidFill>
+            </a:ln>
+          </p:spPr>
+          <p:style>
+            <a:lnRef idx="2">
+              <a:schemeClr val="accent1">
+                <a:shade val="15000"/>
+              </a:schemeClr>
+            </a:lnRef>
+            <a:fillRef idx="1">
+              <a:schemeClr val="accent1"/>
+            </a:fillRef>
+            <a:effectRef idx="0">
+              <a:schemeClr val="accent1"/>
+            </a:effectRef>
+            <a:fontRef idx="minor">
+              <a:schemeClr val="lt1"/>
+            </a:fontRef>
+          </p:style>
+          <p:txBody>
+            <a:bodyPr rtlCol="0" anchor="ctr"/>
+            <a:lstStyle/>
+            <a:p>
+              <a:pPr algn="ctr"/>
+              <a:r>
+                <a:rPr lang="en-US" dirty="0">
+                  <a:solidFill>
+                    <a:schemeClr val="tx1"/>
+                  </a:solidFill>
+                </a:rPr>
+                <a:t>HLS</a:t>
+              </a:r>
+            </a:p>
+          </p:txBody>
+        </p:sp>
+        <p:sp>
+          <p:nvSpPr>
+            <p:cNvPr id="5" name="Rectangle 4">
+              <a:extLst>
+                <a:ext uri="{FF2B5EF4-FFF2-40B4-BE49-F238E27FC236}">
+                  <a16:creationId xmlns:a16="http://schemas.microsoft.com/office/drawing/2014/main" id="{9A9B0499-584F-A1FA-AB14-6C4AA189D85F}"/>
+                </a:ext>
+              </a:extLst>
+            </p:cNvPr>
+            <p:cNvSpPr/>
+            <p:nvPr/>
+          </p:nvSpPr>
+          <p:spPr>
+            <a:xfrm>
+              <a:off x="4856086" y="630315"/>
+              <a:ext cx="1438182" cy="772357"/>
+            </a:xfrm>
+            <a:prstGeom prst="rect">
+              <a:avLst/>
+            </a:prstGeom>
+            <a:noFill/>
+            <a:ln w="28575">
+              <a:solidFill>
+                <a:schemeClr val="tx1"/>
+              </a:solidFill>
+            </a:ln>
+          </p:spPr>
+          <p:style>
+            <a:lnRef idx="2">
+              <a:schemeClr val="accent1">
+                <a:shade val="15000"/>
+              </a:schemeClr>
+            </a:lnRef>
+            <a:fillRef idx="1">
+              <a:schemeClr val="accent1"/>
+            </a:fillRef>
+            <a:effectRef idx="0">
+              <a:schemeClr val="accent1"/>
+            </a:effectRef>
+            <a:fontRef idx="minor">
+              <a:schemeClr val="lt1"/>
+            </a:fontRef>
+          </p:style>
+          <p:txBody>
+            <a:bodyPr rtlCol="0" anchor="ctr"/>
+            <a:lstStyle/>
+            <a:p>
+              <a:pPr algn="ctr"/>
+              <a:r>
+                <a:rPr lang="en-US" dirty="0">
+                  <a:solidFill>
+                    <a:schemeClr val="tx1"/>
+                  </a:solidFill>
+                </a:rPr>
+                <a:t>RTL</a:t>
+              </a:r>
+            </a:p>
+          </p:txBody>
+        </p:sp>
+        <p:sp>
+          <p:nvSpPr>
+            <p:cNvPr id="9" name="Rectangle 8">
+              <a:extLst>
+                <a:ext uri="{FF2B5EF4-FFF2-40B4-BE49-F238E27FC236}">
+                  <a16:creationId xmlns:a16="http://schemas.microsoft.com/office/drawing/2014/main" id="{98292ED6-68C0-5611-323C-FD5B2A9B62F6}"/>
+                </a:ext>
+              </a:extLst>
+            </p:cNvPr>
+            <p:cNvSpPr/>
+            <p:nvPr/>
+          </p:nvSpPr>
+          <p:spPr>
+            <a:xfrm>
+              <a:off x="2624981" y="5865957"/>
+              <a:ext cx="1438182" cy="772357"/>
+            </a:xfrm>
+            <a:prstGeom prst="rect">
+              <a:avLst/>
+            </a:prstGeom>
+            <a:noFill/>
+            <a:ln w="28575">
+              <a:solidFill>
+                <a:schemeClr val="tx1"/>
+              </a:solidFill>
+            </a:ln>
+          </p:spPr>
+          <p:style>
+            <a:lnRef idx="2">
+              <a:schemeClr val="accent1">
+                <a:shade val="15000"/>
+              </a:schemeClr>
+            </a:lnRef>
+            <a:fillRef idx="1">
+              <a:schemeClr val="accent1"/>
+            </a:fillRef>
+            <a:effectRef idx="0">
+              <a:schemeClr val="accent1"/>
+            </a:effectRef>
+            <a:fontRef idx="minor">
+              <a:schemeClr val="lt1"/>
+            </a:fontRef>
+          </p:style>
+          <p:txBody>
+            <a:bodyPr rtlCol="0" anchor="ctr"/>
+            <a:lstStyle/>
+            <a:p>
+              <a:pPr algn="ctr"/>
+              <a:r>
+                <a:rPr lang="en-US" dirty="0">
+                  <a:solidFill>
+                    <a:schemeClr val="tx1"/>
+                  </a:solidFill>
+                </a:rPr>
+                <a:t>FPGA</a:t>
+              </a:r>
+            </a:p>
+          </p:txBody>
+        </p:sp>
+        <p:sp>
+          <p:nvSpPr>
+            <p:cNvPr id="10" name="Rectangle 9">
+              <a:extLst>
+                <a:ext uri="{FF2B5EF4-FFF2-40B4-BE49-F238E27FC236}">
+                  <a16:creationId xmlns:a16="http://schemas.microsoft.com/office/drawing/2014/main" id="{7333B499-E0C3-7E83-FFDC-C371FE031757}"/>
+                </a:ext>
+              </a:extLst>
+            </p:cNvPr>
+            <p:cNvSpPr/>
+            <p:nvPr/>
+          </p:nvSpPr>
+          <p:spPr>
+            <a:xfrm>
+              <a:off x="4522270" y="5854717"/>
+              <a:ext cx="1438182" cy="772357"/>
+            </a:xfrm>
+            <a:prstGeom prst="rect">
+              <a:avLst/>
+            </a:prstGeom>
+            <a:noFill/>
+            <a:ln w="28575">
+              <a:solidFill>
+                <a:schemeClr val="tx1"/>
+              </a:solidFill>
+            </a:ln>
+          </p:spPr>
+          <p:style>
+            <a:lnRef idx="2">
+              <a:schemeClr val="accent1">
+                <a:shade val="15000"/>
+              </a:schemeClr>
+            </a:lnRef>
+            <a:fillRef idx="1">
+              <a:schemeClr val="accent1"/>
+            </a:fillRef>
+            <a:effectRef idx="0">
+              <a:schemeClr val="accent1"/>
+            </a:effectRef>
+            <a:fontRef idx="minor">
+              <a:schemeClr val="lt1"/>
+            </a:fontRef>
+          </p:style>
+          <p:txBody>
+            <a:bodyPr rtlCol="0" anchor="ctr"/>
+            <a:lstStyle/>
+            <a:p>
+              <a:pPr algn="ctr"/>
+              <a:r>
+                <a:rPr lang="en-US" dirty="0">
+                  <a:solidFill>
+                    <a:schemeClr val="tx1"/>
+                  </a:solidFill>
+                </a:rPr>
+                <a:t>ASIC</a:t>
+              </a:r>
+            </a:p>
+          </p:txBody>
+        </p:sp>
+        <p:cxnSp>
+          <p:nvCxnSpPr>
+            <p:cNvPr id="21" name="Straight Arrow Connector 20">
+              <a:extLst>
+                <a:ext uri="{FF2B5EF4-FFF2-40B4-BE49-F238E27FC236}">
+                  <a16:creationId xmlns:a16="http://schemas.microsoft.com/office/drawing/2014/main" id="{3C3F37CA-E0A3-4BB4-12CE-638E5A18C019}"/>
+                </a:ext>
+              </a:extLst>
+            </p:cNvPr>
+            <p:cNvCxnSpPr>
+              <a:cxnSpLocks/>
+              <a:stCxn id="42" idx="2"/>
+              <a:endCxn id="57" idx="0"/>
+            </p:cNvCxnSpPr>
+            <p:nvPr/>
+          </p:nvCxnSpPr>
+          <p:spPr>
+            <a:xfrm>
+              <a:off x="3489663" y="3630314"/>
+              <a:ext cx="932897" cy="270685"/>
+            </a:xfrm>
+            <a:prstGeom prst="straightConnector1">
+              <a:avLst/>
+            </a:prstGeom>
+            <a:ln w="28575">
+              <a:solidFill>
+                <a:schemeClr val="tx1"/>
+              </a:solidFill>
+              <a:tailEnd type="triangle"/>
+            </a:ln>
+          </p:spPr>
+          <p:style>
+            <a:lnRef idx="2">
+              <a:schemeClr val="accent1"/>
+            </a:lnRef>
+            <a:fillRef idx="0">
+              <a:schemeClr val="accent1"/>
+            </a:fillRef>
+            <a:effectRef idx="1">
+              <a:schemeClr val="accent1"/>
+            </a:effectRef>
+            <a:fontRef idx="minor">
+              <a:schemeClr val="tx1"/>
+            </a:fontRef>
+          </p:style>
+        </p:cxnSp>
+        <p:sp>
+          <p:nvSpPr>
+            <p:cNvPr id="24" name="Rectangle 23">
+              <a:extLst>
+                <a:ext uri="{FF2B5EF4-FFF2-40B4-BE49-F238E27FC236}">
+                  <a16:creationId xmlns:a16="http://schemas.microsoft.com/office/drawing/2014/main" id="{1FF76C45-02A1-9F0E-9FDF-00E8F47E854C}"/>
+                </a:ext>
+              </a:extLst>
+            </p:cNvPr>
+            <p:cNvSpPr/>
+            <p:nvPr/>
+          </p:nvSpPr>
+          <p:spPr>
+            <a:xfrm>
+              <a:off x="2770572" y="630315"/>
+              <a:ext cx="1438182" cy="772357"/>
+            </a:xfrm>
+            <a:prstGeom prst="rect">
+              <a:avLst/>
+            </a:prstGeom>
+            <a:noFill/>
+            <a:ln w="28575">
+              <a:solidFill>
+                <a:schemeClr val="tx1"/>
+              </a:solidFill>
+            </a:ln>
+          </p:spPr>
+          <p:style>
+            <a:lnRef idx="2">
+              <a:schemeClr val="accent1">
+                <a:shade val="15000"/>
+              </a:schemeClr>
+            </a:lnRef>
+            <a:fillRef idx="1">
+              <a:schemeClr val="accent1"/>
+            </a:fillRef>
+            <a:effectRef idx="0">
+              <a:schemeClr val="accent1"/>
+            </a:effectRef>
+            <a:fontRef idx="minor">
+              <a:schemeClr val="lt1"/>
+            </a:fontRef>
+          </p:style>
+          <p:txBody>
+            <a:bodyPr rtlCol="0" anchor="ctr"/>
+            <a:lstStyle/>
+            <a:p>
+              <a:pPr algn="ctr"/>
+              <a:r>
+                <a:rPr lang="en-US" dirty="0">
+                  <a:solidFill>
+                    <a:schemeClr val="tx1"/>
+                  </a:solidFill>
+                </a:rPr>
+                <a:t>Calyx Frontends</a:t>
+              </a:r>
+            </a:p>
+          </p:txBody>
+        </p:sp>
+        <p:sp>
+          <p:nvSpPr>
+            <p:cNvPr id="40" name="Cloud 39">
+              <a:extLst>
+                <a:ext uri="{FF2B5EF4-FFF2-40B4-BE49-F238E27FC236}">
+                  <a16:creationId xmlns:a16="http://schemas.microsoft.com/office/drawing/2014/main" id="{02B2787B-9F89-5C10-7930-FAD79AE5C04F}"/>
+                </a:ext>
+              </a:extLst>
+            </p:cNvPr>
+            <p:cNvSpPr/>
+            <p:nvPr/>
+          </p:nvSpPr>
+          <p:spPr>
+            <a:xfrm>
+              <a:off x="437612" y="1666838"/>
+              <a:ext cx="1871324" cy="914400"/>
+            </a:xfrm>
+            <a:prstGeom prst="cloud">
+              <a:avLst/>
+            </a:prstGeom>
+            <a:noFill/>
+            <a:ln w="28575">
+              <a:solidFill>
+                <a:schemeClr val="tx1"/>
+              </a:solidFill>
+            </a:ln>
+          </p:spPr>
+          <p:style>
+            <a:lnRef idx="2">
+              <a:schemeClr val="accent1">
+                <a:shade val="15000"/>
+              </a:schemeClr>
+            </a:lnRef>
+            <a:fillRef idx="1">
+              <a:schemeClr val="accent1"/>
+            </a:fillRef>
+            <a:effectRef idx="0">
+              <a:schemeClr val="accent1"/>
+            </a:effectRef>
+            <a:fontRef idx="minor">
+              <a:schemeClr val="lt1"/>
+            </a:fontRef>
+          </p:style>
+          <p:txBody>
+            <a:bodyPr rtlCol="0" anchor="ctr"/>
+            <a:lstStyle/>
+            <a:p>
+              <a:pPr algn="ctr"/>
+              <a:r>
+                <a:rPr lang="en-US" dirty="0">
+                  <a:solidFill>
+                    <a:schemeClr val="tx1"/>
+                  </a:solidFill>
+                </a:rPr>
+                <a:t>HLS Compiler</a:t>
+              </a:r>
+            </a:p>
+          </p:txBody>
+        </p:sp>
+        <p:sp>
+          <p:nvSpPr>
+            <p:cNvPr id="42" name="Rectangle 41">
+              <a:extLst>
+                <a:ext uri="{FF2B5EF4-FFF2-40B4-BE49-F238E27FC236}">
+                  <a16:creationId xmlns:a16="http://schemas.microsoft.com/office/drawing/2014/main" id="{DA8A8EED-489C-C490-13CE-1EFC387D84FD}"/>
+                </a:ext>
+              </a:extLst>
+            </p:cNvPr>
+            <p:cNvSpPr/>
+            <p:nvPr/>
+          </p:nvSpPr>
+          <p:spPr>
+            <a:xfrm>
+              <a:off x="2770572" y="3076532"/>
+              <a:ext cx="1438182" cy="553782"/>
+            </a:xfrm>
+            <a:prstGeom prst="rect">
+              <a:avLst/>
+            </a:prstGeom>
+            <a:noFill/>
+            <a:ln w="28575">
+              <a:solidFill>
+                <a:schemeClr val="tx1"/>
+              </a:solidFill>
+            </a:ln>
+          </p:spPr>
+          <p:style>
+            <a:lnRef idx="2">
+              <a:schemeClr val="accent1">
+                <a:shade val="15000"/>
+              </a:schemeClr>
+            </a:lnRef>
+            <a:fillRef idx="1">
+              <a:schemeClr val="accent1"/>
+            </a:fillRef>
+            <a:effectRef idx="0">
+              <a:schemeClr val="accent1"/>
+            </a:effectRef>
+            <a:fontRef idx="minor">
+              <a:schemeClr val="lt1"/>
+            </a:fontRef>
+          </p:style>
+          <p:txBody>
+            <a:bodyPr rtlCol="0" anchor="ctr"/>
+            <a:lstStyle/>
+            <a:p>
+              <a:pPr algn="ctr"/>
+              <a:r>
+                <a:rPr lang="en-US" dirty="0">
+                  <a:solidFill>
+                    <a:schemeClr val="tx1"/>
+                  </a:solidFill>
+                </a:rPr>
+                <a:t>Calyx</a:t>
+              </a:r>
+            </a:p>
+          </p:txBody>
+        </p:sp>
+        <p:sp>
+          <p:nvSpPr>
+            <p:cNvPr id="43" name="Cloud 42">
+              <a:extLst>
+                <a:ext uri="{FF2B5EF4-FFF2-40B4-BE49-F238E27FC236}">
+                  <a16:creationId xmlns:a16="http://schemas.microsoft.com/office/drawing/2014/main" id="{EC70B22C-F794-65AB-824C-F290C35C8FAD}"/>
+                </a:ext>
+              </a:extLst>
+            </p:cNvPr>
+            <p:cNvSpPr/>
+            <p:nvPr/>
+          </p:nvSpPr>
+          <p:spPr>
+            <a:xfrm>
+              <a:off x="2551236" y="1614556"/>
+              <a:ext cx="1871324" cy="914400"/>
+            </a:xfrm>
+            <a:prstGeom prst="cloud">
+              <a:avLst/>
+            </a:prstGeom>
+            <a:noFill/>
+            <a:ln w="28575">
+              <a:solidFill>
+                <a:schemeClr val="tx1"/>
+              </a:solidFill>
+            </a:ln>
+          </p:spPr>
+          <p:style>
+            <a:lnRef idx="2">
+              <a:schemeClr val="accent1">
+                <a:shade val="15000"/>
+              </a:schemeClr>
+            </a:lnRef>
+            <a:fillRef idx="1">
+              <a:schemeClr val="accent1"/>
+            </a:fillRef>
+            <a:effectRef idx="0">
+              <a:schemeClr val="accent1"/>
+            </a:effectRef>
+            <a:fontRef idx="minor">
+              <a:schemeClr val="lt1"/>
+            </a:fontRef>
+          </p:style>
+          <p:txBody>
+            <a:bodyPr rtlCol="0" anchor="ctr"/>
+            <a:lstStyle/>
+            <a:p>
+              <a:pPr algn="ctr"/>
+              <a:r>
+                <a:rPr lang="en-US" dirty="0">
+                  <a:solidFill>
+                    <a:schemeClr val="tx1"/>
+                  </a:solidFill>
+                </a:rPr>
+                <a:t>Custom Compiler</a:t>
+              </a:r>
+            </a:p>
+          </p:txBody>
+        </p:sp>
+        <p:cxnSp>
+          <p:nvCxnSpPr>
+            <p:cNvPr id="45" name="Straight Arrow Connector 44">
+              <a:extLst>
+                <a:ext uri="{FF2B5EF4-FFF2-40B4-BE49-F238E27FC236}">
+                  <a16:creationId xmlns:a16="http://schemas.microsoft.com/office/drawing/2014/main" id="{9B4B6759-0EE9-026A-D4CB-2A2370592453}"/>
+                </a:ext>
+              </a:extLst>
+            </p:cNvPr>
+            <p:cNvCxnSpPr>
+              <a:cxnSpLocks/>
+              <a:stCxn id="4" idx="2"/>
+              <a:endCxn id="40" idx="3"/>
+            </p:cNvCxnSpPr>
+            <p:nvPr/>
+          </p:nvCxnSpPr>
+          <p:spPr>
+            <a:xfrm flipH="1">
+              <a:off x="1373274" y="1402672"/>
+              <a:ext cx="2765" cy="316448"/>
+            </a:xfrm>
+            <a:prstGeom prst="straightConnector1">
+              <a:avLst/>
+            </a:prstGeom>
+            <a:ln w="28575">
+              <a:solidFill>
+                <a:schemeClr val="tx1"/>
+              </a:solidFill>
+              <a:tailEnd type="triangle"/>
+            </a:ln>
+          </p:spPr>
+          <p:style>
+            <a:lnRef idx="2">
+              <a:schemeClr val="accent1"/>
+            </a:lnRef>
+            <a:fillRef idx="0">
+              <a:schemeClr val="accent1"/>
+            </a:fillRef>
+            <a:effectRef idx="1">
+              <a:schemeClr val="accent1"/>
+            </a:effectRef>
+            <a:fontRef idx="minor">
+              <a:schemeClr val="tx1"/>
+            </a:fontRef>
+          </p:style>
+        </p:cxnSp>
+        <p:cxnSp>
+          <p:nvCxnSpPr>
+            <p:cNvPr id="47" name="Straight Arrow Connector 46">
+              <a:extLst>
+                <a:ext uri="{FF2B5EF4-FFF2-40B4-BE49-F238E27FC236}">
+                  <a16:creationId xmlns:a16="http://schemas.microsoft.com/office/drawing/2014/main" id="{D5802992-DF12-1D3B-6EF9-4D11CD5E9331}"/>
+                </a:ext>
+              </a:extLst>
+            </p:cNvPr>
+            <p:cNvCxnSpPr>
+              <a:stCxn id="24" idx="2"/>
+              <a:endCxn id="43" idx="3"/>
+            </p:cNvCxnSpPr>
+            <p:nvPr/>
+          </p:nvCxnSpPr>
+          <p:spPr>
+            <a:xfrm flipH="1">
+              <a:off x="3486898" y="1402672"/>
+              <a:ext cx="2765" cy="264166"/>
+            </a:xfrm>
+            <a:prstGeom prst="straightConnector1">
+              <a:avLst/>
+            </a:prstGeom>
+            <a:ln w="28575">
+              <a:solidFill>
+                <a:schemeClr val="tx1"/>
+              </a:solidFill>
+              <a:tailEnd type="triangle"/>
+            </a:ln>
+          </p:spPr>
+          <p:style>
+            <a:lnRef idx="2">
+              <a:schemeClr val="accent1"/>
+            </a:lnRef>
+            <a:fillRef idx="0">
+              <a:schemeClr val="accent1"/>
+            </a:fillRef>
+            <a:effectRef idx="1">
+              <a:schemeClr val="accent1"/>
+            </a:effectRef>
+            <a:fontRef idx="minor">
+              <a:schemeClr val="tx1"/>
+            </a:fontRef>
+          </p:style>
+        </p:cxnSp>
+        <p:sp>
+          <p:nvSpPr>
+            <p:cNvPr id="48" name="Cloud 47">
+              <a:extLst>
+                <a:ext uri="{FF2B5EF4-FFF2-40B4-BE49-F238E27FC236}">
+                  <a16:creationId xmlns:a16="http://schemas.microsoft.com/office/drawing/2014/main" id="{15E159B4-2B7A-C9FF-7704-13E2D02BC1BC}"/>
+                </a:ext>
+              </a:extLst>
+            </p:cNvPr>
+            <p:cNvSpPr/>
+            <p:nvPr/>
+          </p:nvSpPr>
+          <p:spPr>
+            <a:xfrm>
+              <a:off x="4632503" y="1614556"/>
+              <a:ext cx="1871324" cy="914400"/>
+            </a:xfrm>
+            <a:prstGeom prst="cloud">
+              <a:avLst/>
+            </a:prstGeom>
+            <a:noFill/>
+            <a:ln w="28575">
+              <a:solidFill>
+                <a:schemeClr val="tx1"/>
+              </a:solidFill>
+            </a:ln>
+          </p:spPr>
+          <p:style>
+            <a:lnRef idx="2">
+              <a:schemeClr val="accent1">
+                <a:shade val="15000"/>
+              </a:schemeClr>
+            </a:lnRef>
+            <a:fillRef idx="1">
+              <a:schemeClr val="accent1"/>
+            </a:fillRef>
+            <a:effectRef idx="0">
+              <a:schemeClr val="accent1"/>
+            </a:effectRef>
+            <a:fontRef idx="minor">
+              <a:schemeClr val="lt1"/>
+            </a:fontRef>
+          </p:style>
+          <p:txBody>
+            <a:bodyPr rtlCol="0" anchor="ctr"/>
+            <a:lstStyle/>
+            <a:p>
+              <a:pPr algn="ctr"/>
+              <a:r>
+                <a:rPr lang="en-US" dirty="0">
+                  <a:solidFill>
+                    <a:schemeClr val="tx1"/>
+                  </a:solidFill>
+                </a:rPr>
+                <a:t>RTL Compiler</a:t>
+              </a:r>
+            </a:p>
+          </p:txBody>
+        </p:sp>
+        <p:cxnSp>
+          <p:nvCxnSpPr>
+            <p:cNvPr id="51" name="Straight Arrow Connector 50">
+              <a:extLst>
+                <a:ext uri="{FF2B5EF4-FFF2-40B4-BE49-F238E27FC236}">
+                  <a16:creationId xmlns:a16="http://schemas.microsoft.com/office/drawing/2014/main" id="{DEFABCC4-474E-FA9A-14DE-EC54550565F9}"/>
+                </a:ext>
+              </a:extLst>
+            </p:cNvPr>
+            <p:cNvCxnSpPr>
+              <a:cxnSpLocks/>
+              <a:stCxn id="43" idx="1"/>
+              <a:endCxn id="42" idx="0"/>
+            </p:cNvCxnSpPr>
+            <p:nvPr/>
+          </p:nvCxnSpPr>
+          <p:spPr>
+            <a:xfrm>
+              <a:off x="3486898" y="2527982"/>
+              <a:ext cx="2765" cy="548550"/>
+            </a:xfrm>
+            <a:prstGeom prst="straightConnector1">
+              <a:avLst/>
+            </a:prstGeom>
+            <a:ln w="28575">
+              <a:solidFill>
+                <a:schemeClr val="tx1"/>
+              </a:solidFill>
+              <a:tailEnd type="triangle"/>
+            </a:ln>
+          </p:spPr>
+          <p:style>
+            <a:lnRef idx="2">
+              <a:schemeClr val="accent1"/>
+            </a:lnRef>
+            <a:fillRef idx="0">
+              <a:schemeClr val="accent1"/>
+            </a:fillRef>
+            <a:effectRef idx="1">
+              <a:schemeClr val="accent1"/>
+            </a:effectRef>
+            <a:fontRef idx="minor">
+              <a:schemeClr val="tx1"/>
+            </a:fontRef>
+          </p:style>
+        </p:cxnSp>
+        <p:sp>
+          <p:nvSpPr>
+            <p:cNvPr id="57" name="Rectangle 56">
+              <a:extLst>
+                <a:ext uri="{FF2B5EF4-FFF2-40B4-BE49-F238E27FC236}">
+                  <a16:creationId xmlns:a16="http://schemas.microsoft.com/office/drawing/2014/main" id="{11AA0166-1234-BC9C-5FFC-8DE4A95EB365}"/>
+                </a:ext>
+              </a:extLst>
+            </p:cNvPr>
+            <p:cNvSpPr/>
+            <p:nvPr/>
+          </p:nvSpPr>
+          <p:spPr>
+            <a:xfrm>
+              <a:off x="3703469" y="3900999"/>
+              <a:ext cx="1438182" cy="553782"/>
+            </a:xfrm>
+            <a:prstGeom prst="rect">
+              <a:avLst/>
+            </a:prstGeom>
+            <a:solidFill>
+              <a:srgbClr val="FF0000">
+                <a:alpha val="36863"/>
+              </a:srgbClr>
+            </a:solidFill>
+            <a:ln w="28575">
+              <a:solidFill>
+                <a:schemeClr val="tx1"/>
+              </a:solidFill>
+            </a:ln>
+          </p:spPr>
+          <p:style>
+            <a:lnRef idx="2">
+              <a:schemeClr val="accent1">
+                <a:shade val="15000"/>
+              </a:schemeClr>
+            </a:lnRef>
+            <a:fillRef idx="1">
+              <a:schemeClr val="accent1"/>
+            </a:fillRef>
+            <a:effectRef idx="0">
+              <a:schemeClr val="accent1"/>
+            </a:effectRef>
+            <a:fontRef idx="minor">
+              <a:schemeClr val="lt1"/>
+            </a:fontRef>
+          </p:style>
+          <p:txBody>
+            <a:bodyPr rtlCol="0" anchor="ctr"/>
+            <a:lstStyle/>
+            <a:p>
+              <a:pPr algn="ctr"/>
+              <a:r>
+                <a:rPr lang="en-US" dirty="0">
+                  <a:solidFill>
+                    <a:schemeClr val="tx1"/>
+                  </a:solidFill>
+                </a:rPr>
+                <a:t>RTL IR</a:t>
+              </a:r>
+            </a:p>
+          </p:txBody>
+        </p:sp>
+        <p:cxnSp>
+          <p:nvCxnSpPr>
+            <p:cNvPr id="80" name="Straight Arrow Connector 79">
+              <a:extLst>
+                <a:ext uri="{FF2B5EF4-FFF2-40B4-BE49-F238E27FC236}">
+                  <a16:creationId xmlns:a16="http://schemas.microsoft.com/office/drawing/2014/main" id="{6A2254EC-34CE-CCF8-DEF8-8D1843C50CF2}"/>
+                </a:ext>
+              </a:extLst>
+            </p:cNvPr>
+            <p:cNvCxnSpPr>
+              <a:cxnSpLocks/>
+              <a:stCxn id="48" idx="1"/>
+              <a:endCxn id="57" idx="0"/>
+            </p:cNvCxnSpPr>
+            <p:nvPr/>
+          </p:nvCxnSpPr>
+          <p:spPr>
+            <a:xfrm flipH="1">
+              <a:off x="4422560" y="2527982"/>
+              <a:ext cx="1145605" cy="1373017"/>
+            </a:xfrm>
+            <a:prstGeom prst="straightConnector1">
+              <a:avLst/>
+            </a:prstGeom>
+            <a:ln w="28575">
+              <a:solidFill>
+                <a:schemeClr val="tx1"/>
+              </a:solidFill>
+              <a:tailEnd type="triangle"/>
+            </a:ln>
+          </p:spPr>
+          <p:style>
+            <a:lnRef idx="2">
+              <a:schemeClr val="accent1"/>
+            </a:lnRef>
+            <a:fillRef idx="0">
+              <a:schemeClr val="accent1"/>
+            </a:fillRef>
+            <a:effectRef idx="1">
+              <a:schemeClr val="accent1"/>
+            </a:effectRef>
+            <a:fontRef idx="minor">
+              <a:schemeClr val="tx1"/>
+            </a:fontRef>
+          </p:style>
+        </p:cxnSp>
+        <p:cxnSp>
+          <p:nvCxnSpPr>
+            <p:cNvPr id="92" name="Straight Arrow Connector 91">
+              <a:extLst>
+                <a:ext uri="{FF2B5EF4-FFF2-40B4-BE49-F238E27FC236}">
+                  <a16:creationId xmlns:a16="http://schemas.microsoft.com/office/drawing/2014/main" id="{BBEC2600-59BA-E0E9-4B61-962D58ADBB72}"/>
+                </a:ext>
+              </a:extLst>
+            </p:cNvPr>
+            <p:cNvCxnSpPr>
+              <a:stCxn id="40" idx="1"/>
+              <a:endCxn id="42" idx="0"/>
+            </p:cNvCxnSpPr>
+            <p:nvPr/>
+          </p:nvCxnSpPr>
+          <p:spPr>
+            <a:xfrm>
+              <a:off x="1373274" y="2580264"/>
+              <a:ext cx="2116389" cy="496268"/>
+            </a:xfrm>
+            <a:prstGeom prst="straightConnector1">
+              <a:avLst/>
+            </a:prstGeom>
+            <a:ln w="28575">
+              <a:solidFill>
+                <a:schemeClr val="tx1"/>
+              </a:solidFill>
+              <a:tailEnd type="triangle"/>
+            </a:ln>
+          </p:spPr>
+          <p:style>
+            <a:lnRef idx="2">
+              <a:schemeClr val="accent1"/>
+            </a:lnRef>
+            <a:fillRef idx="0">
+              <a:schemeClr val="accent1"/>
+            </a:fillRef>
+            <a:effectRef idx="1">
+              <a:schemeClr val="accent1"/>
+            </a:effectRef>
+            <a:fontRef idx="minor">
+              <a:schemeClr val="tx1"/>
+            </a:fontRef>
+          </p:style>
+        </p:cxnSp>
+        <p:cxnSp>
+          <p:nvCxnSpPr>
+            <p:cNvPr id="94" name="Straight Arrow Connector 93">
+              <a:extLst>
+                <a:ext uri="{FF2B5EF4-FFF2-40B4-BE49-F238E27FC236}">
+                  <a16:creationId xmlns:a16="http://schemas.microsoft.com/office/drawing/2014/main" id="{2454D93E-578F-CA4F-A9B9-E9BBAC2E1F57}"/>
+                </a:ext>
+              </a:extLst>
+            </p:cNvPr>
+            <p:cNvCxnSpPr>
+              <a:cxnSpLocks/>
+              <a:stCxn id="5" idx="2"/>
+              <a:endCxn id="48" idx="3"/>
+            </p:cNvCxnSpPr>
+            <p:nvPr/>
+          </p:nvCxnSpPr>
+          <p:spPr>
+            <a:xfrm flipH="1">
+              <a:off x="5568165" y="1402672"/>
+              <a:ext cx="7012" cy="264166"/>
+            </a:xfrm>
+            <a:prstGeom prst="straightConnector1">
+              <a:avLst/>
+            </a:prstGeom>
+            <a:ln w="28575">
+              <a:solidFill>
+                <a:schemeClr val="tx1"/>
+              </a:solidFill>
+              <a:tailEnd type="triangle"/>
+            </a:ln>
+          </p:spPr>
+          <p:style>
+            <a:lnRef idx="2">
+              <a:schemeClr val="accent1"/>
+            </a:lnRef>
+            <a:fillRef idx="0">
+              <a:schemeClr val="accent1"/>
+            </a:fillRef>
+            <a:effectRef idx="1">
+              <a:schemeClr val="accent1"/>
+            </a:effectRef>
+            <a:fontRef idx="minor">
+              <a:schemeClr val="tx1"/>
+            </a:fontRef>
+          </p:style>
+        </p:cxnSp>
+        <p:sp>
+          <p:nvSpPr>
+            <p:cNvPr id="2" name="Rectangle 1">
+              <a:extLst>
+                <a:ext uri="{FF2B5EF4-FFF2-40B4-BE49-F238E27FC236}">
+                  <a16:creationId xmlns:a16="http://schemas.microsoft.com/office/drawing/2014/main" id="{F64ED7CB-0FB5-AD95-16E0-FF4D0DB48C95}"/>
+                </a:ext>
+              </a:extLst>
+            </p:cNvPr>
+            <p:cNvSpPr/>
+            <p:nvPr/>
+          </p:nvSpPr>
+          <p:spPr>
+            <a:xfrm>
+              <a:off x="654183" y="5878715"/>
+              <a:ext cx="1438182" cy="772357"/>
+            </a:xfrm>
+            <a:prstGeom prst="rect">
+              <a:avLst/>
+            </a:prstGeom>
+            <a:noFill/>
+            <a:ln w="28575">
+              <a:solidFill>
+                <a:schemeClr val="tx1"/>
+              </a:solidFill>
+            </a:ln>
+          </p:spPr>
+          <p:style>
+            <a:lnRef idx="2">
+              <a:schemeClr val="accent1">
+                <a:shade val="15000"/>
+              </a:schemeClr>
+            </a:lnRef>
+            <a:fillRef idx="1">
+              <a:schemeClr val="accent1"/>
+            </a:fillRef>
+            <a:effectRef idx="0">
+              <a:schemeClr val="accent1"/>
+            </a:effectRef>
+            <a:fontRef idx="minor">
+              <a:schemeClr val="lt1"/>
+            </a:fontRef>
+          </p:style>
+          <p:txBody>
+            <a:bodyPr rtlCol="0" anchor="ctr"/>
+            <a:lstStyle/>
+            <a:p>
+              <a:pPr algn="ctr"/>
+              <a:r>
+                <a:rPr lang="en-US" dirty="0" err="1">
+                  <a:solidFill>
+                    <a:schemeClr val="tx1"/>
+                  </a:solidFill>
+                </a:rPr>
+                <a:t>Verilator</a:t>
+              </a:r>
+              <a:endParaRPr lang="en-US" dirty="0">
+                <a:solidFill>
+                  <a:schemeClr val="tx1"/>
+                </a:solidFill>
+              </a:endParaRPr>
+            </a:p>
+          </p:txBody>
+        </p:sp>
+        <p:sp>
+          <p:nvSpPr>
+            <p:cNvPr id="3" name="Rectangle 2">
+              <a:extLst>
+                <a:ext uri="{FF2B5EF4-FFF2-40B4-BE49-F238E27FC236}">
+                  <a16:creationId xmlns:a16="http://schemas.microsoft.com/office/drawing/2014/main" id="{2C5C1297-C967-0C59-0B66-3C1B437904EB}"/>
+                </a:ext>
+              </a:extLst>
+            </p:cNvPr>
+            <p:cNvSpPr/>
+            <p:nvPr/>
+          </p:nvSpPr>
+          <p:spPr>
+            <a:xfrm>
+              <a:off x="654183" y="4914271"/>
+              <a:ext cx="1438182" cy="553782"/>
+            </a:xfrm>
+            <a:prstGeom prst="rect">
+              <a:avLst/>
+            </a:prstGeom>
+            <a:noFill/>
+            <a:ln w="28575">
+              <a:solidFill>
+                <a:schemeClr val="tx1"/>
+              </a:solidFill>
+            </a:ln>
+          </p:spPr>
+          <p:style>
+            <a:lnRef idx="2">
+              <a:schemeClr val="accent1">
+                <a:shade val="15000"/>
+              </a:schemeClr>
+            </a:lnRef>
+            <a:fillRef idx="1">
+              <a:schemeClr val="accent1"/>
+            </a:fillRef>
+            <a:effectRef idx="0">
+              <a:schemeClr val="accent1"/>
+            </a:effectRef>
+            <a:fontRef idx="minor">
+              <a:schemeClr val="lt1"/>
+            </a:fontRef>
+          </p:style>
+          <p:txBody>
+            <a:bodyPr rtlCol="0" anchor="ctr"/>
+            <a:lstStyle/>
+            <a:p>
+              <a:pPr algn="ctr"/>
+              <a:r>
+                <a:rPr lang="en-US" sz="1600" dirty="0">
+                  <a:solidFill>
+                    <a:schemeClr val="tx1"/>
+                  </a:solidFill>
+                </a:rPr>
+                <a:t>Discrete</a:t>
+              </a:r>
+            </a:p>
+            <a:p>
+              <a:pPr algn="ctr"/>
+              <a:r>
+                <a:rPr lang="en-US" sz="1600" dirty="0">
+                  <a:solidFill>
+                    <a:schemeClr val="tx1"/>
+                  </a:solidFill>
+                </a:rPr>
+                <a:t>Event Model</a:t>
+              </a:r>
+            </a:p>
+          </p:txBody>
+        </p:sp>
+        <p:cxnSp>
+          <p:nvCxnSpPr>
+            <p:cNvPr id="6" name="Straight Arrow Connector 5">
+              <a:extLst>
+                <a:ext uri="{FF2B5EF4-FFF2-40B4-BE49-F238E27FC236}">
+                  <a16:creationId xmlns:a16="http://schemas.microsoft.com/office/drawing/2014/main" id="{FD9CD302-8194-65B8-8FF3-03F6CEAC2A42}"/>
+                </a:ext>
+              </a:extLst>
+            </p:cNvPr>
+            <p:cNvCxnSpPr>
+              <a:cxnSpLocks/>
+              <a:endCxn id="3" idx="0"/>
+            </p:cNvCxnSpPr>
+            <p:nvPr/>
+          </p:nvCxnSpPr>
+          <p:spPr>
+            <a:xfrm flipH="1">
+              <a:off x="1373274" y="4454781"/>
+              <a:ext cx="3049286" cy="459490"/>
+            </a:xfrm>
+            <a:prstGeom prst="straightConnector1">
+              <a:avLst/>
+            </a:prstGeom>
+            <a:ln w="28575">
+              <a:solidFill>
+                <a:schemeClr val="tx1"/>
+              </a:solidFill>
+              <a:tailEnd type="triangle"/>
+            </a:ln>
+          </p:spPr>
+          <p:style>
+            <a:lnRef idx="2">
+              <a:schemeClr val="accent1"/>
+            </a:lnRef>
+            <a:fillRef idx="0">
+              <a:schemeClr val="accent1"/>
+            </a:fillRef>
+            <a:effectRef idx="1">
+              <a:schemeClr val="accent1"/>
+            </a:effectRef>
+            <a:fontRef idx="minor">
+              <a:schemeClr val="tx1"/>
+            </a:fontRef>
+          </p:style>
+        </p:cxnSp>
+        <p:cxnSp>
+          <p:nvCxnSpPr>
+            <p:cNvPr id="7" name="Straight Arrow Connector 6">
+              <a:extLst>
+                <a:ext uri="{FF2B5EF4-FFF2-40B4-BE49-F238E27FC236}">
+                  <a16:creationId xmlns:a16="http://schemas.microsoft.com/office/drawing/2014/main" id="{32653E6D-2739-E97E-D032-A940CD877F07}"/>
+                </a:ext>
+              </a:extLst>
+            </p:cNvPr>
+            <p:cNvCxnSpPr>
+              <a:cxnSpLocks/>
+              <a:endCxn id="3" idx="0"/>
+            </p:cNvCxnSpPr>
+            <p:nvPr/>
+          </p:nvCxnSpPr>
+          <p:spPr>
+            <a:xfrm>
+              <a:off x="1373274" y="2580264"/>
+              <a:ext cx="0" cy="2334007"/>
+            </a:xfrm>
+            <a:prstGeom prst="straightConnector1">
+              <a:avLst/>
+            </a:prstGeom>
+            <a:ln w="28575">
+              <a:solidFill>
+                <a:schemeClr val="tx1"/>
+              </a:solidFill>
+              <a:tailEnd type="triangle"/>
+            </a:ln>
+          </p:spPr>
+          <p:style>
+            <a:lnRef idx="2">
+              <a:schemeClr val="accent1"/>
+            </a:lnRef>
+            <a:fillRef idx="0">
+              <a:schemeClr val="accent1"/>
+            </a:fillRef>
+            <a:effectRef idx="1">
+              <a:schemeClr val="accent1"/>
+            </a:effectRef>
+            <a:fontRef idx="minor">
+              <a:schemeClr val="tx1"/>
+            </a:fontRef>
+          </p:style>
+        </p:cxnSp>
+        <p:cxnSp>
+          <p:nvCxnSpPr>
+            <p:cNvPr id="8" name="Straight Arrow Connector 7">
+              <a:extLst>
+                <a:ext uri="{FF2B5EF4-FFF2-40B4-BE49-F238E27FC236}">
+                  <a16:creationId xmlns:a16="http://schemas.microsoft.com/office/drawing/2014/main" id="{EDE079CD-B401-ED2F-0111-CD2429585207}"/>
+                </a:ext>
+              </a:extLst>
+            </p:cNvPr>
+            <p:cNvCxnSpPr>
+              <a:cxnSpLocks/>
+              <a:stCxn id="3" idx="2"/>
+              <a:endCxn id="2" idx="0"/>
+            </p:cNvCxnSpPr>
+            <p:nvPr/>
+          </p:nvCxnSpPr>
+          <p:spPr>
+            <a:xfrm>
+              <a:off x="1373274" y="5468053"/>
+              <a:ext cx="0" cy="410662"/>
+            </a:xfrm>
+            <a:prstGeom prst="straightConnector1">
+              <a:avLst/>
+            </a:prstGeom>
+            <a:ln w="28575">
+              <a:solidFill>
+                <a:schemeClr val="tx1"/>
+              </a:solidFill>
+              <a:tailEnd type="triangle"/>
+            </a:ln>
+          </p:spPr>
+          <p:style>
+            <a:lnRef idx="2">
+              <a:schemeClr val="accent1"/>
+            </a:lnRef>
+            <a:fillRef idx="0">
+              <a:schemeClr val="accent1"/>
+            </a:fillRef>
+            <a:effectRef idx="1">
+              <a:schemeClr val="accent1"/>
+            </a:effectRef>
+            <a:fontRef idx="minor">
+              <a:schemeClr val="tx1"/>
+            </a:fontRef>
+          </p:style>
+        </p:cxnSp>
+        <p:cxnSp>
+          <p:nvCxnSpPr>
+            <p:cNvPr id="11" name="Straight Arrow Connector 10">
+              <a:extLst>
+                <a:ext uri="{FF2B5EF4-FFF2-40B4-BE49-F238E27FC236}">
+                  <a16:creationId xmlns:a16="http://schemas.microsoft.com/office/drawing/2014/main" id="{B399340A-230B-9FD2-BDC1-00A4EC430460}"/>
+                </a:ext>
+              </a:extLst>
+            </p:cNvPr>
+            <p:cNvCxnSpPr>
+              <a:cxnSpLocks/>
+              <a:endCxn id="3" idx="0"/>
+            </p:cNvCxnSpPr>
+            <p:nvPr/>
+          </p:nvCxnSpPr>
+          <p:spPr>
+            <a:xfrm flipH="1">
+              <a:off x="1373274" y="3630314"/>
+              <a:ext cx="2116389" cy="1283957"/>
+            </a:xfrm>
+            <a:prstGeom prst="straightConnector1">
+              <a:avLst/>
+            </a:prstGeom>
+            <a:ln w="28575">
+              <a:solidFill>
+                <a:schemeClr val="tx1"/>
+              </a:solidFill>
+              <a:tailEnd type="triangle"/>
+            </a:ln>
+          </p:spPr>
+          <p:style>
+            <a:lnRef idx="2">
+              <a:schemeClr val="accent1"/>
+            </a:lnRef>
+            <a:fillRef idx="0">
+              <a:schemeClr val="accent1"/>
+            </a:fillRef>
+            <a:effectRef idx="1">
+              <a:schemeClr val="accent1"/>
+            </a:effectRef>
+            <a:fontRef idx="minor">
+              <a:schemeClr val="tx1"/>
+            </a:fontRef>
+          </p:style>
+        </p:cxnSp>
+        <p:sp>
+          <p:nvSpPr>
+            <p:cNvPr id="17" name="Rectangle 16">
+              <a:extLst>
+                <a:ext uri="{FF2B5EF4-FFF2-40B4-BE49-F238E27FC236}">
+                  <a16:creationId xmlns:a16="http://schemas.microsoft.com/office/drawing/2014/main" id="{CC92E424-2B6B-C0A8-0365-C712653180ED}"/>
+                </a:ext>
+              </a:extLst>
+            </p:cNvPr>
+            <p:cNvSpPr/>
+            <p:nvPr/>
+          </p:nvSpPr>
+          <p:spPr>
+            <a:xfrm>
+              <a:off x="2624981" y="4914271"/>
+              <a:ext cx="1438182" cy="553782"/>
+            </a:xfrm>
+            <a:prstGeom prst="rect">
+              <a:avLst/>
+            </a:prstGeom>
+            <a:noFill/>
+            <a:ln w="28575">
+              <a:solidFill>
+                <a:schemeClr val="tx1"/>
+              </a:solidFill>
+            </a:ln>
+          </p:spPr>
+          <p:style>
+            <a:lnRef idx="2">
+              <a:schemeClr val="accent1">
+                <a:shade val="15000"/>
+              </a:schemeClr>
+            </a:lnRef>
+            <a:fillRef idx="1">
+              <a:schemeClr val="accent1"/>
+            </a:fillRef>
+            <a:effectRef idx="0">
+              <a:schemeClr val="accent1"/>
+            </a:effectRef>
+            <a:fontRef idx="minor">
+              <a:schemeClr val="lt1"/>
+            </a:fontRef>
+          </p:style>
+          <p:txBody>
+            <a:bodyPr rtlCol="0" anchor="ctr"/>
+            <a:lstStyle/>
+            <a:p>
+              <a:pPr algn="ctr"/>
+              <a:r>
+                <a:rPr lang="en-US" sz="1600" dirty="0">
+                  <a:solidFill>
+                    <a:schemeClr val="tx1"/>
+                  </a:solidFill>
+                </a:rPr>
+                <a:t>FPGA flow</a:t>
+              </a:r>
+            </a:p>
+          </p:txBody>
+        </p:sp>
+        <p:sp>
+          <p:nvSpPr>
+            <p:cNvPr id="19" name="Rectangle 18">
+              <a:extLst>
+                <a:ext uri="{FF2B5EF4-FFF2-40B4-BE49-F238E27FC236}">
+                  <a16:creationId xmlns:a16="http://schemas.microsoft.com/office/drawing/2014/main" id="{6E74D300-0D15-5451-27F8-5A4333435CB1}"/>
+                </a:ext>
+              </a:extLst>
+            </p:cNvPr>
+            <p:cNvSpPr/>
+            <p:nvPr/>
+          </p:nvSpPr>
+          <p:spPr>
+            <a:xfrm>
+              <a:off x="4522270" y="4910541"/>
+              <a:ext cx="1438182" cy="553782"/>
+            </a:xfrm>
+            <a:prstGeom prst="rect">
+              <a:avLst/>
+            </a:prstGeom>
+            <a:noFill/>
+            <a:ln w="28575">
+              <a:solidFill>
+                <a:schemeClr val="tx1"/>
+              </a:solidFill>
+            </a:ln>
+          </p:spPr>
+          <p:style>
+            <a:lnRef idx="2">
+              <a:schemeClr val="accent1">
+                <a:shade val="15000"/>
+              </a:schemeClr>
+            </a:lnRef>
+            <a:fillRef idx="1">
+              <a:schemeClr val="accent1"/>
+            </a:fillRef>
+            <a:effectRef idx="0">
+              <a:schemeClr val="accent1"/>
+            </a:effectRef>
+            <a:fontRef idx="minor">
+              <a:schemeClr val="lt1"/>
+            </a:fontRef>
+          </p:style>
+          <p:txBody>
+            <a:bodyPr rtlCol="0" anchor="ctr"/>
+            <a:lstStyle/>
+            <a:p>
+              <a:pPr algn="ctr"/>
+              <a:r>
+                <a:rPr lang="en-US" sz="1600" dirty="0">
+                  <a:solidFill>
+                    <a:schemeClr val="tx1"/>
+                  </a:solidFill>
+                </a:rPr>
+                <a:t>VLSI flow</a:t>
+              </a:r>
+            </a:p>
+          </p:txBody>
+        </p:sp>
+        <p:cxnSp>
+          <p:nvCxnSpPr>
+            <p:cNvPr id="20" name="Straight Arrow Connector 19">
+              <a:extLst>
+                <a:ext uri="{FF2B5EF4-FFF2-40B4-BE49-F238E27FC236}">
+                  <a16:creationId xmlns:a16="http://schemas.microsoft.com/office/drawing/2014/main" id="{0CFFB26D-9E54-D558-87FD-A66B2910B303}"/>
+                </a:ext>
+              </a:extLst>
+            </p:cNvPr>
+            <p:cNvCxnSpPr>
+              <a:cxnSpLocks/>
+              <a:stCxn id="57" idx="2"/>
+              <a:endCxn id="17" idx="0"/>
+            </p:cNvCxnSpPr>
+            <p:nvPr/>
+          </p:nvCxnSpPr>
+          <p:spPr>
+            <a:xfrm flipH="1">
+              <a:off x="3344072" y="4454781"/>
+              <a:ext cx="1078488" cy="459490"/>
+            </a:xfrm>
+            <a:prstGeom prst="straightConnector1">
+              <a:avLst/>
+            </a:prstGeom>
+            <a:ln w="28575">
+              <a:solidFill>
+                <a:schemeClr val="tx1"/>
+              </a:solidFill>
+              <a:tailEnd type="triangle"/>
+            </a:ln>
+          </p:spPr>
+          <p:style>
+            <a:lnRef idx="2">
+              <a:schemeClr val="accent1"/>
+            </a:lnRef>
+            <a:fillRef idx="0">
+              <a:schemeClr val="accent1"/>
+            </a:fillRef>
+            <a:effectRef idx="1">
+              <a:schemeClr val="accent1"/>
+            </a:effectRef>
+            <a:fontRef idx="minor">
+              <a:schemeClr val="tx1"/>
+            </a:fontRef>
+          </p:style>
+        </p:cxnSp>
+        <p:cxnSp>
+          <p:nvCxnSpPr>
+            <p:cNvPr id="25" name="Straight Arrow Connector 24">
+              <a:extLst>
+                <a:ext uri="{FF2B5EF4-FFF2-40B4-BE49-F238E27FC236}">
+                  <a16:creationId xmlns:a16="http://schemas.microsoft.com/office/drawing/2014/main" id="{0DDB472A-67F1-C8E6-B705-4E2D707A49AD}"/>
+                </a:ext>
+              </a:extLst>
+            </p:cNvPr>
+            <p:cNvCxnSpPr>
+              <a:cxnSpLocks/>
+              <a:stCxn id="57" idx="2"/>
+              <a:endCxn id="19" idx="0"/>
+            </p:cNvCxnSpPr>
+            <p:nvPr/>
+          </p:nvCxnSpPr>
+          <p:spPr>
+            <a:xfrm>
+              <a:off x="4422560" y="4454781"/>
+              <a:ext cx="818801" cy="455760"/>
+            </a:xfrm>
+            <a:prstGeom prst="straightConnector1">
+              <a:avLst/>
+            </a:prstGeom>
+            <a:ln w="28575">
+              <a:solidFill>
+                <a:schemeClr val="tx1"/>
+              </a:solidFill>
+              <a:tailEnd type="triangle"/>
+            </a:ln>
+          </p:spPr>
+          <p:style>
+            <a:lnRef idx="2">
+              <a:schemeClr val="accent1"/>
+            </a:lnRef>
+            <a:fillRef idx="0">
+              <a:schemeClr val="accent1"/>
+            </a:fillRef>
+            <a:effectRef idx="1">
+              <a:schemeClr val="accent1"/>
+            </a:effectRef>
+            <a:fontRef idx="minor">
+              <a:schemeClr val="tx1"/>
+            </a:fontRef>
+          </p:style>
+        </p:cxnSp>
+        <p:cxnSp>
+          <p:nvCxnSpPr>
+            <p:cNvPr id="28" name="Straight Arrow Connector 27">
+              <a:extLst>
+                <a:ext uri="{FF2B5EF4-FFF2-40B4-BE49-F238E27FC236}">
+                  <a16:creationId xmlns:a16="http://schemas.microsoft.com/office/drawing/2014/main" id="{1143BDE5-6008-B624-335E-A1B0492C1753}"/>
+                </a:ext>
+              </a:extLst>
+            </p:cNvPr>
+            <p:cNvCxnSpPr>
+              <a:cxnSpLocks/>
+              <a:stCxn id="17" idx="2"/>
+              <a:endCxn id="9" idx="0"/>
+            </p:cNvCxnSpPr>
+            <p:nvPr/>
+          </p:nvCxnSpPr>
+          <p:spPr>
+            <a:xfrm>
+              <a:off x="3344072" y="5468053"/>
+              <a:ext cx="0" cy="397904"/>
+            </a:xfrm>
+            <a:prstGeom prst="straightConnector1">
+              <a:avLst/>
+            </a:prstGeom>
+            <a:ln w="28575">
+              <a:solidFill>
+                <a:schemeClr val="tx1"/>
+              </a:solidFill>
+              <a:tailEnd type="triangle"/>
+            </a:ln>
+          </p:spPr>
+          <p:style>
+            <a:lnRef idx="2">
+              <a:schemeClr val="accent1"/>
+            </a:lnRef>
+            <a:fillRef idx="0">
+              <a:schemeClr val="accent1"/>
+            </a:fillRef>
+            <a:effectRef idx="1">
+              <a:schemeClr val="accent1"/>
+            </a:effectRef>
+            <a:fontRef idx="minor">
+              <a:schemeClr val="tx1"/>
+            </a:fontRef>
+          </p:style>
+        </p:cxnSp>
+        <p:cxnSp>
+          <p:nvCxnSpPr>
+            <p:cNvPr id="32" name="Straight Arrow Connector 31">
+              <a:extLst>
+                <a:ext uri="{FF2B5EF4-FFF2-40B4-BE49-F238E27FC236}">
+                  <a16:creationId xmlns:a16="http://schemas.microsoft.com/office/drawing/2014/main" id="{DCC1F7DC-BDD6-22E6-297D-D1B31AD7112E}"/>
+                </a:ext>
+              </a:extLst>
+            </p:cNvPr>
+            <p:cNvCxnSpPr>
+              <a:cxnSpLocks/>
+              <a:stCxn id="19" idx="2"/>
+              <a:endCxn id="10" idx="0"/>
+            </p:cNvCxnSpPr>
+            <p:nvPr/>
+          </p:nvCxnSpPr>
+          <p:spPr>
+            <a:xfrm>
+              <a:off x="5241361" y="5464323"/>
+              <a:ext cx="0" cy="390394"/>
+            </a:xfrm>
+            <a:prstGeom prst="straightConnector1">
+              <a:avLst/>
+            </a:prstGeom>
+            <a:ln w="28575">
+              <a:solidFill>
+                <a:schemeClr val="tx1"/>
+              </a:solidFill>
+              <a:tailEnd type="triangle"/>
+            </a:ln>
+          </p:spPr>
+          <p:style>
+            <a:lnRef idx="2">
+              <a:schemeClr val="accent1"/>
+            </a:lnRef>
+            <a:fillRef idx="0">
+              <a:schemeClr val="accent1"/>
+            </a:fillRef>
+            <a:effectRef idx="1">
+              <a:schemeClr val="accent1"/>
+            </a:effectRef>
+            <a:fontRef idx="minor">
+              <a:schemeClr val="tx1"/>
+            </a:fontRef>
+          </p:style>
+        </p:cxnSp>
+      </p:grpSp>
+    </p:spTree>
+    <p:extLst>
+      <p:ext uri="{BB962C8B-B14F-4D97-AF65-F5344CB8AC3E}">
+        <p14:creationId xmlns:p14="http://schemas.microsoft.com/office/powerpoint/2010/main" val="2868360207"/>
+      </p:ext>
+    </p:extLst>
+  </p:cSld>
+  <p:clrMapOvr>
+    <a:masterClrMapping/>
+  </p:clrMapOvr>
+</p:sld>
+</file>
+
 <file path=ppt/slides/slide2.xml><?xml version="1.0" encoding="utf-8"?>
 <p:sld xmlns:a="http://schemas.openxmlformats.org/drawingml/2006/main" xmlns:r="http://schemas.openxmlformats.org/officeDocument/2006/relationships" xmlns:p="http://schemas.openxmlformats.org/presentationml/2006/main">
   <p:cSld>
@@ -12857,6 +16114,5355 @@
     <p:extLst>
       <p:ext uri="{BB962C8B-B14F-4D97-AF65-F5344CB8AC3E}">
         <p14:creationId xmlns:p14="http://schemas.microsoft.com/office/powerpoint/2010/main" val="1817408682"/>
+      </p:ext>
+    </p:extLst>
+  </p:cSld>
+  <p:clrMapOvr>
+    <a:masterClrMapping/>
+  </p:clrMapOvr>
+</p:sld>
+</file>
+
+<file path=ppt/slides/slide5.xml><?xml version="1.0" encoding="utf-8"?>
+<p:sld xmlns:a="http://schemas.openxmlformats.org/drawingml/2006/main" xmlns:r="http://schemas.openxmlformats.org/officeDocument/2006/relationships" xmlns:p="http://schemas.openxmlformats.org/presentationml/2006/main">
+  <p:cSld>
+    <p:spTree>
+      <p:nvGrpSpPr>
+        <p:cNvPr id="1" name=""/>
+        <p:cNvGrpSpPr/>
+        <p:nvPr/>
+      </p:nvGrpSpPr>
+      <p:grpSpPr>
+        <a:xfrm>
+          <a:off x="0" y="0"/>
+          <a:ext cx="0" cy="0"/>
+          <a:chOff x="0" y="0"/>
+          <a:chExt cx="0" cy="0"/>
+        </a:xfrm>
+      </p:grpSpPr>
+      <p:sp>
+        <p:nvSpPr>
+          <p:cNvPr id="2" name="Cloud 1">
+            <a:extLst>
+              <a:ext uri="{FF2B5EF4-FFF2-40B4-BE49-F238E27FC236}">
+                <a16:creationId xmlns:a16="http://schemas.microsoft.com/office/drawing/2014/main" id="{30A6E523-D1CF-CC96-08BB-52BE4A66C3B1}"/>
+              </a:ext>
+            </a:extLst>
+          </p:cNvPr>
+          <p:cNvSpPr/>
+          <p:nvPr/>
+        </p:nvSpPr>
+        <p:spPr>
+          <a:xfrm>
+            <a:off x="1376039" y="1955307"/>
+            <a:ext cx="1979720" cy="1076835"/>
+          </a:xfrm>
+          <a:prstGeom prst="cloud">
+            <a:avLst/>
+          </a:prstGeom>
+        </p:spPr>
+        <p:style>
+          <a:lnRef idx="2">
+            <a:schemeClr val="accent1">
+              <a:shade val="15000"/>
+            </a:schemeClr>
+          </a:lnRef>
+          <a:fillRef idx="1">
+            <a:schemeClr val="accent1"/>
+          </a:fillRef>
+          <a:effectRef idx="0">
+            <a:schemeClr val="accent1"/>
+          </a:effectRef>
+          <a:fontRef idx="minor">
+            <a:schemeClr val="lt1"/>
+          </a:fontRef>
+        </p:style>
+        <p:txBody>
+          <a:bodyPr rtlCol="0" anchor="ctr"/>
+          <a:lstStyle/>
+          <a:p>
+            <a:pPr algn="ctr"/>
+            <a:r>
+              <a:rPr lang="en-US" dirty="0"/>
+              <a:t>Compiler</a:t>
+            </a:r>
+          </a:p>
+        </p:txBody>
+      </p:sp>
+      <p:sp>
+        <p:nvSpPr>
+          <p:cNvPr id="4" name="Rectangle 3">
+            <a:extLst>
+              <a:ext uri="{FF2B5EF4-FFF2-40B4-BE49-F238E27FC236}">
+                <a16:creationId xmlns:a16="http://schemas.microsoft.com/office/drawing/2014/main" id="{D45A32CF-A80A-7D25-AF86-5957EC179048}"/>
+              </a:ext>
+            </a:extLst>
+          </p:cNvPr>
+          <p:cNvSpPr/>
+          <p:nvPr/>
+        </p:nvSpPr>
+        <p:spPr>
+          <a:xfrm>
+            <a:off x="656948" y="630315"/>
+            <a:ext cx="1438182" cy="772357"/>
+          </a:xfrm>
+          <a:prstGeom prst="rect">
+            <a:avLst/>
+          </a:prstGeom>
+        </p:spPr>
+        <p:style>
+          <a:lnRef idx="2">
+            <a:schemeClr val="accent1">
+              <a:shade val="15000"/>
+            </a:schemeClr>
+          </a:lnRef>
+          <a:fillRef idx="1">
+            <a:schemeClr val="accent1"/>
+          </a:fillRef>
+          <a:effectRef idx="0">
+            <a:schemeClr val="accent1"/>
+          </a:effectRef>
+          <a:fontRef idx="minor">
+            <a:schemeClr val="lt1"/>
+          </a:fontRef>
+        </p:style>
+        <p:txBody>
+          <a:bodyPr rtlCol="0" anchor="ctr"/>
+          <a:lstStyle/>
+          <a:p>
+            <a:pPr algn="ctr"/>
+            <a:r>
+              <a:rPr lang="en-US" dirty="0"/>
+              <a:t>HLS</a:t>
+            </a:r>
+          </a:p>
+        </p:txBody>
+      </p:sp>
+      <p:sp>
+        <p:nvSpPr>
+          <p:cNvPr id="5" name="Rectangle 4">
+            <a:extLst>
+              <a:ext uri="{FF2B5EF4-FFF2-40B4-BE49-F238E27FC236}">
+                <a16:creationId xmlns:a16="http://schemas.microsoft.com/office/drawing/2014/main" id="{9A9B0499-584F-A1FA-AB14-6C4AA189D85F}"/>
+              </a:ext>
+            </a:extLst>
+          </p:cNvPr>
+          <p:cNvSpPr/>
+          <p:nvPr/>
+        </p:nvSpPr>
+        <p:spPr>
+          <a:xfrm>
+            <a:off x="2636668" y="630314"/>
+            <a:ext cx="1438182" cy="772357"/>
+          </a:xfrm>
+          <a:prstGeom prst="rect">
+            <a:avLst/>
+          </a:prstGeom>
+        </p:spPr>
+        <p:style>
+          <a:lnRef idx="2">
+            <a:schemeClr val="accent1">
+              <a:shade val="15000"/>
+            </a:schemeClr>
+          </a:lnRef>
+          <a:fillRef idx="1">
+            <a:schemeClr val="accent1"/>
+          </a:fillRef>
+          <a:effectRef idx="0">
+            <a:schemeClr val="accent1"/>
+          </a:effectRef>
+          <a:fontRef idx="minor">
+            <a:schemeClr val="lt1"/>
+          </a:fontRef>
+        </p:style>
+        <p:txBody>
+          <a:bodyPr rtlCol="0" anchor="ctr"/>
+          <a:lstStyle/>
+          <a:p>
+            <a:pPr algn="ctr"/>
+            <a:r>
+              <a:rPr lang="en-US" dirty="0"/>
+              <a:t>RTL</a:t>
+            </a:r>
+          </a:p>
+        </p:txBody>
+      </p:sp>
+      <p:sp>
+        <p:nvSpPr>
+          <p:cNvPr id="8" name="Rectangle 7">
+            <a:extLst>
+              <a:ext uri="{FF2B5EF4-FFF2-40B4-BE49-F238E27FC236}">
+                <a16:creationId xmlns:a16="http://schemas.microsoft.com/office/drawing/2014/main" id="{1F207147-A437-812D-EC79-62EC39C68205}"/>
+              </a:ext>
+            </a:extLst>
+          </p:cNvPr>
+          <p:cNvSpPr/>
+          <p:nvPr/>
+        </p:nvSpPr>
+        <p:spPr>
+          <a:xfrm>
+            <a:off x="205666" y="3584777"/>
+            <a:ext cx="1438182" cy="772357"/>
+          </a:xfrm>
+          <a:prstGeom prst="rect">
+            <a:avLst/>
+          </a:prstGeom>
+        </p:spPr>
+        <p:style>
+          <a:lnRef idx="2">
+            <a:schemeClr val="accent1">
+              <a:shade val="15000"/>
+            </a:schemeClr>
+          </a:lnRef>
+          <a:fillRef idx="1">
+            <a:schemeClr val="accent1"/>
+          </a:fillRef>
+          <a:effectRef idx="0">
+            <a:schemeClr val="accent1"/>
+          </a:effectRef>
+          <a:fontRef idx="minor">
+            <a:schemeClr val="lt1"/>
+          </a:fontRef>
+        </p:style>
+        <p:txBody>
+          <a:bodyPr rtlCol="0" anchor="ctr"/>
+          <a:lstStyle/>
+          <a:p>
+            <a:pPr algn="ctr"/>
+            <a:r>
+              <a:rPr lang="en-US" dirty="0" err="1"/>
+              <a:t>Verilator</a:t>
+            </a:r>
+            <a:endParaRPr lang="en-US" dirty="0"/>
+          </a:p>
+        </p:txBody>
+      </p:sp>
+      <p:sp>
+        <p:nvSpPr>
+          <p:cNvPr id="9" name="Rectangle 8">
+            <a:extLst>
+              <a:ext uri="{FF2B5EF4-FFF2-40B4-BE49-F238E27FC236}">
+                <a16:creationId xmlns:a16="http://schemas.microsoft.com/office/drawing/2014/main" id="{98292ED6-68C0-5611-323C-FD5B2A9B62F6}"/>
+              </a:ext>
+            </a:extLst>
+          </p:cNvPr>
+          <p:cNvSpPr/>
+          <p:nvPr/>
+        </p:nvSpPr>
+        <p:spPr>
+          <a:xfrm>
+            <a:off x="2185386" y="3584776"/>
+            <a:ext cx="1438182" cy="772357"/>
+          </a:xfrm>
+          <a:prstGeom prst="rect">
+            <a:avLst/>
+          </a:prstGeom>
+        </p:spPr>
+        <p:style>
+          <a:lnRef idx="2">
+            <a:schemeClr val="accent1">
+              <a:shade val="15000"/>
+            </a:schemeClr>
+          </a:lnRef>
+          <a:fillRef idx="1">
+            <a:schemeClr val="accent1"/>
+          </a:fillRef>
+          <a:effectRef idx="0">
+            <a:schemeClr val="accent1"/>
+          </a:effectRef>
+          <a:fontRef idx="minor">
+            <a:schemeClr val="lt1"/>
+          </a:fontRef>
+        </p:style>
+        <p:txBody>
+          <a:bodyPr rtlCol="0" anchor="ctr"/>
+          <a:lstStyle/>
+          <a:p>
+            <a:pPr algn="ctr"/>
+            <a:r>
+              <a:rPr lang="en-US" dirty="0"/>
+              <a:t>FPGA</a:t>
+            </a:r>
+          </a:p>
+        </p:txBody>
+      </p:sp>
+      <p:sp>
+        <p:nvSpPr>
+          <p:cNvPr id="10" name="Rectangle 9">
+            <a:extLst>
+              <a:ext uri="{FF2B5EF4-FFF2-40B4-BE49-F238E27FC236}">
+                <a16:creationId xmlns:a16="http://schemas.microsoft.com/office/drawing/2014/main" id="{7333B499-E0C3-7E83-FFDC-C371FE031757}"/>
+              </a:ext>
+            </a:extLst>
+          </p:cNvPr>
+          <p:cNvSpPr/>
+          <p:nvPr/>
+        </p:nvSpPr>
+        <p:spPr>
+          <a:xfrm>
+            <a:off x="4074850" y="3584776"/>
+            <a:ext cx="1438182" cy="772357"/>
+          </a:xfrm>
+          <a:prstGeom prst="rect">
+            <a:avLst/>
+          </a:prstGeom>
+        </p:spPr>
+        <p:style>
+          <a:lnRef idx="2">
+            <a:schemeClr val="accent1">
+              <a:shade val="15000"/>
+            </a:schemeClr>
+          </a:lnRef>
+          <a:fillRef idx="1">
+            <a:schemeClr val="accent1"/>
+          </a:fillRef>
+          <a:effectRef idx="0">
+            <a:schemeClr val="accent1"/>
+          </a:effectRef>
+          <a:fontRef idx="minor">
+            <a:schemeClr val="lt1"/>
+          </a:fontRef>
+        </p:style>
+        <p:txBody>
+          <a:bodyPr rtlCol="0" anchor="ctr"/>
+          <a:lstStyle/>
+          <a:p>
+            <a:pPr algn="ctr"/>
+            <a:r>
+              <a:rPr lang="en-US" dirty="0"/>
+              <a:t>ASIC</a:t>
+            </a:r>
+          </a:p>
+        </p:txBody>
+      </p:sp>
+      <p:cxnSp>
+        <p:nvCxnSpPr>
+          <p:cNvPr id="13" name="Straight Arrow Connector 12">
+            <a:extLst>
+              <a:ext uri="{FF2B5EF4-FFF2-40B4-BE49-F238E27FC236}">
+                <a16:creationId xmlns:a16="http://schemas.microsoft.com/office/drawing/2014/main" id="{6FE1DB82-5A1C-BA18-1995-4DE567511CE3}"/>
+              </a:ext>
+            </a:extLst>
+          </p:cNvPr>
+          <p:cNvCxnSpPr>
+            <a:stCxn id="4" idx="2"/>
+            <a:endCxn id="2" idx="3"/>
+          </p:cNvCxnSpPr>
+          <p:nvPr/>
+        </p:nvCxnSpPr>
+        <p:spPr>
+          <a:xfrm>
+            <a:off x="1376039" y="1402672"/>
+            <a:ext cx="989860" cy="614204"/>
+          </a:xfrm>
+          <a:prstGeom prst="straightConnector1">
+            <a:avLst/>
+          </a:prstGeom>
+          <a:ln>
+            <a:tailEnd type="triangle"/>
+          </a:ln>
+        </p:spPr>
+        <p:style>
+          <a:lnRef idx="2">
+            <a:schemeClr val="accent1"/>
+          </a:lnRef>
+          <a:fillRef idx="0">
+            <a:schemeClr val="accent1"/>
+          </a:fillRef>
+          <a:effectRef idx="1">
+            <a:schemeClr val="accent1"/>
+          </a:effectRef>
+          <a:fontRef idx="minor">
+            <a:schemeClr val="tx1"/>
+          </a:fontRef>
+        </p:style>
+      </p:cxnSp>
+      <p:cxnSp>
+        <p:nvCxnSpPr>
+          <p:cNvPr id="15" name="Straight Arrow Connector 14">
+            <a:extLst>
+              <a:ext uri="{FF2B5EF4-FFF2-40B4-BE49-F238E27FC236}">
+                <a16:creationId xmlns:a16="http://schemas.microsoft.com/office/drawing/2014/main" id="{8AC4ADA9-6D26-4C93-8895-D8E96B3C6BCB}"/>
+              </a:ext>
+            </a:extLst>
+          </p:cNvPr>
+          <p:cNvCxnSpPr>
+            <a:stCxn id="5" idx="2"/>
+            <a:endCxn id="2" idx="3"/>
+          </p:cNvCxnSpPr>
+          <p:nvPr/>
+        </p:nvCxnSpPr>
+        <p:spPr>
+          <a:xfrm flipH="1">
+            <a:off x="2365899" y="1402671"/>
+            <a:ext cx="989860" cy="614205"/>
+          </a:xfrm>
+          <a:prstGeom prst="straightConnector1">
+            <a:avLst/>
+          </a:prstGeom>
+          <a:ln>
+            <a:tailEnd type="triangle"/>
+          </a:ln>
+        </p:spPr>
+        <p:style>
+          <a:lnRef idx="2">
+            <a:schemeClr val="accent1"/>
+          </a:lnRef>
+          <a:fillRef idx="0">
+            <a:schemeClr val="accent1"/>
+          </a:fillRef>
+          <a:effectRef idx="1">
+            <a:schemeClr val="accent1"/>
+          </a:effectRef>
+          <a:fontRef idx="minor">
+            <a:schemeClr val="tx1"/>
+          </a:fontRef>
+        </p:style>
+      </p:cxnSp>
+      <p:cxnSp>
+        <p:nvCxnSpPr>
+          <p:cNvPr id="17" name="Straight Arrow Connector 16">
+            <a:extLst>
+              <a:ext uri="{FF2B5EF4-FFF2-40B4-BE49-F238E27FC236}">
+                <a16:creationId xmlns:a16="http://schemas.microsoft.com/office/drawing/2014/main" id="{6D609F9F-6381-962D-B06B-FAC782FAF6F4}"/>
+              </a:ext>
+            </a:extLst>
+          </p:cNvPr>
+          <p:cNvCxnSpPr>
+            <a:cxnSpLocks/>
+            <a:stCxn id="2" idx="1"/>
+            <a:endCxn id="8" idx="0"/>
+          </p:cNvCxnSpPr>
+          <p:nvPr/>
+        </p:nvCxnSpPr>
+        <p:spPr>
+          <a:xfrm flipH="1">
+            <a:off x="924757" y="3030995"/>
+            <a:ext cx="1441142" cy="553782"/>
+          </a:xfrm>
+          <a:prstGeom prst="straightConnector1">
+            <a:avLst/>
+          </a:prstGeom>
+          <a:ln>
+            <a:tailEnd type="triangle"/>
+          </a:ln>
+        </p:spPr>
+        <p:style>
+          <a:lnRef idx="2">
+            <a:schemeClr val="accent1"/>
+          </a:lnRef>
+          <a:fillRef idx="0">
+            <a:schemeClr val="accent1"/>
+          </a:fillRef>
+          <a:effectRef idx="1">
+            <a:schemeClr val="accent1"/>
+          </a:effectRef>
+          <a:fontRef idx="minor">
+            <a:schemeClr val="tx1"/>
+          </a:fontRef>
+        </p:style>
+      </p:cxnSp>
+      <p:cxnSp>
+        <p:nvCxnSpPr>
+          <p:cNvPr id="18" name="Straight Arrow Connector 17">
+            <a:extLst>
+              <a:ext uri="{FF2B5EF4-FFF2-40B4-BE49-F238E27FC236}">
+                <a16:creationId xmlns:a16="http://schemas.microsoft.com/office/drawing/2014/main" id="{10D99CF3-E4FF-53AD-17D7-FCEEFC8C5C10}"/>
+              </a:ext>
+            </a:extLst>
+          </p:cNvPr>
+          <p:cNvCxnSpPr>
+            <a:cxnSpLocks/>
+            <a:stCxn id="2" idx="1"/>
+            <a:endCxn id="9" idx="0"/>
+          </p:cNvCxnSpPr>
+          <p:nvPr/>
+        </p:nvCxnSpPr>
+        <p:spPr>
+          <a:xfrm>
+            <a:off x="2365899" y="3030995"/>
+            <a:ext cx="538578" cy="553781"/>
+          </a:xfrm>
+          <a:prstGeom prst="straightConnector1">
+            <a:avLst/>
+          </a:prstGeom>
+          <a:ln>
+            <a:tailEnd type="triangle"/>
+          </a:ln>
+        </p:spPr>
+        <p:style>
+          <a:lnRef idx="2">
+            <a:schemeClr val="accent1"/>
+          </a:lnRef>
+          <a:fillRef idx="0">
+            <a:schemeClr val="accent1"/>
+          </a:fillRef>
+          <a:effectRef idx="1">
+            <a:schemeClr val="accent1"/>
+          </a:effectRef>
+          <a:fontRef idx="minor">
+            <a:schemeClr val="tx1"/>
+          </a:fontRef>
+        </p:style>
+      </p:cxnSp>
+      <p:cxnSp>
+        <p:nvCxnSpPr>
+          <p:cNvPr id="21" name="Straight Arrow Connector 20">
+            <a:extLst>
+              <a:ext uri="{FF2B5EF4-FFF2-40B4-BE49-F238E27FC236}">
+                <a16:creationId xmlns:a16="http://schemas.microsoft.com/office/drawing/2014/main" id="{3C3F37CA-E0A3-4BB4-12CE-638E5A18C019}"/>
+              </a:ext>
+            </a:extLst>
+          </p:cNvPr>
+          <p:cNvCxnSpPr>
+            <a:cxnSpLocks/>
+            <a:stCxn id="2" idx="1"/>
+            <a:endCxn id="10" idx="0"/>
+          </p:cNvCxnSpPr>
+          <p:nvPr/>
+        </p:nvCxnSpPr>
+        <p:spPr>
+          <a:xfrm>
+            <a:off x="2365899" y="3030995"/>
+            <a:ext cx="2428042" cy="553781"/>
+          </a:xfrm>
+          <a:prstGeom prst="straightConnector1">
+            <a:avLst/>
+          </a:prstGeom>
+          <a:ln>
+            <a:tailEnd type="triangle"/>
+          </a:ln>
+        </p:spPr>
+        <p:style>
+          <a:lnRef idx="2">
+            <a:schemeClr val="accent1"/>
+          </a:lnRef>
+          <a:fillRef idx="0">
+            <a:schemeClr val="accent1"/>
+          </a:fillRef>
+          <a:effectRef idx="1">
+            <a:schemeClr val="accent1"/>
+          </a:effectRef>
+          <a:fontRef idx="minor">
+            <a:schemeClr val="tx1"/>
+          </a:fontRef>
+        </p:style>
+      </p:cxnSp>
+    </p:spTree>
+    <p:extLst>
+      <p:ext uri="{BB962C8B-B14F-4D97-AF65-F5344CB8AC3E}">
+        <p14:creationId xmlns:p14="http://schemas.microsoft.com/office/powerpoint/2010/main" val="2820774503"/>
+      </p:ext>
+    </p:extLst>
+  </p:cSld>
+  <p:clrMapOvr>
+    <a:masterClrMapping/>
+  </p:clrMapOvr>
+</p:sld>
+</file>
+
+<file path=ppt/slides/slide6.xml><?xml version="1.0" encoding="utf-8"?>
+<p:sld xmlns:a="http://schemas.openxmlformats.org/drawingml/2006/main" xmlns:r="http://schemas.openxmlformats.org/officeDocument/2006/relationships" xmlns:p="http://schemas.openxmlformats.org/presentationml/2006/main">
+  <p:cSld>
+    <p:spTree>
+      <p:nvGrpSpPr>
+        <p:cNvPr id="1" name=""/>
+        <p:cNvGrpSpPr/>
+        <p:nvPr/>
+      </p:nvGrpSpPr>
+      <p:grpSpPr>
+        <a:xfrm>
+          <a:off x="0" y="0"/>
+          <a:ext cx="0" cy="0"/>
+          <a:chOff x="0" y="0"/>
+          <a:chExt cx="0" cy="0"/>
+        </a:xfrm>
+      </p:grpSpPr>
+      <p:grpSp>
+        <p:nvGrpSpPr>
+          <p:cNvPr id="124" name="Group 123">
+            <a:extLst>
+              <a:ext uri="{FF2B5EF4-FFF2-40B4-BE49-F238E27FC236}">
+                <a16:creationId xmlns:a16="http://schemas.microsoft.com/office/drawing/2014/main" id="{0BFA8E99-3A8F-3FF7-BD7D-9D1EFE5A21A5}"/>
+              </a:ext>
+            </a:extLst>
+          </p:cNvPr>
+          <p:cNvGrpSpPr/>
+          <p:nvPr/>
+        </p:nvGrpSpPr>
+        <p:grpSpPr>
+          <a:xfrm>
+            <a:off x="437612" y="630315"/>
+            <a:ext cx="6066215" cy="6020757"/>
+            <a:chOff x="437612" y="630315"/>
+            <a:chExt cx="6066215" cy="6020757"/>
+          </a:xfrm>
+        </p:grpSpPr>
+        <p:sp>
+          <p:nvSpPr>
+            <p:cNvPr id="4" name="Rectangle 3">
+              <a:extLst>
+                <a:ext uri="{FF2B5EF4-FFF2-40B4-BE49-F238E27FC236}">
+                  <a16:creationId xmlns:a16="http://schemas.microsoft.com/office/drawing/2014/main" id="{D45A32CF-A80A-7D25-AF86-5957EC179048}"/>
+                </a:ext>
+              </a:extLst>
+            </p:cNvPr>
+            <p:cNvSpPr/>
+            <p:nvPr/>
+          </p:nvSpPr>
+          <p:spPr>
+            <a:xfrm>
+              <a:off x="656948" y="630315"/>
+              <a:ext cx="1438182" cy="772357"/>
+            </a:xfrm>
+            <a:prstGeom prst="rect">
+              <a:avLst/>
+            </a:prstGeom>
+            <a:noFill/>
+            <a:ln w="28575">
+              <a:solidFill>
+                <a:schemeClr val="tx1"/>
+              </a:solidFill>
+            </a:ln>
+          </p:spPr>
+          <p:style>
+            <a:lnRef idx="2">
+              <a:schemeClr val="accent1">
+                <a:shade val="15000"/>
+              </a:schemeClr>
+            </a:lnRef>
+            <a:fillRef idx="1">
+              <a:schemeClr val="accent1"/>
+            </a:fillRef>
+            <a:effectRef idx="0">
+              <a:schemeClr val="accent1"/>
+            </a:effectRef>
+            <a:fontRef idx="minor">
+              <a:schemeClr val="lt1"/>
+            </a:fontRef>
+          </p:style>
+          <p:txBody>
+            <a:bodyPr rtlCol="0" anchor="ctr"/>
+            <a:lstStyle/>
+            <a:p>
+              <a:pPr algn="ctr"/>
+              <a:r>
+                <a:rPr lang="en-US" dirty="0">
+                  <a:solidFill>
+                    <a:schemeClr val="tx1"/>
+                  </a:solidFill>
+                </a:rPr>
+                <a:t>HLS</a:t>
+              </a:r>
+            </a:p>
+          </p:txBody>
+        </p:sp>
+        <p:sp>
+          <p:nvSpPr>
+            <p:cNvPr id="5" name="Rectangle 4">
+              <a:extLst>
+                <a:ext uri="{FF2B5EF4-FFF2-40B4-BE49-F238E27FC236}">
+                  <a16:creationId xmlns:a16="http://schemas.microsoft.com/office/drawing/2014/main" id="{9A9B0499-584F-A1FA-AB14-6C4AA189D85F}"/>
+                </a:ext>
+              </a:extLst>
+            </p:cNvPr>
+            <p:cNvSpPr/>
+            <p:nvPr/>
+          </p:nvSpPr>
+          <p:spPr>
+            <a:xfrm>
+              <a:off x="4856086" y="630315"/>
+              <a:ext cx="1438182" cy="772357"/>
+            </a:xfrm>
+            <a:prstGeom prst="rect">
+              <a:avLst/>
+            </a:prstGeom>
+            <a:noFill/>
+            <a:ln w="28575">
+              <a:solidFill>
+                <a:schemeClr val="tx1"/>
+              </a:solidFill>
+            </a:ln>
+          </p:spPr>
+          <p:style>
+            <a:lnRef idx="2">
+              <a:schemeClr val="accent1">
+                <a:shade val="15000"/>
+              </a:schemeClr>
+            </a:lnRef>
+            <a:fillRef idx="1">
+              <a:schemeClr val="accent1"/>
+            </a:fillRef>
+            <a:effectRef idx="0">
+              <a:schemeClr val="accent1"/>
+            </a:effectRef>
+            <a:fontRef idx="minor">
+              <a:schemeClr val="lt1"/>
+            </a:fontRef>
+          </p:style>
+          <p:txBody>
+            <a:bodyPr rtlCol="0" anchor="ctr"/>
+            <a:lstStyle/>
+            <a:p>
+              <a:pPr algn="ctr"/>
+              <a:r>
+                <a:rPr lang="en-US" dirty="0">
+                  <a:solidFill>
+                    <a:schemeClr val="tx1"/>
+                  </a:solidFill>
+                </a:rPr>
+                <a:t>RTL</a:t>
+              </a:r>
+            </a:p>
+          </p:txBody>
+        </p:sp>
+        <p:sp>
+          <p:nvSpPr>
+            <p:cNvPr id="8" name="Rectangle 7">
+              <a:extLst>
+                <a:ext uri="{FF2B5EF4-FFF2-40B4-BE49-F238E27FC236}">
+                  <a16:creationId xmlns:a16="http://schemas.microsoft.com/office/drawing/2014/main" id="{1F207147-A437-812D-EC79-62EC39C68205}"/>
+                </a:ext>
+              </a:extLst>
+            </p:cNvPr>
+            <p:cNvSpPr/>
+            <p:nvPr/>
+          </p:nvSpPr>
+          <p:spPr>
+            <a:xfrm>
+              <a:off x="654183" y="5878715"/>
+              <a:ext cx="1438182" cy="772357"/>
+            </a:xfrm>
+            <a:prstGeom prst="rect">
+              <a:avLst/>
+            </a:prstGeom>
+            <a:noFill/>
+            <a:ln w="28575">
+              <a:solidFill>
+                <a:schemeClr val="tx1"/>
+              </a:solidFill>
+            </a:ln>
+          </p:spPr>
+          <p:style>
+            <a:lnRef idx="2">
+              <a:schemeClr val="accent1">
+                <a:shade val="15000"/>
+              </a:schemeClr>
+            </a:lnRef>
+            <a:fillRef idx="1">
+              <a:schemeClr val="accent1"/>
+            </a:fillRef>
+            <a:effectRef idx="0">
+              <a:schemeClr val="accent1"/>
+            </a:effectRef>
+            <a:fontRef idx="minor">
+              <a:schemeClr val="lt1"/>
+            </a:fontRef>
+          </p:style>
+          <p:txBody>
+            <a:bodyPr rtlCol="0" anchor="ctr"/>
+            <a:lstStyle/>
+            <a:p>
+              <a:pPr algn="ctr"/>
+              <a:r>
+                <a:rPr lang="en-US" dirty="0" err="1">
+                  <a:solidFill>
+                    <a:schemeClr val="tx1"/>
+                  </a:solidFill>
+                </a:rPr>
+                <a:t>Verilator</a:t>
+              </a:r>
+              <a:endParaRPr lang="en-US" dirty="0">
+                <a:solidFill>
+                  <a:schemeClr val="tx1"/>
+                </a:solidFill>
+              </a:endParaRPr>
+            </a:p>
+          </p:txBody>
+        </p:sp>
+        <p:sp>
+          <p:nvSpPr>
+            <p:cNvPr id="9" name="Rectangle 8">
+              <a:extLst>
+                <a:ext uri="{FF2B5EF4-FFF2-40B4-BE49-F238E27FC236}">
+                  <a16:creationId xmlns:a16="http://schemas.microsoft.com/office/drawing/2014/main" id="{98292ED6-68C0-5611-323C-FD5B2A9B62F6}"/>
+                </a:ext>
+              </a:extLst>
+            </p:cNvPr>
+            <p:cNvSpPr/>
+            <p:nvPr/>
+          </p:nvSpPr>
+          <p:spPr>
+            <a:xfrm>
+              <a:off x="2588227" y="5854718"/>
+              <a:ext cx="1438182" cy="772357"/>
+            </a:xfrm>
+            <a:prstGeom prst="rect">
+              <a:avLst/>
+            </a:prstGeom>
+            <a:noFill/>
+            <a:ln w="28575">
+              <a:solidFill>
+                <a:schemeClr val="tx1"/>
+              </a:solidFill>
+            </a:ln>
+          </p:spPr>
+          <p:style>
+            <a:lnRef idx="2">
+              <a:schemeClr val="accent1">
+                <a:shade val="15000"/>
+              </a:schemeClr>
+            </a:lnRef>
+            <a:fillRef idx="1">
+              <a:schemeClr val="accent1"/>
+            </a:fillRef>
+            <a:effectRef idx="0">
+              <a:schemeClr val="accent1"/>
+            </a:effectRef>
+            <a:fontRef idx="minor">
+              <a:schemeClr val="lt1"/>
+            </a:fontRef>
+          </p:style>
+          <p:txBody>
+            <a:bodyPr rtlCol="0" anchor="ctr"/>
+            <a:lstStyle/>
+            <a:p>
+              <a:pPr algn="ctr"/>
+              <a:r>
+                <a:rPr lang="en-US" dirty="0">
+                  <a:solidFill>
+                    <a:schemeClr val="tx1"/>
+                  </a:solidFill>
+                </a:rPr>
+                <a:t>FPGA</a:t>
+              </a:r>
+            </a:p>
+          </p:txBody>
+        </p:sp>
+        <p:sp>
+          <p:nvSpPr>
+            <p:cNvPr id="10" name="Rectangle 9">
+              <a:extLst>
+                <a:ext uri="{FF2B5EF4-FFF2-40B4-BE49-F238E27FC236}">
+                  <a16:creationId xmlns:a16="http://schemas.microsoft.com/office/drawing/2014/main" id="{7333B499-E0C3-7E83-FFDC-C371FE031757}"/>
+                </a:ext>
+              </a:extLst>
+            </p:cNvPr>
+            <p:cNvSpPr/>
+            <p:nvPr/>
+          </p:nvSpPr>
+          <p:spPr>
+            <a:xfrm>
+              <a:off x="4522270" y="5854717"/>
+              <a:ext cx="1438182" cy="772357"/>
+            </a:xfrm>
+            <a:prstGeom prst="rect">
+              <a:avLst/>
+            </a:prstGeom>
+            <a:noFill/>
+            <a:ln w="28575">
+              <a:solidFill>
+                <a:schemeClr val="tx1"/>
+              </a:solidFill>
+            </a:ln>
+          </p:spPr>
+          <p:style>
+            <a:lnRef idx="2">
+              <a:schemeClr val="accent1">
+                <a:shade val="15000"/>
+              </a:schemeClr>
+            </a:lnRef>
+            <a:fillRef idx="1">
+              <a:schemeClr val="accent1"/>
+            </a:fillRef>
+            <a:effectRef idx="0">
+              <a:schemeClr val="accent1"/>
+            </a:effectRef>
+            <a:fontRef idx="minor">
+              <a:schemeClr val="lt1"/>
+            </a:fontRef>
+          </p:style>
+          <p:txBody>
+            <a:bodyPr rtlCol="0" anchor="ctr"/>
+            <a:lstStyle/>
+            <a:p>
+              <a:pPr algn="ctr"/>
+              <a:r>
+                <a:rPr lang="en-US" dirty="0">
+                  <a:solidFill>
+                    <a:schemeClr val="tx1"/>
+                  </a:solidFill>
+                </a:rPr>
+                <a:t>ASIC</a:t>
+              </a:r>
+            </a:p>
+          </p:txBody>
+        </p:sp>
+        <p:cxnSp>
+          <p:nvCxnSpPr>
+            <p:cNvPr id="18" name="Straight Arrow Connector 17">
+              <a:extLst>
+                <a:ext uri="{FF2B5EF4-FFF2-40B4-BE49-F238E27FC236}">
+                  <a16:creationId xmlns:a16="http://schemas.microsoft.com/office/drawing/2014/main" id="{10D99CF3-E4FF-53AD-17D7-FCEEFC8C5C10}"/>
+                </a:ext>
+              </a:extLst>
+            </p:cNvPr>
+            <p:cNvCxnSpPr>
+              <a:cxnSpLocks/>
+              <a:stCxn id="103" idx="1"/>
+              <a:endCxn id="9" idx="0"/>
+            </p:cNvCxnSpPr>
+            <p:nvPr/>
+          </p:nvCxnSpPr>
+          <p:spPr>
+            <a:xfrm flipH="1">
+              <a:off x="3307318" y="5324095"/>
+              <a:ext cx="1293" cy="530623"/>
+            </a:xfrm>
+            <a:prstGeom prst="straightConnector1">
+              <a:avLst/>
+            </a:prstGeom>
+            <a:ln w="28575">
+              <a:solidFill>
+                <a:schemeClr val="tx1"/>
+              </a:solidFill>
+              <a:tailEnd type="triangle"/>
+            </a:ln>
+          </p:spPr>
+          <p:style>
+            <a:lnRef idx="2">
+              <a:schemeClr val="accent1"/>
+            </a:lnRef>
+            <a:fillRef idx="0">
+              <a:schemeClr val="accent1"/>
+            </a:fillRef>
+            <a:effectRef idx="1">
+              <a:schemeClr val="accent1"/>
+            </a:effectRef>
+            <a:fontRef idx="minor">
+              <a:schemeClr val="tx1"/>
+            </a:fontRef>
+          </p:style>
+        </p:cxnSp>
+        <p:sp>
+          <p:nvSpPr>
+            <p:cNvPr id="24" name="Rectangle 23">
+              <a:extLst>
+                <a:ext uri="{FF2B5EF4-FFF2-40B4-BE49-F238E27FC236}">
+                  <a16:creationId xmlns:a16="http://schemas.microsoft.com/office/drawing/2014/main" id="{1FF76C45-02A1-9F0E-9FDF-00E8F47E854C}"/>
+                </a:ext>
+              </a:extLst>
+            </p:cNvPr>
+            <p:cNvSpPr/>
+            <p:nvPr/>
+          </p:nvSpPr>
+          <p:spPr>
+            <a:xfrm>
+              <a:off x="2770572" y="630315"/>
+              <a:ext cx="1438182" cy="772357"/>
+            </a:xfrm>
+            <a:prstGeom prst="rect">
+              <a:avLst/>
+            </a:prstGeom>
+            <a:noFill/>
+            <a:ln w="28575">
+              <a:solidFill>
+                <a:schemeClr val="tx1"/>
+              </a:solidFill>
+            </a:ln>
+          </p:spPr>
+          <p:style>
+            <a:lnRef idx="2">
+              <a:schemeClr val="accent1">
+                <a:shade val="15000"/>
+              </a:schemeClr>
+            </a:lnRef>
+            <a:fillRef idx="1">
+              <a:schemeClr val="accent1"/>
+            </a:fillRef>
+            <a:effectRef idx="0">
+              <a:schemeClr val="accent1"/>
+            </a:effectRef>
+            <a:fontRef idx="minor">
+              <a:schemeClr val="lt1"/>
+            </a:fontRef>
+          </p:style>
+          <p:txBody>
+            <a:bodyPr rtlCol="0" anchor="ctr"/>
+            <a:lstStyle/>
+            <a:p>
+              <a:pPr algn="ctr"/>
+              <a:r>
+                <a:rPr lang="en-US" dirty="0">
+                  <a:solidFill>
+                    <a:schemeClr val="tx1"/>
+                  </a:solidFill>
+                </a:rPr>
+                <a:t>Calyx Frontends</a:t>
+              </a:r>
+            </a:p>
+          </p:txBody>
+        </p:sp>
+        <p:sp>
+          <p:nvSpPr>
+            <p:cNvPr id="40" name="Cloud 39">
+              <a:extLst>
+                <a:ext uri="{FF2B5EF4-FFF2-40B4-BE49-F238E27FC236}">
+                  <a16:creationId xmlns:a16="http://schemas.microsoft.com/office/drawing/2014/main" id="{02B2787B-9F89-5C10-7930-FAD79AE5C04F}"/>
+                </a:ext>
+              </a:extLst>
+            </p:cNvPr>
+            <p:cNvSpPr/>
+            <p:nvPr/>
+          </p:nvSpPr>
+          <p:spPr>
+            <a:xfrm>
+              <a:off x="437612" y="1666838"/>
+              <a:ext cx="1871324" cy="914400"/>
+            </a:xfrm>
+            <a:prstGeom prst="cloud">
+              <a:avLst/>
+            </a:prstGeom>
+            <a:noFill/>
+            <a:ln w="28575">
+              <a:solidFill>
+                <a:schemeClr val="tx1"/>
+              </a:solidFill>
+            </a:ln>
+          </p:spPr>
+          <p:style>
+            <a:lnRef idx="2">
+              <a:schemeClr val="accent1">
+                <a:shade val="15000"/>
+              </a:schemeClr>
+            </a:lnRef>
+            <a:fillRef idx="1">
+              <a:schemeClr val="accent1"/>
+            </a:fillRef>
+            <a:effectRef idx="0">
+              <a:schemeClr val="accent1"/>
+            </a:effectRef>
+            <a:fontRef idx="minor">
+              <a:schemeClr val="lt1"/>
+            </a:fontRef>
+          </p:style>
+          <p:txBody>
+            <a:bodyPr rtlCol="0" anchor="ctr"/>
+            <a:lstStyle/>
+            <a:p>
+              <a:pPr algn="ctr"/>
+              <a:r>
+                <a:rPr lang="en-US" dirty="0">
+                  <a:solidFill>
+                    <a:schemeClr val="tx1"/>
+                  </a:solidFill>
+                </a:rPr>
+                <a:t>HLS Compiler</a:t>
+              </a:r>
+            </a:p>
+          </p:txBody>
+        </p:sp>
+        <p:sp>
+          <p:nvSpPr>
+            <p:cNvPr id="43" name="Cloud 42">
+              <a:extLst>
+                <a:ext uri="{FF2B5EF4-FFF2-40B4-BE49-F238E27FC236}">
+                  <a16:creationId xmlns:a16="http://schemas.microsoft.com/office/drawing/2014/main" id="{EC70B22C-F794-65AB-824C-F290C35C8FAD}"/>
+                </a:ext>
+              </a:extLst>
+            </p:cNvPr>
+            <p:cNvSpPr/>
+            <p:nvPr/>
+          </p:nvSpPr>
+          <p:spPr>
+            <a:xfrm>
+              <a:off x="2551236" y="1614556"/>
+              <a:ext cx="1871324" cy="914400"/>
+            </a:xfrm>
+            <a:prstGeom prst="cloud">
+              <a:avLst/>
+            </a:prstGeom>
+            <a:noFill/>
+            <a:ln w="28575">
+              <a:solidFill>
+                <a:schemeClr val="tx1"/>
+              </a:solidFill>
+            </a:ln>
+          </p:spPr>
+          <p:style>
+            <a:lnRef idx="2">
+              <a:schemeClr val="accent1">
+                <a:shade val="15000"/>
+              </a:schemeClr>
+            </a:lnRef>
+            <a:fillRef idx="1">
+              <a:schemeClr val="accent1"/>
+            </a:fillRef>
+            <a:effectRef idx="0">
+              <a:schemeClr val="accent1"/>
+            </a:effectRef>
+            <a:fontRef idx="minor">
+              <a:schemeClr val="lt1"/>
+            </a:fontRef>
+          </p:style>
+          <p:txBody>
+            <a:bodyPr rtlCol="0" anchor="ctr"/>
+            <a:lstStyle/>
+            <a:p>
+              <a:pPr algn="ctr"/>
+              <a:r>
+                <a:rPr lang="en-US" dirty="0">
+                  <a:solidFill>
+                    <a:schemeClr val="tx1"/>
+                  </a:solidFill>
+                </a:rPr>
+                <a:t>Custom Compiler</a:t>
+              </a:r>
+            </a:p>
+          </p:txBody>
+        </p:sp>
+        <p:cxnSp>
+          <p:nvCxnSpPr>
+            <p:cNvPr id="45" name="Straight Arrow Connector 44">
+              <a:extLst>
+                <a:ext uri="{FF2B5EF4-FFF2-40B4-BE49-F238E27FC236}">
+                  <a16:creationId xmlns:a16="http://schemas.microsoft.com/office/drawing/2014/main" id="{9B4B6759-0EE9-026A-D4CB-2A2370592453}"/>
+                </a:ext>
+              </a:extLst>
+            </p:cNvPr>
+            <p:cNvCxnSpPr>
+              <a:cxnSpLocks/>
+              <a:stCxn id="4" idx="2"/>
+              <a:endCxn id="40" idx="3"/>
+            </p:cNvCxnSpPr>
+            <p:nvPr/>
+          </p:nvCxnSpPr>
+          <p:spPr>
+            <a:xfrm flipH="1">
+              <a:off x="1373274" y="1402672"/>
+              <a:ext cx="2765" cy="316448"/>
+            </a:xfrm>
+            <a:prstGeom prst="straightConnector1">
+              <a:avLst/>
+            </a:prstGeom>
+            <a:ln w="28575">
+              <a:solidFill>
+                <a:schemeClr val="tx1"/>
+              </a:solidFill>
+              <a:tailEnd type="triangle"/>
+            </a:ln>
+          </p:spPr>
+          <p:style>
+            <a:lnRef idx="2">
+              <a:schemeClr val="accent1"/>
+            </a:lnRef>
+            <a:fillRef idx="0">
+              <a:schemeClr val="accent1"/>
+            </a:fillRef>
+            <a:effectRef idx="1">
+              <a:schemeClr val="accent1"/>
+            </a:effectRef>
+            <a:fontRef idx="minor">
+              <a:schemeClr val="tx1"/>
+            </a:fontRef>
+          </p:style>
+        </p:cxnSp>
+        <p:cxnSp>
+          <p:nvCxnSpPr>
+            <p:cNvPr id="47" name="Straight Arrow Connector 46">
+              <a:extLst>
+                <a:ext uri="{FF2B5EF4-FFF2-40B4-BE49-F238E27FC236}">
+                  <a16:creationId xmlns:a16="http://schemas.microsoft.com/office/drawing/2014/main" id="{D5802992-DF12-1D3B-6EF9-4D11CD5E9331}"/>
+                </a:ext>
+              </a:extLst>
+            </p:cNvPr>
+            <p:cNvCxnSpPr>
+              <a:stCxn id="24" idx="2"/>
+              <a:endCxn id="43" idx="3"/>
+            </p:cNvCxnSpPr>
+            <p:nvPr/>
+          </p:nvCxnSpPr>
+          <p:spPr>
+            <a:xfrm flipH="1">
+              <a:off x="3486898" y="1402672"/>
+              <a:ext cx="2765" cy="264166"/>
+            </a:xfrm>
+            <a:prstGeom prst="straightConnector1">
+              <a:avLst/>
+            </a:prstGeom>
+            <a:ln w="28575">
+              <a:solidFill>
+                <a:schemeClr val="tx1"/>
+              </a:solidFill>
+              <a:tailEnd type="triangle"/>
+            </a:ln>
+          </p:spPr>
+          <p:style>
+            <a:lnRef idx="2">
+              <a:schemeClr val="accent1"/>
+            </a:lnRef>
+            <a:fillRef idx="0">
+              <a:schemeClr val="accent1"/>
+            </a:fillRef>
+            <a:effectRef idx="1">
+              <a:schemeClr val="accent1"/>
+            </a:effectRef>
+            <a:fontRef idx="minor">
+              <a:schemeClr val="tx1"/>
+            </a:fontRef>
+          </p:style>
+        </p:cxnSp>
+        <p:sp>
+          <p:nvSpPr>
+            <p:cNvPr id="48" name="Cloud 47">
+              <a:extLst>
+                <a:ext uri="{FF2B5EF4-FFF2-40B4-BE49-F238E27FC236}">
+                  <a16:creationId xmlns:a16="http://schemas.microsoft.com/office/drawing/2014/main" id="{15E159B4-2B7A-C9FF-7704-13E2D02BC1BC}"/>
+                </a:ext>
+              </a:extLst>
+            </p:cNvPr>
+            <p:cNvSpPr/>
+            <p:nvPr/>
+          </p:nvSpPr>
+          <p:spPr>
+            <a:xfrm>
+              <a:off x="4632503" y="1614556"/>
+              <a:ext cx="1871324" cy="914400"/>
+            </a:xfrm>
+            <a:prstGeom prst="cloud">
+              <a:avLst/>
+            </a:prstGeom>
+            <a:noFill/>
+            <a:ln w="28575">
+              <a:solidFill>
+                <a:schemeClr val="tx1"/>
+              </a:solidFill>
+            </a:ln>
+          </p:spPr>
+          <p:style>
+            <a:lnRef idx="2">
+              <a:schemeClr val="accent1">
+                <a:shade val="15000"/>
+              </a:schemeClr>
+            </a:lnRef>
+            <a:fillRef idx="1">
+              <a:schemeClr val="accent1"/>
+            </a:fillRef>
+            <a:effectRef idx="0">
+              <a:schemeClr val="accent1"/>
+            </a:effectRef>
+            <a:fontRef idx="minor">
+              <a:schemeClr val="lt1"/>
+            </a:fontRef>
+          </p:style>
+          <p:txBody>
+            <a:bodyPr rtlCol="0" anchor="ctr"/>
+            <a:lstStyle/>
+            <a:p>
+              <a:pPr algn="ctr"/>
+              <a:r>
+                <a:rPr lang="en-US" dirty="0">
+                  <a:solidFill>
+                    <a:schemeClr val="tx1"/>
+                  </a:solidFill>
+                </a:rPr>
+                <a:t>RTL Compiler</a:t>
+              </a:r>
+            </a:p>
+          </p:txBody>
+        </p:sp>
+        <p:cxnSp>
+          <p:nvCxnSpPr>
+            <p:cNvPr id="61" name="Straight Arrow Connector 60">
+              <a:extLst>
+                <a:ext uri="{FF2B5EF4-FFF2-40B4-BE49-F238E27FC236}">
+                  <a16:creationId xmlns:a16="http://schemas.microsoft.com/office/drawing/2014/main" id="{802BA0BD-9537-14CF-0223-4C5B9DE8C2E2}"/>
+                </a:ext>
+              </a:extLst>
+            </p:cNvPr>
+            <p:cNvCxnSpPr>
+              <a:cxnSpLocks/>
+              <a:stCxn id="103" idx="1"/>
+              <a:endCxn id="10" idx="0"/>
+            </p:cNvCxnSpPr>
+            <p:nvPr/>
+          </p:nvCxnSpPr>
+          <p:spPr>
+            <a:xfrm>
+              <a:off x="3308611" y="5324095"/>
+              <a:ext cx="1932750" cy="530622"/>
+            </a:xfrm>
+            <a:prstGeom prst="straightConnector1">
+              <a:avLst/>
+            </a:prstGeom>
+            <a:ln w="28575">
+              <a:solidFill>
+                <a:schemeClr val="tx1"/>
+              </a:solidFill>
+              <a:tailEnd type="triangle"/>
+            </a:ln>
+          </p:spPr>
+          <p:style>
+            <a:lnRef idx="2">
+              <a:schemeClr val="accent1"/>
+            </a:lnRef>
+            <a:fillRef idx="0">
+              <a:schemeClr val="accent1"/>
+            </a:fillRef>
+            <a:effectRef idx="1">
+              <a:schemeClr val="accent1"/>
+            </a:effectRef>
+            <a:fontRef idx="minor">
+              <a:schemeClr val="tx1"/>
+            </a:fontRef>
+          </p:style>
+        </p:cxnSp>
+        <p:cxnSp>
+          <p:nvCxnSpPr>
+            <p:cNvPr id="94" name="Straight Arrow Connector 93">
+              <a:extLst>
+                <a:ext uri="{FF2B5EF4-FFF2-40B4-BE49-F238E27FC236}">
+                  <a16:creationId xmlns:a16="http://schemas.microsoft.com/office/drawing/2014/main" id="{2454D93E-578F-CA4F-A9B9-E9BBAC2E1F57}"/>
+                </a:ext>
+              </a:extLst>
+            </p:cNvPr>
+            <p:cNvCxnSpPr>
+              <a:cxnSpLocks/>
+              <a:stCxn id="5" idx="2"/>
+              <a:endCxn id="48" idx="3"/>
+            </p:cNvCxnSpPr>
+            <p:nvPr/>
+          </p:nvCxnSpPr>
+          <p:spPr>
+            <a:xfrm flipH="1">
+              <a:off x="5568165" y="1402672"/>
+              <a:ext cx="7012" cy="264166"/>
+            </a:xfrm>
+            <a:prstGeom prst="straightConnector1">
+              <a:avLst/>
+            </a:prstGeom>
+            <a:ln w="28575">
+              <a:solidFill>
+                <a:schemeClr val="tx1"/>
+              </a:solidFill>
+              <a:tailEnd type="triangle"/>
+            </a:ln>
+          </p:spPr>
+          <p:style>
+            <a:lnRef idx="2">
+              <a:schemeClr val="accent1"/>
+            </a:lnRef>
+            <a:fillRef idx="0">
+              <a:schemeClr val="accent1"/>
+            </a:fillRef>
+            <a:effectRef idx="1">
+              <a:schemeClr val="accent1"/>
+            </a:effectRef>
+            <a:fontRef idx="minor">
+              <a:schemeClr val="tx1"/>
+            </a:fontRef>
+          </p:style>
+        </p:cxnSp>
+        <p:sp>
+          <p:nvSpPr>
+            <p:cNvPr id="103" name="Cloud 102">
+              <a:extLst>
+                <a:ext uri="{FF2B5EF4-FFF2-40B4-BE49-F238E27FC236}">
+                  <a16:creationId xmlns:a16="http://schemas.microsoft.com/office/drawing/2014/main" id="{E8A751ED-B70B-23C6-D3EC-6E14DA7AC85A}"/>
+                </a:ext>
+              </a:extLst>
+            </p:cNvPr>
+            <p:cNvSpPr/>
+            <p:nvPr/>
+          </p:nvSpPr>
+          <p:spPr>
+            <a:xfrm>
+              <a:off x="521237" y="2971799"/>
+              <a:ext cx="5574747" cy="2354803"/>
+            </a:xfrm>
+            <a:prstGeom prst="cloud">
+              <a:avLst/>
+            </a:prstGeom>
+            <a:noFill/>
+            <a:ln w="28575">
+              <a:solidFill>
+                <a:schemeClr val="tx1"/>
+              </a:solidFill>
+            </a:ln>
+          </p:spPr>
+          <p:style>
+            <a:lnRef idx="2">
+              <a:schemeClr val="accent1">
+                <a:shade val="15000"/>
+              </a:schemeClr>
+            </a:lnRef>
+            <a:fillRef idx="1">
+              <a:schemeClr val="accent1"/>
+            </a:fillRef>
+            <a:effectRef idx="0">
+              <a:schemeClr val="accent1"/>
+            </a:effectRef>
+            <a:fontRef idx="minor">
+              <a:schemeClr val="lt1"/>
+            </a:fontRef>
+          </p:style>
+          <p:txBody>
+            <a:bodyPr rtlCol="0" anchor="ctr"/>
+            <a:lstStyle/>
+            <a:p>
+              <a:pPr algn="ctr"/>
+              <a:r>
+                <a:rPr lang="en-US" dirty="0">
+                  <a:solidFill>
+                    <a:schemeClr val="tx1"/>
+                  </a:solidFill>
+                </a:rPr>
+                <a:t>??????</a:t>
+              </a:r>
+            </a:p>
+          </p:txBody>
+        </p:sp>
+        <p:cxnSp>
+          <p:nvCxnSpPr>
+            <p:cNvPr id="106" name="Straight Arrow Connector 105">
+              <a:extLst>
+                <a:ext uri="{FF2B5EF4-FFF2-40B4-BE49-F238E27FC236}">
+                  <a16:creationId xmlns:a16="http://schemas.microsoft.com/office/drawing/2014/main" id="{715BE5CC-373B-922A-B2C6-013A2A3D655E}"/>
+                </a:ext>
+              </a:extLst>
+            </p:cNvPr>
+            <p:cNvCxnSpPr>
+              <a:cxnSpLocks/>
+              <a:stCxn id="103" idx="1"/>
+              <a:endCxn id="8" idx="0"/>
+            </p:cNvCxnSpPr>
+            <p:nvPr/>
+          </p:nvCxnSpPr>
+          <p:spPr>
+            <a:xfrm flipH="1">
+              <a:off x="1373274" y="5324095"/>
+              <a:ext cx="1935337" cy="554620"/>
+            </a:xfrm>
+            <a:prstGeom prst="straightConnector1">
+              <a:avLst/>
+            </a:prstGeom>
+            <a:ln w="28575">
+              <a:solidFill>
+                <a:schemeClr val="tx1"/>
+              </a:solidFill>
+              <a:tailEnd type="triangle"/>
+            </a:ln>
+          </p:spPr>
+          <p:style>
+            <a:lnRef idx="2">
+              <a:schemeClr val="accent1"/>
+            </a:lnRef>
+            <a:fillRef idx="0">
+              <a:schemeClr val="accent1"/>
+            </a:fillRef>
+            <a:effectRef idx="1">
+              <a:schemeClr val="accent1"/>
+            </a:effectRef>
+            <a:fontRef idx="minor">
+              <a:schemeClr val="tx1"/>
+            </a:fontRef>
+          </p:style>
+        </p:cxnSp>
+        <p:cxnSp>
+          <p:nvCxnSpPr>
+            <p:cNvPr id="109" name="Straight Arrow Connector 108">
+              <a:extLst>
+                <a:ext uri="{FF2B5EF4-FFF2-40B4-BE49-F238E27FC236}">
+                  <a16:creationId xmlns:a16="http://schemas.microsoft.com/office/drawing/2014/main" id="{E51C5C00-1218-B191-47B6-E067FCAF779A}"/>
+                </a:ext>
+              </a:extLst>
+            </p:cNvPr>
+            <p:cNvCxnSpPr>
+              <a:cxnSpLocks/>
+              <a:stCxn id="40" idx="1"/>
+              <a:endCxn id="103" idx="3"/>
+            </p:cNvCxnSpPr>
+            <p:nvPr/>
+          </p:nvCxnSpPr>
+          <p:spPr>
+            <a:xfrm>
+              <a:off x="1373274" y="2580264"/>
+              <a:ext cx="1935337" cy="526173"/>
+            </a:xfrm>
+            <a:prstGeom prst="straightConnector1">
+              <a:avLst/>
+            </a:prstGeom>
+            <a:ln w="28575">
+              <a:solidFill>
+                <a:schemeClr val="tx1"/>
+              </a:solidFill>
+              <a:tailEnd type="triangle"/>
+            </a:ln>
+          </p:spPr>
+          <p:style>
+            <a:lnRef idx="2">
+              <a:schemeClr val="accent1"/>
+            </a:lnRef>
+            <a:fillRef idx="0">
+              <a:schemeClr val="accent1"/>
+            </a:fillRef>
+            <a:effectRef idx="1">
+              <a:schemeClr val="accent1"/>
+            </a:effectRef>
+            <a:fontRef idx="minor">
+              <a:schemeClr val="tx1"/>
+            </a:fontRef>
+          </p:style>
+        </p:cxnSp>
+        <p:cxnSp>
+          <p:nvCxnSpPr>
+            <p:cNvPr id="112" name="Straight Arrow Connector 111">
+              <a:extLst>
+                <a:ext uri="{FF2B5EF4-FFF2-40B4-BE49-F238E27FC236}">
+                  <a16:creationId xmlns:a16="http://schemas.microsoft.com/office/drawing/2014/main" id="{AEB09E57-3491-45E7-810B-74BD9FB33932}"/>
+                </a:ext>
+              </a:extLst>
+            </p:cNvPr>
+            <p:cNvCxnSpPr>
+              <a:cxnSpLocks/>
+              <a:stCxn id="43" idx="1"/>
+              <a:endCxn id="103" idx="3"/>
+            </p:cNvCxnSpPr>
+            <p:nvPr/>
+          </p:nvCxnSpPr>
+          <p:spPr>
+            <a:xfrm flipH="1">
+              <a:off x="3308611" y="2527982"/>
+              <a:ext cx="178287" cy="578455"/>
+            </a:xfrm>
+            <a:prstGeom prst="straightConnector1">
+              <a:avLst/>
+            </a:prstGeom>
+            <a:ln w="28575">
+              <a:solidFill>
+                <a:schemeClr val="tx1"/>
+              </a:solidFill>
+              <a:tailEnd type="triangle"/>
+            </a:ln>
+          </p:spPr>
+          <p:style>
+            <a:lnRef idx="2">
+              <a:schemeClr val="accent1"/>
+            </a:lnRef>
+            <a:fillRef idx="0">
+              <a:schemeClr val="accent1"/>
+            </a:fillRef>
+            <a:effectRef idx="1">
+              <a:schemeClr val="accent1"/>
+            </a:effectRef>
+            <a:fontRef idx="minor">
+              <a:schemeClr val="tx1"/>
+            </a:fontRef>
+          </p:style>
+        </p:cxnSp>
+        <p:cxnSp>
+          <p:nvCxnSpPr>
+            <p:cNvPr id="115" name="Straight Arrow Connector 114">
+              <a:extLst>
+                <a:ext uri="{FF2B5EF4-FFF2-40B4-BE49-F238E27FC236}">
+                  <a16:creationId xmlns:a16="http://schemas.microsoft.com/office/drawing/2014/main" id="{2AAA749F-B0C2-3ED7-4DF3-E26B471E5110}"/>
+                </a:ext>
+              </a:extLst>
+            </p:cNvPr>
+            <p:cNvCxnSpPr>
+              <a:cxnSpLocks/>
+              <a:stCxn id="48" idx="1"/>
+              <a:endCxn id="103" idx="3"/>
+            </p:cNvCxnSpPr>
+            <p:nvPr/>
+          </p:nvCxnSpPr>
+          <p:spPr>
+            <a:xfrm flipH="1">
+              <a:off x="3308611" y="2527982"/>
+              <a:ext cx="2259554" cy="578455"/>
+            </a:xfrm>
+            <a:prstGeom prst="straightConnector1">
+              <a:avLst/>
+            </a:prstGeom>
+            <a:ln w="28575">
+              <a:solidFill>
+                <a:schemeClr val="tx1"/>
+              </a:solidFill>
+              <a:tailEnd type="triangle"/>
+            </a:ln>
+          </p:spPr>
+          <p:style>
+            <a:lnRef idx="2">
+              <a:schemeClr val="accent1"/>
+            </a:lnRef>
+            <a:fillRef idx="0">
+              <a:schemeClr val="accent1"/>
+            </a:fillRef>
+            <a:effectRef idx="1">
+              <a:schemeClr val="accent1"/>
+            </a:effectRef>
+            <a:fontRef idx="minor">
+              <a:schemeClr val="tx1"/>
+            </a:fontRef>
+          </p:style>
+        </p:cxnSp>
+      </p:grpSp>
+    </p:spTree>
+    <p:extLst>
+      <p:ext uri="{BB962C8B-B14F-4D97-AF65-F5344CB8AC3E}">
+        <p14:creationId xmlns:p14="http://schemas.microsoft.com/office/powerpoint/2010/main" val="516611065"/>
+      </p:ext>
+    </p:extLst>
+  </p:cSld>
+  <p:clrMapOvr>
+    <a:masterClrMapping/>
+  </p:clrMapOvr>
+</p:sld>
+</file>
+
+<file path=ppt/slides/slide7.xml><?xml version="1.0" encoding="utf-8"?>
+<p:sld xmlns:a="http://schemas.openxmlformats.org/drawingml/2006/main" xmlns:r="http://schemas.openxmlformats.org/officeDocument/2006/relationships" xmlns:p="http://schemas.openxmlformats.org/presentationml/2006/main">
+  <p:cSld>
+    <p:spTree>
+      <p:nvGrpSpPr>
+        <p:cNvPr id="1" name=""/>
+        <p:cNvGrpSpPr/>
+        <p:nvPr/>
+      </p:nvGrpSpPr>
+      <p:grpSpPr>
+        <a:xfrm>
+          <a:off x="0" y="0"/>
+          <a:ext cx="0" cy="0"/>
+          <a:chOff x="0" y="0"/>
+          <a:chExt cx="0" cy="0"/>
+        </a:xfrm>
+      </p:grpSpPr>
+      <p:grpSp>
+        <p:nvGrpSpPr>
+          <p:cNvPr id="3" name="Group 2">
+            <a:extLst>
+              <a:ext uri="{FF2B5EF4-FFF2-40B4-BE49-F238E27FC236}">
+                <a16:creationId xmlns:a16="http://schemas.microsoft.com/office/drawing/2014/main" id="{B29C8D72-0DB7-29C2-CCC9-EBBA23C14740}"/>
+              </a:ext>
+            </a:extLst>
+          </p:cNvPr>
+          <p:cNvGrpSpPr/>
+          <p:nvPr/>
+        </p:nvGrpSpPr>
+        <p:grpSpPr>
+          <a:xfrm>
+            <a:off x="172198" y="648603"/>
+            <a:ext cx="6560229" cy="6020757"/>
+            <a:chOff x="-56402" y="630315"/>
+            <a:chExt cx="6560229" cy="6020757"/>
+          </a:xfrm>
+        </p:grpSpPr>
+        <p:sp>
+          <p:nvSpPr>
+            <p:cNvPr id="4" name="Rectangle 3">
+              <a:extLst>
+                <a:ext uri="{FF2B5EF4-FFF2-40B4-BE49-F238E27FC236}">
+                  <a16:creationId xmlns:a16="http://schemas.microsoft.com/office/drawing/2014/main" id="{D45A32CF-A80A-7D25-AF86-5957EC179048}"/>
+                </a:ext>
+              </a:extLst>
+            </p:cNvPr>
+            <p:cNvSpPr/>
+            <p:nvPr/>
+          </p:nvSpPr>
+          <p:spPr>
+            <a:xfrm>
+              <a:off x="656948" y="630315"/>
+              <a:ext cx="1438182" cy="772357"/>
+            </a:xfrm>
+            <a:prstGeom prst="rect">
+              <a:avLst/>
+            </a:prstGeom>
+            <a:noFill/>
+            <a:ln w="28575">
+              <a:solidFill>
+                <a:schemeClr val="tx1"/>
+              </a:solidFill>
+            </a:ln>
+          </p:spPr>
+          <p:style>
+            <a:lnRef idx="2">
+              <a:schemeClr val="accent1">
+                <a:shade val="15000"/>
+              </a:schemeClr>
+            </a:lnRef>
+            <a:fillRef idx="1">
+              <a:schemeClr val="accent1"/>
+            </a:fillRef>
+            <a:effectRef idx="0">
+              <a:schemeClr val="accent1"/>
+            </a:effectRef>
+            <a:fontRef idx="minor">
+              <a:schemeClr val="lt1"/>
+            </a:fontRef>
+          </p:style>
+          <p:txBody>
+            <a:bodyPr rtlCol="0" anchor="ctr"/>
+            <a:lstStyle/>
+            <a:p>
+              <a:pPr algn="ctr"/>
+              <a:r>
+                <a:rPr lang="en-US" dirty="0">
+                  <a:solidFill>
+                    <a:schemeClr val="tx1"/>
+                  </a:solidFill>
+                </a:rPr>
+                <a:t>HLS</a:t>
+              </a:r>
+            </a:p>
+          </p:txBody>
+        </p:sp>
+        <p:sp>
+          <p:nvSpPr>
+            <p:cNvPr id="5" name="Rectangle 4">
+              <a:extLst>
+                <a:ext uri="{FF2B5EF4-FFF2-40B4-BE49-F238E27FC236}">
+                  <a16:creationId xmlns:a16="http://schemas.microsoft.com/office/drawing/2014/main" id="{9A9B0499-584F-A1FA-AB14-6C4AA189D85F}"/>
+                </a:ext>
+              </a:extLst>
+            </p:cNvPr>
+            <p:cNvSpPr/>
+            <p:nvPr/>
+          </p:nvSpPr>
+          <p:spPr>
+            <a:xfrm>
+              <a:off x="4856086" y="630315"/>
+              <a:ext cx="1438182" cy="772357"/>
+            </a:xfrm>
+            <a:prstGeom prst="rect">
+              <a:avLst/>
+            </a:prstGeom>
+            <a:noFill/>
+            <a:ln w="28575">
+              <a:solidFill>
+                <a:schemeClr val="tx1"/>
+              </a:solidFill>
+            </a:ln>
+          </p:spPr>
+          <p:style>
+            <a:lnRef idx="2">
+              <a:schemeClr val="accent1">
+                <a:shade val="15000"/>
+              </a:schemeClr>
+            </a:lnRef>
+            <a:fillRef idx="1">
+              <a:schemeClr val="accent1"/>
+            </a:fillRef>
+            <a:effectRef idx="0">
+              <a:schemeClr val="accent1"/>
+            </a:effectRef>
+            <a:fontRef idx="minor">
+              <a:schemeClr val="lt1"/>
+            </a:fontRef>
+          </p:style>
+          <p:txBody>
+            <a:bodyPr rtlCol="0" anchor="ctr"/>
+            <a:lstStyle/>
+            <a:p>
+              <a:pPr algn="ctr"/>
+              <a:r>
+                <a:rPr lang="en-US" dirty="0">
+                  <a:solidFill>
+                    <a:schemeClr val="tx1"/>
+                  </a:solidFill>
+                </a:rPr>
+                <a:t>RTL</a:t>
+              </a:r>
+            </a:p>
+          </p:txBody>
+        </p:sp>
+        <p:sp>
+          <p:nvSpPr>
+            <p:cNvPr id="8" name="Rectangle 7">
+              <a:extLst>
+                <a:ext uri="{FF2B5EF4-FFF2-40B4-BE49-F238E27FC236}">
+                  <a16:creationId xmlns:a16="http://schemas.microsoft.com/office/drawing/2014/main" id="{1F207147-A437-812D-EC79-62EC39C68205}"/>
+                </a:ext>
+              </a:extLst>
+            </p:cNvPr>
+            <p:cNvSpPr/>
+            <p:nvPr/>
+          </p:nvSpPr>
+          <p:spPr>
+            <a:xfrm>
+              <a:off x="654183" y="5878715"/>
+              <a:ext cx="1438182" cy="772357"/>
+            </a:xfrm>
+            <a:prstGeom prst="rect">
+              <a:avLst/>
+            </a:prstGeom>
+            <a:noFill/>
+            <a:ln w="28575">
+              <a:solidFill>
+                <a:schemeClr val="tx1"/>
+              </a:solidFill>
+            </a:ln>
+          </p:spPr>
+          <p:style>
+            <a:lnRef idx="2">
+              <a:schemeClr val="accent1">
+                <a:shade val="15000"/>
+              </a:schemeClr>
+            </a:lnRef>
+            <a:fillRef idx="1">
+              <a:schemeClr val="accent1"/>
+            </a:fillRef>
+            <a:effectRef idx="0">
+              <a:schemeClr val="accent1"/>
+            </a:effectRef>
+            <a:fontRef idx="minor">
+              <a:schemeClr val="lt1"/>
+            </a:fontRef>
+          </p:style>
+          <p:txBody>
+            <a:bodyPr rtlCol="0" anchor="ctr"/>
+            <a:lstStyle/>
+            <a:p>
+              <a:pPr algn="ctr"/>
+              <a:r>
+                <a:rPr lang="en-US" dirty="0" err="1">
+                  <a:solidFill>
+                    <a:schemeClr val="tx1"/>
+                  </a:solidFill>
+                </a:rPr>
+                <a:t>Verilator</a:t>
+              </a:r>
+              <a:endParaRPr lang="en-US" dirty="0">
+                <a:solidFill>
+                  <a:schemeClr val="tx1"/>
+                </a:solidFill>
+              </a:endParaRPr>
+            </a:p>
+          </p:txBody>
+        </p:sp>
+        <p:sp>
+          <p:nvSpPr>
+            <p:cNvPr id="24" name="Rectangle 23">
+              <a:extLst>
+                <a:ext uri="{FF2B5EF4-FFF2-40B4-BE49-F238E27FC236}">
+                  <a16:creationId xmlns:a16="http://schemas.microsoft.com/office/drawing/2014/main" id="{1FF76C45-02A1-9F0E-9FDF-00E8F47E854C}"/>
+                </a:ext>
+              </a:extLst>
+            </p:cNvPr>
+            <p:cNvSpPr/>
+            <p:nvPr/>
+          </p:nvSpPr>
+          <p:spPr>
+            <a:xfrm>
+              <a:off x="2770572" y="630315"/>
+              <a:ext cx="1438182" cy="772357"/>
+            </a:xfrm>
+            <a:prstGeom prst="rect">
+              <a:avLst/>
+            </a:prstGeom>
+            <a:noFill/>
+            <a:ln w="28575">
+              <a:solidFill>
+                <a:schemeClr val="tx1"/>
+              </a:solidFill>
+            </a:ln>
+          </p:spPr>
+          <p:style>
+            <a:lnRef idx="2">
+              <a:schemeClr val="accent1">
+                <a:shade val="15000"/>
+              </a:schemeClr>
+            </a:lnRef>
+            <a:fillRef idx="1">
+              <a:schemeClr val="accent1"/>
+            </a:fillRef>
+            <a:effectRef idx="0">
+              <a:schemeClr val="accent1"/>
+            </a:effectRef>
+            <a:fontRef idx="minor">
+              <a:schemeClr val="lt1"/>
+            </a:fontRef>
+          </p:style>
+          <p:txBody>
+            <a:bodyPr rtlCol="0" anchor="ctr"/>
+            <a:lstStyle/>
+            <a:p>
+              <a:pPr algn="ctr"/>
+              <a:r>
+                <a:rPr lang="en-US" dirty="0">
+                  <a:solidFill>
+                    <a:schemeClr val="tx1"/>
+                  </a:solidFill>
+                </a:rPr>
+                <a:t>Calyx Frontends</a:t>
+              </a:r>
+            </a:p>
+          </p:txBody>
+        </p:sp>
+        <p:sp>
+          <p:nvSpPr>
+            <p:cNvPr id="36" name="Rectangle 35">
+              <a:extLst>
+                <a:ext uri="{FF2B5EF4-FFF2-40B4-BE49-F238E27FC236}">
+                  <a16:creationId xmlns:a16="http://schemas.microsoft.com/office/drawing/2014/main" id="{CE630A7A-A7B5-9514-CCF9-E79A4F870296}"/>
+                </a:ext>
+              </a:extLst>
+            </p:cNvPr>
+            <p:cNvSpPr/>
+            <p:nvPr/>
+          </p:nvSpPr>
+          <p:spPr>
+            <a:xfrm>
+              <a:off x="654183" y="4914271"/>
+              <a:ext cx="1438182" cy="553782"/>
+            </a:xfrm>
+            <a:prstGeom prst="rect">
+              <a:avLst/>
+            </a:prstGeom>
+            <a:noFill/>
+            <a:ln w="28575">
+              <a:solidFill>
+                <a:schemeClr val="tx1"/>
+              </a:solidFill>
+            </a:ln>
+          </p:spPr>
+          <p:style>
+            <a:lnRef idx="2">
+              <a:schemeClr val="accent1">
+                <a:shade val="15000"/>
+              </a:schemeClr>
+            </a:lnRef>
+            <a:fillRef idx="1">
+              <a:schemeClr val="accent1"/>
+            </a:fillRef>
+            <a:effectRef idx="0">
+              <a:schemeClr val="accent1"/>
+            </a:effectRef>
+            <a:fontRef idx="minor">
+              <a:schemeClr val="lt1"/>
+            </a:fontRef>
+          </p:style>
+          <p:txBody>
+            <a:bodyPr rtlCol="0" anchor="ctr"/>
+            <a:lstStyle/>
+            <a:p>
+              <a:pPr algn="ctr"/>
+              <a:r>
+                <a:rPr lang="en-US" sz="1600" dirty="0">
+                  <a:solidFill>
+                    <a:schemeClr val="tx1"/>
+                  </a:solidFill>
+                </a:rPr>
+                <a:t>Discrete</a:t>
+              </a:r>
+            </a:p>
+            <a:p>
+              <a:pPr algn="ctr"/>
+              <a:r>
+                <a:rPr lang="en-US" sz="1600" dirty="0">
+                  <a:solidFill>
+                    <a:schemeClr val="tx1"/>
+                  </a:solidFill>
+                </a:rPr>
+                <a:t>Event Model</a:t>
+              </a:r>
+            </a:p>
+          </p:txBody>
+        </p:sp>
+        <p:sp>
+          <p:nvSpPr>
+            <p:cNvPr id="40" name="Cloud 39">
+              <a:extLst>
+                <a:ext uri="{FF2B5EF4-FFF2-40B4-BE49-F238E27FC236}">
+                  <a16:creationId xmlns:a16="http://schemas.microsoft.com/office/drawing/2014/main" id="{02B2787B-9F89-5C10-7930-FAD79AE5C04F}"/>
+                </a:ext>
+              </a:extLst>
+            </p:cNvPr>
+            <p:cNvSpPr/>
+            <p:nvPr/>
+          </p:nvSpPr>
+          <p:spPr>
+            <a:xfrm>
+              <a:off x="437612" y="1666838"/>
+              <a:ext cx="1871324" cy="914400"/>
+            </a:xfrm>
+            <a:prstGeom prst="cloud">
+              <a:avLst/>
+            </a:prstGeom>
+            <a:noFill/>
+            <a:ln w="28575">
+              <a:solidFill>
+                <a:schemeClr val="tx1"/>
+              </a:solidFill>
+            </a:ln>
+          </p:spPr>
+          <p:style>
+            <a:lnRef idx="2">
+              <a:schemeClr val="accent1">
+                <a:shade val="15000"/>
+              </a:schemeClr>
+            </a:lnRef>
+            <a:fillRef idx="1">
+              <a:schemeClr val="accent1"/>
+            </a:fillRef>
+            <a:effectRef idx="0">
+              <a:schemeClr val="accent1"/>
+            </a:effectRef>
+            <a:fontRef idx="minor">
+              <a:schemeClr val="lt1"/>
+            </a:fontRef>
+          </p:style>
+          <p:txBody>
+            <a:bodyPr rtlCol="0" anchor="ctr"/>
+            <a:lstStyle/>
+            <a:p>
+              <a:pPr algn="ctr"/>
+              <a:r>
+                <a:rPr lang="en-US" dirty="0">
+                  <a:solidFill>
+                    <a:schemeClr val="tx1"/>
+                  </a:solidFill>
+                </a:rPr>
+                <a:t>HLS Compiler</a:t>
+              </a:r>
+            </a:p>
+          </p:txBody>
+        </p:sp>
+        <p:sp>
+          <p:nvSpPr>
+            <p:cNvPr id="42" name="Rectangle 41">
+              <a:extLst>
+                <a:ext uri="{FF2B5EF4-FFF2-40B4-BE49-F238E27FC236}">
+                  <a16:creationId xmlns:a16="http://schemas.microsoft.com/office/drawing/2014/main" id="{DA8A8EED-489C-C490-13CE-1EFC387D84FD}"/>
+                </a:ext>
+              </a:extLst>
+            </p:cNvPr>
+            <p:cNvSpPr/>
+            <p:nvPr/>
+          </p:nvSpPr>
+          <p:spPr>
+            <a:xfrm>
+              <a:off x="2770572" y="3076532"/>
+              <a:ext cx="1438182" cy="553782"/>
+            </a:xfrm>
+            <a:prstGeom prst="rect">
+              <a:avLst/>
+            </a:prstGeom>
+            <a:noFill/>
+            <a:ln w="28575">
+              <a:solidFill>
+                <a:schemeClr val="tx1"/>
+              </a:solidFill>
+            </a:ln>
+          </p:spPr>
+          <p:style>
+            <a:lnRef idx="2">
+              <a:schemeClr val="accent1">
+                <a:shade val="15000"/>
+              </a:schemeClr>
+            </a:lnRef>
+            <a:fillRef idx="1">
+              <a:schemeClr val="accent1"/>
+            </a:fillRef>
+            <a:effectRef idx="0">
+              <a:schemeClr val="accent1"/>
+            </a:effectRef>
+            <a:fontRef idx="minor">
+              <a:schemeClr val="lt1"/>
+            </a:fontRef>
+          </p:style>
+          <p:txBody>
+            <a:bodyPr rtlCol="0" anchor="ctr"/>
+            <a:lstStyle/>
+            <a:p>
+              <a:pPr algn="ctr"/>
+              <a:r>
+                <a:rPr lang="en-US" dirty="0">
+                  <a:solidFill>
+                    <a:schemeClr val="tx1"/>
+                  </a:solidFill>
+                </a:rPr>
+                <a:t>Calyx</a:t>
+              </a:r>
+            </a:p>
+          </p:txBody>
+        </p:sp>
+        <p:sp>
+          <p:nvSpPr>
+            <p:cNvPr id="43" name="Cloud 42">
+              <a:extLst>
+                <a:ext uri="{FF2B5EF4-FFF2-40B4-BE49-F238E27FC236}">
+                  <a16:creationId xmlns:a16="http://schemas.microsoft.com/office/drawing/2014/main" id="{EC70B22C-F794-65AB-824C-F290C35C8FAD}"/>
+                </a:ext>
+              </a:extLst>
+            </p:cNvPr>
+            <p:cNvSpPr/>
+            <p:nvPr/>
+          </p:nvSpPr>
+          <p:spPr>
+            <a:xfrm>
+              <a:off x="2551236" y="1614556"/>
+              <a:ext cx="1871324" cy="914400"/>
+            </a:xfrm>
+            <a:prstGeom prst="cloud">
+              <a:avLst/>
+            </a:prstGeom>
+            <a:noFill/>
+            <a:ln w="28575">
+              <a:solidFill>
+                <a:schemeClr val="tx1"/>
+              </a:solidFill>
+            </a:ln>
+          </p:spPr>
+          <p:style>
+            <a:lnRef idx="2">
+              <a:schemeClr val="accent1">
+                <a:shade val="15000"/>
+              </a:schemeClr>
+            </a:lnRef>
+            <a:fillRef idx="1">
+              <a:schemeClr val="accent1"/>
+            </a:fillRef>
+            <a:effectRef idx="0">
+              <a:schemeClr val="accent1"/>
+            </a:effectRef>
+            <a:fontRef idx="minor">
+              <a:schemeClr val="lt1"/>
+            </a:fontRef>
+          </p:style>
+          <p:txBody>
+            <a:bodyPr rtlCol="0" anchor="ctr"/>
+            <a:lstStyle/>
+            <a:p>
+              <a:pPr algn="ctr"/>
+              <a:r>
+                <a:rPr lang="en-US" dirty="0">
+                  <a:solidFill>
+                    <a:schemeClr val="tx1"/>
+                  </a:solidFill>
+                </a:rPr>
+                <a:t>Custom Compiler</a:t>
+              </a:r>
+            </a:p>
+          </p:txBody>
+        </p:sp>
+        <p:cxnSp>
+          <p:nvCxnSpPr>
+            <p:cNvPr id="45" name="Straight Arrow Connector 44">
+              <a:extLst>
+                <a:ext uri="{FF2B5EF4-FFF2-40B4-BE49-F238E27FC236}">
+                  <a16:creationId xmlns:a16="http://schemas.microsoft.com/office/drawing/2014/main" id="{9B4B6759-0EE9-026A-D4CB-2A2370592453}"/>
+                </a:ext>
+              </a:extLst>
+            </p:cNvPr>
+            <p:cNvCxnSpPr>
+              <a:cxnSpLocks/>
+              <a:stCxn id="4" idx="2"/>
+              <a:endCxn id="40" idx="3"/>
+            </p:cNvCxnSpPr>
+            <p:nvPr/>
+          </p:nvCxnSpPr>
+          <p:spPr>
+            <a:xfrm flipH="1">
+              <a:off x="1373274" y="1402672"/>
+              <a:ext cx="2765" cy="316448"/>
+            </a:xfrm>
+            <a:prstGeom prst="straightConnector1">
+              <a:avLst/>
+            </a:prstGeom>
+            <a:ln w="28575">
+              <a:solidFill>
+                <a:schemeClr val="tx1"/>
+              </a:solidFill>
+              <a:tailEnd type="triangle"/>
+            </a:ln>
+          </p:spPr>
+          <p:style>
+            <a:lnRef idx="2">
+              <a:schemeClr val="accent1"/>
+            </a:lnRef>
+            <a:fillRef idx="0">
+              <a:schemeClr val="accent1"/>
+            </a:fillRef>
+            <a:effectRef idx="1">
+              <a:schemeClr val="accent1"/>
+            </a:effectRef>
+            <a:fontRef idx="minor">
+              <a:schemeClr val="tx1"/>
+            </a:fontRef>
+          </p:style>
+        </p:cxnSp>
+        <p:cxnSp>
+          <p:nvCxnSpPr>
+            <p:cNvPr id="47" name="Straight Arrow Connector 46">
+              <a:extLst>
+                <a:ext uri="{FF2B5EF4-FFF2-40B4-BE49-F238E27FC236}">
+                  <a16:creationId xmlns:a16="http://schemas.microsoft.com/office/drawing/2014/main" id="{D5802992-DF12-1D3B-6EF9-4D11CD5E9331}"/>
+                </a:ext>
+              </a:extLst>
+            </p:cNvPr>
+            <p:cNvCxnSpPr>
+              <a:stCxn id="24" idx="2"/>
+              <a:endCxn id="43" idx="3"/>
+            </p:cNvCxnSpPr>
+            <p:nvPr/>
+          </p:nvCxnSpPr>
+          <p:spPr>
+            <a:xfrm flipH="1">
+              <a:off x="3486898" y="1402672"/>
+              <a:ext cx="2765" cy="264166"/>
+            </a:xfrm>
+            <a:prstGeom prst="straightConnector1">
+              <a:avLst/>
+            </a:prstGeom>
+            <a:ln w="28575">
+              <a:solidFill>
+                <a:schemeClr val="tx1"/>
+              </a:solidFill>
+              <a:tailEnd type="triangle"/>
+            </a:ln>
+          </p:spPr>
+          <p:style>
+            <a:lnRef idx="2">
+              <a:schemeClr val="accent1"/>
+            </a:lnRef>
+            <a:fillRef idx="0">
+              <a:schemeClr val="accent1"/>
+            </a:fillRef>
+            <a:effectRef idx="1">
+              <a:schemeClr val="accent1"/>
+            </a:effectRef>
+            <a:fontRef idx="minor">
+              <a:schemeClr val="tx1"/>
+            </a:fontRef>
+          </p:style>
+        </p:cxnSp>
+        <p:sp>
+          <p:nvSpPr>
+            <p:cNvPr id="48" name="Cloud 47">
+              <a:extLst>
+                <a:ext uri="{FF2B5EF4-FFF2-40B4-BE49-F238E27FC236}">
+                  <a16:creationId xmlns:a16="http://schemas.microsoft.com/office/drawing/2014/main" id="{15E159B4-2B7A-C9FF-7704-13E2D02BC1BC}"/>
+                </a:ext>
+              </a:extLst>
+            </p:cNvPr>
+            <p:cNvSpPr/>
+            <p:nvPr/>
+          </p:nvSpPr>
+          <p:spPr>
+            <a:xfrm>
+              <a:off x="4632503" y="1614556"/>
+              <a:ext cx="1871324" cy="914400"/>
+            </a:xfrm>
+            <a:prstGeom prst="cloud">
+              <a:avLst/>
+            </a:prstGeom>
+            <a:noFill/>
+            <a:ln w="28575">
+              <a:solidFill>
+                <a:schemeClr val="tx1"/>
+              </a:solidFill>
+            </a:ln>
+          </p:spPr>
+          <p:style>
+            <a:lnRef idx="2">
+              <a:schemeClr val="accent1">
+                <a:shade val="15000"/>
+              </a:schemeClr>
+            </a:lnRef>
+            <a:fillRef idx="1">
+              <a:schemeClr val="accent1"/>
+            </a:fillRef>
+            <a:effectRef idx="0">
+              <a:schemeClr val="accent1"/>
+            </a:effectRef>
+            <a:fontRef idx="minor">
+              <a:schemeClr val="lt1"/>
+            </a:fontRef>
+          </p:style>
+          <p:txBody>
+            <a:bodyPr rtlCol="0" anchor="ctr"/>
+            <a:lstStyle/>
+            <a:p>
+              <a:pPr algn="ctr"/>
+              <a:r>
+                <a:rPr lang="en-US" dirty="0">
+                  <a:solidFill>
+                    <a:schemeClr val="tx1"/>
+                  </a:solidFill>
+                </a:rPr>
+                <a:t>RTL Compiler</a:t>
+              </a:r>
+            </a:p>
+          </p:txBody>
+        </p:sp>
+        <p:cxnSp>
+          <p:nvCxnSpPr>
+            <p:cNvPr id="51" name="Straight Arrow Connector 50">
+              <a:extLst>
+                <a:ext uri="{FF2B5EF4-FFF2-40B4-BE49-F238E27FC236}">
+                  <a16:creationId xmlns:a16="http://schemas.microsoft.com/office/drawing/2014/main" id="{DEFABCC4-474E-FA9A-14DE-EC54550565F9}"/>
+                </a:ext>
+              </a:extLst>
+            </p:cNvPr>
+            <p:cNvCxnSpPr>
+              <a:cxnSpLocks/>
+              <a:stCxn id="43" idx="1"/>
+              <a:endCxn id="42" idx="0"/>
+            </p:cNvCxnSpPr>
+            <p:nvPr/>
+          </p:nvCxnSpPr>
+          <p:spPr>
+            <a:xfrm>
+              <a:off x="3486898" y="2527982"/>
+              <a:ext cx="2765" cy="548550"/>
+            </a:xfrm>
+            <a:prstGeom prst="straightConnector1">
+              <a:avLst/>
+            </a:prstGeom>
+            <a:ln w="28575">
+              <a:solidFill>
+                <a:schemeClr val="accent6"/>
+              </a:solidFill>
+              <a:tailEnd type="triangle"/>
+            </a:ln>
+          </p:spPr>
+          <p:style>
+            <a:lnRef idx="2">
+              <a:schemeClr val="accent1"/>
+            </a:lnRef>
+            <a:fillRef idx="0">
+              <a:schemeClr val="accent1"/>
+            </a:fillRef>
+            <a:effectRef idx="1">
+              <a:schemeClr val="accent1"/>
+            </a:effectRef>
+            <a:fontRef idx="minor">
+              <a:schemeClr val="tx1"/>
+            </a:fontRef>
+          </p:style>
+        </p:cxnSp>
+        <p:sp>
+          <p:nvSpPr>
+            <p:cNvPr id="57" name="Rectangle 56">
+              <a:extLst>
+                <a:ext uri="{FF2B5EF4-FFF2-40B4-BE49-F238E27FC236}">
+                  <a16:creationId xmlns:a16="http://schemas.microsoft.com/office/drawing/2014/main" id="{11AA0166-1234-BC9C-5FFC-8DE4A95EB365}"/>
+                </a:ext>
+              </a:extLst>
+            </p:cNvPr>
+            <p:cNvSpPr/>
+            <p:nvPr/>
+          </p:nvSpPr>
+          <p:spPr>
+            <a:xfrm>
+              <a:off x="3703469" y="3900999"/>
+              <a:ext cx="1438182" cy="553782"/>
+            </a:xfrm>
+            <a:prstGeom prst="rect">
+              <a:avLst/>
+            </a:prstGeom>
+            <a:noFill/>
+            <a:ln w="28575">
+              <a:solidFill>
+                <a:schemeClr val="tx1"/>
+              </a:solidFill>
+            </a:ln>
+          </p:spPr>
+          <p:style>
+            <a:lnRef idx="2">
+              <a:schemeClr val="accent1">
+                <a:shade val="15000"/>
+              </a:schemeClr>
+            </a:lnRef>
+            <a:fillRef idx="1">
+              <a:schemeClr val="accent1"/>
+            </a:fillRef>
+            <a:effectRef idx="0">
+              <a:schemeClr val="accent1"/>
+            </a:effectRef>
+            <a:fontRef idx="minor">
+              <a:schemeClr val="lt1"/>
+            </a:fontRef>
+          </p:style>
+          <p:txBody>
+            <a:bodyPr rtlCol="0" anchor="ctr"/>
+            <a:lstStyle/>
+            <a:p>
+              <a:pPr algn="ctr"/>
+              <a:r>
+                <a:rPr lang="en-US" dirty="0">
+                  <a:solidFill>
+                    <a:schemeClr val="tx1"/>
+                  </a:solidFill>
+                </a:rPr>
+                <a:t>RTL IR</a:t>
+              </a:r>
+            </a:p>
+          </p:txBody>
+        </p:sp>
+        <p:cxnSp>
+          <p:nvCxnSpPr>
+            <p:cNvPr id="76" name="Straight Arrow Connector 75">
+              <a:extLst>
+                <a:ext uri="{FF2B5EF4-FFF2-40B4-BE49-F238E27FC236}">
+                  <a16:creationId xmlns:a16="http://schemas.microsoft.com/office/drawing/2014/main" id="{0CF29ECF-E5CB-C91A-973B-3EB0907B64BB}"/>
+                </a:ext>
+              </a:extLst>
+            </p:cNvPr>
+            <p:cNvCxnSpPr>
+              <a:cxnSpLocks/>
+              <a:stCxn id="57" idx="2"/>
+              <a:endCxn id="36" idx="0"/>
+            </p:cNvCxnSpPr>
+            <p:nvPr/>
+          </p:nvCxnSpPr>
+          <p:spPr>
+            <a:xfrm flipH="1">
+              <a:off x="1373274" y="4454781"/>
+              <a:ext cx="3049286" cy="459490"/>
+            </a:xfrm>
+            <a:prstGeom prst="straightConnector1">
+              <a:avLst/>
+            </a:prstGeom>
+            <a:ln w="28575">
+              <a:solidFill>
+                <a:srgbClr val="C00000"/>
+              </a:solidFill>
+              <a:tailEnd type="triangle"/>
+            </a:ln>
+          </p:spPr>
+          <p:style>
+            <a:lnRef idx="2">
+              <a:schemeClr val="accent1"/>
+            </a:lnRef>
+            <a:fillRef idx="0">
+              <a:schemeClr val="accent1"/>
+            </a:fillRef>
+            <a:effectRef idx="1">
+              <a:schemeClr val="accent1"/>
+            </a:effectRef>
+            <a:fontRef idx="minor">
+              <a:schemeClr val="tx1"/>
+            </a:fontRef>
+          </p:style>
+        </p:cxnSp>
+        <p:cxnSp>
+          <p:nvCxnSpPr>
+            <p:cNvPr id="80" name="Straight Arrow Connector 79">
+              <a:extLst>
+                <a:ext uri="{FF2B5EF4-FFF2-40B4-BE49-F238E27FC236}">
+                  <a16:creationId xmlns:a16="http://schemas.microsoft.com/office/drawing/2014/main" id="{6A2254EC-34CE-CCF8-DEF8-8D1843C50CF2}"/>
+                </a:ext>
+              </a:extLst>
+            </p:cNvPr>
+            <p:cNvCxnSpPr>
+              <a:cxnSpLocks/>
+              <a:stCxn id="48" idx="1"/>
+              <a:endCxn id="57" idx="0"/>
+            </p:cNvCxnSpPr>
+            <p:nvPr/>
+          </p:nvCxnSpPr>
+          <p:spPr>
+            <a:xfrm flipH="1">
+              <a:off x="4422560" y="2527982"/>
+              <a:ext cx="1145605" cy="1373017"/>
+            </a:xfrm>
+            <a:prstGeom prst="straightConnector1">
+              <a:avLst/>
+            </a:prstGeom>
+            <a:ln w="28575">
+              <a:solidFill>
+                <a:srgbClr val="C00000"/>
+              </a:solidFill>
+              <a:tailEnd type="triangle"/>
+            </a:ln>
+          </p:spPr>
+          <p:style>
+            <a:lnRef idx="2">
+              <a:schemeClr val="accent1"/>
+            </a:lnRef>
+            <a:fillRef idx="0">
+              <a:schemeClr val="accent1"/>
+            </a:fillRef>
+            <a:effectRef idx="1">
+              <a:schemeClr val="accent1"/>
+            </a:effectRef>
+            <a:fontRef idx="minor">
+              <a:schemeClr val="tx1"/>
+            </a:fontRef>
+          </p:style>
+        </p:cxnSp>
+        <p:cxnSp>
+          <p:nvCxnSpPr>
+            <p:cNvPr id="83" name="Straight Arrow Connector 82">
+              <a:extLst>
+                <a:ext uri="{FF2B5EF4-FFF2-40B4-BE49-F238E27FC236}">
+                  <a16:creationId xmlns:a16="http://schemas.microsoft.com/office/drawing/2014/main" id="{4EEBE8DE-C4DF-959C-B7A3-4F258277CC36}"/>
+                </a:ext>
+              </a:extLst>
+            </p:cNvPr>
+            <p:cNvCxnSpPr>
+              <a:cxnSpLocks/>
+              <a:stCxn id="40" idx="1"/>
+              <a:endCxn id="36" idx="0"/>
+            </p:cNvCxnSpPr>
+            <p:nvPr/>
+          </p:nvCxnSpPr>
+          <p:spPr>
+            <a:xfrm>
+              <a:off x="1373274" y="2580264"/>
+              <a:ext cx="0" cy="2334007"/>
+            </a:xfrm>
+            <a:prstGeom prst="straightConnector1">
+              <a:avLst/>
+            </a:prstGeom>
+            <a:ln w="28575">
+              <a:solidFill>
+                <a:schemeClr val="tx2">
+                  <a:lumMod val="50000"/>
+                  <a:lumOff val="50000"/>
+                </a:schemeClr>
+              </a:solidFill>
+              <a:tailEnd type="triangle"/>
+            </a:ln>
+          </p:spPr>
+          <p:style>
+            <a:lnRef idx="2">
+              <a:schemeClr val="accent1"/>
+            </a:lnRef>
+            <a:fillRef idx="0">
+              <a:schemeClr val="accent1"/>
+            </a:fillRef>
+            <a:effectRef idx="1">
+              <a:schemeClr val="accent1"/>
+            </a:effectRef>
+            <a:fontRef idx="minor">
+              <a:schemeClr val="tx1"/>
+            </a:fontRef>
+          </p:style>
+        </p:cxnSp>
+        <p:cxnSp>
+          <p:nvCxnSpPr>
+            <p:cNvPr id="86" name="Straight Arrow Connector 85">
+              <a:extLst>
+                <a:ext uri="{FF2B5EF4-FFF2-40B4-BE49-F238E27FC236}">
+                  <a16:creationId xmlns:a16="http://schemas.microsoft.com/office/drawing/2014/main" id="{0E71DF3F-8579-FDF8-80CD-DAD7F8C2CE79}"/>
+                </a:ext>
+              </a:extLst>
+            </p:cNvPr>
+            <p:cNvCxnSpPr>
+              <a:cxnSpLocks/>
+              <a:stCxn id="36" idx="2"/>
+              <a:endCxn id="8" idx="0"/>
+            </p:cNvCxnSpPr>
+            <p:nvPr/>
+          </p:nvCxnSpPr>
+          <p:spPr>
+            <a:xfrm>
+              <a:off x="1373274" y="5468053"/>
+              <a:ext cx="0" cy="410662"/>
+            </a:xfrm>
+            <a:prstGeom prst="straightConnector1">
+              <a:avLst/>
+            </a:prstGeom>
+            <a:ln w="28575">
+              <a:solidFill>
+                <a:schemeClr val="tx1"/>
+              </a:solidFill>
+              <a:tailEnd type="triangle"/>
+            </a:ln>
+          </p:spPr>
+          <p:style>
+            <a:lnRef idx="2">
+              <a:schemeClr val="accent1"/>
+            </a:lnRef>
+            <a:fillRef idx="0">
+              <a:schemeClr val="accent1"/>
+            </a:fillRef>
+            <a:effectRef idx="1">
+              <a:schemeClr val="accent1"/>
+            </a:effectRef>
+            <a:fontRef idx="minor">
+              <a:schemeClr val="tx1"/>
+            </a:fontRef>
+          </p:style>
+        </p:cxnSp>
+        <p:cxnSp>
+          <p:nvCxnSpPr>
+            <p:cNvPr id="94" name="Straight Arrow Connector 93">
+              <a:extLst>
+                <a:ext uri="{FF2B5EF4-FFF2-40B4-BE49-F238E27FC236}">
+                  <a16:creationId xmlns:a16="http://schemas.microsoft.com/office/drawing/2014/main" id="{2454D93E-578F-CA4F-A9B9-E9BBAC2E1F57}"/>
+                </a:ext>
+              </a:extLst>
+            </p:cNvPr>
+            <p:cNvCxnSpPr>
+              <a:cxnSpLocks/>
+              <a:stCxn id="5" idx="2"/>
+              <a:endCxn id="48" idx="3"/>
+            </p:cNvCxnSpPr>
+            <p:nvPr/>
+          </p:nvCxnSpPr>
+          <p:spPr>
+            <a:xfrm flipH="1">
+              <a:off x="5568165" y="1402672"/>
+              <a:ext cx="7012" cy="264166"/>
+            </a:xfrm>
+            <a:prstGeom prst="straightConnector1">
+              <a:avLst/>
+            </a:prstGeom>
+            <a:ln w="28575">
+              <a:solidFill>
+                <a:schemeClr val="tx1"/>
+              </a:solidFill>
+              <a:tailEnd type="triangle"/>
+            </a:ln>
+          </p:spPr>
+          <p:style>
+            <a:lnRef idx="2">
+              <a:schemeClr val="accent1"/>
+            </a:lnRef>
+            <a:fillRef idx="0">
+              <a:schemeClr val="accent1"/>
+            </a:fillRef>
+            <a:effectRef idx="1">
+              <a:schemeClr val="accent1"/>
+            </a:effectRef>
+            <a:fontRef idx="minor">
+              <a:schemeClr val="tx1"/>
+            </a:fontRef>
+          </p:style>
+        </p:cxnSp>
+        <p:cxnSp>
+          <p:nvCxnSpPr>
+            <p:cNvPr id="99" name="Straight Arrow Connector 98">
+              <a:extLst>
+                <a:ext uri="{FF2B5EF4-FFF2-40B4-BE49-F238E27FC236}">
+                  <a16:creationId xmlns:a16="http://schemas.microsoft.com/office/drawing/2014/main" id="{F1B4D98A-C5F4-0955-713B-61CB51EBE0F6}"/>
+                </a:ext>
+              </a:extLst>
+            </p:cNvPr>
+            <p:cNvCxnSpPr>
+              <a:cxnSpLocks/>
+              <a:stCxn id="42" idx="2"/>
+              <a:endCxn id="36" idx="0"/>
+            </p:cNvCxnSpPr>
+            <p:nvPr/>
+          </p:nvCxnSpPr>
+          <p:spPr>
+            <a:xfrm flipH="1">
+              <a:off x="1373274" y="3630314"/>
+              <a:ext cx="2116389" cy="1283957"/>
+            </a:xfrm>
+            <a:prstGeom prst="straightConnector1">
+              <a:avLst/>
+            </a:prstGeom>
+            <a:ln w="28575">
+              <a:solidFill>
+                <a:schemeClr val="accent6"/>
+              </a:solidFill>
+              <a:tailEnd type="triangle"/>
+            </a:ln>
+          </p:spPr>
+          <p:style>
+            <a:lnRef idx="2">
+              <a:schemeClr val="accent1"/>
+            </a:lnRef>
+            <a:fillRef idx="0">
+              <a:schemeClr val="accent1"/>
+            </a:fillRef>
+            <a:effectRef idx="1">
+              <a:schemeClr val="accent1"/>
+            </a:effectRef>
+            <a:fontRef idx="minor">
+              <a:schemeClr val="tx1"/>
+            </a:fontRef>
+          </p:style>
+        </p:cxnSp>
+        <p:sp>
+          <p:nvSpPr>
+            <p:cNvPr id="2" name="Rectangle 1">
+              <a:extLst>
+                <a:ext uri="{FF2B5EF4-FFF2-40B4-BE49-F238E27FC236}">
+                  <a16:creationId xmlns:a16="http://schemas.microsoft.com/office/drawing/2014/main" id="{CF4C58A8-883E-0FDB-F8D0-7EBB0E6517AD}"/>
+                </a:ext>
+              </a:extLst>
+            </p:cNvPr>
+            <p:cNvSpPr/>
+            <p:nvPr/>
+          </p:nvSpPr>
+          <p:spPr>
+            <a:xfrm>
+              <a:off x="-56402" y="3353423"/>
+              <a:ext cx="1322773" cy="553782"/>
+            </a:xfrm>
+            <a:prstGeom prst="rect">
+              <a:avLst/>
+            </a:prstGeom>
+            <a:noFill/>
+            <a:ln w="28575">
+              <a:noFill/>
+            </a:ln>
+          </p:spPr>
+          <p:style>
+            <a:lnRef idx="2">
+              <a:schemeClr val="accent1">
+                <a:shade val="15000"/>
+              </a:schemeClr>
+            </a:lnRef>
+            <a:fillRef idx="1">
+              <a:schemeClr val="accent1"/>
+            </a:fillRef>
+            <a:effectRef idx="0">
+              <a:schemeClr val="accent1"/>
+            </a:effectRef>
+            <a:fontRef idx="minor">
+              <a:schemeClr val="lt1"/>
+            </a:fontRef>
+          </p:style>
+          <p:txBody>
+            <a:bodyPr rtlCol="0" anchor="ctr"/>
+            <a:lstStyle/>
+            <a:p>
+              <a:pPr algn="ctr"/>
+              <a:r>
+                <a:rPr lang="en-US" dirty="0">
+                  <a:solidFill>
+                    <a:schemeClr val="tx1"/>
+                  </a:solidFill>
+                </a:rPr>
+                <a:t>Interface</a:t>
+              </a:r>
+            </a:p>
+            <a:p>
+              <a:pPr algn="ctr"/>
+              <a:r>
+                <a:rPr lang="en-US" dirty="0">
+                  <a:solidFill>
+                    <a:schemeClr val="tx1"/>
+                  </a:solidFill>
+                </a:rPr>
+                <a:t>Generation</a:t>
+              </a:r>
+            </a:p>
+          </p:txBody>
+        </p:sp>
+      </p:grpSp>
+    </p:spTree>
+    <p:extLst>
+      <p:ext uri="{BB962C8B-B14F-4D97-AF65-F5344CB8AC3E}">
+        <p14:creationId xmlns:p14="http://schemas.microsoft.com/office/powerpoint/2010/main" val="3797719632"/>
+      </p:ext>
+    </p:extLst>
+  </p:cSld>
+  <p:clrMapOvr>
+    <a:masterClrMapping/>
+  </p:clrMapOvr>
+</p:sld>
+</file>
+
+<file path=ppt/slides/slide8.xml><?xml version="1.0" encoding="utf-8"?>
+<p:sld xmlns:a="http://schemas.openxmlformats.org/drawingml/2006/main" xmlns:r="http://schemas.openxmlformats.org/officeDocument/2006/relationships" xmlns:p="http://schemas.openxmlformats.org/presentationml/2006/main">
+  <p:cSld>
+    <p:spTree>
+      <p:nvGrpSpPr>
+        <p:cNvPr id="1" name=""/>
+        <p:cNvGrpSpPr/>
+        <p:nvPr/>
+      </p:nvGrpSpPr>
+      <p:grpSpPr>
+        <a:xfrm>
+          <a:off x="0" y="0"/>
+          <a:ext cx="0" cy="0"/>
+          <a:chOff x="0" y="0"/>
+          <a:chExt cx="0" cy="0"/>
+        </a:xfrm>
+      </p:grpSpPr>
+      <p:grpSp>
+        <p:nvGrpSpPr>
+          <p:cNvPr id="110" name="Group 109">
+            <a:extLst>
+              <a:ext uri="{FF2B5EF4-FFF2-40B4-BE49-F238E27FC236}">
+                <a16:creationId xmlns:a16="http://schemas.microsoft.com/office/drawing/2014/main" id="{E1A58D66-07E8-44C1-051D-70E199786747}"/>
+              </a:ext>
+            </a:extLst>
+          </p:cNvPr>
+          <p:cNvGrpSpPr/>
+          <p:nvPr/>
+        </p:nvGrpSpPr>
+        <p:grpSpPr>
+          <a:xfrm>
+            <a:off x="-317724" y="805595"/>
+            <a:ext cx="7978352" cy="5658572"/>
+            <a:chOff x="-317724" y="805595"/>
+            <a:chExt cx="7978352" cy="5658572"/>
+          </a:xfrm>
+          <a:noFill/>
+        </p:grpSpPr>
+        <p:sp>
+          <p:nvSpPr>
+            <p:cNvPr id="6" name="Cloud 5">
+              <a:extLst>
+                <a:ext uri="{FF2B5EF4-FFF2-40B4-BE49-F238E27FC236}">
+                  <a16:creationId xmlns:a16="http://schemas.microsoft.com/office/drawing/2014/main" id="{256FD929-8CCB-2CD7-78F7-97550A309F7B}"/>
+                </a:ext>
+              </a:extLst>
+            </p:cNvPr>
+            <p:cNvSpPr/>
+            <p:nvPr/>
+          </p:nvSpPr>
+          <p:spPr>
+            <a:xfrm>
+              <a:off x="1811410" y="4681087"/>
+              <a:ext cx="3720084" cy="1783080"/>
+            </a:xfrm>
+            <a:prstGeom prst="cloud">
+              <a:avLst/>
+            </a:prstGeom>
+            <a:grpFill/>
+            <a:ln w="28575">
+              <a:solidFill>
+                <a:schemeClr val="tx1"/>
+              </a:solidFill>
+            </a:ln>
+          </p:spPr>
+          <p:style>
+            <a:lnRef idx="2">
+              <a:schemeClr val="accent1">
+                <a:shade val="15000"/>
+              </a:schemeClr>
+            </a:lnRef>
+            <a:fillRef idx="1">
+              <a:schemeClr val="accent1"/>
+            </a:fillRef>
+            <a:effectRef idx="0">
+              <a:schemeClr val="accent1"/>
+            </a:effectRef>
+            <a:fontRef idx="minor">
+              <a:schemeClr val="lt1"/>
+            </a:fontRef>
+          </p:style>
+          <p:txBody>
+            <a:bodyPr rtlCol="0" anchor="ctr"/>
+            <a:lstStyle/>
+            <a:p>
+              <a:pPr algn="ctr"/>
+              <a:r>
+                <a:rPr lang="en-US" dirty="0">
+                  <a:solidFill>
+                    <a:schemeClr val="tx1"/>
+                  </a:solidFill>
+                </a:rPr>
+                <a:t>Discrete Event</a:t>
+              </a:r>
+            </a:p>
+            <a:p>
+              <a:pPr algn="ctr"/>
+              <a:r>
+                <a:rPr lang="en-US" dirty="0">
+                  <a:solidFill>
+                    <a:schemeClr val="tx1"/>
+                  </a:solidFill>
+                </a:rPr>
+                <a:t>Scheduler</a:t>
+              </a:r>
+            </a:p>
+          </p:txBody>
+        </p:sp>
+        <p:sp>
+          <p:nvSpPr>
+            <p:cNvPr id="7" name="Rectangle 6">
+              <a:extLst>
+                <a:ext uri="{FF2B5EF4-FFF2-40B4-BE49-F238E27FC236}">
+                  <a16:creationId xmlns:a16="http://schemas.microsoft.com/office/drawing/2014/main" id="{9E13AEC0-CC39-E78A-6DEC-89852EB8CAFA}"/>
+                </a:ext>
+              </a:extLst>
+            </p:cNvPr>
+            <p:cNvSpPr/>
+            <p:nvPr/>
+          </p:nvSpPr>
+          <p:spPr>
+            <a:xfrm>
+              <a:off x="5204491" y="805595"/>
+              <a:ext cx="1746504" cy="731520"/>
+            </a:xfrm>
+            <a:prstGeom prst="rect">
+              <a:avLst/>
+            </a:prstGeom>
+            <a:grpFill/>
+            <a:ln w="28575">
+              <a:solidFill>
+                <a:schemeClr val="tx1"/>
+              </a:solidFill>
+            </a:ln>
+          </p:spPr>
+          <p:style>
+            <a:lnRef idx="2">
+              <a:schemeClr val="accent1">
+                <a:shade val="15000"/>
+              </a:schemeClr>
+            </a:lnRef>
+            <a:fillRef idx="1">
+              <a:schemeClr val="accent1"/>
+            </a:fillRef>
+            <a:effectRef idx="0">
+              <a:schemeClr val="accent1"/>
+            </a:effectRef>
+            <a:fontRef idx="minor">
+              <a:schemeClr val="lt1"/>
+            </a:fontRef>
+          </p:style>
+          <p:txBody>
+            <a:bodyPr rtlCol="0" anchor="ctr"/>
+            <a:lstStyle/>
+            <a:p>
+              <a:pPr algn="ctr"/>
+              <a:r>
+                <a:rPr lang="en-US" dirty="0">
+                  <a:solidFill>
+                    <a:schemeClr val="tx1"/>
+                  </a:solidFill>
+                </a:rPr>
+                <a:t>RTL IR</a:t>
+              </a:r>
+            </a:p>
+          </p:txBody>
+        </p:sp>
+        <p:sp>
+          <p:nvSpPr>
+            <p:cNvPr id="10" name="Rectangle 9">
+              <a:extLst>
+                <a:ext uri="{FF2B5EF4-FFF2-40B4-BE49-F238E27FC236}">
+                  <a16:creationId xmlns:a16="http://schemas.microsoft.com/office/drawing/2014/main" id="{5BC9F427-5077-EEBF-D95E-279F2CB84A0B}"/>
+                </a:ext>
+              </a:extLst>
+            </p:cNvPr>
+            <p:cNvSpPr/>
+            <p:nvPr/>
+          </p:nvSpPr>
+          <p:spPr>
+            <a:xfrm>
+              <a:off x="2795995" y="805595"/>
+              <a:ext cx="1746504" cy="731520"/>
+            </a:xfrm>
+            <a:prstGeom prst="rect">
+              <a:avLst/>
+            </a:prstGeom>
+            <a:grpFill/>
+            <a:ln w="28575">
+              <a:solidFill>
+                <a:schemeClr val="tx1"/>
+              </a:solidFill>
+            </a:ln>
+          </p:spPr>
+          <p:style>
+            <a:lnRef idx="2">
+              <a:schemeClr val="accent1">
+                <a:shade val="15000"/>
+              </a:schemeClr>
+            </a:lnRef>
+            <a:fillRef idx="1">
+              <a:schemeClr val="accent1"/>
+            </a:fillRef>
+            <a:effectRef idx="0">
+              <a:schemeClr val="accent1"/>
+            </a:effectRef>
+            <a:fontRef idx="minor">
+              <a:schemeClr val="lt1"/>
+            </a:fontRef>
+          </p:style>
+          <p:txBody>
+            <a:bodyPr rtlCol="0" anchor="ctr"/>
+            <a:lstStyle/>
+            <a:p>
+              <a:pPr algn="ctr"/>
+              <a:r>
+                <a:rPr lang="en-US" dirty="0">
+                  <a:solidFill>
+                    <a:schemeClr val="tx1"/>
+                  </a:solidFill>
+                </a:rPr>
+                <a:t>Calyx</a:t>
+              </a:r>
+            </a:p>
+          </p:txBody>
+        </p:sp>
+        <p:sp>
+          <p:nvSpPr>
+            <p:cNvPr id="11" name="Rectangle 10">
+              <a:extLst>
+                <a:ext uri="{FF2B5EF4-FFF2-40B4-BE49-F238E27FC236}">
+                  <a16:creationId xmlns:a16="http://schemas.microsoft.com/office/drawing/2014/main" id="{BBC76BB5-6E9E-21C9-C9E8-311BED31C53A}"/>
+                </a:ext>
+              </a:extLst>
+            </p:cNvPr>
+            <p:cNvSpPr/>
+            <p:nvPr/>
+          </p:nvSpPr>
+          <p:spPr>
+            <a:xfrm>
+              <a:off x="384059" y="805595"/>
+              <a:ext cx="1746504" cy="731520"/>
+            </a:xfrm>
+            <a:prstGeom prst="rect">
+              <a:avLst/>
+            </a:prstGeom>
+            <a:grpFill/>
+            <a:ln w="28575">
+              <a:solidFill>
+                <a:schemeClr val="tx1"/>
+              </a:solidFill>
+            </a:ln>
+          </p:spPr>
+          <p:style>
+            <a:lnRef idx="2">
+              <a:schemeClr val="accent1">
+                <a:shade val="15000"/>
+              </a:schemeClr>
+            </a:lnRef>
+            <a:fillRef idx="1">
+              <a:schemeClr val="accent1"/>
+            </a:fillRef>
+            <a:effectRef idx="0">
+              <a:schemeClr val="accent1"/>
+            </a:effectRef>
+            <a:fontRef idx="minor">
+              <a:schemeClr val="lt1"/>
+            </a:fontRef>
+          </p:style>
+          <p:txBody>
+            <a:bodyPr rtlCol="0" anchor="ctr"/>
+            <a:lstStyle/>
+            <a:p>
+              <a:pPr algn="ctr"/>
+              <a:r>
+                <a:rPr lang="en-US" dirty="0">
+                  <a:solidFill>
+                    <a:schemeClr val="tx1"/>
+                  </a:solidFill>
+                </a:rPr>
+                <a:t>Behavioral</a:t>
+              </a:r>
+            </a:p>
+            <a:p>
+              <a:pPr algn="ctr"/>
+              <a:r>
+                <a:rPr lang="en-US" dirty="0">
+                  <a:solidFill>
+                    <a:schemeClr val="tx1"/>
+                  </a:solidFill>
+                </a:rPr>
+                <a:t>Model</a:t>
+              </a:r>
+            </a:p>
+          </p:txBody>
+        </p:sp>
+        <p:sp>
+          <p:nvSpPr>
+            <p:cNvPr id="12" name="Rectangle 11">
+              <a:extLst>
+                <a:ext uri="{FF2B5EF4-FFF2-40B4-BE49-F238E27FC236}">
+                  <a16:creationId xmlns:a16="http://schemas.microsoft.com/office/drawing/2014/main" id="{AAAACFA1-4940-0650-0283-50C528548DD9}"/>
+                </a:ext>
+              </a:extLst>
+            </p:cNvPr>
+            <p:cNvSpPr/>
+            <p:nvPr/>
+          </p:nvSpPr>
+          <p:spPr>
+            <a:xfrm>
+              <a:off x="-317724" y="3394850"/>
+              <a:ext cx="7978352" cy="731520"/>
+            </a:xfrm>
+            <a:prstGeom prst="rect">
+              <a:avLst/>
+            </a:prstGeom>
+            <a:grpFill/>
+            <a:ln w="28575">
+              <a:solidFill>
+                <a:schemeClr val="tx1"/>
+              </a:solidFill>
+            </a:ln>
+          </p:spPr>
+          <p:style>
+            <a:lnRef idx="2">
+              <a:schemeClr val="accent1">
+                <a:shade val="15000"/>
+              </a:schemeClr>
+            </a:lnRef>
+            <a:fillRef idx="1">
+              <a:schemeClr val="accent1"/>
+            </a:fillRef>
+            <a:effectRef idx="0">
+              <a:schemeClr val="accent1"/>
+            </a:effectRef>
+            <a:fontRef idx="minor">
+              <a:schemeClr val="lt1"/>
+            </a:fontRef>
+          </p:style>
+          <p:txBody>
+            <a:bodyPr rtlCol="0" anchor="ctr"/>
+            <a:lstStyle/>
+            <a:p>
+              <a:pPr algn="ctr"/>
+              <a:r>
+                <a:rPr lang="en-US" dirty="0">
+                  <a:solidFill>
+                    <a:schemeClr val="tx1"/>
+                  </a:solidFill>
+                </a:rPr>
+                <a:t>Common Transaction Scheme</a:t>
+              </a:r>
+            </a:p>
+          </p:txBody>
+        </p:sp>
+        <p:cxnSp>
+          <p:nvCxnSpPr>
+            <p:cNvPr id="14" name="Straight Arrow Connector 13">
+              <a:extLst>
+                <a:ext uri="{FF2B5EF4-FFF2-40B4-BE49-F238E27FC236}">
+                  <a16:creationId xmlns:a16="http://schemas.microsoft.com/office/drawing/2014/main" id="{086F9910-006D-334E-D648-0AA22E5DAF2B}"/>
+                </a:ext>
+              </a:extLst>
+            </p:cNvPr>
+            <p:cNvCxnSpPr>
+              <a:cxnSpLocks/>
+              <a:stCxn id="11" idx="2"/>
+              <a:endCxn id="39" idx="0"/>
+            </p:cNvCxnSpPr>
+            <p:nvPr/>
+          </p:nvCxnSpPr>
+          <p:spPr>
+            <a:xfrm flipH="1">
+              <a:off x="384059" y="1537115"/>
+              <a:ext cx="873252" cy="548930"/>
+            </a:xfrm>
+            <a:prstGeom prst="straightConnector1">
+              <a:avLst/>
+            </a:prstGeom>
+            <a:grpFill/>
+            <a:ln w="28575">
+              <a:solidFill>
+                <a:schemeClr val="tx1"/>
+              </a:solidFill>
+              <a:tailEnd type="triangle"/>
+            </a:ln>
+          </p:spPr>
+          <p:style>
+            <a:lnRef idx="2">
+              <a:schemeClr val="accent1"/>
+            </a:lnRef>
+            <a:fillRef idx="0">
+              <a:schemeClr val="accent1"/>
+            </a:fillRef>
+            <a:effectRef idx="1">
+              <a:schemeClr val="accent1"/>
+            </a:effectRef>
+            <a:fontRef idx="minor">
+              <a:schemeClr val="tx1"/>
+            </a:fontRef>
+          </p:style>
+        </p:cxnSp>
+        <p:cxnSp>
+          <p:nvCxnSpPr>
+            <p:cNvPr id="27" name="Straight Arrow Connector 26">
+              <a:extLst>
+                <a:ext uri="{FF2B5EF4-FFF2-40B4-BE49-F238E27FC236}">
+                  <a16:creationId xmlns:a16="http://schemas.microsoft.com/office/drawing/2014/main" id="{082AC347-4006-BDD9-AACF-1D136530A13C}"/>
+                </a:ext>
+              </a:extLst>
+            </p:cNvPr>
+            <p:cNvCxnSpPr>
+              <a:cxnSpLocks/>
+              <a:stCxn id="12" idx="2"/>
+              <a:endCxn id="6" idx="3"/>
+            </p:cNvCxnSpPr>
+            <p:nvPr/>
+          </p:nvCxnSpPr>
+          <p:spPr>
+            <a:xfrm>
+              <a:off x="3671452" y="4126370"/>
+              <a:ext cx="0" cy="656666"/>
+            </a:xfrm>
+            <a:prstGeom prst="straightConnector1">
+              <a:avLst/>
+            </a:prstGeom>
+            <a:grpFill/>
+            <a:ln w="28575">
+              <a:solidFill>
+                <a:schemeClr val="tx1"/>
+              </a:solidFill>
+              <a:tailEnd type="triangle"/>
+            </a:ln>
+          </p:spPr>
+          <p:style>
+            <a:lnRef idx="2">
+              <a:schemeClr val="accent1"/>
+            </a:lnRef>
+            <a:fillRef idx="0">
+              <a:schemeClr val="accent1"/>
+            </a:fillRef>
+            <a:effectRef idx="1">
+              <a:schemeClr val="accent1"/>
+            </a:effectRef>
+            <a:fontRef idx="minor">
+              <a:schemeClr val="tx1"/>
+            </a:fontRef>
+          </p:style>
+        </p:cxnSp>
+        <p:sp>
+          <p:nvSpPr>
+            <p:cNvPr id="34" name="Rectangle 33">
+              <a:extLst>
+                <a:ext uri="{FF2B5EF4-FFF2-40B4-BE49-F238E27FC236}">
+                  <a16:creationId xmlns:a16="http://schemas.microsoft.com/office/drawing/2014/main" id="{FE75A6F5-9DDE-EAF5-22D9-7A8DA509FD19}"/>
+                </a:ext>
+              </a:extLst>
+            </p:cNvPr>
+            <p:cNvSpPr/>
+            <p:nvPr/>
+          </p:nvSpPr>
+          <p:spPr>
+            <a:xfrm>
+              <a:off x="2798200" y="2108613"/>
+              <a:ext cx="1746504" cy="731520"/>
+            </a:xfrm>
+            <a:prstGeom prst="rect">
+              <a:avLst/>
+            </a:prstGeom>
+            <a:grpFill/>
+            <a:ln w="28575">
+              <a:solidFill>
+                <a:schemeClr val="tx1"/>
+              </a:solidFill>
+            </a:ln>
+          </p:spPr>
+          <p:style>
+            <a:lnRef idx="2">
+              <a:schemeClr val="accent1">
+                <a:shade val="15000"/>
+              </a:schemeClr>
+            </a:lnRef>
+            <a:fillRef idx="1">
+              <a:schemeClr val="accent1"/>
+            </a:fillRef>
+            <a:effectRef idx="0">
+              <a:schemeClr val="accent1"/>
+            </a:effectRef>
+            <a:fontRef idx="minor">
+              <a:schemeClr val="lt1"/>
+            </a:fontRef>
+          </p:style>
+          <p:txBody>
+            <a:bodyPr rtlCol="0" anchor="ctr"/>
+            <a:lstStyle/>
+            <a:p>
+              <a:pPr algn="ctr"/>
+              <a:r>
+                <a:rPr lang="en-US" dirty="0">
+                  <a:solidFill>
+                    <a:schemeClr val="tx1"/>
+                  </a:solidFill>
+                </a:rPr>
+                <a:t>Latency</a:t>
+              </a:r>
+            </a:p>
+            <a:p>
+              <a:pPr algn="ctr"/>
+              <a:r>
+                <a:rPr lang="en-US" dirty="0">
+                  <a:solidFill>
+                    <a:schemeClr val="tx1"/>
+                  </a:solidFill>
+                </a:rPr>
+                <a:t>Insensitive</a:t>
+              </a:r>
+            </a:p>
+          </p:txBody>
+        </p:sp>
+        <p:sp>
+          <p:nvSpPr>
+            <p:cNvPr id="35" name="Rectangle 34">
+              <a:extLst>
+                <a:ext uri="{FF2B5EF4-FFF2-40B4-BE49-F238E27FC236}">
+                  <a16:creationId xmlns:a16="http://schemas.microsoft.com/office/drawing/2014/main" id="{6B123AEF-F161-CBE4-0046-163F859BD48F}"/>
+                </a:ext>
+              </a:extLst>
+            </p:cNvPr>
+            <p:cNvSpPr/>
+            <p:nvPr/>
+          </p:nvSpPr>
+          <p:spPr>
+            <a:xfrm>
+              <a:off x="4718159" y="2108613"/>
+              <a:ext cx="813258" cy="731520"/>
+            </a:xfrm>
+            <a:prstGeom prst="rect">
+              <a:avLst/>
+            </a:prstGeom>
+            <a:grpFill/>
+            <a:ln w="28575">
+              <a:solidFill>
+                <a:schemeClr val="tx1"/>
+              </a:solidFill>
+            </a:ln>
+          </p:spPr>
+          <p:style>
+            <a:lnRef idx="2">
+              <a:schemeClr val="accent1">
+                <a:shade val="15000"/>
+              </a:schemeClr>
+            </a:lnRef>
+            <a:fillRef idx="1">
+              <a:schemeClr val="accent1"/>
+            </a:fillRef>
+            <a:effectRef idx="0">
+              <a:schemeClr val="accent1"/>
+            </a:effectRef>
+            <a:fontRef idx="minor">
+              <a:schemeClr val="lt1"/>
+            </a:fontRef>
+          </p:style>
+          <p:txBody>
+            <a:bodyPr rtlCol="0" anchor="ctr"/>
+            <a:lstStyle/>
+            <a:p>
+              <a:pPr algn="ctr"/>
+              <a:r>
+                <a:rPr lang="en-US" dirty="0">
+                  <a:solidFill>
+                    <a:schemeClr val="tx1"/>
+                  </a:solidFill>
+                </a:rPr>
+                <a:t>Wire</a:t>
+              </a:r>
+            </a:p>
+          </p:txBody>
+        </p:sp>
+        <p:sp>
+          <p:nvSpPr>
+            <p:cNvPr id="37" name="Rectangle 36">
+              <a:extLst>
+                <a:ext uri="{FF2B5EF4-FFF2-40B4-BE49-F238E27FC236}">
+                  <a16:creationId xmlns:a16="http://schemas.microsoft.com/office/drawing/2014/main" id="{CF736317-E36D-1846-0760-EE0FECC8E969}"/>
+                </a:ext>
+              </a:extLst>
+            </p:cNvPr>
+            <p:cNvSpPr/>
+            <p:nvPr/>
+          </p:nvSpPr>
+          <p:spPr>
+            <a:xfrm>
+              <a:off x="5671114" y="2108613"/>
+              <a:ext cx="813258" cy="731520"/>
+            </a:xfrm>
+            <a:prstGeom prst="rect">
+              <a:avLst/>
+            </a:prstGeom>
+            <a:grpFill/>
+            <a:ln w="28575">
+              <a:solidFill>
+                <a:schemeClr val="tx1"/>
+              </a:solidFill>
+            </a:ln>
+          </p:spPr>
+          <p:style>
+            <a:lnRef idx="2">
+              <a:schemeClr val="accent1">
+                <a:shade val="15000"/>
+              </a:schemeClr>
+            </a:lnRef>
+            <a:fillRef idx="1">
+              <a:schemeClr val="accent1"/>
+            </a:fillRef>
+            <a:effectRef idx="0">
+              <a:schemeClr val="accent1"/>
+            </a:effectRef>
+            <a:fontRef idx="minor">
+              <a:schemeClr val="lt1"/>
+            </a:fontRef>
+          </p:style>
+          <p:txBody>
+            <a:bodyPr rtlCol="0" anchor="ctr"/>
+            <a:lstStyle/>
+            <a:p>
+              <a:pPr algn="ctr"/>
+              <a:r>
+                <a:rPr lang="en-US" dirty="0">
+                  <a:solidFill>
+                    <a:schemeClr val="tx1"/>
+                  </a:solidFill>
+                </a:rPr>
+                <a:t>Valid</a:t>
+              </a:r>
+            </a:p>
+          </p:txBody>
+        </p:sp>
+        <p:sp>
+          <p:nvSpPr>
+            <p:cNvPr id="38" name="Rectangle 37">
+              <a:extLst>
+                <a:ext uri="{FF2B5EF4-FFF2-40B4-BE49-F238E27FC236}">
+                  <a16:creationId xmlns:a16="http://schemas.microsoft.com/office/drawing/2014/main" id="{3373FD2B-B63D-37A1-AE6B-08CE320A6425}"/>
+                </a:ext>
+              </a:extLst>
+            </p:cNvPr>
+            <p:cNvSpPr/>
+            <p:nvPr/>
+          </p:nvSpPr>
+          <p:spPr>
+            <a:xfrm>
+              <a:off x="6660033" y="2097620"/>
+              <a:ext cx="1000595" cy="731520"/>
+            </a:xfrm>
+            <a:prstGeom prst="rect">
+              <a:avLst/>
+            </a:prstGeom>
+            <a:grpFill/>
+            <a:ln w="28575">
+              <a:solidFill>
+                <a:schemeClr val="tx1"/>
+              </a:solidFill>
+            </a:ln>
+          </p:spPr>
+          <p:style>
+            <a:lnRef idx="2">
+              <a:schemeClr val="accent1">
+                <a:shade val="15000"/>
+              </a:schemeClr>
+            </a:lnRef>
+            <a:fillRef idx="1">
+              <a:schemeClr val="accent1"/>
+            </a:fillRef>
+            <a:effectRef idx="0">
+              <a:schemeClr val="accent1"/>
+            </a:effectRef>
+            <a:fontRef idx="minor">
+              <a:schemeClr val="lt1"/>
+            </a:fontRef>
+          </p:style>
+          <p:txBody>
+            <a:bodyPr rtlCol="0" anchor="ctr"/>
+            <a:lstStyle/>
+            <a:p>
+              <a:pPr algn="ctr"/>
+              <a:r>
+                <a:rPr lang="en-US" dirty="0" err="1">
+                  <a:solidFill>
+                    <a:schemeClr val="tx1"/>
+                  </a:solidFill>
+                </a:rPr>
+                <a:t>Rdy</a:t>
+              </a:r>
+              <a:r>
+                <a:rPr lang="en-US" dirty="0">
+                  <a:solidFill>
+                    <a:schemeClr val="tx1"/>
+                  </a:solidFill>
+                </a:rPr>
+                <a:t>/Val</a:t>
+              </a:r>
+            </a:p>
+          </p:txBody>
+        </p:sp>
+        <p:sp>
+          <p:nvSpPr>
+            <p:cNvPr id="39" name="Rectangle 38">
+              <a:extLst>
+                <a:ext uri="{FF2B5EF4-FFF2-40B4-BE49-F238E27FC236}">
+                  <a16:creationId xmlns:a16="http://schemas.microsoft.com/office/drawing/2014/main" id="{9BC1AE4D-E805-E78D-AAC1-23A3782FB088}"/>
+                </a:ext>
+              </a:extLst>
+            </p:cNvPr>
+            <p:cNvSpPr/>
+            <p:nvPr/>
+          </p:nvSpPr>
+          <p:spPr>
+            <a:xfrm>
+              <a:off x="-317724" y="2086045"/>
+              <a:ext cx="1403566" cy="731520"/>
+            </a:xfrm>
+            <a:prstGeom prst="rect">
+              <a:avLst/>
+            </a:prstGeom>
+            <a:grpFill/>
+            <a:ln w="28575">
+              <a:solidFill>
+                <a:schemeClr val="tx1"/>
+              </a:solidFill>
+            </a:ln>
+          </p:spPr>
+          <p:style>
+            <a:lnRef idx="2">
+              <a:schemeClr val="accent1">
+                <a:shade val="15000"/>
+              </a:schemeClr>
+            </a:lnRef>
+            <a:fillRef idx="1">
+              <a:schemeClr val="accent1"/>
+            </a:fillRef>
+            <a:effectRef idx="0">
+              <a:schemeClr val="accent1"/>
+            </a:effectRef>
+            <a:fontRef idx="minor">
+              <a:schemeClr val="lt1"/>
+            </a:fontRef>
+          </p:style>
+          <p:txBody>
+            <a:bodyPr rtlCol="0" anchor="ctr"/>
+            <a:lstStyle/>
+            <a:p>
+              <a:pPr algn="ctr"/>
+              <a:r>
+                <a:rPr lang="en-US" dirty="0">
+                  <a:solidFill>
+                    <a:schemeClr val="tx1"/>
+                  </a:solidFill>
+                </a:rPr>
+                <a:t>Various peek poke</a:t>
+              </a:r>
+            </a:p>
+          </p:txBody>
+        </p:sp>
+        <p:sp>
+          <p:nvSpPr>
+            <p:cNvPr id="41" name="Rectangle 40">
+              <a:extLst>
+                <a:ext uri="{FF2B5EF4-FFF2-40B4-BE49-F238E27FC236}">
+                  <a16:creationId xmlns:a16="http://schemas.microsoft.com/office/drawing/2014/main" id="{D0444A4A-20D6-477F-AE62-F3FF807DDEF6}"/>
+                </a:ext>
+              </a:extLst>
+            </p:cNvPr>
+            <p:cNvSpPr/>
+            <p:nvPr/>
+          </p:nvSpPr>
+          <p:spPr>
+            <a:xfrm>
+              <a:off x="1296063" y="2097038"/>
+              <a:ext cx="1403566" cy="731520"/>
+            </a:xfrm>
+            <a:prstGeom prst="rect">
+              <a:avLst/>
+            </a:prstGeom>
+            <a:grpFill/>
+            <a:ln w="28575">
+              <a:solidFill>
+                <a:schemeClr val="tx1"/>
+              </a:solidFill>
+            </a:ln>
+          </p:spPr>
+          <p:style>
+            <a:lnRef idx="2">
+              <a:schemeClr val="accent1">
+                <a:shade val="15000"/>
+              </a:schemeClr>
+            </a:lnRef>
+            <a:fillRef idx="1">
+              <a:schemeClr val="accent1"/>
+            </a:fillRef>
+            <a:effectRef idx="0">
+              <a:schemeClr val="accent1"/>
+            </a:effectRef>
+            <a:fontRef idx="minor">
+              <a:schemeClr val="lt1"/>
+            </a:fontRef>
+          </p:style>
+          <p:txBody>
+            <a:bodyPr rtlCol="0" anchor="ctr"/>
+            <a:lstStyle/>
+            <a:p>
+              <a:pPr algn="ctr"/>
+              <a:r>
+                <a:rPr lang="en-US" dirty="0">
+                  <a:solidFill>
+                    <a:schemeClr val="tx1"/>
+                  </a:solidFill>
+                </a:rPr>
+                <a:t>Function Calls</a:t>
+              </a:r>
+            </a:p>
+          </p:txBody>
+        </p:sp>
+        <p:cxnSp>
+          <p:nvCxnSpPr>
+            <p:cNvPr id="49" name="Straight Arrow Connector 48">
+              <a:extLst>
+                <a:ext uri="{FF2B5EF4-FFF2-40B4-BE49-F238E27FC236}">
+                  <a16:creationId xmlns:a16="http://schemas.microsoft.com/office/drawing/2014/main" id="{C1FBE061-9DBC-294D-3873-EBE314D6A501}"/>
+                </a:ext>
+              </a:extLst>
+            </p:cNvPr>
+            <p:cNvCxnSpPr>
+              <a:cxnSpLocks/>
+              <a:stCxn id="11" idx="2"/>
+              <a:endCxn id="41" idx="0"/>
+            </p:cNvCxnSpPr>
+            <p:nvPr/>
+          </p:nvCxnSpPr>
+          <p:spPr>
+            <a:xfrm>
+              <a:off x="1257311" y="1537115"/>
+              <a:ext cx="740535" cy="559923"/>
+            </a:xfrm>
+            <a:prstGeom prst="straightConnector1">
+              <a:avLst/>
+            </a:prstGeom>
+            <a:grpFill/>
+            <a:ln w="28575">
+              <a:solidFill>
+                <a:schemeClr val="tx1"/>
+              </a:solidFill>
+              <a:tailEnd type="triangle"/>
+            </a:ln>
+          </p:spPr>
+          <p:style>
+            <a:lnRef idx="2">
+              <a:schemeClr val="accent1"/>
+            </a:lnRef>
+            <a:fillRef idx="0">
+              <a:schemeClr val="accent1"/>
+            </a:fillRef>
+            <a:effectRef idx="1">
+              <a:schemeClr val="accent1"/>
+            </a:effectRef>
+            <a:fontRef idx="minor">
+              <a:schemeClr val="tx1"/>
+            </a:fontRef>
+          </p:style>
+        </p:cxnSp>
+        <p:cxnSp>
+          <p:nvCxnSpPr>
+            <p:cNvPr id="56" name="Straight Arrow Connector 55">
+              <a:extLst>
+                <a:ext uri="{FF2B5EF4-FFF2-40B4-BE49-F238E27FC236}">
+                  <a16:creationId xmlns:a16="http://schemas.microsoft.com/office/drawing/2014/main" id="{BABD3361-A4B1-9087-8687-210AD3584EB0}"/>
+                </a:ext>
+              </a:extLst>
+            </p:cNvPr>
+            <p:cNvCxnSpPr>
+              <a:cxnSpLocks/>
+              <a:stCxn id="7" idx="2"/>
+              <a:endCxn id="35" idx="0"/>
+            </p:cNvCxnSpPr>
+            <p:nvPr/>
+          </p:nvCxnSpPr>
+          <p:spPr>
+            <a:xfrm flipH="1">
+              <a:off x="5124788" y="1537115"/>
+              <a:ext cx="952955" cy="571498"/>
+            </a:xfrm>
+            <a:prstGeom prst="straightConnector1">
+              <a:avLst/>
+            </a:prstGeom>
+            <a:grpFill/>
+            <a:ln w="28575">
+              <a:solidFill>
+                <a:schemeClr val="tx1"/>
+              </a:solidFill>
+              <a:tailEnd type="triangle"/>
+            </a:ln>
+          </p:spPr>
+          <p:style>
+            <a:lnRef idx="2">
+              <a:schemeClr val="accent1"/>
+            </a:lnRef>
+            <a:fillRef idx="0">
+              <a:schemeClr val="accent1"/>
+            </a:fillRef>
+            <a:effectRef idx="1">
+              <a:schemeClr val="accent1"/>
+            </a:effectRef>
+            <a:fontRef idx="minor">
+              <a:schemeClr val="tx1"/>
+            </a:fontRef>
+          </p:style>
+        </p:cxnSp>
+        <p:cxnSp>
+          <p:nvCxnSpPr>
+            <p:cNvPr id="60" name="Straight Arrow Connector 59">
+              <a:extLst>
+                <a:ext uri="{FF2B5EF4-FFF2-40B4-BE49-F238E27FC236}">
+                  <a16:creationId xmlns:a16="http://schemas.microsoft.com/office/drawing/2014/main" id="{B901B38E-5BF1-52B8-BB19-D80B5775A0B3}"/>
+                </a:ext>
+              </a:extLst>
+            </p:cNvPr>
+            <p:cNvCxnSpPr>
+              <a:cxnSpLocks/>
+              <a:stCxn id="7" idx="2"/>
+              <a:endCxn id="37" idx="0"/>
+            </p:cNvCxnSpPr>
+            <p:nvPr/>
+          </p:nvCxnSpPr>
+          <p:spPr>
+            <a:xfrm>
+              <a:off x="6077743" y="1537115"/>
+              <a:ext cx="0" cy="571498"/>
+            </a:xfrm>
+            <a:prstGeom prst="straightConnector1">
+              <a:avLst/>
+            </a:prstGeom>
+            <a:grpFill/>
+            <a:ln w="28575">
+              <a:solidFill>
+                <a:schemeClr val="tx1"/>
+              </a:solidFill>
+              <a:tailEnd type="triangle"/>
+            </a:ln>
+          </p:spPr>
+          <p:style>
+            <a:lnRef idx="2">
+              <a:schemeClr val="accent1"/>
+            </a:lnRef>
+            <a:fillRef idx="0">
+              <a:schemeClr val="accent1"/>
+            </a:fillRef>
+            <a:effectRef idx="1">
+              <a:schemeClr val="accent1"/>
+            </a:effectRef>
+            <a:fontRef idx="minor">
+              <a:schemeClr val="tx1"/>
+            </a:fontRef>
+          </p:style>
+        </p:cxnSp>
+        <p:cxnSp>
+          <p:nvCxnSpPr>
+            <p:cNvPr id="63" name="Straight Arrow Connector 62">
+              <a:extLst>
+                <a:ext uri="{FF2B5EF4-FFF2-40B4-BE49-F238E27FC236}">
+                  <a16:creationId xmlns:a16="http://schemas.microsoft.com/office/drawing/2014/main" id="{5B7FD80A-DAB6-C96B-2B80-5A6D233E2997}"/>
+                </a:ext>
+              </a:extLst>
+            </p:cNvPr>
+            <p:cNvCxnSpPr>
+              <a:cxnSpLocks/>
+              <a:stCxn id="7" idx="2"/>
+              <a:endCxn id="38" idx="0"/>
+            </p:cNvCxnSpPr>
+            <p:nvPr/>
+          </p:nvCxnSpPr>
+          <p:spPr>
+            <a:xfrm>
+              <a:off x="6077743" y="1537115"/>
+              <a:ext cx="1082588" cy="560505"/>
+            </a:xfrm>
+            <a:prstGeom prst="straightConnector1">
+              <a:avLst/>
+            </a:prstGeom>
+            <a:grpFill/>
+            <a:ln w="28575">
+              <a:solidFill>
+                <a:schemeClr val="tx1"/>
+              </a:solidFill>
+              <a:tailEnd type="triangle"/>
+            </a:ln>
+          </p:spPr>
+          <p:style>
+            <a:lnRef idx="2">
+              <a:schemeClr val="accent1"/>
+            </a:lnRef>
+            <a:fillRef idx="0">
+              <a:schemeClr val="accent1"/>
+            </a:fillRef>
+            <a:effectRef idx="1">
+              <a:schemeClr val="accent1"/>
+            </a:effectRef>
+            <a:fontRef idx="minor">
+              <a:schemeClr val="tx1"/>
+            </a:fontRef>
+          </p:style>
+        </p:cxnSp>
+        <p:cxnSp>
+          <p:nvCxnSpPr>
+            <p:cNvPr id="74" name="Straight Arrow Connector 73">
+              <a:extLst>
+                <a:ext uri="{FF2B5EF4-FFF2-40B4-BE49-F238E27FC236}">
+                  <a16:creationId xmlns:a16="http://schemas.microsoft.com/office/drawing/2014/main" id="{23E2B5A8-932D-FF0E-1178-95F36A884AA0}"/>
+                </a:ext>
+              </a:extLst>
+            </p:cNvPr>
+            <p:cNvCxnSpPr>
+              <a:cxnSpLocks/>
+              <a:stCxn id="10" idx="2"/>
+              <a:endCxn id="34" idx="0"/>
+            </p:cNvCxnSpPr>
+            <p:nvPr/>
+          </p:nvCxnSpPr>
+          <p:spPr>
+            <a:xfrm>
+              <a:off x="3669247" y="1537115"/>
+              <a:ext cx="2205" cy="571498"/>
+            </a:xfrm>
+            <a:prstGeom prst="straightConnector1">
+              <a:avLst/>
+            </a:prstGeom>
+            <a:grpFill/>
+            <a:ln w="28575">
+              <a:solidFill>
+                <a:schemeClr val="tx1"/>
+              </a:solidFill>
+              <a:tailEnd type="triangle"/>
+            </a:ln>
+          </p:spPr>
+          <p:style>
+            <a:lnRef idx="2">
+              <a:schemeClr val="accent1"/>
+            </a:lnRef>
+            <a:fillRef idx="0">
+              <a:schemeClr val="accent1"/>
+            </a:fillRef>
+            <a:effectRef idx="1">
+              <a:schemeClr val="accent1"/>
+            </a:effectRef>
+            <a:fontRef idx="minor">
+              <a:schemeClr val="tx1"/>
+            </a:fontRef>
+          </p:style>
+        </p:cxnSp>
+        <p:cxnSp>
+          <p:nvCxnSpPr>
+            <p:cNvPr id="82" name="Straight Arrow Connector 81">
+              <a:extLst>
+                <a:ext uri="{FF2B5EF4-FFF2-40B4-BE49-F238E27FC236}">
+                  <a16:creationId xmlns:a16="http://schemas.microsoft.com/office/drawing/2014/main" id="{2E3447B0-5A79-AAA0-1557-62363337A0AE}"/>
+                </a:ext>
+              </a:extLst>
+            </p:cNvPr>
+            <p:cNvCxnSpPr>
+              <a:stCxn id="39" idx="2"/>
+            </p:cNvCxnSpPr>
+            <p:nvPr/>
+          </p:nvCxnSpPr>
+          <p:spPr>
+            <a:xfrm>
+              <a:off x="384059" y="2817565"/>
+              <a:ext cx="0" cy="577285"/>
+            </a:xfrm>
+            <a:prstGeom prst="straightConnector1">
+              <a:avLst/>
+            </a:prstGeom>
+            <a:grpFill/>
+            <a:ln w="28575">
+              <a:solidFill>
+                <a:schemeClr val="tx1"/>
+              </a:solidFill>
+              <a:tailEnd type="triangle"/>
+            </a:ln>
+          </p:spPr>
+          <p:style>
+            <a:lnRef idx="2">
+              <a:schemeClr val="accent1"/>
+            </a:lnRef>
+            <a:fillRef idx="0">
+              <a:schemeClr val="accent1"/>
+            </a:fillRef>
+            <a:effectRef idx="1">
+              <a:schemeClr val="accent1"/>
+            </a:effectRef>
+            <a:fontRef idx="minor">
+              <a:schemeClr val="tx1"/>
+            </a:fontRef>
+          </p:style>
+        </p:cxnSp>
+        <p:cxnSp>
+          <p:nvCxnSpPr>
+            <p:cNvPr id="84" name="Straight Arrow Connector 83">
+              <a:extLst>
+                <a:ext uri="{FF2B5EF4-FFF2-40B4-BE49-F238E27FC236}">
+                  <a16:creationId xmlns:a16="http://schemas.microsoft.com/office/drawing/2014/main" id="{9A72BB0B-1883-3239-2117-4F2BEF96DCB2}"/>
+                </a:ext>
+              </a:extLst>
+            </p:cNvPr>
+            <p:cNvCxnSpPr>
+              <a:cxnSpLocks/>
+              <a:stCxn id="41" idx="2"/>
+            </p:cNvCxnSpPr>
+            <p:nvPr/>
+          </p:nvCxnSpPr>
+          <p:spPr>
+            <a:xfrm>
+              <a:off x="1997846" y="2828558"/>
+              <a:ext cx="0" cy="577285"/>
+            </a:xfrm>
+            <a:prstGeom prst="straightConnector1">
+              <a:avLst/>
+            </a:prstGeom>
+            <a:grpFill/>
+            <a:ln w="28575">
+              <a:solidFill>
+                <a:schemeClr val="tx1"/>
+              </a:solidFill>
+              <a:tailEnd type="triangle"/>
+            </a:ln>
+          </p:spPr>
+          <p:style>
+            <a:lnRef idx="2">
+              <a:schemeClr val="accent1"/>
+            </a:lnRef>
+            <a:fillRef idx="0">
+              <a:schemeClr val="accent1"/>
+            </a:fillRef>
+            <a:effectRef idx="1">
+              <a:schemeClr val="accent1"/>
+            </a:effectRef>
+            <a:fontRef idx="minor">
+              <a:schemeClr val="tx1"/>
+            </a:fontRef>
+          </p:style>
+        </p:cxnSp>
+        <p:cxnSp>
+          <p:nvCxnSpPr>
+            <p:cNvPr id="88" name="Straight Arrow Connector 87">
+              <a:extLst>
+                <a:ext uri="{FF2B5EF4-FFF2-40B4-BE49-F238E27FC236}">
+                  <a16:creationId xmlns:a16="http://schemas.microsoft.com/office/drawing/2014/main" id="{FB5B0F0E-F9B8-D09E-ECB6-52699ED032E7}"/>
+                </a:ext>
+              </a:extLst>
+            </p:cNvPr>
+            <p:cNvCxnSpPr>
+              <a:cxnSpLocks/>
+              <a:stCxn id="34" idx="2"/>
+              <a:endCxn id="12" idx="0"/>
+            </p:cNvCxnSpPr>
+            <p:nvPr/>
+          </p:nvCxnSpPr>
+          <p:spPr>
+            <a:xfrm>
+              <a:off x="3671452" y="2840133"/>
+              <a:ext cx="0" cy="554717"/>
+            </a:xfrm>
+            <a:prstGeom prst="straightConnector1">
+              <a:avLst/>
+            </a:prstGeom>
+            <a:grpFill/>
+            <a:ln w="28575">
+              <a:solidFill>
+                <a:schemeClr val="tx1"/>
+              </a:solidFill>
+              <a:tailEnd type="triangle"/>
+            </a:ln>
+          </p:spPr>
+          <p:style>
+            <a:lnRef idx="2">
+              <a:schemeClr val="accent1"/>
+            </a:lnRef>
+            <a:fillRef idx="0">
+              <a:schemeClr val="accent1"/>
+            </a:fillRef>
+            <a:effectRef idx="1">
+              <a:schemeClr val="accent1"/>
+            </a:effectRef>
+            <a:fontRef idx="minor">
+              <a:schemeClr val="tx1"/>
+            </a:fontRef>
+          </p:style>
+        </p:cxnSp>
+        <p:cxnSp>
+          <p:nvCxnSpPr>
+            <p:cNvPr id="93" name="Straight Arrow Connector 92">
+              <a:extLst>
+                <a:ext uri="{FF2B5EF4-FFF2-40B4-BE49-F238E27FC236}">
+                  <a16:creationId xmlns:a16="http://schemas.microsoft.com/office/drawing/2014/main" id="{7869D1F2-989F-01B1-EFDE-B645C041234C}"/>
+                </a:ext>
+              </a:extLst>
+            </p:cNvPr>
+            <p:cNvCxnSpPr>
+              <a:cxnSpLocks/>
+              <a:stCxn id="35" idx="2"/>
+            </p:cNvCxnSpPr>
+            <p:nvPr/>
+          </p:nvCxnSpPr>
+          <p:spPr>
+            <a:xfrm>
+              <a:off x="5124788" y="2840133"/>
+              <a:ext cx="0" cy="565710"/>
+            </a:xfrm>
+            <a:prstGeom prst="straightConnector1">
+              <a:avLst/>
+            </a:prstGeom>
+            <a:grpFill/>
+            <a:ln w="28575">
+              <a:solidFill>
+                <a:schemeClr val="tx1"/>
+              </a:solidFill>
+              <a:tailEnd type="triangle"/>
+            </a:ln>
+          </p:spPr>
+          <p:style>
+            <a:lnRef idx="2">
+              <a:schemeClr val="accent1"/>
+            </a:lnRef>
+            <a:fillRef idx="0">
+              <a:schemeClr val="accent1"/>
+            </a:fillRef>
+            <a:effectRef idx="1">
+              <a:schemeClr val="accent1"/>
+            </a:effectRef>
+            <a:fontRef idx="minor">
+              <a:schemeClr val="tx1"/>
+            </a:fontRef>
+          </p:style>
+        </p:cxnSp>
+        <p:cxnSp>
+          <p:nvCxnSpPr>
+            <p:cNvPr id="100" name="Straight Arrow Connector 99">
+              <a:extLst>
+                <a:ext uri="{FF2B5EF4-FFF2-40B4-BE49-F238E27FC236}">
+                  <a16:creationId xmlns:a16="http://schemas.microsoft.com/office/drawing/2014/main" id="{E5EC03FD-7BCC-39B9-B051-37DE3E3AADA4}"/>
+                </a:ext>
+              </a:extLst>
+            </p:cNvPr>
+            <p:cNvCxnSpPr>
+              <a:cxnSpLocks/>
+              <a:stCxn id="37" idx="2"/>
+            </p:cNvCxnSpPr>
+            <p:nvPr/>
+          </p:nvCxnSpPr>
+          <p:spPr>
+            <a:xfrm>
+              <a:off x="6077743" y="2840133"/>
+              <a:ext cx="0" cy="543142"/>
+            </a:xfrm>
+            <a:prstGeom prst="straightConnector1">
+              <a:avLst/>
+            </a:prstGeom>
+            <a:grpFill/>
+            <a:ln w="28575">
+              <a:solidFill>
+                <a:schemeClr val="tx1"/>
+              </a:solidFill>
+              <a:tailEnd type="triangle"/>
+            </a:ln>
+          </p:spPr>
+          <p:style>
+            <a:lnRef idx="2">
+              <a:schemeClr val="accent1"/>
+            </a:lnRef>
+            <a:fillRef idx="0">
+              <a:schemeClr val="accent1"/>
+            </a:fillRef>
+            <a:effectRef idx="1">
+              <a:schemeClr val="accent1"/>
+            </a:effectRef>
+            <a:fontRef idx="minor">
+              <a:schemeClr val="tx1"/>
+            </a:fontRef>
+          </p:style>
+        </p:cxnSp>
+        <p:cxnSp>
+          <p:nvCxnSpPr>
+            <p:cNvPr id="102" name="Straight Arrow Connector 101">
+              <a:extLst>
+                <a:ext uri="{FF2B5EF4-FFF2-40B4-BE49-F238E27FC236}">
+                  <a16:creationId xmlns:a16="http://schemas.microsoft.com/office/drawing/2014/main" id="{2A512568-A551-E4EC-9A65-E49181C245A4}"/>
+                </a:ext>
+              </a:extLst>
+            </p:cNvPr>
+            <p:cNvCxnSpPr>
+              <a:cxnSpLocks/>
+              <a:stCxn id="38" idx="2"/>
+            </p:cNvCxnSpPr>
+            <p:nvPr/>
+          </p:nvCxnSpPr>
+          <p:spPr>
+            <a:xfrm flipH="1">
+              <a:off x="7160330" y="2829140"/>
+              <a:ext cx="1" cy="554135"/>
+            </a:xfrm>
+            <a:prstGeom prst="straightConnector1">
+              <a:avLst/>
+            </a:prstGeom>
+            <a:grpFill/>
+            <a:ln w="28575">
+              <a:solidFill>
+                <a:schemeClr val="tx1"/>
+              </a:solidFill>
+              <a:tailEnd type="triangle"/>
+            </a:ln>
+          </p:spPr>
+          <p:style>
+            <a:lnRef idx="2">
+              <a:schemeClr val="accent1"/>
+            </a:lnRef>
+            <a:fillRef idx="0">
+              <a:schemeClr val="accent1"/>
+            </a:fillRef>
+            <a:effectRef idx="1">
+              <a:schemeClr val="accent1"/>
+            </a:effectRef>
+            <a:fontRef idx="minor">
+              <a:schemeClr val="tx1"/>
+            </a:fontRef>
+          </p:style>
+        </p:cxnSp>
+      </p:grpSp>
+    </p:spTree>
+    <p:extLst>
+      <p:ext uri="{BB962C8B-B14F-4D97-AF65-F5344CB8AC3E}">
+        <p14:creationId xmlns:p14="http://schemas.microsoft.com/office/powerpoint/2010/main" val="302514581"/>
+      </p:ext>
+    </p:extLst>
+  </p:cSld>
+  <p:clrMapOvr>
+    <a:masterClrMapping/>
+  </p:clrMapOvr>
+</p:sld>
+</file>
+
+<file path=ppt/slides/slide9.xml><?xml version="1.0" encoding="utf-8"?>
+<p:sld xmlns:a="http://schemas.openxmlformats.org/drawingml/2006/main" xmlns:r="http://schemas.openxmlformats.org/officeDocument/2006/relationships" xmlns:p="http://schemas.openxmlformats.org/presentationml/2006/main">
+  <p:cSld>
+    <p:spTree>
+      <p:nvGrpSpPr>
+        <p:cNvPr id="1" name=""/>
+        <p:cNvGrpSpPr/>
+        <p:nvPr/>
+      </p:nvGrpSpPr>
+      <p:grpSpPr>
+        <a:xfrm>
+          <a:off x="0" y="0"/>
+          <a:ext cx="0" cy="0"/>
+          <a:chOff x="0" y="0"/>
+          <a:chExt cx="0" cy="0"/>
+        </a:xfrm>
+      </p:grpSpPr>
+      <p:grpSp>
+        <p:nvGrpSpPr>
+          <p:cNvPr id="16" name="Group 15">
+            <a:extLst>
+              <a:ext uri="{FF2B5EF4-FFF2-40B4-BE49-F238E27FC236}">
+                <a16:creationId xmlns:a16="http://schemas.microsoft.com/office/drawing/2014/main" id="{1093CB50-1FA0-480F-0C75-8A75BECDAF4D}"/>
+              </a:ext>
+            </a:extLst>
+          </p:cNvPr>
+          <p:cNvGrpSpPr/>
+          <p:nvPr/>
+        </p:nvGrpSpPr>
+        <p:grpSpPr>
+          <a:xfrm>
+            <a:off x="437612" y="630315"/>
+            <a:ext cx="6066215" cy="6007999"/>
+            <a:chOff x="437612" y="630315"/>
+            <a:chExt cx="6066215" cy="6007999"/>
+          </a:xfrm>
+        </p:grpSpPr>
+        <p:sp>
+          <p:nvSpPr>
+            <p:cNvPr id="4" name="Rectangle 3">
+              <a:extLst>
+                <a:ext uri="{FF2B5EF4-FFF2-40B4-BE49-F238E27FC236}">
+                  <a16:creationId xmlns:a16="http://schemas.microsoft.com/office/drawing/2014/main" id="{D45A32CF-A80A-7D25-AF86-5957EC179048}"/>
+                </a:ext>
+              </a:extLst>
+            </p:cNvPr>
+            <p:cNvSpPr/>
+            <p:nvPr/>
+          </p:nvSpPr>
+          <p:spPr>
+            <a:xfrm>
+              <a:off x="656948" y="630315"/>
+              <a:ext cx="1438182" cy="772357"/>
+            </a:xfrm>
+            <a:prstGeom prst="rect">
+              <a:avLst/>
+            </a:prstGeom>
+            <a:noFill/>
+            <a:ln w="28575">
+              <a:solidFill>
+                <a:schemeClr val="tx1"/>
+              </a:solidFill>
+            </a:ln>
+          </p:spPr>
+          <p:style>
+            <a:lnRef idx="2">
+              <a:schemeClr val="accent1">
+                <a:shade val="15000"/>
+              </a:schemeClr>
+            </a:lnRef>
+            <a:fillRef idx="1">
+              <a:schemeClr val="accent1"/>
+            </a:fillRef>
+            <a:effectRef idx="0">
+              <a:schemeClr val="accent1"/>
+            </a:effectRef>
+            <a:fontRef idx="minor">
+              <a:schemeClr val="lt1"/>
+            </a:fontRef>
+          </p:style>
+          <p:txBody>
+            <a:bodyPr rtlCol="0" anchor="ctr"/>
+            <a:lstStyle/>
+            <a:p>
+              <a:pPr algn="ctr"/>
+              <a:r>
+                <a:rPr lang="en-US" dirty="0">
+                  <a:solidFill>
+                    <a:schemeClr val="tx1"/>
+                  </a:solidFill>
+                </a:rPr>
+                <a:t>HLS</a:t>
+              </a:r>
+            </a:p>
+          </p:txBody>
+        </p:sp>
+        <p:sp>
+          <p:nvSpPr>
+            <p:cNvPr id="5" name="Rectangle 4">
+              <a:extLst>
+                <a:ext uri="{FF2B5EF4-FFF2-40B4-BE49-F238E27FC236}">
+                  <a16:creationId xmlns:a16="http://schemas.microsoft.com/office/drawing/2014/main" id="{9A9B0499-584F-A1FA-AB14-6C4AA189D85F}"/>
+                </a:ext>
+              </a:extLst>
+            </p:cNvPr>
+            <p:cNvSpPr/>
+            <p:nvPr/>
+          </p:nvSpPr>
+          <p:spPr>
+            <a:xfrm>
+              <a:off x="4856086" y="630315"/>
+              <a:ext cx="1438182" cy="772357"/>
+            </a:xfrm>
+            <a:prstGeom prst="rect">
+              <a:avLst/>
+            </a:prstGeom>
+            <a:noFill/>
+            <a:ln w="28575">
+              <a:solidFill>
+                <a:schemeClr val="tx1"/>
+              </a:solidFill>
+            </a:ln>
+          </p:spPr>
+          <p:style>
+            <a:lnRef idx="2">
+              <a:schemeClr val="accent1">
+                <a:shade val="15000"/>
+              </a:schemeClr>
+            </a:lnRef>
+            <a:fillRef idx="1">
+              <a:schemeClr val="accent1"/>
+            </a:fillRef>
+            <a:effectRef idx="0">
+              <a:schemeClr val="accent1"/>
+            </a:effectRef>
+            <a:fontRef idx="minor">
+              <a:schemeClr val="lt1"/>
+            </a:fontRef>
+          </p:style>
+          <p:txBody>
+            <a:bodyPr rtlCol="0" anchor="ctr"/>
+            <a:lstStyle/>
+            <a:p>
+              <a:pPr algn="ctr"/>
+              <a:r>
+                <a:rPr lang="en-US" dirty="0">
+                  <a:solidFill>
+                    <a:schemeClr val="tx1"/>
+                  </a:solidFill>
+                </a:rPr>
+                <a:t>RTL</a:t>
+              </a:r>
+            </a:p>
+          </p:txBody>
+        </p:sp>
+        <p:cxnSp>
+          <p:nvCxnSpPr>
+            <p:cNvPr id="21" name="Straight Arrow Connector 20">
+              <a:extLst>
+                <a:ext uri="{FF2B5EF4-FFF2-40B4-BE49-F238E27FC236}">
+                  <a16:creationId xmlns:a16="http://schemas.microsoft.com/office/drawing/2014/main" id="{3C3F37CA-E0A3-4BB4-12CE-638E5A18C019}"/>
+                </a:ext>
+              </a:extLst>
+            </p:cNvPr>
+            <p:cNvCxnSpPr>
+              <a:cxnSpLocks/>
+              <a:stCxn id="42" idx="2"/>
+              <a:endCxn id="57" idx="0"/>
+            </p:cNvCxnSpPr>
+            <p:nvPr/>
+          </p:nvCxnSpPr>
+          <p:spPr>
+            <a:xfrm>
+              <a:off x="3489663" y="3630314"/>
+              <a:ext cx="932897" cy="270685"/>
+            </a:xfrm>
+            <a:prstGeom prst="straightConnector1">
+              <a:avLst/>
+            </a:prstGeom>
+            <a:ln w="28575">
+              <a:solidFill>
+                <a:schemeClr val="accent6"/>
+              </a:solidFill>
+              <a:tailEnd type="triangle"/>
+            </a:ln>
+          </p:spPr>
+          <p:style>
+            <a:lnRef idx="2">
+              <a:schemeClr val="accent1"/>
+            </a:lnRef>
+            <a:fillRef idx="0">
+              <a:schemeClr val="accent1"/>
+            </a:fillRef>
+            <a:effectRef idx="1">
+              <a:schemeClr val="accent1"/>
+            </a:effectRef>
+            <a:fontRef idx="minor">
+              <a:schemeClr val="tx1"/>
+            </a:fontRef>
+          </p:style>
+        </p:cxnSp>
+        <p:sp>
+          <p:nvSpPr>
+            <p:cNvPr id="24" name="Rectangle 23">
+              <a:extLst>
+                <a:ext uri="{FF2B5EF4-FFF2-40B4-BE49-F238E27FC236}">
+                  <a16:creationId xmlns:a16="http://schemas.microsoft.com/office/drawing/2014/main" id="{1FF76C45-02A1-9F0E-9FDF-00E8F47E854C}"/>
+                </a:ext>
+              </a:extLst>
+            </p:cNvPr>
+            <p:cNvSpPr/>
+            <p:nvPr/>
+          </p:nvSpPr>
+          <p:spPr>
+            <a:xfrm>
+              <a:off x="2770572" y="630315"/>
+              <a:ext cx="1438182" cy="772357"/>
+            </a:xfrm>
+            <a:prstGeom prst="rect">
+              <a:avLst/>
+            </a:prstGeom>
+            <a:noFill/>
+            <a:ln w="28575">
+              <a:solidFill>
+                <a:schemeClr val="tx1"/>
+              </a:solidFill>
+            </a:ln>
+          </p:spPr>
+          <p:style>
+            <a:lnRef idx="2">
+              <a:schemeClr val="accent1">
+                <a:shade val="15000"/>
+              </a:schemeClr>
+            </a:lnRef>
+            <a:fillRef idx="1">
+              <a:schemeClr val="accent1"/>
+            </a:fillRef>
+            <a:effectRef idx="0">
+              <a:schemeClr val="accent1"/>
+            </a:effectRef>
+            <a:fontRef idx="minor">
+              <a:schemeClr val="lt1"/>
+            </a:fontRef>
+          </p:style>
+          <p:txBody>
+            <a:bodyPr rtlCol="0" anchor="ctr"/>
+            <a:lstStyle/>
+            <a:p>
+              <a:pPr algn="ctr"/>
+              <a:r>
+                <a:rPr lang="en-US" dirty="0">
+                  <a:solidFill>
+                    <a:schemeClr val="tx1"/>
+                  </a:solidFill>
+                </a:rPr>
+                <a:t>Calyx Frontends</a:t>
+              </a:r>
+            </a:p>
+          </p:txBody>
+        </p:sp>
+        <p:sp>
+          <p:nvSpPr>
+            <p:cNvPr id="40" name="Cloud 39">
+              <a:extLst>
+                <a:ext uri="{FF2B5EF4-FFF2-40B4-BE49-F238E27FC236}">
+                  <a16:creationId xmlns:a16="http://schemas.microsoft.com/office/drawing/2014/main" id="{02B2787B-9F89-5C10-7930-FAD79AE5C04F}"/>
+                </a:ext>
+              </a:extLst>
+            </p:cNvPr>
+            <p:cNvSpPr/>
+            <p:nvPr/>
+          </p:nvSpPr>
+          <p:spPr>
+            <a:xfrm>
+              <a:off x="437612" y="1666838"/>
+              <a:ext cx="1871324" cy="914400"/>
+            </a:xfrm>
+            <a:prstGeom prst="cloud">
+              <a:avLst/>
+            </a:prstGeom>
+            <a:noFill/>
+            <a:ln w="28575">
+              <a:solidFill>
+                <a:schemeClr val="tx1"/>
+              </a:solidFill>
+            </a:ln>
+          </p:spPr>
+          <p:style>
+            <a:lnRef idx="2">
+              <a:schemeClr val="accent1">
+                <a:shade val="15000"/>
+              </a:schemeClr>
+            </a:lnRef>
+            <a:fillRef idx="1">
+              <a:schemeClr val="accent1"/>
+            </a:fillRef>
+            <a:effectRef idx="0">
+              <a:schemeClr val="accent1"/>
+            </a:effectRef>
+            <a:fontRef idx="minor">
+              <a:schemeClr val="lt1"/>
+            </a:fontRef>
+          </p:style>
+          <p:txBody>
+            <a:bodyPr rtlCol="0" anchor="ctr"/>
+            <a:lstStyle/>
+            <a:p>
+              <a:pPr algn="ctr"/>
+              <a:r>
+                <a:rPr lang="en-US" dirty="0">
+                  <a:solidFill>
+                    <a:schemeClr val="tx1"/>
+                  </a:solidFill>
+                </a:rPr>
+                <a:t>HLS Compiler</a:t>
+              </a:r>
+            </a:p>
+          </p:txBody>
+        </p:sp>
+        <p:sp>
+          <p:nvSpPr>
+            <p:cNvPr id="42" name="Rectangle 41">
+              <a:extLst>
+                <a:ext uri="{FF2B5EF4-FFF2-40B4-BE49-F238E27FC236}">
+                  <a16:creationId xmlns:a16="http://schemas.microsoft.com/office/drawing/2014/main" id="{DA8A8EED-489C-C490-13CE-1EFC387D84FD}"/>
+                </a:ext>
+              </a:extLst>
+            </p:cNvPr>
+            <p:cNvSpPr/>
+            <p:nvPr/>
+          </p:nvSpPr>
+          <p:spPr>
+            <a:xfrm>
+              <a:off x="2770572" y="3076532"/>
+              <a:ext cx="1438182" cy="553782"/>
+            </a:xfrm>
+            <a:prstGeom prst="rect">
+              <a:avLst/>
+            </a:prstGeom>
+            <a:noFill/>
+            <a:ln w="28575">
+              <a:solidFill>
+                <a:schemeClr val="tx1"/>
+              </a:solidFill>
+            </a:ln>
+          </p:spPr>
+          <p:style>
+            <a:lnRef idx="2">
+              <a:schemeClr val="accent1">
+                <a:shade val="15000"/>
+              </a:schemeClr>
+            </a:lnRef>
+            <a:fillRef idx="1">
+              <a:schemeClr val="accent1"/>
+            </a:fillRef>
+            <a:effectRef idx="0">
+              <a:schemeClr val="accent1"/>
+            </a:effectRef>
+            <a:fontRef idx="minor">
+              <a:schemeClr val="lt1"/>
+            </a:fontRef>
+          </p:style>
+          <p:txBody>
+            <a:bodyPr rtlCol="0" anchor="ctr"/>
+            <a:lstStyle/>
+            <a:p>
+              <a:pPr algn="ctr"/>
+              <a:r>
+                <a:rPr lang="en-US" dirty="0">
+                  <a:solidFill>
+                    <a:schemeClr val="tx1"/>
+                  </a:solidFill>
+                </a:rPr>
+                <a:t>Calyx</a:t>
+              </a:r>
+            </a:p>
+          </p:txBody>
+        </p:sp>
+        <p:sp>
+          <p:nvSpPr>
+            <p:cNvPr id="43" name="Cloud 42">
+              <a:extLst>
+                <a:ext uri="{FF2B5EF4-FFF2-40B4-BE49-F238E27FC236}">
+                  <a16:creationId xmlns:a16="http://schemas.microsoft.com/office/drawing/2014/main" id="{EC70B22C-F794-65AB-824C-F290C35C8FAD}"/>
+                </a:ext>
+              </a:extLst>
+            </p:cNvPr>
+            <p:cNvSpPr/>
+            <p:nvPr/>
+          </p:nvSpPr>
+          <p:spPr>
+            <a:xfrm>
+              <a:off x="2551236" y="1614556"/>
+              <a:ext cx="1871324" cy="914400"/>
+            </a:xfrm>
+            <a:prstGeom prst="cloud">
+              <a:avLst/>
+            </a:prstGeom>
+            <a:noFill/>
+            <a:ln w="28575">
+              <a:solidFill>
+                <a:schemeClr val="tx1"/>
+              </a:solidFill>
+            </a:ln>
+          </p:spPr>
+          <p:style>
+            <a:lnRef idx="2">
+              <a:schemeClr val="accent1">
+                <a:shade val="15000"/>
+              </a:schemeClr>
+            </a:lnRef>
+            <a:fillRef idx="1">
+              <a:schemeClr val="accent1"/>
+            </a:fillRef>
+            <a:effectRef idx="0">
+              <a:schemeClr val="accent1"/>
+            </a:effectRef>
+            <a:fontRef idx="minor">
+              <a:schemeClr val="lt1"/>
+            </a:fontRef>
+          </p:style>
+          <p:txBody>
+            <a:bodyPr rtlCol="0" anchor="ctr"/>
+            <a:lstStyle/>
+            <a:p>
+              <a:pPr algn="ctr"/>
+              <a:r>
+                <a:rPr lang="en-US" dirty="0">
+                  <a:solidFill>
+                    <a:schemeClr val="tx1"/>
+                  </a:solidFill>
+                </a:rPr>
+                <a:t>Custom Compiler</a:t>
+              </a:r>
+            </a:p>
+          </p:txBody>
+        </p:sp>
+        <p:cxnSp>
+          <p:nvCxnSpPr>
+            <p:cNvPr id="45" name="Straight Arrow Connector 44">
+              <a:extLst>
+                <a:ext uri="{FF2B5EF4-FFF2-40B4-BE49-F238E27FC236}">
+                  <a16:creationId xmlns:a16="http://schemas.microsoft.com/office/drawing/2014/main" id="{9B4B6759-0EE9-026A-D4CB-2A2370592453}"/>
+                </a:ext>
+              </a:extLst>
+            </p:cNvPr>
+            <p:cNvCxnSpPr>
+              <a:cxnSpLocks/>
+              <a:stCxn id="4" idx="2"/>
+              <a:endCxn id="40" idx="3"/>
+            </p:cNvCxnSpPr>
+            <p:nvPr/>
+          </p:nvCxnSpPr>
+          <p:spPr>
+            <a:xfrm flipH="1">
+              <a:off x="1373274" y="1402672"/>
+              <a:ext cx="2765" cy="316448"/>
+            </a:xfrm>
+            <a:prstGeom prst="straightConnector1">
+              <a:avLst/>
+            </a:prstGeom>
+            <a:ln w="28575">
+              <a:solidFill>
+                <a:schemeClr val="tx1"/>
+              </a:solidFill>
+              <a:tailEnd type="triangle"/>
+            </a:ln>
+          </p:spPr>
+          <p:style>
+            <a:lnRef idx="2">
+              <a:schemeClr val="accent1"/>
+            </a:lnRef>
+            <a:fillRef idx="0">
+              <a:schemeClr val="accent1"/>
+            </a:fillRef>
+            <a:effectRef idx="1">
+              <a:schemeClr val="accent1"/>
+            </a:effectRef>
+            <a:fontRef idx="minor">
+              <a:schemeClr val="tx1"/>
+            </a:fontRef>
+          </p:style>
+        </p:cxnSp>
+        <p:cxnSp>
+          <p:nvCxnSpPr>
+            <p:cNvPr id="47" name="Straight Arrow Connector 46">
+              <a:extLst>
+                <a:ext uri="{FF2B5EF4-FFF2-40B4-BE49-F238E27FC236}">
+                  <a16:creationId xmlns:a16="http://schemas.microsoft.com/office/drawing/2014/main" id="{D5802992-DF12-1D3B-6EF9-4D11CD5E9331}"/>
+                </a:ext>
+              </a:extLst>
+            </p:cNvPr>
+            <p:cNvCxnSpPr>
+              <a:stCxn id="24" idx="2"/>
+              <a:endCxn id="43" idx="3"/>
+            </p:cNvCxnSpPr>
+            <p:nvPr/>
+          </p:nvCxnSpPr>
+          <p:spPr>
+            <a:xfrm flipH="1">
+              <a:off x="3486898" y="1402672"/>
+              <a:ext cx="2765" cy="264166"/>
+            </a:xfrm>
+            <a:prstGeom prst="straightConnector1">
+              <a:avLst/>
+            </a:prstGeom>
+            <a:ln w="28575">
+              <a:solidFill>
+                <a:schemeClr val="tx1"/>
+              </a:solidFill>
+              <a:tailEnd type="triangle"/>
+            </a:ln>
+          </p:spPr>
+          <p:style>
+            <a:lnRef idx="2">
+              <a:schemeClr val="accent1"/>
+            </a:lnRef>
+            <a:fillRef idx="0">
+              <a:schemeClr val="accent1"/>
+            </a:fillRef>
+            <a:effectRef idx="1">
+              <a:schemeClr val="accent1"/>
+            </a:effectRef>
+            <a:fontRef idx="minor">
+              <a:schemeClr val="tx1"/>
+            </a:fontRef>
+          </p:style>
+        </p:cxnSp>
+        <p:sp>
+          <p:nvSpPr>
+            <p:cNvPr id="48" name="Cloud 47">
+              <a:extLst>
+                <a:ext uri="{FF2B5EF4-FFF2-40B4-BE49-F238E27FC236}">
+                  <a16:creationId xmlns:a16="http://schemas.microsoft.com/office/drawing/2014/main" id="{15E159B4-2B7A-C9FF-7704-13E2D02BC1BC}"/>
+                </a:ext>
+              </a:extLst>
+            </p:cNvPr>
+            <p:cNvSpPr/>
+            <p:nvPr/>
+          </p:nvSpPr>
+          <p:spPr>
+            <a:xfrm>
+              <a:off x="4632503" y="1614556"/>
+              <a:ext cx="1871324" cy="914400"/>
+            </a:xfrm>
+            <a:prstGeom prst="cloud">
+              <a:avLst/>
+            </a:prstGeom>
+            <a:noFill/>
+            <a:ln w="28575">
+              <a:solidFill>
+                <a:schemeClr val="tx1"/>
+              </a:solidFill>
+            </a:ln>
+          </p:spPr>
+          <p:style>
+            <a:lnRef idx="2">
+              <a:schemeClr val="accent1">
+                <a:shade val="15000"/>
+              </a:schemeClr>
+            </a:lnRef>
+            <a:fillRef idx="1">
+              <a:schemeClr val="accent1"/>
+            </a:fillRef>
+            <a:effectRef idx="0">
+              <a:schemeClr val="accent1"/>
+            </a:effectRef>
+            <a:fontRef idx="minor">
+              <a:schemeClr val="lt1"/>
+            </a:fontRef>
+          </p:style>
+          <p:txBody>
+            <a:bodyPr rtlCol="0" anchor="ctr"/>
+            <a:lstStyle/>
+            <a:p>
+              <a:pPr algn="ctr"/>
+              <a:r>
+                <a:rPr lang="en-US" dirty="0">
+                  <a:solidFill>
+                    <a:schemeClr val="tx1"/>
+                  </a:solidFill>
+                </a:rPr>
+                <a:t>RTL Compiler</a:t>
+              </a:r>
+            </a:p>
+          </p:txBody>
+        </p:sp>
+        <p:cxnSp>
+          <p:nvCxnSpPr>
+            <p:cNvPr id="51" name="Straight Arrow Connector 50">
+              <a:extLst>
+                <a:ext uri="{FF2B5EF4-FFF2-40B4-BE49-F238E27FC236}">
+                  <a16:creationId xmlns:a16="http://schemas.microsoft.com/office/drawing/2014/main" id="{DEFABCC4-474E-FA9A-14DE-EC54550565F9}"/>
+                </a:ext>
+              </a:extLst>
+            </p:cNvPr>
+            <p:cNvCxnSpPr>
+              <a:cxnSpLocks/>
+              <a:stCxn id="43" idx="1"/>
+              <a:endCxn id="42" idx="0"/>
+            </p:cNvCxnSpPr>
+            <p:nvPr/>
+          </p:nvCxnSpPr>
+          <p:spPr>
+            <a:xfrm>
+              <a:off x="3486898" y="2527982"/>
+              <a:ext cx="2765" cy="548550"/>
+            </a:xfrm>
+            <a:prstGeom prst="straightConnector1">
+              <a:avLst/>
+            </a:prstGeom>
+            <a:ln w="28575">
+              <a:solidFill>
+                <a:schemeClr val="accent6"/>
+              </a:solidFill>
+              <a:tailEnd type="triangle"/>
+            </a:ln>
+          </p:spPr>
+          <p:style>
+            <a:lnRef idx="2">
+              <a:schemeClr val="accent1"/>
+            </a:lnRef>
+            <a:fillRef idx="0">
+              <a:schemeClr val="accent1"/>
+            </a:fillRef>
+            <a:effectRef idx="1">
+              <a:schemeClr val="accent1"/>
+            </a:effectRef>
+            <a:fontRef idx="minor">
+              <a:schemeClr val="tx1"/>
+            </a:fontRef>
+          </p:style>
+        </p:cxnSp>
+        <p:sp>
+          <p:nvSpPr>
+            <p:cNvPr id="57" name="Rectangle 56">
+              <a:extLst>
+                <a:ext uri="{FF2B5EF4-FFF2-40B4-BE49-F238E27FC236}">
+                  <a16:creationId xmlns:a16="http://schemas.microsoft.com/office/drawing/2014/main" id="{11AA0166-1234-BC9C-5FFC-8DE4A95EB365}"/>
+                </a:ext>
+              </a:extLst>
+            </p:cNvPr>
+            <p:cNvSpPr/>
+            <p:nvPr/>
+          </p:nvSpPr>
+          <p:spPr>
+            <a:xfrm>
+              <a:off x="3703469" y="3900999"/>
+              <a:ext cx="1438182" cy="553782"/>
+            </a:xfrm>
+            <a:prstGeom prst="rect">
+              <a:avLst/>
+            </a:prstGeom>
+            <a:noFill/>
+            <a:ln w="28575">
+              <a:solidFill>
+                <a:schemeClr val="tx1"/>
+              </a:solidFill>
+            </a:ln>
+          </p:spPr>
+          <p:style>
+            <a:lnRef idx="2">
+              <a:schemeClr val="accent1">
+                <a:shade val="15000"/>
+              </a:schemeClr>
+            </a:lnRef>
+            <a:fillRef idx="1">
+              <a:schemeClr val="accent1"/>
+            </a:fillRef>
+            <a:effectRef idx="0">
+              <a:schemeClr val="accent1"/>
+            </a:effectRef>
+            <a:fontRef idx="minor">
+              <a:schemeClr val="lt1"/>
+            </a:fontRef>
+          </p:style>
+          <p:txBody>
+            <a:bodyPr rtlCol="0" anchor="ctr"/>
+            <a:lstStyle/>
+            <a:p>
+              <a:pPr algn="ctr"/>
+              <a:r>
+                <a:rPr lang="en-US" dirty="0">
+                  <a:solidFill>
+                    <a:schemeClr val="tx1"/>
+                  </a:solidFill>
+                </a:rPr>
+                <a:t>RTL IR</a:t>
+              </a:r>
+            </a:p>
+          </p:txBody>
+        </p:sp>
+        <p:cxnSp>
+          <p:nvCxnSpPr>
+            <p:cNvPr id="80" name="Straight Arrow Connector 79">
+              <a:extLst>
+                <a:ext uri="{FF2B5EF4-FFF2-40B4-BE49-F238E27FC236}">
+                  <a16:creationId xmlns:a16="http://schemas.microsoft.com/office/drawing/2014/main" id="{6A2254EC-34CE-CCF8-DEF8-8D1843C50CF2}"/>
+                </a:ext>
+              </a:extLst>
+            </p:cNvPr>
+            <p:cNvCxnSpPr>
+              <a:cxnSpLocks/>
+              <a:stCxn id="48" idx="1"/>
+              <a:endCxn id="57" idx="0"/>
+            </p:cNvCxnSpPr>
+            <p:nvPr/>
+          </p:nvCxnSpPr>
+          <p:spPr>
+            <a:xfrm flipH="1">
+              <a:off x="4422560" y="2527982"/>
+              <a:ext cx="1145605" cy="1373017"/>
+            </a:xfrm>
+            <a:prstGeom prst="straightConnector1">
+              <a:avLst/>
+            </a:prstGeom>
+            <a:ln w="28575">
+              <a:solidFill>
+                <a:srgbClr val="C00000"/>
+              </a:solidFill>
+              <a:tailEnd type="triangle"/>
+            </a:ln>
+          </p:spPr>
+          <p:style>
+            <a:lnRef idx="2">
+              <a:schemeClr val="accent1"/>
+            </a:lnRef>
+            <a:fillRef idx="0">
+              <a:schemeClr val="accent1"/>
+            </a:fillRef>
+            <a:effectRef idx="1">
+              <a:schemeClr val="accent1"/>
+            </a:effectRef>
+            <a:fontRef idx="minor">
+              <a:schemeClr val="tx1"/>
+            </a:fontRef>
+          </p:style>
+        </p:cxnSp>
+        <p:cxnSp>
+          <p:nvCxnSpPr>
+            <p:cNvPr id="92" name="Straight Arrow Connector 91">
+              <a:extLst>
+                <a:ext uri="{FF2B5EF4-FFF2-40B4-BE49-F238E27FC236}">
+                  <a16:creationId xmlns:a16="http://schemas.microsoft.com/office/drawing/2014/main" id="{BBEC2600-59BA-E0E9-4B61-962D58ADBB72}"/>
+                </a:ext>
+              </a:extLst>
+            </p:cNvPr>
+            <p:cNvCxnSpPr>
+              <a:stCxn id="40" idx="1"/>
+              <a:endCxn id="42" idx="0"/>
+            </p:cNvCxnSpPr>
+            <p:nvPr/>
+          </p:nvCxnSpPr>
+          <p:spPr>
+            <a:xfrm>
+              <a:off x="1373274" y="2580264"/>
+              <a:ext cx="2116389" cy="496268"/>
+            </a:xfrm>
+            <a:prstGeom prst="straightConnector1">
+              <a:avLst/>
+            </a:prstGeom>
+            <a:ln w="28575">
+              <a:solidFill>
+                <a:schemeClr val="tx2">
+                  <a:lumMod val="50000"/>
+                  <a:lumOff val="50000"/>
+                </a:schemeClr>
+              </a:solidFill>
+              <a:tailEnd type="triangle"/>
+            </a:ln>
+          </p:spPr>
+          <p:style>
+            <a:lnRef idx="2">
+              <a:schemeClr val="accent1"/>
+            </a:lnRef>
+            <a:fillRef idx="0">
+              <a:schemeClr val="accent1"/>
+            </a:fillRef>
+            <a:effectRef idx="1">
+              <a:schemeClr val="accent1"/>
+            </a:effectRef>
+            <a:fontRef idx="minor">
+              <a:schemeClr val="tx1"/>
+            </a:fontRef>
+          </p:style>
+        </p:cxnSp>
+        <p:cxnSp>
+          <p:nvCxnSpPr>
+            <p:cNvPr id="94" name="Straight Arrow Connector 93">
+              <a:extLst>
+                <a:ext uri="{FF2B5EF4-FFF2-40B4-BE49-F238E27FC236}">
+                  <a16:creationId xmlns:a16="http://schemas.microsoft.com/office/drawing/2014/main" id="{2454D93E-578F-CA4F-A9B9-E9BBAC2E1F57}"/>
+                </a:ext>
+              </a:extLst>
+            </p:cNvPr>
+            <p:cNvCxnSpPr>
+              <a:cxnSpLocks/>
+              <a:stCxn id="5" idx="2"/>
+              <a:endCxn id="48" idx="3"/>
+            </p:cNvCxnSpPr>
+            <p:nvPr/>
+          </p:nvCxnSpPr>
+          <p:spPr>
+            <a:xfrm flipH="1">
+              <a:off x="5568165" y="1402672"/>
+              <a:ext cx="7012" cy="264166"/>
+            </a:xfrm>
+            <a:prstGeom prst="straightConnector1">
+              <a:avLst/>
+            </a:prstGeom>
+            <a:ln w="28575">
+              <a:solidFill>
+                <a:schemeClr val="tx1"/>
+              </a:solidFill>
+              <a:tailEnd type="triangle"/>
+            </a:ln>
+          </p:spPr>
+          <p:style>
+            <a:lnRef idx="2">
+              <a:schemeClr val="accent1"/>
+            </a:lnRef>
+            <a:fillRef idx="0">
+              <a:schemeClr val="accent1"/>
+            </a:fillRef>
+            <a:effectRef idx="1">
+              <a:schemeClr val="accent1"/>
+            </a:effectRef>
+            <a:fontRef idx="minor">
+              <a:schemeClr val="tx1"/>
+            </a:fontRef>
+          </p:style>
+        </p:cxnSp>
+        <p:sp>
+          <p:nvSpPr>
+            <p:cNvPr id="3" name="Rectangle 2">
+              <a:extLst>
+                <a:ext uri="{FF2B5EF4-FFF2-40B4-BE49-F238E27FC236}">
+                  <a16:creationId xmlns:a16="http://schemas.microsoft.com/office/drawing/2014/main" id="{FF2E9DF8-6E6B-6057-F9A9-C3D44B332748}"/>
+                </a:ext>
+              </a:extLst>
+            </p:cNvPr>
+            <p:cNvSpPr/>
+            <p:nvPr/>
+          </p:nvSpPr>
+          <p:spPr>
+            <a:xfrm>
+              <a:off x="2624981" y="5865957"/>
+              <a:ext cx="1438182" cy="772357"/>
+            </a:xfrm>
+            <a:prstGeom prst="rect">
+              <a:avLst/>
+            </a:prstGeom>
+            <a:noFill/>
+            <a:ln w="28575">
+              <a:solidFill>
+                <a:schemeClr val="tx1"/>
+              </a:solidFill>
+            </a:ln>
+          </p:spPr>
+          <p:style>
+            <a:lnRef idx="2">
+              <a:schemeClr val="accent1">
+                <a:shade val="15000"/>
+              </a:schemeClr>
+            </a:lnRef>
+            <a:fillRef idx="1">
+              <a:schemeClr val="accent1"/>
+            </a:fillRef>
+            <a:effectRef idx="0">
+              <a:schemeClr val="accent1"/>
+            </a:effectRef>
+            <a:fontRef idx="minor">
+              <a:schemeClr val="lt1"/>
+            </a:fontRef>
+          </p:style>
+          <p:txBody>
+            <a:bodyPr rtlCol="0" anchor="ctr"/>
+            <a:lstStyle/>
+            <a:p>
+              <a:pPr algn="ctr"/>
+              <a:r>
+                <a:rPr lang="en-US" dirty="0">
+                  <a:solidFill>
+                    <a:schemeClr val="tx1"/>
+                  </a:solidFill>
+                </a:rPr>
+                <a:t>FPGA</a:t>
+              </a:r>
+            </a:p>
+          </p:txBody>
+        </p:sp>
+        <p:sp>
+          <p:nvSpPr>
+            <p:cNvPr id="6" name="Rectangle 5">
+              <a:extLst>
+                <a:ext uri="{FF2B5EF4-FFF2-40B4-BE49-F238E27FC236}">
+                  <a16:creationId xmlns:a16="http://schemas.microsoft.com/office/drawing/2014/main" id="{C218E479-8493-AFC8-6073-AED5A0A78CA5}"/>
+                </a:ext>
+              </a:extLst>
+            </p:cNvPr>
+            <p:cNvSpPr/>
+            <p:nvPr/>
+          </p:nvSpPr>
+          <p:spPr>
+            <a:xfrm>
+              <a:off x="4522270" y="5854717"/>
+              <a:ext cx="1438182" cy="772357"/>
+            </a:xfrm>
+            <a:prstGeom prst="rect">
+              <a:avLst/>
+            </a:prstGeom>
+            <a:noFill/>
+            <a:ln w="28575">
+              <a:solidFill>
+                <a:schemeClr val="tx1"/>
+              </a:solidFill>
+            </a:ln>
+          </p:spPr>
+          <p:style>
+            <a:lnRef idx="2">
+              <a:schemeClr val="accent1">
+                <a:shade val="15000"/>
+              </a:schemeClr>
+            </a:lnRef>
+            <a:fillRef idx="1">
+              <a:schemeClr val="accent1"/>
+            </a:fillRef>
+            <a:effectRef idx="0">
+              <a:schemeClr val="accent1"/>
+            </a:effectRef>
+            <a:fontRef idx="minor">
+              <a:schemeClr val="lt1"/>
+            </a:fontRef>
+          </p:style>
+          <p:txBody>
+            <a:bodyPr rtlCol="0" anchor="ctr"/>
+            <a:lstStyle/>
+            <a:p>
+              <a:pPr algn="ctr"/>
+              <a:r>
+                <a:rPr lang="en-US" dirty="0">
+                  <a:solidFill>
+                    <a:schemeClr val="tx1"/>
+                  </a:solidFill>
+                </a:rPr>
+                <a:t>ASIC</a:t>
+              </a:r>
+            </a:p>
+          </p:txBody>
+        </p:sp>
+        <p:sp>
+          <p:nvSpPr>
+            <p:cNvPr id="7" name="Rectangle 6">
+              <a:extLst>
+                <a:ext uri="{FF2B5EF4-FFF2-40B4-BE49-F238E27FC236}">
+                  <a16:creationId xmlns:a16="http://schemas.microsoft.com/office/drawing/2014/main" id="{8A8C72AF-EBA5-5AF5-E265-204C2D5C38CA}"/>
+                </a:ext>
+              </a:extLst>
+            </p:cNvPr>
+            <p:cNvSpPr/>
+            <p:nvPr/>
+          </p:nvSpPr>
+          <p:spPr>
+            <a:xfrm>
+              <a:off x="2624981" y="4914271"/>
+              <a:ext cx="1438182" cy="553782"/>
+            </a:xfrm>
+            <a:prstGeom prst="rect">
+              <a:avLst/>
+            </a:prstGeom>
+            <a:noFill/>
+            <a:ln w="28575">
+              <a:solidFill>
+                <a:schemeClr val="tx1"/>
+              </a:solidFill>
+            </a:ln>
+          </p:spPr>
+          <p:style>
+            <a:lnRef idx="2">
+              <a:schemeClr val="accent1">
+                <a:shade val="15000"/>
+              </a:schemeClr>
+            </a:lnRef>
+            <a:fillRef idx="1">
+              <a:schemeClr val="accent1"/>
+            </a:fillRef>
+            <a:effectRef idx="0">
+              <a:schemeClr val="accent1"/>
+            </a:effectRef>
+            <a:fontRef idx="minor">
+              <a:schemeClr val="lt1"/>
+            </a:fontRef>
+          </p:style>
+          <p:txBody>
+            <a:bodyPr rtlCol="0" anchor="ctr"/>
+            <a:lstStyle/>
+            <a:p>
+              <a:pPr algn="ctr"/>
+              <a:r>
+                <a:rPr lang="en-US" sz="1600" dirty="0">
+                  <a:solidFill>
+                    <a:schemeClr val="tx1"/>
+                  </a:solidFill>
+                </a:rPr>
+                <a:t>FPGA flow</a:t>
+              </a:r>
+            </a:p>
+          </p:txBody>
+        </p:sp>
+        <p:sp>
+          <p:nvSpPr>
+            <p:cNvPr id="11" name="Rectangle 10">
+              <a:extLst>
+                <a:ext uri="{FF2B5EF4-FFF2-40B4-BE49-F238E27FC236}">
+                  <a16:creationId xmlns:a16="http://schemas.microsoft.com/office/drawing/2014/main" id="{2419C17C-4A43-554E-5F74-3B895E26B605}"/>
+                </a:ext>
+              </a:extLst>
+            </p:cNvPr>
+            <p:cNvSpPr/>
+            <p:nvPr/>
+          </p:nvSpPr>
+          <p:spPr>
+            <a:xfrm>
+              <a:off x="4522270" y="4910541"/>
+              <a:ext cx="1438182" cy="553782"/>
+            </a:xfrm>
+            <a:prstGeom prst="rect">
+              <a:avLst/>
+            </a:prstGeom>
+            <a:noFill/>
+            <a:ln w="28575">
+              <a:solidFill>
+                <a:schemeClr val="tx1"/>
+              </a:solidFill>
+            </a:ln>
+          </p:spPr>
+          <p:style>
+            <a:lnRef idx="2">
+              <a:schemeClr val="accent1">
+                <a:shade val="15000"/>
+              </a:schemeClr>
+            </a:lnRef>
+            <a:fillRef idx="1">
+              <a:schemeClr val="accent1"/>
+            </a:fillRef>
+            <a:effectRef idx="0">
+              <a:schemeClr val="accent1"/>
+            </a:effectRef>
+            <a:fontRef idx="minor">
+              <a:schemeClr val="lt1"/>
+            </a:fontRef>
+          </p:style>
+          <p:txBody>
+            <a:bodyPr rtlCol="0" anchor="ctr"/>
+            <a:lstStyle/>
+            <a:p>
+              <a:pPr algn="ctr"/>
+              <a:r>
+                <a:rPr lang="en-US" sz="1600" dirty="0">
+                  <a:solidFill>
+                    <a:schemeClr val="tx1"/>
+                  </a:solidFill>
+                </a:rPr>
+                <a:t>VLSI flow</a:t>
+              </a:r>
+            </a:p>
+          </p:txBody>
+        </p:sp>
+        <p:cxnSp>
+          <p:nvCxnSpPr>
+            <p:cNvPr id="12" name="Straight Arrow Connector 11">
+              <a:extLst>
+                <a:ext uri="{FF2B5EF4-FFF2-40B4-BE49-F238E27FC236}">
+                  <a16:creationId xmlns:a16="http://schemas.microsoft.com/office/drawing/2014/main" id="{3D16C6CD-FFDD-54BB-C490-DF429EDDE686}"/>
+                </a:ext>
+              </a:extLst>
+            </p:cNvPr>
+            <p:cNvCxnSpPr>
+              <a:cxnSpLocks/>
+              <a:endCxn id="7" idx="0"/>
+            </p:cNvCxnSpPr>
+            <p:nvPr/>
+          </p:nvCxnSpPr>
+          <p:spPr>
+            <a:xfrm flipH="1">
+              <a:off x="3344072" y="4454781"/>
+              <a:ext cx="1078488" cy="459490"/>
+            </a:xfrm>
+            <a:prstGeom prst="straightConnector1">
+              <a:avLst/>
+            </a:prstGeom>
+            <a:ln w="28575">
+              <a:solidFill>
+                <a:srgbClr val="C00000"/>
+              </a:solidFill>
+              <a:tailEnd type="triangle"/>
+            </a:ln>
+          </p:spPr>
+          <p:style>
+            <a:lnRef idx="2">
+              <a:schemeClr val="accent1"/>
+            </a:lnRef>
+            <a:fillRef idx="0">
+              <a:schemeClr val="accent1"/>
+            </a:fillRef>
+            <a:effectRef idx="1">
+              <a:schemeClr val="accent1"/>
+            </a:effectRef>
+            <a:fontRef idx="minor">
+              <a:schemeClr val="tx1"/>
+            </a:fontRef>
+          </p:style>
+        </p:cxnSp>
+        <p:cxnSp>
+          <p:nvCxnSpPr>
+            <p:cNvPr id="13" name="Straight Arrow Connector 12">
+              <a:extLst>
+                <a:ext uri="{FF2B5EF4-FFF2-40B4-BE49-F238E27FC236}">
+                  <a16:creationId xmlns:a16="http://schemas.microsoft.com/office/drawing/2014/main" id="{E644B9BD-34C4-0847-87DC-E5692CCF5B63}"/>
+                </a:ext>
+              </a:extLst>
+            </p:cNvPr>
+            <p:cNvCxnSpPr>
+              <a:cxnSpLocks/>
+              <a:endCxn id="11" idx="0"/>
+            </p:cNvCxnSpPr>
+            <p:nvPr/>
+          </p:nvCxnSpPr>
+          <p:spPr>
+            <a:xfrm>
+              <a:off x="4422560" y="4454781"/>
+              <a:ext cx="818801" cy="455760"/>
+            </a:xfrm>
+            <a:prstGeom prst="straightConnector1">
+              <a:avLst/>
+            </a:prstGeom>
+            <a:ln w="28575">
+              <a:solidFill>
+                <a:srgbClr val="C00000"/>
+              </a:solidFill>
+              <a:tailEnd type="triangle"/>
+            </a:ln>
+          </p:spPr>
+          <p:style>
+            <a:lnRef idx="2">
+              <a:schemeClr val="accent1"/>
+            </a:lnRef>
+            <a:fillRef idx="0">
+              <a:schemeClr val="accent1"/>
+            </a:fillRef>
+            <a:effectRef idx="1">
+              <a:schemeClr val="accent1"/>
+            </a:effectRef>
+            <a:fontRef idx="minor">
+              <a:schemeClr val="tx1"/>
+            </a:fontRef>
+          </p:style>
+        </p:cxnSp>
+        <p:cxnSp>
+          <p:nvCxnSpPr>
+            <p:cNvPr id="14" name="Straight Arrow Connector 13">
+              <a:extLst>
+                <a:ext uri="{FF2B5EF4-FFF2-40B4-BE49-F238E27FC236}">
+                  <a16:creationId xmlns:a16="http://schemas.microsoft.com/office/drawing/2014/main" id="{D72EA6CE-651E-992F-1AE0-6CA10308159E}"/>
+                </a:ext>
+              </a:extLst>
+            </p:cNvPr>
+            <p:cNvCxnSpPr>
+              <a:cxnSpLocks/>
+              <a:stCxn id="7" idx="2"/>
+              <a:endCxn id="3" idx="0"/>
+            </p:cNvCxnSpPr>
+            <p:nvPr/>
+          </p:nvCxnSpPr>
+          <p:spPr>
+            <a:xfrm>
+              <a:off x="3344072" y="5468053"/>
+              <a:ext cx="0" cy="397904"/>
+            </a:xfrm>
+            <a:prstGeom prst="straightConnector1">
+              <a:avLst/>
+            </a:prstGeom>
+            <a:ln w="28575">
+              <a:solidFill>
+                <a:schemeClr val="tx1"/>
+              </a:solidFill>
+              <a:tailEnd type="triangle"/>
+            </a:ln>
+          </p:spPr>
+          <p:style>
+            <a:lnRef idx="2">
+              <a:schemeClr val="accent1"/>
+            </a:lnRef>
+            <a:fillRef idx="0">
+              <a:schemeClr val="accent1"/>
+            </a:fillRef>
+            <a:effectRef idx="1">
+              <a:schemeClr val="accent1"/>
+            </a:effectRef>
+            <a:fontRef idx="minor">
+              <a:schemeClr val="tx1"/>
+            </a:fontRef>
+          </p:style>
+        </p:cxnSp>
+        <p:cxnSp>
+          <p:nvCxnSpPr>
+            <p:cNvPr id="15" name="Straight Arrow Connector 14">
+              <a:extLst>
+                <a:ext uri="{FF2B5EF4-FFF2-40B4-BE49-F238E27FC236}">
+                  <a16:creationId xmlns:a16="http://schemas.microsoft.com/office/drawing/2014/main" id="{DC83C64C-D782-1EA2-2D85-45639649BACE}"/>
+                </a:ext>
+              </a:extLst>
+            </p:cNvPr>
+            <p:cNvCxnSpPr>
+              <a:cxnSpLocks/>
+              <a:stCxn id="11" idx="2"/>
+              <a:endCxn id="6" idx="0"/>
+            </p:cNvCxnSpPr>
+            <p:nvPr/>
+          </p:nvCxnSpPr>
+          <p:spPr>
+            <a:xfrm>
+              <a:off x="5241361" y="5464323"/>
+              <a:ext cx="0" cy="390394"/>
+            </a:xfrm>
+            <a:prstGeom prst="straightConnector1">
+              <a:avLst/>
+            </a:prstGeom>
+            <a:ln w="28575">
+              <a:solidFill>
+                <a:schemeClr val="tx1"/>
+              </a:solidFill>
+              <a:tailEnd type="triangle"/>
+            </a:ln>
+          </p:spPr>
+          <p:style>
+            <a:lnRef idx="2">
+              <a:schemeClr val="accent1"/>
+            </a:lnRef>
+            <a:fillRef idx="0">
+              <a:schemeClr val="accent1"/>
+            </a:fillRef>
+            <a:effectRef idx="1">
+              <a:schemeClr val="accent1"/>
+            </a:effectRef>
+            <a:fontRef idx="minor">
+              <a:schemeClr val="tx1"/>
+            </a:fontRef>
+          </p:style>
+        </p:cxnSp>
+      </p:grpSp>
+    </p:spTree>
+    <p:extLst>
+      <p:ext uri="{BB962C8B-B14F-4D97-AF65-F5344CB8AC3E}">
+        <p14:creationId xmlns:p14="http://schemas.microsoft.com/office/powerpoint/2010/main" val="3594613782"/>
       </p:ext>
     </p:extLst>
   </p:cSld>

--- a/figs/latte24/figs.pptx
+++ b/figs/latte24/figs.pptx
@@ -5,7 +5,7 @@
     <p:sldMasterId id="2147483648" r:id="rId1"/>
   </p:sldMasterIdLst>
   <p:notesMasterIdLst>
-    <p:notesMasterId r:id="rId14"/>
+    <p:notesMasterId r:id="rId19"/>
   </p:notesMasterIdLst>
   <p:sldIdLst>
     <p:sldId id="256" r:id="rId2"/>
@@ -20,6 +20,11 @@
     <p:sldId id="263" r:id="rId11"/>
     <p:sldId id="264" r:id="rId12"/>
     <p:sldId id="265" r:id="rId13"/>
+    <p:sldId id="270" r:id="rId14"/>
+    <p:sldId id="271" r:id="rId15"/>
+    <p:sldId id="272" r:id="rId16"/>
+    <p:sldId id="273" r:id="rId17"/>
+    <p:sldId id="269" r:id="rId18"/>
   </p:sldIdLst>
   <p:sldSz cx="12192000" cy="6858000"/>
   <p:notesSz cx="6858000" cy="9144000"/>
@@ -121,12 +126,12 @@
   <p:extLst>
     <p:ext uri="{EFAFB233-063F-42B5-8137-9DF3F51BA10A}">
       <p15:sldGuideLst xmlns:p15="http://schemas.microsoft.com/office/powerpoint/2012/main">
-        <p15:guide id="1" orient="horz" pos="2184" userDrawn="1">
+        <p15:guide id="1" orient="horz" pos="3960" userDrawn="1">
           <p15:clr>
             <a:srgbClr val="A4A3A4"/>
           </p15:clr>
         </p15:guide>
-        <p15:guide id="2" pos="3864" userDrawn="1">
+        <p15:guide id="2" pos="3888" userDrawn="1">
           <p15:clr>
             <a:srgbClr val="A4A3A4"/>
           </p15:clr>
@@ -219,7 +224,7 @@
           <a:p>
             <a:fld id="{0DAB2604-332E-024C-A8A0-E1E76D375D5A}" type="datetimeFigureOut">
               <a:rPr lang="en-US" smtClean="0"/>
-              <a:t>4/22/24</a:t>
+              <a:t>4/23/24</a:t>
             </a:fld>
             <a:endParaRPr lang="en-US"/>
           </a:p>
@@ -738,6 +743,174 @@
 </p:notes>
 </file>
 
+<file path=ppt/notesSlides/notesSlide4.xml><?xml version="1.0" encoding="utf-8"?>
+<p:notes xmlns:a="http://schemas.openxmlformats.org/drawingml/2006/main" xmlns:r="http://schemas.openxmlformats.org/officeDocument/2006/relationships" xmlns:p="http://schemas.openxmlformats.org/presentationml/2006/main">
+  <p:cSld>
+    <p:spTree>
+      <p:nvGrpSpPr>
+        <p:cNvPr id="1" name=""/>
+        <p:cNvGrpSpPr/>
+        <p:nvPr/>
+      </p:nvGrpSpPr>
+      <p:grpSpPr>
+        <a:xfrm>
+          <a:off x="0" y="0"/>
+          <a:ext cx="0" cy="0"/>
+          <a:chOff x="0" y="0"/>
+          <a:chExt cx="0" cy="0"/>
+        </a:xfrm>
+      </p:grpSpPr>
+      <p:sp>
+        <p:nvSpPr>
+          <p:cNvPr id="2" name="Slide Image Placeholder 1"/>
+          <p:cNvSpPr>
+            <a:spLocks noGrp="1" noRot="1" noChangeAspect="1"/>
+          </p:cNvSpPr>
+          <p:nvPr>
+            <p:ph type="sldImg"/>
+          </p:nvPr>
+        </p:nvSpPr>
+        <p:spPr/>
+      </p:sp>
+      <p:sp>
+        <p:nvSpPr>
+          <p:cNvPr id="3" name="Notes Placeholder 2"/>
+          <p:cNvSpPr>
+            <a:spLocks noGrp="1"/>
+          </p:cNvSpPr>
+          <p:nvPr>
+            <p:ph type="body" idx="1"/>
+          </p:nvPr>
+        </p:nvSpPr>
+        <p:spPr/>
+        <p:txBody>
+          <a:bodyPr/>
+          <a:lstStyle/>
+          <a:p>
+            <a:endParaRPr lang="en-US" dirty="0"/>
+          </a:p>
+        </p:txBody>
+      </p:sp>
+      <p:sp>
+        <p:nvSpPr>
+          <p:cNvPr id="4" name="Slide Number Placeholder 3"/>
+          <p:cNvSpPr>
+            <a:spLocks noGrp="1"/>
+          </p:cNvSpPr>
+          <p:nvPr>
+            <p:ph type="sldNum" sz="quarter" idx="5"/>
+          </p:nvPr>
+        </p:nvSpPr>
+        <p:spPr/>
+        <p:txBody>
+          <a:bodyPr/>
+          <a:lstStyle/>
+          <a:p>
+            <a:fld id="{311CF6ED-770C-9943-AF81-D14B542A96E6}" type="slidenum">
+              <a:rPr lang="en-US" smtClean="0"/>
+              <a:t>13</a:t>
+            </a:fld>
+            <a:endParaRPr lang="en-US"/>
+          </a:p>
+        </p:txBody>
+      </p:sp>
+    </p:spTree>
+    <p:extLst>
+      <p:ext uri="{BB962C8B-B14F-4D97-AF65-F5344CB8AC3E}">
+        <p14:creationId xmlns:p14="http://schemas.microsoft.com/office/powerpoint/2010/main" val="1156660290"/>
+      </p:ext>
+    </p:extLst>
+  </p:cSld>
+  <p:clrMapOvr>
+    <a:masterClrMapping/>
+  </p:clrMapOvr>
+</p:notes>
+</file>
+
+<file path=ppt/notesSlides/notesSlide5.xml><?xml version="1.0" encoding="utf-8"?>
+<p:notes xmlns:a="http://schemas.openxmlformats.org/drawingml/2006/main" xmlns:r="http://schemas.openxmlformats.org/officeDocument/2006/relationships" xmlns:p="http://schemas.openxmlformats.org/presentationml/2006/main">
+  <p:cSld>
+    <p:spTree>
+      <p:nvGrpSpPr>
+        <p:cNvPr id="1" name=""/>
+        <p:cNvGrpSpPr/>
+        <p:nvPr/>
+      </p:nvGrpSpPr>
+      <p:grpSpPr>
+        <a:xfrm>
+          <a:off x="0" y="0"/>
+          <a:ext cx="0" cy="0"/>
+          <a:chOff x="0" y="0"/>
+          <a:chExt cx="0" cy="0"/>
+        </a:xfrm>
+      </p:grpSpPr>
+      <p:sp>
+        <p:nvSpPr>
+          <p:cNvPr id="2" name="Slide Image Placeholder 1"/>
+          <p:cNvSpPr>
+            <a:spLocks noGrp="1" noRot="1" noChangeAspect="1"/>
+          </p:cNvSpPr>
+          <p:nvPr>
+            <p:ph type="sldImg"/>
+          </p:nvPr>
+        </p:nvSpPr>
+        <p:spPr/>
+      </p:sp>
+      <p:sp>
+        <p:nvSpPr>
+          <p:cNvPr id="3" name="Notes Placeholder 2"/>
+          <p:cNvSpPr>
+            <a:spLocks noGrp="1"/>
+          </p:cNvSpPr>
+          <p:nvPr>
+            <p:ph type="body" idx="1"/>
+          </p:nvPr>
+        </p:nvSpPr>
+        <p:spPr/>
+        <p:txBody>
+          <a:bodyPr/>
+          <a:lstStyle/>
+          <a:p>
+            <a:endParaRPr lang="en-US" dirty="0"/>
+          </a:p>
+        </p:txBody>
+      </p:sp>
+      <p:sp>
+        <p:nvSpPr>
+          <p:cNvPr id="4" name="Slide Number Placeholder 3"/>
+          <p:cNvSpPr>
+            <a:spLocks noGrp="1"/>
+          </p:cNvSpPr>
+          <p:nvPr>
+            <p:ph type="sldNum" sz="quarter" idx="5"/>
+          </p:nvPr>
+        </p:nvSpPr>
+        <p:spPr/>
+        <p:txBody>
+          <a:bodyPr/>
+          <a:lstStyle/>
+          <a:p>
+            <a:fld id="{311CF6ED-770C-9943-AF81-D14B542A96E6}" type="slidenum">
+              <a:rPr lang="en-US" smtClean="0"/>
+              <a:t>15</a:t>
+            </a:fld>
+            <a:endParaRPr lang="en-US"/>
+          </a:p>
+        </p:txBody>
+      </p:sp>
+    </p:spTree>
+    <p:extLst>
+      <p:ext uri="{BB962C8B-B14F-4D97-AF65-F5344CB8AC3E}">
+        <p14:creationId xmlns:p14="http://schemas.microsoft.com/office/powerpoint/2010/main" val="741926101"/>
+      </p:ext>
+    </p:extLst>
+  </p:cSld>
+  <p:clrMapOvr>
+    <a:masterClrMapping/>
+  </p:clrMapOvr>
+</p:notes>
+</file>
+
 <file path=ppt/slideLayouts/slideLayout1.xml><?xml version="1.0" encoding="utf-8"?>
 <p:sldLayout xmlns:a="http://schemas.openxmlformats.org/drawingml/2006/main" xmlns:r="http://schemas.openxmlformats.org/officeDocument/2006/relationships" xmlns:p="http://schemas.openxmlformats.org/presentationml/2006/main" type="title" preserve="1">
   <p:cSld name="Title Slide">
@@ -885,7 +1058,7 @@
           <a:p>
             <a:fld id="{5B31B0AD-E03A-D148-9D22-3494858AE16F}" type="datetimeFigureOut">
               <a:rPr lang="en-US" smtClean="0"/>
-              <a:t>4/22/24</a:t>
+              <a:t>4/23/24</a:t>
             </a:fld>
             <a:endParaRPr lang="en-US"/>
           </a:p>
@@ -1083,7 +1256,7 @@
           <a:p>
             <a:fld id="{5B31B0AD-E03A-D148-9D22-3494858AE16F}" type="datetimeFigureOut">
               <a:rPr lang="en-US" smtClean="0"/>
-              <a:t>4/22/24</a:t>
+              <a:t>4/23/24</a:t>
             </a:fld>
             <a:endParaRPr lang="en-US"/>
           </a:p>
@@ -1291,7 +1464,7 @@
           <a:p>
             <a:fld id="{5B31B0AD-E03A-D148-9D22-3494858AE16F}" type="datetimeFigureOut">
               <a:rPr lang="en-US" smtClean="0"/>
-              <a:t>4/22/24</a:t>
+              <a:t>4/23/24</a:t>
             </a:fld>
             <a:endParaRPr lang="en-US"/>
           </a:p>
@@ -1489,7 +1662,7 @@
           <a:p>
             <a:fld id="{5B31B0AD-E03A-D148-9D22-3494858AE16F}" type="datetimeFigureOut">
               <a:rPr lang="en-US" smtClean="0"/>
-              <a:t>4/22/24</a:t>
+              <a:t>4/23/24</a:t>
             </a:fld>
             <a:endParaRPr lang="en-US"/>
           </a:p>
@@ -1764,7 +1937,7 @@
           <a:p>
             <a:fld id="{5B31B0AD-E03A-D148-9D22-3494858AE16F}" type="datetimeFigureOut">
               <a:rPr lang="en-US" smtClean="0"/>
-              <a:t>4/22/24</a:t>
+              <a:t>4/23/24</a:t>
             </a:fld>
             <a:endParaRPr lang="en-US"/>
           </a:p>
@@ -2029,7 +2202,7 @@
           <a:p>
             <a:fld id="{5B31B0AD-E03A-D148-9D22-3494858AE16F}" type="datetimeFigureOut">
               <a:rPr lang="en-US" smtClean="0"/>
-              <a:t>4/22/24</a:t>
+              <a:t>4/23/24</a:t>
             </a:fld>
             <a:endParaRPr lang="en-US"/>
           </a:p>
@@ -2441,7 +2614,7 @@
           <a:p>
             <a:fld id="{5B31B0AD-E03A-D148-9D22-3494858AE16F}" type="datetimeFigureOut">
               <a:rPr lang="en-US" smtClean="0"/>
-              <a:t>4/22/24</a:t>
+              <a:t>4/23/24</a:t>
             </a:fld>
             <a:endParaRPr lang="en-US"/>
           </a:p>
@@ -2582,7 +2755,7 @@
           <a:p>
             <a:fld id="{5B31B0AD-E03A-D148-9D22-3494858AE16F}" type="datetimeFigureOut">
               <a:rPr lang="en-US" smtClean="0"/>
-              <a:t>4/22/24</a:t>
+              <a:t>4/23/24</a:t>
             </a:fld>
             <a:endParaRPr lang="en-US"/>
           </a:p>
@@ -2695,7 +2868,7 @@
           <a:p>
             <a:fld id="{5B31B0AD-E03A-D148-9D22-3494858AE16F}" type="datetimeFigureOut">
               <a:rPr lang="en-US" smtClean="0"/>
-              <a:t>4/22/24</a:t>
+              <a:t>4/23/24</a:t>
             </a:fld>
             <a:endParaRPr lang="en-US"/>
           </a:p>
@@ -3006,7 +3179,7 @@
           <a:p>
             <a:fld id="{5B31B0AD-E03A-D148-9D22-3494858AE16F}" type="datetimeFigureOut">
               <a:rPr lang="en-US" smtClean="0"/>
-              <a:t>4/22/24</a:t>
+              <a:t>4/23/24</a:t>
             </a:fld>
             <a:endParaRPr lang="en-US"/>
           </a:p>
@@ -3294,7 +3467,7 @@
           <a:p>
             <a:fld id="{5B31B0AD-E03A-D148-9D22-3494858AE16F}" type="datetimeFigureOut">
               <a:rPr lang="en-US" smtClean="0"/>
-              <a:t>4/22/24</a:t>
+              <a:t>4/23/24</a:t>
             </a:fld>
             <a:endParaRPr lang="en-US"/>
           </a:p>
@@ -3535,7 +3708,7 @@
           <a:p>
             <a:fld id="{5B31B0AD-E03A-D148-9D22-3494858AE16F}" type="datetimeFigureOut">
               <a:rPr lang="en-US" smtClean="0"/>
-              <a:t>4/22/24</a:t>
+              <a:t>4/23/24</a:t>
             </a:fld>
             <a:endParaRPr lang="en-US"/>
           </a:p>
@@ -8499,6 +8672,5351 @@
     <p:extLst>
       <p:ext uri="{BB962C8B-B14F-4D97-AF65-F5344CB8AC3E}">
         <p14:creationId xmlns:p14="http://schemas.microsoft.com/office/powerpoint/2010/main" val="2868360207"/>
+      </p:ext>
+    </p:extLst>
+  </p:cSld>
+  <p:clrMapOvr>
+    <a:masterClrMapping/>
+  </p:clrMapOvr>
+</p:sld>
+</file>
+
+<file path=ppt/slides/slide13.xml><?xml version="1.0" encoding="utf-8"?>
+<p:sld xmlns:a="http://schemas.openxmlformats.org/drawingml/2006/main" xmlns:r="http://schemas.openxmlformats.org/officeDocument/2006/relationships" xmlns:p="http://schemas.openxmlformats.org/presentationml/2006/main">
+  <p:cSld>
+    <p:spTree>
+      <p:nvGrpSpPr>
+        <p:cNvPr id="1" name=""/>
+        <p:cNvGrpSpPr/>
+        <p:nvPr/>
+      </p:nvGrpSpPr>
+      <p:grpSpPr>
+        <a:xfrm>
+          <a:off x="0" y="0"/>
+          <a:ext cx="0" cy="0"/>
+          <a:chOff x="0" y="0"/>
+          <a:chExt cx="0" cy="0"/>
+        </a:xfrm>
+      </p:grpSpPr>
+      <p:grpSp>
+        <p:nvGrpSpPr>
+          <p:cNvPr id="133" name="Group 132">
+            <a:extLst>
+              <a:ext uri="{FF2B5EF4-FFF2-40B4-BE49-F238E27FC236}">
+                <a16:creationId xmlns:a16="http://schemas.microsoft.com/office/drawing/2014/main" id="{A76ADE23-5C77-BBFF-D6BC-55A26BE64561}"/>
+              </a:ext>
+            </a:extLst>
+          </p:cNvPr>
+          <p:cNvGrpSpPr/>
+          <p:nvPr/>
+        </p:nvGrpSpPr>
+        <p:grpSpPr>
+          <a:xfrm>
+            <a:off x="2650888" y="482747"/>
+            <a:ext cx="8881464" cy="5261685"/>
+            <a:chOff x="2650888" y="482747"/>
+            <a:chExt cx="8881464" cy="5261685"/>
+          </a:xfrm>
+        </p:grpSpPr>
+        <p:grpSp>
+          <p:nvGrpSpPr>
+            <p:cNvPr id="42" name="Group 41">
+              <a:extLst>
+                <a:ext uri="{FF2B5EF4-FFF2-40B4-BE49-F238E27FC236}">
+                  <a16:creationId xmlns:a16="http://schemas.microsoft.com/office/drawing/2014/main" id="{4C3862EB-D6E2-5272-448F-0F76C02C88C8}"/>
+                </a:ext>
+              </a:extLst>
+            </p:cNvPr>
+            <p:cNvGrpSpPr/>
+            <p:nvPr/>
+          </p:nvGrpSpPr>
+          <p:grpSpPr>
+            <a:xfrm>
+              <a:off x="5996546" y="2412416"/>
+              <a:ext cx="1426520" cy="1261641"/>
+              <a:chOff x="5066365" y="2167358"/>
+              <a:chExt cx="1426520" cy="1261641"/>
+            </a:xfrm>
+          </p:grpSpPr>
+          <p:sp>
+            <p:nvSpPr>
+              <p:cNvPr id="9" name="Rectangle 8">
+                <a:extLst>
+                  <a:ext uri="{FF2B5EF4-FFF2-40B4-BE49-F238E27FC236}">
+                    <a16:creationId xmlns:a16="http://schemas.microsoft.com/office/drawing/2014/main" id="{52637A96-CC3E-5BE5-9E9A-FAC1EBB41088}"/>
+                  </a:ext>
+                </a:extLst>
+              </p:cNvPr>
+              <p:cNvSpPr/>
+              <p:nvPr/>
+            </p:nvSpPr>
+            <p:spPr>
+              <a:xfrm>
+                <a:off x="5066365" y="2167358"/>
+                <a:ext cx="1426520" cy="1261641"/>
+              </a:xfrm>
+              <a:prstGeom prst="rect">
+                <a:avLst/>
+              </a:prstGeom>
+              <a:noFill/>
+            </p:spPr>
+            <p:style>
+              <a:lnRef idx="2">
+                <a:schemeClr val="accent1">
+                  <a:shade val="15000"/>
+                </a:schemeClr>
+              </a:lnRef>
+              <a:fillRef idx="1">
+                <a:schemeClr val="accent1"/>
+              </a:fillRef>
+              <a:effectRef idx="0">
+                <a:schemeClr val="accent1"/>
+              </a:effectRef>
+              <a:fontRef idx="minor">
+                <a:schemeClr val="lt1"/>
+              </a:fontRef>
+            </p:style>
+            <p:txBody>
+              <a:bodyPr rtlCol="0" anchor="t"/>
+              <a:lstStyle/>
+              <a:p>
+                <a:pPr algn="ctr"/>
+                <a:r>
+                  <a:rPr lang="en-US" dirty="0">
+                    <a:solidFill>
+                      <a:schemeClr val="tx1"/>
+                    </a:solidFill>
+                    <a:latin typeface="Arial" panose="020B0604020202020204" pitchFamily="34" charset="0"/>
+                    <a:cs typeface="Arial" panose="020B0604020202020204" pitchFamily="34" charset="0"/>
+                  </a:rPr>
+                  <a:t>RTL</a:t>
+                </a:r>
+              </a:p>
+            </p:txBody>
+          </p:sp>
+          <p:pic>
+            <p:nvPicPr>
+              <p:cNvPr id="41" name="Graphic 40">
+                <a:extLst>
+                  <a:ext uri="{FF2B5EF4-FFF2-40B4-BE49-F238E27FC236}">
+                    <a16:creationId xmlns:a16="http://schemas.microsoft.com/office/drawing/2014/main" id="{350BB611-D36D-5DBB-0303-6FFE3AE2935B}"/>
+                  </a:ext>
+                </a:extLst>
+              </p:cNvPr>
+              <p:cNvPicPr>
+                <a:picLocks noChangeAspect="1"/>
+              </p:cNvPicPr>
+              <p:nvPr/>
+            </p:nvPicPr>
+            <p:blipFill>
+              <a:blip r:embed="rId3">
+                <a:extLst>
+                  <a:ext uri="{96DAC541-7B7A-43D3-8B79-37D633B846F1}">
+                    <asvg:svgBlip xmlns:asvg="http://schemas.microsoft.com/office/drawing/2016/SVG/main" r:embed="rId4"/>
+                  </a:ext>
+                </a:extLst>
+              </a:blip>
+              <a:stretch>
+                <a:fillRect/>
+              </a:stretch>
+            </p:blipFill>
+            <p:spPr>
+              <a:xfrm>
+                <a:off x="5521382" y="2803932"/>
+                <a:ext cx="516486" cy="516486"/>
+              </a:xfrm>
+              <a:prstGeom prst="rect">
+                <a:avLst/>
+              </a:prstGeom>
+            </p:spPr>
+          </p:pic>
+        </p:grpSp>
+        <p:grpSp>
+          <p:nvGrpSpPr>
+            <p:cNvPr id="73" name="Group 72">
+              <a:extLst>
+                <a:ext uri="{FF2B5EF4-FFF2-40B4-BE49-F238E27FC236}">
+                  <a16:creationId xmlns:a16="http://schemas.microsoft.com/office/drawing/2014/main" id="{22270E0E-E21D-BA0D-CB88-5A44EA34654B}"/>
+                </a:ext>
+              </a:extLst>
+            </p:cNvPr>
+            <p:cNvGrpSpPr/>
+            <p:nvPr/>
+          </p:nvGrpSpPr>
+          <p:grpSpPr>
+            <a:xfrm>
+              <a:off x="3896128" y="4482791"/>
+              <a:ext cx="5627356" cy="1261641"/>
+              <a:chOff x="3861867" y="4175754"/>
+              <a:chExt cx="5627356" cy="1261641"/>
+            </a:xfrm>
+          </p:grpSpPr>
+          <p:grpSp>
+            <p:nvGrpSpPr>
+              <p:cNvPr id="47" name="Group 46">
+                <a:extLst>
+                  <a:ext uri="{FF2B5EF4-FFF2-40B4-BE49-F238E27FC236}">
+                    <a16:creationId xmlns:a16="http://schemas.microsoft.com/office/drawing/2014/main" id="{39A87FE5-154A-6E7E-5BA7-1F8184598594}"/>
+                  </a:ext>
+                </a:extLst>
+              </p:cNvPr>
+              <p:cNvGrpSpPr/>
+              <p:nvPr/>
+            </p:nvGrpSpPr>
+            <p:grpSpPr>
+              <a:xfrm>
+                <a:off x="5962285" y="4175754"/>
+                <a:ext cx="1426520" cy="1261641"/>
+                <a:chOff x="3965896" y="4313618"/>
+                <a:chExt cx="1426520" cy="1261641"/>
+              </a:xfrm>
+            </p:grpSpPr>
+            <p:sp>
+              <p:nvSpPr>
+                <p:cNvPr id="11" name="Rectangle 10">
+                  <a:extLst>
+                    <a:ext uri="{FF2B5EF4-FFF2-40B4-BE49-F238E27FC236}">
+                      <a16:creationId xmlns:a16="http://schemas.microsoft.com/office/drawing/2014/main" id="{D6307055-DF71-333D-7981-0B3EFCDB71F0}"/>
+                    </a:ext>
+                  </a:extLst>
+                </p:cNvPr>
+                <p:cNvSpPr/>
+                <p:nvPr/>
+              </p:nvSpPr>
+              <p:spPr>
+                <a:xfrm>
+                  <a:off x="3965896" y="4313618"/>
+                  <a:ext cx="1426520" cy="1261641"/>
+                </a:xfrm>
+                <a:prstGeom prst="rect">
+                  <a:avLst/>
+                </a:prstGeom>
+                <a:noFill/>
+              </p:spPr>
+              <p:style>
+                <a:lnRef idx="2">
+                  <a:schemeClr val="accent1">
+                    <a:shade val="15000"/>
+                  </a:schemeClr>
+                </a:lnRef>
+                <a:fillRef idx="1">
+                  <a:schemeClr val="accent1"/>
+                </a:fillRef>
+                <a:effectRef idx="0">
+                  <a:schemeClr val="accent1"/>
+                </a:effectRef>
+                <a:fontRef idx="minor">
+                  <a:schemeClr val="lt1"/>
+                </a:fontRef>
+              </p:style>
+              <p:txBody>
+                <a:bodyPr rtlCol="0" anchor="t"/>
+                <a:lstStyle/>
+                <a:p>
+                  <a:pPr algn="ctr"/>
+                  <a:r>
+                    <a:rPr lang="en-US" dirty="0">
+                      <a:solidFill>
+                        <a:schemeClr val="tx1"/>
+                      </a:solidFill>
+                      <a:latin typeface="Arial" panose="020B0604020202020204" pitchFamily="34" charset="0"/>
+                      <a:cs typeface="Arial" panose="020B0604020202020204" pitchFamily="34" charset="0"/>
+                    </a:rPr>
+                    <a:t>FPGA Flow</a:t>
+                  </a:r>
+                </a:p>
+              </p:txBody>
+            </p:sp>
+            <p:pic>
+              <p:nvPicPr>
+                <p:cNvPr id="46" name="Picture 45" descr="A green and yellow logo&#10;&#10;Description automatically generated">
+                  <a:extLst>
+                    <a:ext uri="{FF2B5EF4-FFF2-40B4-BE49-F238E27FC236}">
+                      <a16:creationId xmlns:a16="http://schemas.microsoft.com/office/drawing/2014/main" id="{0959BD79-9973-1481-49BE-37F502AFA562}"/>
+                    </a:ext>
+                  </a:extLst>
+                </p:cNvPr>
+                <p:cNvPicPr>
+                  <a:picLocks noChangeAspect="1"/>
+                </p:cNvPicPr>
+                <p:nvPr/>
+              </p:nvPicPr>
+              <p:blipFill>
+                <a:blip r:embed="rId5"/>
+                <a:stretch>
+                  <a:fillRect/>
+                </a:stretch>
+              </p:blipFill>
+              <p:spPr>
+                <a:xfrm>
+                  <a:off x="4367842" y="4857223"/>
+                  <a:ext cx="622629" cy="622629"/>
+                </a:xfrm>
+                <a:prstGeom prst="rect">
+                  <a:avLst/>
+                </a:prstGeom>
+              </p:spPr>
+            </p:pic>
+          </p:grpSp>
+          <p:grpSp>
+            <p:nvGrpSpPr>
+              <p:cNvPr id="58" name="Group 57">
+                <a:extLst>
+                  <a:ext uri="{FF2B5EF4-FFF2-40B4-BE49-F238E27FC236}">
+                    <a16:creationId xmlns:a16="http://schemas.microsoft.com/office/drawing/2014/main" id="{63F3B416-F842-B960-4C44-DA49186A4264}"/>
+                  </a:ext>
+                </a:extLst>
+              </p:cNvPr>
+              <p:cNvGrpSpPr/>
+              <p:nvPr/>
+            </p:nvGrpSpPr>
+            <p:grpSpPr>
+              <a:xfrm>
+                <a:off x="8062704" y="4175754"/>
+                <a:ext cx="1426519" cy="1261641"/>
+                <a:chOff x="6250809" y="4313617"/>
+                <a:chExt cx="1426519" cy="1261641"/>
+              </a:xfrm>
+            </p:grpSpPr>
+            <p:sp>
+              <p:nvSpPr>
+                <p:cNvPr id="12" name="Rectangle 11">
+                  <a:extLst>
+                    <a:ext uri="{FF2B5EF4-FFF2-40B4-BE49-F238E27FC236}">
+                      <a16:creationId xmlns:a16="http://schemas.microsoft.com/office/drawing/2014/main" id="{4E402234-5C97-D754-0B83-2BFE49C9D1B9}"/>
+                    </a:ext>
+                  </a:extLst>
+                </p:cNvPr>
+                <p:cNvSpPr/>
+                <p:nvPr/>
+              </p:nvSpPr>
+              <p:spPr>
+                <a:xfrm>
+                  <a:off x="6250809" y="4313617"/>
+                  <a:ext cx="1426519" cy="1261641"/>
+                </a:xfrm>
+                <a:prstGeom prst="rect">
+                  <a:avLst/>
+                </a:prstGeom>
+                <a:noFill/>
+              </p:spPr>
+              <p:style>
+                <a:lnRef idx="2">
+                  <a:schemeClr val="accent1">
+                    <a:shade val="15000"/>
+                  </a:schemeClr>
+                </a:lnRef>
+                <a:fillRef idx="1">
+                  <a:schemeClr val="accent1"/>
+                </a:fillRef>
+                <a:effectRef idx="0">
+                  <a:schemeClr val="accent1"/>
+                </a:effectRef>
+                <a:fontRef idx="minor">
+                  <a:schemeClr val="lt1"/>
+                </a:fontRef>
+              </p:style>
+              <p:txBody>
+                <a:bodyPr rtlCol="0" anchor="t"/>
+                <a:lstStyle/>
+                <a:p>
+                  <a:pPr algn="ctr"/>
+                  <a:r>
+                    <a:rPr lang="en-US" dirty="0">
+                      <a:solidFill>
+                        <a:schemeClr val="tx1"/>
+                      </a:solidFill>
+                      <a:latin typeface="Arial" panose="020B0604020202020204" pitchFamily="34" charset="0"/>
+                      <a:cs typeface="Arial" panose="020B0604020202020204" pitchFamily="34" charset="0"/>
+                    </a:rPr>
+                    <a:t>VLSI Flow</a:t>
+                  </a:r>
+                </a:p>
+              </p:txBody>
+            </p:sp>
+            <p:pic>
+              <p:nvPicPr>
+                <p:cNvPr id="53" name="Picture 52" descr="A black and red text&#10;&#10;Description automatically generated">
+                  <a:extLst>
+                    <a:ext uri="{FF2B5EF4-FFF2-40B4-BE49-F238E27FC236}">
+                      <a16:creationId xmlns:a16="http://schemas.microsoft.com/office/drawing/2014/main" id="{73203A15-B916-D42C-EA3F-8BD38F497766}"/>
+                    </a:ext>
+                  </a:extLst>
+                </p:cNvPr>
+                <p:cNvPicPr>
+                  <a:picLocks noChangeAspect="1"/>
+                </p:cNvPicPr>
+                <p:nvPr/>
+              </p:nvPicPr>
+              <p:blipFill>
+                <a:blip r:embed="rId6"/>
+                <a:stretch>
+                  <a:fillRect/>
+                </a:stretch>
+              </p:blipFill>
+              <p:spPr>
+                <a:xfrm>
+                  <a:off x="6627208" y="4752812"/>
+                  <a:ext cx="673720" cy="417517"/>
+                </a:xfrm>
+                <a:prstGeom prst="rect">
+                  <a:avLst/>
+                </a:prstGeom>
+              </p:spPr>
+            </p:pic>
+            <p:pic>
+              <p:nvPicPr>
+                <p:cNvPr id="57" name="Picture 56" descr="A purple letter with white background&#10;&#10;Description automatically generated">
+                  <a:extLst>
+                    <a:ext uri="{FF2B5EF4-FFF2-40B4-BE49-F238E27FC236}">
+                      <a16:creationId xmlns:a16="http://schemas.microsoft.com/office/drawing/2014/main" id="{8AF79081-0597-E816-404B-FDC4A979ED3A}"/>
+                    </a:ext>
+                  </a:extLst>
+                </p:cNvPr>
+                <p:cNvPicPr>
+                  <a:picLocks noChangeAspect="1"/>
+                </p:cNvPicPr>
+                <p:nvPr/>
+              </p:nvPicPr>
+              <p:blipFill>
+                <a:blip r:embed="rId7"/>
+                <a:stretch>
+                  <a:fillRect/>
+                </a:stretch>
+              </p:blipFill>
+              <p:spPr>
+                <a:xfrm>
+                  <a:off x="6550685" y="5297323"/>
+                  <a:ext cx="826766" cy="178389"/>
+                </a:xfrm>
+                <a:prstGeom prst="rect">
+                  <a:avLst/>
+                </a:prstGeom>
+              </p:spPr>
+            </p:pic>
+          </p:grpSp>
+          <p:grpSp>
+            <p:nvGrpSpPr>
+              <p:cNvPr id="64" name="Group 63">
+                <a:extLst>
+                  <a:ext uri="{FF2B5EF4-FFF2-40B4-BE49-F238E27FC236}">
+                    <a16:creationId xmlns:a16="http://schemas.microsoft.com/office/drawing/2014/main" id="{763FAB0A-0622-268F-5402-1C6FBE54C5F8}"/>
+                  </a:ext>
+                </a:extLst>
+              </p:cNvPr>
+              <p:cNvGrpSpPr/>
+              <p:nvPr/>
+            </p:nvGrpSpPr>
+            <p:grpSpPr>
+              <a:xfrm>
+                <a:off x="3861867" y="4175754"/>
+                <a:ext cx="1426520" cy="1261641"/>
+                <a:chOff x="3861867" y="4202051"/>
+                <a:chExt cx="1426520" cy="1261641"/>
+              </a:xfrm>
+            </p:grpSpPr>
+            <p:sp>
+              <p:nvSpPr>
+                <p:cNvPr id="5" name="Rectangle 4">
+                  <a:extLst>
+                    <a:ext uri="{FF2B5EF4-FFF2-40B4-BE49-F238E27FC236}">
+                      <a16:creationId xmlns:a16="http://schemas.microsoft.com/office/drawing/2014/main" id="{8448D471-37BD-D328-4088-EC77FC903DC2}"/>
+                    </a:ext>
+                  </a:extLst>
+                </p:cNvPr>
+                <p:cNvSpPr/>
+                <p:nvPr/>
+              </p:nvSpPr>
+              <p:spPr>
+                <a:xfrm>
+                  <a:off x="3861867" y="4202051"/>
+                  <a:ext cx="1426520" cy="1261641"/>
+                </a:xfrm>
+                <a:prstGeom prst="rect">
+                  <a:avLst/>
+                </a:prstGeom>
+                <a:noFill/>
+              </p:spPr>
+              <p:style>
+                <a:lnRef idx="2">
+                  <a:schemeClr val="accent1">
+                    <a:shade val="15000"/>
+                  </a:schemeClr>
+                </a:lnRef>
+                <a:fillRef idx="1">
+                  <a:schemeClr val="accent1"/>
+                </a:fillRef>
+                <a:effectRef idx="0">
+                  <a:schemeClr val="accent1"/>
+                </a:effectRef>
+                <a:fontRef idx="minor">
+                  <a:schemeClr val="lt1"/>
+                </a:fontRef>
+              </p:style>
+              <p:txBody>
+                <a:bodyPr rtlCol="0" anchor="t"/>
+                <a:lstStyle/>
+                <a:p>
+                  <a:pPr algn="ctr"/>
+                  <a:r>
+                    <a:rPr lang="en-US" dirty="0">
+                      <a:solidFill>
+                        <a:schemeClr val="tx1"/>
+                      </a:solidFill>
+                      <a:latin typeface="Arial" panose="020B0604020202020204" pitchFamily="34" charset="0"/>
+                      <a:cs typeface="Arial" panose="020B0604020202020204" pitchFamily="34" charset="0"/>
+                    </a:rPr>
+                    <a:t>Simulation</a:t>
+                  </a:r>
+                </a:p>
+              </p:txBody>
+            </p:sp>
+            <p:grpSp>
+              <p:nvGrpSpPr>
+                <p:cNvPr id="63" name="Group 62">
+                  <a:extLst>
+                    <a:ext uri="{FF2B5EF4-FFF2-40B4-BE49-F238E27FC236}">
+                      <a16:creationId xmlns:a16="http://schemas.microsoft.com/office/drawing/2014/main" id="{70BF77C9-DCFC-25CF-F991-EC9BAE65A9C4}"/>
+                    </a:ext>
+                  </a:extLst>
+                </p:cNvPr>
+                <p:cNvGrpSpPr/>
+                <p:nvPr/>
+              </p:nvGrpSpPr>
+              <p:grpSpPr>
+                <a:xfrm>
+                  <a:off x="3987116" y="4641245"/>
+                  <a:ext cx="1176023" cy="724674"/>
+                  <a:chOff x="4152738" y="4448168"/>
+                  <a:chExt cx="1176023" cy="724674"/>
+                </a:xfrm>
+              </p:grpSpPr>
+              <p:pic>
+                <p:nvPicPr>
+                  <p:cNvPr id="60" name="Picture 59" descr="A blue and white logo&#10;&#10;Description automatically generated">
+                    <a:extLst>
+                      <a:ext uri="{FF2B5EF4-FFF2-40B4-BE49-F238E27FC236}">
+                        <a16:creationId xmlns:a16="http://schemas.microsoft.com/office/drawing/2014/main" id="{C5819089-6954-7025-ACE7-EC68704BCE82}"/>
+                      </a:ext>
+                    </a:extLst>
+                  </p:cNvPr>
+                  <p:cNvPicPr>
+                    <a:picLocks noChangeAspect="1"/>
+                  </p:cNvPicPr>
+                  <p:nvPr/>
+                </p:nvPicPr>
+                <p:blipFill>
+                  <a:blip r:embed="rId8"/>
+                  <a:stretch>
+                    <a:fillRect/>
+                  </a:stretch>
+                </p:blipFill>
+                <p:spPr>
+                  <a:xfrm>
+                    <a:off x="4152738" y="4587200"/>
+                    <a:ext cx="571662" cy="446611"/>
+                  </a:xfrm>
+                  <a:prstGeom prst="rect">
+                    <a:avLst/>
+                  </a:prstGeom>
+                </p:spPr>
+              </p:pic>
+              <p:pic>
+                <p:nvPicPr>
+                  <p:cNvPr id="62" name="Picture 61" descr="A logo with a person with wings&#10;&#10;Description automatically generated">
+                    <a:extLst>
+                      <a:ext uri="{FF2B5EF4-FFF2-40B4-BE49-F238E27FC236}">
+                        <a16:creationId xmlns:a16="http://schemas.microsoft.com/office/drawing/2014/main" id="{6AB22A9F-0868-36E8-19D7-D0F980A09DA3}"/>
+                      </a:ext>
+                    </a:extLst>
+                  </p:cNvPr>
+                  <p:cNvPicPr>
+                    <a:picLocks noChangeAspect="1"/>
+                  </p:cNvPicPr>
+                  <p:nvPr/>
+                </p:nvPicPr>
+                <p:blipFill>
+                  <a:blip r:embed="rId9"/>
+                  <a:stretch>
+                    <a:fillRect/>
+                  </a:stretch>
+                </p:blipFill>
+                <p:spPr>
+                  <a:xfrm>
+                    <a:off x="4724400" y="4448168"/>
+                    <a:ext cx="604361" cy="724674"/>
+                  </a:xfrm>
+                  <a:prstGeom prst="rect">
+                    <a:avLst/>
+                  </a:prstGeom>
+                </p:spPr>
+              </p:pic>
+            </p:grpSp>
+          </p:grpSp>
+        </p:grpSp>
+        <p:cxnSp>
+          <p:nvCxnSpPr>
+            <p:cNvPr id="75" name="Straight Arrow Connector 74">
+              <a:extLst>
+                <a:ext uri="{FF2B5EF4-FFF2-40B4-BE49-F238E27FC236}">
+                  <a16:creationId xmlns:a16="http://schemas.microsoft.com/office/drawing/2014/main" id="{172ADDD2-11DF-B280-6F05-2B9EC21BF86B}"/>
+                </a:ext>
+              </a:extLst>
+            </p:cNvPr>
+            <p:cNvCxnSpPr>
+              <a:stCxn id="7" idx="2"/>
+              <a:endCxn id="9" idx="0"/>
+            </p:cNvCxnSpPr>
+            <p:nvPr/>
+          </p:nvCxnSpPr>
+          <p:spPr>
+            <a:xfrm>
+              <a:off x="3364148" y="1744388"/>
+              <a:ext cx="3345658" cy="668028"/>
+            </a:xfrm>
+            <a:prstGeom prst="straightConnector1">
+              <a:avLst/>
+            </a:prstGeom>
+            <a:ln>
+              <a:solidFill>
+                <a:schemeClr val="tx1"/>
+              </a:solidFill>
+              <a:tailEnd type="triangle"/>
+            </a:ln>
+          </p:spPr>
+          <p:style>
+            <a:lnRef idx="2">
+              <a:schemeClr val="accent1"/>
+            </a:lnRef>
+            <a:fillRef idx="0">
+              <a:schemeClr val="accent1"/>
+            </a:fillRef>
+            <a:effectRef idx="1">
+              <a:schemeClr val="accent1"/>
+            </a:effectRef>
+            <a:fontRef idx="minor">
+              <a:schemeClr val="tx1"/>
+            </a:fontRef>
+          </p:style>
+        </p:cxnSp>
+        <p:cxnSp>
+          <p:nvCxnSpPr>
+            <p:cNvPr id="77" name="Straight Arrow Connector 76">
+              <a:extLst>
+                <a:ext uri="{FF2B5EF4-FFF2-40B4-BE49-F238E27FC236}">
+                  <a16:creationId xmlns:a16="http://schemas.microsoft.com/office/drawing/2014/main" id="{A9E63CB2-27CE-4F13-00FB-82FE85C318E7}"/>
+                </a:ext>
+              </a:extLst>
+            </p:cNvPr>
+            <p:cNvCxnSpPr>
+              <a:stCxn id="4" idx="2"/>
+              <a:endCxn id="9" idx="0"/>
+            </p:cNvCxnSpPr>
+            <p:nvPr/>
+          </p:nvCxnSpPr>
+          <p:spPr>
+            <a:xfrm>
+              <a:off x="5027528" y="1744388"/>
+              <a:ext cx="1682278" cy="668028"/>
+            </a:xfrm>
+            <a:prstGeom prst="straightConnector1">
+              <a:avLst/>
+            </a:prstGeom>
+            <a:ln>
+              <a:solidFill>
+                <a:schemeClr val="tx1"/>
+              </a:solidFill>
+              <a:tailEnd type="triangle"/>
+            </a:ln>
+          </p:spPr>
+          <p:style>
+            <a:lnRef idx="2">
+              <a:schemeClr val="accent1"/>
+            </a:lnRef>
+            <a:fillRef idx="0">
+              <a:schemeClr val="accent1"/>
+            </a:fillRef>
+            <a:effectRef idx="1">
+              <a:schemeClr val="accent1"/>
+            </a:effectRef>
+            <a:fontRef idx="minor">
+              <a:schemeClr val="tx1"/>
+            </a:fontRef>
+          </p:style>
+        </p:cxnSp>
+        <p:cxnSp>
+          <p:nvCxnSpPr>
+            <p:cNvPr id="79" name="Straight Arrow Connector 78">
+              <a:extLst>
+                <a:ext uri="{FF2B5EF4-FFF2-40B4-BE49-F238E27FC236}">
+                  <a16:creationId xmlns:a16="http://schemas.microsoft.com/office/drawing/2014/main" id="{3DE58987-28B9-4AEC-2AE8-7BFC29548ABB}"/>
+                </a:ext>
+              </a:extLst>
+            </p:cNvPr>
+            <p:cNvCxnSpPr>
+              <a:cxnSpLocks/>
+              <a:stCxn id="8" idx="2"/>
+              <a:endCxn id="9" idx="0"/>
+            </p:cNvCxnSpPr>
+            <p:nvPr/>
+          </p:nvCxnSpPr>
+          <p:spPr>
+            <a:xfrm>
+              <a:off x="6690907" y="1744388"/>
+              <a:ext cx="18899" cy="668028"/>
+            </a:xfrm>
+            <a:prstGeom prst="straightConnector1">
+              <a:avLst/>
+            </a:prstGeom>
+            <a:ln>
+              <a:solidFill>
+                <a:schemeClr val="tx1"/>
+              </a:solidFill>
+              <a:tailEnd type="triangle"/>
+            </a:ln>
+          </p:spPr>
+          <p:style>
+            <a:lnRef idx="2">
+              <a:schemeClr val="accent1"/>
+            </a:lnRef>
+            <a:fillRef idx="0">
+              <a:schemeClr val="accent1"/>
+            </a:fillRef>
+            <a:effectRef idx="1">
+              <a:schemeClr val="accent1"/>
+            </a:effectRef>
+            <a:fontRef idx="minor">
+              <a:schemeClr val="tx1"/>
+            </a:fontRef>
+          </p:style>
+        </p:cxnSp>
+        <p:cxnSp>
+          <p:nvCxnSpPr>
+            <p:cNvPr id="82" name="Straight Arrow Connector 81">
+              <a:extLst>
+                <a:ext uri="{FF2B5EF4-FFF2-40B4-BE49-F238E27FC236}">
+                  <a16:creationId xmlns:a16="http://schemas.microsoft.com/office/drawing/2014/main" id="{63558F62-D305-48DA-3AB0-979CCF0CC7D5}"/>
+                </a:ext>
+              </a:extLst>
+            </p:cNvPr>
+            <p:cNvCxnSpPr>
+              <a:stCxn id="19" idx="2"/>
+              <a:endCxn id="9" idx="0"/>
+            </p:cNvCxnSpPr>
+            <p:nvPr/>
+          </p:nvCxnSpPr>
+          <p:spPr>
+            <a:xfrm flipH="1">
+              <a:off x="6709806" y="1744388"/>
+              <a:ext cx="1666651" cy="668028"/>
+            </a:xfrm>
+            <a:prstGeom prst="straightConnector1">
+              <a:avLst/>
+            </a:prstGeom>
+            <a:ln>
+              <a:solidFill>
+                <a:schemeClr val="tx1"/>
+              </a:solidFill>
+              <a:tailEnd type="triangle"/>
+            </a:ln>
+          </p:spPr>
+          <p:style>
+            <a:lnRef idx="2">
+              <a:schemeClr val="accent1"/>
+            </a:lnRef>
+            <a:fillRef idx="0">
+              <a:schemeClr val="accent1"/>
+            </a:fillRef>
+            <a:effectRef idx="1">
+              <a:schemeClr val="accent1"/>
+            </a:effectRef>
+            <a:fontRef idx="minor">
+              <a:schemeClr val="tx1"/>
+            </a:fontRef>
+          </p:style>
+        </p:cxnSp>
+        <p:cxnSp>
+          <p:nvCxnSpPr>
+            <p:cNvPr id="84" name="Straight Arrow Connector 83">
+              <a:extLst>
+                <a:ext uri="{FF2B5EF4-FFF2-40B4-BE49-F238E27FC236}">
+                  <a16:creationId xmlns:a16="http://schemas.microsoft.com/office/drawing/2014/main" id="{89624768-A8D4-48A8-4785-58B26EA6D25A}"/>
+                </a:ext>
+              </a:extLst>
+            </p:cNvPr>
+            <p:cNvCxnSpPr>
+              <a:stCxn id="3" idx="2"/>
+              <a:endCxn id="9" idx="0"/>
+            </p:cNvCxnSpPr>
+            <p:nvPr/>
+          </p:nvCxnSpPr>
+          <p:spPr>
+            <a:xfrm flipH="1">
+              <a:off x="6709806" y="1744388"/>
+              <a:ext cx="3568682" cy="668028"/>
+            </a:xfrm>
+            <a:prstGeom prst="straightConnector1">
+              <a:avLst/>
+            </a:prstGeom>
+            <a:ln>
+              <a:solidFill>
+                <a:schemeClr val="tx1"/>
+              </a:solidFill>
+              <a:tailEnd type="triangle"/>
+            </a:ln>
+          </p:spPr>
+          <p:style>
+            <a:lnRef idx="2">
+              <a:schemeClr val="accent1"/>
+            </a:lnRef>
+            <a:fillRef idx="0">
+              <a:schemeClr val="accent1"/>
+            </a:fillRef>
+            <a:effectRef idx="1">
+              <a:schemeClr val="accent1"/>
+            </a:effectRef>
+            <a:fontRef idx="minor">
+              <a:schemeClr val="tx1"/>
+            </a:fontRef>
+          </p:style>
+        </p:cxnSp>
+        <p:grpSp>
+          <p:nvGrpSpPr>
+            <p:cNvPr id="88" name="Group 87">
+              <a:extLst>
+                <a:ext uri="{FF2B5EF4-FFF2-40B4-BE49-F238E27FC236}">
+                  <a16:creationId xmlns:a16="http://schemas.microsoft.com/office/drawing/2014/main" id="{6BB01E99-7B1F-9DBC-63ED-60861A648362}"/>
+                </a:ext>
+              </a:extLst>
+            </p:cNvPr>
+            <p:cNvGrpSpPr/>
+            <p:nvPr/>
+          </p:nvGrpSpPr>
+          <p:grpSpPr>
+            <a:xfrm>
+              <a:off x="2650888" y="482747"/>
+              <a:ext cx="8340860" cy="1261641"/>
+              <a:chOff x="2650888" y="482747"/>
+              <a:chExt cx="8340860" cy="1261641"/>
+            </a:xfrm>
+          </p:grpSpPr>
+          <p:grpSp>
+            <p:nvGrpSpPr>
+              <p:cNvPr id="40" name="Group 39">
+                <a:extLst>
+                  <a:ext uri="{FF2B5EF4-FFF2-40B4-BE49-F238E27FC236}">
+                    <a16:creationId xmlns:a16="http://schemas.microsoft.com/office/drawing/2014/main" id="{2590A483-2128-0893-6911-58972EFFAF32}"/>
+                  </a:ext>
+                </a:extLst>
+              </p:cNvPr>
+              <p:cNvGrpSpPr/>
+              <p:nvPr/>
+            </p:nvGrpSpPr>
+            <p:grpSpPr>
+              <a:xfrm>
+                <a:off x="9565228" y="482747"/>
+                <a:ext cx="1426520" cy="1261641"/>
+                <a:chOff x="9453716" y="521788"/>
+                <a:chExt cx="1426520" cy="1261641"/>
+              </a:xfrm>
+            </p:grpSpPr>
+            <p:sp>
+              <p:nvSpPr>
+                <p:cNvPr id="3" name="Rectangle 2">
+                  <a:extLst>
+                    <a:ext uri="{FF2B5EF4-FFF2-40B4-BE49-F238E27FC236}">
+                      <a16:creationId xmlns:a16="http://schemas.microsoft.com/office/drawing/2014/main" id="{1E57CCFD-598A-4531-A426-35874CAE0FDF}"/>
+                    </a:ext>
+                  </a:extLst>
+                </p:cNvPr>
+                <p:cNvSpPr/>
+                <p:nvPr/>
+              </p:nvSpPr>
+              <p:spPr>
+                <a:xfrm>
+                  <a:off x="9453716" y="521788"/>
+                  <a:ext cx="1426520" cy="1261641"/>
+                </a:xfrm>
+                <a:prstGeom prst="rect">
+                  <a:avLst/>
+                </a:prstGeom>
+                <a:noFill/>
+              </p:spPr>
+              <p:style>
+                <a:lnRef idx="2">
+                  <a:schemeClr val="accent1">
+                    <a:shade val="15000"/>
+                  </a:schemeClr>
+                </a:lnRef>
+                <a:fillRef idx="1">
+                  <a:schemeClr val="accent1"/>
+                </a:fillRef>
+                <a:effectRef idx="0">
+                  <a:schemeClr val="accent1"/>
+                </a:effectRef>
+                <a:fontRef idx="minor">
+                  <a:schemeClr val="lt1"/>
+                </a:fontRef>
+              </p:style>
+              <p:txBody>
+                <a:bodyPr rtlCol="0" anchor="t"/>
+                <a:lstStyle/>
+                <a:p>
+                  <a:pPr algn="ctr"/>
+                  <a:r>
+                    <a:rPr lang="en-US" dirty="0">
+                      <a:solidFill>
+                        <a:schemeClr val="tx1"/>
+                      </a:solidFill>
+                      <a:latin typeface="Arial" panose="020B0604020202020204" pitchFamily="34" charset="0"/>
+                      <a:cs typeface="Arial" panose="020B0604020202020204" pitchFamily="34" charset="0"/>
+                    </a:rPr>
+                    <a:t>HLS</a:t>
+                  </a:r>
+                </a:p>
+              </p:txBody>
+            </p:sp>
+            <p:grpSp>
+              <p:nvGrpSpPr>
+                <p:cNvPr id="35" name="Group 34">
+                  <a:extLst>
+                    <a:ext uri="{FF2B5EF4-FFF2-40B4-BE49-F238E27FC236}">
+                      <a16:creationId xmlns:a16="http://schemas.microsoft.com/office/drawing/2014/main" id="{26087577-F58C-2BE9-EFD1-BA281413A551}"/>
+                    </a:ext>
+                  </a:extLst>
+                </p:cNvPr>
+                <p:cNvGrpSpPr/>
+                <p:nvPr/>
+              </p:nvGrpSpPr>
+              <p:grpSpPr>
+                <a:xfrm>
+                  <a:off x="9755090" y="1042136"/>
+                  <a:ext cx="823772" cy="586649"/>
+                  <a:chOff x="9828426" y="1042136"/>
+                  <a:chExt cx="823772" cy="586649"/>
+                </a:xfrm>
+              </p:grpSpPr>
+              <p:pic>
+                <p:nvPicPr>
+                  <p:cNvPr id="15" name="Picture 14" descr="A red and black logo&#10;&#10;Description automatically generated">
+                    <a:extLst>
+                      <a:ext uri="{FF2B5EF4-FFF2-40B4-BE49-F238E27FC236}">
+                        <a16:creationId xmlns:a16="http://schemas.microsoft.com/office/drawing/2014/main" id="{4FE5B225-BDF3-9F88-3E3E-B35D4D20AA84}"/>
+                      </a:ext>
+                    </a:extLst>
+                  </p:cNvPr>
+                  <p:cNvPicPr>
+                    <a:picLocks noChangeAspect="1"/>
+                  </p:cNvPicPr>
+                  <p:nvPr/>
+                </p:nvPicPr>
+                <p:blipFill>
+                  <a:blip r:embed="rId10"/>
+                  <a:stretch>
+                    <a:fillRect/>
+                  </a:stretch>
+                </p:blipFill>
+                <p:spPr>
+                  <a:xfrm>
+                    <a:off x="9828426" y="1318272"/>
+                    <a:ext cx="823772" cy="310513"/>
+                  </a:xfrm>
+                  <a:prstGeom prst="rect">
+                    <a:avLst/>
+                  </a:prstGeom>
+                </p:spPr>
+              </p:pic>
+              <p:pic>
+                <p:nvPicPr>
+                  <p:cNvPr id="16" name="Picture 15" descr="A blue and yellow lines on a black background&#10;&#10;Description automatically generated">
+                    <a:extLst>
+                      <a:ext uri="{FF2B5EF4-FFF2-40B4-BE49-F238E27FC236}">
+                        <a16:creationId xmlns:a16="http://schemas.microsoft.com/office/drawing/2014/main" id="{85F68261-84A2-684E-E8A8-73751850B8D7}"/>
+                      </a:ext>
+                    </a:extLst>
+                  </p:cNvPr>
+                  <p:cNvPicPr>
+                    <a:picLocks noChangeAspect="1"/>
+                  </p:cNvPicPr>
+                  <p:nvPr/>
+                </p:nvPicPr>
+                <p:blipFill>
+                  <a:blip r:embed="rId11"/>
+                  <a:stretch>
+                    <a:fillRect/>
+                  </a:stretch>
+                </p:blipFill>
+                <p:spPr>
+                  <a:xfrm>
+                    <a:off x="9857780" y="1042136"/>
+                    <a:ext cx="765065" cy="274945"/>
+                  </a:xfrm>
+                  <a:prstGeom prst="rect">
+                    <a:avLst/>
+                  </a:prstGeom>
+                </p:spPr>
+              </p:pic>
+            </p:grpSp>
+          </p:grpSp>
+          <p:grpSp>
+            <p:nvGrpSpPr>
+              <p:cNvPr id="38" name="Group 37">
+                <a:extLst>
+                  <a:ext uri="{FF2B5EF4-FFF2-40B4-BE49-F238E27FC236}">
+                    <a16:creationId xmlns:a16="http://schemas.microsoft.com/office/drawing/2014/main" id="{360A30FC-1C3B-F0A3-BF7C-DCEA6D067D8B}"/>
+                  </a:ext>
+                </a:extLst>
+              </p:cNvPr>
+              <p:cNvGrpSpPr/>
+              <p:nvPr/>
+            </p:nvGrpSpPr>
+            <p:grpSpPr>
+              <a:xfrm>
+                <a:off x="5977647" y="482747"/>
+                <a:ext cx="1426519" cy="1261641"/>
+                <a:chOff x="5866135" y="511215"/>
+                <a:chExt cx="1426519" cy="1261641"/>
+              </a:xfrm>
+            </p:grpSpPr>
+            <p:sp>
+              <p:nvSpPr>
+                <p:cNvPr id="8" name="Rectangle 7">
+                  <a:extLst>
+                    <a:ext uri="{FF2B5EF4-FFF2-40B4-BE49-F238E27FC236}">
+                      <a16:creationId xmlns:a16="http://schemas.microsoft.com/office/drawing/2014/main" id="{0B41F500-1B76-10A2-F851-73D26FEA759A}"/>
+                    </a:ext>
+                  </a:extLst>
+                </p:cNvPr>
+                <p:cNvSpPr/>
+                <p:nvPr/>
+              </p:nvSpPr>
+              <p:spPr>
+                <a:xfrm>
+                  <a:off x="5866135" y="511215"/>
+                  <a:ext cx="1426519" cy="1261641"/>
+                </a:xfrm>
+                <a:prstGeom prst="rect">
+                  <a:avLst/>
+                </a:prstGeom>
+                <a:noFill/>
+              </p:spPr>
+              <p:style>
+                <a:lnRef idx="2">
+                  <a:schemeClr val="accent1">
+                    <a:shade val="15000"/>
+                  </a:schemeClr>
+                </a:lnRef>
+                <a:fillRef idx="1">
+                  <a:schemeClr val="accent1"/>
+                </a:fillRef>
+                <a:effectRef idx="0">
+                  <a:schemeClr val="accent1"/>
+                </a:effectRef>
+                <a:fontRef idx="minor">
+                  <a:schemeClr val="lt1"/>
+                </a:fontRef>
+              </p:style>
+              <p:txBody>
+                <a:bodyPr rtlCol="0" anchor="t"/>
+                <a:lstStyle/>
+                <a:p>
+                  <a:pPr algn="ctr"/>
+                  <a:r>
+                    <a:rPr lang="en-US" dirty="0">
+                      <a:solidFill>
+                        <a:schemeClr val="tx1"/>
+                      </a:solidFill>
+                      <a:latin typeface="Arial" panose="020B0604020202020204" pitchFamily="34" charset="0"/>
+                      <a:cs typeface="Arial" panose="020B0604020202020204" pitchFamily="34" charset="0"/>
+                    </a:rPr>
+                    <a:t>Ctrl Flow</a:t>
+                  </a:r>
+                </a:p>
+              </p:txBody>
+            </p:sp>
+            <p:grpSp>
+              <p:nvGrpSpPr>
+                <p:cNvPr id="30" name="Group 29">
+                  <a:extLst>
+                    <a:ext uri="{FF2B5EF4-FFF2-40B4-BE49-F238E27FC236}">
+                      <a16:creationId xmlns:a16="http://schemas.microsoft.com/office/drawing/2014/main" id="{8630008E-53AC-DC4D-B11E-93B13FCF5DA3}"/>
+                    </a:ext>
+                  </a:extLst>
+                </p:cNvPr>
+                <p:cNvGrpSpPr/>
+                <p:nvPr/>
+              </p:nvGrpSpPr>
+              <p:grpSpPr>
+                <a:xfrm>
+                  <a:off x="6167509" y="913678"/>
+                  <a:ext cx="823771" cy="724363"/>
+                  <a:chOff x="6096000" y="913678"/>
+                  <a:chExt cx="823771" cy="724363"/>
+                </a:xfrm>
+              </p:grpSpPr>
+              <p:pic>
+                <p:nvPicPr>
+                  <p:cNvPr id="14" name="Graphic 13">
+                    <a:extLst>
+                      <a:ext uri="{FF2B5EF4-FFF2-40B4-BE49-F238E27FC236}">
+                        <a16:creationId xmlns:a16="http://schemas.microsoft.com/office/drawing/2014/main" id="{FE9C27BF-057D-A3E9-FE52-C5B8384012EE}"/>
+                      </a:ext>
+                    </a:extLst>
+                  </p:cNvPr>
+                  <p:cNvPicPr>
+                    <a:picLocks noChangeAspect="1"/>
+                  </p:cNvPicPr>
+                  <p:nvPr/>
+                </p:nvPicPr>
+                <p:blipFill>
+                  <a:blip r:embed="rId12">
+                    <a:extLst>
+                      <a:ext uri="{96DAC541-7B7A-43D3-8B79-37D633B846F1}">
+                        <asvg:svgBlip xmlns:asvg="http://schemas.microsoft.com/office/drawing/2016/SVG/main" r:embed="rId13"/>
+                      </a:ext>
+                    </a:extLst>
+                  </a:blip>
+                  <a:stretch>
+                    <a:fillRect/>
+                  </a:stretch>
+                </p:blipFill>
+                <p:spPr>
+                  <a:xfrm>
+                    <a:off x="6096000" y="1308180"/>
+                    <a:ext cx="823771" cy="329861"/>
+                  </a:xfrm>
+                  <a:prstGeom prst="rect">
+                    <a:avLst/>
+                  </a:prstGeom>
+                </p:spPr>
+              </p:pic>
+              <p:pic>
+                <p:nvPicPr>
+                  <p:cNvPr id="17" name="Graphic 16">
+                    <a:extLst>
+                      <a:ext uri="{FF2B5EF4-FFF2-40B4-BE49-F238E27FC236}">
+                        <a16:creationId xmlns:a16="http://schemas.microsoft.com/office/drawing/2014/main" id="{1113893C-1171-B021-15D5-A7BBBAB231FF}"/>
+                      </a:ext>
+                    </a:extLst>
+                  </p:cNvPr>
+                  <p:cNvPicPr>
+                    <a:picLocks noChangeAspect="1"/>
+                  </p:cNvPicPr>
+                  <p:nvPr/>
+                </p:nvPicPr>
+                <p:blipFill>
+                  <a:blip r:embed="rId14">
+                    <a:extLst>
+                      <a:ext uri="{96DAC541-7B7A-43D3-8B79-37D633B846F1}">
+                        <asvg:svgBlip xmlns:asvg="http://schemas.microsoft.com/office/drawing/2016/SVG/main" r:embed="rId15"/>
+                      </a:ext>
+                    </a:extLst>
+                  </a:blip>
+                  <a:stretch>
+                    <a:fillRect/>
+                  </a:stretch>
+                </p:blipFill>
+                <p:spPr>
+                  <a:xfrm>
+                    <a:off x="6196951" y="913678"/>
+                    <a:ext cx="621869" cy="329861"/>
+                  </a:xfrm>
+                  <a:prstGeom prst="rect">
+                    <a:avLst/>
+                  </a:prstGeom>
+                </p:spPr>
+              </p:pic>
+            </p:grpSp>
+          </p:grpSp>
+          <p:grpSp>
+            <p:nvGrpSpPr>
+              <p:cNvPr id="37" name="Group 36">
+                <a:extLst>
+                  <a:ext uri="{FF2B5EF4-FFF2-40B4-BE49-F238E27FC236}">
+                    <a16:creationId xmlns:a16="http://schemas.microsoft.com/office/drawing/2014/main" id="{889AC6F1-04CD-59FD-B5C6-11CB7CD85FE9}"/>
+                  </a:ext>
+                </a:extLst>
+              </p:cNvPr>
+              <p:cNvGrpSpPr/>
+              <p:nvPr/>
+            </p:nvGrpSpPr>
+            <p:grpSpPr>
+              <a:xfrm>
+                <a:off x="2650888" y="482747"/>
+                <a:ext cx="1426520" cy="1261641"/>
+                <a:chOff x="2539376" y="511215"/>
+                <a:chExt cx="1426520" cy="1261641"/>
+              </a:xfrm>
+            </p:grpSpPr>
+            <p:sp>
+              <p:nvSpPr>
+                <p:cNvPr id="7" name="Rectangle 6">
+                  <a:extLst>
+                    <a:ext uri="{FF2B5EF4-FFF2-40B4-BE49-F238E27FC236}">
+                      <a16:creationId xmlns:a16="http://schemas.microsoft.com/office/drawing/2014/main" id="{46CB9EC2-CFDB-6EB4-9A30-3B26A5574159}"/>
+                    </a:ext>
+                  </a:extLst>
+                </p:cNvPr>
+                <p:cNvSpPr/>
+                <p:nvPr/>
+              </p:nvSpPr>
+              <p:spPr>
+                <a:xfrm>
+                  <a:off x="2539376" y="511215"/>
+                  <a:ext cx="1426520" cy="1261641"/>
+                </a:xfrm>
+                <a:prstGeom prst="rect">
+                  <a:avLst/>
+                </a:prstGeom>
+                <a:noFill/>
+              </p:spPr>
+              <p:style>
+                <a:lnRef idx="2">
+                  <a:schemeClr val="accent1">
+                    <a:shade val="15000"/>
+                  </a:schemeClr>
+                </a:lnRef>
+                <a:fillRef idx="1">
+                  <a:schemeClr val="accent1"/>
+                </a:fillRef>
+                <a:effectRef idx="0">
+                  <a:schemeClr val="accent1"/>
+                </a:effectRef>
+                <a:fontRef idx="minor">
+                  <a:schemeClr val="lt1"/>
+                </a:fontRef>
+              </p:style>
+              <p:txBody>
+                <a:bodyPr rtlCol="0" anchor="t"/>
+                <a:lstStyle/>
+                <a:p>
+                  <a:pPr algn="ctr"/>
+                  <a:r>
+                    <a:rPr lang="en-US" dirty="0">
+                      <a:solidFill>
+                        <a:schemeClr val="tx1"/>
+                      </a:solidFill>
+                      <a:latin typeface="Arial" panose="020B0604020202020204" pitchFamily="34" charset="0"/>
+                      <a:cs typeface="Arial" panose="020B0604020202020204" pitchFamily="34" charset="0"/>
+                    </a:rPr>
+                    <a:t>RTL</a:t>
+                  </a:r>
+                </a:p>
+              </p:txBody>
+            </p:sp>
+            <p:grpSp>
+              <p:nvGrpSpPr>
+                <p:cNvPr id="28" name="Group 27">
+                  <a:extLst>
+                    <a:ext uri="{FF2B5EF4-FFF2-40B4-BE49-F238E27FC236}">
+                      <a16:creationId xmlns:a16="http://schemas.microsoft.com/office/drawing/2014/main" id="{F5C09561-931C-6F66-05DA-B89CF1BA17CF}"/>
+                    </a:ext>
+                  </a:extLst>
+                </p:cNvPr>
+                <p:cNvGrpSpPr/>
+                <p:nvPr/>
+              </p:nvGrpSpPr>
+              <p:grpSpPr>
+                <a:xfrm>
+                  <a:off x="2683779" y="1094083"/>
+                  <a:ext cx="1137715" cy="520700"/>
+                  <a:chOff x="2631407" y="1094083"/>
+                  <a:chExt cx="1137715" cy="520700"/>
+                </a:xfrm>
+              </p:grpSpPr>
+              <p:pic>
+                <p:nvPicPr>
+                  <p:cNvPr id="25" name="Graphic 24">
+                    <a:extLst>
+                      <a:ext uri="{FF2B5EF4-FFF2-40B4-BE49-F238E27FC236}">
+                        <a16:creationId xmlns:a16="http://schemas.microsoft.com/office/drawing/2014/main" id="{C90D8215-DA89-1B40-96D8-88F3FD2C8B3F}"/>
+                      </a:ext>
+                    </a:extLst>
+                  </p:cNvPr>
+                  <p:cNvPicPr>
+                    <a:picLocks noChangeAspect="1"/>
+                  </p:cNvPicPr>
+                  <p:nvPr/>
+                </p:nvPicPr>
+                <p:blipFill>
+                  <a:blip r:embed="rId16">
+                    <a:extLst>
+                      <a:ext uri="{96DAC541-7B7A-43D3-8B79-37D633B846F1}">
+                        <asvg:svgBlip xmlns:asvg="http://schemas.microsoft.com/office/drawing/2016/SVG/main" r:embed="rId17"/>
+                      </a:ext>
+                    </a:extLst>
+                  </a:blip>
+                  <a:stretch>
+                    <a:fillRect/>
+                  </a:stretch>
+                </p:blipFill>
+                <p:spPr>
+                  <a:xfrm>
+                    <a:off x="2631407" y="1094083"/>
+                    <a:ext cx="520700" cy="520700"/>
+                  </a:xfrm>
+                  <a:prstGeom prst="rect">
+                    <a:avLst/>
+                  </a:prstGeom>
+                </p:spPr>
+              </p:pic>
+              <p:pic>
+                <p:nvPicPr>
+                  <p:cNvPr id="27" name="Graphic 26">
+                    <a:extLst>
+                      <a:ext uri="{FF2B5EF4-FFF2-40B4-BE49-F238E27FC236}">
+                        <a16:creationId xmlns:a16="http://schemas.microsoft.com/office/drawing/2014/main" id="{51BD1844-FFCB-540D-72F5-E4F10C5FCD78}"/>
+                      </a:ext>
+                    </a:extLst>
+                  </p:cNvPr>
+                  <p:cNvPicPr>
+                    <a:picLocks noChangeAspect="1"/>
+                  </p:cNvPicPr>
+                  <p:nvPr/>
+                </p:nvPicPr>
+                <p:blipFill>
+                  <a:blip r:embed="rId3">
+                    <a:extLst>
+                      <a:ext uri="{96DAC541-7B7A-43D3-8B79-37D633B846F1}">
+                        <asvg:svgBlip xmlns:asvg="http://schemas.microsoft.com/office/drawing/2016/SVG/main" r:embed="rId4"/>
+                      </a:ext>
+                    </a:extLst>
+                  </a:blip>
+                  <a:stretch>
+                    <a:fillRect/>
+                  </a:stretch>
+                </p:blipFill>
+                <p:spPr>
+                  <a:xfrm>
+                    <a:off x="3252636" y="1096190"/>
+                    <a:ext cx="516486" cy="516486"/>
+                  </a:xfrm>
+                  <a:prstGeom prst="rect">
+                    <a:avLst/>
+                  </a:prstGeom>
+                </p:spPr>
+              </p:pic>
+            </p:grpSp>
+          </p:grpSp>
+          <p:grpSp>
+            <p:nvGrpSpPr>
+              <p:cNvPr id="39" name="Group 38">
+                <a:extLst>
+                  <a:ext uri="{FF2B5EF4-FFF2-40B4-BE49-F238E27FC236}">
+                    <a16:creationId xmlns:a16="http://schemas.microsoft.com/office/drawing/2014/main" id="{334783A0-8E20-3B2B-EDB0-ED1F97382022}"/>
+                  </a:ext>
+                </a:extLst>
+              </p:cNvPr>
+              <p:cNvGrpSpPr/>
+              <p:nvPr/>
+            </p:nvGrpSpPr>
+            <p:grpSpPr>
+              <a:xfrm>
+                <a:off x="7663197" y="482747"/>
+                <a:ext cx="1426520" cy="1261641"/>
+                <a:chOff x="7551685" y="521788"/>
+                <a:chExt cx="1426520" cy="1261641"/>
+              </a:xfrm>
+            </p:grpSpPr>
+            <p:sp>
+              <p:nvSpPr>
+                <p:cNvPr id="19" name="Rectangle 18">
+                  <a:extLst>
+                    <a:ext uri="{FF2B5EF4-FFF2-40B4-BE49-F238E27FC236}">
+                      <a16:creationId xmlns:a16="http://schemas.microsoft.com/office/drawing/2014/main" id="{24FC4C96-0AF3-6055-4D86-8BBDA9ACB15B}"/>
+                    </a:ext>
+                  </a:extLst>
+                </p:cNvPr>
+                <p:cNvSpPr/>
+                <p:nvPr/>
+              </p:nvSpPr>
+              <p:spPr>
+                <a:xfrm>
+                  <a:off x="7551685" y="521788"/>
+                  <a:ext cx="1426520" cy="1261641"/>
+                </a:xfrm>
+                <a:prstGeom prst="rect">
+                  <a:avLst/>
+                </a:prstGeom>
+                <a:noFill/>
+              </p:spPr>
+              <p:style>
+                <a:lnRef idx="2">
+                  <a:schemeClr val="accent1">
+                    <a:shade val="15000"/>
+                  </a:schemeClr>
+                </a:lnRef>
+                <a:fillRef idx="1">
+                  <a:schemeClr val="accent1"/>
+                </a:fillRef>
+                <a:effectRef idx="0">
+                  <a:schemeClr val="accent1"/>
+                </a:effectRef>
+                <a:fontRef idx="minor">
+                  <a:schemeClr val="lt1"/>
+                </a:fontRef>
+              </p:style>
+              <p:txBody>
+                <a:bodyPr rtlCol="0" anchor="t"/>
+                <a:lstStyle/>
+                <a:p>
+                  <a:pPr algn="ctr"/>
+                  <a:r>
+                    <a:rPr lang="en-US" dirty="0">
+                      <a:solidFill>
+                        <a:schemeClr val="tx1"/>
+                      </a:solidFill>
+                      <a:latin typeface="Arial" panose="020B0604020202020204" pitchFamily="34" charset="0"/>
+                      <a:cs typeface="Arial" panose="020B0604020202020204" pitchFamily="34" charset="0"/>
+                    </a:rPr>
+                    <a:t>Accel DSL</a:t>
+                  </a:r>
+                </a:p>
+              </p:txBody>
+            </p:sp>
+            <p:pic>
+              <p:nvPicPr>
+                <p:cNvPr id="22" name="Picture 21" descr="A pink and black flower&#10;&#10;Description automatically generated">
+                  <a:extLst>
+                    <a:ext uri="{FF2B5EF4-FFF2-40B4-BE49-F238E27FC236}">
+                      <a16:creationId xmlns:a16="http://schemas.microsoft.com/office/drawing/2014/main" id="{C2B9D0D3-EA19-AE6F-B178-52FF618C8FD6}"/>
+                    </a:ext>
+                  </a:extLst>
+                </p:cNvPr>
+                <p:cNvPicPr>
+                  <a:picLocks noChangeAspect="1"/>
+                </p:cNvPicPr>
+                <p:nvPr/>
+              </p:nvPicPr>
+              <p:blipFill>
+                <a:blip r:embed="rId18"/>
+                <a:stretch>
+                  <a:fillRect/>
+                </a:stretch>
+              </p:blipFill>
+              <p:spPr>
+                <a:xfrm>
+                  <a:off x="7651861" y="1179609"/>
+                  <a:ext cx="539698" cy="499143"/>
+                </a:xfrm>
+                <a:prstGeom prst="rect">
+                  <a:avLst/>
+                </a:prstGeom>
+              </p:spPr>
+            </p:pic>
+            <p:pic>
+              <p:nvPicPr>
+                <p:cNvPr id="33" name="Picture 32" descr="A colorful cube with many squares&#10;&#10;Description automatically generated">
+                  <a:extLst>
+                    <a:ext uri="{FF2B5EF4-FFF2-40B4-BE49-F238E27FC236}">
+                      <a16:creationId xmlns:a16="http://schemas.microsoft.com/office/drawing/2014/main" id="{C635BD0E-34D5-C8BD-EA20-BEC13064E612}"/>
+                    </a:ext>
+                  </a:extLst>
+                </p:cNvPr>
+                <p:cNvPicPr>
+                  <a:picLocks noChangeAspect="1"/>
+                </p:cNvPicPr>
+                <p:nvPr/>
+              </p:nvPicPr>
+              <p:blipFill>
+                <a:blip r:embed="rId19"/>
+                <a:stretch>
+                  <a:fillRect/>
+                </a:stretch>
+              </p:blipFill>
+              <p:spPr>
+                <a:xfrm>
+                  <a:off x="8338331" y="1118854"/>
+                  <a:ext cx="539698" cy="620653"/>
+                </a:xfrm>
+                <a:prstGeom prst="rect">
+                  <a:avLst/>
+                </a:prstGeom>
+              </p:spPr>
+            </p:pic>
+          </p:grpSp>
+          <p:grpSp>
+            <p:nvGrpSpPr>
+              <p:cNvPr id="87" name="Group 86">
+                <a:extLst>
+                  <a:ext uri="{FF2B5EF4-FFF2-40B4-BE49-F238E27FC236}">
+                    <a16:creationId xmlns:a16="http://schemas.microsoft.com/office/drawing/2014/main" id="{41CB96FE-92D1-4926-09B1-2457A70FC4DC}"/>
+                  </a:ext>
+                </a:extLst>
+              </p:cNvPr>
+              <p:cNvGrpSpPr/>
+              <p:nvPr/>
+            </p:nvGrpSpPr>
+            <p:grpSpPr>
+              <a:xfrm>
+                <a:off x="4314268" y="482747"/>
+                <a:ext cx="1426519" cy="1261641"/>
+                <a:chOff x="4314268" y="482747"/>
+                <a:chExt cx="1426519" cy="1261641"/>
+              </a:xfrm>
+            </p:grpSpPr>
+            <p:sp>
+              <p:nvSpPr>
+                <p:cNvPr id="4" name="Rectangle 3">
+                  <a:extLst>
+                    <a:ext uri="{FF2B5EF4-FFF2-40B4-BE49-F238E27FC236}">
+                      <a16:creationId xmlns:a16="http://schemas.microsoft.com/office/drawing/2014/main" id="{C371A03E-9371-DE12-9F19-646FC0F54CF2}"/>
+                    </a:ext>
+                  </a:extLst>
+                </p:cNvPr>
+                <p:cNvSpPr/>
+                <p:nvPr/>
+              </p:nvSpPr>
+              <p:spPr>
+                <a:xfrm>
+                  <a:off x="4314268" y="482747"/>
+                  <a:ext cx="1426519" cy="1261641"/>
+                </a:xfrm>
+                <a:prstGeom prst="rect">
+                  <a:avLst/>
+                </a:prstGeom>
+                <a:noFill/>
+              </p:spPr>
+              <p:style>
+                <a:lnRef idx="2">
+                  <a:schemeClr val="accent1">
+                    <a:shade val="15000"/>
+                  </a:schemeClr>
+                </a:lnRef>
+                <a:fillRef idx="1">
+                  <a:schemeClr val="accent1"/>
+                </a:fillRef>
+                <a:effectRef idx="0">
+                  <a:schemeClr val="accent1"/>
+                </a:effectRef>
+                <a:fontRef idx="minor">
+                  <a:schemeClr val="lt1"/>
+                </a:fontRef>
+              </p:style>
+              <p:txBody>
+                <a:bodyPr rtlCol="0" anchor="t"/>
+                <a:lstStyle/>
+                <a:p>
+                  <a:pPr algn="ctr"/>
+                  <a:r>
+                    <a:rPr lang="en-US" dirty="0">
+                      <a:solidFill>
+                        <a:schemeClr val="tx1"/>
+                      </a:solidFill>
+                      <a:latin typeface="Arial" panose="020B0604020202020204" pitchFamily="34" charset="0"/>
+                      <a:cs typeface="Arial" panose="020B0604020202020204" pitchFamily="34" charset="0"/>
+                    </a:rPr>
+                    <a:t>Data Flow</a:t>
+                  </a:r>
+                </a:p>
+              </p:txBody>
+            </p:sp>
+            <p:pic>
+              <p:nvPicPr>
+                <p:cNvPr id="68" name="Graphic 67">
+                  <a:extLst>
+                    <a:ext uri="{FF2B5EF4-FFF2-40B4-BE49-F238E27FC236}">
+                      <a16:creationId xmlns:a16="http://schemas.microsoft.com/office/drawing/2014/main" id="{9B710D03-5DEC-66AB-3B7C-41D40F9437BB}"/>
+                    </a:ext>
+                  </a:extLst>
+                </p:cNvPr>
+                <p:cNvPicPr>
+                  <a:picLocks noChangeAspect="1"/>
+                </p:cNvPicPr>
+                <p:nvPr/>
+              </p:nvPicPr>
+              <p:blipFill>
+                <a:blip r:embed="rId20">
+                  <a:extLst>
+                    <a:ext uri="{96DAC541-7B7A-43D3-8B79-37D633B846F1}">
+                      <asvg:svgBlip xmlns:asvg="http://schemas.microsoft.com/office/drawing/2016/SVG/main" r:embed="rId21"/>
+                    </a:ext>
+                  </a:extLst>
+                </a:blip>
+                <a:stretch>
+                  <a:fillRect/>
+                </a:stretch>
+              </p:blipFill>
+              <p:spPr>
+                <a:xfrm>
+                  <a:off x="4784552" y="837474"/>
+                  <a:ext cx="485951" cy="421693"/>
+                </a:xfrm>
+                <a:prstGeom prst="rect">
+                  <a:avLst/>
+                </a:prstGeom>
+              </p:spPr>
+            </p:pic>
+            <p:pic>
+              <p:nvPicPr>
+                <p:cNvPr id="86" name="Picture 85" descr="A computer screen shot of a computer&#10;&#10;Description automatically generated">
+                  <a:extLst>
+                    <a:ext uri="{FF2B5EF4-FFF2-40B4-BE49-F238E27FC236}">
+                      <a16:creationId xmlns:a16="http://schemas.microsoft.com/office/drawing/2014/main" id="{1BB466CC-6033-6216-A706-5488ABFA9649}"/>
+                    </a:ext>
+                  </a:extLst>
+                </p:cNvPr>
+                <p:cNvPicPr>
+                  <a:picLocks noChangeAspect="1"/>
+                </p:cNvPicPr>
+                <p:nvPr/>
+              </p:nvPicPr>
+              <p:blipFill>
+                <a:blip r:embed="rId22"/>
+                <a:stretch>
+                  <a:fillRect/>
+                </a:stretch>
+              </p:blipFill>
+              <p:spPr>
+                <a:xfrm>
+                  <a:off x="4607938" y="1437786"/>
+                  <a:ext cx="839179" cy="186317"/>
+                </a:xfrm>
+                <a:prstGeom prst="rect">
+                  <a:avLst/>
+                </a:prstGeom>
+              </p:spPr>
+            </p:pic>
+          </p:grpSp>
+        </p:grpSp>
+        <p:cxnSp>
+          <p:nvCxnSpPr>
+            <p:cNvPr id="90" name="Straight Arrow Connector 89">
+              <a:extLst>
+                <a:ext uri="{FF2B5EF4-FFF2-40B4-BE49-F238E27FC236}">
+                  <a16:creationId xmlns:a16="http://schemas.microsoft.com/office/drawing/2014/main" id="{32EA4006-9B20-E8C9-1E83-94452DB596EE}"/>
+                </a:ext>
+              </a:extLst>
+            </p:cNvPr>
+            <p:cNvCxnSpPr>
+              <a:stCxn id="9" idx="2"/>
+              <a:endCxn id="11" idx="0"/>
+            </p:cNvCxnSpPr>
+            <p:nvPr/>
+          </p:nvCxnSpPr>
+          <p:spPr>
+            <a:xfrm>
+              <a:off x="6709806" y="3674057"/>
+              <a:ext cx="0" cy="808734"/>
+            </a:xfrm>
+            <a:prstGeom prst="straightConnector1">
+              <a:avLst/>
+            </a:prstGeom>
+            <a:ln>
+              <a:solidFill>
+                <a:schemeClr val="tx1"/>
+              </a:solidFill>
+              <a:tailEnd type="triangle"/>
+            </a:ln>
+          </p:spPr>
+          <p:style>
+            <a:lnRef idx="2">
+              <a:schemeClr val="accent1"/>
+            </a:lnRef>
+            <a:fillRef idx="0">
+              <a:schemeClr val="accent1"/>
+            </a:fillRef>
+            <a:effectRef idx="1">
+              <a:schemeClr val="accent1"/>
+            </a:effectRef>
+            <a:fontRef idx="minor">
+              <a:schemeClr val="tx1"/>
+            </a:fontRef>
+          </p:style>
+        </p:cxnSp>
+        <p:cxnSp>
+          <p:nvCxnSpPr>
+            <p:cNvPr id="92" name="Straight Arrow Connector 91">
+              <a:extLst>
+                <a:ext uri="{FF2B5EF4-FFF2-40B4-BE49-F238E27FC236}">
+                  <a16:creationId xmlns:a16="http://schemas.microsoft.com/office/drawing/2014/main" id="{FA2EA410-0878-7272-7C0C-AB7162655788}"/>
+                </a:ext>
+              </a:extLst>
+            </p:cNvPr>
+            <p:cNvCxnSpPr>
+              <a:stCxn id="9" idx="2"/>
+              <a:endCxn id="5" idx="0"/>
+            </p:cNvCxnSpPr>
+            <p:nvPr/>
+          </p:nvCxnSpPr>
+          <p:spPr>
+            <a:xfrm flipH="1">
+              <a:off x="4609388" y="3674057"/>
+              <a:ext cx="2100418" cy="808734"/>
+            </a:xfrm>
+            <a:prstGeom prst="straightConnector1">
+              <a:avLst/>
+            </a:prstGeom>
+            <a:ln>
+              <a:solidFill>
+                <a:schemeClr val="tx1"/>
+              </a:solidFill>
+              <a:tailEnd type="triangle"/>
+            </a:ln>
+          </p:spPr>
+          <p:style>
+            <a:lnRef idx="2">
+              <a:schemeClr val="accent1"/>
+            </a:lnRef>
+            <a:fillRef idx="0">
+              <a:schemeClr val="accent1"/>
+            </a:fillRef>
+            <a:effectRef idx="1">
+              <a:schemeClr val="accent1"/>
+            </a:effectRef>
+            <a:fontRef idx="minor">
+              <a:schemeClr val="tx1"/>
+            </a:fontRef>
+          </p:style>
+        </p:cxnSp>
+        <p:cxnSp>
+          <p:nvCxnSpPr>
+            <p:cNvPr id="94" name="Straight Arrow Connector 93">
+              <a:extLst>
+                <a:ext uri="{FF2B5EF4-FFF2-40B4-BE49-F238E27FC236}">
+                  <a16:creationId xmlns:a16="http://schemas.microsoft.com/office/drawing/2014/main" id="{12DC7616-C8B7-5DA2-2D46-8BD133CAF398}"/>
+                </a:ext>
+              </a:extLst>
+            </p:cNvPr>
+            <p:cNvCxnSpPr>
+              <a:stCxn id="9" idx="2"/>
+              <a:endCxn id="12" idx="0"/>
+            </p:cNvCxnSpPr>
+            <p:nvPr/>
+          </p:nvCxnSpPr>
+          <p:spPr>
+            <a:xfrm>
+              <a:off x="6709806" y="3674057"/>
+              <a:ext cx="2100419" cy="808734"/>
+            </a:xfrm>
+            <a:prstGeom prst="straightConnector1">
+              <a:avLst/>
+            </a:prstGeom>
+            <a:ln>
+              <a:solidFill>
+                <a:schemeClr val="tx1"/>
+              </a:solidFill>
+              <a:tailEnd type="triangle"/>
+            </a:ln>
+          </p:spPr>
+          <p:style>
+            <a:lnRef idx="2">
+              <a:schemeClr val="accent1"/>
+            </a:lnRef>
+            <a:fillRef idx="0">
+              <a:schemeClr val="accent1"/>
+            </a:fillRef>
+            <a:effectRef idx="1">
+              <a:schemeClr val="accent1"/>
+            </a:effectRef>
+            <a:fontRef idx="minor">
+              <a:schemeClr val="tx1"/>
+            </a:fontRef>
+          </p:style>
+        </p:cxnSp>
+        <p:cxnSp>
+          <p:nvCxnSpPr>
+            <p:cNvPr id="97" name="Straight Connector 96">
+              <a:extLst>
+                <a:ext uri="{FF2B5EF4-FFF2-40B4-BE49-F238E27FC236}">
+                  <a16:creationId xmlns:a16="http://schemas.microsoft.com/office/drawing/2014/main" id="{5C05EBEC-EE76-F99F-510F-C3CBB4275E71}"/>
+                </a:ext>
+              </a:extLst>
+            </p:cNvPr>
+            <p:cNvCxnSpPr>
+              <a:cxnSpLocks/>
+            </p:cNvCxnSpPr>
+            <p:nvPr/>
+          </p:nvCxnSpPr>
+          <p:spPr>
+            <a:xfrm>
+              <a:off x="2650888" y="1984917"/>
+              <a:ext cx="8340860" cy="0"/>
+            </a:xfrm>
+            <a:prstGeom prst="line">
+              <a:avLst/>
+            </a:prstGeom>
+            <a:ln w="76200">
+              <a:solidFill>
+                <a:srgbClr val="C00000"/>
+              </a:solidFill>
+              <a:prstDash val="sysDot"/>
+            </a:ln>
+          </p:spPr>
+          <p:style>
+            <a:lnRef idx="2">
+              <a:schemeClr val="accent1"/>
+            </a:lnRef>
+            <a:fillRef idx="0">
+              <a:schemeClr val="accent1"/>
+            </a:fillRef>
+            <a:effectRef idx="1">
+              <a:schemeClr val="accent1"/>
+            </a:effectRef>
+            <a:fontRef idx="minor">
+              <a:schemeClr val="tx1"/>
+            </a:fontRef>
+          </p:style>
+        </p:cxnSp>
+        <p:cxnSp>
+          <p:nvCxnSpPr>
+            <p:cNvPr id="98" name="Straight Connector 97">
+              <a:extLst>
+                <a:ext uri="{FF2B5EF4-FFF2-40B4-BE49-F238E27FC236}">
+                  <a16:creationId xmlns:a16="http://schemas.microsoft.com/office/drawing/2014/main" id="{1123DA2B-6034-239F-D1E9-09817A33D774}"/>
+                </a:ext>
+              </a:extLst>
+            </p:cNvPr>
+            <p:cNvCxnSpPr>
+              <a:cxnSpLocks/>
+            </p:cNvCxnSpPr>
+            <p:nvPr/>
+          </p:nvCxnSpPr>
+          <p:spPr>
+            <a:xfrm>
+              <a:off x="2741983" y="4078424"/>
+              <a:ext cx="8249765" cy="0"/>
+            </a:xfrm>
+            <a:prstGeom prst="line">
+              <a:avLst/>
+            </a:prstGeom>
+            <a:ln w="76200">
+              <a:solidFill>
+                <a:srgbClr val="C00000"/>
+              </a:solidFill>
+              <a:prstDash val="sysDot"/>
+            </a:ln>
+          </p:spPr>
+          <p:style>
+            <a:lnRef idx="2">
+              <a:schemeClr val="accent1"/>
+            </a:lnRef>
+            <a:fillRef idx="0">
+              <a:schemeClr val="accent1"/>
+            </a:fillRef>
+            <a:effectRef idx="1">
+              <a:schemeClr val="accent1"/>
+            </a:effectRef>
+            <a:fontRef idx="minor">
+              <a:schemeClr val="tx1"/>
+            </a:fontRef>
+          </p:style>
+        </p:cxnSp>
+        <p:grpSp>
+          <p:nvGrpSpPr>
+            <p:cNvPr id="117" name="Group 116">
+              <a:extLst>
+                <a:ext uri="{FF2B5EF4-FFF2-40B4-BE49-F238E27FC236}">
+                  <a16:creationId xmlns:a16="http://schemas.microsoft.com/office/drawing/2014/main" id="{6A949848-7971-1EC3-D305-B42AEE89A00F}"/>
+                </a:ext>
+              </a:extLst>
+            </p:cNvPr>
+            <p:cNvGrpSpPr/>
+            <p:nvPr/>
+          </p:nvGrpSpPr>
+          <p:grpSpPr>
+            <a:xfrm>
+              <a:off x="3336511" y="1563602"/>
+              <a:ext cx="953839" cy="3120232"/>
+              <a:chOff x="3426800" y="1494234"/>
+              <a:chExt cx="953839" cy="3120232"/>
+            </a:xfrm>
+          </p:grpSpPr>
+          <p:sp>
+            <p:nvSpPr>
+              <p:cNvPr id="115" name="Curved Left Arrow 114">
+                <a:extLst>
+                  <a:ext uri="{FF2B5EF4-FFF2-40B4-BE49-F238E27FC236}">
+                    <a16:creationId xmlns:a16="http://schemas.microsoft.com/office/drawing/2014/main" id="{E66EAF1A-3CAD-B89E-45B9-72B3EB216212}"/>
+                  </a:ext>
+                </a:extLst>
+              </p:cNvPr>
+              <p:cNvSpPr/>
+              <p:nvPr/>
+            </p:nvSpPr>
+            <p:spPr>
+              <a:xfrm rot="20175931">
+                <a:off x="3943527" y="1494234"/>
+                <a:ext cx="437112" cy="3015004"/>
+              </a:xfrm>
+              <a:prstGeom prst="curvedLeftArrow">
+                <a:avLst>
+                  <a:gd name="adj1" fmla="val 0"/>
+                  <a:gd name="adj2" fmla="val 50515"/>
+                  <a:gd name="adj3" fmla="val 25000"/>
+                </a:avLst>
+              </a:prstGeom>
+            </p:spPr>
+            <p:style>
+              <a:lnRef idx="2">
+                <a:schemeClr val="accent1">
+                  <a:shade val="15000"/>
+                </a:schemeClr>
+              </a:lnRef>
+              <a:fillRef idx="1">
+                <a:schemeClr val="accent1"/>
+              </a:fillRef>
+              <a:effectRef idx="0">
+                <a:schemeClr val="accent1"/>
+              </a:effectRef>
+              <a:fontRef idx="minor">
+                <a:schemeClr val="lt1"/>
+              </a:fontRef>
+            </p:style>
+            <p:txBody>
+              <a:bodyPr rtlCol="0" anchor="ctr"/>
+              <a:lstStyle/>
+              <a:p>
+                <a:pPr algn="ctr"/>
+                <a:endParaRPr lang="en-US">
+                  <a:solidFill>
+                    <a:schemeClr val="tx1"/>
+                  </a:solidFill>
+                  <a:latin typeface="Arial" panose="020B0604020202020204" pitchFamily="34" charset="0"/>
+                  <a:cs typeface="Arial" panose="020B0604020202020204" pitchFamily="34" charset="0"/>
+                </a:endParaRPr>
+              </a:p>
+            </p:txBody>
+          </p:sp>
+          <p:sp>
+            <p:nvSpPr>
+              <p:cNvPr id="116" name="Curved Left Arrow 115">
+                <a:extLst>
+                  <a:ext uri="{FF2B5EF4-FFF2-40B4-BE49-F238E27FC236}">
+                    <a16:creationId xmlns:a16="http://schemas.microsoft.com/office/drawing/2014/main" id="{524A1560-5BDF-971A-866B-440099CC2388}"/>
+                  </a:ext>
+                </a:extLst>
+              </p:cNvPr>
+              <p:cNvSpPr/>
+              <p:nvPr/>
+            </p:nvSpPr>
+            <p:spPr>
+              <a:xfrm rot="9363117">
+                <a:off x="3426800" y="1577207"/>
+                <a:ext cx="508709" cy="3037259"/>
+              </a:xfrm>
+              <a:prstGeom prst="curvedLeftArrow">
+                <a:avLst>
+                  <a:gd name="adj1" fmla="val 0"/>
+                  <a:gd name="adj2" fmla="val 50515"/>
+                  <a:gd name="adj3" fmla="val 25000"/>
+                </a:avLst>
+              </a:prstGeom>
+            </p:spPr>
+            <p:style>
+              <a:lnRef idx="2">
+                <a:schemeClr val="accent1">
+                  <a:shade val="15000"/>
+                </a:schemeClr>
+              </a:lnRef>
+              <a:fillRef idx="1">
+                <a:schemeClr val="accent1"/>
+              </a:fillRef>
+              <a:effectRef idx="0">
+                <a:schemeClr val="accent1"/>
+              </a:effectRef>
+              <a:fontRef idx="minor">
+                <a:schemeClr val="lt1"/>
+              </a:fontRef>
+            </p:style>
+            <p:txBody>
+              <a:bodyPr rtlCol="0" anchor="ctr"/>
+              <a:lstStyle/>
+              <a:p>
+                <a:pPr algn="ctr"/>
+                <a:endParaRPr lang="en-US">
+                  <a:solidFill>
+                    <a:schemeClr val="tx1"/>
+                  </a:solidFill>
+                  <a:latin typeface="Arial" panose="020B0604020202020204" pitchFamily="34" charset="0"/>
+                  <a:cs typeface="Arial" panose="020B0604020202020204" pitchFamily="34" charset="0"/>
+                </a:endParaRPr>
+              </a:p>
+            </p:txBody>
+          </p:sp>
+        </p:grpSp>
+        <p:sp>
+          <p:nvSpPr>
+            <p:cNvPr id="122" name="TextBox 121">
+              <a:extLst>
+                <a:ext uri="{FF2B5EF4-FFF2-40B4-BE49-F238E27FC236}">
+                  <a16:creationId xmlns:a16="http://schemas.microsoft.com/office/drawing/2014/main" id="{F745D5A8-AB24-1950-1030-754AEA71CEBE}"/>
+                </a:ext>
+              </a:extLst>
+            </p:cNvPr>
+            <p:cNvSpPr txBox="1"/>
+            <p:nvPr/>
+          </p:nvSpPr>
+          <p:spPr>
+            <a:xfrm>
+              <a:off x="3519648" y="2837515"/>
+              <a:ext cx="491247" cy="523220"/>
+            </a:xfrm>
+            <a:prstGeom prst="rect">
+              <a:avLst/>
+            </a:prstGeom>
+            <a:noFill/>
+          </p:spPr>
+          <p:txBody>
+            <a:bodyPr wrap="square">
+              <a:spAutoFit/>
+            </a:bodyPr>
+            <a:lstStyle/>
+            <a:p>
+              <a:r>
+                <a:rPr lang="en-US" sz="2800" dirty="0">
+                  <a:latin typeface="Arial" panose="020B0604020202020204" pitchFamily="34" charset="0"/>
+                  <a:cs typeface="Arial" panose="020B0604020202020204" pitchFamily="34" charset="0"/>
+                </a:rPr>
+                <a:t>①</a:t>
+              </a:r>
+            </a:p>
+          </p:txBody>
+        </p:sp>
+        <p:sp>
+          <p:nvSpPr>
+            <p:cNvPr id="126" name="TextBox 125">
+              <a:extLst>
+                <a:ext uri="{FF2B5EF4-FFF2-40B4-BE49-F238E27FC236}">
+                  <a16:creationId xmlns:a16="http://schemas.microsoft.com/office/drawing/2014/main" id="{265484B6-927C-851D-C611-636072480B8E}"/>
+                </a:ext>
+              </a:extLst>
+            </p:cNvPr>
+            <p:cNvSpPr txBox="1"/>
+            <p:nvPr/>
+          </p:nvSpPr>
+          <p:spPr>
+            <a:xfrm>
+              <a:off x="10973011" y="1723307"/>
+              <a:ext cx="559341" cy="523220"/>
+            </a:xfrm>
+            <a:prstGeom prst="rect">
+              <a:avLst/>
+            </a:prstGeom>
+            <a:noFill/>
+          </p:spPr>
+          <p:txBody>
+            <a:bodyPr wrap="square">
+              <a:spAutoFit/>
+            </a:bodyPr>
+            <a:lstStyle/>
+            <a:p>
+              <a:r>
+                <a:rPr lang="en-US" sz="2800" dirty="0">
+                  <a:latin typeface="Arial" panose="020B0604020202020204" pitchFamily="34" charset="0"/>
+                  <a:cs typeface="Arial" panose="020B0604020202020204" pitchFamily="34" charset="0"/>
+                </a:rPr>
+                <a:t>②</a:t>
+              </a:r>
+            </a:p>
+          </p:txBody>
+        </p:sp>
+        <p:sp>
+          <p:nvSpPr>
+            <p:cNvPr id="132" name="TextBox 131">
+              <a:extLst>
+                <a:ext uri="{FF2B5EF4-FFF2-40B4-BE49-F238E27FC236}">
+                  <a16:creationId xmlns:a16="http://schemas.microsoft.com/office/drawing/2014/main" id="{756A3AB4-0E1E-916F-43A5-3B90DCB60D88}"/>
+                </a:ext>
+              </a:extLst>
+            </p:cNvPr>
+            <p:cNvSpPr txBox="1"/>
+            <p:nvPr/>
+          </p:nvSpPr>
+          <p:spPr>
+            <a:xfrm>
+              <a:off x="7431028" y="2843690"/>
+              <a:ext cx="491247" cy="523220"/>
+            </a:xfrm>
+            <a:prstGeom prst="rect">
+              <a:avLst/>
+            </a:prstGeom>
+            <a:noFill/>
+          </p:spPr>
+          <p:txBody>
+            <a:bodyPr wrap="square">
+              <a:spAutoFit/>
+            </a:bodyPr>
+            <a:lstStyle/>
+            <a:p>
+              <a:r>
+                <a:rPr lang="en-US" sz="2800" dirty="0">
+                  <a:latin typeface="Arial" panose="020B0604020202020204" pitchFamily="34" charset="0"/>
+                  <a:cs typeface="Arial" panose="020B0604020202020204" pitchFamily="34" charset="0"/>
+                </a:rPr>
+                <a:t>③</a:t>
+              </a:r>
+            </a:p>
+          </p:txBody>
+        </p:sp>
+      </p:grpSp>
+    </p:spTree>
+    <p:extLst>
+      <p:ext uri="{BB962C8B-B14F-4D97-AF65-F5344CB8AC3E}">
+        <p14:creationId xmlns:p14="http://schemas.microsoft.com/office/powerpoint/2010/main" val="3977559892"/>
+      </p:ext>
+    </p:extLst>
+  </p:cSld>
+  <p:clrMapOvr>
+    <a:masterClrMapping/>
+  </p:clrMapOvr>
+</p:sld>
+</file>
+
+<file path=ppt/slides/slide14.xml><?xml version="1.0" encoding="utf-8"?>
+<p:sld xmlns:a="http://schemas.openxmlformats.org/drawingml/2006/main" xmlns:r="http://schemas.openxmlformats.org/officeDocument/2006/relationships" xmlns:p="http://schemas.openxmlformats.org/presentationml/2006/main">
+  <p:cSld>
+    <p:spTree>
+      <p:nvGrpSpPr>
+        <p:cNvPr id="1" name=""/>
+        <p:cNvGrpSpPr/>
+        <p:nvPr/>
+      </p:nvGrpSpPr>
+      <p:grpSpPr>
+        <a:xfrm>
+          <a:off x="0" y="0"/>
+          <a:ext cx="0" cy="0"/>
+          <a:chOff x="0" y="0"/>
+          <a:chExt cx="0" cy="0"/>
+        </a:xfrm>
+      </p:grpSpPr>
+      <p:grpSp>
+        <p:nvGrpSpPr>
+          <p:cNvPr id="43" name="Group 42">
+            <a:extLst>
+              <a:ext uri="{FF2B5EF4-FFF2-40B4-BE49-F238E27FC236}">
+                <a16:creationId xmlns:a16="http://schemas.microsoft.com/office/drawing/2014/main" id="{F24DB118-E1D2-871D-A115-0244FEE5A622}"/>
+              </a:ext>
+            </a:extLst>
+          </p:cNvPr>
+          <p:cNvGrpSpPr/>
+          <p:nvPr/>
+        </p:nvGrpSpPr>
+        <p:grpSpPr>
+          <a:xfrm>
+            <a:off x="514350" y="342899"/>
+            <a:ext cx="5521060" cy="4781160"/>
+            <a:chOff x="514350" y="342899"/>
+            <a:chExt cx="5521060" cy="4781160"/>
+          </a:xfrm>
+        </p:grpSpPr>
+        <p:grpSp>
+          <p:nvGrpSpPr>
+            <p:cNvPr id="17" name="Group 16">
+              <a:extLst>
+                <a:ext uri="{FF2B5EF4-FFF2-40B4-BE49-F238E27FC236}">
+                  <a16:creationId xmlns:a16="http://schemas.microsoft.com/office/drawing/2014/main" id="{EC3726C6-0924-62FC-FD1A-2451C4E1B219}"/>
+                </a:ext>
+              </a:extLst>
+            </p:cNvPr>
+            <p:cNvGrpSpPr/>
+            <p:nvPr/>
+          </p:nvGrpSpPr>
+          <p:grpSpPr>
+            <a:xfrm>
+              <a:off x="514350" y="342900"/>
+              <a:ext cx="2500313" cy="1400175"/>
+              <a:chOff x="514350" y="342900"/>
+              <a:chExt cx="2500313" cy="1400175"/>
+            </a:xfrm>
+          </p:grpSpPr>
+          <p:grpSp>
+            <p:nvGrpSpPr>
+              <p:cNvPr id="14" name="Group 13">
+                <a:extLst>
+                  <a:ext uri="{FF2B5EF4-FFF2-40B4-BE49-F238E27FC236}">
+                    <a16:creationId xmlns:a16="http://schemas.microsoft.com/office/drawing/2014/main" id="{44A455CE-A0EF-BC1D-4592-8102983BFEA6}"/>
+                  </a:ext>
+                </a:extLst>
+              </p:cNvPr>
+              <p:cNvGrpSpPr/>
+              <p:nvPr/>
+            </p:nvGrpSpPr>
+            <p:grpSpPr>
+              <a:xfrm>
+                <a:off x="782084" y="643379"/>
+                <a:ext cx="2004106" cy="858733"/>
+                <a:chOff x="-46591" y="1599014"/>
+                <a:chExt cx="2004106" cy="858733"/>
+              </a:xfrm>
+            </p:grpSpPr>
+            <p:pic>
+              <p:nvPicPr>
+                <p:cNvPr id="9" name="Picture 8" descr="A pink and black flower&#10;&#10;Description automatically generated">
+                  <a:extLst>
+                    <a:ext uri="{FF2B5EF4-FFF2-40B4-BE49-F238E27FC236}">
+                      <a16:creationId xmlns:a16="http://schemas.microsoft.com/office/drawing/2014/main" id="{9B29DCE0-AB64-3F43-F24E-6708BC93CAD4}"/>
+                    </a:ext>
+                  </a:extLst>
+                </p:cNvPr>
+                <p:cNvPicPr>
+                  <a:picLocks noChangeAspect="1"/>
+                </p:cNvPicPr>
+                <p:nvPr/>
+              </p:nvPicPr>
+              <p:blipFill>
+                <a:blip r:embed="rId2"/>
+                <a:stretch>
+                  <a:fillRect/>
+                </a:stretch>
+              </p:blipFill>
+              <p:spPr>
+                <a:xfrm>
+                  <a:off x="206109" y="1608208"/>
+                  <a:ext cx="379457" cy="350943"/>
+                </a:xfrm>
+                <a:prstGeom prst="rect">
+                  <a:avLst/>
+                </a:prstGeom>
+              </p:spPr>
+            </p:pic>
+            <p:pic>
+              <p:nvPicPr>
+                <p:cNvPr id="11" name="Graphic 10">
+                  <a:extLst>
+                    <a:ext uri="{FF2B5EF4-FFF2-40B4-BE49-F238E27FC236}">
+                      <a16:creationId xmlns:a16="http://schemas.microsoft.com/office/drawing/2014/main" id="{D4F6EF08-7D85-15DC-BDD3-B876FF7CFF17}"/>
+                    </a:ext>
+                  </a:extLst>
+                </p:cNvPr>
+                <p:cNvPicPr>
+                  <a:picLocks noChangeAspect="1"/>
+                </p:cNvPicPr>
+                <p:nvPr/>
+              </p:nvPicPr>
+              <p:blipFill>
+                <a:blip r:embed="rId3">
+                  <a:extLst>
+                    <a:ext uri="{96DAC541-7B7A-43D3-8B79-37D633B846F1}">
+                      <asvg:svgBlip xmlns:asvg="http://schemas.microsoft.com/office/drawing/2016/SVG/main" r:embed="rId4"/>
+                    </a:ext>
+                  </a:extLst>
+                </a:blip>
+                <a:stretch>
+                  <a:fillRect/>
+                </a:stretch>
+              </p:blipFill>
+              <p:spPr>
+                <a:xfrm>
+                  <a:off x="1220822" y="2088415"/>
+                  <a:ext cx="621869" cy="329861"/>
+                </a:xfrm>
+                <a:prstGeom prst="rect">
+                  <a:avLst/>
+                </a:prstGeom>
+              </p:spPr>
+            </p:pic>
+            <p:sp>
+              <p:nvSpPr>
+                <p:cNvPr id="12" name="TextBox 11">
+                  <a:extLst>
+                    <a:ext uri="{FF2B5EF4-FFF2-40B4-BE49-F238E27FC236}">
+                      <a16:creationId xmlns:a16="http://schemas.microsoft.com/office/drawing/2014/main" id="{4C71F519-7665-F7EC-3499-1F0C67104F71}"/>
+                    </a:ext>
+                  </a:extLst>
+                </p:cNvPr>
+                <p:cNvSpPr txBox="1"/>
+                <p:nvPr/>
+              </p:nvSpPr>
+              <p:spPr>
+                <a:xfrm>
+                  <a:off x="1106000" y="1599014"/>
+                  <a:ext cx="851515" cy="369332"/>
+                </a:xfrm>
+                <a:prstGeom prst="rect">
+                  <a:avLst/>
+                </a:prstGeom>
+                <a:noFill/>
+              </p:spPr>
+              <p:txBody>
+                <a:bodyPr wrap="none" rtlCol="0">
+                  <a:spAutoFit/>
+                </a:bodyPr>
+                <a:lstStyle/>
+                <a:p>
+                  <a:r>
+                    <a:rPr lang="en-US" dirty="0">
+                      <a:latin typeface="Arial" panose="020B0604020202020204" pitchFamily="34" charset="0"/>
+                      <a:cs typeface="Arial" panose="020B0604020202020204" pitchFamily="34" charset="0"/>
+                    </a:rPr>
+                    <a:t>Spade</a:t>
+                  </a:r>
+                </a:p>
+              </p:txBody>
+            </p:sp>
+            <p:sp>
+              <p:nvSpPr>
+                <p:cNvPr id="13" name="TextBox 12">
+                  <a:extLst>
+                    <a:ext uri="{FF2B5EF4-FFF2-40B4-BE49-F238E27FC236}">
+                      <a16:creationId xmlns:a16="http://schemas.microsoft.com/office/drawing/2014/main" id="{E0A5FF8B-CBFE-A86F-5BA9-C183DA302FD1}"/>
+                    </a:ext>
+                  </a:extLst>
+                </p:cNvPr>
+                <p:cNvSpPr txBox="1"/>
+                <p:nvPr/>
+              </p:nvSpPr>
+              <p:spPr>
+                <a:xfrm>
+                  <a:off x="-46591" y="2088415"/>
+                  <a:ext cx="1249060" cy="369332"/>
+                </a:xfrm>
+                <a:prstGeom prst="rect">
+                  <a:avLst/>
+                </a:prstGeom>
+                <a:noFill/>
+              </p:spPr>
+              <p:txBody>
+                <a:bodyPr wrap="square" rtlCol="0">
+                  <a:spAutoFit/>
+                </a:bodyPr>
+                <a:lstStyle/>
+                <a:p>
+                  <a:r>
+                    <a:rPr lang="en-US" dirty="0" err="1">
+                      <a:latin typeface="Arial" panose="020B0604020202020204" pitchFamily="34" charset="0"/>
+                      <a:cs typeface="Arial" panose="020B0604020202020204" pitchFamily="34" charset="0"/>
+                    </a:rPr>
+                    <a:t>Shakeflow</a:t>
+                  </a:r>
+                  <a:endParaRPr lang="en-US" dirty="0">
+                    <a:latin typeface="Arial" panose="020B0604020202020204" pitchFamily="34" charset="0"/>
+                    <a:cs typeface="Arial" panose="020B0604020202020204" pitchFamily="34" charset="0"/>
+                  </a:endParaRPr>
+                </a:p>
+              </p:txBody>
+            </p:sp>
+          </p:grpSp>
+          <p:sp>
+            <p:nvSpPr>
+              <p:cNvPr id="16" name="Rectangle 15">
+                <a:extLst>
+                  <a:ext uri="{FF2B5EF4-FFF2-40B4-BE49-F238E27FC236}">
+                    <a16:creationId xmlns:a16="http://schemas.microsoft.com/office/drawing/2014/main" id="{099D0E25-CD98-2F37-AFC6-9195310527FE}"/>
+                  </a:ext>
+                </a:extLst>
+              </p:cNvPr>
+              <p:cNvSpPr/>
+              <p:nvPr/>
+            </p:nvSpPr>
+            <p:spPr>
+              <a:xfrm>
+                <a:off x="514350" y="342900"/>
+                <a:ext cx="2500313" cy="1400175"/>
+              </a:xfrm>
+              <a:prstGeom prst="rect">
+                <a:avLst/>
+              </a:prstGeom>
+              <a:noFill/>
+              <a:ln w="28575">
+                <a:solidFill>
+                  <a:schemeClr val="tx1"/>
+                </a:solidFill>
+              </a:ln>
+            </p:spPr>
+            <p:style>
+              <a:lnRef idx="2">
+                <a:schemeClr val="accent1">
+                  <a:shade val="15000"/>
+                </a:schemeClr>
+              </a:lnRef>
+              <a:fillRef idx="1">
+                <a:schemeClr val="accent1"/>
+              </a:fillRef>
+              <a:effectRef idx="0">
+                <a:schemeClr val="accent1"/>
+              </a:effectRef>
+              <a:fontRef idx="minor">
+                <a:schemeClr val="lt1"/>
+              </a:fontRef>
+            </p:style>
+            <p:txBody>
+              <a:bodyPr rtlCol="0" anchor="ctr"/>
+              <a:lstStyle/>
+              <a:p>
+                <a:pPr algn="ctr"/>
+                <a:endParaRPr lang="en-US"/>
+              </a:p>
+            </p:txBody>
+          </p:sp>
+        </p:grpSp>
+        <p:grpSp>
+          <p:nvGrpSpPr>
+            <p:cNvPr id="19" name="Group 18">
+              <a:extLst>
+                <a:ext uri="{FF2B5EF4-FFF2-40B4-BE49-F238E27FC236}">
+                  <a16:creationId xmlns:a16="http://schemas.microsoft.com/office/drawing/2014/main" id="{383E4663-B0C4-6364-3CEB-302E7221C5A3}"/>
+                </a:ext>
+              </a:extLst>
+            </p:cNvPr>
+            <p:cNvGrpSpPr/>
+            <p:nvPr/>
+          </p:nvGrpSpPr>
+          <p:grpSpPr>
+            <a:xfrm>
+              <a:off x="3535097" y="342899"/>
+              <a:ext cx="2500313" cy="1400175"/>
+              <a:chOff x="4256186" y="432692"/>
+              <a:chExt cx="2500313" cy="1400175"/>
+            </a:xfrm>
+          </p:grpSpPr>
+          <p:grpSp>
+            <p:nvGrpSpPr>
+              <p:cNvPr id="15" name="Group 14">
+                <a:extLst>
+                  <a:ext uri="{FF2B5EF4-FFF2-40B4-BE49-F238E27FC236}">
+                    <a16:creationId xmlns:a16="http://schemas.microsoft.com/office/drawing/2014/main" id="{335F4E66-AF36-1852-9763-D13FFAFD5DE9}"/>
+                  </a:ext>
+                </a:extLst>
+              </p:cNvPr>
+              <p:cNvGrpSpPr/>
+              <p:nvPr/>
+            </p:nvGrpSpPr>
+            <p:grpSpPr>
+              <a:xfrm>
+                <a:off x="4682571" y="707468"/>
+                <a:ext cx="1777132" cy="850624"/>
+                <a:chOff x="6997146" y="1813089"/>
+                <a:chExt cx="1777132" cy="850624"/>
+              </a:xfrm>
+            </p:grpSpPr>
+            <p:pic>
+              <p:nvPicPr>
+                <p:cNvPr id="3" name="Picture 2" descr="A red and black logo&#10;&#10;Description automatically generated">
+                  <a:extLst>
+                    <a:ext uri="{FF2B5EF4-FFF2-40B4-BE49-F238E27FC236}">
+                      <a16:creationId xmlns:a16="http://schemas.microsoft.com/office/drawing/2014/main" id="{5112EEF7-8827-1C6C-99E6-6EF2F5379B57}"/>
+                    </a:ext>
+                  </a:extLst>
+                </p:cNvPr>
+                <p:cNvPicPr>
+                  <a:picLocks noChangeAspect="1"/>
+                </p:cNvPicPr>
+                <p:nvPr/>
+              </p:nvPicPr>
+              <p:blipFill>
+                <a:blip r:embed="rId5"/>
+                <a:stretch>
+                  <a:fillRect/>
+                </a:stretch>
+              </p:blipFill>
+              <p:spPr>
+                <a:xfrm>
+                  <a:off x="6997146" y="1813089"/>
+                  <a:ext cx="823772" cy="310513"/>
+                </a:xfrm>
+                <a:prstGeom prst="rect">
+                  <a:avLst/>
+                </a:prstGeom>
+              </p:spPr>
+            </p:pic>
+            <p:pic>
+              <p:nvPicPr>
+                <p:cNvPr id="5" name="Graphic 4">
+                  <a:extLst>
+                    <a:ext uri="{FF2B5EF4-FFF2-40B4-BE49-F238E27FC236}">
+                      <a16:creationId xmlns:a16="http://schemas.microsoft.com/office/drawing/2014/main" id="{84D46EF2-7A6F-642D-D106-87C62470EC86}"/>
+                    </a:ext>
+                  </a:extLst>
+                </p:cNvPr>
+                <p:cNvPicPr>
+                  <a:picLocks noChangeAspect="1"/>
+                </p:cNvPicPr>
+                <p:nvPr/>
+              </p:nvPicPr>
+              <p:blipFill>
+                <a:blip r:embed="rId6">
+                  <a:extLst>
+                    <a:ext uri="{96DAC541-7B7A-43D3-8B79-37D633B846F1}">
+                      <asvg:svgBlip xmlns:asvg="http://schemas.microsoft.com/office/drawing/2016/SVG/main" r:embed="rId7"/>
+                    </a:ext>
+                  </a:extLst>
+                </a:blip>
+                <a:stretch>
+                  <a:fillRect/>
+                </a:stretch>
+              </p:blipFill>
+              <p:spPr>
+                <a:xfrm>
+                  <a:off x="6997147" y="2333852"/>
+                  <a:ext cx="823771" cy="329861"/>
+                </a:xfrm>
+                <a:prstGeom prst="rect">
+                  <a:avLst/>
+                </a:prstGeom>
+              </p:spPr>
+            </p:pic>
+            <p:pic>
+              <p:nvPicPr>
+                <p:cNvPr id="7" name="Picture 6" descr="A blue and yellow lines on a black background&#10;&#10;Description automatically generated">
+                  <a:extLst>
+                    <a:ext uri="{FF2B5EF4-FFF2-40B4-BE49-F238E27FC236}">
+                      <a16:creationId xmlns:a16="http://schemas.microsoft.com/office/drawing/2014/main" id="{BAA4F9DD-ABE8-FACD-117D-E9CEB49C46EB}"/>
+                    </a:ext>
+                  </a:extLst>
+                </p:cNvPr>
+                <p:cNvPicPr>
+                  <a:picLocks noChangeAspect="1"/>
+                </p:cNvPicPr>
+                <p:nvPr/>
+              </p:nvPicPr>
+              <p:blipFill>
+                <a:blip r:embed="rId8"/>
+                <a:stretch>
+                  <a:fillRect/>
+                </a:stretch>
+              </p:blipFill>
+              <p:spPr>
+                <a:xfrm>
+                  <a:off x="8009213" y="2054001"/>
+                  <a:ext cx="765065" cy="274945"/>
+                </a:xfrm>
+                <a:prstGeom prst="rect">
+                  <a:avLst/>
+                </a:prstGeom>
+              </p:spPr>
+            </p:pic>
+          </p:grpSp>
+          <p:sp>
+            <p:nvSpPr>
+              <p:cNvPr id="18" name="Rectangle 17">
+                <a:extLst>
+                  <a:ext uri="{FF2B5EF4-FFF2-40B4-BE49-F238E27FC236}">
+                    <a16:creationId xmlns:a16="http://schemas.microsoft.com/office/drawing/2014/main" id="{1FEEC01D-DA97-22FF-07A5-173B004A8A0C}"/>
+                  </a:ext>
+                </a:extLst>
+              </p:cNvPr>
+              <p:cNvSpPr/>
+              <p:nvPr/>
+            </p:nvSpPr>
+            <p:spPr>
+              <a:xfrm>
+                <a:off x="4256186" y="432692"/>
+                <a:ext cx="2500313" cy="1400175"/>
+              </a:xfrm>
+              <a:prstGeom prst="rect">
+                <a:avLst/>
+              </a:prstGeom>
+              <a:noFill/>
+              <a:ln w="28575">
+                <a:solidFill>
+                  <a:schemeClr val="tx1"/>
+                </a:solidFill>
+              </a:ln>
+            </p:spPr>
+            <p:style>
+              <a:lnRef idx="2">
+                <a:schemeClr val="accent1">
+                  <a:shade val="15000"/>
+                </a:schemeClr>
+              </a:lnRef>
+              <a:fillRef idx="1">
+                <a:schemeClr val="accent1"/>
+              </a:fillRef>
+              <a:effectRef idx="0">
+                <a:schemeClr val="accent1"/>
+              </a:effectRef>
+              <a:fontRef idx="minor">
+                <a:schemeClr val="lt1"/>
+              </a:fontRef>
+            </p:style>
+            <p:txBody>
+              <a:bodyPr rtlCol="0" anchor="ctr"/>
+              <a:lstStyle/>
+              <a:p>
+                <a:pPr algn="ctr"/>
+                <a:endParaRPr lang="en-US"/>
+              </a:p>
+            </p:txBody>
+          </p:sp>
+        </p:grpSp>
+        <p:sp>
+          <p:nvSpPr>
+            <p:cNvPr id="20" name="Rectangle 19">
+              <a:extLst>
+                <a:ext uri="{FF2B5EF4-FFF2-40B4-BE49-F238E27FC236}">
+                  <a16:creationId xmlns:a16="http://schemas.microsoft.com/office/drawing/2014/main" id="{CA3F4C21-C5B8-11C8-CF0A-86C3E3FB2B89}"/>
+                </a:ext>
+              </a:extLst>
+            </p:cNvPr>
+            <p:cNvSpPr/>
+            <p:nvPr/>
+          </p:nvSpPr>
+          <p:spPr>
+            <a:xfrm>
+              <a:off x="2543763" y="2577816"/>
+              <a:ext cx="1519972" cy="851184"/>
+            </a:xfrm>
+            <a:prstGeom prst="rect">
+              <a:avLst/>
+            </a:prstGeom>
+            <a:noFill/>
+            <a:ln w="28575">
+              <a:solidFill>
+                <a:schemeClr val="tx1"/>
+              </a:solidFill>
+            </a:ln>
+          </p:spPr>
+          <p:style>
+            <a:lnRef idx="2">
+              <a:schemeClr val="accent1">
+                <a:shade val="15000"/>
+              </a:schemeClr>
+            </a:lnRef>
+            <a:fillRef idx="1">
+              <a:schemeClr val="accent1"/>
+            </a:fillRef>
+            <a:effectRef idx="0">
+              <a:schemeClr val="accent1"/>
+            </a:effectRef>
+            <a:fontRef idx="minor">
+              <a:schemeClr val="lt1"/>
+            </a:fontRef>
+          </p:style>
+          <p:txBody>
+            <a:bodyPr rtlCol="0" anchor="ctr"/>
+            <a:lstStyle/>
+            <a:p>
+              <a:pPr algn="ctr"/>
+              <a:r>
+                <a:rPr lang="en-US" sz="3200" dirty="0">
+                  <a:solidFill>
+                    <a:schemeClr val="tx1"/>
+                  </a:solidFill>
+                  <a:latin typeface="Arial" panose="020B0604020202020204" pitchFamily="34" charset="0"/>
+                  <a:cs typeface="Arial" panose="020B0604020202020204" pitchFamily="34" charset="0"/>
+                </a:rPr>
+                <a:t>RTL</a:t>
+              </a:r>
+            </a:p>
+          </p:txBody>
+        </p:sp>
+        <p:grpSp>
+          <p:nvGrpSpPr>
+            <p:cNvPr id="29" name="Group 28">
+              <a:extLst>
+                <a:ext uri="{FF2B5EF4-FFF2-40B4-BE49-F238E27FC236}">
+                  <a16:creationId xmlns:a16="http://schemas.microsoft.com/office/drawing/2014/main" id="{EC9C158A-AFA5-3082-FD51-53AC226DCFDF}"/>
+                </a:ext>
+              </a:extLst>
+            </p:cNvPr>
+            <p:cNvGrpSpPr/>
+            <p:nvPr/>
+          </p:nvGrpSpPr>
+          <p:grpSpPr>
+            <a:xfrm>
+              <a:off x="2909441" y="4249701"/>
+              <a:ext cx="3125969" cy="874358"/>
+              <a:chOff x="2360431" y="4240568"/>
+              <a:chExt cx="3125969" cy="874358"/>
+            </a:xfrm>
+          </p:grpSpPr>
+          <p:pic>
+            <p:nvPicPr>
+              <p:cNvPr id="24" name="Picture 23" descr="A close-up of a logo&#10;&#10;Description automatically generated">
+                <a:extLst>
+                  <a:ext uri="{FF2B5EF4-FFF2-40B4-BE49-F238E27FC236}">
+                    <a16:creationId xmlns:a16="http://schemas.microsoft.com/office/drawing/2014/main" id="{E611835E-636D-8D39-624F-3CA2B9738DDC}"/>
+                  </a:ext>
+                </a:extLst>
+              </p:cNvPr>
+              <p:cNvPicPr>
+                <a:picLocks noChangeAspect="1"/>
+              </p:cNvPicPr>
+              <p:nvPr/>
+            </p:nvPicPr>
+            <p:blipFill>
+              <a:blip r:embed="rId9"/>
+              <a:stretch>
+                <a:fillRect/>
+              </a:stretch>
+            </p:blipFill>
+            <p:spPr>
+              <a:xfrm>
+                <a:off x="2543762" y="4382997"/>
+                <a:ext cx="1822404" cy="595919"/>
+              </a:xfrm>
+              <a:prstGeom prst="rect">
+                <a:avLst/>
+              </a:prstGeom>
+            </p:spPr>
+          </p:pic>
+          <p:pic>
+            <p:nvPicPr>
+              <p:cNvPr id="26" name="Picture 25" descr="A green logo with a clock and arrows&#10;&#10;Description automatically generated">
+                <a:extLst>
+                  <a:ext uri="{FF2B5EF4-FFF2-40B4-BE49-F238E27FC236}">
+                    <a16:creationId xmlns:a16="http://schemas.microsoft.com/office/drawing/2014/main" id="{AEAFAF7F-5F98-98A2-27F3-0D322CC8DB08}"/>
+                  </a:ext>
+                </a:extLst>
+              </p:cNvPr>
+              <p:cNvPicPr>
+                <a:picLocks noChangeAspect="1"/>
+              </p:cNvPicPr>
+              <p:nvPr/>
+            </p:nvPicPr>
+            <p:blipFill>
+              <a:blip r:embed="rId10"/>
+              <a:stretch>
+                <a:fillRect/>
+              </a:stretch>
+            </p:blipFill>
+            <p:spPr>
+              <a:xfrm>
+                <a:off x="4656048" y="4322493"/>
+                <a:ext cx="716927" cy="716927"/>
+              </a:xfrm>
+              <a:prstGeom prst="rect">
+                <a:avLst/>
+              </a:prstGeom>
+            </p:spPr>
+          </p:pic>
+          <p:sp>
+            <p:nvSpPr>
+              <p:cNvPr id="27" name="Rectangle 26">
+                <a:extLst>
+                  <a:ext uri="{FF2B5EF4-FFF2-40B4-BE49-F238E27FC236}">
+                    <a16:creationId xmlns:a16="http://schemas.microsoft.com/office/drawing/2014/main" id="{058F2E80-BEA8-2EC3-D2B2-140432CE74A8}"/>
+                  </a:ext>
+                </a:extLst>
+              </p:cNvPr>
+              <p:cNvSpPr/>
+              <p:nvPr/>
+            </p:nvSpPr>
+            <p:spPr>
+              <a:xfrm>
+                <a:off x="2360431" y="4240568"/>
+                <a:ext cx="3125969" cy="874358"/>
+              </a:xfrm>
+              <a:prstGeom prst="rect">
+                <a:avLst/>
+              </a:prstGeom>
+              <a:noFill/>
+              <a:ln w="28575">
+                <a:solidFill>
+                  <a:schemeClr val="tx1"/>
+                </a:solidFill>
+              </a:ln>
+            </p:spPr>
+            <p:style>
+              <a:lnRef idx="2">
+                <a:schemeClr val="accent1">
+                  <a:shade val="15000"/>
+                </a:schemeClr>
+              </a:lnRef>
+              <a:fillRef idx="1">
+                <a:schemeClr val="accent1"/>
+              </a:fillRef>
+              <a:effectRef idx="0">
+                <a:schemeClr val="accent1"/>
+              </a:effectRef>
+              <a:fontRef idx="minor">
+                <a:schemeClr val="lt1"/>
+              </a:fontRef>
+            </p:style>
+            <p:txBody>
+              <a:bodyPr rtlCol="0" anchor="ctr"/>
+              <a:lstStyle/>
+              <a:p>
+                <a:pPr algn="ctr"/>
+                <a:endParaRPr lang="en-US"/>
+              </a:p>
+            </p:txBody>
+          </p:sp>
+        </p:grpSp>
+        <p:grpSp>
+          <p:nvGrpSpPr>
+            <p:cNvPr id="31" name="Group 30">
+              <a:extLst>
+                <a:ext uri="{FF2B5EF4-FFF2-40B4-BE49-F238E27FC236}">
+                  <a16:creationId xmlns:a16="http://schemas.microsoft.com/office/drawing/2014/main" id="{1325005C-A4B5-E2B2-3381-C87883610996}"/>
+                </a:ext>
+              </a:extLst>
+            </p:cNvPr>
+            <p:cNvGrpSpPr/>
+            <p:nvPr/>
+          </p:nvGrpSpPr>
+          <p:grpSpPr>
+            <a:xfrm>
+              <a:off x="1008611" y="4249701"/>
+              <a:ext cx="1022533" cy="874358"/>
+              <a:chOff x="762345" y="4329002"/>
+              <a:chExt cx="1022533" cy="874358"/>
+            </a:xfrm>
+          </p:grpSpPr>
+          <p:pic>
+            <p:nvPicPr>
+              <p:cNvPr id="22" name="Picture 21" descr="A blue and white logo&#10;&#10;Description automatically generated">
+                <a:extLst>
+                  <a:ext uri="{FF2B5EF4-FFF2-40B4-BE49-F238E27FC236}">
+                    <a16:creationId xmlns:a16="http://schemas.microsoft.com/office/drawing/2014/main" id="{36D791CC-6662-486A-C85A-03BC03AF13A8}"/>
+                  </a:ext>
+                </a:extLst>
+              </p:cNvPr>
+              <p:cNvPicPr>
+                <a:picLocks noChangeAspect="1"/>
+              </p:cNvPicPr>
+              <p:nvPr/>
+            </p:nvPicPr>
+            <p:blipFill>
+              <a:blip r:embed="rId11"/>
+              <a:stretch>
+                <a:fillRect/>
+              </a:stretch>
+            </p:blipFill>
+            <p:spPr>
+              <a:xfrm>
+                <a:off x="762345" y="4358737"/>
+                <a:ext cx="1022532" cy="798853"/>
+              </a:xfrm>
+              <a:prstGeom prst="rect">
+                <a:avLst/>
+              </a:prstGeom>
+            </p:spPr>
+          </p:pic>
+          <p:sp>
+            <p:nvSpPr>
+              <p:cNvPr id="30" name="Rectangle 29">
+                <a:extLst>
+                  <a:ext uri="{FF2B5EF4-FFF2-40B4-BE49-F238E27FC236}">
+                    <a16:creationId xmlns:a16="http://schemas.microsoft.com/office/drawing/2014/main" id="{9F51B86A-E7C8-9110-0ACE-F762E0CF6767}"/>
+                  </a:ext>
+                </a:extLst>
+              </p:cNvPr>
+              <p:cNvSpPr/>
+              <p:nvPr/>
+            </p:nvSpPr>
+            <p:spPr>
+              <a:xfrm>
+                <a:off x="762346" y="4329002"/>
+                <a:ext cx="1022532" cy="874358"/>
+              </a:xfrm>
+              <a:prstGeom prst="rect">
+                <a:avLst/>
+              </a:prstGeom>
+              <a:noFill/>
+              <a:ln w="28575">
+                <a:solidFill>
+                  <a:schemeClr val="tx1"/>
+                </a:solidFill>
+              </a:ln>
+            </p:spPr>
+            <p:style>
+              <a:lnRef idx="2">
+                <a:schemeClr val="accent1">
+                  <a:shade val="15000"/>
+                </a:schemeClr>
+              </a:lnRef>
+              <a:fillRef idx="1">
+                <a:schemeClr val="accent1"/>
+              </a:fillRef>
+              <a:effectRef idx="0">
+                <a:schemeClr val="accent1"/>
+              </a:effectRef>
+              <a:fontRef idx="minor">
+                <a:schemeClr val="lt1"/>
+              </a:fontRef>
+            </p:style>
+            <p:txBody>
+              <a:bodyPr rtlCol="0" anchor="ctr"/>
+              <a:lstStyle/>
+              <a:p>
+                <a:pPr algn="ctr"/>
+                <a:endParaRPr lang="en-US"/>
+              </a:p>
+            </p:txBody>
+          </p:sp>
+        </p:grpSp>
+        <p:cxnSp>
+          <p:nvCxnSpPr>
+            <p:cNvPr id="33" name="Straight Arrow Connector 32">
+              <a:extLst>
+                <a:ext uri="{FF2B5EF4-FFF2-40B4-BE49-F238E27FC236}">
+                  <a16:creationId xmlns:a16="http://schemas.microsoft.com/office/drawing/2014/main" id="{75BF39A8-DA9E-A9AC-8DD0-84119ECA5840}"/>
+                </a:ext>
+              </a:extLst>
+            </p:cNvPr>
+            <p:cNvCxnSpPr>
+              <a:stCxn id="16" idx="2"/>
+              <a:endCxn id="20" idx="0"/>
+            </p:cNvCxnSpPr>
+            <p:nvPr/>
+          </p:nvCxnSpPr>
+          <p:spPr>
+            <a:xfrm>
+              <a:off x="1764507" y="1743075"/>
+              <a:ext cx="1539242" cy="834741"/>
+            </a:xfrm>
+            <a:prstGeom prst="straightConnector1">
+              <a:avLst/>
+            </a:prstGeom>
+            <a:ln w="28575">
+              <a:solidFill>
+                <a:schemeClr val="tx1"/>
+              </a:solidFill>
+              <a:tailEnd type="triangle"/>
+            </a:ln>
+          </p:spPr>
+          <p:style>
+            <a:lnRef idx="2">
+              <a:schemeClr val="accent1"/>
+            </a:lnRef>
+            <a:fillRef idx="0">
+              <a:schemeClr val="accent1"/>
+            </a:fillRef>
+            <a:effectRef idx="1">
+              <a:schemeClr val="accent1"/>
+            </a:effectRef>
+            <a:fontRef idx="minor">
+              <a:schemeClr val="tx1"/>
+            </a:fontRef>
+          </p:style>
+        </p:cxnSp>
+        <p:cxnSp>
+          <p:nvCxnSpPr>
+            <p:cNvPr id="35" name="Straight Arrow Connector 34">
+              <a:extLst>
+                <a:ext uri="{FF2B5EF4-FFF2-40B4-BE49-F238E27FC236}">
+                  <a16:creationId xmlns:a16="http://schemas.microsoft.com/office/drawing/2014/main" id="{C2C58963-F647-6917-8005-08E5EEB8EDEF}"/>
+                </a:ext>
+              </a:extLst>
+            </p:cNvPr>
+            <p:cNvCxnSpPr>
+              <a:stCxn id="18" idx="2"/>
+              <a:endCxn id="20" idx="0"/>
+            </p:cNvCxnSpPr>
+            <p:nvPr/>
+          </p:nvCxnSpPr>
+          <p:spPr>
+            <a:xfrm flipH="1">
+              <a:off x="3303749" y="1743074"/>
+              <a:ext cx="1481505" cy="834742"/>
+            </a:xfrm>
+            <a:prstGeom prst="straightConnector1">
+              <a:avLst/>
+            </a:prstGeom>
+            <a:ln w="28575">
+              <a:solidFill>
+                <a:schemeClr val="tx1"/>
+              </a:solidFill>
+              <a:tailEnd type="triangle"/>
+            </a:ln>
+          </p:spPr>
+          <p:style>
+            <a:lnRef idx="2">
+              <a:schemeClr val="accent1"/>
+            </a:lnRef>
+            <a:fillRef idx="0">
+              <a:schemeClr val="accent1"/>
+            </a:fillRef>
+            <a:effectRef idx="1">
+              <a:schemeClr val="accent1"/>
+            </a:effectRef>
+            <a:fontRef idx="minor">
+              <a:schemeClr val="tx1"/>
+            </a:fontRef>
+          </p:style>
+        </p:cxnSp>
+        <p:cxnSp>
+          <p:nvCxnSpPr>
+            <p:cNvPr id="36" name="Straight Arrow Connector 35">
+              <a:extLst>
+                <a:ext uri="{FF2B5EF4-FFF2-40B4-BE49-F238E27FC236}">
+                  <a16:creationId xmlns:a16="http://schemas.microsoft.com/office/drawing/2014/main" id="{26D92525-804C-9C7C-7163-DE7F2715152A}"/>
+                </a:ext>
+              </a:extLst>
+            </p:cNvPr>
+            <p:cNvCxnSpPr>
+              <a:cxnSpLocks/>
+              <a:stCxn id="20" idx="2"/>
+              <a:endCxn id="30" idx="0"/>
+            </p:cNvCxnSpPr>
+            <p:nvPr/>
+          </p:nvCxnSpPr>
+          <p:spPr>
+            <a:xfrm flipH="1">
+              <a:off x="1519878" y="3429000"/>
+              <a:ext cx="1783871" cy="820701"/>
+            </a:xfrm>
+            <a:prstGeom prst="straightConnector1">
+              <a:avLst/>
+            </a:prstGeom>
+            <a:ln w="28575">
+              <a:solidFill>
+                <a:schemeClr val="tx1"/>
+              </a:solidFill>
+              <a:tailEnd type="triangle"/>
+            </a:ln>
+          </p:spPr>
+          <p:style>
+            <a:lnRef idx="2">
+              <a:schemeClr val="accent1"/>
+            </a:lnRef>
+            <a:fillRef idx="0">
+              <a:schemeClr val="accent1"/>
+            </a:fillRef>
+            <a:effectRef idx="1">
+              <a:schemeClr val="accent1"/>
+            </a:effectRef>
+            <a:fontRef idx="minor">
+              <a:schemeClr val="tx1"/>
+            </a:fontRef>
+          </p:style>
+        </p:cxnSp>
+        <p:cxnSp>
+          <p:nvCxnSpPr>
+            <p:cNvPr id="39" name="Straight Arrow Connector 38">
+              <a:extLst>
+                <a:ext uri="{FF2B5EF4-FFF2-40B4-BE49-F238E27FC236}">
+                  <a16:creationId xmlns:a16="http://schemas.microsoft.com/office/drawing/2014/main" id="{F961B779-C91B-7981-CC86-FE17288EE805}"/>
+                </a:ext>
+              </a:extLst>
+            </p:cNvPr>
+            <p:cNvCxnSpPr>
+              <a:cxnSpLocks/>
+              <a:stCxn id="20" idx="2"/>
+              <a:endCxn id="27" idx="0"/>
+            </p:cNvCxnSpPr>
+            <p:nvPr/>
+          </p:nvCxnSpPr>
+          <p:spPr>
+            <a:xfrm>
+              <a:off x="3303749" y="3429000"/>
+              <a:ext cx="1168677" cy="820701"/>
+            </a:xfrm>
+            <a:prstGeom prst="straightConnector1">
+              <a:avLst/>
+            </a:prstGeom>
+            <a:ln w="28575">
+              <a:solidFill>
+                <a:schemeClr val="tx1"/>
+              </a:solidFill>
+              <a:tailEnd type="triangle"/>
+            </a:ln>
+          </p:spPr>
+          <p:style>
+            <a:lnRef idx="2">
+              <a:schemeClr val="accent1"/>
+            </a:lnRef>
+            <a:fillRef idx="0">
+              <a:schemeClr val="accent1"/>
+            </a:fillRef>
+            <a:effectRef idx="1">
+              <a:schemeClr val="accent1"/>
+            </a:effectRef>
+            <a:fontRef idx="minor">
+              <a:schemeClr val="tx1"/>
+            </a:fontRef>
+          </p:style>
+        </p:cxnSp>
+      </p:grpSp>
+    </p:spTree>
+    <p:extLst>
+      <p:ext uri="{BB962C8B-B14F-4D97-AF65-F5344CB8AC3E}">
+        <p14:creationId xmlns:p14="http://schemas.microsoft.com/office/powerpoint/2010/main" val="3269648873"/>
+      </p:ext>
+    </p:extLst>
+  </p:cSld>
+  <p:clrMapOvr>
+    <a:masterClrMapping/>
+  </p:clrMapOvr>
+</p:sld>
+</file>
+
+<file path=ppt/slides/slide15.xml><?xml version="1.0" encoding="utf-8"?>
+<p:sld xmlns:a="http://schemas.openxmlformats.org/drawingml/2006/main" xmlns:r="http://schemas.openxmlformats.org/officeDocument/2006/relationships" xmlns:p="http://schemas.openxmlformats.org/presentationml/2006/main">
+  <p:cSld>
+    <p:spTree>
+      <p:nvGrpSpPr>
+        <p:cNvPr id="1" name=""/>
+        <p:cNvGrpSpPr/>
+        <p:nvPr/>
+      </p:nvGrpSpPr>
+      <p:grpSpPr>
+        <a:xfrm>
+          <a:off x="0" y="0"/>
+          <a:ext cx="0" cy="0"/>
+          <a:chOff x="0" y="0"/>
+          <a:chExt cx="0" cy="0"/>
+        </a:xfrm>
+      </p:grpSpPr>
+      <p:grpSp>
+        <p:nvGrpSpPr>
+          <p:cNvPr id="23" name="Group 22">
+            <a:extLst>
+              <a:ext uri="{FF2B5EF4-FFF2-40B4-BE49-F238E27FC236}">
+                <a16:creationId xmlns:a16="http://schemas.microsoft.com/office/drawing/2014/main" id="{C9FB2ECF-629C-1E30-7F27-DD3443DAE5F3}"/>
+              </a:ext>
+            </a:extLst>
+          </p:cNvPr>
+          <p:cNvGrpSpPr/>
+          <p:nvPr/>
+        </p:nvGrpSpPr>
+        <p:grpSpPr>
+          <a:xfrm>
+            <a:off x="514350" y="342899"/>
+            <a:ext cx="6158004" cy="4781160"/>
+            <a:chOff x="514350" y="342899"/>
+            <a:chExt cx="6158004" cy="4781160"/>
+          </a:xfrm>
+        </p:grpSpPr>
+        <p:grpSp>
+          <p:nvGrpSpPr>
+            <p:cNvPr id="43" name="Group 42">
+              <a:extLst>
+                <a:ext uri="{FF2B5EF4-FFF2-40B4-BE49-F238E27FC236}">
+                  <a16:creationId xmlns:a16="http://schemas.microsoft.com/office/drawing/2014/main" id="{F24DB118-E1D2-871D-A115-0244FEE5A622}"/>
+                </a:ext>
+              </a:extLst>
+            </p:cNvPr>
+            <p:cNvGrpSpPr/>
+            <p:nvPr/>
+          </p:nvGrpSpPr>
+          <p:grpSpPr>
+            <a:xfrm>
+              <a:off x="514350" y="342899"/>
+              <a:ext cx="5521060" cy="4781160"/>
+              <a:chOff x="514350" y="342899"/>
+              <a:chExt cx="5521060" cy="4781160"/>
+            </a:xfrm>
+          </p:grpSpPr>
+          <p:grpSp>
+            <p:nvGrpSpPr>
+              <p:cNvPr id="17" name="Group 16">
+                <a:extLst>
+                  <a:ext uri="{FF2B5EF4-FFF2-40B4-BE49-F238E27FC236}">
+                    <a16:creationId xmlns:a16="http://schemas.microsoft.com/office/drawing/2014/main" id="{EC3726C6-0924-62FC-FD1A-2451C4E1B219}"/>
+                  </a:ext>
+                </a:extLst>
+              </p:cNvPr>
+              <p:cNvGrpSpPr/>
+              <p:nvPr/>
+            </p:nvGrpSpPr>
+            <p:grpSpPr>
+              <a:xfrm>
+                <a:off x="514350" y="342900"/>
+                <a:ext cx="2500313" cy="1400175"/>
+                <a:chOff x="514350" y="342900"/>
+                <a:chExt cx="2500313" cy="1400175"/>
+              </a:xfrm>
+            </p:grpSpPr>
+            <p:grpSp>
+              <p:nvGrpSpPr>
+                <p:cNvPr id="14" name="Group 13">
+                  <a:extLst>
+                    <a:ext uri="{FF2B5EF4-FFF2-40B4-BE49-F238E27FC236}">
+                      <a16:creationId xmlns:a16="http://schemas.microsoft.com/office/drawing/2014/main" id="{44A455CE-A0EF-BC1D-4592-8102983BFEA6}"/>
+                    </a:ext>
+                  </a:extLst>
+                </p:cNvPr>
+                <p:cNvGrpSpPr/>
+                <p:nvPr/>
+              </p:nvGrpSpPr>
+              <p:grpSpPr>
+                <a:xfrm>
+                  <a:off x="782084" y="643379"/>
+                  <a:ext cx="2004106" cy="858733"/>
+                  <a:chOff x="-46591" y="1599014"/>
+                  <a:chExt cx="2004106" cy="858733"/>
+                </a:xfrm>
+              </p:grpSpPr>
+              <p:pic>
+                <p:nvPicPr>
+                  <p:cNvPr id="9" name="Picture 8" descr="A pink and black flower&#10;&#10;Description automatically generated">
+                    <a:extLst>
+                      <a:ext uri="{FF2B5EF4-FFF2-40B4-BE49-F238E27FC236}">
+                        <a16:creationId xmlns:a16="http://schemas.microsoft.com/office/drawing/2014/main" id="{9B29DCE0-AB64-3F43-F24E-6708BC93CAD4}"/>
+                      </a:ext>
+                    </a:extLst>
+                  </p:cNvPr>
+                  <p:cNvPicPr>
+                    <a:picLocks noChangeAspect="1"/>
+                  </p:cNvPicPr>
+                  <p:nvPr/>
+                </p:nvPicPr>
+                <p:blipFill>
+                  <a:blip r:embed="rId3"/>
+                  <a:stretch>
+                    <a:fillRect/>
+                  </a:stretch>
+                </p:blipFill>
+                <p:spPr>
+                  <a:xfrm>
+                    <a:off x="206109" y="1608208"/>
+                    <a:ext cx="379457" cy="350943"/>
+                  </a:xfrm>
+                  <a:prstGeom prst="rect">
+                    <a:avLst/>
+                  </a:prstGeom>
+                </p:spPr>
+              </p:pic>
+              <p:pic>
+                <p:nvPicPr>
+                  <p:cNvPr id="11" name="Graphic 10">
+                    <a:extLst>
+                      <a:ext uri="{FF2B5EF4-FFF2-40B4-BE49-F238E27FC236}">
+                        <a16:creationId xmlns:a16="http://schemas.microsoft.com/office/drawing/2014/main" id="{D4F6EF08-7D85-15DC-BDD3-B876FF7CFF17}"/>
+                      </a:ext>
+                    </a:extLst>
+                  </p:cNvPr>
+                  <p:cNvPicPr>
+                    <a:picLocks noChangeAspect="1"/>
+                  </p:cNvPicPr>
+                  <p:nvPr/>
+                </p:nvPicPr>
+                <p:blipFill>
+                  <a:blip r:embed="rId4">
+                    <a:extLst>
+                      <a:ext uri="{96DAC541-7B7A-43D3-8B79-37D633B846F1}">
+                        <asvg:svgBlip xmlns:asvg="http://schemas.microsoft.com/office/drawing/2016/SVG/main" r:embed="rId5"/>
+                      </a:ext>
+                    </a:extLst>
+                  </a:blip>
+                  <a:stretch>
+                    <a:fillRect/>
+                  </a:stretch>
+                </p:blipFill>
+                <p:spPr>
+                  <a:xfrm>
+                    <a:off x="1220822" y="2088415"/>
+                    <a:ext cx="621869" cy="329861"/>
+                  </a:xfrm>
+                  <a:prstGeom prst="rect">
+                    <a:avLst/>
+                  </a:prstGeom>
+                </p:spPr>
+              </p:pic>
+              <p:sp>
+                <p:nvSpPr>
+                  <p:cNvPr id="12" name="TextBox 11">
+                    <a:extLst>
+                      <a:ext uri="{FF2B5EF4-FFF2-40B4-BE49-F238E27FC236}">
+                        <a16:creationId xmlns:a16="http://schemas.microsoft.com/office/drawing/2014/main" id="{4C71F519-7665-F7EC-3499-1F0C67104F71}"/>
+                      </a:ext>
+                    </a:extLst>
+                  </p:cNvPr>
+                  <p:cNvSpPr txBox="1"/>
+                  <p:nvPr/>
+                </p:nvSpPr>
+                <p:spPr>
+                  <a:xfrm>
+                    <a:off x="1106000" y="1599014"/>
+                    <a:ext cx="851515" cy="369332"/>
+                  </a:xfrm>
+                  <a:prstGeom prst="rect">
+                    <a:avLst/>
+                  </a:prstGeom>
+                  <a:noFill/>
+                </p:spPr>
+                <p:txBody>
+                  <a:bodyPr wrap="none" rtlCol="0">
+                    <a:spAutoFit/>
+                  </a:bodyPr>
+                  <a:lstStyle/>
+                  <a:p>
+                    <a:r>
+                      <a:rPr lang="en-US" dirty="0">
+                        <a:latin typeface="Arial" panose="020B0604020202020204" pitchFamily="34" charset="0"/>
+                        <a:cs typeface="Arial" panose="020B0604020202020204" pitchFamily="34" charset="0"/>
+                      </a:rPr>
+                      <a:t>Spade</a:t>
+                    </a:r>
+                  </a:p>
+                </p:txBody>
+              </p:sp>
+              <p:sp>
+                <p:nvSpPr>
+                  <p:cNvPr id="13" name="TextBox 12">
+                    <a:extLst>
+                      <a:ext uri="{FF2B5EF4-FFF2-40B4-BE49-F238E27FC236}">
+                        <a16:creationId xmlns:a16="http://schemas.microsoft.com/office/drawing/2014/main" id="{E0A5FF8B-CBFE-A86F-5BA9-C183DA302FD1}"/>
+                      </a:ext>
+                    </a:extLst>
+                  </p:cNvPr>
+                  <p:cNvSpPr txBox="1"/>
+                  <p:nvPr/>
+                </p:nvSpPr>
+                <p:spPr>
+                  <a:xfrm>
+                    <a:off x="-46591" y="2088415"/>
+                    <a:ext cx="1249060" cy="369332"/>
+                  </a:xfrm>
+                  <a:prstGeom prst="rect">
+                    <a:avLst/>
+                  </a:prstGeom>
+                  <a:noFill/>
+                </p:spPr>
+                <p:txBody>
+                  <a:bodyPr wrap="square" rtlCol="0">
+                    <a:spAutoFit/>
+                  </a:bodyPr>
+                  <a:lstStyle/>
+                  <a:p>
+                    <a:r>
+                      <a:rPr lang="en-US" dirty="0" err="1">
+                        <a:latin typeface="Arial" panose="020B0604020202020204" pitchFamily="34" charset="0"/>
+                        <a:cs typeface="Arial" panose="020B0604020202020204" pitchFamily="34" charset="0"/>
+                      </a:rPr>
+                      <a:t>Shakeflow</a:t>
+                    </a:r>
+                    <a:endParaRPr lang="en-US" dirty="0">
+                      <a:latin typeface="Arial" panose="020B0604020202020204" pitchFamily="34" charset="0"/>
+                      <a:cs typeface="Arial" panose="020B0604020202020204" pitchFamily="34" charset="0"/>
+                    </a:endParaRPr>
+                  </a:p>
+                </p:txBody>
+              </p:sp>
+            </p:grpSp>
+            <p:sp>
+              <p:nvSpPr>
+                <p:cNvPr id="16" name="Rectangle 15">
+                  <a:extLst>
+                    <a:ext uri="{FF2B5EF4-FFF2-40B4-BE49-F238E27FC236}">
+                      <a16:creationId xmlns:a16="http://schemas.microsoft.com/office/drawing/2014/main" id="{099D0E25-CD98-2F37-AFC6-9195310527FE}"/>
+                    </a:ext>
+                  </a:extLst>
+                </p:cNvPr>
+                <p:cNvSpPr/>
+                <p:nvPr/>
+              </p:nvSpPr>
+              <p:spPr>
+                <a:xfrm>
+                  <a:off x="514350" y="342900"/>
+                  <a:ext cx="2500313" cy="1400175"/>
+                </a:xfrm>
+                <a:prstGeom prst="rect">
+                  <a:avLst/>
+                </a:prstGeom>
+                <a:noFill/>
+                <a:ln w="28575">
+                  <a:solidFill>
+                    <a:schemeClr val="tx1"/>
+                  </a:solidFill>
+                </a:ln>
+              </p:spPr>
+              <p:style>
+                <a:lnRef idx="2">
+                  <a:schemeClr val="accent1">
+                    <a:shade val="15000"/>
+                  </a:schemeClr>
+                </a:lnRef>
+                <a:fillRef idx="1">
+                  <a:schemeClr val="accent1"/>
+                </a:fillRef>
+                <a:effectRef idx="0">
+                  <a:schemeClr val="accent1"/>
+                </a:effectRef>
+                <a:fontRef idx="minor">
+                  <a:schemeClr val="lt1"/>
+                </a:fontRef>
+              </p:style>
+              <p:txBody>
+                <a:bodyPr rtlCol="0" anchor="ctr"/>
+                <a:lstStyle/>
+                <a:p>
+                  <a:pPr algn="ctr"/>
+                  <a:endParaRPr lang="en-US">
+                    <a:latin typeface="Arial" panose="020B0604020202020204" pitchFamily="34" charset="0"/>
+                    <a:cs typeface="Arial" panose="020B0604020202020204" pitchFamily="34" charset="0"/>
+                  </a:endParaRPr>
+                </a:p>
+              </p:txBody>
+            </p:sp>
+          </p:grpSp>
+          <p:grpSp>
+            <p:nvGrpSpPr>
+              <p:cNvPr id="19" name="Group 18">
+                <a:extLst>
+                  <a:ext uri="{FF2B5EF4-FFF2-40B4-BE49-F238E27FC236}">
+                    <a16:creationId xmlns:a16="http://schemas.microsoft.com/office/drawing/2014/main" id="{383E4663-B0C4-6364-3CEB-302E7221C5A3}"/>
+                  </a:ext>
+                </a:extLst>
+              </p:cNvPr>
+              <p:cNvGrpSpPr/>
+              <p:nvPr/>
+            </p:nvGrpSpPr>
+            <p:grpSpPr>
+              <a:xfrm>
+                <a:off x="3535097" y="342899"/>
+                <a:ext cx="2500313" cy="1400175"/>
+                <a:chOff x="4256186" y="432692"/>
+                <a:chExt cx="2500313" cy="1400175"/>
+              </a:xfrm>
+            </p:grpSpPr>
+            <p:grpSp>
+              <p:nvGrpSpPr>
+                <p:cNvPr id="15" name="Group 14">
+                  <a:extLst>
+                    <a:ext uri="{FF2B5EF4-FFF2-40B4-BE49-F238E27FC236}">
+                      <a16:creationId xmlns:a16="http://schemas.microsoft.com/office/drawing/2014/main" id="{335F4E66-AF36-1852-9763-D13FFAFD5DE9}"/>
+                    </a:ext>
+                  </a:extLst>
+                </p:cNvPr>
+                <p:cNvGrpSpPr/>
+                <p:nvPr/>
+              </p:nvGrpSpPr>
+              <p:grpSpPr>
+                <a:xfrm>
+                  <a:off x="4682571" y="707468"/>
+                  <a:ext cx="1777132" cy="850624"/>
+                  <a:chOff x="6997146" y="1813089"/>
+                  <a:chExt cx="1777132" cy="850624"/>
+                </a:xfrm>
+              </p:grpSpPr>
+              <p:pic>
+                <p:nvPicPr>
+                  <p:cNvPr id="3" name="Picture 2" descr="A red and black logo&#10;&#10;Description automatically generated">
+                    <a:extLst>
+                      <a:ext uri="{FF2B5EF4-FFF2-40B4-BE49-F238E27FC236}">
+                        <a16:creationId xmlns:a16="http://schemas.microsoft.com/office/drawing/2014/main" id="{5112EEF7-8827-1C6C-99E6-6EF2F5379B57}"/>
+                      </a:ext>
+                    </a:extLst>
+                  </p:cNvPr>
+                  <p:cNvPicPr>
+                    <a:picLocks noChangeAspect="1"/>
+                  </p:cNvPicPr>
+                  <p:nvPr/>
+                </p:nvPicPr>
+                <p:blipFill>
+                  <a:blip r:embed="rId6"/>
+                  <a:stretch>
+                    <a:fillRect/>
+                  </a:stretch>
+                </p:blipFill>
+                <p:spPr>
+                  <a:xfrm>
+                    <a:off x="6997146" y="1813089"/>
+                    <a:ext cx="823772" cy="310513"/>
+                  </a:xfrm>
+                  <a:prstGeom prst="rect">
+                    <a:avLst/>
+                  </a:prstGeom>
+                </p:spPr>
+              </p:pic>
+              <p:pic>
+                <p:nvPicPr>
+                  <p:cNvPr id="5" name="Graphic 4">
+                    <a:extLst>
+                      <a:ext uri="{FF2B5EF4-FFF2-40B4-BE49-F238E27FC236}">
+                        <a16:creationId xmlns:a16="http://schemas.microsoft.com/office/drawing/2014/main" id="{84D46EF2-7A6F-642D-D106-87C62470EC86}"/>
+                      </a:ext>
+                    </a:extLst>
+                  </p:cNvPr>
+                  <p:cNvPicPr>
+                    <a:picLocks noChangeAspect="1"/>
+                  </p:cNvPicPr>
+                  <p:nvPr/>
+                </p:nvPicPr>
+                <p:blipFill>
+                  <a:blip r:embed="rId7">
+                    <a:extLst>
+                      <a:ext uri="{96DAC541-7B7A-43D3-8B79-37D633B846F1}">
+                        <asvg:svgBlip xmlns:asvg="http://schemas.microsoft.com/office/drawing/2016/SVG/main" r:embed="rId8"/>
+                      </a:ext>
+                    </a:extLst>
+                  </a:blip>
+                  <a:stretch>
+                    <a:fillRect/>
+                  </a:stretch>
+                </p:blipFill>
+                <p:spPr>
+                  <a:xfrm>
+                    <a:off x="6997147" y="2333852"/>
+                    <a:ext cx="823771" cy="329861"/>
+                  </a:xfrm>
+                  <a:prstGeom prst="rect">
+                    <a:avLst/>
+                  </a:prstGeom>
+                </p:spPr>
+              </p:pic>
+              <p:pic>
+                <p:nvPicPr>
+                  <p:cNvPr id="7" name="Picture 6" descr="A blue and yellow lines on a black background&#10;&#10;Description automatically generated">
+                    <a:extLst>
+                      <a:ext uri="{FF2B5EF4-FFF2-40B4-BE49-F238E27FC236}">
+                        <a16:creationId xmlns:a16="http://schemas.microsoft.com/office/drawing/2014/main" id="{BAA4F9DD-ABE8-FACD-117D-E9CEB49C46EB}"/>
+                      </a:ext>
+                    </a:extLst>
+                  </p:cNvPr>
+                  <p:cNvPicPr>
+                    <a:picLocks noChangeAspect="1"/>
+                  </p:cNvPicPr>
+                  <p:nvPr/>
+                </p:nvPicPr>
+                <p:blipFill>
+                  <a:blip r:embed="rId9"/>
+                  <a:stretch>
+                    <a:fillRect/>
+                  </a:stretch>
+                </p:blipFill>
+                <p:spPr>
+                  <a:xfrm>
+                    <a:off x="8009213" y="2054001"/>
+                    <a:ext cx="765065" cy="274945"/>
+                  </a:xfrm>
+                  <a:prstGeom prst="rect">
+                    <a:avLst/>
+                  </a:prstGeom>
+                </p:spPr>
+              </p:pic>
+            </p:grpSp>
+            <p:sp>
+              <p:nvSpPr>
+                <p:cNvPr id="18" name="Rectangle 17">
+                  <a:extLst>
+                    <a:ext uri="{FF2B5EF4-FFF2-40B4-BE49-F238E27FC236}">
+                      <a16:creationId xmlns:a16="http://schemas.microsoft.com/office/drawing/2014/main" id="{1FEEC01D-DA97-22FF-07A5-173B004A8A0C}"/>
+                    </a:ext>
+                  </a:extLst>
+                </p:cNvPr>
+                <p:cNvSpPr/>
+                <p:nvPr/>
+              </p:nvSpPr>
+              <p:spPr>
+                <a:xfrm>
+                  <a:off x="4256186" y="432692"/>
+                  <a:ext cx="2500313" cy="1400175"/>
+                </a:xfrm>
+                <a:prstGeom prst="rect">
+                  <a:avLst/>
+                </a:prstGeom>
+                <a:noFill/>
+                <a:ln w="28575">
+                  <a:solidFill>
+                    <a:schemeClr val="tx1"/>
+                  </a:solidFill>
+                </a:ln>
+              </p:spPr>
+              <p:style>
+                <a:lnRef idx="2">
+                  <a:schemeClr val="accent1">
+                    <a:shade val="15000"/>
+                  </a:schemeClr>
+                </a:lnRef>
+                <a:fillRef idx="1">
+                  <a:schemeClr val="accent1"/>
+                </a:fillRef>
+                <a:effectRef idx="0">
+                  <a:schemeClr val="accent1"/>
+                </a:effectRef>
+                <a:fontRef idx="minor">
+                  <a:schemeClr val="lt1"/>
+                </a:fontRef>
+              </p:style>
+              <p:txBody>
+                <a:bodyPr rtlCol="0" anchor="ctr"/>
+                <a:lstStyle/>
+                <a:p>
+                  <a:pPr algn="ctr"/>
+                  <a:endParaRPr lang="en-US">
+                    <a:latin typeface="Arial" panose="020B0604020202020204" pitchFamily="34" charset="0"/>
+                    <a:cs typeface="Arial" panose="020B0604020202020204" pitchFamily="34" charset="0"/>
+                  </a:endParaRPr>
+                </a:p>
+              </p:txBody>
+            </p:sp>
+          </p:grpSp>
+          <p:sp>
+            <p:nvSpPr>
+              <p:cNvPr id="20" name="Rectangle 19">
+                <a:extLst>
+                  <a:ext uri="{FF2B5EF4-FFF2-40B4-BE49-F238E27FC236}">
+                    <a16:creationId xmlns:a16="http://schemas.microsoft.com/office/drawing/2014/main" id="{CA3F4C21-C5B8-11C8-CF0A-86C3E3FB2B89}"/>
+                  </a:ext>
+                </a:extLst>
+              </p:cNvPr>
+              <p:cNvSpPr/>
+              <p:nvPr/>
+            </p:nvSpPr>
+            <p:spPr>
+              <a:xfrm>
+                <a:off x="2543763" y="2577816"/>
+                <a:ext cx="1519972" cy="851184"/>
+              </a:xfrm>
+              <a:prstGeom prst="rect">
+                <a:avLst/>
+              </a:prstGeom>
+              <a:noFill/>
+              <a:ln w="28575">
+                <a:solidFill>
+                  <a:schemeClr val="tx1"/>
+                </a:solidFill>
+              </a:ln>
+            </p:spPr>
+            <p:style>
+              <a:lnRef idx="2">
+                <a:schemeClr val="accent1">
+                  <a:shade val="15000"/>
+                </a:schemeClr>
+              </a:lnRef>
+              <a:fillRef idx="1">
+                <a:schemeClr val="accent1"/>
+              </a:fillRef>
+              <a:effectRef idx="0">
+                <a:schemeClr val="accent1"/>
+              </a:effectRef>
+              <a:fontRef idx="minor">
+                <a:schemeClr val="lt1"/>
+              </a:fontRef>
+            </p:style>
+            <p:txBody>
+              <a:bodyPr rtlCol="0" anchor="ctr"/>
+              <a:lstStyle/>
+              <a:p>
+                <a:pPr algn="ctr"/>
+                <a:r>
+                  <a:rPr lang="en-US" sz="3200" dirty="0">
+                    <a:solidFill>
+                      <a:schemeClr val="tx1"/>
+                    </a:solidFill>
+                    <a:latin typeface="Arial" panose="020B0604020202020204" pitchFamily="34" charset="0"/>
+                    <a:cs typeface="Arial" panose="020B0604020202020204" pitchFamily="34" charset="0"/>
+                  </a:rPr>
+                  <a:t>RTL</a:t>
+                </a:r>
+              </a:p>
+            </p:txBody>
+          </p:sp>
+          <p:grpSp>
+            <p:nvGrpSpPr>
+              <p:cNvPr id="29" name="Group 28">
+                <a:extLst>
+                  <a:ext uri="{FF2B5EF4-FFF2-40B4-BE49-F238E27FC236}">
+                    <a16:creationId xmlns:a16="http://schemas.microsoft.com/office/drawing/2014/main" id="{EC9C158A-AFA5-3082-FD51-53AC226DCFDF}"/>
+                  </a:ext>
+                </a:extLst>
+              </p:cNvPr>
+              <p:cNvGrpSpPr/>
+              <p:nvPr/>
+            </p:nvGrpSpPr>
+            <p:grpSpPr>
+              <a:xfrm>
+                <a:off x="2909441" y="4249701"/>
+                <a:ext cx="3125969" cy="874358"/>
+                <a:chOff x="2360431" y="4240568"/>
+                <a:chExt cx="3125969" cy="874358"/>
+              </a:xfrm>
+            </p:grpSpPr>
+            <p:pic>
+              <p:nvPicPr>
+                <p:cNvPr id="24" name="Picture 23" descr="A close-up of a logo&#10;&#10;Description automatically generated">
+                  <a:extLst>
+                    <a:ext uri="{FF2B5EF4-FFF2-40B4-BE49-F238E27FC236}">
+                      <a16:creationId xmlns:a16="http://schemas.microsoft.com/office/drawing/2014/main" id="{E611835E-636D-8D39-624F-3CA2B9738DDC}"/>
+                    </a:ext>
+                  </a:extLst>
+                </p:cNvPr>
+                <p:cNvPicPr>
+                  <a:picLocks noChangeAspect="1"/>
+                </p:cNvPicPr>
+                <p:nvPr/>
+              </p:nvPicPr>
+              <p:blipFill>
+                <a:blip r:embed="rId10"/>
+                <a:stretch>
+                  <a:fillRect/>
+                </a:stretch>
+              </p:blipFill>
+              <p:spPr>
+                <a:xfrm>
+                  <a:off x="2543762" y="4382997"/>
+                  <a:ext cx="1822404" cy="595919"/>
+                </a:xfrm>
+                <a:prstGeom prst="rect">
+                  <a:avLst/>
+                </a:prstGeom>
+              </p:spPr>
+            </p:pic>
+            <p:pic>
+              <p:nvPicPr>
+                <p:cNvPr id="26" name="Picture 25" descr="A green logo with a clock and arrows&#10;&#10;Description automatically generated">
+                  <a:extLst>
+                    <a:ext uri="{FF2B5EF4-FFF2-40B4-BE49-F238E27FC236}">
+                      <a16:creationId xmlns:a16="http://schemas.microsoft.com/office/drawing/2014/main" id="{AEAFAF7F-5F98-98A2-27F3-0D322CC8DB08}"/>
+                    </a:ext>
+                  </a:extLst>
+                </p:cNvPr>
+                <p:cNvPicPr>
+                  <a:picLocks noChangeAspect="1"/>
+                </p:cNvPicPr>
+                <p:nvPr/>
+              </p:nvPicPr>
+              <p:blipFill>
+                <a:blip r:embed="rId11"/>
+                <a:stretch>
+                  <a:fillRect/>
+                </a:stretch>
+              </p:blipFill>
+              <p:spPr>
+                <a:xfrm>
+                  <a:off x="4656048" y="4322493"/>
+                  <a:ext cx="716927" cy="716927"/>
+                </a:xfrm>
+                <a:prstGeom prst="rect">
+                  <a:avLst/>
+                </a:prstGeom>
+              </p:spPr>
+            </p:pic>
+            <p:sp>
+              <p:nvSpPr>
+                <p:cNvPr id="27" name="Rectangle 26">
+                  <a:extLst>
+                    <a:ext uri="{FF2B5EF4-FFF2-40B4-BE49-F238E27FC236}">
+                      <a16:creationId xmlns:a16="http://schemas.microsoft.com/office/drawing/2014/main" id="{058F2E80-BEA8-2EC3-D2B2-140432CE74A8}"/>
+                    </a:ext>
+                  </a:extLst>
+                </p:cNvPr>
+                <p:cNvSpPr/>
+                <p:nvPr/>
+              </p:nvSpPr>
+              <p:spPr>
+                <a:xfrm>
+                  <a:off x="2360431" y="4240568"/>
+                  <a:ext cx="3125969" cy="874358"/>
+                </a:xfrm>
+                <a:prstGeom prst="rect">
+                  <a:avLst/>
+                </a:prstGeom>
+                <a:noFill/>
+                <a:ln w="28575">
+                  <a:solidFill>
+                    <a:schemeClr val="tx1"/>
+                  </a:solidFill>
+                </a:ln>
+              </p:spPr>
+              <p:style>
+                <a:lnRef idx="2">
+                  <a:schemeClr val="accent1">
+                    <a:shade val="15000"/>
+                  </a:schemeClr>
+                </a:lnRef>
+                <a:fillRef idx="1">
+                  <a:schemeClr val="accent1"/>
+                </a:fillRef>
+                <a:effectRef idx="0">
+                  <a:schemeClr val="accent1"/>
+                </a:effectRef>
+                <a:fontRef idx="minor">
+                  <a:schemeClr val="lt1"/>
+                </a:fontRef>
+              </p:style>
+              <p:txBody>
+                <a:bodyPr rtlCol="0" anchor="ctr"/>
+                <a:lstStyle/>
+                <a:p>
+                  <a:pPr algn="ctr"/>
+                  <a:endParaRPr lang="en-US">
+                    <a:latin typeface="Arial" panose="020B0604020202020204" pitchFamily="34" charset="0"/>
+                    <a:cs typeface="Arial" panose="020B0604020202020204" pitchFamily="34" charset="0"/>
+                  </a:endParaRPr>
+                </a:p>
+              </p:txBody>
+            </p:sp>
+          </p:grpSp>
+          <p:grpSp>
+            <p:nvGrpSpPr>
+              <p:cNvPr id="31" name="Group 30">
+                <a:extLst>
+                  <a:ext uri="{FF2B5EF4-FFF2-40B4-BE49-F238E27FC236}">
+                    <a16:creationId xmlns:a16="http://schemas.microsoft.com/office/drawing/2014/main" id="{1325005C-A4B5-E2B2-3381-C87883610996}"/>
+                  </a:ext>
+                </a:extLst>
+              </p:cNvPr>
+              <p:cNvGrpSpPr/>
+              <p:nvPr/>
+            </p:nvGrpSpPr>
+            <p:grpSpPr>
+              <a:xfrm>
+                <a:off x="1008611" y="4249701"/>
+                <a:ext cx="1022533" cy="874358"/>
+                <a:chOff x="762345" y="4329002"/>
+                <a:chExt cx="1022533" cy="874358"/>
+              </a:xfrm>
+            </p:grpSpPr>
+            <p:pic>
+              <p:nvPicPr>
+                <p:cNvPr id="22" name="Picture 21" descr="A blue and white logo&#10;&#10;Description automatically generated">
+                  <a:extLst>
+                    <a:ext uri="{FF2B5EF4-FFF2-40B4-BE49-F238E27FC236}">
+                      <a16:creationId xmlns:a16="http://schemas.microsoft.com/office/drawing/2014/main" id="{36D791CC-6662-486A-C85A-03BC03AF13A8}"/>
+                    </a:ext>
+                  </a:extLst>
+                </p:cNvPr>
+                <p:cNvPicPr>
+                  <a:picLocks noChangeAspect="1"/>
+                </p:cNvPicPr>
+                <p:nvPr/>
+              </p:nvPicPr>
+              <p:blipFill>
+                <a:blip r:embed="rId12"/>
+                <a:stretch>
+                  <a:fillRect/>
+                </a:stretch>
+              </p:blipFill>
+              <p:spPr>
+                <a:xfrm>
+                  <a:off x="762345" y="4358737"/>
+                  <a:ext cx="1022532" cy="798853"/>
+                </a:xfrm>
+                <a:prstGeom prst="rect">
+                  <a:avLst/>
+                </a:prstGeom>
+              </p:spPr>
+            </p:pic>
+            <p:sp>
+              <p:nvSpPr>
+                <p:cNvPr id="30" name="Rectangle 29">
+                  <a:extLst>
+                    <a:ext uri="{FF2B5EF4-FFF2-40B4-BE49-F238E27FC236}">
+                      <a16:creationId xmlns:a16="http://schemas.microsoft.com/office/drawing/2014/main" id="{9F51B86A-E7C8-9110-0ACE-F762E0CF6767}"/>
+                    </a:ext>
+                  </a:extLst>
+                </p:cNvPr>
+                <p:cNvSpPr/>
+                <p:nvPr/>
+              </p:nvSpPr>
+              <p:spPr>
+                <a:xfrm>
+                  <a:off x="762346" y="4329002"/>
+                  <a:ext cx="1022532" cy="874358"/>
+                </a:xfrm>
+                <a:prstGeom prst="rect">
+                  <a:avLst/>
+                </a:prstGeom>
+                <a:noFill/>
+                <a:ln w="28575">
+                  <a:solidFill>
+                    <a:schemeClr val="tx1"/>
+                  </a:solidFill>
+                </a:ln>
+              </p:spPr>
+              <p:style>
+                <a:lnRef idx="2">
+                  <a:schemeClr val="accent1">
+                    <a:shade val="15000"/>
+                  </a:schemeClr>
+                </a:lnRef>
+                <a:fillRef idx="1">
+                  <a:schemeClr val="accent1"/>
+                </a:fillRef>
+                <a:effectRef idx="0">
+                  <a:schemeClr val="accent1"/>
+                </a:effectRef>
+                <a:fontRef idx="minor">
+                  <a:schemeClr val="lt1"/>
+                </a:fontRef>
+              </p:style>
+              <p:txBody>
+                <a:bodyPr rtlCol="0" anchor="ctr"/>
+                <a:lstStyle/>
+                <a:p>
+                  <a:pPr algn="ctr"/>
+                  <a:endParaRPr lang="en-US">
+                    <a:latin typeface="Arial" panose="020B0604020202020204" pitchFamily="34" charset="0"/>
+                    <a:cs typeface="Arial" panose="020B0604020202020204" pitchFamily="34" charset="0"/>
+                  </a:endParaRPr>
+                </a:p>
+              </p:txBody>
+            </p:sp>
+          </p:grpSp>
+          <p:cxnSp>
+            <p:nvCxnSpPr>
+              <p:cNvPr id="33" name="Straight Arrow Connector 32">
+                <a:extLst>
+                  <a:ext uri="{FF2B5EF4-FFF2-40B4-BE49-F238E27FC236}">
+                    <a16:creationId xmlns:a16="http://schemas.microsoft.com/office/drawing/2014/main" id="{75BF39A8-DA9E-A9AC-8DD0-84119ECA5840}"/>
+                  </a:ext>
+                </a:extLst>
+              </p:cNvPr>
+              <p:cNvCxnSpPr>
+                <a:stCxn id="16" idx="2"/>
+                <a:endCxn id="20" idx="0"/>
+              </p:cNvCxnSpPr>
+              <p:nvPr/>
+            </p:nvCxnSpPr>
+            <p:spPr>
+              <a:xfrm>
+                <a:off x="1764507" y="1743075"/>
+                <a:ext cx="1539242" cy="834741"/>
+              </a:xfrm>
+              <a:prstGeom prst="straightConnector1">
+                <a:avLst/>
+              </a:prstGeom>
+              <a:ln w="28575">
+                <a:solidFill>
+                  <a:schemeClr val="tx1"/>
+                </a:solidFill>
+                <a:tailEnd type="triangle"/>
+              </a:ln>
+            </p:spPr>
+            <p:style>
+              <a:lnRef idx="2">
+                <a:schemeClr val="accent1"/>
+              </a:lnRef>
+              <a:fillRef idx="0">
+                <a:schemeClr val="accent1"/>
+              </a:fillRef>
+              <a:effectRef idx="1">
+                <a:schemeClr val="accent1"/>
+              </a:effectRef>
+              <a:fontRef idx="minor">
+                <a:schemeClr val="tx1"/>
+              </a:fontRef>
+            </p:style>
+          </p:cxnSp>
+          <p:cxnSp>
+            <p:nvCxnSpPr>
+              <p:cNvPr id="35" name="Straight Arrow Connector 34">
+                <a:extLst>
+                  <a:ext uri="{FF2B5EF4-FFF2-40B4-BE49-F238E27FC236}">
+                    <a16:creationId xmlns:a16="http://schemas.microsoft.com/office/drawing/2014/main" id="{C2C58963-F647-6917-8005-08E5EEB8EDEF}"/>
+                  </a:ext>
+                </a:extLst>
+              </p:cNvPr>
+              <p:cNvCxnSpPr>
+                <a:stCxn id="18" idx="2"/>
+                <a:endCxn id="20" idx="0"/>
+              </p:cNvCxnSpPr>
+              <p:nvPr/>
+            </p:nvCxnSpPr>
+            <p:spPr>
+              <a:xfrm flipH="1">
+                <a:off x="3303749" y="1743074"/>
+                <a:ext cx="1481505" cy="834742"/>
+              </a:xfrm>
+              <a:prstGeom prst="straightConnector1">
+                <a:avLst/>
+              </a:prstGeom>
+              <a:ln w="28575">
+                <a:solidFill>
+                  <a:srgbClr val="C00000"/>
+                </a:solidFill>
+                <a:tailEnd type="triangle"/>
+              </a:ln>
+            </p:spPr>
+            <p:style>
+              <a:lnRef idx="2">
+                <a:schemeClr val="accent1"/>
+              </a:lnRef>
+              <a:fillRef idx="0">
+                <a:schemeClr val="accent1"/>
+              </a:fillRef>
+              <a:effectRef idx="1">
+                <a:schemeClr val="accent1"/>
+              </a:effectRef>
+              <a:fontRef idx="minor">
+                <a:schemeClr val="tx1"/>
+              </a:fontRef>
+            </p:style>
+          </p:cxnSp>
+          <p:cxnSp>
+            <p:nvCxnSpPr>
+              <p:cNvPr id="36" name="Straight Arrow Connector 35">
+                <a:extLst>
+                  <a:ext uri="{FF2B5EF4-FFF2-40B4-BE49-F238E27FC236}">
+                    <a16:creationId xmlns:a16="http://schemas.microsoft.com/office/drawing/2014/main" id="{26D92525-804C-9C7C-7163-DE7F2715152A}"/>
+                  </a:ext>
+                </a:extLst>
+              </p:cNvPr>
+              <p:cNvCxnSpPr>
+                <a:cxnSpLocks/>
+                <a:stCxn id="20" idx="2"/>
+                <a:endCxn id="30" idx="0"/>
+              </p:cNvCxnSpPr>
+              <p:nvPr/>
+            </p:nvCxnSpPr>
+            <p:spPr>
+              <a:xfrm flipH="1">
+                <a:off x="1519878" y="3429000"/>
+                <a:ext cx="1783871" cy="820701"/>
+              </a:xfrm>
+              <a:prstGeom prst="straightConnector1">
+                <a:avLst/>
+              </a:prstGeom>
+              <a:ln w="28575">
+                <a:solidFill>
+                  <a:schemeClr val="tx1"/>
+                </a:solidFill>
+                <a:tailEnd type="triangle"/>
+              </a:ln>
+            </p:spPr>
+            <p:style>
+              <a:lnRef idx="2">
+                <a:schemeClr val="accent1"/>
+              </a:lnRef>
+              <a:fillRef idx="0">
+                <a:schemeClr val="accent1"/>
+              </a:fillRef>
+              <a:effectRef idx="1">
+                <a:schemeClr val="accent1"/>
+              </a:effectRef>
+              <a:fontRef idx="minor">
+                <a:schemeClr val="tx1"/>
+              </a:fontRef>
+            </p:style>
+          </p:cxnSp>
+          <p:cxnSp>
+            <p:nvCxnSpPr>
+              <p:cNvPr id="39" name="Straight Arrow Connector 38">
+                <a:extLst>
+                  <a:ext uri="{FF2B5EF4-FFF2-40B4-BE49-F238E27FC236}">
+                    <a16:creationId xmlns:a16="http://schemas.microsoft.com/office/drawing/2014/main" id="{F961B779-C91B-7981-CC86-FE17288EE805}"/>
+                  </a:ext>
+                </a:extLst>
+              </p:cNvPr>
+              <p:cNvCxnSpPr>
+                <a:cxnSpLocks/>
+                <a:stCxn id="20" idx="2"/>
+                <a:endCxn id="27" idx="0"/>
+              </p:cNvCxnSpPr>
+              <p:nvPr/>
+            </p:nvCxnSpPr>
+            <p:spPr>
+              <a:xfrm>
+                <a:off x="3303749" y="3429000"/>
+                <a:ext cx="1168677" cy="820701"/>
+              </a:xfrm>
+              <a:prstGeom prst="straightConnector1">
+                <a:avLst/>
+              </a:prstGeom>
+              <a:ln w="28575">
+                <a:solidFill>
+                  <a:srgbClr val="C00000"/>
+                </a:solidFill>
+                <a:tailEnd type="triangle"/>
+              </a:ln>
+            </p:spPr>
+            <p:style>
+              <a:lnRef idx="2">
+                <a:schemeClr val="accent1"/>
+              </a:lnRef>
+              <a:fillRef idx="0">
+                <a:schemeClr val="accent1"/>
+              </a:fillRef>
+              <a:effectRef idx="1">
+                <a:schemeClr val="accent1"/>
+              </a:effectRef>
+              <a:fontRef idx="minor">
+                <a:schemeClr val="tx1"/>
+              </a:fontRef>
+            </p:style>
+          </p:cxnSp>
+        </p:grpSp>
+        <p:cxnSp>
+          <p:nvCxnSpPr>
+            <p:cNvPr id="4" name="Curved Connector 3">
+              <a:extLst>
+                <a:ext uri="{FF2B5EF4-FFF2-40B4-BE49-F238E27FC236}">
+                  <a16:creationId xmlns:a16="http://schemas.microsoft.com/office/drawing/2014/main" id="{C91E6658-3C38-9506-FD92-CB4C1C085DB3}"/>
+                </a:ext>
+              </a:extLst>
+            </p:cNvPr>
+            <p:cNvCxnSpPr>
+              <a:stCxn id="27" idx="3"/>
+              <a:endCxn id="18" idx="3"/>
+            </p:cNvCxnSpPr>
+            <p:nvPr/>
+          </p:nvCxnSpPr>
+          <p:spPr>
+            <a:xfrm flipV="1">
+              <a:off x="6035410" y="1042987"/>
+              <a:ext cx="12700" cy="3643893"/>
+            </a:xfrm>
+            <a:prstGeom prst="curvedConnector3">
+              <a:avLst>
+                <a:gd name="adj1" fmla="val 6412496"/>
+              </a:avLst>
+            </a:prstGeom>
+            <a:ln w="28575">
+              <a:solidFill>
+                <a:srgbClr val="C00000"/>
+              </a:solidFill>
+              <a:tailEnd type="triangle"/>
+            </a:ln>
+          </p:spPr>
+          <p:style>
+            <a:lnRef idx="2">
+              <a:schemeClr val="accent1"/>
+            </a:lnRef>
+            <a:fillRef idx="0">
+              <a:schemeClr val="accent1"/>
+            </a:fillRef>
+            <a:effectRef idx="1">
+              <a:schemeClr val="accent1"/>
+            </a:effectRef>
+            <a:fontRef idx="minor">
+              <a:schemeClr val="tx1"/>
+            </a:fontRef>
+          </p:style>
+        </p:cxnSp>
+        <p:sp>
+          <p:nvSpPr>
+            <p:cNvPr id="8" name="TextBox 7">
+              <a:extLst>
+                <a:ext uri="{FF2B5EF4-FFF2-40B4-BE49-F238E27FC236}">
+                  <a16:creationId xmlns:a16="http://schemas.microsoft.com/office/drawing/2014/main" id="{92AEB751-1603-2D51-250E-BF7539DE0253}"/>
+                </a:ext>
+              </a:extLst>
+            </p:cNvPr>
+            <p:cNvSpPr txBox="1"/>
+            <p:nvPr/>
+          </p:nvSpPr>
+          <p:spPr>
+            <a:xfrm>
+              <a:off x="4301920" y="1984000"/>
+              <a:ext cx="1754006" cy="523220"/>
+            </a:xfrm>
+            <a:prstGeom prst="rect">
+              <a:avLst/>
+            </a:prstGeom>
+            <a:noFill/>
+          </p:spPr>
+          <p:txBody>
+            <a:bodyPr wrap="none" rtlCol="0">
+              <a:spAutoFit/>
+            </a:bodyPr>
+            <a:lstStyle/>
+            <a:p>
+              <a:r>
+                <a:rPr lang="en-US" sz="2800" dirty="0">
+                  <a:latin typeface="Arial" panose="020B0604020202020204" pitchFamily="34" charset="0"/>
+                  <a:cs typeface="Arial" panose="020B0604020202020204" pitchFamily="34" charset="0"/>
+                </a:rPr>
+                <a:t>~ minutes</a:t>
+              </a:r>
+            </a:p>
+          </p:txBody>
+        </p:sp>
+        <p:sp>
+          <p:nvSpPr>
+            <p:cNvPr id="10" name="TextBox 9">
+              <a:extLst>
+                <a:ext uri="{FF2B5EF4-FFF2-40B4-BE49-F238E27FC236}">
+                  <a16:creationId xmlns:a16="http://schemas.microsoft.com/office/drawing/2014/main" id="{015B3B8C-0374-A602-5A58-DF11F7E2F3C0}"/>
+                </a:ext>
+              </a:extLst>
+            </p:cNvPr>
+            <p:cNvSpPr txBox="1"/>
+            <p:nvPr/>
+          </p:nvSpPr>
+          <p:spPr>
+            <a:xfrm>
+              <a:off x="4253477" y="3479754"/>
+              <a:ext cx="1394934" cy="523220"/>
+            </a:xfrm>
+            <a:prstGeom prst="rect">
+              <a:avLst/>
+            </a:prstGeom>
+            <a:noFill/>
+          </p:spPr>
+          <p:txBody>
+            <a:bodyPr wrap="none" rtlCol="0">
+              <a:spAutoFit/>
+            </a:bodyPr>
+            <a:lstStyle/>
+            <a:p>
+              <a:r>
+                <a:rPr lang="en-US" sz="2800" dirty="0">
+                  <a:latin typeface="Arial" panose="020B0604020202020204" pitchFamily="34" charset="0"/>
+                  <a:cs typeface="Arial" panose="020B0604020202020204" pitchFamily="34" charset="0"/>
+                </a:rPr>
+                <a:t>~ hours</a:t>
+              </a:r>
+            </a:p>
+          </p:txBody>
+        </p:sp>
+        <p:sp>
+          <p:nvSpPr>
+            <p:cNvPr id="21" name="TextBox 20">
+              <a:extLst>
+                <a:ext uri="{FF2B5EF4-FFF2-40B4-BE49-F238E27FC236}">
+                  <a16:creationId xmlns:a16="http://schemas.microsoft.com/office/drawing/2014/main" id="{27EB944B-E340-DFD3-B948-D1B045D1AD8A}"/>
+                </a:ext>
+              </a:extLst>
+            </p:cNvPr>
+            <p:cNvSpPr txBox="1"/>
+            <p:nvPr/>
+          </p:nvSpPr>
+          <p:spPr>
+            <a:xfrm>
+              <a:off x="5529092" y="2680267"/>
+              <a:ext cx="1143262" cy="523220"/>
+            </a:xfrm>
+            <a:prstGeom prst="rect">
+              <a:avLst/>
+            </a:prstGeom>
+            <a:noFill/>
+          </p:spPr>
+          <p:txBody>
+            <a:bodyPr wrap="none" rtlCol="0">
+              <a:spAutoFit/>
+            </a:bodyPr>
+            <a:lstStyle/>
+            <a:p>
+              <a:r>
+                <a:rPr lang="en-US" sz="2800" dirty="0">
+                  <a:latin typeface="Arial" panose="020B0604020202020204" pitchFamily="34" charset="0"/>
+                  <a:cs typeface="Arial" panose="020B0604020202020204" pitchFamily="34" charset="0"/>
+                </a:rPr>
+                <a:t>Oops!</a:t>
+              </a:r>
+            </a:p>
+          </p:txBody>
+        </p:sp>
+      </p:grpSp>
+    </p:spTree>
+    <p:extLst>
+      <p:ext uri="{BB962C8B-B14F-4D97-AF65-F5344CB8AC3E}">
+        <p14:creationId xmlns:p14="http://schemas.microsoft.com/office/powerpoint/2010/main" val="513917505"/>
+      </p:ext>
+    </p:extLst>
+  </p:cSld>
+  <p:clrMapOvr>
+    <a:masterClrMapping/>
+  </p:clrMapOvr>
+</p:sld>
+</file>
+
+<file path=ppt/slides/slide16.xml><?xml version="1.0" encoding="utf-8"?>
+<p:sld xmlns:a="http://schemas.openxmlformats.org/drawingml/2006/main" xmlns:r="http://schemas.openxmlformats.org/officeDocument/2006/relationships" xmlns:p="http://schemas.openxmlformats.org/presentationml/2006/main">
+  <p:cSld>
+    <p:spTree>
+      <p:nvGrpSpPr>
+        <p:cNvPr id="1" name=""/>
+        <p:cNvGrpSpPr/>
+        <p:nvPr/>
+      </p:nvGrpSpPr>
+      <p:grpSpPr>
+        <a:xfrm>
+          <a:off x="0" y="0"/>
+          <a:ext cx="0" cy="0"/>
+          <a:chOff x="0" y="0"/>
+          <a:chExt cx="0" cy="0"/>
+        </a:xfrm>
+      </p:grpSpPr>
+      <p:grpSp>
+        <p:nvGrpSpPr>
+          <p:cNvPr id="17" name="Group 16">
+            <a:extLst>
+              <a:ext uri="{FF2B5EF4-FFF2-40B4-BE49-F238E27FC236}">
+                <a16:creationId xmlns:a16="http://schemas.microsoft.com/office/drawing/2014/main" id="{EC3726C6-0924-62FC-FD1A-2451C4E1B219}"/>
+              </a:ext>
+            </a:extLst>
+          </p:cNvPr>
+          <p:cNvGrpSpPr/>
+          <p:nvPr/>
+        </p:nvGrpSpPr>
+        <p:grpSpPr>
+          <a:xfrm>
+            <a:off x="514350" y="342900"/>
+            <a:ext cx="2500313" cy="1400175"/>
+            <a:chOff x="514350" y="342900"/>
+            <a:chExt cx="2500313" cy="1400175"/>
+          </a:xfrm>
+        </p:grpSpPr>
+        <p:grpSp>
+          <p:nvGrpSpPr>
+            <p:cNvPr id="14" name="Group 13">
+              <a:extLst>
+                <a:ext uri="{FF2B5EF4-FFF2-40B4-BE49-F238E27FC236}">
+                  <a16:creationId xmlns:a16="http://schemas.microsoft.com/office/drawing/2014/main" id="{44A455CE-A0EF-BC1D-4592-8102983BFEA6}"/>
+                </a:ext>
+              </a:extLst>
+            </p:cNvPr>
+            <p:cNvGrpSpPr/>
+            <p:nvPr/>
+          </p:nvGrpSpPr>
+          <p:grpSpPr>
+            <a:xfrm>
+              <a:off x="782084" y="643379"/>
+              <a:ext cx="2004106" cy="858733"/>
+              <a:chOff x="-46591" y="1599014"/>
+              <a:chExt cx="2004106" cy="858733"/>
+            </a:xfrm>
+          </p:grpSpPr>
+          <p:pic>
+            <p:nvPicPr>
+              <p:cNvPr id="9" name="Picture 8" descr="A pink and black flower&#10;&#10;Description automatically generated">
+                <a:extLst>
+                  <a:ext uri="{FF2B5EF4-FFF2-40B4-BE49-F238E27FC236}">
+                    <a16:creationId xmlns:a16="http://schemas.microsoft.com/office/drawing/2014/main" id="{9B29DCE0-AB64-3F43-F24E-6708BC93CAD4}"/>
+                  </a:ext>
+                </a:extLst>
+              </p:cNvPr>
+              <p:cNvPicPr>
+                <a:picLocks noChangeAspect="1"/>
+              </p:cNvPicPr>
+              <p:nvPr/>
+            </p:nvPicPr>
+            <p:blipFill>
+              <a:blip r:embed="rId2"/>
+              <a:stretch>
+                <a:fillRect/>
+              </a:stretch>
+            </p:blipFill>
+            <p:spPr>
+              <a:xfrm>
+                <a:off x="206109" y="1608208"/>
+                <a:ext cx="379457" cy="350943"/>
+              </a:xfrm>
+              <a:prstGeom prst="rect">
+                <a:avLst/>
+              </a:prstGeom>
+            </p:spPr>
+          </p:pic>
+          <p:pic>
+            <p:nvPicPr>
+              <p:cNvPr id="11" name="Graphic 10">
+                <a:extLst>
+                  <a:ext uri="{FF2B5EF4-FFF2-40B4-BE49-F238E27FC236}">
+                    <a16:creationId xmlns:a16="http://schemas.microsoft.com/office/drawing/2014/main" id="{D4F6EF08-7D85-15DC-BDD3-B876FF7CFF17}"/>
+                  </a:ext>
+                </a:extLst>
+              </p:cNvPr>
+              <p:cNvPicPr>
+                <a:picLocks noChangeAspect="1"/>
+              </p:cNvPicPr>
+              <p:nvPr/>
+            </p:nvPicPr>
+            <p:blipFill>
+              <a:blip r:embed="rId3">
+                <a:extLst>
+                  <a:ext uri="{96DAC541-7B7A-43D3-8B79-37D633B846F1}">
+                    <asvg:svgBlip xmlns:asvg="http://schemas.microsoft.com/office/drawing/2016/SVG/main" r:embed="rId4"/>
+                  </a:ext>
+                </a:extLst>
+              </a:blip>
+              <a:stretch>
+                <a:fillRect/>
+              </a:stretch>
+            </p:blipFill>
+            <p:spPr>
+              <a:xfrm>
+                <a:off x="1220822" y="2088415"/>
+                <a:ext cx="621869" cy="329861"/>
+              </a:xfrm>
+              <a:prstGeom prst="rect">
+                <a:avLst/>
+              </a:prstGeom>
+            </p:spPr>
+          </p:pic>
+          <p:sp>
+            <p:nvSpPr>
+              <p:cNvPr id="12" name="TextBox 11">
+                <a:extLst>
+                  <a:ext uri="{FF2B5EF4-FFF2-40B4-BE49-F238E27FC236}">
+                    <a16:creationId xmlns:a16="http://schemas.microsoft.com/office/drawing/2014/main" id="{4C71F519-7665-F7EC-3499-1F0C67104F71}"/>
+                  </a:ext>
+                </a:extLst>
+              </p:cNvPr>
+              <p:cNvSpPr txBox="1"/>
+              <p:nvPr/>
+            </p:nvSpPr>
+            <p:spPr>
+              <a:xfrm>
+                <a:off x="1106000" y="1599014"/>
+                <a:ext cx="851515" cy="369332"/>
+              </a:xfrm>
+              <a:prstGeom prst="rect">
+                <a:avLst/>
+              </a:prstGeom>
+              <a:noFill/>
+            </p:spPr>
+            <p:txBody>
+              <a:bodyPr wrap="none" rtlCol="0">
+                <a:spAutoFit/>
+              </a:bodyPr>
+              <a:lstStyle/>
+              <a:p>
+                <a:r>
+                  <a:rPr lang="en-US" dirty="0">
+                    <a:latin typeface="Arial" panose="020B0604020202020204" pitchFamily="34" charset="0"/>
+                    <a:cs typeface="Arial" panose="020B0604020202020204" pitchFamily="34" charset="0"/>
+                  </a:rPr>
+                  <a:t>Spade</a:t>
+                </a:r>
+              </a:p>
+            </p:txBody>
+          </p:sp>
+          <p:sp>
+            <p:nvSpPr>
+              <p:cNvPr id="13" name="TextBox 12">
+                <a:extLst>
+                  <a:ext uri="{FF2B5EF4-FFF2-40B4-BE49-F238E27FC236}">
+                    <a16:creationId xmlns:a16="http://schemas.microsoft.com/office/drawing/2014/main" id="{E0A5FF8B-CBFE-A86F-5BA9-C183DA302FD1}"/>
+                  </a:ext>
+                </a:extLst>
+              </p:cNvPr>
+              <p:cNvSpPr txBox="1"/>
+              <p:nvPr/>
+            </p:nvSpPr>
+            <p:spPr>
+              <a:xfrm>
+                <a:off x="-46591" y="2088415"/>
+                <a:ext cx="1249060" cy="369332"/>
+              </a:xfrm>
+              <a:prstGeom prst="rect">
+                <a:avLst/>
+              </a:prstGeom>
+              <a:noFill/>
+            </p:spPr>
+            <p:txBody>
+              <a:bodyPr wrap="square" rtlCol="0">
+                <a:spAutoFit/>
+              </a:bodyPr>
+              <a:lstStyle/>
+              <a:p>
+                <a:r>
+                  <a:rPr lang="en-US" dirty="0" err="1">
+                    <a:latin typeface="Arial" panose="020B0604020202020204" pitchFamily="34" charset="0"/>
+                    <a:cs typeface="Arial" panose="020B0604020202020204" pitchFamily="34" charset="0"/>
+                  </a:rPr>
+                  <a:t>Shakeflow</a:t>
+                </a:r>
+                <a:endParaRPr lang="en-US" dirty="0">
+                  <a:latin typeface="Arial" panose="020B0604020202020204" pitchFamily="34" charset="0"/>
+                  <a:cs typeface="Arial" panose="020B0604020202020204" pitchFamily="34" charset="0"/>
+                </a:endParaRPr>
+              </a:p>
+            </p:txBody>
+          </p:sp>
+        </p:grpSp>
+        <p:sp>
+          <p:nvSpPr>
+            <p:cNvPr id="16" name="Rectangle 15">
+              <a:extLst>
+                <a:ext uri="{FF2B5EF4-FFF2-40B4-BE49-F238E27FC236}">
+                  <a16:creationId xmlns:a16="http://schemas.microsoft.com/office/drawing/2014/main" id="{099D0E25-CD98-2F37-AFC6-9195310527FE}"/>
+                </a:ext>
+              </a:extLst>
+            </p:cNvPr>
+            <p:cNvSpPr/>
+            <p:nvPr/>
+          </p:nvSpPr>
+          <p:spPr>
+            <a:xfrm>
+              <a:off x="514350" y="342900"/>
+              <a:ext cx="2500313" cy="1400175"/>
+            </a:xfrm>
+            <a:prstGeom prst="rect">
+              <a:avLst/>
+            </a:prstGeom>
+            <a:noFill/>
+            <a:ln w="28575">
+              <a:solidFill>
+                <a:schemeClr val="tx1"/>
+              </a:solidFill>
+            </a:ln>
+          </p:spPr>
+          <p:style>
+            <a:lnRef idx="2">
+              <a:schemeClr val="accent1">
+                <a:shade val="15000"/>
+              </a:schemeClr>
+            </a:lnRef>
+            <a:fillRef idx="1">
+              <a:schemeClr val="accent1"/>
+            </a:fillRef>
+            <a:effectRef idx="0">
+              <a:schemeClr val="accent1"/>
+            </a:effectRef>
+            <a:fontRef idx="minor">
+              <a:schemeClr val="lt1"/>
+            </a:fontRef>
+          </p:style>
+          <p:txBody>
+            <a:bodyPr rtlCol="0" anchor="ctr"/>
+            <a:lstStyle/>
+            <a:p>
+              <a:pPr algn="ctr"/>
+              <a:endParaRPr lang="en-US">
+                <a:latin typeface="Arial" panose="020B0604020202020204" pitchFamily="34" charset="0"/>
+                <a:cs typeface="Arial" panose="020B0604020202020204" pitchFamily="34" charset="0"/>
+              </a:endParaRPr>
+            </a:p>
+          </p:txBody>
+        </p:sp>
+      </p:grpSp>
+      <p:grpSp>
+        <p:nvGrpSpPr>
+          <p:cNvPr id="19" name="Group 18">
+            <a:extLst>
+              <a:ext uri="{FF2B5EF4-FFF2-40B4-BE49-F238E27FC236}">
+                <a16:creationId xmlns:a16="http://schemas.microsoft.com/office/drawing/2014/main" id="{383E4663-B0C4-6364-3CEB-302E7221C5A3}"/>
+              </a:ext>
+            </a:extLst>
+          </p:cNvPr>
+          <p:cNvGrpSpPr/>
+          <p:nvPr/>
+        </p:nvGrpSpPr>
+        <p:grpSpPr>
+          <a:xfrm>
+            <a:off x="3535097" y="342899"/>
+            <a:ext cx="2500313" cy="1400175"/>
+            <a:chOff x="4256186" y="432692"/>
+            <a:chExt cx="2500313" cy="1400175"/>
+          </a:xfrm>
+        </p:grpSpPr>
+        <p:grpSp>
+          <p:nvGrpSpPr>
+            <p:cNvPr id="15" name="Group 14">
+              <a:extLst>
+                <a:ext uri="{FF2B5EF4-FFF2-40B4-BE49-F238E27FC236}">
+                  <a16:creationId xmlns:a16="http://schemas.microsoft.com/office/drawing/2014/main" id="{335F4E66-AF36-1852-9763-D13FFAFD5DE9}"/>
+                </a:ext>
+              </a:extLst>
+            </p:cNvPr>
+            <p:cNvGrpSpPr/>
+            <p:nvPr/>
+          </p:nvGrpSpPr>
+          <p:grpSpPr>
+            <a:xfrm>
+              <a:off x="4682571" y="707468"/>
+              <a:ext cx="1777132" cy="850624"/>
+              <a:chOff x="6997146" y="1813089"/>
+              <a:chExt cx="1777132" cy="850624"/>
+            </a:xfrm>
+          </p:grpSpPr>
+          <p:pic>
+            <p:nvPicPr>
+              <p:cNvPr id="3" name="Picture 2" descr="A red and black logo&#10;&#10;Description automatically generated">
+                <a:extLst>
+                  <a:ext uri="{FF2B5EF4-FFF2-40B4-BE49-F238E27FC236}">
+                    <a16:creationId xmlns:a16="http://schemas.microsoft.com/office/drawing/2014/main" id="{5112EEF7-8827-1C6C-99E6-6EF2F5379B57}"/>
+                  </a:ext>
+                </a:extLst>
+              </p:cNvPr>
+              <p:cNvPicPr>
+                <a:picLocks noChangeAspect="1"/>
+              </p:cNvPicPr>
+              <p:nvPr/>
+            </p:nvPicPr>
+            <p:blipFill>
+              <a:blip r:embed="rId5"/>
+              <a:stretch>
+                <a:fillRect/>
+              </a:stretch>
+            </p:blipFill>
+            <p:spPr>
+              <a:xfrm>
+                <a:off x="6997146" y="1813089"/>
+                <a:ext cx="823772" cy="310513"/>
+              </a:xfrm>
+              <a:prstGeom prst="rect">
+                <a:avLst/>
+              </a:prstGeom>
+            </p:spPr>
+          </p:pic>
+          <p:pic>
+            <p:nvPicPr>
+              <p:cNvPr id="5" name="Graphic 4">
+                <a:extLst>
+                  <a:ext uri="{FF2B5EF4-FFF2-40B4-BE49-F238E27FC236}">
+                    <a16:creationId xmlns:a16="http://schemas.microsoft.com/office/drawing/2014/main" id="{84D46EF2-7A6F-642D-D106-87C62470EC86}"/>
+                  </a:ext>
+                </a:extLst>
+              </p:cNvPr>
+              <p:cNvPicPr>
+                <a:picLocks noChangeAspect="1"/>
+              </p:cNvPicPr>
+              <p:nvPr/>
+            </p:nvPicPr>
+            <p:blipFill>
+              <a:blip r:embed="rId6">
+                <a:extLst>
+                  <a:ext uri="{96DAC541-7B7A-43D3-8B79-37D633B846F1}">
+                    <asvg:svgBlip xmlns:asvg="http://schemas.microsoft.com/office/drawing/2016/SVG/main" r:embed="rId7"/>
+                  </a:ext>
+                </a:extLst>
+              </a:blip>
+              <a:stretch>
+                <a:fillRect/>
+              </a:stretch>
+            </p:blipFill>
+            <p:spPr>
+              <a:xfrm>
+                <a:off x="6997147" y="2333852"/>
+                <a:ext cx="823771" cy="329861"/>
+              </a:xfrm>
+              <a:prstGeom prst="rect">
+                <a:avLst/>
+              </a:prstGeom>
+            </p:spPr>
+          </p:pic>
+          <p:pic>
+            <p:nvPicPr>
+              <p:cNvPr id="7" name="Picture 6" descr="A blue and yellow lines on a black background&#10;&#10;Description automatically generated">
+                <a:extLst>
+                  <a:ext uri="{FF2B5EF4-FFF2-40B4-BE49-F238E27FC236}">
+                    <a16:creationId xmlns:a16="http://schemas.microsoft.com/office/drawing/2014/main" id="{BAA4F9DD-ABE8-FACD-117D-E9CEB49C46EB}"/>
+                  </a:ext>
+                </a:extLst>
+              </p:cNvPr>
+              <p:cNvPicPr>
+                <a:picLocks noChangeAspect="1"/>
+              </p:cNvPicPr>
+              <p:nvPr/>
+            </p:nvPicPr>
+            <p:blipFill>
+              <a:blip r:embed="rId8"/>
+              <a:stretch>
+                <a:fillRect/>
+              </a:stretch>
+            </p:blipFill>
+            <p:spPr>
+              <a:xfrm>
+                <a:off x="8009213" y="2054001"/>
+                <a:ext cx="765065" cy="274945"/>
+              </a:xfrm>
+              <a:prstGeom prst="rect">
+                <a:avLst/>
+              </a:prstGeom>
+            </p:spPr>
+          </p:pic>
+        </p:grpSp>
+        <p:sp>
+          <p:nvSpPr>
+            <p:cNvPr id="18" name="Rectangle 17">
+              <a:extLst>
+                <a:ext uri="{FF2B5EF4-FFF2-40B4-BE49-F238E27FC236}">
+                  <a16:creationId xmlns:a16="http://schemas.microsoft.com/office/drawing/2014/main" id="{1FEEC01D-DA97-22FF-07A5-173B004A8A0C}"/>
+                </a:ext>
+              </a:extLst>
+            </p:cNvPr>
+            <p:cNvSpPr/>
+            <p:nvPr/>
+          </p:nvSpPr>
+          <p:spPr>
+            <a:xfrm>
+              <a:off x="4256186" y="432692"/>
+              <a:ext cx="2500313" cy="1400175"/>
+            </a:xfrm>
+            <a:prstGeom prst="rect">
+              <a:avLst/>
+            </a:prstGeom>
+            <a:noFill/>
+            <a:ln w="28575">
+              <a:solidFill>
+                <a:schemeClr val="tx1"/>
+              </a:solidFill>
+            </a:ln>
+          </p:spPr>
+          <p:style>
+            <a:lnRef idx="2">
+              <a:schemeClr val="accent1">
+                <a:shade val="15000"/>
+              </a:schemeClr>
+            </a:lnRef>
+            <a:fillRef idx="1">
+              <a:schemeClr val="accent1"/>
+            </a:fillRef>
+            <a:effectRef idx="0">
+              <a:schemeClr val="accent1"/>
+            </a:effectRef>
+            <a:fontRef idx="minor">
+              <a:schemeClr val="lt1"/>
+            </a:fontRef>
+          </p:style>
+          <p:txBody>
+            <a:bodyPr rtlCol="0" anchor="ctr"/>
+            <a:lstStyle/>
+            <a:p>
+              <a:pPr algn="ctr"/>
+              <a:endParaRPr lang="en-US">
+                <a:latin typeface="Arial" panose="020B0604020202020204" pitchFamily="34" charset="0"/>
+                <a:cs typeface="Arial" panose="020B0604020202020204" pitchFamily="34" charset="0"/>
+              </a:endParaRPr>
+            </a:p>
+          </p:txBody>
+        </p:sp>
+      </p:grpSp>
+      <p:sp>
+        <p:nvSpPr>
+          <p:cNvPr id="20" name="Rectangle 19">
+            <a:extLst>
+              <a:ext uri="{FF2B5EF4-FFF2-40B4-BE49-F238E27FC236}">
+                <a16:creationId xmlns:a16="http://schemas.microsoft.com/office/drawing/2014/main" id="{CA3F4C21-C5B8-11C8-CF0A-86C3E3FB2B89}"/>
+              </a:ext>
+            </a:extLst>
+          </p:cNvPr>
+          <p:cNvSpPr/>
+          <p:nvPr/>
+        </p:nvSpPr>
+        <p:spPr>
+          <a:xfrm>
+            <a:off x="6461795" y="342900"/>
+            <a:ext cx="2214123" cy="1400174"/>
+          </a:xfrm>
+          <a:prstGeom prst="rect">
+            <a:avLst/>
+          </a:prstGeom>
+          <a:noFill/>
+          <a:ln w="28575">
+            <a:solidFill>
+              <a:schemeClr val="tx1"/>
+            </a:solidFill>
+          </a:ln>
+        </p:spPr>
+        <p:style>
+          <a:lnRef idx="2">
+            <a:schemeClr val="accent1">
+              <a:shade val="15000"/>
+            </a:schemeClr>
+          </a:lnRef>
+          <a:fillRef idx="1">
+            <a:schemeClr val="accent1"/>
+          </a:fillRef>
+          <a:effectRef idx="0">
+            <a:schemeClr val="accent1"/>
+          </a:effectRef>
+          <a:fontRef idx="minor">
+            <a:schemeClr val="lt1"/>
+          </a:fontRef>
+        </p:style>
+        <p:txBody>
+          <a:bodyPr rtlCol="0" anchor="ctr"/>
+          <a:lstStyle/>
+          <a:p>
+            <a:pPr algn="ctr"/>
+            <a:r>
+              <a:rPr lang="en-US" sz="3200" dirty="0">
+                <a:solidFill>
+                  <a:schemeClr val="tx1"/>
+                </a:solidFill>
+                <a:latin typeface="Arial" panose="020B0604020202020204" pitchFamily="34" charset="0"/>
+                <a:cs typeface="Arial" panose="020B0604020202020204" pitchFamily="34" charset="0"/>
+              </a:rPr>
+              <a:t>RTL</a:t>
+            </a:r>
+          </a:p>
+        </p:txBody>
+      </p:sp>
+      <p:grpSp>
+        <p:nvGrpSpPr>
+          <p:cNvPr id="29" name="Group 28">
+            <a:extLst>
+              <a:ext uri="{FF2B5EF4-FFF2-40B4-BE49-F238E27FC236}">
+                <a16:creationId xmlns:a16="http://schemas.microsoft.com/office/drawing/2014/main" id="{EC9C158A-AFA5-3082-FD51-53AC226DCFDF}"/>
+              </a:ext>
+            </a:extLst>
+          </p:cNvPr>
+          <p:cNvGrpSpPr/>
+          <p:nvPr/>
+        </p:nvGrpSpPr>
+        <p:grpSpPr>
+          <a:xfrm>
+            <a:off x="2909441" y="4249701"/>
+            <a:ext cx="3125969" cy="874358"/>
+            <a:chOff x="2360431" y="4240568"/>
+            <a:chExt cx="3125969" cy="874358"/>
+          </a:xfrm>
+        </p:grpSpPr>
+        <p:pic>
+          <p:nvPicPr>
+            <p:cNvPr id="24" name="Picture 23" descr="A close-up of a logo&#10;&#10;Description automatically generated">
+              <a:extLst>
+                <a:ext uri="{FF2B5EF4-FFF2-40B4-BE49-F238E27FC236}">
+                  <a16:creationId xmlns:a16="http://schemas.microsoft.com/office/drawing/2014/main" id="{E611835E-636D-8D39-624F-3CA2B9738DDC}"/>
+                </a:ext>
+              </a:extLst>
+            </p:cNvPr>
+            <p:cNvPicPr>
+              <a:picLocks noChangeAspect="1"/>
+            </p:cNvPicPr>
+            <p:nvPr/>
+          </p:nvPicPr>
+          <p:blipFill>
+            <a:blip r:embed="rId9"/>
+            <a:stretch>
+              <a:fillRect/>
+            </a:stretch>
+          </p:blipFill>
+          <p:spPr>
+            <a:xfrm>
+              <a:off x="2543762" y="4382997"/>
+              <a:ext cx="1822404" cy="595919"/>
+            </a:xfrm>
+            <a:prstGeom prst="rect">
+              <a:avLst/>
+            </a:prstGeom>
+          </p:spPr>
+        </p:pic>
+        <p:pic>
+          <p:nvPicPr>
+            <p:cNvPr id="26" name="Picture 25" descr="A green logo with a clock and arrows&#10;&#10;Description automatically generated">
+              <a:extLst>
+                <a:ext uri="{FF2B5EF4-FFF2-40B4-BE49-F238E27FC236}">
+                  <a16:creationId xmlns:a16="http://schemas.microsoft.com/office/drawing/2014/main" id="{AEAFAF7F-5F98-98A2-27F3-0D322CC8DB08}"/>
+                </a:ext>
+              </a:extLst>
+            </p:cNvPr>
+            <p:cNvPicPr>
+              <a:picLocks noChangeAspect="1"/>
+            </p:cNvPicPr>
+            <p:nvPr/>
+          </p:nvPicPr>
+          <p:blipFill>
+            <a:blip r:embed="rId10"/>
+            <a:stretch>
+              <a:fillRect/>
+            </a:stretch>
+          </p:blipFill>
+          <p:spPr>
+            <a:xfrm>
+              <a:off x="4656048" y="4322493"/>
+              <a:ext cx="716927" cy="716927"/>
+            </a:xfrm>
+            <a:prstGeom prst="rect">
+              <a:avLst/>
+            </a:prstGeom>
+          </p:spPr>
+        </p:pic>
+        <p:sp>
+          <p:nvSpPr>
+            <p:cNvPr id="27" name="Rectangle 26">
+              <a:extLst>
+                <a:ext uri="{FF2B5EF4-FFF2-40B4-BE49-F238E27FC236}">
+                  <a16:creationId xmlns:a16="http://schemas.microsoft.com/office/drawing/2014/main" id="{058F2E80-BEA8-2EC3-D2B2-140432CE74A8}"/>
+                </a:ext>
+              </a:extLst>
+            </p:cNvPr>
+            <p:cNvSpPr/>
+            <p:nvPr/>
+          </p:nvSpPr>
+          <p:spPr>
+            <a:xfrm>
+              <a:off x="2360431" y="4240568"/>
+              <a:ext cx="3125969" cy="874358"/>
+            </a:xfrm>
+            <a:prstGeom prst="rect">
+              <a:avLst/>
+            </a:prstGeom>
+            <a:noFill/>
+            <a:ln w="28575">
+              <a:solidFill>
+                <a:schemeClr val="tx1"/>
+              </a:solidFill>
+            </a:ln>
+          </p:spPr>
+          <p:style>
+            <a:lnRef idx="2">
+              <a:schemeClr val="accent1">
+                <a:shade val="15000"/>
+              </a:schemeClr>
+            </a:lnRef>
+            <a:fillRef idx="1">
+              <a:schemeClr val="accent1"/>
+            </a:fillRef>
+            <a:effectRef idx="0">
+              <a:schemeClr val="accent1"/>
+            </a:effectRef>
+            <a:fontRef idx="minor">
+              <a:schemeClr val="lt1"/>
+            </a:fontRef>
+          </p:style>
+          <p:txBody>
+            <a:bodyPr rtlCol="0" anchor="ctr"/>
+            <a:lstStyle/>
+            <a:p>
+              <a:pPr algn="ctr"/>
+              <a:endParaRPr lang="en-US">
+                <a:latin typeface="Arial" panose="020B0604020202020204" pitchFamily="34" charset="0"/>
+                <a:cs typeface="Arial" panose="020B0604020202020204" pitchFamily="34" charset="0"/>
+              </a:endParaRPr>
+            </a:p>
+          </p:txBody>
+        </p:sp>
+      </p:grpSp>
+      <p:grpSp>
+        <p:nvGrpSpPr>
+          <p:cNvPr id="31" name="Group 30">
+            <a:extLst>
+              <a:ext uri="{FF2B5EF4-FFF2-40B4-BE49-F238E27FC236}">
+                <a16:creationId xmlns:a16="http://schemas.microsoft.com/office/drawing/2014/main" id="{1325005C-A4B5-E2B2-3381-C87883610996}"/>
+              </a:ext>
+            </a:extLst>
+          </p:cNvPr>
+          <p:cNvGrpSpPr/>
+          <p:nvPr/>
+        </p:nvGrpSpPr>
+        <p:grpSpPr>
+          <a:xfrm>
+            <a:off x="1008611" y="4249701"/>
+            <a:ext cx="1022533" cy="874358"/>
+            <a:chOff x="762345" y="4329002"/>
+            <a:chExt cx="1022533" cy="874358"/>
+          </a:xfrm>
+        </p:grpSpPr>
+        <p:pic>
+          <p:nvPicPr>
+            <p:cNvPr id="22" name="Picture 21" descr="A blue and white logo&#10;&#10;Description automatically generated">
+              <a:extLst>
+                <a:ext uri="{FF2B5EF4-FFF2-40B4-BE49-F238E27FC236}">
+                  <a16:creationId xmlns:a16="http://schemas.microsoft.com/office/drawing/2014/main" id="{36D791CC-6662-486A-C85A-03BC03AF13A8}"/>
+                </a:ext>
+              </a:extLst>
+            </p:cNvPr>
+            <p:cNvPicPr>
+              <a:picLocks noChangeAspect="1"/>
+            </p:cNvPicPr>
+            <p:nvPr/>
+          </p:nvPicPr>
+          <p:blipFill>
+            <a:blip r:embed="rId11"/>
+            <a:stretch>
+              <a:fillRect/>
+            </a:stretch>
+          </p:blipFill>
+          <p:spPr>
+            <a:xfrm>
+              <a:off x="762345" y="4358737"/>
+              <a:ext cx="1022532" cy="798853"/>
+            </a:xfrm>
+            <a:prstGeom prst="rect">
+              <a:avLst/>
+            </a:prstGeom>
+          </p:spPr>
+        </p:pic>
+        <p:sp>
+          <p:nvSpPr>
+            <p:cNvPr id="30" name="Rectangle 29">
+              <a:extLst>
+                <a:ext uri="{FF2B5EF4-FFF2-40B4-BE49-F238E27FC236}">
+                  <a16:creationId xmlns:a16="http://schemas.microsoft.com/office/drawing/2014/main" id="{9F51B86A-E7C8-9110-0ACE-F762E0CF6767}"/>
+                </a:ext>
+              </a:extLst>
+            </p:cNvPr>
+            <p:cNvSpPr/>
+            <p:nvPr/>
+          </p:nvSpPr>
+          <p:spPr>
+            <a:xfrm>
+              <a:off x="762346" y="4329002"/>
+              <a:ext cx="1022532" cy="874358"/>
+            </a:xfrm>
+            <a:prstGeom prst="rect">
+              <a:avLst/>
+            </a:prstGeom>
+            <a:noFill/>
+            <a:ln w="28575">
+              <a:solidFill>
+                <a:schemeClr val="tx1"/>
+              </a:solidFill>
+            </a:ln>
+          </p:spPr>
+          <p:style>
+            <a:lnRef idx="2">
+              <a:schemeClr val="accent1">
+                <a:shade val="15000"/>
+              </a:schemeClr>
+            </a:lnRef>
+            <a:fillRef idx="1">
+              <a:schemeClr val="accent1"/>
+            </a:fillRef>
+            <a:effectRef idx="0">
+              <a:schemeClr val="accent1"/>
+            </a:effectRef>
+            <a:fontRef idx="minor">
+              <a:schemeClr val="lt1"/>
+            </a:fontRef>
+          </p:style>
+          <p:txBody>
+            <a:bodyPr rtlCol="0" anchor="ctr"/>
+            <a:lstStyle/>
+            <a:p>
+              <a:pPr algn="ctr"/>
+              <a:endParaRPr lang="en-US">
+                <a:latin typeface="Arial" panose="020B0604020202020204" pitchFamily="34" charset="0"/>
+                <a:cs typeface="Arial" panose="020B0604020202020204" pitchFamily="34" charset="0"/>
+              </a:endParaRPr>
+            </a:p>
+          </p:txBody>
+        </p:sp>
+      </p:grpSp>
+    </p:spTree>
+    <p:extLst>
+      <p:ext uri="{BB962C8B-B14F-4D97-AF65-F5344CB8AC3E}">
+        <p14:creationId xmlns:p14="http://schemas.microsoft.com/office/powerpoint/2010/main" val="1851399568"/>
+      </p:ext>
+    </p:extLst>
+  </p:cSld>
+  <p:clrMapOvr>
+    <a:masterClrMapping/>
+  </p:clrMapOvr>
+</p:sld>
+</file>
+
+<file path=ppt/slides/slide17.xml><?xml version="1.0" encoding="utf-8"?>
+<p:sld xmlns:a="http://schemas.openxmlformats.org/drawingml/2006/main" xmlns:r="http://schemas.openxmlformats.org/officeDocument/2006/relationships" xmlns:p="http://schemas.openxmlformats.org/presentationml/2006/main">
+  <p:cSld>
+    <p:spTree>
+      <p:nvGrpSpPr>
+        <p:cNvPr id="1" name=""/>
+        <p:cNvGrpSpPr/>
+        <p:nvPr/>
+      </p:nvGrpSpPr>
+      <p:grpSpPr>
+        <a:xfrm>
+          <a:off x="0" y="0"/>
+          <a:ext cx="0" cy="0"/>
+          <a:chOff x="0" y="0"/>
+          <a:chExt cx="0" cy="0"/>
+        </a:xfrm>
+      </p:grpSpPr>
+      <p:sp>
+        <p:nvSpPr>
+          <p:cNvPr id="2" name="Rectangle 1">
+            <a:extLst>
+              <a:ext uri="{FF2B5EF4-FFF2-40B4-BE49-F238E27FC236}">
+                <a16:creationId xmlns:a16="http://schemas.microsoft.com/office/drawing/2014/main" id="{94DB02BB-94F0-D68A-0A16-AC4B6341CACF}"/>
+              </a:ext>
+            </a:extLst>
+          </p:cNvPr>
+          <p:cNvSpPr/>
+          <p:nvPr/>
+        </p:nvSpPr>
+        <p:spPr>
+          <a:xfrm>
+            <a:off x="682906" y="1490244"/>
+            <a:ext cx="1342664" cy="775503"/>
+          </a:xfrm>
+          <a:prstGeom prst="rect">
+            <a:avLst/>
+          </a:prstGeom>
+        </p:spPr>
+        <p:style>
+          <a:lnRef idx="2">
+            <a:schemeClr val="accent1">
+              <a:shade val="15000"/>
+            </a:schemeClr>
+          </a:lnRef>
+          <a:fillRef idx="1">
+            <a:schemeClr val="accent1"/>
+          </a:fillRef>
+          <a:effectRef idx="0">
+            <a:schemeClr val="accent1"/>
+          </a:effectRef>
+          <a:fontRef idx="minor">
+            <a:schemeClr val="lt1"/>
+          </a:fontRef>
+        </p:style>
+        <p:txBody>
+          <a:bodyPr rtlCol="0" anchor="ctr"/>
+          <a:lstStyle/>
+          <a:p>
+            <a:pPr algn="ctr"/>
+            <a:r>
+              <a:rPr lang="en-US" dirty="0"/>
+              <a:t>RTL</a:t>
+            </a:r>
+          </a:p>
+        </p:txBody>
+      </p:sp>
+      <p:sp>
+        <p:nvSpPr>
+          <p:cNvPr id="3" name="Rectangle 2">
+            <a:extLst>
+              <a:ext uri="{FF2B5EF4-FFF2-40B4-BE49-F238E27FC236}">
+                <a16:creationId xmlns:a16="http://schemas.microsoft.com/office/drawing/2014/main" id="{5D2150F2-0785-222E-780A-86C2927031CF}"/>
+              </a:ext>
+            </a:extLst>
+          </p:cNvPr>
+          <p:cNvSpPr/>
+          <p:nvPr/>
+        </p:nvSpPr>
+        <p:spPr>
+          <a:xfrm>
+            <a:off x="2432613" y="1490243"/>
+            <a:ext cx="1342664" cy="775503"/>
+          </a:xfrm>
+          <a:prstGeom prst="rect">
+            <a:avLst/>
+          </a:prstGeom>
+        </p:spPr>
+        <p:style>
+          <a:lnRef idx="2">
+            <a:schemeClr val="accent1">
+              <a:shade val="15000"/>
+            </a:schemeClr>
+          </a:lnRef>
+          <a:fillRef idx="1">
+            <a:schemeClr val="accent1"/>
+          </a:fillRef>
+          <a:effectRef idx="0">
+            <a:schemeClr val="accent1"/>
+          </a:effectRef>
+          <a:fontRef idx="minor">
+            <a:schemeClr val="lt1"/>
+          </a:fontRef>
+        </p:style>
+        <p:txBody>
+          <a:bodyPr rtlCol="0" anchor="ctr"/>
+          <a:lstStyle/>
+          <a:p>
+            <a:pPr algn="ctr"/>
+            <a:r>
+              <a:rPr lang="en-US" dirty="0"/>
+              <a:t>Ctrl/Data synth</a:t>
+            </a:r>
+          </a:p>
+        </p:txBody>
+      </p:sp>
+      <p:sp>
+        <p:nvSpPr>
+          <p:cNvPr id="4" name="Rectangle 3">
+            <a:extLst>
+              <a:ext uri="{FF2B5EF4-FFF2-40B4-BE49-F238E27FC236}">
+                <a16:creationId xmlns:a16="http://schemas.microsoft.com/office/drawing/2014/main" id="{8A35B31C-8A34-E17B-FCF3-469C74E56B77}"/>
+              </a:ext>
+            </a:extLst>
+          </p:cNvPr>
+          <p:cNvSpPr/>
+          <p:nvPr/>
+        </p:nvSpPr>
+        <p:spPr>
+          <a:xfrm>
+            <a:off x="4182320" y="1490242"/>
+            <a:ext cx="1342664" cy="775503"/>
+          </a:xfrm>
+          <a:prstGeom prst="rect">
+            <a:avLst/>
+          </a:prstGeom>
+        </p:spPr>
+        <p:style>
+          <a:lnRef idx="2">
+            <a:schemeClr val="accent1">
+              <a:shade val="15000"/>
+            </a:schemeClr>
+          </a:lnRef>
+          <a:fillRef idx="1">
+            <a:schemeClr val="accent1"/>
+          </a:fillRef>
+          <a:effectRef idx="0">
+            <a:schemeClr val="accent1"/>
+          </a:effectRef>
+          <a:fontRef idx="minor">
+            <a:schemeClr val="lt1"/>
+          </a:fontRef>
+        </p:style>
+        <p:txBody>
+          <a:bodyPr rtlCol="0" anchor="ctr"/>
+          <a:lstStyle/>
+          <a:p>
+            <a:pPr algn="ctr"/>
+            <a:r>
+              <a:rPr lang="en-US" dirty="0"/>
+              <a:t>HLS</a:t>
+            </a:r>
+          </a:p>
+        </p:txBody>
+      </p:sp>
+      <p:sp>
+        <p:nvSpPr>
+          <p:cNvPr id="5" name="Rectangle 4">
+            <a:extLst>
+              <a:ext uri="{FF2B5EF4-FFF2-40B4-BE49-F238E27FC236}">
+                <a16:creationId xmlns:a16="http://schemas.microsoft.com/office/drawing/2014/main" id="{0AC8E7F5-76AD-11C9-157A-DFE51FEA3728}"/>
+              </a:ext>
+            </a:extLst>
+          </p:cNvPr>
+          <p:cNvSpPr/>
+          <p:nvPr/>
+        </p:nvSpPr>
+        <p:spPr>
+          <a:xfrm>
+            <a:off x="682906" y="2265745"/>
+            <a:ext cx="4842078" cy="775503"/>
+          </a:xfrm>
+          <a:prstGeom prst="rect">
+            <a:avLst/>
+          </a:prstGeom>
+        </p:spPr>
+        <p:style>
+          <a:lnRef idx="2">
+            <a:schemeClr val="accent1">
+              <a:shade val="15000"/>
+            </a:schemeClr>
+          </a:lnRef>
+          <a:fillRef idx="1">
+            <a:schemeClr val="accent1"/>
+          </a:fillRef>
+          <a:effectRef idx="0">
+            <a:schemeClr val="accent1"/>
+          </a:effectRef>
+          <a:fontRef idx="minor">
+            <a:schemeClr val="lt1"/>
+          </a:fontRef>
+        </p:style>
+        <p:txBody>
+          <a:bodyPr rtlCol="0" anchor="ctr"/>
+          <a:lstStyle/>
+          <a:p>
+            <a:pPr algn="ctr"/>
+            <a:r>
+              <a:rPr lang="en-US" dirty="0"/>
+              <a:t>Elaboration Scheme</a:t>
+            </a:r>
+          </a:p>
+        </p:txBody>
+      </p:sp>
+      <p:sp>
+        <p:nvSpPr>
+          <p:cNvPr id="6" name="Rectangle 5">
+            <a:extLst>
+              <a:ext uri="{FF2B5EF4-FFF2-40B4-BE49-F238E27FC236}">
+                <a16:creationId xmlns:a16="http://schemas.microsoft.com/office/drawing/2014/main" id="{72F5473E-7453-19D3-7A6A-E8C22CDFEA19}"/>
+              </a:ext>
+            </a:extLst>
+          </p:cNvPr>
+          <p:cNvSpPr/>
+          <p:nvPr/>
+        </p:nvSpPr>
+        <p:spPr>
+          <a:xfrm>
+            <a:off x="682906" y="3041248"/>
+            <a:ext cx="4842078" cy="775503"/>
+          </a:xfrm>
+          <a:prstGeom prst="rect">
+            <a:avLst/>
+          </a:prstGeom>
+        </p:spPr>
+        <p:style>
+          <a:lnRef idx="2">
+            <a:schemeClr val="accent1">
+              <a:shade val="15000"/>
+            </a:schemeClr>
+          </a:lnRef>
+          <a:fillRef idx="1">
+            <a:schemeClr val="accent1"/>
+          </a:fillRef>
+          <a:effectRef idx="0">
+            <a:schemeClr val="accent1"/>
+          </a:effectRef>
+          <a:fontRef idx="minor">
+            <a:schemeClr val="lt1"/>
+          </a:fontRef>
+        </p:style>
+        <p:txBody>
+          <a:bodyPr rtlCol="0" anchor="ctr"/>
+          <a:lstStyle/>
+          <a:p>
+            <a:pPr algn="ctr"/>
+            <a:r>
+              <a:rPr lang="en-US" dirty="0"/>
+              <a:t>Runtime Scheme</a:t>
+            </a:r>
+          </a:p>
+        </p:txBody>
+      </p:sp>
+      <p:sp>
+        <p:nvSpPr>
+          <p:cNvPr id="7" name="Rectangle 6">
+            <a:extLst>
+              <a:ext uri="{FF2B5EF4-FFF2-40B4-BE49-F238E27FC236}">
+                <a16:creationId xmlns:a16="http://schemas.microsoft.com/office/drawing/2014/main" id="{B833B2C5-4E29-8655-8EB7-66A6D808F7C5}"/>
+              </a:ext>
+            </a:extLst>
+          </p:cNvPr>
+          <p:cNvSpPr/>
+          <p:nvPr/>
+        </p:nvSpPr>
+        <p:spPr>
+          <a:xfrm>
+            <a:off x="682906" y="3816751"/>
+            <a:ext cx="1342664" cy="775503"/>
+          </a:xfrm>
+          <a:prstGeom prst="rect">
+            <a:avLst/>
+          </a:prstGeom>
+        </p:spPr>
+        <p:style>
+          <a:lnRef idx="2">
+            <a:schemeClr val="accent1">
+              <a:shade val="15000"/>
+            </a:schemeClr>
+          </a:lnRef>
+          <a:fillRef idx="1">
+            <a:schemeClr val="accent1"/>
+          </a:fillRef>
+          <a:effectRef idx="0">
+            <a:schemeClr val="accent1"/>
+          </a:effectRef>
+          <a:fontRef idx="minor">
+            <a:schemeClr val="lt1"/>
+          </a:fontRef>
+        </p:style>
+        <p:txBody>
+          <a:bodyPr rtlCol="0" anchor="ctr"/>
+          <a:lstStyle/>
+          <a:p>
+            <a:pPr algn="ctr"/>
+            <a:r>
+              <a:rPr lang="en-US" dirty="0"/>
+              <a:t>SW</a:t>
+            </a:r>
+          </a:p>
+          <a:p>
+            <a:pPr algn="ctr"/>
+            <a:r>
+              <a:rPr lang="en-US" dirty="0"/>
+              <a:t>RTL sim</a:t>
+            </a:r>
+          </a:p>
+        </p:txBody>
+      </p:sp>
+      <p:sp>
+        <p:nvSpPr>
+          <p:cNvPr id="8" name="Rectangle 7">
+            <a:extLst>
+              <a:ext uri="{FF2B5EF4-FFF2-40B4-BE49-F238E27FC236}">
+                <a16:creationId xmlns:a16="http://schemas.microsoft.com/office/drawing/2014/main" id="{0DC3A5C8-188D-6A18-E5B7-155D20833870}"/>
+              </a:ext>
+            </a:extLst>
+          </p:cNvPr>
+          <p:cNvSpPr/>
+          <p:nvPr/>
+        </p:nvSpPr>
+        <p:spPr>
+          <a:xfrm>
+            <a:off x="4182320" y="3816750"/>
+            <a:ext cx="1342664" cy="775503"/>
+          </a:xfrm>
+          <a:prstGeom prst="rect">
+            <a:avLst/>
+          </a:prstGeom>
+        </p:spPr>
+        <p:style>
+          <a:lnRef idx="2">
+            <a:schemeClr val="accent1">
+              <a:shade val="15000"/>
+            </a:schemeClr>
+          </a:lnRef>
+          <a:fillRef idx="1">
+            <a:schemeClr val="accent1"/>
+          </a:fillRef>
+          <a:effectRef idx="0">
+            <a:schemeClr val="accent1"/>
+          </a:effectRef>
+          <a:fontRef idx="minor">
+            <a:schemeClr val="lt1"/>
+          </a:fontRef>
+        </p:style>
+        <p:txBody>
+          <a:bodyPr rtlCol="0" anchor="ctr"/>
+          <a:lstStyle/>
+          <a:p>
+            <a:pPr algn="ctr"/>
+            <a:r>
+              <a:rPr lang="en-US" dirty="0"/>
+              <a:t>FPGA/ASIC</a:t>
+            </a:r>
+          </a:p>
+        </p:txBody>
+      </p:sp>
+    </p:spTree>
+    <p:extLst>
+      <p:ext uri="{BB962C8B-B14F-4D97-AF65-F5344CB8AC3E}">
+        <p14:creationId xmlns:p14="http://schemas.microsoft.com/office/powerpoint/2010/main" val="1172760895"/>
       </p:ext>
     </p:extLst>
   </p:cSld>
@@ -17902,12 +23420,157 @@
           <a:chExt cx="0" cy="0"/>
         </a:xfrm>
       </p:grpSpPr>
+      <p:sp>
+        <p:nvSpPr>
+          <p:cNvPr id="2" name="Rectangle 1">
+            <a:extLst>
+              <a:ext uri="{FF2B5EF4-FFF2-40B4-BE49-F238E27FC236}">
+                <a16:creationId xmlns:a16="http://schemas.microsoft.com/office/drawing/2014/main" id="{E0700BEE-38A4-D8CB-960E-116607879D59}"/>
+              </a:ext>
+            </a:extLst>
+          </p:cNvPr>
+          <p:cNvSpPr/>
+          <p:nvPr/>
+        </p:nvSpPr>
+        <p:spPr>
+          <a:xfrm>
+            <a:off x="2176541" y="1384648"/>
+            <a:ext cx="3957559" cy="3838314"/>
+          </a:xfrm>
+          <a:prstGeom prst="rect">
+            <a:avLst/>
+          </a:prstGeom>
+          <a:solidFill>
+            <a:schemeClr val="tx2">
+              <a:lumMod val="50000"/>
+              <a:lumOff val="50000"/>
+            </a:schemeClr>
+          </a:solidFill>
+          <a:ln>
+            <a:solidFill>
+              <a:schemeClr val="bg2"/>
+            </a:solidFill>
+          </a:ln>
+        </p:spPr>
+        <p:style>
+          <a:lnRef idx="2">
+            <a:schemeClr val="accent1">
+              <a:shade val="15000"/>
+            </a:schemeClr>
+          </a:lnRef>
+          <a:fillRef idx="1">
+            <a:schemeClr val="accent1"/>
+          </a:fillRef>
+          <a:effectRef idx="0">
+            <a:schemeClr val="accent1"/>
+          </a:effectRef>
+          <a:fontRef idx="minor">
+            <a:schemeClr val="lt1"/>
+          </a:fontRef>
+        </p:style>
+        <p:txBody>
+          <a:bodyPr rtlCol="0" anchor="t"/>
+          <a:lstStyle/>
+          <a:p>
+            <a:pPr algn="ctr"/>
+            <a:r>
+              <a:rPr lang="en-US" sz="3600" dirty="0">
+                <a:solidFill>
+                  <a:schemeClr val="tx1"/>
+                </a:solidFill>
+                <a:latin typeface="Arial" panose="020B0604020202020204" pitchFamily="34" charset="0"/>
+                <a:cs typeface="Arial" panose="020B0604020202020204" pitchFamily="34" charset="0"/>
+              </a:rPr>
+              <a:t>FPGA</a:t>
+            </a:r>
+          </a:p>
+        </p:txBody>
+      </p:sp>
+      <p:sp>
+        <p:nvSpPr>
+          <p:cNvPr id="4" name="Rectangle 3">
+            <a:extLst>
+              <a:ext uri="{FF2B5EF4-FFF2-40B4-BE49-F238E27FC236}">
+                <a16:creationId xmlns:a16="http://schemas.microsoft.com/office/drawing/2014/main" id="{3914FE94-3595-D38B-21FC-BFF9921C0D48}"/>
+              </a:ext>
+            </a:extLst>
+          </p:cNvPr>
+          <p:cNvSpPr/>
+          <p:nvPr/>
+        </p:nvSpPr>
+        <p:spPr>
+          <a:xfrm>
+            <a:off x="2413792" y="2112862"/>
+            <a:ext cx="3483057" cy="2959911"/>
+          </a:xfrm>
+          <a:prstGeom prst="rect">
+            <a:avLst/>
+          </a:prstGeom>
+          <a:solidFill>
+            <a:schemeClr val="bg1"/>
+          </a:solidFill>
+        </p:spPr>
+        <p:style>
+          <a:lnRef idx="2">
+            <a:schemeClr val="accent1">
+              <a:shade val="15000"/>
+            </a:schemeClr>
+          </a:lnRef>
+          <a:fillRef idx="1">
+            <a:schemeClr val="accent1"/>
+          </a:fillRef>
+          <a:effectRef idx="0">
+            <a:schemeClr val="accent1"/>
+          </a:effectRef>
+          <a:fontRef idx="minor">
+            <a:schemeClr val="lt1"/>
+          </a:fontRef>
+        </p:style>
+        <p:txBody>
+          <a:bodyPr rtlCol="0" anchor="ctr"/>
+          <a:lstStyle/>
+          <a:p>
+            <a:pPr algn="ctr"/>
+            <a:endParaRPr lang="en-US"/>
+          </a:p>
+        </p:txBody>
+      </p:sp>
+      <p:pic>
+        <p:nvPicPr>
+          <p:cNvPr id="5" name="Picture 4">
+            <a:extLst>
+              <a:ext uri="{FF2B5EF4-FFF2-40B4-BE49-F238E27FC236}">
+                <a16:creationId xmlns:a16="http://schemas.microsoft.com/office/drawing/2014/main" id="{41E2FFB7-F45B-A57B-16C2-75B23385615D}"/>
+              </a:ext>
+            </a:extLst>
+          </p:cNvPr>
+          <p:cNvPicPr>
+            <a:picLocks noChangeAspect="1"/>
+          </p:cNvPicPr>
+          <p:nvPr/>
+        </p:nvPicPr>
+        <p:blipFill>
+          <a:blip r:embed="rId2"/>
+          <a:stretch>
+            <a:fillRect/>
+          </a:stretch>
+        </p:blipFill>
+        <p:spPr>
+          <a:xfrm>
+            <a:off x="2546298" y="2187706"/>
+            <a:ext cx="3218044" cy="2805017"/>
+          </a:xfrm>
+          <a:prstGeom prst="rect">
+            <a:avLst/>
+          </a:prstGeom>
+        </p:spPr>
+      </p:pic>
       <p:grpSp>
         <p:nvGrpSpPr>
-          <p:cNvPr id="6" name="Group 5">
+          <p:cNvPr id="11" name="Group 10">
             <a:extLst>
               <a:ext uri="{FF2B5EF4-FFF2-40B4-BE49-F238E27FC236}">
-                <a16:creationId xmlns:a16="http://schemas.microsoft.com/office/drawing/2014/main" id="{631BC3F0-1FF1-E48A-D540-3A055ED77FB0}"/>
+                <a16:creationId xmlns:a16="http://schemas.microsoft.com/office/drawing/2014/main" id="{CEA2205A-0718-75AD-118D-23506075B8FC}"/>
               </a:ext>
             </a:extLst>
           </p:cNvPr>
@@ -17916,133 +23579,164 @@
         </p:nvGrpSpPr>
         <p:grpSpPr>
           <a:xfrm>
-            <a:off x="231382" y="2738886"/>
-            <a:ext cx="3957559" cy="3838314"/>
-            <a:chOff x="231382" y="2738886"/>
-            <a:chExt cx="3957559" cy="3838314"/>
+            <a:off x="7026815" y="393539"/>
+            <a:ext cx="3957560" cy="4363656"/>
+            <a:chOff x="7026815" y="393539"/>
+            <a:chExt cx="3957560" cy="4363656"/>
           </a:xfrm>
         </p:grpSpPr>
-        <p:sp>
-          <p:nvSpPr>
-            <p:cNvPr id="2" name="Rectangle 1">
+        <p:grpSp>
+          <p:nvGrpSpPr>
+            <p:cNvPr id="10" name="Group 9">
               <a:extLst>
                 <a:ext uri="{FF2B5EF4-FFF2-40B4-BE49-F238E27FC236}">
-                  <a16:creationId xmlns:a16="http://schemas.microsoft.com/office/drawing/2014/main" id="{E0700BEE-38A4-D8CB-960E-116607879D59}"/>
+                  <a16:creationId xmlns:a16="http://schemas.microsoft.com/office/drawing/2014/main" id="{EF3CE135-35C0-6014-B01E-28E1C29C0C6C}"/>
                 </a:ext>
               </a:extLst>
             </p:cNvPr>
-            <p:cNvSpPr/>
+            <p:cNvGrpSpPr/>
             <p:nvPr/>
-          </p:nvSpPr>
-          <p:spPr>
+          </p:nvGrpSpPr>
+          <p:grpSpPr>
             <a:xfrm>
-              <a:off x="231382" y="2738886"/>
-              <a:ext cx="3957559" cy="3838314"/>
+              <a:off x="7026815" y="393539"/>
+              <a:ext cx="3957560" cy="4363656"/>
+              <a:chOff x="7026815" y="393539"/>
+              <a:chExt cx="3957560" cy="4363656"/>
             </a:xfrm>
-            <a:prstGeom prst="rect">
-              <a:avLst/>
-            </a:prstGeom>
-            <a:solidFill>
-              <a:schemeClr val="tx2">
-                <a:lumMod val="50000"/>
-                <a:lumOff val="50000"/>
-              </a:schemeClr>
-            </a:solidFill>
-            <a:ln>
+          </p:grpSpPr>
+          <p:sp>
+            <p:nvSpPr>
+              <p:cNvPr id="9" name="Rectangle 8">
+                <a:extLst>
+                  <a:ext uri="{FF2B5EF4-FFF2-40B4-BE49-F238E27FC236}">
+                    <a16:creationId xmlns:a16="http://schemas.microsoft.com/office/drawing/2014/main" id="{9D6B2C41-BBFA-60CC-A270-5CB290822E49}"/>
+                  </a:ext>
+                </a:extLst>
+              </p:cNvPr>
+              <p:cNvSpPr/>
+              <p:nvPr/>
+            </p:nvSpPr>
+            <p:spPr>
+              <a:xfrm>
+                <a:off x="7026815" y="393539"/>
+                <a:ext cx="3957560" cy="4363656"/>
+              </a:xfrm>
+              <a:prstGeom prst="rect">
+                <a:avLst/>
+              </a:prstGeom>
               <a:solidFill>
-                <a:schemeClr val="bg2"/>
+                <a:schemeClr val="tx2">
+                  <a:lumMod val="50000"/>
+                  <a:lumOff val="50000"/>
+                </a:schemeClr>
               </a:solidFill>
-            </a:ln>
-          </p:spPr>
-          <p:style>
-            <a:lnRef idx="2">
-              <a:schemeClr val="accent1">
-                <a:shade val="15000"/>
-              </a:schemeClr>
-            </a:lnRef>
-            <a:fillRef idx="1">
-              <a:schemeClr val="accent1"/>
-            </a:fillRef>
-            <a:effectRef idx="0">
-              <a:schemeClr val="accent1"/>
-            </a:effectRef>
-            <a:fontRef idx="minor">
-              <a:schemeClr val="lt1"/>
-            </a:fontRef>
-          </p:style>
-          <p:txBody>
-            <a:bodyPr rtlCol="0" anchor="t"/>
-            <a:lstStyle/>
-            <a:p>
-              <a:pPr algn="ctr"/>
-              <a:r>
-                <a:rPr lang="en-US" sz="3600" dirty="0">
-                  <a:solidFill>
-                    <a:schemeClr val="tx1"/>
-                  </a:solidFill>
-                  <a:latin typeface="Arial" panose="020B0604020202020204" pitchFamily="34" charset="0"/>
-                  <a:cs typeface="Arial" panose="020B0604020202020204" pitchFamily="34" charset="0"/>
-                </a:rPr>
-                <a:t>FPGA</a:t>
-              </a:r>
-            </a:p>
-          </p:txBody>
-        </p:sp>
-        <p:sp>
-          <p:nvSpPr>
-            <p:cNvPr id="4" name="Rectangle 3">
+              <a:ln w="28575">
+                <a:solidFill>
+                  <a:schemeClr val="tx1"/>
+                </a:solidFill>
+              </a:ln>
+            </p:spPr>
+            <p:style>
+              <a:lnRef idx="2">
+                <a:schemeClr val="accent1">
+                  <a:shade val="15000"/>
+                </a:schemeClr>
+              </a:lnRef>
+              <a:fillRef idx="1">
+                <a:schemeClr val="accent1"/>
+              </a:fillRef>
+              <a:effectRef idx="0">
+                <a:schemeClr val="accent1"/>
+              </a:effectRef>
+              <a:fontRef idx="minor">
+                <a:schemeClr val="lt1"/>
+              </a:fontRef>
+            </p:style>
+            <p:txBody>
+              <a:bodyPr rtlCol="0" anchor="t"/>
+              <a:lstStyle/>
+              <a:p>
+                <a:pPr algn="ctr"/>
+                <a:r>
+                  <a:rPr lang="en-US" sz="3600" dirty="0">
+                    <a:solidFill>
+                      <a:schemeClr val="tx1"/>
+                    </a:solidFill>
+                    <a:latin typeface="Arial" panose="020B0604020202020204" pitchFamily="34" charset="0"/>
+                    <a:cs typeface="Arial" panose="020B0604020202020204" pitchFamily="34" charset="0"/>
+                  </a:rPr>
+                  <a:t>FPGA</a:t>
+                </a:r>
+              </a:p>
+            </p:txBody>
+          </p:sp>
+          <p:sp>
+            <p:nvSpPr>
+              <p:cNvPr id="7" name="Rectangle 6">
+                <a:extLst>
+                  <a:ext uri="{FF2B5EF4-FFF2-40B4-BE49-F238E27FC236}">
+                    <a16:creationId xmlns:a16="http://schemas.microsoft.com/office/drawing/2014/main" id="{C554D8C3-83B5-FA2B-B190-941559F3E47D}"/>
+                  </a:ext>
+                </a:extLst>
+              </p:cNvPr>
+              <p:cNvSpPr/>
+              <p:nvPr/>
+            </p:nvSpPr>
+            <p:spPr>
+              <a:xfrm>
+                <a:off x="7264067" y="1026771"/>
+                <a:ext cx="3483057" cy="3603102"/>
+              </a:xfrm>
+              <a:prstGeom prst="rect">
+                <a:avLst/>
+              </a:prstGeom>
+              <a:solidFill>
+                <a:schemeClr val="bg1"/>
+              </a:solidFill>
+              <a:ln w="28575"/>
+            </p:spPr>
+            <p:style>
+              <a:lnRef idx="2">
+                <a:schemeClr val="accent1">
+                  <a:shade val="15000"/>
+                </a:schemeClr>
+              </a:lnRef>
+              <a:fillRef idx="1">
+                <a:schemeClr val="accent1"/>
+              </a:fillRef>
+              <a:effectRef idx="0">
+                <a:schemeClr val="accent1"/>
+              </a:effectRef>
+              <a:fontRef idx="minor">
+                <a:schemeClr val="lt1"/>
+              </a:fontRef>
+            </p:style>
+            <p:txBody>
+              <a:bodyPr rtlCol="0" anchor="t"/>
+              <a:lstStyle/>
+              <a:p>
+                <a:pPr algn="ctr"/>
+                <a:r>
+                  <a:rPr lang="en-US" sz="3200" dirty="0">
+                    <a:solidFill>
+                      <a:schemeClr val="tx1"/>
+                    </a:solidFill>
+                    <a:latin typeface="Arial" panose="020B0604020202020204" pitchFamily="34" charset="0"/>
+                    <a:cs typeface="Arial" panose="020B0604020202020204" pitchFamily="34" charset="0"/>
+                  </a:rPr>
+                  <a:t>Simulator shim</a:t>
+                </a:r>
+              </a:p>
+            </p:txBody>
+          </p:sp>
+        </p:grpSp>
+        <p:pic>
+          <p:nvPicPr>
+            <p:cNvPr id="8" name="Picture 7">
               <a:extLst>
                 <a:ext uri="{FF2B5EF4-FFF2-40B4-BE49-F238E27FC236}">
-                  <a16:creationId xmlns:a16="http://schemas.microsoft.com/office/drawing/2014/main" id="{3914FE94-3595-D38B-21FC-BFF9921C0D48}"/>
-                </a:ext>
-              </a:extLst>
-            </p:cNvPr>
-            <p:cNvSpPr/>
-            <p:nvPr/>
-          </p:nvSpPr>
-          <p:spPr>
-            <a:xfrm>
-              <a:off x="468633" y="3467100"/>
-              <a:ext cx="3483057" cy="2959911"/>
-            </a:xfrm>
-            <a:prstGeom prst="rect">
-              <a:avLst/>
-            </a:prstGeom>
-            <a:solidFill>
-              <a:schemeClr val="bg1"/>
-            </a:solidFill>
-          </p:spPr>
-          <p:style>
-            <a:lnRef idx="2">
-              <a:schemeClr val="accent1">
-                <a:shade val="15000"/>
-              </a:schemeClr>
-            </a:lnRef>
-            <a:fillRef idx="1">
-              <a:schemeClr val="accent1"/>
-            </a:fillRef>
-            <a:effectRef idx="0">
-              <a:schemeClr val="accent1"/>
-            </a:effectRef>
-            <a:fontRef idx="minor">
-              <a:schemeClr val="lt1"/>
-            </a:fontRef>
-          </p:style>
-          <p:txBody>
-            <a:bodyPr rtlCol="0" anchor="ctr"/>
-            <a:lstStyle/>
-            <a:p>
-              <a:pPr algn="ctr"/>
-              <a:endParaRPr lang="en-US"/>
-            </a:p>
-          </p:txBody>
-        </p:sp>
-        <p:pic>
-          <p:nvPicPr>
-            <p:cNvPr id="5" name="Picture 4">
-              <a:extLst>
-                <a:ext uri="{FF2B5EF4-FFF2-40B4-BE49-F238E27FC236}">
-                  <a16:creationId xmlns:a16="http://schemas.microsoft.com/office/drawing/2014/main" id="{41E2FFB7-F45B-A57B-16C2-75B23385615D}"/>
+                  <a16:creationId xmlns:a16="http://schemas.microsoft.com/office/drawing/2014/main" id="{7819670B-EB69-DF36-6147-8810A33015FC}"/>
                 </a:ext>
               </a:extLst>
             </p:cNvPr>
@@ -18059,7 +23753,7 @@
           </p:blipFill>
           <p:spPr>
             <a:xfrm>
-              <a:off x="601139" y="3541944"/>
+              <a:off x="7396573" y="1699506"/>
               <a:ext cx="3218044" cy="2805017"/>
             </a:xfrm>
             <a:prstGeom prst="rect">

--- a/figs/latte24/figs.pptx
+++ b/figs/latte24/figs.pptx
@@ -5,7 +5,7 @@
     <p:sldMasterId id="2147483648" r:id="rId1"/>
   </p:sldMasterIdLst>
   <p:notesMasterIdLst>
-    <p:notesMasterId r:id="rId19"/>
+    <p:notesMasterId r:id="rId21"/>
   </p:notesMasterIdLst>
   <p:sldIdLst>
     <p:sldId id="256" r:id="rId2"/>
@@ -21,10 +21,12 @@
     <p:sldId id="264" r:id="rId12"/>
     <p:sldId id="265" r:id="rId13"/>
     <p:sldId id="270" r:id="rId14"/>
-    <p:sldId id="271" r:id="rId15"/>
-    <p:sldId id="272" r:id="rId16"/>
-    <p:sldId id="273" r:id="rId17"/>
-    <p:sldId id="269" r:id="rId18"/>
+    <p:sldId id="274" r:id="rId15"/>
+    <p:sldId id="275" r:id="rId16"/>
+    <p:sldId id="271" r:id="rId17"/>
+    <p:sldId id="272" r:id="rId18"/>
+    <p:sldId id="273" r:id="rId19"/>
+    <p:sldId id="269" r:id="rId20"/>
   </p:sldIdLst>
   <p:sldSz cx="12192000" cy="6858000"/>
   <p:notesSz cx="6858000" cy="9144000"/>
@@ -892,7 +894,175 @@
           <a:p>
             <a:fld id="{311CF6ED-770C-9943-AF81-D14B542A96E6}" type="slidenum">
               <a:rPr lang="en-US" smtClean="0"/>
+              <a:t>14</a:t>
+            </a:fld>
+            <a:endParaRPr lang="en-US"/>
+          </a:p>
+        </p:txBody>
+      </p:sp>
+    </p:spTree>
+    <p:extLst>
+      <p:ext uri="{BB962C8B-B14F-4D97-AF65-F5344CB8AC3E}">
+        <p14:creationId xmlns:p14="http://schemas.microsoft.com/office/powerpoint/2010/main" val="2452707517"/>
+      </p:ext>
+    </p:extLst>
+  </p:cSld>
+  <p:clrMapOvr>
+    <a:masterClrMapping/>
+  </p:clrMapOvr>
+</p:notes>
+</file>
+
+<file path=ppt/notesSlides/notesSlide6.xml><?xml version="1.0" encoding="utf-8"?>
+<p:notes xmlns:a="http://schemas.openxmlformats.org/drawingml/2006/main" xmlns:r="http://schemas.openxmlformats.org/officeDocument/2006/relationships" xmlns:p="http://schemas.openxmlformats.org/presentationml/2006/main">
+  <p:cSld>
+    <p:spTree>
+      <p:nvGrpSpPr>
+        <p:cNvPr id="1" name=""/>
+        <p:cNvGrpSpPr/>
+        <p:nvPr/>
+      </p:nvGrpSpPr>
+      <p:grpSpPr>
+        <a:xfrm>
+          <a:off x="0" y="0"/>
+          <a:ext cx="0" cy="0"/>
+          <a:chOff x="0" y="0"/>
+          <a:chExt cx="0" cy="0"/>
+        </a:xfrm>
+      </p:grpSpPr>
+      <p:sp>
+        <p:nvSpPr>
+          <p:cNvPr id="2" name="Slide Image Placeholder 1"/>
+          <p:cNvSpPr>
+            <a:spLocks noGrp="1" noRot="1" noChangeAspect="1"/>
+          </p:cNvSpPr>
+          <p:nvPr>
+            <p:ph type="sldImg"/>
+          </p:nvPr>
+        </p:nvSpPr>
+        <p:spPr/>
+      </p:sp>
+      <p:sp>
+        <p:nvSpPr>
+          <p:cNvPr id="3" name="Notes Placeholder 2"/>
+          <p:cNvSpPr>
+            <a:spLocks noGrp="1"/>
+          </p:cNvSpPr>
+          <p:nvPr>
+            <p:ph type="body" idx="1"/>
+          </p:nvPr>
+        </p:nvSpPr>
+        <p:spPr/>
+        <p:txBody>
+          <a:bodyPr/>
+          <a:lstStyle/>
+          <a:p>
+            <a:endParaRPr lang="en-US" dirty="0"/>
+          </a:p>
+        </p:txBody>
+      </p:sp>
+      <p:sp>
+        <p:nvSpPr>
+          <p:cNvPr id="4" name="Slide Number Placeholder 3"/>
+          <p:cNvSpPr>
+            <a:spLocks noGrp="1"/>
+          </p:cNvSpPr>
+          <p:nvPr>
+            <p:ph type="sldNum" sz="quarter" idx="5"/>
+          </p:nvPr>
+        </p:nvSpPr>
+        <p:spPr/>
+        <p:txBody>
+          <a:bodyPr/>
+          <a:lstStyle/>
+          <a:p>
+            <a:fld id="{311CF6ED-770C-9943-AF81-D14B542A96E6}" type="slidenum">
+              <a:rPr lang="en-US" smtClean="0"/>
               <a:t>15</a:t>
+            </a:fld>
+            <a:endParaRPr lang="en-US"/>
+          </a:p>
+        </p:txBody>
+      </p:sp>
+    </p:spTree>
+    <p:extLst>
+      <p:ext uri="{BB962C8B-B14F-4D97-AF65-F5344CB8AC3E}">
+        <p14:creationId xmlns:p14="http://schemas.microsoft.com/office/powerpoint/2010/main" val="964702602"/>
+      </p:ext>
+    </p:extLst>
+  </p:cSld>
+  <p:clrMapOvr>
+    <a:masterClrMapping/>
+  </p:clrMapOvr>
+</p:notes>
+</file>
+
+<file path=ppt/notesSlides/notesSlide7.xml><?xml version="1.0" encoding="utf-8"?>
+<p:notes xmlns:a="http://schemas.openxmlformats.org/drawingml/2006/main" xmlns:r="http://schemas.openxmlformats.org/officeDocument/2006/relationships" xmlns:p="http://schemas.openxmlformats.org/presentationml/2006/main">
+  <p:cSld>
+    <p:spTree>
+      <p:nvGrpSpPr>
+        <p:cNvPr id="1" name=""/>
+        <p:cNvGrpSpPr/>
+        <p:nvPr/>
+      </p:nvGrpSpPr>
+      <p:grpSpPr>
+        <a:xfrm>
+          <a:off x="0" y="0"/>
+          <a:ext cx="0" cy="0"/>
+          <a:chOff x="0" y="0"/>
+          <a:chExt cx="0" cy="0"/>
+        </a:xfrm>
+      </p:grpSpPr>
+      <p:sp>
+        <p:nvSpPr>
+          <p:cNvPr id="2" name="Slide Image Placeholder 1"/>
+          <p:cNvSpPr>
+            <a:spLocks noGrp="1" noRot="1" noChangeAspect="1"/>
+          </p:cNvSpPr>
+          <p:nvPr>
+            <p:ph type="sldImg"/>
+          </p:nvPr>
+        </p:nvSpPr>
+        <p:spPr/>
+      </p:sp>
+      <p:sp>
+        <p:nvSpPr>
+          <p:cNvPr id="3" name="Notes Placeholder 2"/>
+          <p:cNvSpPr>
+            <a:spLocks noGrp="1"/>
+          </p:cNvSpPr>
+          <p:nvPr>
+            <p:ph type="body" idx="1"/>
+          </p:nvPr>
+        </p:nvSpPr>
+        <p:spPr/>
+        <p:txBody>
+          <a:bodyPr/>
+          <a:lstStyle/>
+          <a:p>
+            <a:endParaRPr lang="en-US" dirty="0"/>
+          </a:p>
+        </p:txBody>
+      </p:sp>
+      <p:sp>
+        <p:nvSpPr>
+          <p:cNvPr id="4" name="Slide Number Placeholder 3"/>
+          <p:cNvSpPr>
+            <a:spLocks noGrp="1"/>
+          </p:cNvSpPr>
+          <p:nvPr>
+            <p:ph type="sldNum" sz="quarter" idx="5"/>
+          </p:nvPr>
+        </p:nvSpPr>
+        <p:spPr/>
+        <p:txBody>
+          <a:bodyPr/>
+          <a:lstStyle/>
+          <a:p>
+            <a:fld id="{311CF6ED-770C-9943-AF81-D14B542A96E6}" type="slidenum">
+              <a:rPr lang="en-US" smtClean="0"/>
+              <a:t>17</a:t>
             </a:fld>
             <a:endParaRPr lang="en-US"/>
           </a:p>
@@ -8713,9 +8883,9 @@
         <p:grpSpPr>
           <a:xfrm>
             <a:off x="2650888" y="482747"/>
-            <a:ext cx="8881464" cy="5261685"/>
+            <a:ext cx="8782309" cy="5261685"/>
             <a:chOff x="2650888" y="482747"/>
-            <a:chExt cx="8881464" cy="5261685"/>
+            <a:chExt cx="8782309" cy="5261685"/>
           </a:xfrm>
         </p:grpSpPr>
         <p:grpSp>
@@ -10687,7 +10857,7 @@
           </p:nvSpPr>
           <p:spPr>
             <a:xfrm>
-              <a:off x="10973011" y="1723307"/>
+              <a:off x="7423066" y="2809494"/>
               <a:ext cx="559341" cy="523220"/>
             </a:xfrm>
             <a:prstGeom prst="rect">
@@ -10725,7 +10895,7 @@
           </p:nvSpPr>
           <p:spPr>
             <a:xfrm>
-              <a:off x="7431028" y="2843690"/>
+              <a:off x="10941950" y="1746291"/>
               <a:ext cx="491247" cy="523220"/>
             </a:xfrm>
             <a:prstGeom prst="rect">
@@ -10764,6 +10934,2452 @@
 </file>
 
 <file path=ppt/slides/slide14.xml><?xml version="1.0" encoding="utf-8"?>
+<p:sld xmlns:a="http://schemas.openxmlformats.org/drawingml/2006/main" xmlns:r="http://schemas.openxmlformats.org/officeDocument/2006/relationships" xmlns:p="http://schemas.openxmlformats.org/presentationml/2006/main">
+  <p:cSld>
+    <p:spTree>
+      <p:nvGrpSpPr>
+        <p:cNvPr id="1" name=""/>
+        <p:cNvGrpSpPr/>
+        <p:nvPr/>
+      </p:nvGrpSpPr>
+      <p:grpSpPr>
+        <a:xfrm>
+          <a:off x="0" y="0"/>
+          <a:ext cx="0" cy="0"/>
+          <a:chOff x="0" y="0"/>
+          <a:chExt cx="0" cy="0"/>
+        </a:xfrm>
+      </p:grpSpPr>
+      <p:grpSp>
+        <p:nvGrpSpPr>
+          <p:cNvPr id="43" name="Group 42">
+            <a:extLst>
+              <a:ext uri="{FF2B5EF4-FFF2-40B4-BE49-F238E27FC236}">
+                <a16:creationId xmlns:a16="http://schemas.microsoft.com/office/drawing/2014/main" id="{103E863A-3D9E-D21C-6A9D-9C8D9161D54F}"/>
+              </a:ext>
+            </a:extLst>
+          </p:cNvPr>
+          <p:cNvGrpSpPr/>
+          <p:nvPr/>
+        </p:nvGrpSpPr>
+        <p:grpSpPr>
+          <a:xfrm>
+            <a:off x="1503441" y="1218243"/>
+            <a:ext cx="8340860" cy="4182158"/>
+            <a:chOff x="1503441" y="1218243"/>
+            <a:chExt cx="8340860" cy="4182158"/>
+          </a:xfrm>
+        </p:grpSpPr>
+        <p:grpSp>
+          <p:nvGrpSpPr>
+            <p:cNvPr id="73" name="Group 72">
+              <a:extLst>
+                <a:ext uri="{FF2B5EF4-FFF2-40B4-BE49-F238E27FC236}">
+                  <a16:creationId xmlns:a16="http://schemas.microsoft.com/office/drawing/2014/main" id="{22270E0E-E21D-BA0D-CB88-5A44EA34654B}"/>
+                </a:ext>
+              </a:extLst>
+            </p:cNvPr>
+            <p:cNvGrpSpPr/>
+            <p:nvPr/>
+          </p:nvGrpSpPr>
+          <p:grpSpPr>
+            <a:xfrm>
+              <a:off x="2729781" y="4132898"/>
+              <a:ext cx="5627356" cy="1261641"/>
+              <a:chOff x="3861867" y="4175754"/>
+              <a:chExt cx="5627356" cy="1261641"/>
+            </a:xfrm>
+          </p:grpSpPr>
+          <p:grpSp>
+            <p:nvGrpSpPr>
+              <p:cNvPr id="47" name="Group 46">
+                <a:extLst>
+                  <a:ext uri="{FF2B5EF4-FFF2-40B4-BE49-F238E27FC236}">
+                    <a16:creationId xmlns:a16="http://schemas.microsoft.com/office/drawing/2014/main" id="{39A87FE5-154A-6E7E-5BA7-1F8184598594}"/>
+                  </a:ext>
+                </a:extLst>
+              </p:cNvPr>
+              <p:cNvGrpSpPr/>
+              <p:nvPr/>
+            </p:nvGrpSpPr>
+            <p:grpSpPr>
+              <a:xfrm>
+                <a:off x="5962285" y="4175754"/>
+                <a:ext cx="1426520" cy="1261641"/>
+                <a:chOff x="3965896" y="4313618"/>
+                <a:chExt cx="1426520" cy="1261641"/>
+              </a:xfrm>
+            </p:grpSpPr>
+            <p:sp>
+              <p:nvSpPr>
+                <p:cNvPr id="11" name="Rectangle 10">
+                  <a:extLst>
+                    <a:ext uri="{FF2B5EF4-FFF2-40B4-BE49-F238E27FC236}">
+                      <a16:creationId xmlns:a16="http://schemas.microsoft.com/office/drawing/2014/main" id="{D6307055-DF71-333D-7981-0B3EFCDB71F0}"/>
+                    </a:ext>
+                  </a:extLst>
+                </p:cNvPr>
+                <p:cNvSpPr/>
+                <p:nvPr/>
+              </p:nvSpPr>
+              <p:spPr>
+                <a:xfrm>
+                  <a:off x="3965896" y="4313618"/>
+                  <a:ext cx="1426520" cy="1261641"/>
+                </a:xfrm>
+                <a:prstGeom prst="rect">
+                  <a:avLst/>
+                </a:prstGeom>
+                <a:noFill/>
+              </p:spPr>
+              <p:style>
+                <a:lnRef idx="2">
+                  <a:schemeClr val="accent1">
+                    <a:shade val="15000"/>
+                  </a:schemeClr>
+                </a:lnRef>
+                <a:fillRef idx="1">
+                  <a:schemeClr val="accent1"/>
+                </a:fillRef>
+                <a:effectRef idx="0">
+                  <a:schemeClr val="accent1"/>
+                </a:effectRef>
+                <a:fontRef idx="minor">
+                  <a:schemeClr val="lt1"/>
+                </a:fontRef>
+              </p:style>
+              <p:txBody>
+                <a:bodyPr rtlCol="0" anchor="t"/>
+                <a:lstStyle/>
+                <a:p>
+                  <a:pPr algn="ctr"/>
+                  <a:r>
+                    <a:rPr lang="en-US" dirty="0">
+                      <a:solidFill>
+                        <a:schemeClr val="tx1"/>
+                      </a:solidFill>
+                      <a:latin typeface="Arial" panose="020B0604020202020204" pitchFamily="34" charset="0"/>
+                      <a:cs typeface="Arial" panose="020B0604020202020204" pitchFamily="34" charset="0"/>
+                    </a:rPr>
+                    <a:t>FPGA Flow</a:t>
+                  </a:r>
+                </a:p>
+              </p:txBody>
+            </p:sp>
+            <p:pic>
+              <p:nvPicPr>
+                <p:cNvPr id="46" name="Picture 45" descr="A green and yellow logo&#10;&#10;Description automatically generated">
+                  <a:extLst>
+                    <a:ext uri="{FF2B5EF4-FFF2-40B4-BE49-F238E27FC236}">
+                      <a16:creationId xmlns:a16="http://schemas.microsoft.com/office/drawing/2014/main" id="{0959BD79-9973-1481-49BE-37F502AFA562}"/>
+                    </a:ext>
+                  </a:extLst>
+                </p:cNvPr>
+                <p:cNvPicPr>
+                  <a:picLocks noChangeAspect="1"/>
+                </p:cNvPicPr>
+                <p:nvPr/>
+              </p:nvPicPr>
+              <p:blipFill>
+                <a:blip r:embed="rId3"/>
+                <a:stretch>
+                  <a:fillRect/>
+                </a:stretch>
+              </p:blipFill>
+              <p:spPr>
+                <a:xfrm>
+                  <a:off x="4367842" y="4857223"/>
+                  <a:ext cx="622629" cy="622629"/>
+                </a:xfrm>
+                <a:prstGeom prst="rect">
+                  <a:avLst/>
+                </a:prstGeom>
+              </p:spPr>
+            </p:pic>
+          </p:grpSp>
+          <p:grpSp>
+            <p:nvGrpSpPr>
+              <p:cNvPr id="58" name="Group 57">
+                <a:extLst>
+                  <a:ext uri="{FF2B5EF4-FFF2-40B4-BE49-F238E27FC236}">
+                    <a16:creationId xmlns:a16="http://schemas.microsoft.com/office/drawing/2014/main" id="{63F3B416-F842-B960-4C44-DA49186A4264}"/>
+                  </a:ext>
+                </a:extLst>
+              </p:cNvPr>
+              <p:cNvGrpSpPr/>
+              <p:nvPr/>
+            </p:nvGrpSpPr>
+            <p:grpSpPr>
+              <a:xfrm>
+                <a:off x="8062704" y="4175754"/>
+                <a:ext cx="1426519" cy="1261641"/>
+                <a:chOff x="6250809" y="4313617"/>
+                <a:chExt cx="1426519" cy="1261641"/>
+              </a:xfrm>
+            </p:grpSpPr>
+            <p:sp>
+              <p:nvSpPr>
+                <p:cNvPr id="12" name="Rectangle 11">
+                  <a:extLst>
+                    <a:ext uri="{FF2B5EF4-FFF2-40B4-BE49-F238E27FC236}">
+                      <a16:creationId xmlns:a16="http://schemas.microsoft.com/office/drawing/2014/main" id="{4E402234-5C97-D754-0B83-2BFE49C9D1B9}"/>
+                    </a:ext>
+                  </a:extLst>
+                </p:cNvPr>
+                <p:cNvSpPr/>
+                <p:nvPr/>
+              </p:nvSpPr>
+              <p:spPr>
+                <a:xfrm>
+                  <a:off x="6250809" y="4313617"/>
+                  <a:ext cx="1426519" cy="1261641"/>
+                </a:xfrm>
+                <a:prstGeom prst="rect">
+                  <a:avLst/>
+                </a:prstGeom>
+                <a:noFill/>
+              </p:spPr>
+              <p:style>
+                <a:lnRef idx="2">
+                  <a:schemeClr val="accent1">
+                    <a:shade val="15000"/>
+                  </a:schemeClr>
+                </a:lnRef>
+                <a:fillRef idx="1">
+                  <a:schemeClr val="accent1"/>
+                </a:fillRef>
+                <a:effectRef idx="0">
+                  <a:schemeClr val="accent1"/>
+                </a:effectRef>
+                <a:fontRef idx="minor">
+                  <a:schemeClr val="lt1"/>
+                </a:fontRef>
+              </p:style>
+              <p:txBody>
+                <a:bodyPr rtlCol="0" anchor="t"/>
+                <a:lstStyle/>
+                <a:p>
+                  <a:pPr algn="ctr"/>
+                  <a:r>
+                    <a:rPr lang="en-US" dirty="0">
+                      <a:solidFill>
+                        <a:schemeClr val="tx1"/>
+                      </a:solidFill>
+                      <a:latin typeface="Arial" panose="020B0604020202020204" pitchFamily="34" charset="0"/>
+                      <a:cs typeface="Arial" panose="020B0604020202020204" pitchFamily="34" charset="0"/>
+                    </a:rPr>
+                    <a:t>VLSI Flow</a:t>
+                  </a:r>
+                </a:p>
+              </p:txBody>
+            </p:sp>
+            <p:pic>
+              <p:nvPicPr>
+                <p:cNvPr id="53" name="Picture 52" descr="A black and red text&#10;&#10;Description automatically generated">
+                  <a:extLst>
+                    <a:ext uri="{FF2B5EF4-FFF2-40B4-BE49-F238E27FC236}">
+                      <a16:creationId xmlns:a16="http://schemas.microsoft.com/office/drawing/2014/main" id="{73203A15-B916-D42C-EA3F-8BD38F497766}"/>
+                    </a:ext>
+                  </a:extLst>
+                </p:cNvPr>
+                <p:cNvPicPr>
+                  <a:picLocks noChangeAspect="1"/>
+                </p:cNvPicPr>
+                <p:nvPr/>
+              </p:nvPicPr>
+              <p:blipFill>
+                <a:blip r:embed="rId4"/>
+                <a:stretch>
+                  <a:fillRect/>
+                </a:stretch>
+              </p:blipFill>
+              <p:spPr>
+                <a:xfrm>
+                  <a:off x="6627208" y="4752812"/>
+                  <a:ext cx="673720" cy="417517"/>
+                </a:xfrm>
+                <a:prstGeom prst="rect">
+                  <a:avLst/>
+                </a:prstGeom>
+              </p:spPr>
+            </p:pic>
+            <p:pic>
+              <p:nvPicPr>
+                <p:cNvPr id="57" name="Picture 56" descr="A purple letter with white background&#10;&#10;Description automatically generated">
+                  <a:extLst>
+                    <a:ext uri="{FF2B5EF4-FFF2-40B4-BE49-F238E27FC236}">
+                      <a16:creationId xmlns:a16="http://schemas.microsoft.com/office/drawing/2014/main" id="{8AF79081-0597-E816-404B-FDC4A979ED3A}"/>
+                    </a:ext>
+                  </a:extLst>
+                </p:cNvPr>
+                <p:cNvPicPr>
+                  <a:picLocks noChangeAspect="1"/>
+                </p:cNvPicPr>
+                <p:nvPr/>
+              </p:nvPicPr>
+              <p:blipFill>
+                <a:blip r:embed="rId5"/>
+                <a:stretch>
+                  <a:fillRect/>
+                </a:stretch>
+              </p:blipFill>
+              <p:spPr>
+                <a:xfrm>
+                  <a:off x="6550685" y="5297323"/>
+                  <a:ext cx="826766" cy="178389"/>
+                </a:xfrm>
+                <a:prstGeom prst="rect">
+                  <a:avLst/>
+                </a:prstGeom>
+              </p:spPr>
+            </p:pic>
+          </p:grpSp>
+          <p:grpSp>
+            <p:nvGrpSpPr>
+              <p:cNvPr id="64" name="Group 63">
+                <a:extLst>
+                  <a:ext uri="{FF2B5EF4-FFF2-40B4-BE49-F238E27FC236}">
+                    <a16:creationId xmlns:a16="http://schemas.microsoft.com/office/drawing/2014/main" id="{763FAB0A-0622-268F-5402-1C6FBE54C5F8}"/>
+                  </a:ext>
+                </a:extLst>
+              </p:cNvPr>
+              <p:cNvGrpSpPr/>
+              <p:nvPr/>
+            </p:nvGrpSpPr>
+            <p:grpSpPr>
+              <a:xfrm>
+                <a:off x="3861867" y="4175754"/>
+                <a:ext cx="1426520" cy="1261641"/>
+                <a:chOff x="3861867" y="4202051"/>
+                <a:chExt cx="1426520" cy="1261641"/>
+              </a:xfrm>
+            </p:grpSpPr>
+            <p:sp>
+              <p:nvSpPr>
+                <p:cNvPr id="5" name="Rectangle 4">
+                  <a:extLst>
+                    <a:ext uri="{FF2B5EF4-FFF2-40B4-BE49-F238E27FC236}">
+                      <a16:creationId xmlns:a16="http://schemas.microsoft.com/office/drawing/2014/main" id="{8448D471-37BD-D328-4088-EC77FC903DC2}"/>
+                    </a:ext>
+                  </a:extLst>
+                </p:cNvPr>
+                <p:cNvSpPr/>
+                <p:nvPr/>
+              </p:nvSpPr>
+              <p:spPr>
+                <a:xfrm>
+                  <a:off x="3861867" y="4202051"/>
+                  <a:ext cx="1426520" cy="1261641"/>
+                </a:xfrm>
+                <a:prstGeom prst="rect">
+                  <a:avLst/>
+                </a:prstGeom>
+                <a:noFill/>
+              </p:spPr>
+              <p:style>
+                <a:lnRef idx="2">
+                  <a:schemeClr val="accent1">
+                    <a:shade val="15000"/>
+                  </a:schemeClr>
+                </a:lnRef>
+                <a:fillRef idx="1">
+                  <a:schemeClr val="accent1"/>
+                </a:fillRef>
+                <a:effectRef idx="0">
+                  <a:schemeClr val="accent1"/>
+                </a:effectRef>
+                <a:fontRef idx="minor">
+                  <a:schemeClr val="lt1"/>
+                </a:fontRef>
+              </p:style>
+              <p:txBody>
+                <a:bodyPr rtlCol="0" anchor="t"/>
+                <a:lstStyle/>
+                <a:p>
+                  <a:pPr algn="ctr"/>
+                  <a:r>
+                    <a:rPr lang="en-US" dirty="0">
+                      <a:solidFill>
+                        <a:schemeClr val="tx1"/>
+                      </a:solidFill>
+                      <a:latin typeface="Arial" panose="020B0604020202020204" pitchFamily="34" charset="0"/>
+                      <a:cs typeface="Arial" panose="020B0604020202020204" pitchFamily="34" charset="0"/>
+                    </a:rPr>
+                    <a:t>Simulation</a:t>
+                  </a:r>
+                </a:p>
+              </p:txBody>
+            </p:sp>
+            <p:grpSp>
+              <p:nvGrpSpPr>
+                <p:cNvPr id="63" name="Group 62">
+                  <a:extLst>
+                    <a:ext uri="{FF2B5EF4-FFF2-40B4-BE49-F238E27FC236}">
+                      <a16:creationId xmlns:a16="http://schemas.microsoft.com/office/drawing/2014/main" id="{70BF77C9-DCFC-25CF-F991-EC9BAE65A9C4}"/>
+                    </a:ext>
+                  </a:extLst>
+                </p:cNvPr>
+                <p:cNvGrpSpPr/>
+                <p:nvPr/>
+              </p:nvGrpSpPr>
+              <p:grpSpPr>
+                <a:xfrm>
+                  <a:off x="3987116" y="4641245"/>
+                  <a:ext cx="1176023" cy="724674"/>
+                  <a:chOff x="4152738" y="4448168"/>
+                  <a:chExt cx="1176023" cy="724674"/>
+                </a:xfrm>
+              </p:grpSpPr>
+              <p:pic>
+                <p:nvPicPr>
+                  <p:cNvPr id="60" name="Picture 59" descr="A blue and white logo&#10;&#10;Description automatically generated">
+                    <a:extLst>
+                      <a:ext uri="{FF2B5EF4-FFF2-40B4-BE49-F238E27FC236}">
+                        <a16:creationId xmlns:a16="http://schemas.microsoft.com/office/drawing/2014/main" id="{C5819089-6954-7025-ACE7-EC68704BCE82}"/>
+                      </a:ext>
+                    </a:extLst>
+                  </p:cNvPr>
+                  <p:cNvPicPr>
+                    <a:picLocks noChangeAspect="1"/>
+                  </p:cNvPicPr>
+                  <p:nvPr/>
+                </p:nvPicPr>
+                <p:blipFill>
+                  <a:blip r:embed="rId6"/>
+                  <a:stretch>
+                    <a:fillRect/>
+                  </a:stretch>
+                </p:blipFill>
+                <p:spPr>
+                  <a:xfrm>
+                    <a:off x="4152738" y="4587200"/>
+                    <a:ext cx="571662" cy="446611"/>
+                  </a:xfrm>
+                  <a:prstGeom prst="rect">
+                    <a:avLst/>
+                  </a:prstGeom>
+                </p:spPr>
+              </p:pic>
+              <p:pic>
+                <p:nvPicPr>
+                  <p:cNvPr id="62" name="Picture 61" descr="A logo with a person with wings&#10;&#10;Description automatically generated">
+                    <a:extLst>
+                      <a:ext uri="{FF2B5EF4-FFF2-40B4-BE49-F238E27FC236}">
+                        <a16:creationId xmlns:a16="http://schemas.microsoft.com/office/drawing/2014/main" id="{6AB22A9F-0868-36E8-19D7-D0F980A09DA3}"/>
+                      </a:ext>
+                    </a:extLst>
+                  </p:cNvPr>
+                  <p:cNvPicPr>
+                    <a:picLocks noChangeAspect="1"/>
+                  </p:cNvPicPr>
+                  <p:nvPr/>
+                </p:nvPicPr>
+                <p:blipFill>
+                  <a:blip r:embed="rId7"/>
+                  <a:stretch>
+                    <a:fillRect/>
+                  </a:stretch>
+                </p:blipFill>
+                <p:spPr>
+                  <a:xfrm>
+                    <a:off x="4724400" y="4448168"/>
+                    <a:ext cx="604361" cy="724674"/>
+                  </a:xfrm>
+                  <a:prstGeom prst="rect">
+                    <a:avLst/>
+                  </a:prstGeom>
+                </p:spPr>
+              </p:pic>
+            </p:grpSp>
+          </p:grpSp>
+        </p:grpSp>
+        <p:grpSp>
+          <p:nvGrpSpPr>
+            <p:cNvPr id="88" name="Group 87">
+              <a:extLst>
+                <a:ext uri="{FF2B5EF4-FFF2-40B4-BE49-F238E27FC236}">
+                  <a16:creationId xmlns:a16="http://schemas.microsoft.com/office/drawing/2014/main" id="{6BB01E99-7B1F-9DBC-63ED-60861A648362}"/>
+                </a:ext>
+              </a:extLst>
+            </p:cNvPr>
+            <p:cNvGrpSpPr/>
+            <p:nvPr/>
+          </p:nvGrpSpPr>
+          <p:grpSpPr>
+            <a:xfrm>
+              <a:off x="1503441" y="1218243"/>
+              <a:ext cx="8340860" cy="1261641"/>
+              <a:chOff x="2650888" y="482747"/>
+              <a:chExt cx="8340860" cy="1261641"/>
+            </a:xfrm>
+          </p:grpSpPr>
+          <p:grpSp>
+            <p:nvGrpSpPr>
+              <p:cNvPr id="40" name="Group 39">
+                <a:extLst>
+                  <a:ext uri="{FF2B5EF4-FFF2-40B4-BE49-F238E27FC236}">
+                    <a16:creationId xmlns:a16="http://schemas.microsoft.com/office/drawing/2014/main" id="{2590A483-2128-0893-6911-58972EFFAF32}"/>
+                  </a:ext>
+                </a:extLst>
+              </p:cNvPr>
+              <p:cNvGrpSpPr/>
+              <p:nvPr/>
+            </p:nvGrpSpPr>
+            <p:grpSpPr>
+              <a:xfrm>
+                <a:off x="9565228" y="482747"/>
+                <a:ext cx="1426520" cy="1261641"/>
+                <a:chOff x="9453716" y="521788"/>
+                <a:chExt cx="1426520" cy="1261641"/>
+              </a:xfrm>
+            </p:grpSpPr>
+            <p:sp>
+              <p:nvSpPr>
+                <p:cNvPr id="3" name="Rectangle 2">
+                  <a:extLst>
+                    <a:ext uri="{FF2B5EF4-FFF2-40B4-BE49-F238E27FC236}">
+                      <a16:creationId xmlns:a16="http://schemas.microsoft.com/office/drawing/2014/main" id="{1E57CCFD-598A-4531-A426-35874CAE0FDF}"/>
+                    </a:ext>
+                  </a:extLst>
+                </p:cNvPr>
+                <p:cNvSpPr/>
+                <p:nvPr/>
+              </p:nvSpPr>
+              <p:spPr>
+                <a:xfrm>
+                  <a:off x="9453716" y="521788"/>
+                  <a:ext cx="1426520" cy="1261641"/>
+                </a:xfrm>
+                <a:prstGeom prst="rect">
+                  <a:avLst/>
+                </a:prstGeom>
+                <a:noFill/>
+              </p:spPr>
+              <p:style>
+                <a:lnRef idx="2">
+                  <a:schemeClr val="accent1">
+                    <a:shade val="15000"/>
+                  </a:schemeClr>
+                </a:lnRef>
+                <a:fillRef idx="1">
+                  <a:schemeClr val="accent1"/>
+                </a:fillRef>
+                <a:effectRef idx="0">
+                  <a:schemeClr val="accent1"/>
+                </a:effectRef>
+                <a:fontRef idx="minor">
+                  <a:schemeClr val="lt1"/>
+                </a:fontRef>
+              </p:style>
+              <p:txBody>
+                <a:bodyPr rtlCol="0" anchor="t"/>
+                <a:lstStyle/>
+                <a:p>
+                  <a:pPr algn="ctr"/>
+                  <a:r>
+                    <a:rPr lang="en-US" dirty="0">
+                      <a:solidFill>
+                        <a:schemeClr val="tx1"/>
+                      </a:solidFill>
+                      <a:latin typeface="Arial" panose="020B0604020202020204" pitchFamily="34" charset="0"/>
+                      <a:cs typeface="Arial" panose="020B0604020202020204" pitchFamily="34" charset="0"/>
+                    </a:rPr>
+                    <a:t>HLS</a:t>
+                  </a:r>
+                </a:p>
+              </p:txBody>
+            </p:sp>
+            <p:grpSp>
+              <p:nvGrpSpPr>
+                <p:cNvPr id="35" name="Group 34">
+                  <a:extLst>
+                    <a:ext uri="{FF2B5EF4-FFF2-40B4-BE49-F238E27FC236}">
+                      <a16:creationId xmlns:a16="http://schemas.microsoft.com/office/drawing/2014/main" id="{26087577-F58C-2BE9-EFD1-BA281413A551}"/>
+                    </a:ext>
+                  </a:extLst>
+                </p:cNvPr>
+                <p:cNvGrpSpPr/>
+                <p:nvPr/>
+              </p:nvGrpSpPr>
+              <p:grpSpPr>
+                <a:xfrm>
+                  <a:off x="9755090" y="1042136"/>
+                  <a:ext cx="823772" cy="586649"/>
+                  <a:chOff x="9828426" y="1042136"/>
+                  <a:chExt cx="823772" cy="586649"/>
+                </a:xfrm>
+              </p:grpSpPr>
+              <p:pic>
+                <p:nvPicPr>
+                  <p:cNvPr id="15" name="Picture 14" descr="A red and black logo&#10;&#10;Description automatically generated">
+                    <a:extLst>
+                      <a:ext uri="{FF2B5EF4-FFF2-40B4-BE49-F238E27FC236}">
+                        <a16:creationId xmlns:a16="http://schemas.microsoft.com/office/drawing/2014/main" id="{4FE5B225-BDF3-9F88-3E3E-B35D4D20AA84}"/>
+                      </a:ext>
+                    </a:extLst>
+                  </p:cNvPr>
+                  <p:cNvPicPr>
+                    <a:picLocks noChangeAspect="1"/>
+                  </p:cNvPicPr>
+                  <p:nvPr/>
+                </p:nvPicPr>
+                <p:blipFill>
+                  <a:blip r:embed="rId8"/>
+                  <a:stretch>
+                    <a:fillRect/>
+                  </a:stretch>
+                </p:blipFill>
+                <p:spPr>
+                  <a:xfrm>
+                    <a:off x="9828426" y="1318272"/>
+                    <a:ext cx="823772" cy="310513"/>
+                  </a:xfrm>
+                  <a:prstGeom prst="rect">
+                    <a:avLst/>
+                  </a:prstGeom>
+                </p:spPr>
+              </p:pic>
+              <p:pic>
+                <p:nvPicPr>
+                  <p:cNvPr id="16" name="Picture 15" descr="A blue and yellow lines on a black background&#10;&#10;Description automatically generated">
+                    <a:extLst>
+                      <a:ext uri="{FF2B5EF4-FFF2-40B4-BE49-F238E27FC236}">
+                        <a16:creationId xmlns:a16="http://schemas.microsoft.com/office/drawing/2014/main" id="{85F68261-84A2-684E-E8A8-73751850B8D7}"/>
+                      </a:ext>
+                    </a:extLst>
+                  </p:cNvPr>
+                  <p:cNvPicPr>
+                    <a:picLocks noChangeAspect="1"/>
+                  </p:cNvPicPr>
+                  <p:nvPr/>
+                </p:nvPicPr>
+                <p:blipFill>
+                  <a:blip r:embed="rId9"/>
+                  <a:stretch>
+                    <a:fillRect/>
+                  </a:stretch>
+                </p:blipFill>
+                <p:spPr>
+                  <a:xfrm>
+                    <a:off x="9857780" y="1042136"/>
+                    <a:ext cx="765065" cy="274945"/>
+                  </a:xfrm>
+                  <a:prstGeom prst="rect">
+                    <a:avLst/>
+                  </a:prstGeom>
+                </p:spPr>
+              </p:pic>
+            </p:grpSp>
+          </p:grpSp>
+          <p:grpSp>
+            <p:nvGrpSpPr>
+              <p:cNvPr id="38" name="Group 37">
+                <a:extLst>
+                  <a:ext uri="{FF2B5EF4-FFF2-40B4-BE49-F238E27FC236}">
+                    <a16:creationId xmlns:a16="http://schemas.microsoft.com/office/drawing/2014/main" id="{360A30FC-1C3B-F0A3-BF7C-DCEA6D067D8B}"/>
+                  </a:ext>
+                </a:extLst>
+              </p:cNvPr>
+              <p:cNvGrpSpPr/>
+              <p:nvPr/>
+            </p:nvGrpSpPr>
+            <p:grpSpPr>
+              <a:xfrm>
+                <a:off x="5977647" y="482747"/>
+                <a:ext cx="1426519" cy="1261641"/>
+                <a:chOff x="5866135" y="511215"/>
+                <a:chExt cx="1426519" cy="1261641"/>
+              </a:xfrm>
+            </p:grpSpPr>
+            <p:sp>
+              <p:nvSpPr>
+                <p:cNvPr id="8" name="Rectangle 7">
+                  <a:extLst>
+                    <a:ext uri="{FF2B5EF4-FFF2-40B4-BE49-F238E27FC236}">
+                      <a16:creationId xmlns:a16="http://schemas.microsoft.com/office/drawing/2014/main" id="{0B41F500-1B76-10A2-F851-73D26FEA759A}"/>
+                    </a:ext>
+                  </a:extLst>
+                </p:cNvPr>
+                <p:cNvSpPr/>
+                <p:nvPr/>
+              </p:nvSpPr>
+              <p:spPr>
+                <a:xfrm>
+                  <a:off x="5866135" y="511215"/>
+                  <a:ext cx="1426519" cy="1261641"/>
+                </a:xfrm>
+                <a:prstGeom prst="rect">
+                  <a:avLst/>
+                </a:prstGeom>
+                <a:noFill/>
+              </p:spPr>
+              <p:style>
+                <a:lnRef idx="2">
+                  <a:schemeClr val="accent1">
+                    <a:shade val="15000"/>
+                  </a:schemeClr>
+                </a:lnRef>
+                <a:fillRef idx="1">
+                  <a:schemeClr val="accent1"/>
+                </a:fillRef>
+                <a:effectRef idx="0">
+                  <a:schemeClr val="accent1"/>
+                </a:effectRef>
+                <a:fontRef idx="minor">
+                  <a:schemeClr val="lt1"/>
+                </a:fontRef>
+              </p:style>
+              <p:txBody>
+                <a:bodyPr rtlCol="0" anchor="t"/>
+                <a:lstStyle/>
+                <a:p>
+                  <a:pPr algn="ctr"/>
+                  <a:r>
+                    <a:rPr lang="en-US" dirty="0">
+                      <a:solidFill>
+                        <a:schemeClr val="tx1"/>
+                      </a:solidFill>
+                      <a:latin typeface="Arial" panose="020B0604020202020204" pitchFamily="34" charset="0"/>
+                      <a:cs typeface="Arial" panose="020B0604020202020204" pitchFamily="34" charset="0"/>
+                    </a:rPr>
+                    <a:t>Ctrl Flow</a:t>
+                  </a:r>
+                </a:p>
+              </p:txBody>
+            </p:sp>
+            <p:grpSp>
+              <p:nvGrpSpPr>
+                <p:cNvPr id="30" name="Group 29">
+                  <a:extLst>
+                    <a:ext uri="{FF2B5EF4-FFF2-40B4-BE49-F238E27FC236}">
+                      <a16:creationId xmlns:a16="http://schemas.microsoft.com/office/drawing/2014/main" id="{8630008E-53AC-DC4D-B11E-93B13FCF5DA3}"/>
+                    </a:ext>
+                  </a:extLst>
+                </p:cNvPr>
+                <p:cNvGrpSpPr/>
+                <p:nvPr/>
+              </p:nvGrpSpPr>
+              <p:grpSpPr>
+                <a:xfrm>
+                  <a:off x="6167509" y="913678"/>
+                  <a:ext cx="823771" cy="724363"/>
+                  <a:chOff x="6096000" y="913678"/>
+                  <a:chExt cx="823771" cy="724363"/>
+                </a:xfrm>
+              </p:grpSpPr>
+              <p:pic>
+                <p:nvPicPr>
+                  <p:cNvPr id="14" name="Graphic 13">
+                    <a:extLst>
+                      <a:ext uri="{FF2B5EF4-FFF2-40B4-BE49-F238E27FC236}">
+                        <a16:creationId xmlns:a16="http://schemas.microsoft.com/office/drawing/2014/main" id="{FE9C27BF-057D-A3E9-FE52-C5B8384012EE}"/>
+                      </a:ext>
+                    </a:extLst>
+                  </p:cNvPr>
+                  <p:cNvPicPr>
+                    <a:picLocks noChangeAspect="1"/>
+                  </p:cNvPicPr>
+                  <p:nvPr/>
+                </p:nvPicPr>
+                <p:blipFill>
+                  <a:blip r:embed="rId10">
+                    <a:extLst>
+                      <a:ext uri="{96DAC541-7B7A-43D3-8B79-37D633B846F1}">
+                        <asvg:svgBlip xmlns:asvg="http://schemas.microsoft.com/office/drawing/2016/SVG/main" r:embed="rId11"/>
+                      </a:ext>
+                    </a:extLst>
+                  </a:blip>
+                  <a:stretch>
+                    <a:fillRect/>
+                  </a:stretch>
+                </p:blipFill>
+                <p:spPr>
+                  <a:xfrm>
+                    <a:off x="6096000" y="1308180"/>
+                    <a:ext cx="823771" cy="329861"/>
+                  </a:xfrm>
+                  <a:prstGeom prst="rect">
+                    <a:avLst/>
+                  </a:prstGeom>
+                </p:spPr>
+              </p:pic>
+              <p:pic>
+                <p:nvPicPr>
+                  <p:cNvPr id="17" name="Graphic 16">
+                    <a:extLst>
+                      <a:ext uri="{FF2B5EF4-FFF2-40B4-BE49-F238E27FC236}">
+                        <a16:creationId xmlns:a16="http://schemas.microsoft.com/office/drawing/2014/main" id="{1113893C-1171-B021-15D5-A7BBBAB231FF}"/>
+                      </a:ext>
+                    </a:extLst>
+                  </p:cNvPr>
+                  <p:cNvPicPr>
+                    <a:picLocks noChangeAspect="1"/>
+                  </p:cNvPicPr>
+                  <p:nvPr/>
+                </p:nvPicPr>
+                <p:blipFill>
+                  <a:blip r:embed="rId12">
+                    <a:extLst>
+                      <a:ext uri="{96DAC541-7B7A-43D3-8B79-37D633B846F1}">
+                        <asvg:svgBlip xmlns:asvg="http://schemas.microsoft.com/office/drawing/2016/SVG/main" r:embed="rId13"/>
+                      </a:ext>
+                    </a:extLst>
+                  </a:blip>
+                  <a:stretch>
+                    <a:fillRect/>
+                  </a:stretch>
+                </p:blipFill>
+                <p:spPr>
+                  <a:xfrm>
+                    <a:off x="6196951" y="913678"/>
+                    <a:ext cx="621869" cy="329861"/>
+                  </a:xfrm>
+                  <a:prstGeom prst="rect">
+                    <a:avLst/>
+                  </a:prstGeom>
+                </p:spPr>
+              </p:pic>
+            </p:grpSp>
+          </p:grpSp>
+          <p:grpSp>
+            <p:nvGrpSpPr>
+              <p:cNvPr id="37" name="Group 36">
+                <a:extLst>
+                  <a:ext uri="{FF2B5EF4-FFF2-40B4-BE49-F238E27FC236}">
+                    <a16:creationId xmlns:a16="http://schemas.microsoft.com/office/drawing/2014/main" id="{889AC6F1-04CD-59FD-B5C6-11CB7CD85FE9}"/>
+                  </a:ext>
+                </a:extLst>
+              </p:cNvPr>
+              <p:cNvGrpSpPr/>
+              <p:nvPr/>
+            </p:nvGrpSpPr>
+            <p:grpSpPr>
+              <a:xfrm>
+                <a:off x="2650888" y="482747"/>
+                <a:ext cx="1426520" cy="1261641"/>
+                <a:chOff x="2539376" y="511215"/>
+                <a:chExt cx="1426520" cy="1261641"/>
+              </a:xfrm>
+            </p:grpSpPr>
+            <p:sp>
+              <p:nvSpPr>
+                <p:cNvPr id="7" name="Rectangle 6">
+                  <a:extLst>
+                    <a:ext uri="{FF2B5EF4-FFF2-40B4-BE49-F238E27FC236}">
+                      <a16:creationId xmlns:a16="http://schemas.microsoft.com/office/drawing/2014/main" id="{46CB9EC2-CFDB-6EB4-9A30-3B26A5574159}"/>
+                    </a:ext>
+                  </a:extLst>
+                </p:cNvPr>
+                <p:cNvSpPr/>
+                <p:nvPr/>
+              </p:nvSpPr>
+              <p:spPr>
+                <a:xfrm>
+                  <a:off x="2539376" y="511215"/>
+                  <a:ext cx="1426520" cy="1261641"/>
+                </a:xfrm>
+                <a:prstGeom prst="rect">
+                  <a:avLst/>
+                </a:prstGeom>
+                <a:noFill/>
+              </p:spPr>
+              <p:style>
+                <a:lnRef idx="2">
+                  <a:schemeClr val="accent1">
+                    <a:shade val="15000"/>
+                  </a:schemeClr>
+                </a:lnRef>
+                <a:fillRef idx="1">
+                  <a:schemeClr val="accent1"/>
+                </a:fillRef>
+                <a:effectRef idx="0">
+                  <a:schemeClr val="accent1"/>
+                </a:effectRef>
+                <a:fontRef idx="minor">
+                  <a:schemeClr val="lt1"/>
+                </a:fontRef>
+              </p:style>
+              <p:txBody>
+                <a:bodyPr rtlCol="0" anchor="t"/>
+                <a:lstStyle/>
+                <a:p>
+                  <a:pPr algn="ctr"/>
+                  <a:r>
+                    <a:rPr lang="en-US" dirty="0">
+                      <a:solidFill>
+                        <a:schemeClr val="tx1"/>
+                      </a:solidFill>
+                      <a:latin typeface="Arial" panose="020B0604020202020204" pitchFamily="34" charset="0"/>
+                      <a:cs typeface="Arial" panose="020B0604020202020204" pitchFamily="34" charset="0"/>
+                    </a:rPr>
+                    <a:t>RTL</a:t>
+                  </a:r>
+                </a:p>
+              </p:txBody>
+            </p:sp>
+            <p:grpSp>
+              <p:nvGrpSpPr>
+                <p:cNvPr id="28" name="Group 27">
+                  <a:extLst>
+                    <a:ext uri="{FF2B5EF4-FFF2-40B4-BE49-F238E27FC236}">
+                      <a16:creationId xmlns:a16="http://schemas.microsoft.com/office/drawing/2014/main" id="{F5C09561-931C-6F66-05DA-B89CF1BA17CF}"/>
+                    </a:ext>
+                  </a:extLst>
+                </p:cNvPr>
+                <p:cNvGrpSpPr/>
+                <p:nvPr/>
+              </p:nvGrpSpPr>
+              <p:grpSpPr>
+                <a:xfrm>
+                  <a:off x="2683779" y="1094083"/>
+                  <a:ext cx="1137715" cy="520700"/>
+                  <a:chOff x="2631407" y="1094083"/>
+                  <a:chExt cx="1137715" cy="520700"/>
+                </a:xfrm>
+              </p:grpSpPr>
+              <p:pic>
+                <p:nvPicPr>
+                  <p:cNvPr id="25" name="Graphic 24">
+                    <a:extLst>
+                      <a:ext uri="{FF2B5EF4-FFF2-40B4-BE49-F238E27FC236}">
+                        <a16:creationId xmlns:a16="http://schemas.microsoft.com/office/drawing/2014/main" id="{C90D8215-DA89-1B40-96D8-88F3FD2C8B3F}"/>
+                      </a:ext>
+                    </a:extLst>
+                  </p:cNvPr>
+                  <p:cNvPicPr>
+                    <a:picLocks noChangeAspect="1"/>
+                  </p:cNvPicPr>
+                  <p:nvPr/>
+                </p:nvPicPr>
+                <p:blipFill>
+                  <a:blip r:embed="rId14">
+                    <a:extLst>
+                      <a:ext uri="{96DAC541-7B7A-43D3-8B79-37D633B846F1}">
+                        <asvg:svgBlip xmlns:asvg="http://schemas.microsoft.com/office/drawing/2016/SVG/main" r:embed="rId15"/>
+                      </a:ext>
+                    </a:extLst>
+                  </a:blip>
+                  <a:stretch>
+                    <a:fillRect/>
+                  </a:stretch>
+                </p:blipFill>
+                <p:spPr>
+                  <a:xfrm>
+                    <a:off x="2631407" y="1094083"/>
+                    <a:ext cx="520700" cy="520700"/>
+                  </a:xfrm>
+                  <a:prstGeom prst="rect">
+                    <a:avLst/>
+                  </a:prstGeom>
+                </p:spPr>
+              </p:pic>
+              <p:pic>
+                <p:nvPicPr>
+                  <p:cNvPr id="27" name="Graphic 26">
+                    <a:extLst>
+                      <a:ext uri="{FF2B5EF4-FFF2-40B4-BE49-F238E27FC236}">
+                        <a16:creationId xmlns:a16="http://schemas.microsoft.com/office/drawing/2014/main" id="{51BD1844-FFCB-540D-72F5-E4F10C5FCD78}"/>
+                      </a:ext>
+                    </a:extLst>
+                  </p:cNvPr>
+                  <p:cNvPicPr>
+                    <a:picLocks noChangeAspect="1"/>
+                  </p:cNvPicPr>
+                  <p:nvPr/>
+                </p:nvPicPr>
+                <p:blipFill>
+                  <a:blip r:embed="rId16">
+                    <a:extLst>
+                      <a:ext uri="{96DAC541-7B7A-43D3-8B79-37D633B846F1}">
+                        <asvg:svgBlip xmlns:asvg="http://schemas.microsoft.com/office/drawing/2016/SVG/main" r:embed="rId17"/>
+                      </a:ext>
+                    </a:extLst>
+                  </a:blip>
+                  <a:stretch>
+                    <a:fillRect/>
+                  </a:stretch>
+                </p:blipFill>
+                <p:spPr>
+                  <a:xfrm>
+                    <a:off x="3252636" y="1096190"/>
+                    <a:ext cx="516486" cy="516486"/>
+                  </a:xfrm>
+                  <a:prstGeom prst="rect">
+                    <a:avLst/>
+                  </a:prstGeom>
+                </p:spPr>
+              </p:pic>
+            </p:grpSp>
+          </p:grpSp>
+          <p:grpSp>
+            <p:nvGrpSpPr>
+              <p:cNvPr id="39" name="Group 38">
+                <a:extLst>
+                  <a:ext uri="{FF2B5EF4-FFF2-40B4-BE49-F238E27FC236}">
+                    <a16:creationId xmlns:a16="http://schemas.microsoft.com/office/drawing/2014/main" id="{334783A0-8E20-3B2B-EDB0-ED1F97382022}"/>
+                  </a:ext>
+                </a:extLst>
+              </p:cNvPr>
+              <p:cNvGrpSpPr/>
+              <p:nvPr/>
+            </p:nvGrpSpPr>
+            <p:grpSpPr>
+              <a:xfrm>
+                <a:off x="7663197" y="482747"/>
+                <a:ext cx="1426520" cy="1261641"/>
+                <a:chOff x="7551685" y="521788"/>
+                <a:chExt cx="1426520" cy="1261641"/>
+              </a:xfrm>
+            </p:grpSpPr>
+            <p:sp>
+              <p:nvSpPr>
+                <p:cNvPr id="19" name="Rectangle 18">
+                  <a:extLst>
+                    <a:ext uri="{FF2B5EF4-FFF2-40B4-BE49-F238E27FC236}">
+                      <a16:creationId xmlns:a16="http://schemas.microsoft.com/office/drawing/2014/main" id="{24FC4C96-0AF3-6055-4D86-8BBDA9ACB15B}"/>
+                    </a:ext>
+                  </a:extLst>
+                </p:cNvPr>
+                <p:cNvSpPr/>
+                <p:nvPr/>
+              </p:nvSpPr>
+              <p:spPr>
+                <a:xfrm>
+                  <a:off x="7551685" y="521788"/>
+                  <a:ext cx="1426520" cy="1261641"/>
+                </a:xfrm>
+                <a:prstGeom prst="rect">
+                  <a:avLst/>
+                </a:prstGeom>
+                <a:noFill/>
+              </p:spPr>
+              <p:style>
+                <a:lnRef idx="2">
+                  <a:schemeClr val="accent1">
+                    <a:shade val="15000"/>
+                  </a:schemeClr>
+                </a:lnRef>
+                <a:fillRef idx="1">
+                  <a:schemeClr val="accent1"/>
+                </a:fillRef>
+                <a:effectRef idx="0">
+                  <a:schemeClr val="accent1"/>
+                </a:effectRef>
+                <a:fontRef idx="minor">
+                  <a:schemeClr val="lt1"/>
+                </a:fontRef>
+              </p:style>
+              <p:txBody>
+                <a:bodyPr rtlCol="0" anchor="t"/>
+                <a:lstStyle/>
+                <a:p>
+                  <a:pPr algn="ctr"/>
+                  <a:r>
+                    <a:rPr lang="en-US" dirty="0">
+                      <a:solidFill>
+                        <a:schemeClr val="tx1"/>
+                      </a:solidFill>
+                      <a:latin typeface="Arial" panose="020B0604020202020204" pitchFamily="34" charset="0"/>
+                      <a:cs typeface="Arial" panose="020B0604020202020204" pitchFamily="34" charset="0"/>
+                    </a:rPr>
+                    <a:t>Accel DSL</a:t>
+                  </a:r>
+                </a:p>
+              </p:txBody>
+            </p:sp>
+            <p:pic>
+              <p:nvPicPr>
+                <p:cNvPr id="22" name="Picture 21" descr="A pink and black flower&#10;&#10;Description automatically generated">
+                  <a:extLst>
+                    <a:ext uri="{FF2B5EF4-FFF2-40B4-BE49-F238E27FC236}">
+                      <a16:creationId xmlns:a16="http://schemas.microsoft.com/office/drawing/2014/main" id="{C2B9D0D3-EA19-AE6F-B178-52FF618C8FD6}"/>
+                    </a:ext>
+                  </a:extLst>
+                </p:cNvPr>
+                <p:cNvPicPr>
+                  <a:picLocks noChangeAspect="1"/>
+                </p:cNvPicPr>
+                <p:nvPr/>
+              </p:nvPicPr>
+              <p:blipFill>
+                <a:blip r:embed="rId18"/>
+                <a:stretch>
+                  <a:fillRect/>
+                </a:stretch>
+              </p:blipFill>
+              <p:spPr>
+                <a:xfrm>
+                  <a:off x="7651861" y="1179609"/>
+                  <a:ext cx="539698" cy="499143"/>
+                </a:xfrm>
+                <a:prstGeom prst="rect">
+                  <a:avLst/>
+                </a:prstGeom>
+              </p:spPr>
+            </p:pic>
+            <p:pic>
+              <p:nvPicPr>
+                <p:cNvPr id="33" name="Picture 32" descr="A colorful cube with many squares&#10;&#10;Description automatically generated">
+                  <a:extLst>
+                    <a:ext uri="{FF2B5EF4-FFF2-40B4-BE49-F238E27FC236}">
+                      <a16:creationId xmlns:a16="http://schemas.microsoft.com/office/drawing/2014/main" id="{C635BD0E-34D5-C8BD-EA20-BEC13064E612}"/>
+                    </a:ext>
+                  </a:extLst>
+                </p:cNvPr>
+                <p:cNvPicPr>
+                  <a:picLocks noChangeAspect="1"/>
+                </p:cNvPicPr>
+                <p:nvPr/>
+              </p:nvPicPr>
+              <p:blipFill>
+                <a:blip r:embed="rId19"/>
+                <a:stretch>
+                  <a:fillRect/>
+                </a:stretch>
+              </p:blipFill>
+              <p:spPr>
+                <a:xfrm>
+                  <a:off x="8338331" y="1118854"/>
+                  <a:ext cx="539698" cy="620653"/>
+                </a:xfrm>
+                <a:prstGeom prst="rect">
+                  <a:avLst/>
+                </a:prstGeom>
+              </p:spPr>
+            </p:pic>
+          </p:grpSp>
+          <p:grpSp>
+            <p:nvGrpSpPr>
+              <p:cNvPr id="87" name="Group 86">
+                <a:extLst>
+                  <a:ext uri="{FF2B5EF4-FFF2-40B4-BE49-F238E27FC236}">
+                    <a16:creationId xmlns:a16="http://schemas.microsoft.com/office/drawing/2014/main" id="{41CB96FE-92D1-4926-09B1-2457A70FC4DC}"/>
+                  </a:ext>
+                </a:extLst>
+              </p:cNvPr>
+              <p:cNvGrpSpPr/>
+              <p:nvPr/>
+            </p:nvGrpSpPr>
+            <p:grpSpPr>
+              <a:xfrm>
+                <a:off x="4314268" y="482747"/>
+                <a:ext cx="1426519" cy="1261641"/>
+                <a:chOff x="4314268" y="482747"/>
+                <a:chExt cx="1426519" cy="1261641"/>
+              </a:xfrm>
+            </p:grpSpPr>
+            <p:sp>
+              <p:nvSpPr>
+                <p:cNvPr id="4" name="Rectangle 3">
+                  <a:extLst>
+                    <a:ext uri="{FF2B5EF4-FFF2-40B4-BE49-F238E27FC236}">
+                      <a16:creationId xmlns:a16="http://schemas.microsoft.com/office/drawing/2014/main" id="{C371A03E-9371-DE12-9F19-646FC0F54CF2}"/>
+                    </a:ext>
+                  </a:extLst>
+                </p:cNvPr>
+                <p:cNvSpPr/>
+                <p:nvPr/>
+              </p:nvSpPr>
+              <p:spPr>
+                <a:xfrm>
+                  <a:off x="4314268" y="482747"/>
+                  <a:ext cx="1426519" cy="1261641"/>
+                </a:xfrm>
+                <a:prstGeom prst="rect">
+                  <a:avLst/>
+                </a:prstGeom>
+                <a:noFill/>
+              </p:spPr>
+              <p:style>
+                <a:lnRef idx="2">
+                  <a:schemeClr val="accent1">
+                    <a:shade val="15000"/>
+                  </a:schemeClr>
+                </a:lnRef>
+                <a:fillRef idx="1">
+                  <a:schemeClr val="accent1"/>
+                </a:fillRef>
+                <a:effectRef idx="0">
+                  <a:schemeClr val="accent1"/>
+                </a:effectRef>
+                <a:fontRef idx="minor">
+                  <a:schemeClr val="lt1"/>
+                </a:fontRef>
+              </p:style>
+              <p:txBody>
+                <a:bodyPr rtlCol="0" anchor="t"/>
+                <a:lstStyle/>
+                <a:p>
+                  <a:pPr algn="ctr"/>
+                  <a:r>
+                    <a:rPr lang="en-US" dirty="0">
+                      <a:solidFill>
+                        <a:schemeClr val="tx1"/>
+                      </a:solidFill>
+                      <a:latin typeface="Arial" panose="020B0604020202020204" pitchFamily="34" charset="0"/>
+                      <a:cs typeface="Arial" panose="020B0604020202020204" pitchFamily="34" charset="0"/>
+                    </a:rPr>
+                    <a:t>Data Flow</a:t>
+                  </a:r>
+                </a:p>
+              </p:txBody>
+            </p:sp>
+            <p:pic>
+              <p:nvPicPr>
+                <p:cNvPr id="68" name="Graphic 67">
+                  <a:extLst>
+                    <a:ext uri="{FF2B5EF4-FFF2-40B4-BE49-F238E27FC236}">
+                      <a16:creationId xmlns:a16="http://schemas.microsoft.com/office/drawing/2014/main" id="{9B710D03-5DEC-66AB-3B7C-41D40F9437BB}"/>
+                    </a:ext>
+                  </a:extLst>
+                </p:cNvPr>
+                <p:cNvPicPr>
+                  <a:picLocks noChangeAspect="1"/>
+                </p:cNvPicPr>
+                <p:nvPr/>
+              </p:nvPicPr>
+              <p:blipFill>
+                <a:blip r:embed="rId20">
+                  <a:extLst>
+                    <a:ext uri="{96DAC541-7B7A-43D3-8B79-37D633B846F1}">
+                      <asvg:svgBlip xmlns:asvg="http://schemas.microsoft.com/office/drawing/2016/SVG/main" r:embed="rId21"/>
+                    </a:ext>
+                  </a:extLst>
+                </a:blip>
+                <a:stretch>
+                  <a:fillRect/>
+                </a:stretch>
+              </p:blipFill>
+              <p:spPr>
+                <a:xfrm>
+                  <a:off x="4784552" y="837474"/>
+                  <a:ext cx="485951" cy="421693"/>
+                </a:xfrm>
+                <a:prstGeom prst="rect">
+                  <a:avLst/>
+                </a:prstGeom>
+              </p:spPr>
+            </p:pic>
+            <p:pic>
+              <p:nvPicPr>
+                <p:cNvPr id="86" name="Picture 85" descr="A computer screen shot of a computer&#10;&#10;Description automatically generated">
+                  <a:extLst>
+                    <a:ext uri="{FF2B5EF4-FFF2-40B4-BE49-F238E27FC236}">
+                      <a16:creationId xmlns:a16="http://schemas.microsoft.com/office/drawing/2014/main" id="{1BB466CC-6033-6216-A706-5488ABFA9649}"/>
+                    </a:ext>
+                  </a:extLst>
+                </p:cNvPr>
+                <p:cNvPicPr>
+                  <a:picLocks noChangeAspect="1"/>
+                </p:cNvPicPr>
+                <p:nvPr/>
+              </p:nvPicPr>
+              <p:blipFill>
+                <a:blip r:embed="rId22"/>
+                <a:stretch>
+                  <a:fillRect/>
+                </a:stretch>
+              </p:blipFill>
+              <p:spPr>
+                <a:xfrm>
+                  <a:off x="4607938" y="1437786"/>
+                  <a:ext cx="839179" cy="186317"/>
+                </a:xfrm>
+                <a:prstGeom prst="rect">
+                  <a:avLst/>
+                </a:prstGeom>
+              </p:spPr>
+            </p:pic>
+          </p:grpSp>
+        </p:grpSp>
+        <p:sp>
+          <p:nvSpPr>
+            <p:cNvPr id="2" name="Rectangle 1">
+              <a:extLst>
+                <a:ext uri="{FF2B5EF4-FFF2-40B4-BE49-F238E27FC236}">
+                  <a16:creationId xmlns:a16="http://schemas.microsoft.com/office/drawing/2014/main" id="{8F4A1CA2-EBCA-3FD3-72C7-EC6C8A2EB504}"/>
+                </a:ext>
+              </a:extLst>
+            </p:cNvPr>
+            <p:cNvSpPr/>
+            <p:nvPr/>
+          </p:nvSpPr>
+          <p:spPr>
+            <a:xfrm>
+              <a:off x="1503442" y="2486593"/>
+              <a:ext cx="8340859" cy="552261"/>
+            </a:xfrm>
+            <a:prstGeom prst="rect">
+              <a:avLst/>
+            </a:prstGeom>
+            <a:noFill/>
+          </p:spPr>
+          <p:style>
+            <a:lnRef idx="2">
+              <a:schemeClr val="accent1">
+                <a:shade val="15000"/>
+              </a:schemeClr>
+            </a:lnRef>
+            <a:fillRef idx="1">
+              <a:schemeClr val="accent1"/>
+            </a:fillRef>
+            <a:effectRef idx="0">
+              <a:schemeClr val="accent1"/>
+            </a:effectRef>
+            <a:fontRef idx="minor">
+              <a:schemeClr val="lt1"/>
+            </a:fontRef>
+          </p:style>
+          <p:txBody>
+            <a:bodyPr rtlCol="0" anchor="ctr"/>
+            <a:lstStyle/>
+            <a:p>
+              <a:pPr algn="ctr"/>
+              <a:r>
+                <a:rPr lang="en-US" dirty="0">
+                  <a:solidFill>
+                    <a:schemeClr val="tx1"/>
+                  </a:solidFill>
+                  <a:latin typeface="Arial" panose="020B0604020202020204" pitchFamily="34" charset="0"/>
+                  <a:cs typeface="Arial" panose="020B0604020202020204" pitchFamily="34" charset="0"/>
+                </a:rPr>
+                <a:t>Elaboration Interop</a:t>
+              </a:r>
+            </a:p>
+          </p:txBody>
+        </p:sp>
+        <p:sp>
+          <p:nvSpPr>
+            <p:cNvPr id="10" name="Rectangle 9">
+              <a:extLst>
+                <a:ext uri="{FF2B5EF4-FFF2-40B4-BE49-F238E27FC236}">
+                  <a16:creationId xmlns:a16="http://schemas.microsoft.com/office/drawing/2014/main" id="{B4A5938F-AC60-B8B4-61B1-BA8C6551D85E}"/>
+                </a:ext>
+              </a:extLst>
+            </p:cNvPr>
+            <p:cNvSpPr/>
+            <p:nvPr/>
+          </p:nvSpPr>
+          <p:spPr>
+            <a:xfrm>
+              <a:off x="3166821" y="3038854"/>
+              <a:ext cx="4775449" cy="541783"/>
+            </a:xfrm>
+            <a:prstGeom prst="rect">
+              <a:avLst/>
+            </a:prstGeom>
+            <a:noFill/>
+          </p:spPr>
+          <p:style>
+            <a:lnRef idx="2">
+              <a:schemeClr val="accent1">
+                <a:shade val="15000"/>
+              </a:schemeClr>
+            </a:lnRef>
+            <a:fillRef idx="1">
+              <a:schemeClr val="accent1"/>
+            </a:fillRef>
+            <a:effectRef idx="0">
+              <a:schemeClr val="accent1"/>
+            </a:effectRef>
+            <a:fontRef idx="minor">
+              <a:schemeClr val="lt1"/>
+            </a:fontRef>
+          </p:style>
+          <p:txBody>
+            <a:bodyPr rtlCol="0" anchor="ctr"/>
+            <a:lstStyle/>
+            <a:p>
+              <a:pPr algn="ctr"/>
+              <a:r>
+                <a:rPr lang="en-US" dirty="0">
+                  <a:solidFill>
+                    <a:schemeClr val="tx1"/>
+                  </a:solidFill>
+                  <a:latin typeface="Arial" panose="020B0604020202020204" pitchFamily="34" charset="0"/>
+                  <a:cs typeface="Arial" panose="020B0604020202020204" pitchFamily="34" charset="0"/>
+                </a:rPr>
+                <a:t>Common IR</a:t>
+              </a:r>
+            </a:p>
+          </p:txBody>
+        </p:sp>
+        <p:sp>
+          <p:nvSpPr>
+            <p:cNvPr id="13" name="Rectangle 12">
+              <a:extLst>
+                <a:ext uri="{FF2B5EF4-FFF2-40B4-BE49-F238E27FC236}">
+                  <a16:creationId xmlns:a16="http://schemas.microsoft.com/office/drawing/2014/main" id="{50A73F54-6F19-AEB8-1081-CA8F33297F42}"/>
+                </a:ext>
+              </a:extLst>
+            </p:cNvPr>
+            <p:cNvSpPr/>
+            <p:nvPr/>
+          </p:nvSpPr>
+          <p:spPr>
+            <a:xfrm>
+              <a:off x="2729780" y="3580637"/>
+              <a:ext cx="5627357" cy="552261"/>
+            </a:xfrm>
+            <a:prstGeom prst="rect">
+              <a:avLst/>
+            </a:prstGeom>
+            <a:noFill/>
+          </p:spPr>
+          <p:style>
+            <a:lnRef idx="2">
+              <a:schemeClr val="accent1">
+                <a:shade val="15000"/>
+              </a:schemeClr>
+            </a:lnRef>
+            <a:fillRef idx="1">
+              <a:schemeClr val="accent1"/>
+            </a:fillRef>
+            <a:effectRef idx="0">
+              <a:schemeClr val="accent1"/>
+            </a:effectRef>
+            <a:fontRef idx="minor">
+              <a:schemeClr val="lt1"/>
+            </a:fontRef>
+          </p:style>
+          <p:txBody>
+            <a:bodyPr rtlCol="0" anchor="ctr"/>
+            <a:lstStyle/>
+            <a:p>
+              <a:pPr algn="ctr"/>
+              <a:r>
+                <a:rPr lang="en-US" dirty="0">
+                  <a:solidFill>
+                    <a:schemeClr val="tx1"/>
+                  </a:solidFill>
+                  <a:latin typeface="Arial" panose="020B0604020202020204" pitchFamily="34" charset="0"/>
+                  <a:cs typeface="Arial" panose="020B0604020202020204" pitchFamily="34" charset="0"/>
+                </a:rPr>
+                <a:t>Runtime Interop</a:t>
+              </a:r>
+            </a:p>
+          </p:txBody>
+        </p:sp>
+        <p:sp>
+          <p:nvSpPr>
+            <p:cNvPr id="20" name="Curved Left Arrow 19">
+              <a:extLst>
+                <a:ext uri="{FF2B5EF4-FFF2-40B4-BE49-F238E27FC236}">
+                  <a16:creationId xmlns:a16="http://schemas.microsoft.com/office/drawing/2014/main" id="{DD9A368C-C87A-D439-DA39-227E138BEFA6}"/>
+                </a:ext>
+              </a:extLst>
+            </p:cNvPr>
+            <p:cNvSpPr/>
+            <p:nvPr/>
+          </p:nvSpPr>
+          <p:spPr>
+            <a:xfrm rot="20175931">
+              <a:off x="2024897" y="2280169"/>
+              <a:ext cx="437112" cy="3015004"/>
+            </a:xfrm>
+            <a:prstGeom prst="curvedLeftArrow">
+              <a:avLst>
+                <a:gd name="adj1" fmla="val 0"/>
+                <a:gd name="adj2" fmla="val 50515"/>
+                <a:gd name="adj3" fmla="val 25000"/>
+              </a:avLst>
+            </a:prstGeom>
+          </p:spPr>
+          <p:style>
+            <a:lnRef idx="2">
+              <a:schemeClr val="accent1">
+                <a:shade val="15000"/>
+              </a:schemeClr>
+            </a:lnRef>
+            <a:fillRef idx="1">
+              <a:schemeClr val="accent1"/>
+            </a:fillRef>
+            <a:effectRef idx="0">
+              <a:schemeClr val="accent1"/>
+            </a:effectRef>
+            <a:fontRef idx="minor">
+              <a:schemeClr val="lt1"/>
+            </a:fontRef>
+          </p:style>
+          <p:txBody>
+            <a:bodyPr rtlCol="0" anchor="ctr"/>
+            <a:lstStyle/>
+            <a:p>
+              <a:pPr algn="ctr"/>
+              <a:endParaRPr lang="en-US">
+                <a:solidFill>
+                  <a:schemeClr val="tx1"/>
+                </a:solidFill>
+                <a:latin typeface="Arial" panose="020B0604020202020204" pitchFamily="34" charset="0"/>
+                <a:cs typeface="Arial" panose="020B0604020202020204" pitchFamily="34" charset="0"/>
+              </a:endParaRPr>
+            </a:p>
+          </p:txBody>
+        </p:sp>
+        <p:sp>
+          <p:nvSpPr>
+            <p:cNvPr id="21" name="Curved Left Arrow 20">
+              <a:extLst>
+                <a:ext uri="{FF2B5EF4-FFF2-40B4-BE49-F238E27FC236}">
+                  <a16:creationId xmlns:a16="http://schemas.microsoft.com/office/drawing/2014/main" id="{12179908-EA89-5138-319F-FB962E01C69A}"/>
+                </a:ext>
+              </a:extLst>
+            </p:cNvPr>
+            <p:cNvSpPr/>
+            <p:nvPr/>
+          </p:nvSpPr>
+          <p:spPr>
+            <a:xfrm rot="9363117">
+              <a:off x="1508170" y="2363142"/>
+              <a:ext cx="508709" cy="3037259"/>
+            </a:xfrm>
+            <a:prstGeom prst="curvedLeftArrow">
+              <a:avLst>
+                <a:gd name="adj1" fmla="val 0"/>
+                <a:gd name="adj2" fmla="val 50515"/>
+                <a:gd name="adj3" fmla="val 25000"/>
+              </a:avLst>
+            </a:prstGeom>
+          </p:spPr>
+          <p:style>
+            <a:lnRef idx="2">
+              <a:schemeClr val="accent1">
+                <a:shade val="15000"/>
+              </a:schemeClr>
+            </a:lnRef>
+            <a:fillRef idx="1">
+              <a:schemeClr val="accent1"/>
+            </a:fillRef>
+            <a:effectRef idx="0">
+              <a:schemeClr val="accent1"/>
+            </a:effectRef>
+            <a:fontRef idx="minor">
+              <a:schemeClr val="lt1"/>
+            </a:fontRef>
+          </p:style>
+          <p:txBody>
+            <a:bodyPr rtlCol="0" anchor="ctr"/>
+            <a:lstStyle/>
+            <a:p>
+              <a:pPr algn="ctr"/>
+              <a:endParaRPr lang="en-US">
+                <a:solidFill>
+                  <a:schemeClr val="tx1"/>
+                </a:solidFill>
+                <a:latin typeface="Arial" panose="020B0604020202020204" pitchFamily="34" charset="0"/>
+                <a:cs typeface="Arial" panose="020B0604020202020204" pitchFamily="34" charset="0"/>
+              </a:endParaRPr>
+            </a:p>
+          </p:txBody>
+        </p:sp>
+        <p:sp>
+          <p:nvSpPr>
+            <p:cNvPr id="23" name="TextBox 22">
+              <a:extLst>
+                <a:ext uri="{FF2B5EF4-FFF2-40B4-BE49-F238E27FC236}">
+                  <a16:creationId xmlns:a16="http://schemas.microsoft.com/office/drawing/2014/main" id="{898A36B8-B4ED-9821-8D7D-5F6CFB2BCC51}"/>
+                </a:ext>
+              </a:extLst>
+            </p:cNvPr>
+            <p:cNvSpPr txBox="1"/>
+            <p:nvPr/>
+          </p:nvSpPr>
+          <p:spPr>
+            <a:xfrm>
+              <a:off x="1691307" y="3554082"/>
+              <a:ext cx="491247" cy="523220"/>
+            </a:xfrm>
+            <a:prstGeom prst="rect">
+              <a:avLst/>
+            </a:prstGeom>
+            <a:noFill/>
+          </p:spPr>
+          <p:txBody>
+            <a:bodyPr wrap="square">
+              <a:spAutoFit/>
+            </a:bodyPr>
+            <a:lstStyle/>
+            <a:p>
+              <a:r>
+                <a:rPr lang="en-US" sz="2800" dirty="0">
+                  <a:latin typeface="Arial" panose="020B0604020202020204" pitchFamily="34" charset="0"/>
+                  <a:cs typeface="Arial" panose="020B0604020202020204" pitchFamily="34" charset="0"/>
+                </a:rPr>
+                <a:t>①</a:t>
+              </a:r>
+            </a:p>
+          </p:txBody>
+        </p:sp>
+        <p:grpSp>
+          <p:nvGrpSpPr>
+            <p:cNvPr id="32" name="Group 31">
+              <a:extLst>
+                <a:ext uri="{FF2B5EF4-FFF2-40B4-BE49-F238E27FC236}">
+                  <a16:creationId xmlns:a16="http://schemas.microsoft.com/office/drawing/2014/main" id="{A3D1B35E-5866-8441-0A0E-A1EC79D3C4F9}"/>
+                </a:ext>
+              </a:extLst>
+            </p:cNvPr>
+            <p:cNvGrpSpPr/>
+            <p:nvPr/>
+          </p:nvGrpSpPr>
+          <p:grpSpPr>
+            <a:xfrm>
+              <a:off x="6959161" y="2486593"/>
+              <a:ext cx="2289998" cy="1653014"/>
+              <a:chOff x="6959161" y="2486593"/>
+              <a:chExt cx="2289998" cy="1653014"/>
+            </a:xfrm>
+          </p:grpSpPr>
+          <p:sp>
+            <p:nvSpPr>
+              <p:cNvPr id="24" name="TextBox 23">
+                <a:extLst>
+                  <a:ext uri="{FF2B5EF4-FFF2-40B4-BE49-F238E27FC236}">
+                    <a16:creationId xmlns:a16="http://schemas.microsoft.com/office/drawing/2014/main" id="{E9B27D44-EC74-921A-AAE9-979B99C5F909}"/>
+                  </a:ext>
+                </a:extLst>
+              </p:cNvPr>
+              <p:cNvSpPr txBox="1"/>
+              <p:nvPr/>
+            </p:nvSpPr>
+            <p:spPr>
+              <a:xfrm>
+                <a:off x="8689818" y="3045563"/>
+                <a:ext cx="559341" cy="523220"/>
+              </a:xfrm>
+              <a:prstGeom prst="rect">
+                <a:avLst/>
+              </a:prstGeom>
+              <a:noFill/>
+            </p:spPr>
+            <p:txBody>
+              <a:bodyPr wrap="square">
+                <a:spAutoFit/>
+              </a:bodyPr>
+              <a:lstStyle/>
+              <a:p>
+                <a:r>
+                  <a:rPr lang="en-US" sz="2800" dirty="0">
+                    <a:latin typeface="Arial" panose="020B0604020202020204" pitchFamily="34" charset="0"/>
+                    <a:cs typeface="Arial" panose="020B0604020202020204" pitchFamily="34" charset="0"/>
+                  </a:rPr>
+                  <a:t>②</a:t>
+                </a:r>
+              </a:p>
+            </p:txBody>
+          </p:sp>
+          <p:sp>
+            <p:nvSpPr>
+              <p:cNvPr id="31" name="Down Arrow 30">
+                <a:extLst>
+                  <a:ext uri="{FF2B5EF4-FFF2-40B4-BE49-F238E27FC236}">
+                    <a16:creationId xmlns:a16="http://schemas.microsoft.com/office/drawing/2014/main" id="{56431990-72FF-3036-FF92-B7C275F72DE7}"/>
+                  </a:ext>
+                </a:extLst>
+              </p:cNvPr>
+              <p:cNvSpPr/>
+              <p:nvPr/>
+            </p:nvSpPr>
+            <p:spPr>
+              <a:xfrm>
+                <a:off x="6959161" y="2486593"/>
+                <a:ext cx="539698" cy="1653014"/>
+              </a:xfrm>
+              <a:prstGeom prst="downArrow">
+                <a:avLst/>
+              </a:prstGeom>
+            </p:spPr>
+            <p:style>
+              <a:lnRef idx="2">
+                <a:schemeClr val="accent1">
+                  <a:shade val="15000"/>
+                </a:schemeClr>
+              </a:lnRef>
+              <a:fillRef idx="1">
+                <a:schemeClr val="accent1"/>
+              </a:fillRef>
+              <a:effectRef idx="0">
+                <a:schemeClr val="accent1"/>
+              </a:effectRef>
+              <a:fontRef idx="minor">
+                <a:schemeClr val="lt1"/>
+              </a:fontRef>
+            </p:style>
+            <p:txBody>
+              <a:bodyPr rtlCol="0" anchor="ctr"/>
+              <a:lstStyle/>
+              <a:p>
+                <a:pPr algn="ctr"/>
+                <a:endParaRPr lang="en-US"/>
+              </a:p>
+            </p:txBody>
+          </p:sp>
+        </p:grpSp>
+        <p:sp>
+          <p:nvSpPr>
+            <p:cNvPr id="34" name="TextBox 33">
+              <a:extLst>
+                <a:ext uri="{FF2B5EF4-FFF2-40B4-BE49-F238E27FC236}">
+                  <a16:creationId xmlns:a16="http://schemas.microsoft.com/office/drawing/2014/main" id="{CFF743AE-5738-81D6-6552-E029B1EEFC11}"/>
+                </a:ext>
+              </a:extLst>
+            </p:cNvPr>
+            <p:cNvSpPr txBox="1"/>
+            <p:nvPr/>
+          </p:nvSpPr>
+          <p:spPr>
+            <a:xfrm>
+              <a:off x="7309315" y="3064126"/>
+              <a:ext cx="491247" cy="523220"/>
+            </a:xfrm>
+            <a:prstGeom prst="rect">
+              <a:avLst/>
+            </a:prstGeom>
+            <a:noFill/>
+          </p:spPr>
+          <p:txBody>
+            <a:bodyPr wrap="square">
+              <a:spAutoFit/>
+            </a:bodyPr>
+            <a:lstStyle/>
+            <a:p>
+              <a:r>
+                <a:rPr lang="en-US" sz="2800" dirty="0">
+                  <a:latin typeface="Arial" panose="020B0604020202020204" pitchFamily="34" charset="0"/>
+                  <a:cs typeface="Arial" panose="020B0604020202020204" pitchFamily="34" charset="0"/>
+                </a:rPr>
+                <a:t>③</a:t>
+              </a:r>
+            </a:p>
+          </p:txBody>
+        </p:sp>
+        <p:sp>
+          <p:nvSpPr>
+            <p:cNvPr id="36" name="Right Brace 35">
+              <a:extLst>
+                <a:ext uri="{FF2B5EF4-FFF2-40B4-BE49-F238E27FC236}">
+                  <a16:creationId xmlns:a16="http://schemas.microsoft.com/office/drawing/2014/main" id="{4F94F411-BAF7-4AF6-0E7B-9D2ED92A24FB}"/>
+                </a:ext>
+              </a:extLst>
+            </p:cNvPr>
+            <p:cNvSpPr/>
+            <p:nvPr/>
+          </p:nvSpPr>
+          <p:spPr>
+            <a:xfrm>
+              <a:off x="8357137" y="2479884"/>
+              <a:ext cx="400197" cy="1659723"/>
+            </a:xfrm>
+            <a:prstGeom prst="rightBrace">
+              <a:avLst/>
+            </a:prstGeom>
+          </p:spPr>
+          <p:style>
+            <a:lnRef idx="2">
+              <a:schemeClr val="accent1"/>
+            </a:lnRef>
+            <a:fillRef idx="0">
+              <a:schemeClr val="accent1"/>
+            </a:fillRef>
+            <a:effectRef idx="1">
+              <a:schemeClr val="accent1"/>
+            </a:effectRef>
+            <a:fontRef idx="minor">
+              <a:schemeClr val="tx1"/>
+            </a:fontRef>
+          </p:style>
+          <p:txBody>
+            <a:bodyPr rtlCol="0" anchor="ctr"/>
+            <a:lstStyle/>
+            <a:p>
+              <a:pPr algn="ctr"/>
+              <a:endParaRPr lang="en-US"/>
+            </a:p>
+          </p:txBody>
+        </p:sp>
+      </p:grpSp>
+    </p:spTree>
+    <p:extLst>
+      <p:ext uri="{BB962C8B-B14F-4D97-AF65-F5344CB8AC3E}">
+        <p14:creationId xmlns:p14="http://schemas.microsoft.com/office/powerpoint/2010/main" val="2899032475"/>
+      </p:ext>
+    </p:extLst>
+  </p:cSld>
+  <p:clrMapOvr>
+    <a:masterClrMapping/>
+  </p:clrMapOvr>
+</p:sld>
+</file>
+
+<file path=ppt/slides/slide15.xml><?xml version="1.0" encoding="utf-8"?>
+<p:sld xmlns:a="http://schemas.openxmlformats.org/drawingml/2006/main" xmlns:r="http://schemas.openxmlformats.org/officeDocument/2006/relationships" xmlns:p="http://schemas.openxmlformats.org/presentationml/2006/main">
+  <p:cSld>
+    <p:spTree>
+      <p:nvGrpSpPr>
+        <p:cNvPr id="1" name=""/>
+        <p:cNvGrpSpPr/>
+        <p:nvPr/>
+      </p:nvGrpSpPr>
+      <p:grpSpPr>
+        <a:xfrm>
+          <a:off x="0" y="0"/>
+          <a:ext cx="0" cy="0"/>
+          <a:chOff x="0" y="0"/>
+          <a:chExt cx="0" cy="0"/>
+        </a:xfrm>
+      </p:grpSpPr>
+      <p:grpSp>
+        <p:nvGrpSpPr>
+          <p:cNvPr id="123" name="Group 122">
+            <a:extLst>
+              <a:ext uri="{FF2B5EF4-FFF2-40B4-BE49-F238E27FC236}">
+                <a16:creationId xmlns:a16="http://schemas.microsoft.com/office/drawing/2014/main" id="{B635C1FC-3921-E82A-00DA-A93F09064148}"/>
+              </a:ext>
+            </a:extLst>
+          </p:cNvPr>
+          <p:cNvGrpSpPr/>
+          <p:nvPr/>
+        </p:nvGrpSpPr>
+        <p:grpSpPr>
+          <a:xfrm>
+            <a:off x="2368875" y="1818207"/>
+            <a:ext cx="4132019" cy="2688945"/>
+            <a:chOff x="2368875" y="1818207"/>
+            <a:chExt cx="4132019" cy="2688945"/>
+          </a:xfrm>
+        </p:grpSpPr>
+        <p:grpSp>
+          <p:nvGrpSpPr>
+            <p:cNvPr id="59" name="Group 58">
+              <a:extLst>
+                <a:ext uri="{FF2B5EF4-FFF2-40B4-BE49-F238E27FC236}">
+                  <a16:creationId xmlns:a16="http://schemas.microsoft.com/office/drawing/2014/main" id="{481F3CB5-9E5C-440A-CD9C-B091BE037F4A}"/>
+                </a:ext>
+              </a:extLst>
+            </p:cNvPr>
+            <p:cNvGrpSpPr/>
+            <p:nvPr/>
+          </p:nvGrpSpPr>
+          <p:grpSpPr>
+            <a:xfrm>
+              <a:off x="2368875" y="1818207"/>
+              <a:ext cx="4132019" cy="1261642"/>
+              <a:chOff x="2368875" y="1818207"/>
+              <a:chExt cx="4132019" cy="1261642"/>
+            </a:xfrm>
+          </p:grpSpPr>
+          <p:grpSp>
+            <p:nvGrpSpPr>
+              <p:cNvPr id="40" name="Group 39">
+                <a:extLst>
+                  <a:ext uri="{FF2B5EF4-FFF2-40B4-BE49-F238E27FC236}">
+                    <a16:creationId xmlns:a16="http://schemas.microsoft.com/office/drawing/2014/main" id="{2590A483-2128-0893-6911-58972EFFAF32}"/>
+                  </a:ext>
+                </a:extLst>
+              </p:cNvPr>
+              <p:cNvGrpSpPr/>
+              <p:nvPr/>
+            </p:nvGrpSpPr>
+            <p:grpSpPr>
+              <a:xfrm>
+                <a:off x="5074374" y="1818207"/>
+                <a:ext cx="1426520" cy="1261641"/>
+                <a:chOff x="9453716" y="521788"/>
+                <a:chExt cx="1426520" cy="1261641"/>
+              </a:xfrm>
+            </p:grpSpPr>
+            <p:sp>
+              <p:nvSpPr>
+                <p:cNvPr id="3" name="Rectangle 2">
+                  <a:extLst>
+                    <a:ext uri="{FF2B5EF4-FFF2-40B4-BE49-F238E27FC236}">
+                      <a16:creationId xmlns:a16="http://schemas.microsoft.com/office/drawing/2014/main" id="{1E57CCFD-598A-4531-A426-35874CAE0FDF}"/>
+                    </a:ext>
+                  </a:extLst>
+                </p:cNvPr>
+                <p:cNvSpPr/>
+                <p:nvPr/>
+              </p:nvSpPr>
+              <p:spPr>
+                <a:xfrm>
+                  <a:off x="9453716" y="521788"/>
+                  <a:ext cx="1426520" cy="1261641"/>
+                </a:xfrm>
+                <a:prstGeom prst="rect">
+                  <a:avLst/>
+                </a:prstGeom>
+                <a:noFill/>
+              </p:spPr>
+              <p:style>
+                <a:lnRef idx="2">
+                  <a:schemeClr val="accent1">
+                    <a:shade val="15000"/>
+                  </a:schemeClr>
+                </a:lnRef>
+                <a:fillRef idx="1">
+                  <a:schemeClr val="accent1"/>
+                </a:fillRef>
+                <a:effectRef idx="0">
+                  <a:schemeClr val="accent1"/>
+                </a:effectRef>
+                <a:fontRef idx="minor">
+                  <a:schemeClr val="lt1"/>
+                </a:fontRef>
+              </p:style>
+              <p:txBody>
+                <a:bodyPr rtlCol="0" anchor="t"/>
+                <a:lstStyle/>
+                <a:p>
+                  <a:pPr algn="ctr"/>
+                  <a:r>
+                    <a:rPr lang="en-US" dirty="0">
+                      <a:solidFill>
+                        <a:schemeClr val="tx1"/>
+                      </a:solidFill>
+                      <a:latin typeface="Arial" panose="020B0604020202020204" pitchFamily="34" charset="0"/>
+                      <a:cs typeface="Arial" panose="020B0604020202020204" pitchFamily="34" charset="0"/>
+                    </a:rPr>
+                    <a:t>HLS</a:t>
+                  </a:r>
+                </a:p>
+              </p:txBody>
+            </p:sp>
+            <p:grpSp>
+              <p:nvGrpSpPr>
+                <p:cNvPr id="35" name="Group 34">
+                  <a:extLst>
+                    <a:ext uri="{FF2B5EF4-FFF2-40B4-BE49-F238E27FC236}">
+                      <a16:creationId xmlns:a16="http://schemas.microsoft.com/office/drawing/2014/main" id="{26087577-F58C-2BE9-EFD1-BA281413A551}"/>
+                    </a:ext>
+                  </a:extLst>
+                </p:cNvPr>
+                <p:cNvGrpSpPr/>
+                <p:nvPr/>
+              </p:nvGrpSpPr>
+              <p:grpSpPr>
+                <a:xfrm>
+                  <a:off x="9755090" y="1042136"/>
+                  <a:ext cx="823772" cy="586649"/>
+                  <a:chOff x="9828426" y="1042136"/>
+                  <a:chExt cx="823772" cy="586649"/>
+                </a:xfrm>
+              </p:grpSpPr>
+              <p:pic>
+                <p:nvPicPr>
+                  <p:cNvPr id="15" name="Picture 14" descr="A red and black logo&#10;&#10;Description automatically generated">
+                    <a:extLst>
+                      <a:ext uri="{FF2B5EF4-FFF2-40B4-BE49-F238E27FC236}">
+                        <a16:creationId xmlns:a16="http://schemas.microsoft.com/office/drawing/2014/main" id="{4FE5B225-BDF3-9F88-3E3E-B35D4D20AA84}"/>
+                      </a:ext>
+                    </a:extLst>
+                  </p:cNvPr>
+                  <p:cNvPicPr>
+                    <a:picLocks noChangeAspect="1"/>
+                  </p:cNvPicPr>
+                  <p:nvPr/>
+                </p:nvPicPr>
+                <p:blipFill>
+                  <a:blip r:embed="rId3"/>
+                  <a:stretch>
+                    <a:fillRect/>
+                  </a:stretch>
+                </p:blipFill>
+                <p:spPr>
+                  <a:xfrm>
+                    <a:off x="9828426" y="1318272"/>
+                    <a:ext cx="823772" cy="310513"/>
+                  </a:xfrm>
+                  <a:prstGeom prst="rect">
+                    <a:avLst/>
+                  </a:prstGeom>
+                </p:spPr>
+              </p:pic>
+              <p:pic>
+                <p:nvPicPr>
+                  <p:cNvPr id="16" name="Picture 15" descr="A blue and yellow lines on a black background&#10;&#10;Description automatically generated">
+                    <a:extLst>
+                      <a:ext uri="{FF2B5EF4-FFF2-40B4-BE49-F238E27FC236}">
+                        <a16:creationId xmlns:a16="http://schemas.microsoft.com/office/drawing/2014/main" id="{85F68261-84A2-684E-E8A8-73751850B8D7}"/>
+                      </a:ext>
+                    </a:extLst>
+                  </p:cNvPr>
+                  <p:cNvPicPr>
+                    <a:picLocks noChangeAspect="1"/>
+                  </p:cNvPicPr>
+                  <p:nvPr/>
+                </p:nvPicPr>
+                <p:blipFill>
+                  <a:blip r:embed="rId4"/>
+                  <a:stretch>
+                    <a:fillRect/>
+                  </a:stretch>
+                </p:blipFill>
+                <p:spPr>
+                  <a:xfrm>
+                    <a:off x="9857780" y="1042136"/>
+                    <a:ext cx="765065" cy="274945"/>
+                  </a:xfrm>
+                  <a:prstGeom prst="rect">
+                    <a:avLst/>
+                  </a:prstGeom>
+                </p:spPr>
+              </p:pic>
+            </p:grpSp>
+          </p:grpSp>
+          <p:grpSp>
+            <p:nvGrpSpPr>
+              <p:cNvPr id="37" name="Group 36">
+                <a:extLst>
+                  <a:ext uri="{FF2B5EF4-FFF2-40B4-BE49-F238E27FC236}">
+                    <a16:creationId xmlns:a16="http://schemas.microsoft.com/office/drawing/2014/main" id="{889AC6F1-04CD-59FD-B5C6-11CB7CD85FE9}"/>
+                  </a:ext>
+                </a:extLst>
+              </p:cNvPr>
+              <p:cNvGrpSpPr/>
+              <p:nvPr/>
+            </p:nvGrpSpPr>
+            <p:grpSpPr>
+              <a:xfrm>
+                <a:off x="2368875" y="1818208"/>
+                <a:ext cx="1426520" cy="1261641"/>
+                <a:chOff x="2539376" y="511215"/>
+                <a:chExt cx="1426520" cy="1261641"/>
+              </a:xfrm>
+            </p:grpSpPr>
+            <p:sp>
+              <p:nvSpPr>
+                <p:cNvPr id="7" name="Rectangle 6">
+                  <a:extLst>
+                    <a:ext uri="{FF2B5EF4-FFF2-40B4-BE49-F238E27FC236}">
+                      <a16:creationId xmlns:a16="http://schemas.microsoft.com/office/drawing/2014/main" id="{46CB9EC2-CFDB-6EB4-9A30-3B26A5574159}"/>
+                    </a:ext>
+                  </a:extLst>
+                </p:cNvPr>
+                <p:cNvSpPr/>
+                <p:nvPr/>
+              </p:nvSpPr>
+              <p:spPr>
+                <a:xfrm>
+                  <a:off x="2539376" y="511215"/>
+                  <a:ext cx="1426520" cy="1261641"/>
+                </a:xfrm>
+                <a:prstGeom prst="rect">
+                  <a:avLst/>
+                </a:prstGeom>
+                <a:noFill/>
+              </p:spPr>
+              <p:style>
+                <a:lnRef idx="2">
+                  <a:schemeClr val="accent1">
+                    <a:shade val="15000"/>
+                  </a:schemeClr>
+                </a:lnRef>
+                <a:fillRef idx="1">
+                  <a:schemeClr val="accent1"/>
+                </a:fillRef>
+                <a:effectRef idx="0">
+                  <a:schemeClr val="accent1"/>
+                </a:effectRef>
+                <a:fontRef idx="minor">
+                  <a:schemeClr val="lt1"/>
+                </a:fontRef>
+              </p:style>
+              <p:txBody>
+                <a:bodyPr rtlCol="0" anchor="t"/>
+                <a:lstStyle/>
+                <a:p>
+                  <a:pPr algn="ctr"/>
+                  <a:r>
+                    <a:rPr lang="en-US" dirty="0">
+                      <a:solidFill>
+                        <a:schemeClr val="tx1"/>
+                      </a:solidFill>
+                      <a:latin typeface="Arial" panose="020B0604020202020204" pitchFamily="34" charset="0"/>
+                      <a:cs typeface="Arial" panose="020B0604020202020204" pitchFamily="34" charset="0"/>
+                    </a:rPr>
+                    <a:t>RTL</a:t>
+                  </a:r>
+                </a:p>
+              </p:txBody>
+            </p:sp>
+            <p:grpSp>
+              <p:nvGrpSpPr>
+                <p:cNvPr id="28" name="Group 27">
+                  <a:extLst>
+                    <a:ext uri="{FF2B5EF4-FFF2-40B4-BE49-F238E27FC236}">
+                      <a16:creationId xmlns:a16="http://schemas.microsoft.com/office/drawing/2014/main" id="{F5C09561-931C-6F66-05DA-B89CF1BA17CF}"/>
+                    </a:ext>
+                  </a:extLst>
+                </p:cNvPr>
+                <p:cNvGrpSpPr/>
+                <p:nvPr/>
+              </p:nvGrpSpPr>
+              <p:grpSpPr>
+                <a:xfrm>
+                  <a:off x="2683779" y="1094083"/>
+                  <a:ext cx="1137715" cy="520700"/>
+                  <a:chOff x="2631407" y="1094083"/>
+                  <a:chExt cx="1137715" cy="520700"/>
+                </a:xfrm>
+              </p:grpSpPr>
+              <p:pic>
+                <p:nvPicPr>
+                  <p:cNvPr id="25" name="Graphic 24">
+                    <a:extLst>
+                      <a:ext uri="{FF2B5EF4-FFF2-40B4-BE49-F238E27FC236}">
+                        <a16:creationId xmlns:a16="http://schemas.microsoft.com/office/drawing/2014/main" id="{C90D8215-DA89-1B40-96D8-88F3FD2C8B3F}"/>
+                      </a:ext>
+                    </a:extLst>
+                  </p:cNvPr>
+                  <p:cNvPicPr>
+                    <a:picLocks noChangeAspect="1"/>
+                  </p:cNvPicPr>
+                  <p:nvPr/>
+                </p:nvPicPr>
+                <p:blipFill>
+                  <a:blip r:embed="rId5">
+                    <a:extLst>
+                      <a:ext uri="{96DAC541-7B7A-43D3-8B79-37D633B846F1}">
+                        <asvg:svgBlip xmlns:asvg="http://schemas.microsoft.com/office/drawing/2016/SVG/main" r:embed="rId6"/>
+                      </a:ext>
+                    </a:extLst>
+                  </a:blip>
+                  <a:stretch>
+                    <a:fillRect/>
+                  </a:stretch>
+                </p:blipFill>
+                <p:spPr>
+                  <a:xfrm>
+                    <a:off x="2631407" y="1094083"/>
+                    <a:ext cx="520700" cy="520700"/>
+                  </a:xfrm>
+                  <a:prstGeom prst="rect">
+                    <a:avLst/>
+                  </a:prstGeom>
+                </p:spPr>
+              </p:pic>
+              <p:pic>
+                <p:nvPicPr>
+                  <p:cNvPr id="27" name="Graphic 26">
+                    <a:extLst>
+                      <a:ext uri="{FF2B5EF4-FFF2-40B4-BE49-F238E27FC236}">
+                        <a16:creationId xmlns:a16="http://schemas.microsoft.com/office/drawing/2014/main" id="{51BD1844-FFCB-540D-72F5-E4F10C5FCD78}"/>
+                      </a:ext>
+                    </a:extLst>
+                  </p:cNvPr>
+                  <p:cNvPicPr>
+                    <a:picLocks noChangeAspect="1"/>
+                  </p:cNvPicPr>
+                  <p:nvPr/>
+                </p:nvPicPr>
+                <p:blipFill>
+                  <a:blip r:embed="rId7">
+                    <a:extLst>
+                      <a:ext uri="{96DAC541-7B7A-43D3-8B79-37D633B846F1}">
+                        <asvg:svgBlip xmlns:asvg="http://schemas.microsoft.com/office/drawing/2016/SVG/main" r:embed="rId8"/>
+                      </a:ext>
+                    </a:extLst>
+                  </a:blip>
+                  <a:stretch>
+                    <a:fillRect/>
+                  </a:stretch>
+                </p:blipFill>
+                <p:spPr>
+                  <a:xfrm>
+                    <a:off x="3252636" y="1096190"/>
+                    <a:ext cx="516486" cy="516486"/>
+                  </a:xfrm>
+                  <a:prstGeom prst="rect">
+                    <a:avLst/>
+                  </a:prstGeom>
+                </p:spPr>
+              </p:pic>
+            </p:grpSp>
+          </p:grpSp>
+          <p:cxnSp>
+            <p:nvCxnSpPr>
+              <p:cNvPr id="55" name="Straight Arrow Connector 54">
+                <a:extLst>
+                  <a:ext uri="{FF2B5EF4-FFF2-40B4-BE49-F238E27FC236}">
+                    <a16:creationId xmlns:a16="http://schemas.microsoft.com/office/drawing/2014/main" id="{D6883D6A-50BF-458C-A31C-1B0C58C23EC9}"/>
+                  </a:ext>
+                </a:extLst>
+              </p:cNvPr>
+              <p:cNvCxnSpPr>
+                <a:stCxn id="7" idx="3"/>
+                <a:endCxn id="3" idx="1"/>
+              </p:cNvCxnSpPr>
+              <p:nvPr/>
+            </p:nvCxnSpPr>
+            <p:spPr>
+              <a:xfrm flipV="1">
+                <a:off x="3795395" y="2449028"/>
+                <a:ext cx="1278979" cy="1"/>
+              </a:xfrm>
+              <a:prstGeom prst="straightConnector1">
+                <a:avLst/>
+              </a:prstGeom>
+              <a:ln w="38100">
+                <a:solidFill>
+                  <a:srgbClr val="C00000"/>
+                </a:solidFill>
+                <a:headEnd type="triangle"/>
+                <a:tailEnd type="triangle"/>
+              </a:ln>
+            </p:spPr>
+            <p:style>
+              <a:lnRef idx="2">
+                <a:schemeClr val="accent1"/>
+              </a:lnRef>
+              <a:fillRef idx="0">
+                <a:schemeClr val="accent1"/>
+              </a:fillRef>
+              <a:effectRef idx="1">
+                <a:schemeClr val="accent1"/>
+              </a:effectRef>
+              <a:fontRef idx="minor">
+                <a:schemeClr val="tx1"/>
+              </a:fontRef>
+            </p:style>
+          </p:cxnSp>
+          <p:sp>
+            <p:nvSpPr>
+              <p:cNvPr id="56" name="TextBox 55">
+                <a:extLst>
+                  <a:ext uri="{FF2B5EF4-FFF2-40B4-BE49-F238E27FC236}">
+                    <a16:creationId xmlns:a16="http://schemas.microsoft.com/office/drawing/2014/main" id="{98541A72-5236-314E-1632-195EF316744B}"/>
+                  </a:ext>
+                </a:extLst>
+              </p:cNvPr>
+              <p:cNvSpPr txBox="1"/>
+              <p:nvPr/>
+            </p:nvSpPr>
+            <p:spPr>
+              <a:xfrm>
+                <a:off x="4073246" y="2079695"/>
+                <a:ext cx="723275" cy="369332"/>
+              </a:xfrm>
+              <a:prstGeom prst="rect">
+                <a:avLst/>
+              </a:prstGeom>
+              <a:noFill/>
+            </p:spPr>
+            <p:txBody>
+              <a:bodyPr wrap="none" rtlCol="0">
+                <a:spAutoFit/>
+              </a:bodyPr>
+              <a:lstStyle/>
+              <a:p>
+                <a:r>
+                  <a:rPr lang="en-US" dirty="0">
+                    <a:latin typeface="Arial" panose="020B0604020202020204" pitchFamily="34" charset="0"/>
+                    <a:cs typeface="Arial" panose="020B0604020202020204" pitchFamily="34" charset="0"/>
+                  </a:rPr>
+                  <a:t>Edge</a:t>
+                </a:r>
+              </a:p>
+            </p:txBody>
+          </p:sp>
+        </p:grpSp>
+        <p:grpSp>
+          <p:nvGrpSpPr>
+            <p:cNvPr id="84" name="Group 83">
+              <a:extLst>
+                <a:ext uri="{FF2B5EF4-FFF2-40B4-BE49-F238E27FC236}">
+                  <a16:creationId xmlns:a16="http://schemas.microsoft.com/office/drawing/2014/main" id="{B902D986-9DEA-D204-A6EB-5B13259A3654}"/>
+                </a:ext>
+              </a:extLst>
+            </p:cNvPr>
+            <p:cNvGrpSpPr/>
+            <p:nvPr/>
+          </p:nvGrpSpPr>
+          <p:grpSpPr>
+            <a:xfrm>
+              <a:off x="5074374" y="3245511"/>
+              <a:ext cx="1426520" cy="1261641"/>
+              <a:chOff x="7551685" y="521788"/>
+              <a:chExt cx="1426520" cy="1261641"/>
+            </a:xfrm>
+          </p:grpSpPr>
+          <p:sp>
+            <p:nvSpPr>
+              <p:cNvPr id="92" name="Rectangle 91">
+                <a:extLst>
+                  <a:ext uri="{FF2B5EF4-FFF2-40B4-BE49-F238E27FC236}">
+                    <a16:creationId xmlns:a16="http://schemas.microsoft.com/office/drawing/2014/main" id="{D21ECF33-84CC-CC40-995C-27D05930791C}"/>
+                  </a:ext>
+                </a:extLst>
+              </p:cNvPr>
+              <p:cNvSpPr/>
+              <p:nvPr/>
+            </p:nvSpPr>
+            <p:spPr>
+              <a:xfrm>
+                <a:off x="7551685" y="521788"/>
+                <a:ext cx="1426520" cy="1261641"/>
+              </a:xfrm>
+              <a:prstGeom prst="rect">
+                <a:avLst/>
+              </a:prstGeom>
+              <a:noFill/>
+            </p:spPr>
+            <p:style>
+              <a:lnRef idx="2">
+                <a:schemeClr val="accent1">
+                  <a:shade val="15000"/>
+                </a:schemeClr>
+              </a:lnRef>
+              <a:fillRef idx="1">
+                <a:schemeClr val="accent1"/>
+              </a:fillRef>
+              <a:effectRef idx="0">
+                <a:schemeClr val="accent1"/>
+              </a:effectRef>
+              <a:fontRef idx="minor">
+                <a:schemeClr val="lt1"/>
+              </a:fontRef>
+            </p:style>
+            <p:txBody>
+              <a:bodyPr rtlCol="0" anchor="t"/>
+              <a:lstStyle/>
+              <a:p>
+                <a:pPr algn="ctr"/>
+                <a:r>
+                  <a:rPr lang="en-US" dirty="0">
+                    <a:solidFill>
+                      <a:schemeClr val="tx1"/>
+                    </a:solidFill>
+                    <a:latin typeface="Arial" panose="020B0604020202020204" pitchFamily="34" charset="0"/>
+                    <a:cs typeface="Arial" panose="020B0604020202020204" pitchFamily="34" charset="0"/>
+                  </a:rPr>
+                  <a:t>Accel DSL</a:t>
+                </a:r>
+              </a:p>
+            </p:txBody>
+          </p:sp>
+          <p:pic>
+            <p:nvPicPr>
+              <p:cNvPr id="93" name="Picture 92" descr="A pink and black flower&#10;&#10;Description automatically generated">
+                <a:extLst>
+                  <a:ext uri="{FF2B5EF4-FFF2-40B4-BE49-F238E27FC236}">
+                    <a16:creationId xmlns:a16="http://schemas.microsoft.com/office/drawing/2014/main" id="{0060AB3D-1ECC-7C20-70C5-7C25FD4CB0EE}"/>
+                  </a:ext>
+                </a:extLst>
+              </p:cNvPr>
+              <p:cNvPicPr>
+                <a:picLocks noChangeAspect="1"/>
+              </p:cNvPicPr>
+              <p:nvPr/>
+            </p:nvPicPr>
+            <p:blipFill>
+              <a:blip r:embed="rId9"/>
+              <a:stretch>
+                <a:fillRect/>
+              </a:stretch>
+            </p:blipFill>
+            <p:spPr>
+              <a:xfrm>
+                <a:off x="7651861" y="1179609"/>
+                <a:ext cx="539698" cy="499143"/>
+              </a:xfrm>
+              <a:prstGeom prst="rect">
+                <a:avLst/>
+              </a:prstGeom>
+            </p:spPr>
+          </p:pic>
+          <p:pic>
+            <p:nvPicPr>
+              <p:cNvPr id="94" name="Picture 93" descr="A colorful cube with many squares&#10;&#10;Description automatically generated">
+                <a:extLst>
+                  <a:ext uri="{FF2B5EF4-FFF2-40B4-BE49-F238E27FC236}">
+                    <a16:creationId xmlns:a16="http://schemas.microsoft.com/office/drawing/2014/main" id="{90732E93-0DF5-3A56-AC81-3324F20C4DE4}"/>
+                  </a:ext>
+                </a:extLst>
+              </p:cNvPr>
+              <p:cNvPicPr>
+                <a:picLocks noChangeAspect="1"/>
+              </p:cNvPicPr>
+              <p:nvPr/>
+            </p:nvPicPr>
+            <p:blipFill>
+              <a:blip r:embed="rId10"/>
+              <a:stretch>
+                <a:fillRect/>
+              </a:stretch>
+            </p:blipFill>
+            <p:spPr>
+              <a:xfrm>
+                <a:off x="8338331" y="1118854"/>
+                <a:ext cx="539698" cy="620653"/>
+              </a:xfrm>
+              <a:prstGeom prst="rect">
+                <a:avLst/>
+              </a:prstGeom>
+            </p:spPr>
+          </p:pic>
+        </p:grpSp>
+        <p:cxnSp>
+          <p:nvCxnSpPr>
+            <p:cNvPr id="119" name="Straight Arrow Connector 118">
+              <a:extLst>
+                <a:ext uri="{FF2B5EF4-FFF2-40B4-BE49-F238E27FC236}">
+                  <a16:creationId xmlns:a16="http://schemas.microsoft.com/office/drawing/2014/main" id="{EE262921-A6FD-126F-3DE5-0A461BF8207B}"/>
+                </a:ext>
+              </a:extLst>
+            </p:cNvPr>
+            <p:cNvCxnSpPr>
+              <a:cxnSpLocks/>
+              <a:stCxn id="7" idx="3"/>
+              <a:endCxn id="92" idx="1"/>
+            </p:cNvCxnSpPr>
+            <p:nvPr/>
+          </p:nvCxnSpPr>
+          <p:spPr>
+            <a:xfrm>
+              <a:off x="3795395" y="2449029"/>
+              <a:ext cx="1278979" cy="1427303"/>
+            </a:xfrm>
+            <a:prstGeom prst="straightConnector1">
+              <a:avLst/>
+            </a:prstGeom>
+            <a:ln w="38100">
+              <a:solidFill>
+                <a:schemeClr val="accent3"/>
+              </a:solidFill>
+              <a:headEnd type="triangle"/>
+              <a:tailEnd type="triangle"/>
+            </a:ln>
+          </p:spPr>
+          <p:style>
+            <a:lnRef idx="2">
+              <a:schemeClr val="accent1"/>
+            </a:lnRef>
+            <a:fillRef idx="0">
+              <a:schemeClr val="accent1"/>
+            </a:fillRef>
+            <a:effectRef idx="1">
+              <a:schemeClr val="accent1"/>
+            </a:effectRef>
+            <a:fontRef idx="minor">
+              <a:schemeClr val="tx1"/>
+            </a:fontRef>
+          </p:style>
+        </p:cxnSp>
+      </p:grpSp>
+    </p:spTree>
+    <p:extLst>
+      <p:ext uri="{BB962C8B-B14F-4D97-AF65-F5344CB8AC3E}">
+        <p14:creationId xmlns:p14="http://schemas.microsoft.com/office/powerpoint/2010/main" val="4089034428"/>
+      </p:ext>
+    </p:extLst>
+  </p:cSld>
+  <p:clrMapOvr>
+    <a:masterClrMapping/>
+  </p:clrMapOvr>
+</p:sld>
+</file>
+
+<file path=ppt/slides/slide16.xml><?xml version="1.0" encoding="utf-8"?>
 <p:sld xmlns:a="http://schemas.openxmlformats.org/drawingml/2006/main" xmlns:r="http://schemas.openxmlformats.org/officeDocument/2006/relationships" xmlns:p="http://schemas.openxmlformats.org/presentationml/2006/main">
   <p:cSld>
     <p:spTree>
@@ -11723,7 +14339,7 @@
 </p:sld>
 </file>
 
-<file path=ppt/slides/slide15.xml><?xml version="1.0" encoding="utf-8"?>
+<file path=ppt/slides/slide17.xml><?xml version="1.0" encoding="utf-8"?>
 <p:sld xmlns:a="http://schemas.openxmlformats.org/drawingml/2006/main" xmlns:r="http://schemas.openxmlformats.org/officeDocument/2006/relationships" xmlns:p="http://schemas.openxmlformats.org/presentationml/2006/main">
   <p:cSld>
     <p:spTree>
@@ -12877,7 +15493,7 @@
 </p:sld>
 </file>
 
-<file path=ppt/slides/slide16.xml><?xml version="1.0" encoding="utf-8"?>
+<file path=ppt/slides/slide18.xml><?xml version="1.0" encoding="utf-8"?>
 <p:sld xmlns:a="http://schemas.openxmlformats.org/drawingml/2006/main" xmlns:r="http://schemas.openxmlformats.org/officeDocument/2006/relationships" xmlns:p="http://schemas.openxmlformats.org/presentationml/2006/main">
   <p:cSld>
     <p:spTree>
@@ -13646,7 +16262,7 @@
 </p:sld>
 </file>
 
-<file path=ppt/slides/slide17.xml><?xml version="1.0" encoding="utf-8"?>
+<file path=ppt/slides/slide19.xml><?xml version="1.0" encoding="utf-8"?>
 <p:sld xmlns:a="http://schemas.openxmlformats.org/drawingml/2006/main" xmlns:r="http://schemas.openxmlformats.org/officeDocument/2006/relationships" xmlns:p="http://schemas.openxmlformats.org/presentationml/2006/main">
   <p:cSld>
     <p:spTree>
